--- a/자기소개서.pptx
+++ b/자기소개서.pptx
@@ -11,7 +11,9 @@
     <p:sldId id="257" r:id="rId5"/>
     <p:sldId id="264" r:id="rId6"/>
     <p:sldId id="265" r:id="rId7"/>
-    <p:sldId id="266" r:id="rId8"/>
+    <p:sldId id="269" r:id="rId8"/>
+    <p:sldId id="268" r:id="rId9"/>
+    <p:sldId id="266" r:id="rId10"/>
   </p:sldIdLst>
   <p:sldSz cx="12192000" cy="6858000"/>
   <p:notesSz cx="6858000" cy="9144000"/>
@@ -249,7 +251,7 @@
           <a:p>
             <a:fld id="{264654F6-9A7C-43B7-BDFE-44552E03498C}" type="datetimeFigureOut">
               <a:rPr lang="ko-KR" altLang="en-US" smtClean="0"/>
-              <a:t>2019-08-23</a:t>
+              <a:t>2019-08-26</a:t>
             </a:fld>
             <a:endParaRPr lang="ko-KR" altLang="en-US"/>
           </a:p>
@@ -419,7 +421,7 @@
           <a:p>
             <a:fld id="{264654F6-9A7C-43B7-BDFE-44552E03498C}" type="datetimeFigureOut">
               <a:rPr lang="ko-KR" altLang="en-US" smtClean="0"/>
-              <a:t>2019-08-23</a:t>
+              <a:t>2019-08-26</a:t>
             </a:fld>
             <a:endParaRPr lang="ko-KR" altLang="en-US"/>
           </a:p>
@@ -599,7 +601,7 @@
           <a:p>
             <a:fld id="{264654F6-9A7C-43B7-BDFE-44552E03498C}" type="datetimeFigureOut">
               <a:rPr lang="ko-KR" altLang="en-US" smtClean="0"/>
-              <a:t>2019-08-23</a:t>
+              <a:t>2019-08-26</a:t>
             </a:fld>
             <a:endParaRPr lang="ko-KR" altLang="en-US"/>
           </a:p>
@@ -769,7 +771,7 @@
           <a:p>
             <a:fld id="{264654F6-9A7C-43B7-BDFE-44552E03498C}" type="datetimeFigureOut">
               <a:rPr lang="ko-KR" altLang="en-US" smtClean="0"/>
-              <a:t>2019-08-23</a:t>
+              <a:t>2019-08-26</a:t>
             </a:fld>
             <a:endParaRPr lang="ko-KR" altLang="en-US"/>
           </a:p>
@@ -1015,7 +1017,7 @@
           <a:p>
             <a:fld id="{264654F6-9A7C-43B7-BDFE-44552E03498C}" type="datetimeFigureOut">
               <a:rPr lang="ko-KR" altLang="en-US" smtClean="0"/>
-              <a:t>2019-08-23</a:t>
+              <a:t>2019-08-26</a:t>
             </a:fld>
             <a:endParaRPr lang="ko-KR" altLang="en-US"/>
           </a:p>
@@ -1247,7 +1249,7 @@
           <a:p>
             <a:fld id="{264654F6-9A7C-43B7-BDFE-44552E03498C}" type="datetimeFigureOut">
               <a:rPr lang="ko-KR" altLang="en-US" smtClean="0"/>
-              <a:t>2019-08-23</a:t>
+              <a:t>2019-08-26</a:t>
             </a:fld>
             <a:endParaRPr lang="ko-KR" altLang="en-US"/>
           </a:p>
@@ -1614,7 +1616,7 @@
           <a:p>
             <a:fld id="{264654F6-9A7C-43B7-BDFE-44552E03498C}" type="datetimeFigureOut">
               <a:rPr lang="ko-KR" altLang="en-US" smtClean="0"/>
-              <a:t>2019-08-23</a:t>
+              <a:t>2019-08-26</a:t>
             </a:fld>
             <a:endParaRPr lang="ko-KR" altLang="en-US"/>
           </a:p>
@@ -1732,7 +1734,7 @@
           <a:p>
             <a:fld id="{264654F6-9A7C-43B7-BDFE-44552E03498C}" type="datetimeFigureOut">
               <a:rPr lang="ko-KR" altLang="en-US" smtClean="0"/>
-              <a:t>2019-08-23</a:t>
+              <a:t>2019-08-26</a:t>
             </a:fld>
             <a:endParaRPr lang="ko-KR" altLang="en-US"/>
           </a:p>
@@ -1827,7 +1829,7 @@
           <a:p>
             <a:fld id="{264654F6-9A7C-43B7-BDFE-44552E03498C}" type="datetimeFigureOut">
               <a:rPr lang="ko-KR" altLang="en-US" smtClean="0"/>
-              <a:t>2019-08-23</a:t>
+              <a:t>2019-08-26</a:t>
             </a:fld>
             <a:endParaRPr lang="ko-KR" altLang="en-US"/>
           </a:p>
@@ -2104,7 +2106,7 @@
           <a:p>
             <a:fld id="{264654F6-9A7C-43B7-BDFE-44552E03498C}" type="datetimeFigureOut">
               <a:rPr lang="ko-KR" altLang="en-US" smtClean="0"/>
-              <a:t>2019-08-23</a:t>
+              <a:t>2019-08-26</a:t>
             </a:fld>
             <a:endParaRPr lang="ko-KR" altLang="en-US"/>
           </a:p>
@@ -2357,7 +2359,7 @@
           <a:p>
             <a:fld id="{264654F6-9A7C-43B7-BDFE-44552E03498C}" type="datetimeFigureOut">
               <a:rPr lang="ko-KR" altLang="en-US" smtClean="0"/>
-              <a:t>2019-08-23</a:t>
+              <a:t>2019-08-26</a:t>
             </a:fld>
             <a:endParaRPr lang="ko-KR" altLang="en-US"/>
           </a:p>
@@ -2570,7 +2572,7 @@
           <a:p>
             <a:fld id="{264654F6-9A7C-43B7-BDFE-44552E03498C}" type="datetimeFigureOut">
               <a:rPr lang="ko-KR" altLang="en-US" smtClean="0"/>
-              <a:t>2019-08-23</a:t>
+              <a:t>2019-08-26</a:t>
             </a:fld>
             <a:endParaRPr lang="ko-KR" altLang="en-US"/>
           </a:p>
@@ -4128,6 +4130,130 @@
           </a:p>
         </p:txBody>
       </p:sp>
+      <p:pic>
+        <p:nvPicPr>
+          <p:cNvPr id="2" name="그림 1"/>
+          <p:cNvPicPr>
+            <a:picLocks noChangeAspect="1"/>
+          </p:cNvPicPr>
+          <p:nvPr/>
+        </p:nvPicPr>
+        <p:blipFill>
+          <a:blip r:embed="rId2">
+            <a:extLst>
+              <a:ext uri="{28A0092B-C50C-407E-A947-70E740481C1C}">
+                <a14:useLocalDpi xmlns:a14="http://schemas.microsoft.com/office/drawing/2010/main" val="0"/>
+              </a:ext>
+            </a:extLst>
+          </a:blip>
+          <a:stretch>
+            <a:fillRect/>
+          </a:stretch>
+        </p:blipFill>
+        <p:spPr>
+          <a:xfrm>
+            <a:off x="559745" y="1421941"/>
+            <a:ext cx="5043918" cy="2235659"/>
+          </a:xfrm>
+          <a:prstGeom prst="rect">
+            <a:avLst/>
+          </a:prstGeom>
+        </p:spPr>
+      </p:pic>
+      <p:sp>
+        <p:nvSpPr>
+          <p:cNvPr id="4" name="TextBox 3"/>
+          <p:cNvSpPr txBox="1"/>
+          <p:nvPr/>
+        </p:nvSpPr>
+        <p:spPr>
+          <a:xfrm>
+            <a:off x="5996325" y="1421941"/>
+            <a:ext cx="4703885" cy="1477328"/>
+          </a:xfrm>
+          <a:prstGeom prst="rect">
+            <a:avLst/>
+          </a:prstGeom>
+          <a:noFill/>
+        </p:spPr>
+        <p:txBody>
+          <a:bodyPr wrap="square" rtlCol="0">
+            <a:spAutoFit/>
+          </a:bodyPr>
+          <a:lstStyle/>
+          <a:p>
+            <a:r>
+              <a:rPr lang="en-US" altLang="ko-KR" dirty="0">
+                <a:hlinkClick r:id="rId3"/>
+              </a:rPr>
+              <a:t>https://preview.themeforest.net/item/markone-onepage-resume-html-template/full_screen_preview/19822405?_ga=2.95863259.612461164.1566780289-1184936057.1566377612</a:t>
+            </a:r>
+            <a:endParaRPr lang="ko-KR" altLang="en-US" dirty="0"/>
+          </a:p>
+        </p:txBody>
+      </p:sp>
+      <p:pic>
+        <p:nvPicPr>
+          <p:cNvPr id="6" name="그림 5"/>
+          <p:cNvPicPr>
+            <a:picLocks noChangeAspect="1"/>
+          </p:cNvPicPr>
+          <p:nvPr/>
+        </p:nvPicPr>
+        <p:blipFill>
+          <a:blip r:embed="rId4" cstate="print">
+            <a:extLst>
+              <a:ext uri="{28A0092B-C50C-407E-A947-70E740481C1C}">
+                <a14:useLocalDpi xmlns:a14="http://schemas.microsoft.com/office/drawing/2010/main" val="0"/>
+              </a:ext>
+            </a:extLst>
+          </a:blip>
+          <a:stretch>
+            <a:fillRect/>
+          </a:stretch>
+        </p:blipFill>
+        <p:spPr>
+          <a:xfrm>
+            <a:off x="5996325" y="3870410"/>
+            <a:ext cx="4267279" cy="2694357"/>
+          </a:xfrm>
+          <a:prstGeom prst="rect">
+            <a:avLst/>
+          </a:prstGeom>
+        </p:spPr>
+      </p:pic>
+      <p:sp>
+        <p:nvSpPr>
+          <p:cNvPr id="11" name="TextBox 10"/>
+          <p:cNvSpPr txBox="1"/>
+          <p:nvPr/>
+        </p:nvSpPr>
+        <p:spPr>
+          <a:xfrm>
+            <a:off x="559745" y="3870410"/>
+            <a:ext cx="3845201" cy="923330"/>
+          </a:xfrm>
+          <a:prstGeom prst="rect">
+            <a:avLst/>
+          </a:prstGeom>
+          <a:noFill/>
+        </p:spPr>
+        <p:txBody>
+          <a:bodyPr wrap="square" rtlCol="0">
+            <a:spAutoFit/>
+          </a:bodyPr>
+          <a:lstStyle/>
+          <a:p>
+            <a:r>
+              <a:rPr lang="en-US" altLang="ko-KR">
+                <a:hlinkClick r:id="rId5"/>
+              </a:rPr>
+              <a:t>https://pennyblacktemplates.com/demo/ws/feather/dark-demo/resume-center-content.html</a:t>
+            </a:r>
+            <a:endParaRPr lang="ko-KR" altLang="en-US" dirty="0"/>
+          </a:p>
+        </p:txBody>
+      </p:sp>
     </p:spTree>
     <p:extLst>
       <p:ext uri="{BB962C8B-B14F-4D97-AF65-F5344CB8AC3E}">
@@ -4212,8 +4338,8 @@
         </p:nvSpPr>
         <p:spPr>
           <a:xfrm>
-            <a:off x="0" y="0"/>
-            <a:ext cx="6163408" cy="1015663"/>
+            <a:off x="-1" y="0"/>
+            <a:ext cx="10840915" cy="1015663"/>
           </a:xfrm>
           <a:prstGeom prst="rect">
             <a:avLst/>
@@ -4234,7 +4360,47 @@
                 <a:latin typeface="Adobe 고딕 Std B" panose="020B0800000000000000" pitchFamily="34" charset="-127"/>
                 <a:ea typeface="Adobe 고딕 Std B" panose="020B0800000000000000" pitchFamily="34" charset="-127"/>
               </a:rPr>
-              <a:t>디바이스 반영</a:t>
+              <a:t>디바이스 </a:t>
+            </a:r>
+            <a:r>
+              <a:rPr lang="ko-KR" altLang="en-US" sz="6000" dirty="0" smtClean="0">
+                <a:solidFill>
+                  <a:schemeClr val="bg1"/>
+                </a:solidFill>
+                <a:latin typeface="Adobe 고딕 Std B" panose="020B0800000000000000" pitchFamily="34" charset="-127"/>
+                <a:ea typeface="Adobe 고딕 Std B" panose="020B0800000000000000" pitchFamily="34" charset="-127"/>
+              </a:rPr>
+              <a:t>반영 </a:t>
+            </a:r>
+            <a:r>
+              <a:rPr lang="en-US" altLang="ko-KR" sz="6000" dirty="0" smtClean="0">
+                <a:solidFill>
+                  <a:schemeClr val="bg1"/>
+                </a:solidFill>
+                <a:latin typeface="Adobe 고딕 Std B" panose="020B0800000000000000" pitchFamily="34" charset="-127"/>
+                <a:ea typeface="Adobe 고딕 Std B" panose="020B0800000000000000" pitchFamily="34" charset="-127"/>
+              </a:rPr>
+              <a:t>(</a:t>
+            </a:r>
+            <a:r>
+              <a:rPr lang="ko-KR" altLang="en-US" sz="6000" dirty="0" err="1" smtClean="0">
+                <a:solidFill>
+                  <a:schemeClr val="bg1"/>
+                </a:solidFill>
+                <a:latin typeface="Adobe 고딕 Std B" panose="020B0800000000000000" pitchFamily="34" charset="-127"/>
+                <a:ea typeface="Adobe 고딕 Std B" panose="020B0800000000000000" pitchFamily="34" charset="-127"/>
+              </a:rPr>
+              <a:t>데스크탑</a:t>
+            </a:r>
+            <a:r>
+              <a:rPr lang="en-US" altLang="ko-KR" sz="6000" dirty="0" smtClean="0">
+                <a:solidFill>
+                  <a:schemeClr val="bg1"/>
+                </a:solidFill>
+                <a:latin typeface="Adobe 고딕 Std B" panose="020B0800000000000000" pitchFamily="34" charset="-127"/>
+                <a:ea typeface="Adobe 고딕 Std B" panose="020B0800000000000000" pitchFamily="34" charset="-127"/>
+              </a:rPr>
+              <a:t>)</a:t>
             </a:r>
             <a:endParaRPr lang="ko-KR" altLang="en-US" sz="6000" dirty="0">
               <a:solidFill>
@@ -4242,6 +4408,359 @@
               </a:solidFill>
               <a:latin typeface="Adobe 고딕 Std B" panose="020B0800000000000000" pitchFamily="34" charset="-127"/>
               <a:ea typeface="Adobe 고딕 Std B" panose="020B0800000000000000" pitchFamily="34" charset="-127"/>
+            </a:endParaRPr>
+          </a:p>
+        </p:txBody>
+      </p:sp>
+      <p:sp>
+        <p:nvSpPr>
+          <p:cNvPr id="2" name="직사각형 1"/>
+          <p:cNvSpPr/>
+          <p:nvPr/>
+        </p:nvSpPr>
+        <p:spPr>
+          <a:xfrm>
+            <a:off x="2090436" y="2172172"/>
+            <a:ext cx="6912000" cy="3888000"/>
+          </a:xfrm>
+          <a:prstGeom prst="rect">
+            <a:avLst/>
+          </a:prstGeom>
+          <a:solidFill>
+            <a:schemeClr val="bg1">
+              <a:alpha val="50000"/>
+            </a:schemeClr>
+          </a:solidFill>
+          <a:ln>
+            <a:noFill/>
+          </a:ln>
+        </p:spPr>
+        <p:style>
+          <a:lnRef idx="2">
+            <a:schemeClr val="accent1">
+              <a:shade val="50000"/>
+            </a:schemeClr>
+          </a:lnRef>
+          <a:fillRef idx="1">
+            <a:schemeClr val="accent1"/>
+          </a:fillRef>
+          <a:effectRef idx="0">
+            <a:schemeClr val="accent1"/>
+          </a:effectRef>
+          <a:fontRef idx="minor">
+            <a:schemeClr val="lt1"/>
+          </a:fontRef>
+        </p:style>
+        <p:txBody>
+          <a:bodyPr rtlCol="0" anchor="ctr"/>
+          <a:lstStyle/>
+          <a:p>
+            <a:pPr algn="ctr"/>
+            <a:endParaRPr lang="ko-KR" altLang="en-US" dirty="0">
+              <a:solidFill>
+                <a:schemeClr val="bg1"/>
+              </a:solidFill>
+            </a:endParaRPr>
+          </a:p>
+        </p:txBody>
+      </p:sp>
+      <p:sp>
+        <p:nvSpPr>
+          <p:cNvPr id="4" name="TextBox 3"/>
+          <p:cNvSpPr txBox="1"/>
+          <p:nvPr/>
+        </p:nvSpPr>
+        <p:spPr>
+          <a:xfrm rot="16200000">
+            <a:off x="868369" y="4093312"/>
+            <a:ext cx="1846659" cy="45719"/>
+          </a:xfrm>
+          <a:prstGeom prst="rect">
+            <a:avLst/>
+          </a:prstGeom>
+          <a:noFill/>
+        </p:spPr>
+        <p:txBody>
+          <a:bodyPr vert="eaVert" wrap="square" rtlCol="0">
+            <a:spAutoFit/>
+          </a:bodyPr>
+          <a:lstStyle/>
+          <a:p>
+            <a:r>
+              <a:rPr lang="en-US" altLang="ko-KR" dirty="0" smtClean="0">
+                <a:solidFill>
+                  <a:schemeClr val="bg1"/>
+                </a:solidFill>
+              </a:rPr>
+              <a:t>1080px</a:t>
+            </a:r>
+            <a:endParaRPr lang="ko-KR" altLang="en-US" dirty="0">
+              <a:solidFill>
+                <a:schemeClr val="bg1"/>
+              </a:solidFill>
+            </a:endParaRPr>
+          </a:p>
+        </p:txBody>
+      </p:sp>
+      <p:sp>
+        <p:nvSpPr>
+          <p:cNvPr id="6" name="TextBox 5"/>
+          <p:cNvSpPr txBox="1"/>
+          <p:nvPr/>
+        </p:nvSpPr>
+        <p:spPr>
+          <a:xfrm>
+            <a:off x="5107709" y="1802840"/>
+            <a:ext cx="2474056" cy="369332"/>
+          </a:xfrm>
+          <a:prstGeom prst="rect">
+            <a:avLst/>
+          </a:prstGeom>
+          <a:noFill/>
+        </p:spPr>
+        <p:txBody>
+          <a:bodyPr wrap="square" rtlCol="0">
+            <a:spAutoFit/>
+          </a:bodyPr>
+          <a:lstStyle/>
+          <a:p>
+            <a:r>
+              <a:rPr lang="en-US" altLang="ko-KR" dirty="0" smtClean="0">
+                <a:solidFill>
+                  <a:schemeClr val="bg1"/>
+                </a:solidFill>
+              </a:rPr>
+              <a:t>1920px</a:t>
+            </a:r>
+            <a:endParaRPr lang="ko-KR" altLang="en-US" dirty="0">
+              <a:solidFill>
+                <a:schemeClr val="bg1"/>
+              </a:solidFill>
+            </a:endParaRPr>
+          </a:p>
+        </p:txBody>
+      </p:sp>
+      <p:sp>
+        <p:nvSpPr>
+          <p:cNvPr id="7" name="직사각형 6"/>
+          <p:cNvSpPr/>
+          <p:nvPr/>
+        </p:nvSpPr>
+        <p:spPr>
+          <a:xfrm>
+            <a:off x="2090436" y="2172172"/>
+            <a:ext cx="6912000" cy="288000"/>
+          </a:xfrm>
+          <a:prstGeom prst="rect">
+            <a:avLst/>
+          </a:prstGeom>
+          <a:solidFill>
+            <a:srgbClr val="FF0000">
+              <a:alpha val="50000"/>
+            </a:srgbClr>
+          </a:solidFill>
+          <a:ln>
+            <a:noFill/>
+          </a:ln>
+        </p:spPr>
+        <p:style>
+          <a:lnRef idx="2">
+            <a:schemeClr val="accent1">
+              <a:shade val="50000"/>
+            </a:schemeClr>
+          </a:lnRef>
+          <a:fillRef idx="1">
+            <a:schemeClr val="accent1"/>
+          </a:fillRef>
+          <a:effectRef idx="0">
+            <a:schemeClr val="accent1"/>
+          </a:effectRef>
+          <a:fontRef idx="minor">
+            <a:schemeClr val="lt1"/>
+          </a:fontRef>
+        </p:style>
+        <p:txBody>
+          <a:bodyPr rtlCol="0" anchor="ctr"/>
+          <a:lstStyle/>
+          <a:p>
+            <a:pPr algn="ctr"/>
+            <a:r>
+              <a:rPr lang="ko-KR" altLang="en-US" sz="1500" dirty="0" smtClean="0"/>
+              <a:t>목차 영역</a:t>
+            </a:r>
+            <a:endParaRPr lang="ko-KR" altLang="en-US" sz="1500" dirty="0"/>
+          </a:p>
+        </p:txBody>
+      </p:sp>
+      <p:sp>
+        <p:nvSpPr>
+          <p:cNvPr id="9" name="TextBox 8"/>
+          <p:cNvSpPr txBox="1"/>
+          <p:nvPr/>
+        </p:nvSpPr>
+        <p:spPr>
+          <a:xfrm rot="16200000">
+            <a:off x="7050627" y="4093311"/>
+            <a:ext cx="1107996" cy="45719"/>
+          </a:xfrm>
+          <a:prstGeom prst="rect">
+            <a:avLst/>
+          </a:prstGeom>
+          <a:noFill/>
+        </p:spPr>
+        <p:txBody>
+          <a:bodyPr vert="eaVert" wrap="square" rtlCol="0">
+            <a:spAutoFit/>
+          </a:bodyPr>
+          <a:lstStyle/>
+          <a:p>
+            <a:r>
+              <a:rPr lang="en-US" altLang="ko-KR" sz="1000" dirty="0" smtClean="0">
+                <a:solidFill>
+                  <a:schemeClr val="bg1"/>
+                </a:solidFill>
+              </a:rPr>
+              <a:t>950px	</a:t>
+            </a:r>
+            <a:endParaRPr lang="ko-KR" altLang="en-US" sz="1000" dirty="0">
+              <a:solidFill>
+                <a:schemeClr val="bg1"/>
+              </a:solidFill>
+            </a:endParaRPr>
+          </a:p>
+        </p:txBody>
+      </p:sp>
+      <p:sp>
+        <p:nvSpPr>
+          <p:cNvPr id="8" name="직사각형 7"/>
+          <p:cNvSpPr/>
+          <p:nvPr/>
+        </p:nvSpPr>
+        <p:spPr>
+          <a:xfrm>
+            <a:off x="3548436" y="2640172"/>
+            <a:ext cx="3996000" cy="3420000"/>
+          </a:xfrm>
+          <a:prstGeom prst="rect">
+            <a:avLst/>
+          </a:prstGeom>
+          <a:solidFill>
+            <a:srgbClr val="FFC000">
+              <a:alpha val="50000"/>
+            </a:srgbClr>
+          </a:solidFill>
+          <a:ln>
+            <a:noFill/>
+          </a:ln>
+        </p:spPr>
+        <p:style>
+          <a:lnRef idx="2">
+            <a:schemeClr val="accent1">
+              <a:shade val="50000"/>
+            </a:schemeClr>
+          </a:lnRef>
+          <a:fillRef idx="1">
+            <a:schemeClr val="accent1"/>
+          </a:fillRef>
+          <a:effectRef idx="0">
+            <a:schemeClr val="accent1"/>
+          </a:effectRef>
+          <a:fontRef idx="minor">
+            <a:schemeClr val="lt1"/>
+          </a:fontRef>
+        </p:style>
+        <p:txBody>
+          <a:bodyPr rtlCol="0" anchor="ctr"/>
+          <a:lstStyle/>
+          <a:p>
+            <a:pPr algn="ctr"/>
+            <a:r>
+              <a:rPr lang="en-US" altLang="ko-KR" sz="1500" dirty="0" smtClean="0"/>
+              <a:t>Contents</a:t>
+            </a:r>
+          </a:p>
+          <a:p>
+            <a:pPr algn="ctr"/>
+            <a:r>
+              <a:rPr lang="en-US" altLang="ko-KR" sz="1500" dirty="0" smtClean="0"/>
+              <a:t>Box</a:t>
+            </a:r>
+            <a:endParaRPr lang="ko-KR" altLang="en-US" sz="1500" dirty="0"/>
+          </a:p>
+        </p:txBody>
+      </p:sp>
+      <p:sp>
+        <p:nvSpPr>
+          <p:cNvPr id="11" name="TextBox 10"/>
+          <p:cNvSpPr txBox="1"/>
+          <p:nvPr/>
+        </p:nvSpPr>
+        <p:spPr>
+          <a:xfrm rot="16200000">
+            <a:off x="8625186" y="2293312"/>
+            <a:ext cx="800219" cy="45719"/>
+          </a:xfrm>
+          <a:prstGeom prst="rect">
+            <a:avLst/>
+          </a:prstGeom>
+          <a:noFill/>
+        </p:spPr>
+        <p:txBody>
+          <a:bodyPr vert="eaVert" wrap="square" rtlCol="0">
+            <a:spAutoFit/>
+          </a:bodyPr>
+          <a:lstStyle/>
+          <a:p>
+            <a:r>
+              <a:rPr lang="en-US" altLang="ko-KR" sz="1000" dirty="0" smtClean="0">
+                <a:solidFill>
+                  <a:schemeClr val="bg1"/>
+                </a:solidFill>
+              </a:rPr>
+              <a:t>80px</a:t>
+            </a:r>
+            <a:endParaRPr lang="ko-KR" altLang="en-US" sz="1000" dirty="0">
+              <a:solidFill>
+                <a:schemeClr val="bg1"/>
+              </a:solidFill>
+            </a:endParaRPr>
+          </a:p>
+        </p:txBody>
+      </p:sp>
+      <p:sp>
+        <p:nvSpPr>
+          <p:cNvPr id="16" name="TextBox 15"/>
+          <p:cNvSpPr txBox="1"/>
+          <p:nvPr/>
+        </p:nvSpPr>
+        <p:spPr>
+          <a:xfrm>
+            <a:off x="5346257" y="6060172"/>
+            <a:ext cx="2474056" cy="246221"/>
+          </a:xfrm>
+          <a:prstGeom prst="rect">
+            <a:avLst/>
+          </a:prstGeom>
+          <a:noFill/>
+        </p:spPr>
+        <p:txBody>
+          <a:bodyPr wrap="square" rtlCol="0">
+            <a:spAutoFit/>
+          </a:bodyPr>
+          <a:lstStyle/>
+          <a:p>
+            <a:r>
+              <a:rPr lang="en-US" altLang="ko-KR" sz="1000" dirty="0" smtClean="0">
+                <a:solidFill>
+                  <a:schemeClr val="bg1"/>
+                </a:solidFill>
+              </a:rPr>
+              <a:t>1110px</a:t>
+            </a:r>
+            <a:endParaRPr lang="ko-KR" altLang="en-US" sz="1000" dirty="0">
+              <a:solidFill>
+                <a:schemeClr val="bg1"/>
+              </a:solidFill>
             </a:endParaRPr>
           </a:p>
         </p:txBody>
@@ -4260,6 +4779,845 @@
 </file>
 
 <file path=ppt/slides/slide7.xml><?xml version="1.0" encoding="utf-8"?>
+<p:sld xmlns:a="http://schemas.openxmlformats.org/drawingml/2006/main" xmlns:r="http://schemas.openxmlformats.org/officeDocument/2006/relationships" xmlns:p="http://schemas.openxmlformats.org/presentationml/2006/main">
+  <p:cSld>
+    <p:spTree>
+      <p:nvGrpSpPr>
+        <p:cNvPr id="1" name=""/>
+        <p:cNvGrpSpPr/>
+        <p:nvPr/>
+      </p:nvGrpSpPr>
+      <p:grpSpPr>
+        <a:xfrm>
+          <a:off x="0" y="0"/>
+          <a:ext cx="0" cy="0"/>
+          <a:chOff x="0" y="0"/>
+          <a:chExt cx="0" cy="0"/>
+        </a:xfrm>
+      </p:grpSpPr>
+      <p:sp>
+        <p:nvSpPr>
+          <p:cNvPr id="15" name="직사각형 14"/>
+          <p:cNvSpPr/>
+          <p:nvPr/>
+        </p:nvSpPr>
+        <p:spPr>
+          <a:xfrm>
+            <a:off x="0" y="-48836"/>
+            <a:ext cx="11092873" cy="6858000"/>
+          </a:xfrm>
+          <a:prstGeom prst="rect">
+            <a:avLst/>
+          </a:prstGeom>
+          <a:solidFill>
+            <a:srgbClr val="BFBFBF"/>
+          </a:solidFill>
+          <a:ln>
+            <a:noFill/>
+          </a:ln>
+        </p:spPr>
+        <p:style>
+          <a:lnRef idx="2">
+            <a:schemeClr val="accent1">
+              <a:shade val="50000"/>
+            </a:schemeClr>
+          </a:lnRef>
+          <a:fillRef idx="1">
+            <a:schemeClr val="accent1"/>
+          </a:fillRef>
+          <a:effectRef idx="0">
+            <a:schemeClr val="accent1"/>
+          </a:effectRef>
+          <a:fontRef idx="minor">
+            <a:schemeClr val="lt1"/>
+          </a:fontRef>
+        </p:style>
+        <p:txBody>
+          <a:bodyPr rtlCol="0" anchor="ctr"/>
+          <a:lstStyle/>
+          <a:p>
+            <a:pPr algn="ctr"/>
+            <a:endParaRPr lang="ko-KR" altLang="en-US" dirty="0"/>
+          </a:p>
+        </p:txBody>
+      </p:sp>
+      <p:sp>
+        <p:nvSpPr>
+          <p:cNvPr id="3" name="TextBox 2"/>
+          <p:cNvSpPr txBox="1"/>
+          <p:nvPr/>
+        </p:nvSpPr>
+        <p:spPr>
+          <a:xfrm>
+            <a:off x="-1" y="0"/>
+            <a:ext cx="8774545" cy="1938992"/>
+          </a:xfrm>
+          <a:prstGeom prst="rect">
+            <a:avLst/>
+          </a:prstGeom>
+          <a:noFill/>
+        </p:spPr>
+        <p:txBody>
+          <a:bodyPr wrap="square" rtlCol="0">
+            <a:spAutoFit/>
+          </a:bodyPr>
+          <a:lstStyle/>
+          <a:p>
+            <a:r>
+              <a:rPr lang="ko-KR" altLang="en-US" sz="6000" dirty="0" smtClean="0">
+                <a:solidFill>
+                  <a:schemeClr val="bg1"/>
+                </a:solidFill>
+                <a:latin typeface="Adobe 고딕 Std B" panose="020B0800000000000000" pitchFamily="34" charset="-127"/>
+                <a:ea typeface="Adobe 고딕 Std B" panose="020B0800000000000000" pitchFamily="34" charset="-127"/>
+              </a:rPr>
+              <a:t>디바이스 </a:t>
+            </a:r>
+            <a:r>
+              <a:rPr lang="ko-KR" altLang="en-US" sz="6000" dirty="0" smtClean="0">
+                <a:solidFill>
+                  <a:schemeClr val="bg1"/>
+                </a:solidFill>
+                <a:latin typeface="Adobe 고딕 Std B" panose="020B0800000000000000" pitchFamily="34" charset="-127"/>
+                <a:ea typeface="Adobe 고딕 Std B" panose="020B0800000000000000" pitchFamily="34" charset="-127"/>
+              </a:rPr>
+              <a:t>반영 </a:t>
+            </a:r>
+            <a:r>
+              <a:rPr lang="en-US" altLang="ko-KR" sz="6000" dirty="0" smtClean="0">
+                <a:solidFill>
+                  <a:schemeClr val="bg1"/>
+                </a:solidFill>
+                <a:latin typeface="Adobe 고딕 Std B" panose="020B0800000000000000" pitchFamily="34" charset="-127"/>
+                <a:ea typeface="Adobe 고딕 Std B" panose="020B0800000000000000" pitchFamily="34" charset="-127"/>
+              </a:rPr>
+              <a:t>(</a:t>
+            </a:r>
+            <a:r>
+              <a:rPr lang="ko-KR" altLang="en-US" sz="6000" dirty="0" smtClean="0">
+                <a:solidFill>
+                  <a:schemeClr val="bg1"/>
+                </a:solidFill>
+                <a:latin typeface="Adobe 고딕 Std B" panose="020B0800000000000000" pitchFamily="34" charset="-127"/>
+                <a:ea typeface="Adobe 고딕 Std B" panose="020B0800000000000000" pitchFamily="34" charset="-127"/>
+              </a:rPr>
+              <a:t>태블릿</a:t>
+            </a:r>
+            <a:r>
+              <a:rPr lang="en-US" altLang="ko-KR" sz="6000" dirty="0" smtClean="0">
+                <a:solidFill>
+                  <a:schemeClr val="bg1"/>
+                </a:solidFill>
+                <a:latin typeface="Adobe 고딕 Std B" panose="020B0800000000000000" pitchFamily="34" charset="-127"/>
+                <a:ea typeface="Adobe 고딕 Std B" panose="020B0800000000000000" pitchFamily="34" charset="-127"/>
+              </a:rPr>
+              <a:t>)</a:t>
+            </a:r>
+            <a:endParaRPr lang="ko-KR" altLang="en-US" sz="6000" dirty="0">
+              <a:solidFill>
+                <a:schemeClr val="bg1"/>
+              </a:solidFill>
+              <a:latin typeface="Adobe 고딕 Std B" panose="020B0800000000000000" pitchFamily="34" charset="-127"/>
+              <a:ea typeface="Adobe 고딕 Std B" panose="020B0800000000000000" pitchFamily="34" charset="-127"/>
+            </a:endParaRPr>
+          </a:p>
+          <a:p>
+            <a:endParaRPr lang="ko-KR" altLang="en-US" sz="6000" dirty="0">
+              <a:solidFill>
+                <a:schemeClr val="bg1"/>
+              </a:solidFill>
+              <a:latin typeface="Adobe 고딕 Std B" panose="020B0800000000000000" pitchFamily="34" charset="-127"/>
+              <a:ea typeface="Adobe 고딕 Std B" panose="020B0800000000000000" pitchFamily="34" charset="-127"/>
+            </a:endParaRPr>
+          </a:p>
+        </p:txBody>
+      </p:sp>
+      <p:sp>
+        <p:nvSpPr>
+          <p:cNvPr id="2" name="직사각형 1"/>
+          <p:cNvSpPr/>
+          <p:nvPr/>
+        </p:nvSpPr>
+        <p:spPr>
+          <a:xfrm>
+            <a:off x="2954436" y="1809000"/>
+            <a:ext cx="5184000" cy="3240000"/>
+          </a:xfrm>
+          <a:prstGeom prst="rect">
+            <a:avLst/>
+          </a:prstGeom>
+          <a:solidFill>
+            <a:schemeClr val="bg1">
+              <a:alpha val="50000"/>
+            </a:schemeClr>
+          </a:solidFill>
+          <a:ln>
+            <a:noFill/>
+          </a:ln>
+        </p:spPr>
+        <p:style>
+          <a:lnRef idx="2">
+            <a:schemeClr val="accent1">
+              <a:shade val="50000"/>
+            </a:schemeClr>
+          </a:lnRef>
+          <a:fillRef idx="1">
+            <a:schemeClr val="accent1"/>
+          </a:fillRef>
+          <a:effectRef idx="0">
+            <a:schemeClr val="accent1"/>
+          </a:effectRef>
+          <a:fontRef idx="minor">
+            <a:schemeClr val="lt1"/>
+          </a:fontRef>
+        </p:style>
+        <p:txBody>
+          <a:bodyPr rtlCol="0" anchor="ctr"/>
+          <a:lstStyle/>
+          <a:p>
+            <a:pPr algn="ctr"/>
+            <a:endParaRPr lang="ko-KR" altLang="en-US"/>
+          </a:p>
+        </p:txBody>
+      </p:sp>
+      <p:sp>
+        <p:nvSpPr>
+          <p:cNvPr id="5" name="TextBox 4"/>
+          <p:cNvSpPr txBox="1"/>
+          <p:nvPr/>
+        </p:nvSpPr>
+        <p:spPr>
+          <a:xfrm rot="16200000">
+            <a:off x="1939741" y="3406140"/>
+            <a:ext cx="1569660" cy="45719"/>
+          </a:xfrm>
+          <a:prstGeom prst="rect">
+            <a:avLst/>
+          </a:prstGeom>
+          <a:noFill/>
+        </p:spPr>
+        <p:txBody>
+          <a:bodyPr vert="eaVert" wrap="square" rtlCol="0">
+            <a:spAutoFit/>
+          </a:bodyPr>
+          <a:lstStyle/>
+          <a:p>
+            <a:r>
+              <a:rPr lang="en-US" altLang="ko-KR" dirty="0" smtClean="0">
+                <a:solidFill>
+                  <a:schemeClr val="bg1"/>
+                </a:solidFill>
+              </a:rPr>
+              <a:t>900px</a:t>
+            </a:r>
+            <a:endParaRPr lang="ko-KR" altLang="en-US" dirty="0">
+              <a:solidFill>
+                <a:schemeClr val="bg1"/>
+              </a:solidFill>
+            </a:endParaRPr>
+          </a:p>
+        </p:txBody>
+      </p:sp>
+      <p:sp>
+        <p:nvSpPr>
+          <p:cNvPr id="6" name="TextBox 5"/>
+          <p:cNvSpPr txBox="1"/>
+          <p:nvPr/>
+        </p:nvSpPr>
+        <p:spPr>
+          <a:xfrm>
+            <a:off x="5153891" y="1447577"/>
+            <a:ext cx="2474056" cy="369332"/>
+          </a:xfrm>
+          <a:prstGeom prst="rect">
+            <a:avLst/>
+          </a:prstGeom>
+          <a:noFill/>
+        </p:spPr>
+        <p:txBody>
+          <a:bodyPr wrap="square" rtlCol="0">
+            <a:spAutoFit/>
+          </a:bodyPr>
+          <a:lstStyle/>
+          <a:p>
+            <a:r>
+              <a:rPr lang="en-US" altLang="ko-KR" dirty="0" smtClean="0">
+                <a:solidFill>
+                  <a:schemeClr val="bg1"/>
+                </a:solidFill>
+              </a:rPr>
+              <a:t>1440px</a:t>
+            </a:r>
+            <a:endParaRPr lang="ko-KR" altLang="en-US" dirty="0">
+              <a:solidFill>
+                <a:schemeClr val="bg1"/>
+              </a:solidFill>
+            </a:endParaRPr>
+          </a:p>
+        </p:txBody>
+      </p:sp>
+      <p:sp>
+        <p:nvSpPr>
+          <p:cNvPr id="8" name="직사각형 7"/>
+          <p:cNvSpPr/>
+          <p:nvPr/>
+        </p:nvSpPr>
+        <p:spPr>
+          <a:xfrm>
+            <a:off x="2954436" y="1809000"/>
+            <a:ext cx="5184000" cy="288000"/>
+          </a:xfrm>
+          <a:prstGeom prst="rect">
+            <a:avLst/>
+          </a:prstGeom>
+          <a:solidFill>
+            <a:srgbClr val="FF0000">
+              <a:alpha val="50000"/>
+            </a:srgbClr>
+          </a:solidFill>
+          <a:ln>
+            <a:noFill/>
+          </a:ln>
+        </p:spPr>
+        <p:style>
+          <a:lnRef idx="2">
+            <a:schemeClr val="accent1">
+              <a:shade val="50000"/>
+            </a:schemeClr>
+          </a:lnRef>
+          <a:fillRef idx="1">
+            <a:schemeClr val="accent1"/>
+          </a:fillRef>
+          <a:effectRef idx="0">
+            <a:schemeClr val="accent1"/>
+          </a:effectRef>
+          <a:fontRef idx="minor">
+            <a:schemeClr val="lt1"/>
+          </a:fontRef>
+        </p:style>
+        <p:txBody>
+          <a:bodyPr rtlCol="0" anchor="ctr"/>
+          <a:lstStyle/>
+          <a:p>
+            <a:pPr algn="ctr"/>
+            <a:r>
+              <a:rPr lang="ko-KR" altLang="en-US" sz="1500" dirty="0" smtClean="0"/>
+              <a:t>목차 영역</a:t>
+            </a:r>
+            <a:endParaRPr lang="ko-KR" altLang="en-US" sz="1500" dirty="0"/>
+          </a:p>
+        </p:txBody>
+      </p:sp>
+      <p:sp>
+        <p:nvSpPr>
+          <p:cNvPr id="9" name="TextBox 8"/>
+          <p:cNvSpPr txBox="1"/>
+          <p:nvPr/>
+        </p:nvSpPr>
+        <p:spPr>
+          <a:xfrm rot="16200000">
+            <a:off x="7761186" y="1930140"/>
+            <a:ext cx="800219" cy="45719"/>
+          </a:xfrm>
+          <a:prstGeom prst="rect">
+            <a:avLst/>
+          </a:prstGeom>
+          <a:noFill/>
+        </p:spPr>
+        <p:txBody>
+          <a:bodyPr vert="eaVert" wrap="square" rtlCol="0">
+            <a:spAutoFit/>
+          </a:bodyPr>
+          <a:lstStyle/>
+          <a:p>
+            <a:r>
+              <a:rPr lang="en-US" altLang="ko-KR" sz="1000" dirty="0" smtClean="0">
+                <a:solidFill>
+                  <a:schemeClr val="bg1"/>
+                </a:solidFill>
+              </a:rPr>
+              <a:t>80px</a:t>
+            </a:r>
+            <a:endParaRPr lang="ko-KR" altLang="en-US" sz="1000" dirty="0">
+              <a:solidFill>
+                <a:schemeClr val="bg1"/>
+              </a:solidFill>
+            </a:endParaRPr>
+          </a:p>
+        </p:txBody>
+      </p:sp>
+    </p:spTree>
+    <p:extLst>
+      <p:ext uri="{BB962C8B-B14F-4D97-AF65-F5344CB8AC3E}">
+        <p14:creationId xmlns:p14="http://schemas.microsoft.com/office/powerpoint/2010/main" val="2838679855"/>
+      </p:ext>
+    </p:extLst>
+  </p:cSld>
+  <p:clrMapOvr>
+    <a:masterClrMapping/>
+  </p:clrMapOvr>
+</p:sld>
+</file>
+
+<file path=ppt/slides/slide8.xml><?xml version="1.0" encoding="utf-8"?>
+<p:sld xmlns:a="http://schemas.openxmlformats.org/drawingml/2006/main" xmlns:r="http://schemas.openxmlformats.org/officeDocument/2006/relationships" xmlns:p="http://schemas.openxmlformats.org/presentationml/2006/main">
+  <p:cSld>
+    <p:spTree>
+      <p:nvGrpSpPr>
+        <p:cNvPr id="1" name=""/>
+        <p:cNvGrpSpPr/>
+        <p:nvPr/>
+      </p:nvGrpSpPr>
+      <p:grpSpPr>
+        <a:xfrm>
+          <a:off x="0" y="0"/>
+          <a:ext cx="0" cy="0"/>
+          <a:chOff x="0" y="0"/>
+          <a:chExt cx="0" cy="0"/>
+        </a:xfrm>
+      </p:grpSpPr>
+      <p:sp>
+        <p:nvSpPr>
+          <p:cNvPr id="15" name="직사각형 14"/>
+          <p:cNvSpPr/>
+          <p:nvPr/>
+        </p:nvSpPr>
+        <p:spPr>
+          <a:xfrm>
+            <a:off x="0" y="0"/>
+            <a:ext cx="11092873" cy="6858000"/>
+          </a:xfrm>
+          <a:prstGeom prst="rect">
+            <a:avLst/>
+          </a:prstGeom>
+          <a:solidFill>
+            <a:srgbClr val="BFBFBF"/>
+          </a:solidFill>
+          <a:ln>
+            <a:noFill/>
+          </a:ln>
+        </p:spPr>
+        <p:style>
+          <a:lnRef idx="2">
+            <a:schemeClr val="accent1">
+              <a:shade val="50000"/>
+            </a:schemeClr>
+          </a:lnRef>
+          <a:fillRef idx="1">
+            <a:schemeClr val="accent1"/>
+          </a:fillRef>
+          <a:effectRef idx="0">
+            <a:schemeClr val="accent1"/>
+          </a:effectRef>
+          <a:fontRef idx="minor">
+            <a:schemeClr val="lt1"/>
+          </a:fontRef>
+        </p:style>
+        <p:txBody>
+          <a:bodyPr rtlCol="0" anchor="ctr"/>
+          <a:lstStyle/>
+          <a:p>
+            <a:pPr algn="ctr"/>
+            <a:endParaRPr lang="ko-KR" altLang="en-US" dirty="0"/>
+          </a:p>
+        </p:txBody>
+      </p:sp>
+      <p:sp>
+        <p:nvSpPr>
+          <p:cNvPr id="3" name="TextBox 2"/>
+          <p:cNvSpPr txBox="1"/>
+          <p:nvPr/>
+        </p:nvSpPr>
+        <p:spPr>
+          <a:xfrm>
+            <a:off x="-1" y="0"/>
+            <a:ext cx="8515928" cy="1015663"/>
+          </a:xfrm>
+          <a:prstGeom prst="rect">
+            <a:avLst/>
+          </a:prstGeom>
+          <a:noFill/>
+        </p:spPr>
+        <p:txBody>
+          <a:bodyPr wrap="square" rtlCol="0">
+            <a:spAutoFit/>
+          </a:bodyPr>
+          <a:lstStyle/>
+          <a:p>
+            <a:r>
+              <a:rPr lang="ko-KR" altLang="en-US" sz="6000" dirty="0" smtClean="0">
+                <a:solidFill>
+                  <a:schemeClr val="bg1"/>
+                </a:solidFill>
+                <a:latin typeface="Adobe 고딕 Std B" panose="020B0800000000000000" pitchFamily="34" charset="-127"/>
+                <a:ea typeface="Adobe 고딕 Std B" panose="020B0800000000000000" pitchFamily="34" charset="-127"/>
+              </a:rPr>
+              <a:t>디바이스 </a:t>
+            </a:r>
+            <a:r>
+              <a:rPr lang="ko-KR" altLang="en-US" sz="6000" smtClean="0">
+                <a:solidFill>
+                  <a:schemeClr val="bg1"/>
+                </a:solidFill>
+                <a:latin typeface="Adobe 고딕 Std B" panose="020B0800000000000000" pitchFamily="34" charset="-127"/>
+                <a:ea typeface="Adobe 고딕 Std B" panose="020B0800000000000000" pitchFamily="34" charset="-127"/>
+              </a:rPr>
+              <a:t>반영 </a:t>
+            </a:r>
+            <a:r>
+              <a:rPr lang="en-US" altLang="ko-KR" sz="6000" dirty="0" smtClean="0">
+                <a:solidFill>
+                  <a:schemeClr val="bg1"/>
+                </a:solidFill>
+                <a:latin typeface="Adobe 고딕 Std B" panose="020B0800000000000000" pitchFamily="34" charset="-127"/>
+                <a:ea typeface="Adobe 고딕 Std B" panose="020B0800000000000000" pitchFamily="34" charset="-127"/>
+              </a:rPr>
+              <a:t>(</a:t>
+            </a:r>
+            <a:r>
+              <a:rPr lang="ko-KR" altLang="en-US" sz="6000" dirty="0" smtClean="0">
+                <a:solidFill>
+                  <a:schemeClr val="bg1"/>
+                </a:solidFill>
+                <a:latin typeface="Adobe 고딕 Std B" panose="020B0800000000000000" pitchFamily="34" charset="-127"/>
+                <a:ea typeface="Adobe 고딕 Std B" panose="020B0800000000000000" pitchFamily="34" charset="-127"/>
+              </a:rPr>
+              <a:t>핸드폰</a:t>
+            </a:r>
+            <a:r>
+              <a:rPr lang="en-US" altLang="ko-KR" sz="6000" dirty="0" smtClean="0">
+                <a:solidFill>
+                  <a:schemeClr val="bg1"/>
+                </a:solidFill>
+                <a:latin typeface="Adobe 고딕 Std B" panose="020B0800000000000000" pitchFamily="34" charset="-127"/>
+                <a:ea typeface="Adobe 고딕 Std B" panose="020B0800000000000000" pitchFamily="34" charset="-127"/>
+              </a:rPr>
+              <a:t>)</a:t>
+            </a:r>
+            <a:endParaRPr lang="ko-KR" altLang="en-US" sz="6000" dirty="0">
+              <a:solidFill>
+                <a:schemeClr val="bg1"/>
+              </a:solidFill>
+              <a:latin typeface="Adobe 고딕 Std B" panose="020B0800000000000000" pitchFamily="34" charset="-127"/>
+              <a:ea typeface="Adobe 고딕 Std B" panose="020B0800000000000000" pitchFamily="34" charset="-127"/>
+            </a:endParaRPr>
+          </a:p>
+        </p:txBody>
+      </p:sp>
+      <p:sp>
+        <p:nvSpPr>
+          <p:cNvPr id="2" name="직사각형 1"/>
+          <p:cNvSpPr/>
+          <p:nvPr/>
+        </p:nvSpPr>
+        <p:spPr>
+          <a:xfrm>
+            <a:off x="4250436" y="1269000"/>
+            <a:ext cx="2592000" cy="4320000"/>
+          </a:xfrm>
+          <a:prstGeom prst="rect">
+            <a:avLst/>
+          </a:prstGeom>
+          <a:solidFill>
+            <a:schemeClr val="bg1">
+              <a:alpha val="50000"/>
+            </a:schemeClr>
+          </a:solidFill>
+          <a:ln>
+            <a:noFill/>
+          </a:ln>
+        </p:spPr>
+        <p:style>
+          <a:lnRef idx="2">
+            <a:schemeClr val="accent1">
+              <a:shade val="50000"/>
+            </a:schemeClr>
+          </a:lnRef>
+          <a:fillRef idx="1">
+            <a:schemeClr val="accent1"/>
+          </a:fillRef>
+          <a:effectRef idx="0">
+            <a:schemeClr val="accent1"/>
+          </a:effectRef>
+          <a:fontRef idx="minor">
+            <a:schemeClr val="lt1"/>
+          </a:fontRef>
+        </p:style>
+        <p:txBody>
+          <a:bodyPr rtlCol="0" anchor="ctr"/>
+          <a:lstStyle/>
+          <a:p>
+            <a:pPr algn="ctr"/>
+            <a:endParaRPr lang="ko-KR" altLang="en-US"/>
+          </a:p>
+        </p:txBody>
+      </p:sp>
+      <p:sp>
+        <p:nvSpPr>
+          <p:cNvPr id="5" name="TextBox 4"/>
+          <p:cNvSpPr txBox="1"/>
+          <p:nvPr/>
+        </p:nvSpPr>
+        <p:spPr>
+          <a:xfrm>
+            <a:off x="5153891" y="905820"/>
+            <a:ext cx="2474056" cy="369332"/>
+          </a:xfrm>
+          <a:prstGeom prst="rect">
+            <a:avLst/>
+          </a:prstGeom>
+          <a:noFill/>
+        </p:spPr>
+        <p:txBody>
+          <a:bodyPr wrap="square" rtlCol="0">
+            <a:spAutoFit/>
+          </a:bodyPr>
+          <a:lstStyle/>
+          <a:p>
+            <a:r>
+              <a:rPr lang="en-US" altLang="ko-KR" dirty="0" smtClean="0">
+                <a:solidFill>
+                  <a:schemeClr val="bg1"/>
+                </a:solidFill>
+              </a:rPr>
+              <a:t>480px</a:t>
+            </a:r>
+            <a:endParaRPr lang="ko-KR" altLang="en-US" dirty="0">
+              <a:solidFill>
+                <a:schemeClr val="bg1"/>
+              </a:solidFill>
+            </a:endParaRPr>
+          </a:p>
+        </p:txBody>
+      </p:sp>
+      <p:sp>
+        <p:nvSpPr>
+          <p:cNvPr id="7" name="TextBox 6"/>
+          <p:cNvSpPr txBox="1"/>
+          <p:nvPr/>
+        </p:nvSpPr>
+        <p:spPr>
+          <a:xfrm rot="16200000">
+            <a:off x="3251305" y="3406140"/>
+            <a:ext cx="1569660" cy="45719"/>
+          </a:xfrm>
+          <a:prstGeom prst="rect">
+            <a:avLst/>
+          </a:prstGeom>
+          <a:noFill/>
+        </p:spPr>
+        <p:txBody>
+          <a:bodyPr vert="eaVert" wrap="square" rtlCol="0">
+            <a:spAutoFit/>
+          </a:bodyPr>
+          <a:lstStyle/>
+          <a:p>
+            <a:r>
+              <a:rPr lang="en-US" altLang="ko-KR" dirty="0" smtClean="0">
+                <a:solidFill>
+                  <a:schemeClr val="bg1"/>
+                </a:solidFill>
+              </a:rPr>
+              <a:t>800px</a:t>
+            </a:r>
+            <a:endParaRPr lang="ko-KR" altLang="en-US" dirty="0">
+              <a:solidFill>
+                <a:schemeClr val="bg1"/>
+              </a:solidFill>
+            </a:endParaRPr>
+          </a:p>
+        </p:txBody>
+      </p:sp>
+      <p:sp>
+        <p:nvSpPr>
+          <p:cNvPr id="8" name="직사각형 7"/>
+          <p:cNvSpPr/>
+          <p:nvPr/>
+        </p:nvSpPr>
+        <p:spPr>
+          <a:xfrm>
+            <a:off x="4250436" y="1269000"/>
+            <a:ext cx="2592000" cy="432000"/>
+          </a:xfrm>
+          <a:prstGeom prst="rect">
+            <a:avLst/>
+          </a:prstGeom>
+          <a:solidFill>
+            <a:srgbClr val="FF0000">
+              <a:alpha val="50000"/>
+            </a:srgbClr>
+          </a:solidFill>
+          <a:ln>
+            <a:noFill/>
+          </a:ln>
+        </p:spPr>
+        <p:style>
+          <a:lnRef idx="2">
+            <a:schemeClr val="accent1">
+              <a:shade val="50000"/>
+            </a:schemeClr>
+          </a:lnRef>
+          <a:fillRef idx="1">
+            <a:schemeClr val="accent1"/>
+          </a:fillRef>
+          <a:effectRef idx="0">
+            <a:schemeClr val="accent1"/>
+          </a:effectRef>
+          <a:fontRef idx="minor">
+            <a:schemeClr val="lt1"/>
+          </a:fontRef>
+        </p:style>
+        <p:txBody>
+          <a:bodyPr rtlCol="0" anchor="ctr"/>
+          <a:lstStyle/>
+          <a:p>
+            <a:pPr algn="ctr"/>
+            <a:r>
+              <a:rPr lang="ko-KR" altLang="en-US" sz="1500" dirty="0" smtClean="0"/>
+              <a:t>목차 영역</a:t>
+            </a:r>
+            <a:endParaRPr lang="ko-KR" altLang="en-US" sz="1500" dirty="0"/>
+          </a:p>
+        </p:txBody>
+      </p:sp>
+      <p:sp>
+        <p:nvSpPr>
+          <p:cNvPr id="9" name="TextBox 8"/>
+          <p:cNvSpPr txBox="1"/>
+          <p:nvPr/>
+        </p:nvSpPr>
+        <p:spPr>
+          <a:xfrm rot="16200000">
+            <a:off x="6465186" y="1465217"/>
+            <a:ext cx="800219" cy="45719"/>
+          </a:xfrm>
+          <a:prstGeom prst="rect">
+            <a:avLst/>
+          </a:prstGeom>
+          <a:noFill/>
+        </p:spPr>
+        <p:txBody>
+          <a:bodyPr vert="eaVert" wrap="square" rtlCol="0">
+            <a:spAutoFit/>
+          </a:bodyPr>
+          <a:lstStyle/>
+          <a:p>
+            <a:r>
+              <a:rPr lang="en-US" altLang="ko-KR" sz="1000" dirty="0" smtClean="0">
+                <a:solidFill>
+                  <a:schemeClr val="bg1"/>
+                </a:solidFill>
+              </a:rPr>
+              <a:t>80px</a:t>
+            </a:r>
+            <a:endParaRPr lang="ko-KR" altLang="en-US" sz="1000" dirty="0">
+              <a:solidFill>
+                <a:schemeClr val="bg1"/>
+              </a:solidFill>
+            </a:endParaRPr>
+          </a:p>
+        </p:txBody>
+      </p:sp>
+      <p:sp>
+        <p:nvSpPr>
+          <p:cNvPr id="10" name="직사각형 9"/>
+          <p:cNvSpPr/>
+          <p:nvPr/>
+        </p:nvSpPr>
+        <p:spPr>
+          <a:xfrm>
+            <a:off x="4250436" y="1971000"/>
+            <a:ext cx="2592000" cy="3618000"/>
+          </a:xfrm>
+          <a:prstGeom prst="rect">
+            <a:avLst/>
+          </a:prstGeom>
+          <a:solidFill>
+            <a:srgbClr val="FFC000">
+              <a:alpha val="50000"/>
+            </a:srgbClr>
+          </a:solidFill>
+          <a:ln>
+            <a:noFill/>
+          </a:ln>
+        </p:spPr>
+        <p:style>
+          <a:lnRef idx="2">
+            <a:schemeClr val="accent1">
+              <a:shade val="50000"/>
+            </a:schemeClr>
+          </a:lnRef>
+          <a:fillRef idx="1">
+            <a:schemeClr val="accent1"/>
+          </a:fillRef>
+          <a:effectRef idx="0">
+            <a:schemeClr val="accent1"/>
+          </a:effectRef>
+          <a:fontRef idx="minor">
+            <a:schemeClr val="lt1"/>
+          </a:fontRef>
+        </p:style>
+        <p:txBody>
+          <a:bodyPr rtlCol="0" anchor="ctr"/>
+          <a:lstStyle/>
+          <a:p>
+            <a:pPr algn="ctr"/>
+            <a:endParaRPr lang="ko-KR" altLang="en-US"/>
+          </a:p>
+        </p:txBody>
+      </p:sp>
+      <p:sp>
+        <p:nvSpPr>
+          <p:cNvPr id="12" name="TextBox 11"/>
+          <p:cNvSpPr txBox="1"/>
+          <p:nvPr/>
+        </p:nvSpPr>
+        <p:spPr>
+          <a:xfrm rot="16200000">
+            <a:off x="6388242" y="3466643"/>
+            <a:ext cx="954107" cy="45719"/>
+          </a:xfrm>
+          <a:prstGeom prst="rect">
+            <a:avLst/>
+          </a:prstGeom>
+          <a:noFill/>
+        </p:spPr>
+        <p:txBody>
+          <a:bodyPr vert="eaVert" wrap="square" rtlCol="0">
+            <a:spAutoFit/>
+          </a:bodyPr>
+          <a:lstStyle/>
+          <a:p>
+            <a:r>
+              <a:rPr lang="en-US" altLang="ko-KR" sz="1000" dirty="0" smtClean="0">
+                <a:solidFill>
+                  <a:schemeClr val="bg1"/>
+                </a:solidFill>
+              </a:rPr>
+              <a:t>670px</a:t>
+            </a:r>
+            <a:endParaRPr lang="ko-KR" altLang="en-US" sz="1000" dirty="0">
+              <a:solidFill>
+                <a:schemeClr val="bg1"/>
+              </a:solidFill>
+            </a:endParaRPr>
+          </a:p>
+        </p:txBody>
+      </p:sp>
+    </p:spTree>
+    <p:extLst>
+      <p:ext uri="{BB962C8B-B14F-4D97-AF65-F5344CB8AC3E}">
+        <p14:creationId xmlns:p14="http://schemas.microsoft.com/office/powerpoint/2010/main" val="82658203"/>
+      </p:ext>
+    </p:extLst>
+  </p:cSld>
+  <p:clrMapOvr>
+    <a:masterClrMapping/>
+  </p:clrMapOvr>
+</p:sld>
+</file>
+
+<file path=ppt/slides/slide9.xml><?xml version="1.0" encoding="utf-8"?>
 <p:sld xmlns:a="http://schemas.openxmlformats.org/drawingml/2006/main" xmlns:r="http://schemas.openxmlformats.org/officeDocument/2006/relationships" xmlns:p="http://schemas.openxmlformats.org/presentationml/2006/main">
   <p:cSld>
     <p:spTree>

--- a/자기소개서.pptx
+++ b/자기소개서.pptx
@@ -9,11 +9,13 @@
     <p:sldId id="267" r:id="rId3"/>
     <p:sldId id="263" r:id="rId4"/>
     <p:sldId id="257" r:id="rId5"/>
-    <p:sldId id="264" r:id="rId6"/>
-    <p:sldId id="265" r:id="rId7"/>
-    <p:sldId id="269" r:id="rId8"/>
-    <p:sldId id="268" r:id="rId9"/>
-    <p:sldId id="266" r:id="rId10"/>
+    <p:sldId id="266" r:id="rId6"/>
+    <p:sldId id="270" r:id="rId7"/>
+    <p:sldId id="271" r:id="rId8"/>
+    <p:sldId id="264" r:id="rId9"/>
+    <p:sldId id="265" r:id="rId10"/>
+    <p:sldId id="269" r:id="rId11"/>
+    <p:sldId id="268" r:id="rId12"/>
   </p:sldIdLst>
   <p:sldSz cx="12192000" cy="6858000"/>
   <p:notesSz cx="6858000" cy="9144000"/>
@@ -118,6 +120,3524 @@
     </p:ext>
   </p:extLst>
 </p:presentation>
+</file>
+
+<file path=ppt/diagrams/colors1.xml><?xml version="1.0" encoding="utf-8"?>
+<dgm:colorsDef xmlns:dgm="http://schemas.openxmlformats.org/drawingml/2006/diagram" xmlns:a="http://schemas.openxmlformats.org/drawingml/2006/main" uniqueId="urn:microsoft.com/office/officeart/2005/8/colors/accent1_2">
+  <dgm:title val=""/>
+  <dgm:desc val=""/>
+  <dgm:catLst>
+    <dgm:cat type="accent1" pri="11200"/>
+  </dgm:catLst>
+  <dgm:styleLbl name="node0">
+    <dgm:fillClrLst meth="repeat">
+      <a:schemeClr val="accent1"/>
+    </dgm:fillClrLst>
+    <dgm:linClrLst meth="repeat">
+      <a:schemeClr val="lt1"/>
+    </dgm:linClrLst>
+    <dgm:effectClrLst/>
+    <dgm:txLinClrLst/>
+    <dgm:txFillClrLst/>
+    <dgm:txEffectClrLst/>
+  </dgm:styleLbl>
+  <dgm:styleLbl name="alignNode1">
+    <dgm:fillClrLst meth="repeat">
+      <a:schemeClr val="accent1"/>
+    </dgm:fillClrLst>
+    <dgm:linClrLst meth="repeat">
+      <a:schemeClr val="accent1"/>
+    </dgm:linClrLst>
+    <dgm:effectClrLst/>
+    <dgm:txLinClrLst/>
+    <dgm:txFillClrLst/>
+    <dgm:txEffectClrLst/>
+  </dgm:styleLbl>
+  <dgm:styleLbl name="node1">
+    <dgm:fillClrLst meth="repeat">
+      <a:schemeClr val="accent1"/>
+    </dgm:fillClrLst>
+    <dgm:linClrLst meth="repeat">
+      <a:schemeClr val="lt1"/>
+    </dgm:linClrLst>
+    <dgm:effectClrLst/>
+    <dgm:txLinClrLst/>
+    <dgm:txFillClrLst/>
+    <dgm:txEffectClrLst/>
+  </dgm:styleLbl>
+  <dgm:styleLbl name="lnNode1">
+    <dgm:fillClrLst meth="repeat">
+      <a:schemeClr val="accent1"/>
+    </dgm:fillClrLst>
+    <dgm:linClrLst meth="repeat">
+      <a:schemeClr val="lt1"/>
+    </dgm:linClrLst>
+    <dgm:effectClrLst/>
+    <dgm:txLinClrLst/>
+    <dgm:txFillClrLst/>
+    <dgm:txEffectClrLst/>
+  </dgm:styleLbl>
+  <dgm:styleLbl name="vennNode1">
+    <dgm:fillClrLst meth="repeat">
+      <a:schemeClr val="accent1">
+        <a:alpha val="50000"/>
+      </a:schemeClr>
+    </dgm:fillClrLst>
+    <dgm:linClrLst meth="repeat">
+      <a:schemeClr val="lt1"/>
+    </dgm:linClrLst>
+    <dgm:effectClrLst/>
+    <dgm:txLinClrLst/>
+    <dgm:txFillClrLst/>
+    <dgm:txEffectClrLst/>
+  </dgm:styleLbl>
+  <dgm:styleLbl name="node2">
+    <dgm:fillClrLst meth="repeat">
+      <a:schemeClr val="accent1"/>
+    </dgm:fillClrLst>
+    <dgm:linClrLst meth="repeat">
+      <a:schemeClr val="lt1"/>
+    </dgm:linClrLst>
+    <dgm:effectClrLst/>
+    <dgm:txLinClrLst/>
+    <dgm:txFillClrLst/>
+    <dgm:txEffectClrLst/>
+  </dgm:styleLbl>
+  <dgm:styleLbl name="node3">
+    <dgm:fillClrLst meth="repeat">
+      <a:schemeClr val="accent1"/>
+    </dgm:fillClrLst>
+    <dgm:linClrLst meth="repeat">
+      <a:schemeClr val="lt1"/>
+    </dgm:linClrLst>
+    <dgm:effectClrLst/>
+    <dgm:txLinClrLst/>
+    <dgm:txFillClrLst/>
+    <dgm:txEffectClrLst/>
+  </dgm:styleLbl>
+  <dgm:styleLbl name="node4">
+    <dgm:fillClrLst meth="repeat">
+      <a:schemeClr val="accent1"/>
+    </dgm:fillClrLst>
+    <dgm:linClrLst meth="repeat">
+      <a:schemeClr val="lt1"/>
+    </dgm:linClrLst>
+    <dgm:effectClrLst/>
+    <dgm:txLinClrLst/>
+    <dgm:txFillClrLst/>
+    <dgm:txEffectClrLst/>
+  </dgm:styleLbl>
+  <dgm:styleLbl name="fgImgPlace1">
+    <dgm:fillClrLst meth="repeat">
+      <a:schemeClr val="accent1">
+        <a:tint val="50000"/>
+      </a:schemeClr>
+    </dgm:fillClrLst>
+    <dgm:linClrLst meth="repeat">
+      <a:schemeClr val="lt1"/>
+    </dgm:linClrLst>
+    <dgm:effectClrLst/>
+    <dgm:txLinClrLst/>
+    <dgm:txFillClrLst meth="repeat">
+      <a:schemeClr val="lt1"/>
+    </dgm:txFillClrLst>
+    <dgm:txEffectClrLst/>
+  </dgm:styleLbl>
+  <dgm:styleLbl name="alignImgPlace1">
+    <dgm:fillClrLst meth="repeat">
+      <a:schemeClr val="accent1">
+        <a:tint val="50000"/>
+      </a:schemeClr>
+    </dgm:fillClrLst>
+    <dgm:linClrLst meth="repeat">
+      <a:schemeClr val="lt1"/>
+    </dgm:linClrLst>
+    <dgm:effectClrLst/>
+    <dgm:txLinClrLst/>
+    <dgm:txFillClrLst meth="repeat">
+      <a:schemeClr val="lt1"/>
+    </dgm:txFillClrLst>
+    <dgm:txEffectClrLst/>
+  </dgm:styleLbl>
+  <dgm:styleLbl name="bgImgPlace1">
+    <dgm:fillClrLst meth="repeat">
+      <a:schemeClr val="accent1">
+        <a:tint val="50000"/>
+      </a:schemeClr>
+    </dgm:fillClrLst>
+    <dgm:linClrLst meth="repeat">
+      <a:schemeClr val="lt1"/>
+    </dgm:linClrLst>
+    <dgm:effectClrLst/>
+    <dgm:txLinClrLst/>
+    <dgm:txFillClrLst meth="repeat">
+      <a:schemeClr val="lt1"/>
+    </dgm:txFillClrLst>
+    <dgm:txEffectClrLst/>
+  </dgm:styleLbl>
+  <dgm:styleLbl name="sibTrans2D1">
+    <dgm:fillClrLst meth="repeat">
+      <a:schemeClr val="accent1">
+        <a:tint val="60000"/>
+      </a:schemeClr>
+    </dgm:fillClrLst>
+    <dgm:linClrLst meth="repeat">
+      <a:schemeClr val="accent1">
+        <a:tint val="60000"/>
+      </a:schemeClr>
+    </dgm:linClrLst>
+    <dgm:effectClrLst/>
+    <dgm:txLinClrLst/>
+    <dgm:txFillClrLst/>
+    <dgm:txEffectClrLst/>
+  </dgm:styleLbl>
+  <dgm:styleLbl name="fgSibTrans2D1">
+    <dgm:fillClrLst meth="repeat">
+      <a:schemeClr val="accent1">
+        <a:tint val="60000"/>
+      </a:schemeClr>
+    </dgm:fillClrLst>
+    <dgm:linClrLst meth="repeat">
+      <a:schemeClr val="accent1">
+        <a:tint val="60000"/>
+      </a:schemeClr>
+    </dgm:linClrLst>
+    <dgm:effectClrLst/>
+    <dgm:txLinClrLst/>
+    <dgm:txFillClrLst/>
+    <dgm:txEffectClrLst/>
+  </dgm:styleLbl>
+  <dgm:styleLbl name="bgSibTrans2D1">
+    <dgm:fillClrLst meth="repeat">
+      <a:schemeClr val="accent1">
+        <a:tint val="60000"/>
+      </a:schemeClr>
+    </dgm:fillClrLst>
+    <dgm:linClrLst meth="repeat">
+      <a:schemeClr val="accent1">
+        <a:tint val="60000"/>
+      </a:schemeClr>
+    </dgm:linClrLst>
+    <dgm:effectClrLst/>
+    <dgm:txLinClrLst/>
+    <dgm:txFillClrLst/>
+    <dgm:txEffectClrLst/>
+  </dgm:styleLbl>
+  <dgm:styleLbl name="sibTrans1D1">
+    <dgm:fillClrLst meth="repeat">
+      <a:schemeClr val="accent1"/>
+    </dgm:fillClrLst>
+    <dgm:linClrLst meth="repeat">
+      <a:schemeClr val="accent1"/>
+    </dgm:linClrLst>
+    <dgm:effectClrLst/>
+    <dgm:txLinClrLst/>
+    <dgm:txFillClrLst meth="repeat">
+      <a:schemeClr val="tx1"/>
+    </dgm:txFillClrLst>
+    <dgm:txEffectClrLst/>
+  </dgm:styleLbl>
+  <dgm:styleLbl name="callout">
+    <dgm:fillClrLst meth="repeat">
+      <a:schemeClr val="accent1"/>
+    </dgm:fillClrLst>
+    <dgm:linClrLst meth="repeat">
+      <a:schemeClr val="accent1">
+        <a:tint val="50000"/>
+      </a:schemeClr>
+    </dgm:linClrLst>
+    <dgm:effectClrLst/>
+    <dgm:txLinClrLst/>
+    <dgm:txFillClrLst meth="repeat">
+      <a:schemeClr val="tx1"/>
+    </dgm:txFillClrLst>
+    <dgm:txEffectClrLst/>
+  </dgm:styleLbl>
+  <dgm:styleLbl name="asst0">
+    <dgm:fillClrLst meth="repeat">
+      <a:schemeClr val="accent1"/>
+    </dgm:fillClrLst>
+    <dgm:linClrLst meth="repeat">
+      <a:schemeClr val="lt1"/>
+    </dgm:linClrLst>
+    <dgm:effectClrLst/>
+    <dgm:txLinClrLst/>
+    <dgm:txFillClrLst/>
+    <dgm:txEffectClrLst/>
+  </dgm:styleLbl>
+  <dgm:styleLbl name="asst1">
+    <dgm:fillClrLst meth="repeat">
+      <a:schemeClr val="accent1"/>
+    </dgm:fillClrLst>
+    <dgm:linClrLst meth="repeat">
+      <a:schemeClr val="lt1"/>
+    </dgm:linClrLst>
+    <dgm:effectClrLst/>
+    <dgm:txLinClrLst/>
+    <dgm:txFillClrLst/>
+    <dgm:txEffectClrLst/>
+  </dgm:styleLbl>
+  <dgm:styleLbl name="asst2">
+    <dgm:fillClrLst meth="repeat">
+      <a:schemeClr val="accent1"/>
+    </dgm:fillClrLst>
+    <dgm:linClrLst meth="repeat">
+      <a:schemeClr val="lt1"/>
+    </dgm:linClrLst>
+    <dgm:effectClrLst/>
+    <dgm:txLinClrLst/>
+    <dgm:txFillClrLst/>
+    <dgm:txEffectClrLst/>
+  </dgm:styleLbl>
+  <dgm:styleLbl name="asst3">
+    <dgm:fillClrLst meth="repeat">
+      <a:schemeClr val="accent1"/>
+    </dgm:fillClrLst>
+    <dgm:linClrLst meth="repeat">
+      <a:schemeClr val="lt1"/>
+    </dgm:linClrLst>
+    <dgm:effectClrLst/>
+    <dgm:txLinClrLst/>
+    <dgm:txFillClrLst/>
+    <dgm:txEffectClrLst/>
+  </dgm:styleLbl>
+  <dgm:styleLbl name="asst4">
+    <dgm:fillClrLst meth="repeat">
+      <a:schemeClr val="accent1"/>
+    </dgm:fillClrLst>
+    <dgm:linClrLst meth="repeat">
+      <a:schemeClr val="lt1"/>
+    </dgm:linClrLst>
+    <dgm:effectClrLst/>
+    <dgm:txLinClrLst/>
+    <dgm:txFillClrLst/>
+    <dgm:txEffectClrLst/>
+  </dgm:styleLbl>
+  <dgm:styleLbl name="parChTrans2D1">
+    <dgm:fillClrLst meth="repeat">
+      <a:schemeClr val="accent1">
+        <a:tint val="60000"/>
+      </a:schemeClr>
+    </dgm:fillClrLst>
+    <dgm:linClrLst meth="repeat">
+      <a:schemeClr val="accent1">
+        <a:tint val="60000"/>
+      </a:schemeClr>
+    </dgm:linClrLst>
+    <dgm:effectClrLst/>
+    <dgm:txLinClrLst/>
+    <dgm:txFillClrLst meth="repeat">
+      <a:schemeClr val="lt1"/>
+    </dgm:txFillClrLst>
+    <dgm:txEffectClrLst/>
+  </dgm:styleLbl>
+  <dgm:styleLbl name="parChTrans2D2">
+    <dgm:fillClrLst meth="repeat">
+      <a:schemeClr val="accent1"/>
+    </dgm:fillClrLst>
+    <dgm:linClrLst meth="repeat">
+      <a:schemeClr val="accent1"/>
+    </dgm:linClrLst>
+    <dgm:effectClrLst/>
+    <dgm:txLinClrLst/>
+    <dgm:txFillClrLst meth="repeat">
+      <a:schemeClr val="lt1"/>
+    </dgm:txFillClrLst>
+    <dgm:txEffectClrLst/>
+  </dgm:styleLbl>
+  <dgm:styleLbl name="parChTrans2D3">
+    <dgm:fillClrLst meth="repeat">
+      <a:schemeClr val="accent1"/>
+    </dgm:fillClrLst>
+    <dgm:linClrLst meth="repeat">
+      <a:schemeClr val="accent1"/>
+    </dgm:linClrLst>
+    <dgm:effectClrLst/>
+    <dgm:txLinClrLst/>
+    <dgm:txFillClrLst meth="repeat">
+      <a:schemeClr val="lt1"/>
+    </dgm:txFillClrLst>
+    <dgm:txEffectClrLst/>
+  </dgm:styleLbl>
+  <dgm:styleLbl name="parChTrans2D4">
+    <dgm:fillClrLst meth="repeat">
+      <a:schemeClr val="accent1"/>
+    </dgm:fillClrLst>
+    <dgm:linClrLst meth="repeat">
+      <a:schemeClr val="accent1"/>
+    </dgm:linClrLst>
+    <dgm:effectClrLst/>
+    <dgm:txLinClrLst/>
+    <dgm:txFillClrLst meth="repeat">
+      <a:schemeClr val="lt1"/>
+    </dgm:txFillClrLst>
+    <dgm:txEffectClrLst/>
+  </dgm:styleLbl>
+  <dgm:styleLbl name="parChTrans1D1">
+    <dgm:fillClrLst meth="repeat">
+      <a:schemeClr val="accent1"/>
+    </dgm:fillClrLst>
+    <dgm:linClrLst meth="repeat">
+      <a:schemeClr val="accent1">
+        <a:shade val="60000"/>
+      </a:schemeClr>
+    </dgm:linClrLst>
+    <dgm:effectClrLst/>
+    <dgm:txLinClrLst/>
+    <dgm:txFillClrLst meth="repeat">
+      <a:schemeClr val="tx1"/>
+    </dgm:txFillClrLst>
+    <dgm:txEffectClrLst/>
+  </dgm:styleLbl>
+  <dgm:styleLbl name="parChTrans1D2">
+    <dgm:fillClrLst meth="repeat">
+      <a:schemeClr val="accent1"/>
+    </dgm:fillClrLst>
+    <dgm:linClrLst meth="repeat">
+      <a:schemeClr val="accent1">
+        <a:shade val="60000"/>
+      </a:schemeClr>
+    </dgm:linClrLst>
+    <dgm:effectClrLst/>
+    <dgm:txLinClrLst/>
+    <dgm:txFillClrLst meth="repeat">
+      <a:schemeClr val="tx1"/>
+    </dgm:txFillClrLst>
+    <dgm:txEffectClrLst/>
+  </dgm:styleLbl>
+  <dgm:styleLbl name="parChTrans1D3">
+    <dgm:fillClrLst meth="repeat">
+      <a:schemeClr val="accent1"/>
+    </dgm:fillClrLst>
+    <dgm:linClrLst meth="repeat">
+      <a:schemeClr val="accent1">
+        <a:shade val="80000"/>
+      </a:schemeClr>
+    </dgm:linClrLst>
+    <dgm:effectClrLst/>
+    <dgm:txLinClrLst/>
+    <dgm:txFillClrLst meth="repeat">
+      <a:schemeClr val="tx1"/>
+    </dgm:txFillClrLst>
+    <dgm:txEffectClrLst/>
+  </dgm:styleLbl>
+  <dgm:styleLbl name="parChTrans1D4">
+    <dgm:fillClrLst meth="repeat">
+      <a:schemeClr val="accent1"/>
+    </dgm:fillClrLst>
+    <dgm:linClrLst meth="repeat">
+      <a:schemeClr val="accent1">
+        <a:shade val="80000"/>
+      </a:schemeClr>
+    </dgm:linClrLst>
+    <dgm:effectClrLst/>
+    <dgm:txLinClrLst/>
+    <dgm:txFillClrLst meth="repeat">
+      <a:schemeClr val="tx1"/>
+    </dgm:txFillClrLst>
+    <dgm:txEffectClrLst/>
+  </dgm:styleLbl>
+  <dgm:styleLbl name="fgAcc1">
+    <dgm:fillClrLst meth="repeat">
+      <a:schemeClr val="lt1">
+        <a:alpha val="90000"/>
+      </a:schemeClr>
+    </dgm:fillClrLst>
+    <dgm:linClrLst meth="repeat">
+      <a:schemeClr val="accent1"/>
+    </dgm:linClrLst>
+    <dgm:effectClrLst/>
+    <dgm:txLinClrLst/>
+    <dgm:txFillClrLst meth="repeat">
+      <a:schemeClr val="dk1"/>
+    </dgm:txFillClrLst>
+    <dgm:txEffectClrLst/>
+  </dgm:styleLbl>
+  <dgm:styleLbl name="conFgAcc1">
+    <dgm:fillClrLst meth="repeat">
+      <a:schemeClr val="lt1">
+        <a:alpha val="90000"/>
+      </a:schemeClr>
+    </dgm:fillClrLst>
+    <dgm:linClrLst meth="repeat">
+      <a:schemeClr val="accent1"/>
+    </dgm:linClrLst>
+    <dgm:effectClrLst/>
+    <dgm:txLinClrLst/>
+    <dgm:txFillClrLst meth="repeat">
+      <a:schemeClr val="dk1"/>
+    </dgm:txFillClrLst>
+    <dgm:txEffectClrLst/>
+  </dgm:styleLbl>
+  <dgm:styleLbl name="alignAcc1">
+    <dgm:fillClrLst meth="repeat">
+      <a:schemeClr val="lt1">
+        <a:alpha val="90000"/>
+      </a:schemeClr>
+    </dgm:fillClrLst>
+    <dgm:linClrLst meth="repeat">
+      <a:schemeClr val="accent1"/>
+    </dgm:linClrLst>
+    <dgm:effectClrLst/>
+    <dgm:txLinClrLst/>
+    <dgm:txFillClrLst meth="repeat">
+      <a:schemeClr val="dk1"/>
+    </dgm:txFillClrLst>
+    <dgm:txEffectClrLst/>
+  </dgm:styleLbl>
+  <dgm:styleLbl name="trAlignAcc1">
+    <dgm:fillClrLst meth="repeat">
+      <a:schemeClr val="lt1">
+        <a:alpha val="40000"/>
+      </a:schemeClr>
+    </dgm:fillClrLst>
+    <dgm:linClrLst meth="repeat">
+      <a:schemeClr val="accent1"/>
+    </dgm:linClrLst>
+    <dgm:effectClrLst/>
+    <dgm:txLinClrLst/>
+    <dgm:txFillClrLst meth="repeat">
+      <a:schemeClr val="dk1"/>
+    </dgm:txFillClrLst>
+    <dgm:txEffectClrLst/>
+  </dgm:styleLbl>
+  <dgm:styleLbl name="bgAcc1">
+    <dgm:fillClrLst meth="repeat">
+      <a:schemeClr val="lt1">
+        <a:alpha val="90000"/>
+      </a:schemeClr>
+    </dgm:fillClrLst>
+    <dgm:linClrLst meth="repeat">
+      <a:schemeClr val="accent1"/>
+    </dgm:linClrLst>
+    <dgm:effectClrLst/>
+    <dgm:txLinClrLst/>
+    <dgm:txFillClrLst meth="repeat">
+      <a:schemeClr val="dk1"/>
+    </dgm:txFillClrLst>
+    <dgm:txEffectClrLst/>
+  </dgm:styleLbl>
+  <dgm:styleLbl name="solidFgAcc1">
+    <dgm:fillClrLst meth="repeat">
+      <a:schemeClr val="lt1"/>
+    </dgm:fillClrLst>
+    <dgm:linClrLst meth="repeat">
+      <a:schemeClr val="accent1"/>
+    </dgm:linClrLst>
+    <dgm:effectClrLst/>
+    <dgm:txLinClrLst/>
+    <dgm:txFillClrLst meth="repeat">
+      <a:schemeClr val="dk1"/>
+    </dgm:txFillClrLst>
+    <dgm:txEffectClrLst/>
+  </dgm:styleLbl>
+  <dgm:styleLbl name="solidAlignAcc1">
+    <dgm:fillClrLst meth="repeat">
+      <a:schemeClr val="lt1"/>
+    </dgm:fillClrLst>
+    <dgm:linClrLst meth="repeat">
+      <a:schemeClr val="accent1"/>
+    </dgm:linClrLst>
+    <dgm:effectClrLst/>
+    <dgm:txLinClrLst/>
+    <dgm:txFillClrLst meth="repeat">
+      <a:schemeClr val="dk1"/>
+    </dgm:txFillClrLst>
+    <dgm:txEffectClrLst/>
+  </dgm:styleLbl>
+  <dgm:styleLbl name="solidBgAcc1">
+    <dgm:fillClrLst meth="repeat">
+      <a:schemeClr val="lt1"/>
+    </dgm:fillClrLst>
+    <dgm:linClrLst meth="repeat">
+      <a:schemeClr val="accent1"/>
+    </dgm:linClrLst>
+    <dgm:effectClrLst/>
+    <dgm:txLinClrLst/>
+    <dgm:txFillClrLst meth="repeat">
+      <a:schemeClr val="dk1"/>
+    </dgm:txFillClrLst>
+    <dgm:txEffectClrLst/>
+  </dgm:styleLbl>
+  <dgm:styleLbl name="fgAccFollowNode1">
+    <dgm:fillClrLst meth="repeat">
+      <a:schemeClr val="accent1">
+        <a:alpha val="90000"/>
+        <a:tint val="40000"/>
+      </a:schemeClr>
+    </dgm:fillClrLst>
+    <dgm:linClrLst meth="repeat">
+      <a:schemeClr val="accent1">
+        <a:alpha val="90000"/>
+        <a:tint val="40000"/>
+      </a:schemeClr>
+    </dgm:linClrLst>
+    <dgm:effectClrLst/>
+    <dgm:txLinClrLst/>
+    <dgm:txFillClrLst meth="repeat">
+      <a:schemeClr val="dk1"/>
+    </dgm:txFillClrLst>
+    <dgm:txEffectClrLst/>
+  </dgm:styleLbl>
+  <dgm:styleLbl name="alignAccFollowNode1">
+    <dgm:fillClrLst meth="repeat">
+      <a:schemeClr val="accent1">
+        <a:alpha val="90000"/>
+        <a:tint val="40000"/>
+      </a:schemeClr>
+    </dgm:fillClrLst>
+    <dgm:linClrLst meth="repeat">
+      <a:schemeClr val="accent1">
+        <a:alpha val="90000"/>
+        <a:tint val="40000"/>
+      </a:schemeClr>
+    </dgm:linClrLst>
+    <dgm:effectClrLst/>
+    <dgm:txLinClrLst/>
+    <dgm:txFillClrLst meth="repeat">
+      <a:schemeClr val="dk1"/>
+    </dgm:txFillClrLst>
+    <dgm:txEffectClrLst/>
+  </dgm:styleLbl>
+  <dgm:styleLbl name="bgAccFollowNode1">
+    <dgm:fillClrLst meth="repeat">
+      <a:schemeClr val="accent1">
+        <a:alpha val="90000"/>
+        <a:tint val="40000"/>
+      </a:schemeClr>
+    </dgm:fillClrLst>
+    <dgm:linClrLst meth="repeat">
+      <a:schemeClr val="accent1">
+        <a:alpha val="90000"/>
+        <a:tint val="40000"/>
+      </a:schemeClr>
+    </dgm:linClrLst>
+    <dgm:effectClrLst/>
+    <dgm:txLinClrLst/>
+    <dgm:txFillClrLst meth="repeat">
+      <a:schemeClr val="dk1"/>
+    </dgm:txFillClrLst>
+    <dgm:txEffectClrLst/>
+  </dgm:styleLbl>
+  <dgm:styleLbl name="fgAcc0">
+    <dgm:fillClrLst meth="repeat">
+      <a:schemeClr val="lt1">
+        <a:alpha val="90000"/>
+      </a:schemeClr>
+    </dgm:fillClrLst>
+    <dgm:linClrLst meth="repeat">
+      <a:schemeClr val="accent1"/>
+    </dgm:linClrLst>
+    <dgm:effectClrLst/>
+    <dgm:txLinClrLst/>
+    <dgm:txFillClrLst meth="repeat">
+      <a:schemeClr val="dk1"/>
+    </dgm:txFillClrLst>
+    <dgm:txEffectClrLst/>
+  </dgm:styleLbl>
+  <dgm:styleLbl name="fgAcc2">
+    <dgm:fillClrLst meth="repeat">
+      <a:schemeClr val="lt1">
+        <a:alpha val="90000"/>
+      </a:schemeClr>
+    </dgm:fillClrLst>
+    <dgm:linClrLst meth="repeat">
+      <a:schemeClr val="accent1"/>
+    </dgm:linClrLst>
+    <dgm:effectClrLst/>
+    <dgm:txLinClrLst/>
+    <dgm:txFillClrLst meth="repeat">
+      <a:schemeClr val="dk1"/>
+    </dgm:txFillClrLst>
+    <dgm:txEffectClrLst/>
+  </dgm:styleLbl>
+  <dgm:styleLbl name="fgAcc3">
+    <dgm:fillClrLst meth="repeat">
+      <a:schemeClr val="lt1">
+        <a:alpha val="90000"/>
+      </a:schemeClr>
+    </dgm:fillClrLst>
+    <dgm:linClrLst meth="repeat">
+      <a:schemeClr val="accent1"/>
+    </dgm:linClrLst>
+    <dgm:effectClrLst/>
+    <dgm:txLinClrLst/>
+    <dgm:txFillClrLst meth="repeat">
+      <a:schemeClr val="dk1"/>
+    </dgm:txFillClrLst>
+    <dgm:txEffectClrLst/>
+  </dgm:styleLbl>
+  <dgm:styleLbl name="fgAcc4">
+    <dgm:fillClrLst meth="repeat">
+      <a:schemeClr val="lt1">
+        <a:alpha val="90000"/>
+      </a:schemeClr>
+    </dgm:fillClrLst>
+    <dgm:linClrLst meth="repeat">
+      <a:schemeClr val="accent1"/>
+    </dgm:linClrLst>
+    <dgm:effectClrLst/>
+    <dgm:txLinClrLst/>
+    <dgm:txFillClrLst meth="repeat">
+      <a:schemeClr val="dk1"/>
+    </dgm:txFillClrLst>
+    <dgm:txEffectClrLst/>
+  </dgm:styleLbl>
+  <dgm:styleLbl name="bgShp">
+    <dgm:fillClrLst meth="repeat">
+      <a:schemeClr val="accent1">
+        <a:tint val="40000"/>
+      </a:schemeClr>
+    </dgm:fillClrLst>
+    <dgm:linClrLst meth="repeat">
+      <a:schemeClr val="accent1"/>
+    </dgm:linClrLst>
+    <dgm:effectClrLst/>
+    <dgm:txLinClrLst/>
+    <dgm:txFillClrLst meth="repeat">
+      <a:schemeClr val="dk1"/>
+    </dgm:txFillClrLst>
+    <dgm:txEffectClrLst/>
+  </dgm:styleLbl>
+  <dgm:styleLbl name="dkBgShp">
+    <dgm:fillClrLst meth="repeat">
+      <a:schemeClr val="accent1">
+        <a:shade val="80000"/>
+      </a:schemeClr>
+    </dgm:fillClrLst>
+    <dgm:linClrLst meth="repeat">
+      <a:schemeClr val="accent1"/>
+    </dgm:linClrLst>
+    <dgm:effectClrLst/>
+    <dgm:txLinClrLst/>
+    <dgm:txFillClrLst meth="repeat">
+      <a:schemeClr val="lt1"/>
+    </dgm:txFillClrLst>
+    <dgm:txEffectClrLst/>
+  </dgm:styleLbl>
+  <dgm:styleLbl name="trBgShp">
+    <dgm:fillClrLst meth="repeat">
+      <a:schemeClr val="accent1">
+        <a:tint val="50000"/>
+        <a:alpha val="40000"/>
+      </a:schemeClr>
+    </dgm:fillClrLst>
+    <dgm:linClrLst meth="repeat">
+      <a:schemeClr val="accent1"/>
+    </dgm:linClrLst>
+    <dgm:effectClrLst/>
+    <dgm:txLinClrLst/>
+    <dgm:txFillClrLst meth="repeat">
+      <a:schemeClr val="lt1"/>
+    </dgm:txFillClrLst>
+    <dgm:txEffectClrLst/>
+  </dgm:styleLbl>
+  <dgm:styleLbl name="fgShp">
+    <dgm:fillClrLst meth="repeat">
+      <a:schemeClr val="accent1">
+        <a:tint val="60000"/>
+      </a:schemeClr>
+    </dgm:fillClrLst>
+    <dgm:linClrLst meth="repeat">
+      <a:schemeClr val="lt1"/>
+    </dgm:linClrLst>
+    <dgm:effectClrLst/>
+    <dgm:txLinClrLst/>
+    <dgm:txFillClrLst meth="repeat">
+      <a:schemeClr val="dk1"/>
+    </dgm:txFillClrLst>
+    <dgm:txEffectClrLst/>
+  </dgm:styleLbl>
+  <dgm:styleLbl name="revTx">
+    <dgm:fillClrLst meth="repeat">
+      <a:schemeClr val="lt1">
+        <a:alpha val="0"/>
+      </a:schemeClr>
+    </dgm:fillClrLst>
+    <dgm:linClrLst meth="repeat">
+      <a:schemeClr val="dk1">
+        <a:alpha val="0"/>
+      </a:schemeClr>
+    </dgm:linClrLst>
+    <dgm:effectClrLst/>
+    <dgm:txLinClrLst/>
+    <dgm:txFillClrLst meth="repeat">
+      <a:schemeClr val="tx1"/>
+    </dgm:txFillClrLst>
+    <dgm:txEffectClrLst/>
+  </dgm:styleLbl>
+</dgm:colorsDef>
+</file>
+
+<file path=ppt/diagrams/data1.xml><?xml version="1.0" encoding="utf-8"?>
+<dgm:dataModel xmlns:dgm="http://schemas.openxmlformats.org/drawingml/2006/diagram" xmlns:a="http://schemas.openxmlformats.org/drawingml/2006/main">
+  <dgm:ptLst>
+    <dgm:pt modelId="{D63AD34C-7083-4282-82F3-9F675BEFE090}" type="doc">
+      <dgm:prSet loTypeId="urn:microsoft.com/office/officeart/2005/8/layout/hierarchy3" loCatId="hierarchy" qsTypeId="urn:microsoft.com/office/officeart/2005/8/quickstyle/simple1" qsCatId="simple" csTypeId="urn:microsoft.com/office/officeart/2005/8/colors/accent1_2" csCatId="accent1" phldr="1"/>
+      <dgm:spPr/>
+      <dgm:t>
+        <a:bodyPr/>
+        <a:lstStyle/>
+        <a:p>
+          <a:pPr latinLnBrk="1"/>
+          <a:endParaRPr lang="ko-KR" altLang="en-US"/>
+        </a:p>
+      </dgm:t>
+    </dgm:pt>
+    <dgm:pt modelId="{419F5111-53A7-4F4F-90FB-9D7AFE018000}">
+      <dgm:prSet phldrT="[텍스트]"/>
+      <dgm:spPr>
+        <a:solidFill>
+          <a:srgbClr val="808080"/>
+        </a:solidFill>
+      </dgm:spPr>
+      <dgm:t>
+        <a:bodyPr/>
+        <a:lstStyle/>
+        <a:p>
+          <a:pPr latinLnBrk="1"/>
+          <a:r>
+            <a:rPr lang="ko-KR" altLang="en-US" dirty="0" smtClean="0">
+              <a:solidFill>
+                <a:schemeClr val="bg1"/>
+              </a:solidFill>
+              <a:latin typeface="Adobe 고딕 Std B" panose="020B0800000000000000" pitchFamily="34" charset="-127"/>
+              <a:ea typeface="Adobe 고딕 Std B" panose="020B0800000000000000" pitchFamily="34" charset="-127"/>
+            </a:rPr>
+            <a:t>주 화면</a:t>
+          </a:r>
+          <a:endParaRPr lang="ko-KR" altLang="en-US" dirty="0">
+            <a:solidFill>
+              <a:schemeClr val="bg1"/>
+            </a:solidFill>
+            <a:latin typeface="Adobe 고딕 Std B" panose="020B0800000000000000" pitchFamily="34" charset="-127"/>
+            <a:ea typeface="Adobe 고딕 Std B" panose="020B0800000000000000" pitchFamily="34" charset="-127"/>
+          </a:endParaRPr>
+        </a:p>
+      </dgm:t>
+    </dgm:pt>
+    <dgm:pt modelId="{C5D2AE45-EFAE-4F75-A8A7-218FB629B661}" type="parTrans" cxnId="{6D7309AF-F82C-473E-99CB-7485E966686C}">
+      <dgm:prSet/>
+      <dgm:spPr/>
+      <dgm:t>
+        <a:bodyPr/>
+        <a:lstStyle/>
+        <a:p>
+          <a:pPr latinLnBrk="1"/>
+          <a:endParaRPr lang="ko-KR" altLang="en-US"/>
+        </a:p>
+      </dgm:t>
+    </dgm:pt>
+    <dgm:pt modelId="{C1515820-D674-4227-A22F-761CB86DEF72}" type="sibTrans" cxnId="{6D7309AF-F82C-473E-99CB-7485E966686C}">
+      <dgm:prSet/>
+      <dgm:spPr/>
+      <dgm:t>
+        <a:bodyPr/>
+        <a:lstStyle/>
+        <a:p>
+          <a:pPr latinLnBrk="1"/>
+          <a:endParaRPr lang="ko-KR" altLang="en-US"/>
+        </a:p>
+      </dgm:t>
+    </dgm:pt>
+    <dgm:pt modelId="{BB5ACD21-BB43-4C87-BE93-05CA5B909B6C}">
+      <dgm:prSet phldrT="[텍스트]"/>
+      <dgm:spPr>
+        <a:solidFill>
+          <a:srgbClr val="A6A6A6"/>
+        </a:solidFill>
+        <a:ln>
+          <a:solidFill>
+            <a:schemeClr val="bg1"/>
+          </a:solidFill>
+        </a:ln>
+      </dgm:spPr>
+      <dgm:t>
+        <a:bodyPr/>
+        <a:lstStyle/>
+        <a:p>
+          <a:pPr latinLnBrk="1"/>
+          <a:r>
+            <a:rPr lang="ko-KR" altLang="en-US" dirty="0" smtClean="0">
+              <a:solidFill>
+                <a:schemeClr val="bg1"/>
+              </a:solidFill>
+              <a:latin typeface="Adobe 고딕 Std B" panose="020B0800000000000000" pitchFamily="34" charset="-127"/>
+              <a:ea typeface="Adobe 고딕 Std B" panose="020B0800000000000000" pitchFamily="34" charset="-127"/>
+            </a:rPr>
+            <a:t>이름 </a:t>
+          </a:r>
+          <a:r>
+            <a:rPr lang="en-US" altLang="ko-KR" dirty="0" smtClean="0">
+              <a:solidFill>
+                <a:schemeClr val="bg1"/>
+              </a:solidFill>
+              <a:latin typeface="Adobe 고딕 Std B" panose="020B0800000000000000" pitchFamily="34" charset="-127"/>
+              <a:ea typeface="Adobe 고딕 Std B" panose="020B0800000000000000" pitchFamily="34" charset="-127"/>
+            </a:rPr>
+            <a:t>/ </a:t>
+          </a:r>
+          <a:r>
+            <a:rPr lang="ko-KR" altLang="en-US" dirty="0" smtClean="0">
+              <a:solidFill>
+                <a:schemeClr val="bg1"/>
+              </a:solidFill>
+              <a:latin typeface="Adobe 고딕 Std B" panose="020B0800000000000000" pitchFamily="34" charset="-127"/>
+              <a:ea typeface="Adobe 고딕 Std B" panose="020B0800000000000000" pitchFamily="34" charset="-127"/>
+            </a:rPr>
+            <a:t>사진 </a:t>
+          </a:r>
+          <a:r>
+            <a:rPr lang="en-US" altLang="ko-KR" dirty="0" smtClean="0">
+              <a:solidFill>
+                <a:schemeClr val="bg1"/>
+              </a:solidFill>
+              <a:latin typeface="Adobe 고딕 Std B" panose="020B0800000000000000" pitchFamily="34" charset="-127"/>
+              <a:ea typeface="Adobe 고딕 Std B" panose="020B0800000000000000" pitchFamily="34" charset="-127"/>
+            </a:rPr>
+            <a:t>/ </a:t>
+          </a:r>
+          <a:r>
+            <a:rPr lang="ko-KR" altLang="en-US" dirty="0" smtClean="0">
+              <a:solidFill>
+                <a:schemeClr val="bg1"/>
+              </a:solidFill>
+              <a:latin typeface="Adobe 고딕 Std B" panose="020B0800000000000000" pitchFamily="34" charset="-127"/>
+              <a:ea typeface="Adobe 고딕 Std B" panose="020B0800000000000000" pitchFamily="34" charset="-127"/>
+            </a:rPr>
+            <a:t>약력</a:t>
+          </a:r>
+          <a:endParaRPr lang="ko-KR" altLang="en-US" dirty="0">
+            <a:solidFill>
+              <a:schemeClr val="bg1"/>
+            </a:solidFill>
+            <a:latin typeface="Adobe 고딕 Std B" panose="020B0800000000000000" pitchFamily="34" charset="-127"/>
+            <a:ea typeface="Adobe 고딕 Std B" panose="020B0800000000000000" pitchFamily="34" charset="-127"/>
+          </a:endParaRPr>
+        </a:p>
+      </dgm:t>
+    </dgm:pt>
+    <dgm:pt modelId="{7919CD74-AA35-4464-8383-05B437189663}" type="parTrans" cxnId="{6F595A0D-9CE8-4234-987B-3C7491483B91}">
+      <dgm:prSet/>
+      <dgm:spPr/>
+      <dgm:t>
+        <a:bodyPr/>
+        <a:lstStyle/>
+        <a:p>
+          <a:pPr latinLnBrk="1"/>
+          <a:endParaRPr lang="ko-KR" altLang="en-US"/>
+        </a:p>
+      </dgm:t>
+    </dgm:pt>
+    <dgm:pt modelId="{A29364ED-47AD-4CDB-96E9-05709035B62B}" type="sibTrans" cxnId="{6F595A0D-9CE8-4234-987B-3C7491483B91}">
+      <dgm:prSet/>
+      <dgm:spPr/>
+      <dgm:t>
+        <a:bodyPr/>
+        <a:lstStyle/>
+        <a:p>
+          <a:pPr latinLnBrk="1"/>
+          <a:endParaRPr lang="ko-KR" altLang="en-US"/>
+        </a:p>
+      </dgm:t>
+    </dgm:pt>
+    <dgm:pt modelId="{D7CFB158-8B0B-41C3-A3C0-76D54DA941CC}">
+      <dgm:prSet phldrT="[텍스트]"/>
+      <dgm:spPr>
+        <a:solidFill>
+          <a:srgbClr val="A6A6A6"/>
+        </a:solidFill>
+        <a:ln>
+          <a:solidFill>
+            <a:schemeClr val="bg1"/>
+          </a:solidFill>
+        </a:ln>
+      </dgm:spPr>
+      <dgm:t>
+        <a:bodyPr/>
+        <a:lstStyle/>
+        <a:p>
+          <a:pPr latinLnBrk="1"/>
+          <a:r>
+            <a:rPr lang="ko-KR" altLang="en-US" dirty="0" smtClean="0">
+              <a:solidFill>
+                <a:schemeClr val="bg1"/>
+              </a:solidFill>
+              <a:latin typeface="Adobe 고딕 Std B" panose="020B0800000000000000" pitchFamily="34" charset="-127"/>
+              <a:ea typeface="Adobe 고딕 Std B" panose="020B0800000000000000" pitchFamily="34" charset="-127"/>
+            </a:rPr>
+            <a:t>관심사 </a:t>
+          </a:r>
+          <a:r>
+            <a:rPr lang="en-US" altLang="ko-KR" dirty="0" smtClean="0">
+              <a:solidFill>
+                <a:schemeClr val="bg1"/>
+              </a:solidFill>
+              <a:latin typeface="Adobe 고딕 Std B" panose="020B0800000000000000" pitchFamily="34" charset="-127"/>
+              <a:ea typeface="Adobe 고딕 Std B" panose="020B0800000000000000" pitchFamily="34" charset="-127"/>
+            </a:rPr>
+            <a:t>/ </a:t>
+          </a:r>
+          <a:r>
+            <a:rPr lang="ko-KR" altLang="en-US" dirty="0" smtClean="0">
+              <a:solidFill>
+                <a:schemeClr val="bg1"/>
+              </a:solidFill>
+              <a:latin typeface="Adobe 고딕 Std B" panose="020B0800000000000000" pitchFamily="34" charset="-127"/>
+              <a:ea typeface="Adobe 고딕 Std B" panose="020B0800000000000000" pitchFamily="34" charset="-127"/>
+            </a:rPr>
+            <a:t>앞으로의 목표</a:t>
+          </a:r>
+          <a:endParaRPr lang="ko-KR" altLang="en-US" dirty="0">
+            <a:solidFill>
+              <a:schemeClr val="bg1"/>
+            </a:solidFill>
+            <a:latin typeface="Adobe 고딕 Std B" panose="020B0800000000000000" pitchFamily="34" charset="-127"/>
+            <a:ea typeface="Adobe 고딕 Std B" panose="020B0800000000000000" pitchFamily="34" charset="-127"/>
+          </a:endParaRPr>
+        </a:p>
+      </dgm:t>
+    </dgm:pt>
+    <dgm:pt modelId="{0278735F-DC2E-4FF8-9453-CBE2D5E1B597}" type="parTrans" cxnId="{4837BC7A-4CED-41D2-B832-76E574952EED}">
+      <dgm:prSet/>
+      <dgm:spPr/>
+      <dgm:t>
+        <a:bodyPr/>
+        <a:lstStyle/>
+        <a:p>
+          <a:pPr latinLnBrk="1"/>
+          <a:endParaRPr lang="ko-KR" altLang="en-US"/>
+        </a:p>
+      </dgm:t>
+    </dgm:pt>
+    <dgm:pt modelId="{DCC25604-E3A1-4F3E-AB48-1CF043826F9D}" type="sibTrans" cxnId="{4837BC7A-4CED-41D2-B832-76E574952EED}">
+      <dgm:prSet/>
+      <dgm:spPr/>
+      <dgm:t>
+        <a:bodyPr/>
+        <a:lstStyle/>
+        <a:p>
+          <a:pPr latinLnBrk="1"/>
+          <a:endParaRPr lang="ko-KR" altLang="en-US"/>
+        </a:p>
+      </dgm:t>
+    </dgm:pt>
+    <dgm:pt modelId="{EE8EBA11-BA2C-4C60-974F-4FA0F85F1F04}">
+      <dgm:prSet phldrT="[텍스트]"/>
+      <dgm:spPr>
+        <a:solidFill>
+          <a:srgbClr val="A6A6A6"/>
+        </a:solidFill>
+        <a:ln>
+          <a:solidFill>
+            <a:schemeClr val="bg1"/>
+          </a:solidFill>
+        </a:ln>
+      </dgm:spPr>
+      <dgm:t>
+        <a:bodyPr/>
+        <a:lstStyle/>
+        <a:p>
+          <a:pPr latinLnBrk="1"/>
+          <a:r>
+            <a:rPr lang="ko-KR" altLang="en-US" dirty="0" smtClean="0">
+              <a:solidFill>
+                <a:schemeClr val="bg1"/>
+              </a:solidFill>
+              <a:latin typeface="Adobe 고딕 Std B" panose="020B0800000000000000" pitchFamily="34" charset="-127"/>
+              <a:ea typeface="Adobe 고딕 Std B" panose="020B0800000000000000" pitchFamily="34" charset="-127"/>
+            </a:rPr>
+            <a:t>직업 흥미 검사</a:t>
+          </a:r>
+          <a:endParaRPr lang="ko-KR" altLang="en-US" dirty="0">
+            <a:solidFill>
+              <a:schemeClr val="bg1"/>
+            </a:solidFill>
+            <a:latin typeface="Adobe 고딕 Std B" panose="020B0800000000000000" pitchFamily="34" charset="-127"/>
+            <a:ea typeface="Adobe 고딕 Std B" panose="020B0800000000000000" pitchFamily="34" charset="-127"/>
+          </a:endParaRPr>
+        </a:p>
+      </dgm:t>
+    </dgm:pt>
+    <dgm:pt modelId="{35B28531-0886-47A5-A966-5450E0C1F69E}" type="parTrans" cxnId="{394700C6-B112-415E-874C-DBCD9B9EFDAA}">
+      <dgm:prSet/>
+      <dgm:spPr/>
+      <dgm:t>
+        <a:bodyPr/>
+        <a:lstStyle/>
+        <a:p>
+          <a:pPr latinLnBrk="1"/>
+          <a:endParaRPr lang="ko-KR" altLang="en-US"/>
+        </a:p>
+      </dgm:t>
+    </dgm:pt>
+    <dgm:pt modelId="{4321714C-866F-4CB5-B39E-DDE80F29CEEB}" type="sibTrans" cxnId="{394700C6-B112-415E-874C-DBCD9B9EFDAA}">
+      <dgm:prSet/>
+      <dgm:spPr/>
+      <dgm:t>
+        <a:bodyPr/>
+        <a:lstStyle/>
+        <a:p>
+          <a:pPr latinLnBrk="1"/>
+          <a:endParaRPr lang="ko-KR" altLang="en-US"/>
+        </a:p>
+      </dgm:t>
+    </dgm:pt>
+    <dgm:pt modelId="{AA95C3E3-A79D-4FE8-8672-C639FF14ACA1}">
+      <dgm:prSet phldrT="[텍스트]"/>
+      <dgm:spPr>
+        <a:solidFill>
+          <a:srgbClr val="A6A6A6"/>
+        </a:solidFill>
+        <a:ln>
+          <a:solidFill>
+            <a:schemeClr val="bg1"/>
+          </a:solidFill>
+        </a:ln>
+      </dgm:spPr>
+      <dgm:t>
+        <a:bodyPr/>
+        <a:lstStyle/>
+        <a:p>
+          <a:pPr latinLnBrk="1"/>
+          <a:r>
+            <a:rPr lang="ko-KR" altLang="en-US" dirty="0" smtClean="0">
+              <a:solidFill>
+                <a:schemeClr val="bg1"/>
+              </a:solidFill>
+              <a:latin typeface="Adobe 고딕 Std B" panose="020B0800000000000000" pitchFamily="34" charset="-127"/>
+              <a:ea typeface="Adobe 고딕 Std B" panose="020B0800000000000000" pitchFamily="34" charset="-127"/>
+            </a:rPr>
+            <a:t>숙련 프로그램</a:t>
+          </a:r>
+          <a:endParaRPr lang="ko-KR" altLang="en-US" dirty="0">
+            <a:solidFill>
+              <a:schemeClr val="bg1"/>
+            </a:solidFill>
+            <a:latin typeface="Adobe 고딕 Std B" panose="020B0800000000000000" pitchFamily="34" charset="-127"/>
+            <a:ea typeface="Adobe 고딕 Std B" panose="020B0800000000000000" pitchFamily="34" charset="-127"/>
+          </a:endParaRPr>
+        </a:p>
+      </dgm:t>
+    </dgm:pt>
+    <dgm:pt modelId="{7CBFECA8-13F3-438B-8004-DFDCFBB66E3D}" type="parTrans" cxnId="{C2D3A0D1-B1BB-447D-9F5F-AEC5A39D37D2}">
+      <dgm:prSet/>
+      <dgm:spPr/>
+      <dgm:t>
+        <a:bodyPr/>
+        <a:lstStyle/>
+        <a:p>
+          <a:pPr latinLnBrk="1"/>
+          <a:endParaRPr lang="ko-KR" altLang="en-US"/>
+        </a:p>
+      </dgm:t>
+    </dgm:pt>
+    <dgm:pt modelId="{2871781E-8369-4578-90D7-77E99464AF38}" type="sibTrans" cxnId="{C2D3A0D1-B1BB-447D-9F5F-AEC5A39D37D2}">
+      <dgm:prSet/>
+      <dgm:spPr/>
+      <dgm:t>
+        <a:bodyPr/>
+        <a:lstStyle/>
+        <a:p>
+          <a:pPr latinLnBrk="1"/>
+          <a:endParaRPr lang="ko-KR" altLang="en-US"/>
+        </a:p>
+      </dgm:t>
+    </dgm:pt>
+    <dgm:pt modelId="{8F43AAF3-9466-47DD-A244-4CEF84D7AB04}">
+      <dgm:prSet phldrT="[텍스트]"/>
+      <dgm:spPr>
+        <a:solidFill>
+          <a:srgbClr val="A6A6A6"/>
+        </a:solidFill>
+        <a:ln>
+          <a:solidFill>
+            <a:schemeClr val="bg1"/>
+          </a:solidFill>
+        </a:ln>
+      </dgm:spPr>
+      <dgm:t>
+        <a:bodyPr/>
+        <a:lstStyle/>
+        <a:p>
+          <a:pPr latinLnBrk="1"/>
+          <a:r>
+            <a:rPr lang="ko-KR" altLang="en-US" dirty="0" smtClean="0">
+              <a:solidFill>
+                <a:schemeClr val="bg1"/>
+              </a:solidFill>
+              <a:latin typeface="Adobe 고딕 Std B" panose="020B0800000000000000" pitchFamily="34" charset="-127"/>
+              <a:ea typeface="Adobe 고딕 Std B" panose="020B0800000000000000" pitchFamily="34" charset="-127"/>
+            </a:rPr>
+            <a:t>연락처</a:t>
+          </a:r>
+          <a:endParaRPr lang="ko-KR" altLang="en-US" dirty="0">
+            <a:solidFill>
+              <a:schemeClr val="bg1"/>
+            </a:solidFill>
+            <a:latin typeface="Adobe 고딕 Std B" panose="020B0800000000000000" pitchFamily="34" charset="-127"/>
+            <a:ea typeface="Adobe 고딕 Std B" panose="020B0800000000000000" pitchFamily="34" charset="-127"/>
+          </a:endParaRPr>
+        </a:p>
+      </dgm:t>
+    </dgm:pt>
+    <dgm:pt modelId="{6F003E76-F705-408D-AA1D-5EEBDB63F3DD}" type="parTrans" cxnId="{3C8F4567-4DCB-47F9-9652-7FDC08288C32}">
+      <dgm:prSet/>
+      <dgm:spPr/>
+      <dgm:t>
+        <a:bodyPr/>
+        <a:lstStyle/>
+        <a:p>
+          <a:pPr latinLnBrk="1"/>
+          <a:endParaRPr lang="ko-KR" altLang="en-US"/>
+        </a:p>
+      </dgm:t>
+    </dgm:pt>
+    <dgm:pt modelId="{D2BCFD01-1EA6-485B-AC86-3C37309120F8}" type="sibTrans" cxnId="{3C8F4567-4DCB-47F9-9652-7FDC08288C32}">
+      <dgm:prSet/>
+      <dgm:spPr/>
+      <dgm:t>
+        <a:bodyPr/>
+        <a:lstStyle/>
+        <a:p>
+          <a:pPr latinLnBrk="1"/>
+          <a:endParaRPr lang="ko-KR" altLang="en-US"/>
+        </a:p>
+      </dgm:t>
+    </dgm:pt>
+    <dgm:pt modelId="{602F73FA-36BF-4CCB-9511-9B22F18D96CD}" type="pres">
+      <dgm:prSet presAssocID="{D63AD34C-7083-4282-82F3-9F675BEFE090}" presName="diagram" presStyleCnt="0">
+        <dgm:presLayoutVars>
+          <dgm:chPref val="1"/>
+          <dgm:dir/>
+          <dgm:animOne val="branch"/>
+          <dgm:animLvl val="lvl"/>
+          <dgm:resizeHandles/>
+        </dgm:presLayoutVars>
+      </dgm:prSet>
+      <dgm:spPr/>
+    </dgm:pt>
+    <dgm:pt modelId="{2358C9B9-FC9B-4A1B-9D15-414E3ACB4020}" type="pres">
+      <dgm:prSet presAssocID="{419F5111-53A7-4F4F-90FB-9D7AFE018000}" presName="root" presStyleCnt="0"/>
+      <dgm:spPr/>
+    </dgm:pt>
+    <dgm:pt modelId="{6A76D788-C769-4235-8CC6-AD6FE73F38FB}" type="pres">
+      <dgm:prSet presAssocID="{419F5111-53A7-4F4F-90FB-9D7AFE018000}" presName="rootComposite" presStyleCnt="0"/>
+      <dgm:spPr/>
+    </dgm:pt>
+    <dgm:pt modelId="{99AA22A2-F58A-4F0D-A03E-99E3DFB80371}" type="pres">
+      <dgm:prSet presAssocID="{419F5111-53A7-4F4F-90FB-9D7AFE018000}" presName="rootText" presStyleLbl="node1" presStyleIdx="0" presStyleCnt="1" custScaleX="75646" custScaleY="14356" custLinFactNeighborY="-98"/>
+      <dgm:spPr/>
+    </dgm:pt>
+    <dgm:pt modelId="{94978AFA-458B-4F98-980A-58D7BF4DE37A}" type="pres">
+      <dgm:prSet presAssocID="{419F5111-53A7-4F4F-90FB-9D7AFE018000}" presName="rootConnector" presStyleLbl="node1" presStyleIdx="0" presStyleCnt="1"/>
+      <dgm:spPr/>
+    </dgm:pt>
+    <dgm:pt modelId="{A1EC2C13-2BDB-474C-BB32-74949BB6555B}" type="pres">
+      <dgm:prSet presAssocID="{419F5111-53A7-4F4F-90FB-9D7AFE018000}" presName="childShape" presStyleCnt="0"/>
+      <dgm:spPr/>
+    </dgm:pt>
+    <dgm:pt modelId="{62DB9B4F-968D-4DA8-B60D-2131CA0825FF}" type="pres">
+      <dgm:prSet presAssocID="{7919CD74-AA35-4464-8383-05B437189663}" presName="Name13" presStyleLbl="parChTrans1D2" presStyleIdx="0" presStyleCnt="5"/>
+      <dgm:spPr/>
+    </dgm:pt>
+    <dgm:pt modelId="{09C6C7EF-E55B-436D-9062-ABDB75A54695}" type="pres">
+      <dgm:prSet presAssocID="{BB5ACD21-BB43-4C87-BE93-05CA5B909B6C}" presName="childText" presStyleLbl="bgAcc1" presStyleIdx="0" presStyleCnt="5" custScaleX="94557" custScaleY="14356" custLinFactNeighborY="-17966">
+        <dgm:presLayoutVars>
+          <dgm:bulletEnabled val="1"/>
+        </dgm:presLayoutVars>
+      </dgm:prSet>
+      <dgm:spPr/>
+    </dgm:pt>
+    <dgm:pt modelId="{6BD597CF-65BC-4D49-8771-AD56988B8B24}" type="pres">
+      <dgm:prSet presAssocID="{35B28531-0886-47A5-A966-5450E0C1F69E}" presName="Name13" presStyleLbl="parChTrans1D2" presStyleIdx="1" presStyleCnt="5"/>
+      <dgm:spPr/>
+    </dgm:pt>
+    <dgm:pt modelId="{ED214FF9-5796-4C55-A22A-BB1116D4272F}" type="pres">
+      <dgm:prSet presAssocID="{EE8EBA11-BA2C-4C60-974F-4FA0F85F1F04}" presName="childText" presStyleLbl="bgAcc1" presStyleIdx="1" presStyleCnt="5" custScaleX="94557" custScaleY="14356" custLinFactNeighborY="-35787">
+        <dgm:presLayoutVars>
+          <dgm:bulletEnabled val="1"/>
+        </dgm:presLayoutVars>
+      </dgm:prSet>
+      <dgm:spPr/>
+    </dgm:pt>
+    <dgm:pt modelId="{8C86A79B-5652-417F-84AD-03A58B5133B7}" type="pres">
+      <dgm:prSet presAssocID="{7CBFECA8-13F3-438B-8004-DFDCFBB66E3D}" presName="Name13" presStyleLbl="parChTrans1D2" presStyleIdx="2" presStyleCnt="5"/>
+      <dgm:spPr/>
+    </dgm:pt>
+    <dgm:pt modelId="{188F2149-7EA2-460C-BF34-8707EBFDCFEA}" type="pres">
+      <dgm:prSet presAssocID="{AA95C3E3-A79D-4FE8-8672-C639FF14ACA1}" presName="childText" presStyleLbl="bgAcc1" presStyleIdx="2" presStyleCnt="5" custScaleX="94557" custScaleY="14356" custLinFactNeighborY="-53609">
+        <dgm:presLayoutVars>
+          <dgm:bulletEnabled val="1"/>
+        </dgm:presLayoutVars>
+      </dgm:prSet>
+      <dgm:spPr/>
+    </dgm:pt>
+    <dgm:pt modelId="{5A9E1885-2213-4394-A076-F29F3557CB90}" type="pres">
+      <dgm:prSet presAssocID="{0278735F-DC2E-4FF8-9453-CBE2D5E1B597}" presName="Name13" presStyleLbl="parChTrans1D2" presStyleIdx="3" presStyleCnt="5"/>
+      <dgm:spPr/>
+    </dgm:pt>
+    <dgm:pt modelId="{1D489068-E3E5-4E88-9E2B-85DC620EFCDA}" type="pres">
+      <dgm:prSet presAssocID="{D7CFB158-8B0B-41C3-A3C0-76D54DA941CC}" presName="childText" presStyleLbl="bgAcc1" presStyleIdx="3" presStyleCnt="5" custScaleX="94557" custScaleY="14356" custLinFactNeighborX="-14" custLinFactNeighborY="-71430">
+        <dgm:presLayoutVars>
+          <dgm:bulletEnabled val="1"/>
+        </dgm:presLayoutVars>
+      </dgm:prSet>
+      <dgm:spPr/>
+      <dgm:t>
+        <a:bodyPr/>
+        <a:lstStyle/>
+        <a:p>
+          <a:pPr latinLnBrk="1"/>
+          <a:endParaRPr lang="ko-KR" altLang="en-US"/>
+        </a:p>
+      </dgm:t>
+    </dgm:pt>
+    <dgm:pt modelId="{E6186C21-2F08-4E52-B8E0-66FE37A3B2BC}" type="pres">
+      <dgm:prSet presAssocID="{6F003E76-F705-408D-AA1D-5EEBDB63F3DD}" presName="Name13" presStyleLbl="parChTrans1D2" presStyleIdx="4" presStyleCnt="5"/>
+      <dgm:spPr/>
+    </dgm:pt>
+    <dgm:pt modelId="{AD4DB8CA-F1CB-4103-90C1-44178205B47C}" type="pres">
+      <dgm:prSet presAssocID="{8F43AAF3-9466-47DD-A244-4CEF84D7AB04}" presName="childText" presStyleLbl="bgAcc1" presStyleIdx="4" presStyleCnt="5" custScaleX="94557" custScaleY="14356" custLinFactNeighborY="-89251">
+        <dgm:presLayoutVars>
+          <dgm:bulletEnabled val="1"/>
+        </dgm:presLayoutVars>
+      </dgm:prSet>
+      <dgm:spPr/>
+      <dgm:t>
+        <a:bodyPr/>
+        <a:lstStyle/>
+        <a:p>
+          <a:pPr latinLnBrk="1"/>
+          <a:endParaRPr lang="ko-KR" altLang="en-US"/>
+        </a:p>
+      </dgm:t>
+    </dgm:pt>
+  </dgm:ptLst>
+  <dgm:cxnLst>
+    <dgm:cxn modelId="{DB24B09C-295B-41C9-A775-58DB6A785686}" type="presOf" srcId="{419F5111-53A7-4F4F-90FB-9D7AFE018000}" destId="{99AA22A2-F58A-4F0D-A03E-99E3DFB80371}" srcOrd="0" destOrd="0" presId="urn:microsoft.com/office/officeart/2005/8/layout/hierarchy3"/>
+    <dgm:cxn modelId="{DC603895-DA97-4D69-B095-62FEF6006A0B}" type="presOf" srcId="{419F5111-53A7-4F4F-90FB-9D7AFE018000}" destId="{94978AFA-458B-4F98-980A-58D7BF4DE37A}" srcOrd="1" destOrd="0" presId="urn:microsoft.com/office/officeart/2005/8/layout/hierarchy3"/>
+    <dgm:cxn modelId="{8AF91986-EB17-4C9A-B125-4E38D287E426}" type="presOf" srcId="{BB5ACD21-BB43-4C87-BE93-05CA5B909B6C}" destId="{09C6C7EF-E55B-436D-9062-ABDB75A54695}" srcOrd="0" destOrd="0" presId="urn:microsoft.com/office/officeart/2005/8/layout/hierarchy3"/>
+    <dgm:cxn modelId="{07B78823-B810-4F10-A12F-FB932069D7A0}" type="presOf" srcId="{8F43AAF3-9466-47DD-A244-4CEF84D7AB04}" destId="{AD4DB8CA-F1CB-4103-90C1-44178205B47C}" srcOrd="0" destOrd="0" presId="urn:microsoft.com/office/officeart/2005/8/layout/hierarchy3"/>
+    <dgm:cxn modelId="{7A798191-2898-43C8-9B9A-B61A64108457}" type="presOf" srcId="{D7CFB158-8B0B-41C3-A3C0-76D54DA941CC}" destId="{1D489068-E3E5-4E88-9E2B-85DC620EFCDA}" srcOrd="0" destOrd="0" presId="urn:microsoft.com/office/officeart/2005/8/layout/hierarchy3"/>
+    <dgm:cxn modelId="{568540B8-CA93-41B4-9370-7DCAAC065B26}" type="presOf" srcId="{EE8EBA11-BA2C-4C60-974F-4FA0F85F1F04}" destId="{ED214FF9-5796-4C55-A22A-BB1116D4272F}" srcOrd="0" destOrd="0" presId="urn:microsoft.com/office/officeart/2005/8/layout/hierarchy3"/>
+    <dgm:cxn modelId="{FFC74D81-5A5F-4CC4-A0ED-24A77C5CC9A0}" type="presOf" srcId="{AA95C3E3-A79D-4FE8-8672-C639FF14ACA1}" destId="{188F2149-7EA2-460C-BF34-8707EBFDCFEA}" srcOrd="0" destOrd="0" presId="urn:microsoft.com/office/officeart/2005/8/layout/hierarchy3"/>
+    <dgm:cxn modelId="{4837BC7A-4CED-41D2-B832-76E574952EED}" srcId="{419F5111-53A7-4F4F-90FB-9D7AFE018000}" destId="{D7CFB158-8B0B-41C3-A3C0-76D54DA941CC}" srcOrd="3" destOrd="0" parTransId="{0278735F-DC2E-4FF8-9453-CBE2D5E1B597}" sibTransId="{DCC25604-E3A1-4F3E-AB48-1CF043826F9D}"/>
+    <dgm:cxn modelId="{DC88B79A-7535-4C33-8842-1E47B34FCC58}" type="presOf" srcId="{7CBFECA8-13F3-438B-8004-DFDCFBB66E3D}" destId="{8C86A79B-5652-417F-84AD-03A58B5133B7}" srcOrd="0" destOrd="0" presId="urn:microsoft.com/office/officeart/2005/8/layout/hierarchy3"/>
+    <dgm:cxn modelId="{59EF9C30-6447-4D22-8D57-ECAC57F039A0}" type="presOf" srcId="{D63AD34C-7083-4282-82F3-9F675BEFE090}" destId="{602F73FA-36BF-4CCB-9511-9B22F18D96CD}" srcOrd="0" destOrd="0" presId="urn:microsoft.com/office/officeart/2005/8/layout/hierarchy3"/>
+    <dgm:cxn modelId="{6D7309AF-F82C-473E-99CB-7485E966686C}" srcId="{D63AD34C-7083-4282-82F3-9F675BEFE090}" destId="{419F5111-53A7-4F4F-90FB-9D7AFE018000}" srcOrd="0" destOrd="0" parTransId="{C5D2AE45-EFAE-4F75-A8A7-218FB629B661}" sibTransId="{C1515820-D674-4227-A22F-761CB86DEF72}"/>
+    <dgm:cxn modelId="{3D57B6FA-BCFC-4A16-9801-E21BE321B86C}" type="presOf" srcId="{6F003E76-F705-408D-AA1D-5EEBDB63F3DD}" destId="{E6186C21-2F08-4E52-B8E0-66FE37A3B2BC}" srcOrd="0" destOrd="0" presId="urn:microsoft.com/office/officeart/2005/8/layout/hierarchy3"/>
+    <dgm:cxn modelId="{3C8F4567-4DCB-47F9-9652-7FDC08288C32}" srcId="{419F5111-53A7-4F4F-90FB-9D7AFE018000}" destId="{8F43AAF3-9466-47DD-A244-4CEF84D7AB04}" srcOrd="4" destOrd="0" parTransId="{6F003E76-F705-408D-AA1D-5EEBDB63F3DD}" sibTransId="{D2BCFD01-1EA6-485B-AC86-3C37309120F8}"/>
+    <dgm:cxn modelId="{12480A29-2D94-4582-85AC-C45D19BE6147}" type="presOf" srcId="{35B28531-0886-47A5-A966-5450E0C1F69E}" destId="{6BD597CF-65BC-4D49-8771-AD56988B8B24}" srcOrd="0" destOrd="0" presId="urn:microsoft.com/office/officeart/2005/8/layout/hierarchy3"/>
+    <dgm:cxn modelId="{B5A28D86-F941-4582-9065-196D61176C73}" type="presOf" srcId="{7919CD74-AA35-4464-8383-05B437189663}" destId="{62DB9B4F-968D-4DA8-B60D-2131CA0825FF}" srcOrd="0" destOrd="0" presId="urn:microsoft.com/office/officeart/2005/8/layout/hierarchy3"/>
+    <dgm:cxn modelId="{D960D91F-E0F8-44B8-9D6F-9A05AAC5AD3D}" type="presOf" srcId="{0278735F-DC2E-4FF8-9453-CBE2D5E1B597}" destId="{5A9E1885-2213-4394-A076-F29F3557CB90}" srcOrd="0" destOrd="0" presId="urn:microsoft.com/office/officeart/2005/8/layout/hierarchy3"/>
+    <dgm:cxn modelId="{6F595A0D-9CE8-4234-987B-3C7491483B91}" srcId="{419F5111-53A7-4F4F-90FB-9D7AFE018000}" destId="{BB5ACD21-BB43-4C87-BE93-05CA5B909B6C}" srcOrd="0" destOrd="0" parTransId="{7919CD74-AA35-4464-8383-05B437189663}" sibTransId="{A29364ED-47AD-4CDB-96E9-05709035B62B}"/>
+    <dgm:cxn modelId="{394700C6-B112-415E-874C-DBCD9B9EFDAA}" srcId="{419F5111-53A7-4F4F-90FB-9D7AFE018000}" destId="{EE8EBA11-BA2C-4C60-974F-4FA0F85F1F04}" srcOrd="1" destOrd="0" parTransId="{35B28531-0886-47A5-A966-5450E0C1F69E}" sibTransId="{4321714C-866F-4CB5-B39E-DDE80F29CEEB}"/>
+    <dgm:cxn modelId="{C2D3A0D1-B1BB-447D-9F5F-AEC5A39D37D2}" srcId="{419F5111-53A7-4F4F-90FB-9D7AFE018000}" destId="{AA95C3E3-A79D-4FE8-8672-C639FF14ACA1}" srcOrd="2" destOrd="0" parTransId="{7CBFECA8-13F3-438B-8004-DFDCFBB66E3D}" sibTransId="{2871781E-8369-4578-90D7-77E99464AF38}"/>
+    <dgm:cxn modelId="{40A1ACA4-710C-4D49-8EB1-FB916A24C2FD}" type="presParOf" srcId="{602F73FA-36BF-4CCB-9511-9B22F18D96CD}" destId="{2358C9B9-FC9B-4A1B-9D15-414E3ACB4020}" srcOrd="0" destOrd="0" presId="urn:microsoft.com/office/officeart/2005/8/layout/hierarchy3"/>
+    <dgm:cxn modelId="{C2606416-0B03-424F-B456-B92F07D0DF51}" type="presParOf" srcId="{2358C9B9-FC9B-4A1B-9D15-414E3ACB4020}" destId="{6A76D788-C769-4235-8CC6-AD6FE73F38FB}" srcOrd="0" destOrd="0" presId="urn:microsoft.com/office/officeart/2005/8/layout/hierarchy3"/>
+    <dgm:cxn modelId="{D4F62A7B-8AF3-4F7B-8195-2C5F99D8F94F}" type="presParOf" srcId="{6A76D788-C769-4235-8CC6-AD6FE73F38FB}" destId="{99AA22A2-F58A-4F0D-A03E-99E3DFB80371}" srcOrd="0" destOrd="0" presId="urn:microsoft.com/office/officeart/2005/8/layout/hierarchy3"/>
+    <dgm:cxn modelId="{19720DA9-9E20-4F13-8121-7A0309FF56FA}" type="presParOf" srcId="{6A76D788-C769-4235-8CC6-AD6FE73F38FB}" destId="{94978AFA-458B-4F98-980A-58D7BF4DE37A}" srcOrd="1" destOrd="0" presId="urn:microsoft.com/office/officeart/2005/8/layout/hierarchy3"/>
+    <dgm:cxn modelId="{DE622CC0-78AC-4284-BD56-267F1BC51F89}" type="presParOf" srcId="{2358C9B9-FC9B-4A1B-9D15-414E3ACB4020}" destId="{A1EC2C13-2BDB-474C-BB32-74949BB6555B}" srcOrd="1" destOrd="0" presId="urn:microsoft.com/office/officeart/2005/8/layout/hierarchy3"/>
+    <dgm:cxn modelId="{C13B3B15-BC7E-4077-8AA0-FE4E9280318F}" type="presParOf" srcId="{A1EC2C13-2BDB-474C-BB32-74949BB6555B}" destId="{62DB9B4F-968D-4DA8-B60D-2131CA0825FF}" srcOrd="0" destOrd="0" presId="urn:microsoft.com/office/officeart/2005/8/layout/hierarchy3"/>
+    <dgm:cxn modelId="{BC1975BB-3176-4549-B3A2-99D6882CD154}" type="presParOf" srcId="{A1EC2C13-2BDB-474C-BB32-74949BB6555B}" destId="{09C6C7EF-E55B-436D-9062-ABDB75A54695}" srcOrd="1" destOrd="0" presId="urn:microsoft.com/office/officeart/2005/8/layout/hierarchy3"/>
+    <dgm:cxn modelId="{2AB017C3-3966-4B51-AD8E-78CA8CEEC425}" type="presParOf" srcId="{A1EC2C13-2BDB-474C-BB32-74949BB6555B}" destId="{6BD597CF-65BC-4D49-8771-AD56988B8B24}" srcOrd="2" destOrd="0" presId="urn:microsoft.com/office/officeart/2005/8/layout/hierarchy3"/>
+    <dgm:cxn modelId="{02A1ECC0-CA67-471A-B171-919DE38A61B0}" type="presParOf" srcId="{A1EC2C13-2BDB-474C-BB32-74949BB6555B}" destId="{ED214FF9-5796-4C55-A22A-BB1116D4272F}" srcOrd="3" destOrd="0" presId="urn:microsoft.com/office/officeart/2005/8/layout/hierarchy3"/>
+    <dgm:cxn modelId="{E4583DF6-76C6-4635-AE62-509D0C14C7F1}" type="presParOf" srcId="{A1EC2C13-2BDB-474C-BB32-74949BB6555B}" destId="{8C86A79B-5652-417F-84AD-03A58B5133B7}" srcOrd="4" destOrd="0" presId="urn:microsoft.com/office/officeart/2005/8/layout/hierarchy3"/>
+    <dgm:cxn modelId="{487E5FB3-9DD9-435B-B93F-DD448EDFA064}" type="presParOf" srcId="{A1EC2C13-2BDB-474C-BB32-74949BB6555B}" destId="{188F2149-7EA2-460C-BF34-8707EBFDCFEA}" srcOrd="5" destOrd="0" presId="urn:microsoft.com/office/officeart/2005/8/layout/hierarchy3"/>
+    <dgm:cxn modelId="{4542C68C-745D-4D5B-95ED-CBD003AB55CB}" type="presParOf" srcId="{A1EC2C13-2BDB-474C-BB32-74949BB6555B}" destId="{5A9E1885-2213-4394-A076-F29F3557CB90}" srcOrd="6" destOrd="0" presId="urn:microsoft.com/office/officeart/2005/8/layout/hierarchy3"/>
+    <dgm:cxn modelId="{7766AF72-F634-418C-B0D6-310813698C8A}" type="presParOf" srcId="{A1EC2C13-2BDB-474C-BB32-74949BB6555B}" destId="{1D489068-E3E5-4E88-9E2B-85DC620EFCDA}" srcOrd="7" destOrd="0" presId="urn:microsoft.com/office/officeart/2005/8/layout/hierarchy3"/>
+    <dgm:cxn modelId="{5B06E199-8554-42CB-896B-2DC8E7356554}" type="presParOf" srcId="{A1EC2C13-2BDB-474C-BB32-74949BB6555B}" destId="{E6186C21-2F08-4E52-B8E0-66FE37A3B2BC}" srcOrd="8" destOrd="0" presId="urn:microsoft.com/office/officeart/2005/8/layout/hierarchy3"/>
+    <dgm:cxn modelId="{33A1E7D5-C147-418A-A8CA-8A366D54535F}" type="presParOf" srcId="{A1EC2C13-2BDB-474C-BB32-74949BB6555B}" destId="{AD4DB8CA-F1CB-4103-90C1-44178205B47C}" srcOrd="9" destOrd="0" presId="urn:microsoft.com/office/officeart/2005/8/layout/hierarchy3"/>
+  </dgm:cxnLst>
+  <dgm:bg/>
+  <dgm:whole/>
+  <dgm:extLst>
+    <a:ext uri="http://schemas.microsoft.com/office/drawing/2008/diagram">
+      <dsp:dataModelExt xmlns:dsp="http://schemas.microsoft.com/office/drawing/2008/diagram" relId="rId6" minVer="http://schemas.openxmlformats.org/drawingml/2006/diagram"/>
+    </a:ext>
+  </dgm:extLst>
+</dgm:dataModel>
+</file>
+
+<file path=ppt/diagrams/drawing1.xml><?xml version="1.0" encoding="utf-8"?>
+<dsp:drawing xmlns:dgm="http://schemas.openxmlformats.org/drawingml/2006/diagram" xmlns:dsp="http://schemas.microsoft.com/office/drawing/2008/diagram" xmlns:a="http://schemas.openxmlformats.org/drawingml/2006/main">
+  <dsp:spTree>
+    <dsp:nvGrpSpPr>
+      <dsp:cNvPr id="0" name=""/>
+      <dsp:cNvGrpSpPr/>
+    </dsp:nvGrpSpPr>
+    <dsp:grpSpPr/>
+    <dsp:sp modelId="{99AA22A2-F58A-4F0D-A03E-99E3DFB80371}">
+      <dsp:nvSpPr>
+        <dsp:cNvPr id="0" name=""/>
+        <dsp:cNvSpPr/>
+      </dsp:nvSpPr>
+      <dsp:spPr>
+        <a:xfrm>
+          <a:off x="1954001" y="1174"/>
+          <a:ext cx="3793771" cy="359988"/>
+        </a:xfrm>
+        <a:prstGeom prst="roundRect">
+          <a:avLst>
+            <a:gd name="adj" fmla="val 10000"/>
+          </a:avLst>
+        </a:prstGeom>
+        <a:solidFill>
+          <a:srgbClr val="808080"/>
+        </a:solidFill>
+        <a:ln w="12700" cap="flat" cmpd="sng" algn="ctr">
+          <a:solidFill>
+            <a:schemeClr val="lt1">
+              <a:hueOff val="0"/>
+              <a:satOff val="0"/>
+              <a:lumOff val="0"/>
+              <a:alphaOff val="0"/>
+            </a:schemeClr>
+          </a:solidFill>
+          <a:prstDash val="solid"/>
+          <a:miter lim="800000"/>
+        </a:ln>
+        <a:effectLst/>
+      </dsp:spPr>
+      <dsp:style>
+        <a:lnRef idx="2">
+          <a:scrgbClr r="0" g="0" b="0"/>
+        </a:lnRef>
+        <a:fillRef idx="1">
+          <a:scrgbClr r="0" g="0" b="0"/>
+        </a:fillRef>
+        <a:effectRef idx="0">
+          <a:scrgbClr r="0" g="0" b="0"/>
+        </a:effectRef>
+        <a:fontRef idx="minor">
+          <a:schemeClr val="lt1"/>
+        </a:fontRef>
+      </dsp:style>
+      <dsp:txBody>
+        <a:bodyPr spcFirstLastPara="0" vert="horz" wrap="square" lIns="28575" tIns="19050" rIns="28575" bIns="19050" numCol="1" spcCol="1270" anchor="ctr" anchorCtr="0">
+          <a:noAutofit/>
+        </a:bodyPr>
+        <a:lstStyle/>
+        <a:p>
+          <a:pPr lvl="0" algn="ctr" defTabSz="666750" latinLnBrk="1">
+            <a:lnSpc>
+              <a:spcPct val="90000"/>
+            </a:lnSpc>
+            <a:spcBef>
+              <a:spcPct val="0"/>
+            </a:spcBef>
+            <a:spcAft>
+              <a:spcPct val="35000"/>
+            </a:spcAft>
+          </a:pPr>
+          <a:r>
+            <a:rPr lang="ko-KR" altLang="en-US" sz="1500" kern="1200" dirty="0" smtClean="0">
+              <a:solidFill>
+                <a:schemeClr val="bg1"/>
+              </a:solidFill>
+              <a:latin typeface="Adobe 고딕 Std B" panose="020B0800000000000000" pitchFamily="34" charset="-127"/>
+              <a:ea typeface="Adobe 고딕 Std B" panose="020B0800000000000000" pitchFamily="34" charset="-127"/>
+            </a:rPr>
+            <a:t>주 화면</a:t>
+          </a:r>
+          <a:endParaRPr lang="ko-KR" altLang="en-US" sz="1500" kern="1200" dirty="0">
+            <a:solidFill>
+              <a:schemeClr val="bg1"/>
+            </a:solidFill>
+            <a:latin typeface="Adobe 고딕 Std B" panose="020B0800000000000000" pitchFamily="34" charset="-127"/>
+            <a:ea typeface="Adobe 고딕 Std B" panose="020B0800000000000000" pitchFamily="34" charset="-127"/>
+          </a:endParaRPr>
+        </a:p>
+      </dsp:txBody>
+      <dsp:txXfrm>
+        <a:off x="1964545" y="11718"/>
+        <a:ext cx="3772683" cy="338900"/>
+      </dsp:txXfrm>
+    </dsp:sp>
+    <dsp:sp modelId="{62DB9B4F-968D-4DA8-B60D-2131CA0825FF}">
+      <dsp:nvSpPr>
+        <dsp:cNvPr id="0" name=""/>
+        <dsp:cNvSpPr/>
+      </dsp:nvSpPr>
+      <dsp:spPr>
+        <a:xfrm>
+          <a:off x="2333378" y="361162"/>
+          <a:ext cx="379377" cy="358835"/>
+        </a:xfrm>
+        <a:custGeom>
+          <a:avLst/>
+          <a:gdLst/>
+          <a:ahLst/>
+          <a:cxnLst/>
+          <a:rect l="0" t="0" r="0" b="0"/>
+          <a:pathLst>
+            <a:path>
+              <a:moveTo>
+                <a:pt x="0" y="0"/>
+              </a:moveTo>
+              <a:lnTo>
+                <a:pt x="0" y="358835"/>
+              </a:lnTo>
+              <a:lnTo>
+                <a:pt x="379377" y="358835"/>
+              </a:lnTo>
+            </a:path>
+          </a:pathLst>
+        </a:custGeom>
+        <a:noFill/>
+        <a:ln w="12700" cap="flat" cmpd="sng" algn="ctr">
+          <a:solidFill>
+            <a:schemeClr val="accent1">
+              <a:shade val="60000"/>
+              <a:hueOff val="0"/>
+              <a:satOff val="0"/>
+              <a:lumOff val="0"/>
+              <a:alphaOff val="0"/>
+            </a:schemeClr>
+          </a:solidFill>
+          <a:prstDash val="solid"/>
+          <a:miter lim="800000"/>
+        </a:ln>
+        <a:effectLst/>
+      </dsp:spPr>
+      <dsp:style>
+        <a:lnRef idx="2">
+          <a:scrgbClr r="0" g="0" b="0"/>
+        </a:lnRef>
+        <a:fillRef idx="0">
+          <a:scrgbClr r="0" g="0" b="0"/>
+        </a:fillRef>
+        <a:effectRef idx="0">
+          <a:scrgbClr r="0" g="0" b="0"/>
+        </a:effectRef>
+        <a:fontRef idx="minor"/>
+      </dsp:style>
+    </dsp:sp>
+    <dsp:sp modelId="{09C6C7EF-E55B-436D-9062-ABDB75A54695}">
+      <dsp:nvSpPr>
+        <dsp:cNvPr id="0" name=""/>
+        <dsp:cNvSpPr/>
+      </dsp:nvSpPr>
+      <dsp:spPr>
+        <a:xfrm>
+          <a:off x="2712755" y="540003"/>
+          <a:ext cx="3793751" cy="359988"/>
+        </a:xfrm>
+        <a:prstGeom prst="roundRect">
+          <a:avLst>
+            <a:gd name="adj" fmla="val 10000"/>
+          </a:avLst>
+        </a:prstGeom>
+        <a:solidFill>
+          <a:srgbClr val="A6A6A6"/>
+        </a:solidFill>
+        <a:ln w="12700" cap="flat" cmpd="sng" algn="ctr">
+          <a:solidFill>
+            <a:schemeClr val="bg1"/>
+          </a:solidFill>
+          <a:prstDash val="solid"/>
+          <a:miter lim="800000"/>
+        </a:ln>
+        <a:effectLst/>
+      </dsp:spPr>
+      <dsp:style>
+        <a:lnRef idx="2">
+          <a:scrgbClr r="0" g="0" b="0"/>
+        </a:lnRef>
+        <a:fillRef idx="1">
+          <a:scrgbClr r="0" g="0" b="0"/>
+        </a:fillRef>
+        <a:effectRef idx="0">
+          <a:scrgbClr r="0" g="0" b="0"/>
+        </a:effectRef>
+        <a:fontRef idx="minor"/>
+      </dsp:style>
+      <dsp:txBody>
+        <a:bodyPr spcFirstLastPara="0" vert="horz" wrap="square" lIns="28575" tIns="19050" rIns="28575" bIns="19050" numCol="1" spcCol="1270" anchor="ctr" anchorCtr="0">
+          <a:noAutofit/>
+        </a:bodyPr>
+        <a:lstStyle/>
+        <a:p>
+          <a:pPr lvl="0" algn="ctr" defTabSz="666750" latinLnBrk="1">
+            <a:lnSpc>
+              <a:spcPct val="90000"/>
+            </a:lnSpc>
+            <a:spcBef>
+              <a:spcPct val="0"/>
+            </a:spcBef>
+            <a:spcAft>
+              <a:spcPct val="35000"/>
+            </a:spcAft>
+          </a:pPr>
+          <a:r>
+            <a:rPr lang="ko-KR" altLang="en-US" sz="1500" kern="1200" dirty="0" smtClean="0">
+              <a:solidFill>
+                <a:schemeClr val="bg1"/>
+              </a:solidFill>
+              <a:latin typeface="Adobe 고딕 Std B" panose="020B0800000000000000" pitchFamily="34" charset="-127"/>
+              <a:ea typeface="Adobe 고딕 Std B" panose="020B0800000000000000" pitchFamily="34" charset="-127"/>
+            </a:rPr>
+            <a:t>이름 </a:t>
+          </a:r>
+          <a:r>
+            <a:rPr lang="en-US" altLang="ko-KR" sz="1500" kern="1200" dirty="0" smtClean="0">
+              <a:solidFill>
+                <a:schemeClr val="bg1"/>
+              </a:solidFill>
+              <a:latin typeface="Adobe 고딕 Std B" panose="020B0800000000000000" pitchFamily="34" charset="-127"/>
+              <a:ea typeface="Adobe 고딕 Std B" panose="020B0800000000000000" pitchFamily="34" charset="-127"/>
+            </a:rPr>
+            <a:t>/ </a:t>
+          </a:r>
+          <a:r>
+            <a:rPr lang="ko-KR" altLang="en-US" sz="1500" kern="1200" dirty="0" smtClean="0">
+              <a:solidFill>
+                <a:schemeClr val="bg1"/>
+              </a:solidFill>
+              <a:latin typeface="Adobe 고딕 Std B" panose="020B0800000000000000" pitchFamily="34" charset="-127"/>
+              <a:ea typeface="Adobe 고딕 Std B" panose="020B0800000000000000" pitchFamily="34" charset="-127"/>
+            </a:rPr>
+            <a:t>사진 </a:t>
+          </a:r>
+          <a:r>
+            <a:rPr lang="en-US" altLang="ko-KR" sz="1500" kern="1200" dirty="0" smtClean="0">
+              <a:solidFill>
+                <a:schemeClr val="bg1"/>
+              </a:solidFill>
+              <a:latin typeface="Adobe 고딕 Std B" panose="020B0800000000000000" pitchFamily="34" charset="-127"/>
+              <a:ea typeface="Adobe 고딕 Std B" panose="020B0800000000000000" pitchFamily="34" charset="-127"/>
+            </a:rPr>
+            <a:t>/ </a:t>
+          </a:r>
+          <a:r>
+            <a:rPr lang="ko-KR" altLang="en-US" sz="1500" kern="1200" dirty="0" smtClean="0">
+              <a:solidFill>
+                <a:schemeClr val="bg1"/>
+              </a:solidFill>
+              <a:latin typeface="Adobe 고딕 Std B" panose="020B0800000000000000" pitchFamily="34" charset="-127"/>
+              <a:ea typeface="Adobe 고딕 Std B" panose="020B0800000000000000" pitchFamily="34" charset="-127"/>
+            </a:rPr>
+            <a:t>약력</a:t>
+          </a:r>
+          <a:endParaRPr lang="ko-KR" altLang="en-US" sz="1500" kern="1200" dirty="0">
+            <a:solidFill>
+              <a:schemeClr val="bg1"/>
+            </a:solidFill>
+            <a:latin typeface="Adobe 고딕 Std B" panose="020B0800000000000000" pitchFamily="34" charset="-127"/>
+            <a:ea typeface="Adobe 고딕 Std B" panose="020B0800000000000000" pitchFamily="34" charset="-127"/>
+          </a:endParaRPr>
+        </a:p>
+      </dsp:txBody>
+      <dsp:txXfrm>
+        <a:off x="2723299" y="550547"/>
+        <a:ext cx="3772663" cy="338900"/>
+      </dsp:txXfrm>
+    </dsp:sp>
+    <dsp:sp modelId="{6BD597CF-65BC-4D49-8771-AD56988B8B24}">
+      <dsp:nvSpPr>
+        <dsp:cNvPr id="0" name=""/>
+        <dsp:cNvSpPr/>
+      </dsp:nvSpPr>
+      <dsp:spPr>
+        <a:xfrm>
+          <a:off x="2333378" y="361162"/>
+          <a:ext cx="379377" cy="898842"/>
+        </a:xfrm>
+        <a:custGeom>
+          <a:avLst/>
+          <a:gdLst/>
+          <a:ahLst/>
+          <a:cxnLst/>
+          <a:rect l="0" t="0" r="0" b="0"/>
+          <a:pathLst>
+            <a:path>
+              <a:moveTo>
+                <a:pt x="0" y="0"/>
+              </a:moveTo>
+              <a:lnTo>
+                <a:pt x="0" y="898842"/>
+              </a:lnTo>
+              <a:lnTo>
+                <a:pt x="379377" y="898842"/>
+              </a:lnTo>
+            </a:path>
+          </a:pathLst>
+        </a:custGeom>
+        <a:noFill/>
+        <a:ln w="12700" cap="flat" cmpd="sng" algn="ctr">
+          <a:solidFill>
+            <a:schemeClr val="accent1">
+              <a:shade val="60000"/>
+              <a:hueOff val="0"/>
+              <a:satOff val="0"/>
+              <a:lumOff val="0"/>
+              <a:alphaOff val="0"/>
+            </a:schemeClr>
+          </a:solidFill>
+          <a:prstDash val="solid"/>
+          <a:miter lim="800000"/>
+        </a:ln>
+        <a:effectLst/>
+      </dsp:spPr>
+      <dsp:style>
+        <a:lnRef idx="2">
+          <a:scrgbClr r="0" g="0" b="0"/>
+        </a:lnRef>
+        <a:fillRef idx="0">
+          <a:scrgbClr r="0" g="0" b="0"/>
+        </a:fillRef>
+        <a:effectRef idx="0">
+          <a:scrgbClr r="0" g="0" b="0"/>
+        </a:effectRef>
+        <a:fontRef idx="minor"/>
+      </dsp:style>
+    </dsp:sp>
+    <dsp:sp modelId="{ED214FF9-5796-4C55-A22A-BB1116D4272F}">
+      <dsp:nvSpPr>
+        <dsp:cNvPr id="0" name=""/>
+        <dsp:cNvSpPr/>
+      </dsp:nvSpPr>
+      <dsp:spPr>
+        <a:xfrm>
+          <a:off x="2712755" y="1080011"/>
+          <a:ext cx="3793751" cy="359988"/>
+        </a:xfrm>
+        <a:prstGeom prst="roundRect">
+          <a:avLst>
+            <a:gd name="adj" fmla="val 10000"/>
+          </a:avLst>
+        </a:prstGeom>
+        <a:solidFill>
+          <a:srgbClr val="A6A6A6"/>
+        </a:solidFill>
+        <a:ln w="12700" cap="flat" cmpd="sng" algn="ctr">
+          <a:solidFill>
+            <a:schemeClr val="bg1"/>
+          </a:solidFill>
+          <a:prstDash val="solid"/>
+          <a:miter lim="800000"/>
+        </a:ln>
+        <a:effectLst/>
+      </dsp:spPr>
+      <dsp:style>
+        <a:lnRef idx="2">
+          <a:scrgbClr r="0" g="0" b="0"/>
+        </a:lnRef>
+        <a:fillRef idx="1">
+          <a:scrgbClr r="0" g="0" b="0"/>
+        </a:fillRef>
+        <a:effectRef idx="0">
+          <a:scrgbClr r="0" g="0" b="0"/>
+        </a:effectRef>
+        <a:fontRef idx="minor"/>
+      </dsp:style>
+      <dsp:txBody>
+        <a:bodyPr spcFirstLastPara="0" vert="horz" wrap="square" lIns="28575" tIns="19050" rIns="28575" bIns="19050" numCol="1" spcCol="1270" anchor="ctr" anchorCtr="0">
+          <a:noAutofit/>
+        </a:bodyPr>
+        <a:lstStyle/>
+        <a:p>
+          <a:pPr lvl="0" algn="ctr" defTabSz="666750" latinLnBrk="1">
+            <a:lnSpc>
+              <a:spcPct val="90000"/>
+            </a:lnSpc>
+            <a:spcBef>
+              <a:spcPct val="0"/>
+            </a:spcBef>
+            <a:spcAft>
+              <a:spcPct val="35000"/>
+            </a:spcAft>
+          </a:pPr>
+          <a:r>
+            <a:rPr lang="ko-KR" altLang="en-US" sz="1500" kern="1200" dirty="0" smtClean="0">
+              <a:solidFill>
+                <a:schemeClr val="bg1"/>
+              </a:solidFill>
+              <a:latin typeface="Adobe 고딕 Std B" panose="020B0800000000000000" pitchFamily="34" charset="-127"/>
+              <a:ea typeface="Adobe 고딕 Std B" panose="020B0800000000000000" pitchFamily="34" charset="-127"/>
+            </a:rPr>
+            <a:t>직업 흥미 검사</a:t>
+          </a:r>
+          <a:endParaRPr lang="ko-KR" altLang="en-US" sz="1500" kern="1200" dirty="0">
+            <a:solidFill>
+              <a:schemeClr val="bg1"/>
+            </a:solidFill>
+            <a:latin typeface="Adobe 고딕 Std B" panose="020B0800000000000000" pitchFamily="34" charset="-127"/>
+            <a:ea typeface="Adobe 고딕 Std B" panose="020B0800000000000000" pitchFamily="34" charset="-127"/>
+          </a:endParaRPr>
+        </a:p>
+      </dsp:txBody>
+      <dsp:txXfrm>
+        <a:off x="2723299" y="1090555"/>
+        <a:ext cx="3772663" cy="338900"/>
+      </dsp:txXfrm>
+    </dsp:sp>
+    <dsp:sp modelId="{8C86A79B-5652-417F-84AD-03A58B5133B7}">
+      <dsp:nvSpPr>
+        <dsp:cNvPr id="0" name=""/>
+        <dsp:cNvSpPr/>
+      </dsp:nvSpPr>
+      <dsp:spPr>
+        <a:xfrm>
+          <a:off x="2333378" y="361162"/>
+          <a:ext cx="379377" cy="1438825"/>
+        </a:xfrm>
+        <a:custGeom>
+          <a:avLst/>
+          <a:gdLst/>
+          <a:ahLst/>
+          <a:cxnLst/>
+          <a:rect l="0" t="0" r="0" b="0"/>
+          <a:pathLst>
+            <a:path>
+              <a:moveTo>
+                <a:pt x="0" y="0"/>
+              </a:moveTo>
+              <a:lnTo>
+                <a:pt x="0" y="1438825"/>
+              </a:lnTo>
+              <a:lnTo>
+                <a:pt x="379377" y="1438825"/>
+              </a:lnTo>
+            </a:path>
+          </a:pathLst>
+        </a:custGeom>
+        <a:noFill/>
+        <a:ln w="12700" cap="flat" cmpd="sng" algn="ctr">
+          <a:solidFill>
+            <a:schemeClr val="accent1">
+              <a:shade val="60000"/>
+              <a:hueOff val="0"/>
+              <a:satOff val="0"/>
+              <a:lumOff val="0"/>
+              <a:alphaOff val="0"/>
+            </a:schemeClr>
+          </a:solidFill>
+          <a:prstDash val="solid"/>
+          <a:miter lim="800000"/>
+        </a:ln>
+        <a:effectLst/>
+      </dsp:spPr>
+      <dsp:style>
+        <a:lnRef idx="2">
+          <a:scrgbClr r="0" g="0" b="0"/>
+        </a:lnRef>
+        <a:fillRef idx="0">
+          <a:scrgbClr r="0" g="0" b="0"/>
+        </a:fillRef>
+        <a:effectRef idx="0">
+          <a:scrgbClr r="0" g="0" b="0"/>
+        </a:effectRef>
+        <a:fontRef idx="minor"/>
+      </dsp:style>
+    </dsp:sp>
+    <dsp:sp modelId="{188F2149-7EA2-460C-BF34-8707EBFDCFEA}">
+      <dsp:nvSpPr>
+        <dsp:cNvPr id="0" name=""/>
+        <dsp:cNvSpPr/>
+      </dsp:nvSpPr>
+      <dsp:spPr>
+        <a:xfrm>
+          <a:off x="2712755" y="1619994"/>
+          <a:ext cx="3793751" cy="359988"/>
+        </a:xfrm>
+        <a:prstGeom prst="roundRect">
+          <a:avLst>
+            <a:gd name="adj" fmla="val 10000"/>
+          </a:avLst>
+        </a:prstGeom>
+        <a:solidFill>
+          <a:srgbClr val="A6A6A6"/>
+        </a:solidFill>
+        <a:ln w="12700" cap="flat" cmpd="sng" algn="ctr">
+          <a:solidFill>
+            <a:schemeClr val="bg1"/>
+          </a:solidFill>
+          <a:prstDash val="solid"/>
+          <a:miter lim="800000"/>
+        </a:ln>
+        <a:effectLst/>
+      </dsp:spPr>
+      <dsp:style>
+        <a:lnRef idx="2">
+          <a:scrgbClr r="0" g="0" b="0"/>
+        </a:lnRef>
+        <a:fillRef idx="1">
+          <a:scrgbClr r="0" g="0" b="0"/>
+        </a:fillRef>
+        <a:effectRef idx="0">
+          <a:scrgbClr r="0" g="0" b="0"/>
+        </a:effectRef>
+        <a:fontRef idx="minor"/>
+      </dsp:style>
+      <dsp:txBody>
+        <a:bodyPr spcFirstLastPara="0" vert="horz" wrap="square" lIns="28575" tIns="19050" rIns="28575" bIns="19050" numCol="1" spcCol="1270" anchor="ctr" anchorCtr="0">
+          <a:noAutofit/>
+        </a:bodyPr>
+        <a:lstStyle/>
+        <a:p>
+          <a:pPr lvl="0" algn="ctr" defTabSz="666750" latinLnBrk="1">
+            <a:lnSpc>
+              <a:spcPct val="90000"/>
+            </a:lnSpc>
+            <a:spcBef>
+              <a:spcPct val="0"/>
+            </a:spcBef>
+            <a:spcAft>
+              <a:spcPct val="35000"/>
+            </a:spcAft>
+          </a:pPr>
+          <a:r>
+            <a:rPr lang="ko-KR" altLang="en-US" sz="1500" kern="1200" dirty="0" smtClean="0">
+              <a:solidFill>
+                <a:schemeClr val="bg1"/>
+              </a:solidFill>
+              <a:latin typeface="Adobe 고딕 Std B" panose="020B0800000000000000" pitchFamily="34" charset="-127"/>
+              <a:ea typeface="Adobe 고딕 Std B" panose="020B0800000000000000" pitchFamily="34" charset="-127"/>
+            </a:rPr>
+            <a:t>숙련 프로그램</a:t>
+          </a:r>
+          <a:endParaRPr lang="ko-KR" altLang="en-US" sz="1500" kern="1200" dirty="0">
+            <a:solidFill>
+              <a:schemeClr val="bg1"/>
+            </a:solidFill>
+            <a:latin typeface="Adobe 고딕 Std B" panose="020B0800000000000000" pitchFamily="34" charset="-127"/>
+            <a:ea typeface="Adobe 고딕 Std B" panose="020B0800000000000000" pitchFamily="34" charset="-127"/>
+          </a:endParaRPr>
+        </a:p>
+      </dsp:txBody>
+      <dsp:txXfrm>
+        <a:off x="2723299" y="1630538"/>
+        <a:ext cx="3772663" cy="338900"/>
+      </dsp:txXfrm>
+    </dsp:sp>
+    <dsp:sp modelId="{5A9E1885-2213-4394-A076-F29F3557CB90}">
+      <dsp:nvSpPr>
+        <dsp:cNvPr id="0" name=""/>
+        <dsp:cNvSpPr/>
+      </dsp:nvSpPr>
+      <dsp:spPr>
+        <a:xfrm>
+          <a:off x="2333378" y="361162"/>
+          <a:ext cx="378815" cy="1978833"/>
+        </a:xfrm>
+        <a:custGeom>
+          <a:avLst/>
+          <a:gdLst/>
+          <a:ahLst/>
+          <a:cxnLst/>
+          <a:rect l="0" t="0" r="0" b="0"/>
+          <a:pathLst>
+            <a:path>
+              <a:moveTo>
+                <a:pt x="0" y="0"/>
+              </a:moveTo>
+              <a:lnTo>
+                <a:pt x="0" y="1978833"/>
+              </a:lnTo>
+              <a:lnTo>
+                <a:pt x="378815" y="1978833"/>
+              </a:lnTo>
+            </a:path>
+          </a:pathLst>
+        </a:custGeom>
+        <a:noFill/>
+        <a:ln w="12700" cap="flat" cmpd="sng" algn="ctr">
+          <a:solidFill>
+            <a:schemeClr val="accent1">
+              <a:shade val="60000"/>
+              <a:hueOff val="0"/>
+              <a:satOff val="0"/>
+              <a:lumOff val="0"/>
+              <a:alphaOff val="0"/>
+            </a:schemeClr>
+          </a:solidFill>
+          <a:prstDash val="solid"/>
+          <a:miter lim="800000"/>
+        </a:ln>
+        <a:effectLst/>
+      </dsp:spPr>
+      <dsp:style>
+        <a:lnRef idx="2">
+          <a:scrgbClr r="0" g="0" b="0"/>
+        </a:lnRef>
+        <a:fillRef idx="0">
+          <a:scrgbClr r="0" g="0" b="0"/>
+        </a:fillRef>
+        <a:effectRef idx="0">
+          <a:scrgbClr r="0" g="0" b="0"/>
+        </a:effectRef>
+        <a:fontRef idx="minor"/>
+      </dsp:style>
+    </dsp:sp>
+    <dsp:sp modelId="{1D489068-E3E5-4E88-9E2B-85DC620EFCDA}">
+      <dsp:nvSpPr>
+        <dsp:cNvPr id="0" name=""/>
+        <dsp:cNvSpPr/>
+      </dsp:nvSpPr>
+      <dsp:spPr>
+        <a:xfrm>
+          <a:off x="2712194" y="2160002"/>
+          <a:ext cx="3793751" cy="359988"/>
+        </a:xfrm>
+        <a:prstGeom prst="roundRect">
+          <a:avLst>
+            <a:gd name="adj" fmla="val 10000"/>
+          </a:avLst>
+        </a:prstGeom>
+        <a:solidFill>
+          <a:srgbClr val="A6A6A6"/>
+        </a:solidFill>
+        <a:ln w="12700" cap="flat" cmpd="sng" algn="ctr">
+          <a:solidFill>
+            <a:schemeClr val="bg1"/>
+          </a:solidFill>
+          <a:prstDash val="solid"/>
+          <a:miter lim="800000"/>
+        </a:ln>
+        <a:effectLst/>
+      </dsp:spPr>
+      <dsp:style>
+        <a:lnRef idx="2">
+          <a:scrgbClr r="0" g="0" b="0"/>
+        </a:lnRef>
+        <a:fillRef idx="1">
+          <a:scrgbClr r="0" g="0" b="0"/>
+        </a:fillRef>
+        <a:effectRef idx="0">
+          <a:scrgbClr r="0" g="0" b="0"/>
+        </a:effectRef>
+        <a:fontRef idx="minor"/>
+      </dsp:style>
+      <dsp:txBody>
+        <a:bodyPr spcFirstLastPara="0" vert="horz" wrap="square" lIns="28575" tIns="19050" rIns="28575" bIns="19050" numCol="1" spcCol="1270" anchor="ctr" anchorCtr="0">
+          <a:noAutofit/>
+        </a:bodyPr>
+        <a:lstStyle/>
+        <a:p>
+          <a:pPr lvl="0" algn="ctr" defTabSz="666750" latinLnBrk="1">
+            <a:lnSpc>
+              <a:spcPct val="90000"/>
+            </a:lnSpc>
+            <a:spcBef>
+              <a:spcPct val="0"/>
+            </a:spcBef>
+            <a:spcAft>
+              <a:spcPct val="35000"/>
+            </a:spcAft>
+          </a:pPr>
+          <a:r>
+            <a:rPr lang="ko-KR" altLang="en-US" sz="1500" kern="1200" dirty="0" smtClean="0">
+              <a:solidFill>
+                <a:schemeClr val="bg1"/>
+              </a:solidFill>
+              <a:latin typeface="Adobe 고딕 Std B" panose="020B0800000000000000" pitchFamily="34" charset="-127"/>
+              <a:ea typeface="Adobe 고딕 Std B" panose="020B0800000000000000" pitchFamily="34" charset="-127"/>
+            </a:rPr>
+            <a:t>관심사 </a:t>
+          </a:r>
+          <a:r>
+            <a:rPr lang="en-US" altLang="ko-KR" sz="1500" kern="1200" dirty="0" smtClean="0">
+              <a:solidFill>
+                <a:schemeClr val="bg1"/>
+              </a:solidFill>
+              <a:latin typeface="Adobe 고딕 Std B" panose="020B0800000000000000" pitchFamily="34" charset="-127"/>
+              <a:ea typeface="Adobe 고딕 Std B" panose="020B0800000000000000" pitchFamily="34" charset="-127"/>
+            </a:rPr>
+            <a:t>/ </a:t>
+          </a:r>
+          <a:r>
+            <a:rPr lang="ko-KR" altLang="en-US" sz="1500" kern="1200" dirty="0" smtClean="0">
+              <a:solidFill>
+                <a:schemeClr val="bg1"/>
+              </a:solidFill>
+              <a:latin typeface="Adobe 고딕 Std B" panose="020B0800000000000000" pitchFamily="34" charset="-127"/>
+              <a:ea typeface="Adobe 고딕 Std B" panose="020B0800000000000000" pitchFamily="34" charset="-127"/>
+            </a:rPr>
+            <a:t>앞으로의 목표</a:t>
+          </a:r>
+          <a:endParaRPr lang="ko-KR" altLang="en-US" sz="1500" kern="1200" dirty="0">
+            <a:solidFill>
+              <a:schemeClr val="bg1"/>
+            </a:solidFill>
+            <a:latin typeface="Adobe 고딕 Std B" panose="020B0800000000000000" pitchFamily="34" charset="-127"/>
+            <a:ea typeface="Adobe 고딕 Std B" panose="020B0800000000000000" pitchFamily="34" charset="-127"/>
+          </a:endParaRPr>
+        </a:p>
+      </dsp:txBody>
+      <dsp:txXfrm>
+        <a:off x="2722738" y="2170546"/>
+        <a:ext cx="3772663" cy="338900"/>
+      </dsp:txXfrm>
+    </dsp:sp>
+    <dsp:sp modelId="{E6186C21-2F08-4E52-B8E0-66FE37A3B2BC}">
+      <dsp:nvSpPr>
+        <dsp:cNvPr id="0" name=""/>
+        <dsp:cNvSpPr/>
+      </dsp:nvSpPr>
+      <dsp:spPr>
+        <a:xfrm>
+          <a:off x="2333378" y="361162"/>
+          <a:ext cx="379377" cy="2518841"/>
+        </a:xfrm>
+        <a:custGeom>
+          <a:avLst/>
+          <a:gdLst/>
+          <a:ahLst/>
+          <a:cxnLst/>
+          <a:rect l="0" t="0" r="0" b="0"/>
+          <a:pathLst>
+            <a:path>
+              <a:moveTo>
+                <a:pt x="0" y="0"/>
+              </a:moveTo>
+              <a:lnTo>
+                <a:pt x="0" y="2518841"/>
+              </a:lnTo>
+              <a:lnTo>
+                <a:pt x="379377" y="2518841"/>
+              </a:lnTo>
+            </a:path>
+          </a:pathLst>
+        </a:custGeom>
+        <a:noFill/>
+        <a:ln w="12700" cap="flat" cmpd="sng" algn="ctr">
+          <a:solidFill>
+            <a:schemeClr val="accent1">
+              <a:shade val="60000"/>
+              <a:hueOff val="0"/>
+              <a:satOff val="0"/>
+              <a:lumOff val="0"/>
+              <a:alphaOff val="0"/>
+            </a:schemeClr>
+          </a:solidFill>
+          <a:prstDash val="solid"/>
+          <a:miter lim="800000"/>
+        </a:ln>
+        <a:effectLst/>
+      </dsp:spPr>
+      <dsp:style>
+        <a:lnRef idx="2">
+          <a:scrgbClr r="0" g="0" b="0"/>
+        </a:lnRef>
+        <a:fillRef idx="0">
+          <a:scrgbClr r="0" g="0" b="0"/>
+        </a:fillRef>
+        <a:effectRef idx="0">
+          <a:scrgbClr r="0" g="0" b="0"/>
+        </a:effectRef>
+        <a:fontRef idx="minor"/>
+      </dsp:style>
+    </dsp:sp>
+    <dsp:sp modelId="{AD4DB8CA-F1CB-4103-90C1-44178205B47C}">
+      <dsp:nvSpPr>
+        <dsp:cNvPr id="0" name=""/>
+        <dsp:cNvSpPr/>
+      </dsp:nvSpPr>
+      <dsp:spPr>
+        <a:xfrm>
+          <a:off x="2712755" y="2700010"/>
+          <a:ext cx="3793751" cy="359988"/>
+        </a:xfrm>
+        <a:prstGeom prst="roundRect">
+          <a:avLst>
+            <a:gd name="adj" fmla="val 10000"/>
+          </a:avLst>
+        </a:prstGeom>
+        <a:solidFill>
+          <a:srgbClr val="A6A6A6"/>
+        </a:solidFill>
+        <a:ln w="12700" cap="flat" cmpd="sng" algn="ctr">
+          <a:solidFill>
+            <a:schemeClr val="bg1"/>
+          </a:solidFill>
+          <a:prstDash val="solid"/>
+          <a:miter lim="800000"/>
+        </a:ln>
+        <a:effectLst/>
+      </dsp:spPr>
+      <dsp:style>
+        <a:lnRef idx="2">
+          <a:scrgbClr r="0" g="0" b="0"/>
+        </a:lnRef>
+        <a:fillRef idx="1">
+          <a:scrgbClr r="0" g="0" b="0"/>
+        </a:fillRef>
+        <a:effectRef idx="0">
+          <a:scrgbClr r="0" g="0" b="0"/>
+        </a:effectRef>
+        <a:fontRef idx="minor"/>
+      </dsp:style>
+      <dsp:txBody>
+        <a:bodyPr spcFirstLastPara="0" vert="horz" wrap="square" lIns="28575" tIns="19050" rIns="28575" bIns="19050" numCol="1" spcCol="1270" anchor="ctr" anchorCtr="0">
+          <a:noAutofit/>
+        </a:bodyPr>
+        <a:lstStyle/>
+        <a:p>
+          <a:pPr lvl="0" algn="ctr" defTabSz="666750" latinLnBrk="1">
+            <a:lnSpc>
+              <a:spcPct val="90000"/>
+            </a:lnSpc>
+            <a:spcBef>
+              <a:spcPct val="0"/>
+            </a:spcBef>
+            <a:spcAft>
+              <a:spcPct val="35000"/>
+            </a:spcAft>
+          </a:pPr>
+          <a:r>
+            <a:rPr lang="ko-KR" altLang="en-US" sz="1500" kern="1200" dirty="0" smtClean="0">
+              <a:solidFill>
+                <a:schemeClr val="bg1"/>
+              </a:solidFill>
+              <a:latin typeface="Adobe 고딕 Std B" panose="020B0800000000000000" pitchFamily="34" charset="-127"/>
+              <a:ea typeface="Adobe 고딕 Std B" panose="020B0800000000000000" pitchFamily="34" charset="-127"/>
+            </a:rPr>
+            <a:t>연락처</a:t>
+          </a:r>
+          <a:endParaRPr lang="ko-KR" altLang="en-US" sz="1500" kern="1200" dirty="0">
+            <a:solidFill>
+              <a:schemeClr val="bg1"/>
+            </a:solidFill>
+            <a:latin typeface="Adobe 고딕 Std B" panose="020B0800000000000000" pitchFamily="34" charset="-127"/>
+            <a:ea typeface="Adobe 고딕 Std B" panose="020B0800000000000000" pitchFamily="34" charset="-127"/>
+          </a:endParaRPr>
+        </a:p>
+      </dsp:txBody>
+      <dsp:txXfrm>
+        <a:off x="2723299" y="2710554"/>
+        <a:ext cx="3772663" cy="338900"/>
+      </dsp:txXfrm>
+    </dsp:sp>
+  </dsp:spTree>
+</dsp:drawing>
+</file>
+
+<file path=ppt/diagrams/layout1.xml><?xml version="1.0" encoding="utf-8"?>
+<dgm:layoutDef xmlns:dgm="http://schemas.openxmlformats.org/drawingml/2006/diagram" xmlns:a="http://schemas.openxmlformats.org/drawingml/2006/main" uniqueId="urn:microsoft.com/office/officeart/2005/8/layout/hierarchy3">
+  <dgm:title val=""/>
+  <dgm:desc val=""/>
+  <dgm:catLst>
+    <dgm:cat type="hierarchy" pri="7000"/>
+    <dgm:cat type="list" pri="23000"/>
+    <dgm:cat type="relationship" pri="15000"/>
+    <dgm:cat type="convert" pri="7000"/>
+  </dgm:catLst>
+  <dgm:sampData>
+    <dgm:dataModel>
+      <dgm:ptLst>
+        <dgm:pt modelId="0" type="doc"/>
+        <dgm:pt modelId="1">
+          <dgm:prSet phldr="1"/>
+        </dgm:pt>
+        <dgm:pt modelId="11">
+          <dgm:prSet phldr="1"/>
+        </dgm:pt>
+        <dgm:pt modelId="12">
+          <dgm:prSet phldr="1"/>
+        </dgm:pt>
+        <dgm:pt modelId="2">
+          <dgm:prSet phldr="1"/>
+        </dgm:pt>
+        <dgm:pt modelId="21">
+          <dgm:prSet phldr="1"/>
+        </dgm:pt>
+        <dgm:pt modelId="22">
+          <dgm:prSet phldr="1"/>
+        </dgm:pt>
+      </dgm:ptLst>
+      <dgm:cxnLst>
+        <dgm:cxn modelId="4" srcId="0" destId="1" srcOrd="0" destOrd="0"/>
+        <dgm:cxn modelId="5" srcId="1" destId="11" srcOrd="0" destOrd="0"/>
+        <dgm:cxn modelId="6" srcId="1" destId="12" srcOrd="1" destOrd="0"/>
+        <dgm:cxn modelId="7" srcId="0" destId="2" srcOrd="1" destOrd="0"/>
+        <dgm:cxn modelId="8" srcId="2" destId="21" srcOrd="0" destOrd="0"/>
+        <dgm:cxn modelId="9" srcId="2" destId="22" srcOrd="1" destOrd="0"/>
+      </dgm:cxnLst>
+      <dgm:bg/>
+      <dgm:whole/>
+    </dgm:dataModel>
+  </dgm:sampData>
+  <dgm:styleData>
+    <dgm:dataModel>
+      <dgm:ptLst>
+        <dgm:pt modelId="0" type="doc"/>
+        <dgm:pt modelId="1"/>
+        <dgm:pt modelId="11"/>
+        <dgm:pt modelId="2"/>
+        <dgm:pt modelId="21"/>
+      </dgm:ptLst>
+      <dgm:cxnLst>
+        <dgm:cxn modelId="4" srcId="0" destId="1" srcOrd="0" destOrd="0"/>
+        <dgm:cxn modelId="5" srcId="0" destId="2" srcOrd="1" destOrd="0"/>
+        <dgm:cxn modelId="13" srcId="1" destId="11" srcOrd="0" destOrd="0"/>
+        <dgm:cxn modelId="23" srcId="2" destId="21" srcOrd="0" destOrd="0"/>
+      </dgm:cxnLst>
+      <dgm:bg/>
+      <dgm:whole/>
+    </dgm:dataModel>
+  </dgm:styleData>
+  <dgm:clrData>
+    <dgm:dataModel>
+      <dgm:ptLst>
+        <dgm:pt modelId="0" type="doc"/>
+        <dgm:pt modelId="1"/>
+        <dgm:pt modelId="11"/>
+        <dgm:pt modelId="2"/>
+        <dgm:pt modelId="21"/>
+        <dgm:pt modelId="3"/>
+        <dgm:pt modelId="31"/>
+        <dgm:pt modelId="4"/>
+        <dgm:pt modelId="41"/>
+      </dgm:ptLst>
+      <dgm:cxnLst>
+        <dgm:cxn modelId="5" srcId="0" destId="1" srcOrd="0" destOrd="0"/>
+        <dgm:cxn modelId="6" srcId="0" destId="2" srcOrd="1" destOrd="0"/>
+        <dgm:cxn modelId="7" srcId="0" destId="3" srcOrd="2" destOrd="0"/>
+        <dgm:cxn modelId="8" srcId="0" destId="4" srcOrd="3" destOrd="0"/>
+        <dgm:cxn modelId="13" srcId="1" destId="11" srcOrd="0" destOrd="0"/>
+        <dgm:cxn modelId="23" srcId="2" destId="21" srcOrd="0" destOrd="0"/>
+        <dgm:cxn modelId="33" srcId="3" destId="31" srcOrd="0" destOrd="0"/>
+        <dgm:cxn modelId="43" srcId="4" destId="41" srcOrd="0" destOrd="0"/>
+      </dgm:cxnLst>
+      <dgm:bg/>
+      <dgm:whole/>
+    </dgm:dataModel>
+  </dgm:clrData>
+  <dgm:layoutNode name="diagram">
+    <dgm:varLst>
+      <dgm:chPref val="1"/>
+      <dgm:dir/>
+      <dgm:animOne val="branch"/>
+      <dgm:animLvl val="lvl"/>
+      <dgm:resizeHandles/>
+    </dgm:varLst>
+    <dgm:choose name="Name0">
+      <dgm:if name="Name1" func="var" arg="dir" op="equ" val="norm">
+        <dgm:alg type="hierChild">
+          <dgm:param type="linDir" val="fromL"/>
+        </dgm:alg>
+      </dgm:if>
+      <dgm:else name="Name2">
+        <dgm:alg type="hierChild">
+          <dgm:param type="linDir" val="fromR"/>
+        </dgm:alg>
+      </dgm:else>
+    </dgm:choose>
+    <dgm:shape xmlns:r="http://schemas.openxmlformats.org/officeDocument/2006/relationships" r:blip="">
+      <dgm:adjLst/>
+    </dgm:shape>
+    <dgm:presOf/>
+    <dgm:constrLst>
+      <dgm:constr type="primFontSz" for="des" forName="rootText" op="equ" val="65"/>
+      <dgm:constr type="primFontSz" for="des" forName="childText" op="equ" val="65"/>
+      <dgm:constr type="w" for="des" forName="rootComposite" refType="w"/>
+      <dgm:constr type="h" for="des" forName="rootComposite" refType="w" fact="0.5"/>
+      <dgm:constr type="w" for="des" forName="childText" refType="w" refFor="des" refForName="rootComposite" fact="0.8"/>
+      <dgm:constr type="h" for="des" forName="childText" refType="h" refFor="des" refForName="rootComposite"/>
+      <dgm:constr type="sibSp" refType="w" refFor="des" refForName="rootComposite" fact="0.25"/>
+      <dgm:constr type="sibSp" for="des" forName="childShape" refType="h" refFor="des" refForName="childText" fact="0.25"/>
+      <dgm:constr type="sp" for="des" forName="root" refType="h" refFor="des" refForName="childText" fact="0.25"/>
+    </dgm:constrLst>
+    <dgm:ruleLst/>
+    <dgm:forEach name="Name3" axis="ch">
+      <dgm:forEach name="Name4" axis="self" ptType="node" cnt="1">
+        <dgm:layoutNode name="root">
+          <dgm:choose name="Name5">
+            <dgm:if name="Name6" func="var" arg="dir" op="equ" val="norm">
+              <dgm:alg type="hierRoot">
+                <dgm:param type="hierAlign" val="tL"/>
+              </dgm:alg>
+            </dgm:if>
+            <dgm:else name="Name7">
+              <dgm:alg type="hierRoot">
+                <dgm:param type="hierAlign" val="tR"/>
+              </dgm:alg>
+            </dgm:else>
+          </dgm:choose>
+          <dgm:shape xmlns:r="http://schemas.openxmlformats.org/officeDocument/2006/relationships" r:blip="">
+            <dgm:adjLst/>
+          </dgm:shape>
+          <dgm:presOf/>
+          <dgm:constrLst>
+            <dgm:constr type="alignOff" val="0.2"/>
+          </dgm:constrLst>
+          <dgm:ruleLst/>
+          <dgm:layoutNode name="rootComposite">
+            <dgm:alg type="composite"/>
+            <dgm:shape xmlns:r="http://schemas.openxmlformats.org/officeDocument/2006/relationships" r:blip="">
+              <dgm:adjLst/>
+            </dgm:shape>
+            <dgm:presOf axis="self" ptType="node" cnt="1"/>
+            <dgm:choose name="Name8">
+              <dgm:if name="Name9" func="var" arg="dir" op="equ" val="norm">
+                <dgm:constrLst>
+                  <dgm:constr type="l" for="ch" forName="rootText"/>
+                  <dgm:constr type="t" for="ch" forName="rootText"/>
+                  <dgm:constr type="w" for="ch" forName="rootText" refType="w"/>
+                  <dgm:constr type="h" for="ch" forName="rootText" refType="h"/>
+                  <dgm:constr type="l" for="ch" forName="rootConnector"/>
+                  <dgm:constr type="t" for="ch" forName="rootConnector"/>
+                  <dgm:constr type="w" for="ch" forName="rootConnector" refType="w" refFor="ch" refForName="rootText" fact="0.2"/>
+                  <dgm:constr type="h" for="ch" forName="rootConnector" refType="h" refFor="ch" refForName="rootText"/>
+                </dgm:constrLst>
+              </dgm:if>
+              <dgm:else name="Name10">
+                <dgm:constrLst>
+                  <dgm:constr type="l" for="ch" forName="rootText"/>
+                  <dgm:constr type="t" for="ch" forName="rootText"/>
+                  <dgm:constr type="w" for="ch" forName="rootText" refType="w"/>
+                  <dgm:constr type="h" for="ch" forName="rootText" refType="h"/>
+                  <dgm:constr type="r" for="ch" forName="rootConnector" refType="w"/>
+                  <dgm:constr type="t" for="ch" forName="rootConnector"/>
+                  <dgm:constr type="w" for="ch" forName="rootConnector" refType="w" refFor="ch" refForName="rootText" fact="0.2"/>
+                  <dgm:constr type="h" for="ch" forName="rootConnector" refType="h" refFor="ch" refForName="rootText"/>
+                </dgm:constrLst>
+              </dgm:else>
+            </dgm:choose>
+            <dgm:ruleLst/>
+            <dgm:layoutNode name="rootText" styleLbl="node1">
+              <dgm:alg type="tx"/>
+              <dgm:shape xmlns:r="http://schemas.openxmlformats.org/officeDocument/2006/relationships" type="roundRect" r:blip="">
+                <dgm:adjLst>
+                  <dgm:adj idx="1" val="0.1"/>
+                </dgm:adjLst>
+              </dgm:shape>
+              <dgm:presOf axis="self" ptType="node" cnt="1"/>
+              <dgm:constrLst>
+                <dgm:constr type="tMarg" refType="primFontSz" fact="0.1"/>
+                <dgm:constr type="bMarg" refType="primFontSz" fact="0.1"/>
+                <dgm:constr type="lMarg" refType="primFontSz" fact="0.15"/>
+                <dgm:constr type="rMarg" refType="primFontSz" fact="0.15"/>
+              </dgm:constrLst>
+              <dgm:ruleLst>
+                <dgm:rule type="primFontSz" val="5" fact="NaN" max="NaN"/>
+              </dgm:ruleLst>
+            </dgm:layoutNode>
+            <dgm:layoutNode name="rootConnector" moveWith="rootText">
+              <dgm:alg type="sp"/>
+              <dgm:shape xmlns:r="http://schemas.openxmlformats.org/officeDocument/2006/relationships" type="roundRect" r:blip="" hideGeom="1">
+                <dgm:adjLst>
+                  <dgm:adj idx="1" val="0.1"/>
+                </dgm:adjLst>
+              </dgm:shape>
+              <dgm:presOf axis="self" ptType="node" cnt="1"/>
+              <dgm:constrLst/>
+              <dgm:ruleLst/>
+            </dgm:layoutNode>
+          </dgm:layoutNode>
+          <dgm:layoutNode name="childShape">
+            <dgm:alg type="hierChild">
+              <dgm:param type="chAlign" val="l"/>
+              <dgm:param type="linDir" val="fromT"/>
+            </dgm:alg>
+            <dgm:shape xmlns:r="http://schemas.openxmlformats.org/officeDocument/2006/relationships" r:blip="">
+              <dgm:adjLst/>
+            </dgm:shape>
+            <dgm:presOf/>
+            <dgm:constrLst/>
+            <dgm:ruleLst/>
+            <dgm:forEach name="Name11" axis="ch">
+              <dgm:forEach name="Name12" axis="self" ptType="parTrans" cnt="1">
+                <dgm:layoutNode name="Name13">
+                  <dgm:choose name="Name14">
+                    <dgm:if name="Name15" func="var" arg="dir" op="equ" val="norm">
+                      <dgm:alg type="conn">
+                        <dgm:param type="dim" val="1D"/>
+                        <dgm:param type="endSty" val="noArr"/>
+                        <dgm:param type="connRout" val="bend"/>
+                        <dgm:param type="srcNode" val="rootConnector"/>
+                        <dgm:param type="begPts" val="bCtr"/>
+                        <dgm:param type="endPts" val="midL"/>
+                      </dgm:alg>
+                    </dgm:if>
+                    <dgm:else name="Name16">
+                      <dgm:alg type="conn">
+                        <dgm:param type="dim" val="1D"/>
+                        <dgm:param type="endSty" val="noArr"/>
+                        <dgm:param type="connRout" val="bend"/>
+                        <dgm:param type="srcNode" val="rootConnector"/>
+                        <dgm:param type="begPts" val="bCtr"/>
+                        <dgm:param type="endPts" val="midR"/>
+                      </dgm:alg>
+                    </dgm:else>
+                  </dgm:choose>
+                  <dgm:shape xmlns:r="http://schemas.openxmlformats.org/officeDocument/2006/relationships" type="conn" r:blip="">
+                    <dgm:adjLst/>
+                  </dgm:shape>
+                  <dgm:presOf axis="self"/>
+                  <dgm:constrLst>
+                    <dgm:constr type="begPad"/>
+                    <dgm:constr type="endPad"/>
+                  </dgm:constrLst>
+                  <dgm:ruleLst/>
+                </dgm:layoutNode>
+              </dgm:forEach>
+              <dgm:forEach name="Name17" axis="self" ptType="node">
+                <dgm:layoutNode name="childText" styleLbl="bgAcc1">
+                  <dgm:varLst>
+                    <dgm:bulletEnabled val="1"/>
+                  </dgm:varLst>
+                  <dgm:alg type="tx"/>
+                  <dgm:shape xmlns:r="http://schemas.openxmlformats.org/officeDocument/2006/relationships" type="roundRect" r:blip="">
+                    <dgm:adjLst>
+                      <dgm:adj idx="1" val="0.1"/>
+                    </dgm:adjLst>
+                  </dgm:shape>
+                  <dgm:presOf axis="self desOrSelf" ptType="node node" st="1 1" cnt="1 0"/>
+                  <dgm:constrLst>
+                    <dgm:constr type="tMarg" refType="primFontSz" fact="0.1"/>
+                    <dgm:constr type="bMarg" refType="primFontSz" fact="0.1"/>
+                    <dgm:constr type="lMarg" refType="primFontSz" fact="0.15"/>
+                    <dgm:constr type="rMarg" refType="primFontSz" fact="0.15"/>
+                  </dgm:constrLst>
+                  <dgm:ruleLst>
+                    <dgm:rule type="primFontSz" val="5" fact="NaN" max="NaN"/>
+                  </dgm:ruleLst>
+                </dgm:layoutNode>
+              </dgm:forEach>
+            </dgm:forEach>
+          </dgm:layoutNode>
+        </dgm:layoutNode>
+      </dgm:forEach>
+    </dgm:forEach>
+  </dgm:layoutNode>
+</dgm:layoutDef>
+</file>
+
+<file path=ppt/diagrams/quickStyle1.xml><?xml version="1.0" encoding="utf-8"?>
+<dgm:styleDef xmlns:dgm="http://schemas.openxmlformats.org/drawingml/2006/diagram" xmlns:a="http://schemas.openxmlformats.org/drawingml/2006/main" uniqueId="urn:microsoft.com/office/officeart/2005/8/quickstyle/simple1">
+  <dgm:title val=""/>
+  <dgm:desc val=""/>
+  <dgm:catLst>
+    <dgm:cat type="simple" pri="10100"/>
+  </dgm:catLst>
+  <dgm:scene3d>
+    <a:camera prst="orthographicFront"/>
+    <a:lightRig rig="threePt" dir="t"/>
+  </dgm:scene3d>
+  <dgm:styleLbl name="node0">
+    <dgm:scene3d>
+      <a:camera prst="orthographicFront"/>
+      <a:lightRig rig="threePt" dir="t"/>
+    </dgm:scene3d>
+    <dgm:sp3d/>
+    <dgm:txPr/>
+    <dgm:style>
+      <a:lnRef idx="2">
+        <a:scrgbClr r="0" g="0" b="0"/>
+      </a:lnRef>
+      <a:fillRef idx="1">
+        <a:scrgbClr r="0" g="0" b="0"/>
+      </a:fillRef>
+      <a:effectRef idx="0">
+        <a:scrgbClr r="0" g="0" b="0"/>
+      </a:effectRef>
+      <a:fontRef idx="minor">
+        <a:schemeClr val="lt1"/>
+      </a:fontRef>
+    </dgm:style>
+  </dgm:styleLbl>
+  <dgm:styleLbl name="lnNode1">
+    <dgm:scene3d>
+      <a:camera prst="orthographicFront"/>
+      <a:lightRig rig="threePt" dir="t"/>
+    </dgm:scene3d>
+    <dgm:sp3d/>
+    <dgm:txPr/>
+    <dgm:style>
+      <a:lnRef idx="2">
+        <a:scrgbClr r="0" g="0" b="0"/>
+      </a:lnRef>
+      <a:fillRef idx="1">
+        <a:scrgbClr r="0" g="0" b="0"/>
+      </a:fillRef>
+      <a:effectRef idx="0">
+        <a:scrgbClr r="0" g="0" b="0"/>
+      </a:effectRef>
+      <a:fontRef idx="minor">
+        <a:schemeClr val="lt1"/>
+      </a:fontRef>
+    </dgm:style>
+  </dgm:styleLbl>
+  <dgm:styleLbl name="vennNode1">
+    <dgm:scene3d>
+      <a:camera prst="orthographicFront"/>
+      <a:lightRig rig="threePt" dir="t"/>
+    </dgm:scene3d>
+    <dgm:sp3d/>
+    <dgm:txPr/>
+    <dgm:style>
+      <a:lnRef idx="2">
+        <a:scrgbClr r="0" g="0" b="0"/>
+      </a:lnRef>
+      <a:fillRef idx="1">
+        <a:scrgbClr r="0" g="0" b="0"/>
+      </a:fillRef>
+      <a:effectRef idx="0">
+        <a:scrgbClr r="0" g="0" b="0"/>
+      </a:effectRef>
+      <a:fontRef idx="minor">
+        <a:schemeClr val="tx1"/>
+      </a:fontRef>
+    </dgm:style>
+  </dgm:styleLbl>
+  <dgm:styleLbl name="alignNode1">
+    <dgm:scene3d>
+      <a:camera prst="orthographicFront"/>
+      <a:lightRig rig="threePt" dir="t"/>
+    </dgm:scene3d>
+    <dgm:sp3d/>
+    <dgm:txPr/>
+    <dgm:style>
+      <a:lnRef idx="2">
+        <a:scrgbClr r="0" g="0" b="0"/>
+      </a:lnRef>
+      <a:fillRef idx="1">
+        <a:scrgbClr r="0" g="0" b="0"/>
+      </a:fillRef>
+      <a:effectRef idx="0">
+        <a:scrgbClr r="0" g="0" b="0"/>
+      </a:effectRef>
+      <a:fontRef idx="minor">
+        <a:schemeClr val="lt1"/>
+      </a:fontRef>
+    </dgm:style>
+  </dgm:styleLbl>
+  <dgm:styleLbl name="node1">
+    <dgm:scene3d>
+      <a:camera prst="orthographicFront"/>
+      <a:lightRig rig="threePt" dir="t"/>
+    </dgm:scene3d>
+    <dgm:sp3d/>
+    <dgm:txPr/>
+    <dgm:style>
+      <a:lnRef idx="2">
+        <a:scrgbClr r="0" g="0" b="0"/>
+      </a:lnRef>
+      <a:fillRef idx="1">
+        <a:scrgbClr r="0" g="0" b="0"/>
+      </a:fillRef>
+      <a:effectRef idx="0">
+        <a:scrgbClr r="0" g="0" b="0"/>
+      </a:effectRef>
+      <a:fontRef idx="minor">
+        <a:schemeClr val="lt1"/>
+      </a:fontRef>
+    </dgm:style>
+  </dgm:styleLbl>
+  <dgm:styleLbl name="node2">
+    <dgm:scene3d>
+      <a:camera prst="orthographicFront"/>
+      <a:lightRig rig="threePt" dir="t"/>
+    </dgm:scene3d>
+    <dgm:sp3d/>
+    <dgm:txPr/>
+    <dgm:style>
+      <a:lnRef idx="2">
+        <a:scrgbClr r="0" g="0" b="0"/>
+      </a:lnRef>
+      <a:fillRef idx="1">
+        <a:scrgbClr r="0" g="0" b="0"/>
+      </a:fillRef>
+      <a:effectRef idx="0">
+        <a:scrgbClr r="0" g="0" b="0"/>
+      </a:effectRef>
+      <a:fontRef idx="minor">
+        <a:schemeClr val="lt1"/>
+      </a:fontRef>
+    </dgm:style>
+  </dgm:styleLbl>
+  <dgm:styleLbl name="node3">
+    <dgm:scene3d>
+      <a:camera prst="orthographicFront"/>
+      <a:lightRig rig="threePt" dir="t"/>
+    </dgm:scene3d>
+    <dgm:sp3d/>
+    <dgm:txPr/>
+    <dgm:style>
+      <a:lnRef idx="2">
+        <a:scrgbClr r="0" g="0" b="0"/>
+      </a:lnRef>
+      <a:fillRef idx="1">
+        <a:scrgbClr r="0" g="0" b="0"/>
+      </a:fillRef>
+      <a:effectRef idx="0">
+        <a:scrgbClr r="0" g="0" b="0"/>
+      </a:effectRef>
+      <a:fontRef idx="minor">
+        <a:schemeClr val="lt1"/>
+      </a:fontRef>
+    </dgm:style>
+  </dgm:styleLbl>
+  <dgm:styleLbl name="node4">
+    <dgm:scene3d>
+      <a:camera prst="orthographicFront"/>
+      <a:lightRig rig="threePt" dir="t"/>
+    </dgm:scene3d>
+    <dgm:sp3d/>
+    <dgm:txPr/>
+    <dgm:style>
+      <a:lnRef idx="2">
+        <a:scrgbClr r="0" g="0" b="0"/>
+      </a:lnRef>
+      <a:fillRef idx="1">
+        <a:scrgbClr r="0" g="0" b="0"/>
+      </a:fillRef>
+      <a:effectRef idx="0">
+        <a:scrgbClr r="0" g="0" b="0"/>
+      </a:effectRef>
+      <a:fontRef idx="minor">
+        <a:schemeClr val="lt1"/>
+      </a:fontRef>
+    </dgm:style>
+  </dgm:styleLbl>
+  <dgm:styleLbl name="fgImgPlace1">
+    <dgm:scene3d>
+      <a:camera prst="orthographicFront"/>
+      <a:lightRig rig="threePt" dir="t"/>
+    </dgm:scene3d>
+    <dgm:sp3d/>
+    <dgm:txPr/>
+    <dgm:style>
+      <a:lnRef idx="2">
+        <a:scrgbClr r="0" g="0" b="0"/>
+      </a:lnRef>
+      <a:fillRef idx="1">
+        <a:scrgbClr r="0" g="0" b="0"/>
+      </a:fillRef>
+      <a:effectRef idx="0">
+        <a:scrgbClr r="0" g="0" b="0"/>
+      </a:effectRef>
+      <a:fontRef idx="minor"/>
+    </dgm:style>
+  </dgm:styleLbl>
+  <dgm:styleLbl name="alignImgPlace1">
+    <dgm:scene3d>
+      <a:camera prst="orthographicFront"/>
+      <a:lightRig rig="threePt" dir="t"/>
+    </dgm:scene3d>
+    <dgm:sp3d/>
+    <dgm:txPr/>
+    <dgm:style>
+      <a:lnRef idx="2">
+        <a:scrgbClr r="0" g="0" b="0"/>
+      </a:lnRef>
+      <a:fillRef idx="1">
+        <a:scrgbClr r="0" g="0" b="0"/>
+      </a:fillRef>
+      <a:effectRef idx="0">
+        <a:scrgbClr r="0" g="0" b="0"/>
+      </a:effectRef>
+      <a:fontRef idx="minor"/>
+    </dgm:style>
+  </dgm:styleLbl>
+  <dgm:styleLbl name="bgImgPlace1">
+    <dgm:scene3d>
+      <a:camera prst="orthographicFront"/>
+      <a:lightRig rig="threePt" dir="t"/>
+    </dgm:scene3d>
+    <dgm:sp3d/>
+    <dgm:txPr/>
+    <dgm:style>
+      <a:lnRef idx="2">
+        <a:scrgbClr r="0" g="0" b="0"/>
+      </a:lnRef>
+      <a:fillRef idx="1">
+        <a:scrgbClr r="0" g="0" b="0"/>
+      </a:fillRef>
+      <a:effectRef idx="0">
+        <a:scrgbClr r="0" g="0" b="0"/>
+      </a:effectRef>
+      <a:fontRef idx="minor"/>
+    </dgm:style>
+  </dgm:styleLbl>
+  <dgm:styleLbl name="sibTrans2D1">
+    <dgm:scene3d>
+      <a:camera prst="orthographicFront"/>
+      <a:lightRig rig="threePt" dir="t"/>
+    </dgm:scene3d>
+    <dgm:sp3d/>
+    <dgm:txPr/>
+    <dgm:style>
+      <a:lnRef idx="0">
+        <a:scrgbClr r="0" g="0" b="0"/>
+      </a:lnRef>
+      <a:fillRef idx="1">
+        <a:scrgbClr r="0" g="0" b="0"/>
+      </a:fillRef>
+      <a:effectRef idx="0">
+        <a:scrgbClr r="0" g="0" b="0"/>
+      </a:effectRef>
+      <a:fontRef idx="minor">
+        <a:schemeClr val="lt1"/>
+      </a:fontRef>
+    </dgm:style>
+  </dgm:styleLbl>
+  <dgm:styleLbl name="fgSibTrans2D1">
+    <dgm:scene3d>
+      <a:camera prst="orthographicFront"/>
+      <a:lightRig rig="threePt" dir="t"/>
+    </dgm:scene3d>
+    <dgm:sp3d/>
+    <dgm:txPr/>
+    <dgm:style>
+      <a:lnRef idx="0">
+        <a:scrgbClr r="0" g="0" b="0"/>
+      </a:lnRef>
+      <a:fillRef idx="1">
+        <a:scrgbClr r="0" g="0" b="0"/>
+      </a:fillRef>
+      <a:effectRef idx="0">
+        <a:scrgbClr r="0" g="0" b="0"/>
+      </a:effectRef>
+      <a:fontRef idx="minor">
+        <a:schemeClr val="lt1"/>
+      </a:fontRef>
+    </dgm:style>
+  </dgm:styleLbl>
+  <dgm:styleLbl name="bgSibTrans2D1">
+    <dgm:scene3d>
+      <a:camera prst="orthographicFront"/>
+      <a:lightRig rig="threePt" dir="t"/>
+    </dgm:scene3d>
+    <dgm:sp3d/>
+    <dgm:txPr/>
+    <dgm:style>
+      <a:lnRef idx="0">
+        <a:scrgbClr r="0" g="0" b="0"/>
+      </a:lnRef>
+      <a:fillRef idx="1">
+        <a:scrgbClr r="0" g="0" b="0"/>
+      </a:fillRef>
+      <a:effectRef idx="0">
+        <a:scrgbClr r="0" g="0" b="0"/>
+      </a:effectRef>
+      <a:fontRef idx="minor">
+        <a:schemeClr val="lt1"/>
+      </a:fontRef>
+    </dgm:style>
+  </dgm:styleLbl>
+  <dgm:styleLbl name="sibTrans1D1">
+    <dgm:scene3d>
+      <a:camera prst="orthographicFront"/>
+      <a:lightRig rig="threePt" dir="t"/>
+    </dgm:scene3d>
+    <dgm:sp3d/>
+    <dgm:txPr/>
+    <dgm:style>
+      <a:lnRef idx="1">
+        <a:scrgbClr r="0" g="0" b="0"/>
+      </a:lnRef>
+      <a:fillRef idx="0">
+        <a:scrgbClr r="0" g="0" b="0"/>
+      </a:fillRef>
+      <a:effectRef idx="0">
+        <a:scrgbClr r="0" g="0" b="0"/>
+      </a:effectRef>
+      <a:fontRef idx="minor"/>
+    </dgm:style>
+  </dgm:styleLbl>
+  <dgm:styleLbl name="callout">
+    <dgm:scene3d>
+      <a:camera prst="orthographicFront"/>
+      <a:lightRig rig="threePt" dir="t"/>
+    </dgm:scene3d>
+    <dgm:sp3d/>
+    <dgm:txPr/>
+    <dgm:style>
+      <a:lnRef idx="2">
+        <a:scrgbClr r="0" g="0" b="0"/>
+      </a:lnRef>
+      <a:fillRef idx="1">
+        <a:scrgbClr r="0" g="0" b="0"/>
+      </a:fillRef>
+      <a:effectRef idx="0">
+        <a:scrgbClr r="0" g="0" b="0"/>
+      </a:effectRef>
+      <a:fontRef idx="minor"/>
+    </dgm:style>
+  </dgm:styleLbl>
+  <dgm:styleLbl name="asst0">
+    <dgm:scene3d>
+      <a:camera prst="orthographicFront"/>
+      <a:lightRig rig="threePt" dir="t"/>
+    </dgm:scene3d>
+    <dgm:sp3d/>
+    <dgm:txPr/>
+    <dgm:style>
+      <a:lnRef idx="2">
+        <a:scrgbClr r="0" g="0" b="0"/>
+      </a:lnRef>
+      <a:fillRef idx="1">
+        <a:scrgbClr r="0" g="0" b="0"/>
+      </a:fillRef>
+      <a:effectRef idx="0">
+        <a:scrgbClr r="0" g="0" b="0"/>
+      </a:effectRef>
+      <a:fontRef idx="minor">
+        <a:schemeClr val="lt1"/>
+      </a:fontRef>
+    </dgm:style>
+  </dgm:styleLbl>
+  <dgm:styleLbl name="asst1">
+    <dgm:scene3d>
+      <a:camera prst="orthographicFront"/>
+      <a:lightRig rig="threePt" dir="t"/>
+    </dgm:scene3d>
+    <dgm:sp3d/>
+    <dgm:txPr/>
+    <dgm:style>
+      <a:lnRef idx="2">
+        <a:scrgbClr r="0" g="0" b="0"/>
+      </a:lnRef>
+      <a:fillRef idx="1">
+        <a:scrgbClr r="0" g="0" b="0"/>
+      </a:fillRef>
+      <a:effectRef idx="0">
+        <a:scrgbClr r="0" g="0" b="0"/>
+      </a:effectRef>
+      <a:fontRef idx="minor">
+        <a:schemeClr val="lt1"/>
+      </a:fontRef>
+    </dgm:style>
+  </dgm:styleLbl>
+  <dgm:styleLbl name="asst2">
+    <dgm:scene3d>
+      <a:camera prst="orthographicFront"/>
+      <a:lightRig rig="threePt" dir="t"/>
+    </dgm:scene3d>
+    <dgm:sp3d/>
+    <dgm:txPr/>
+    <dgm:style>
+      <a:lnRef idx="2">
+        <a:scrgbClr r="0" g="0" b="0"/>
+      </a:lnRef>
+      <a:fillRef idx="1">
+        <a:scrgbClr r="0" g="0" b="0"/>
+      </a:fillRef>
+      <a:effectRef idx="0">
+        <a:scrgbClr r="0" g="0" b="0"/>
+      </a:effectRef>
+      <a:fontRef idx="minor">
+        <a:schemeClr val="lt1"/>
+      </a:fontRef>
+    </dgm:style>
+  </dgm:styleLbl>
+  <dgm:styleLbl name="asst3">
+    <dgm:scene3d>
+      <a:camera prst="orthographicFront"/>
+      <a:lightRig rig="threePt" dir="t"/>
+    </dgm:scene3d>
+    <dgm:sp3d/>
+    <dgm:txPr/>
+    <dgm:style>
+      <a:lnRef idx="2">
+        <a:scrgbClr r="0" g="0" b="0"/>
+      </a:lnRef>
+      <a:fillRef idx="1">
+        <a:scrgbClr r="0" g="0" b="0"/>
+      </a:fillRef>
+      <a:effectRef idx="0">
+        <a:scrgbClr r="0" g="0" b="0"/>
+      </a:effectRef>
+      <a:fontRef idx="minor">
+        <a:schemeClr val="lt1"/>
+      </a:fontRef>
+    </dgm:style>
+  </dgm:styleLbl>
+  <dgm:styleLbl name="asst4">
+    <dgm:scene3d>
+      <a:camera prst="orthographicFront"/>
+      <a:lightRig rig="threePt" dir="t"/>
+    </dgm:scene3d>
+    <dgm:sp3d/>
+    <dgm:txPr/>
+    <dgm:style>
+      <a:lnRef idx="2">
+        <a:scrgbClr r="0" g="0" b="0"/>
+      </a:lnRef>
+      <a:fillRef idx="1">
+        <a:scrgbClr r="0" g="0" b="0"/>
+      </a:fillRef>
+      <a:effectRef idx="0">
+        <a:scrgbClr r="0" g="0" b="0"/>
+      </a:effectRef>
+      <a:fontRef idx="minor">
+        <a:schemeClr val="lt1"/>
+      </a:fontRef>
+    </dgm:style>
+  </dgm:styleLbl>
+  <dgm:styleLbl name="parChTrans2D1">
+    <dgm:scene3d>
+      <a:camera prst="orthographicFront"/>
+      <a:lightRig rig="threePt" dir="t"/>
+    </dgm:scene3d>
+    <dgm:sp3d/>
+    <dgm:txPr/>
+    <dgm:style>
+      <a:lnRef idx="2">
+        <a:scrgbClr r="0" g="0" b="0"/>
+      </a:lnRef>
+      <a:fillRef idx="1">
+        <a:scrgbClr r="0" g="0" b="0"/>
+      </a:fillRef>
+      <a:effectRef idx="0">
+        <a:scrgbClr r="0" g="0" b="0"/>
+      </a:effectRef>
+      <a:fontRef idx="minor">
+        <a:schemeClr val="lt1"/>
+      </a:fontRef>
+    </dgm:style>
+  </dgm:styleLbl>
+  <dgm:styleLbl name="parChTrans2D2">
+    <dgm:scene3d>
+      <a:camera prst="orthographicFront"/>
+      <a:lightRig rig="threePt" dir="t"/>
+    </dgm:scene3d>
+    <dgm:sp3d/>
+    <dgm:txPr/>
+    <dgm:style>
+      <a:lnRef idx="2">
+        <a:scrgbClr r="0" g="0" b="0"/>
+      </a:lnRef>
+      <a:fillRef idx="1">
+        <a:scrgbClr r="0" g="0" b="0"/>
+      </a:fillRef>
+      <a:effectRef idx="0">
+        <a:scrgbClr r="0" g="0" b="0"/>
+      </a:effectRef>
+      <a:fontRef idx="minor">
+        <a:schemeClr val="lt1"/>
+      </a:fontRef>
+    </dgm:style>
+  </dgm:styleLbl>
+  <dgm:styleLbl name="parChTrans2D3">
+    <dgm:scene3d>
+      <a:camera prst="orthographicFront"/>
+      <a:lightRig rig="threePt" dir="t"/>
+    </dgm:scene3d>
+    <dgm:sp3d/>
+    <dgm:txPr/>
+    <dgm:style>
+      <a:lnRef idx="2">
+        <a:scrgbClr r="0" g="0" b="0"/>
+      </a:lnRef>
+      <a:fillRef idx="1">
+        <a:scrgbClr r="0" g="0" b="0"/>
+      </a:fillRef>
+      <a:effectRef idx="0">
+        <a:scrgbClr r="0" g="0" b="0"/>
+      </a:effectRef>
+      <a:fontRef idx="minor">
+        <a:schemeClr val="lt1"/>
+      </a:fontRef>
+    </dgm:style>
+  </dgm:styleLbl>
+  <dgm:styleLbl name="parChTrans2D4">
+    <dgm:scene3d>
+      <a:camera prst="orthographicFront"/>
+      <a:lightRig rig="threePt" dir="t"/>
+    </dgm:scene3d>
+    <dgm:sp3d/>
+    <dgm:txPr/>
+    <dgm:style>
+      <a:lnRef idx="2">
+        <a:scrgbClr r="0" g="0" b="0"/>
+      </a:lnRef>
+      <a:fillRef idx="1">
+        <a:scrgbClr r="0" g="0" b="0"/>
+      </a:fillRef>
+      <a:effectRef idx="0">
+        <a:scrgbClr r="0" g="0" b="0"/>
+      </a:effectRef>
+      <a:fontRef idx="minor">
+        <a:schemeClr val="lt1"/>
+      </a:fontRef>
+    </dgm:style>
+  </dgm:styleLbl>
+  <dgm:styleLbl name="parChTrans1D1">
+    <dgm:scene3d>
+      <a:camera prst="orthographicFront"/>
+      <a:lightRig rig="threePt" dir="t"/>
+    </dgm:scene3d>
+    <dgm:sp3d/>
+    <dgm:txPr/>
+    <dgm:style>
+      <a:lnRef idx="2">
+        <a:scrgbClr r="0" g="0" b="0"/>
+      </a:lnRef>
+      <a:fillRef idx="0">
+        <a:scrgbClr r="0" g="0" b="0"/>
+      </a:fillRef>
+      <a:effectRef idx="0">
+        <a:scrgbClr r="0" g="0" b="0"/>
+      </a:effectRef>
+      <a:fontRef idx="minor"/>
+    </dgm:style>
+  </dgm:styleLbl>
+  <dgm:styleLbl name="parChTrans1D2">
+    <dgm:scene3d>
+      <a:camera prst="orthographicFront"/>
+      <a:lightRig rig="threePt" dir="t"/>
+    </dgm:scene3d>
+    <dgm:sp3d/>
+    <dgm:txPr/>
+    <dgm:style>
+      <a:lnRef idx="2">
+        <a:scrgbClr r="0" g="0" b="0"/>
+      </a:lnRef>
+      <a:fillRef idx="0">
+        <a:scrgbClr r="0" g="0" b="0"/>
+      </a:fillRef>
+      <a:effectRef idx="0">
+        <a:scrgbClr r="0" g="0" b="0"/>
+      </a:effectRef>
+      <a:fontRef idx="minor"/>
+    </dgm:style>
+  </dgm:styleLbl>
+  <dgm:styleLbl name="parChTrans1D3">
+    <dgm:scene3d>
+      <a:camera prst="orthographicFront"/>
+      <a:lightRig rig="threePt" dir="t"/>
+    </dgm:scene3d>
+    <dgm:sp3d/>
+    <dgm:txPr/>
+    <dgm:style>
+      <a:lnRef idx="2">
+        <a:scrgbClr r="0" g="0" b="0"/>
+      </a:lnRef>
+      <a:fillRef idx="0">
+        <a:scrgbClr r="0" g="0" b="0"/>
+      </a:fillRef>
+      <a:effectRef idx="0">
+        <a:scrgbClr r="0" g="0" b="0"/>
+      </a:effectRef>
+      <a:fontRef idx="minor"/>
+    </dgm:style>
+  </dgm:styleLbl>
+  <dgm:styleLbl name="parChTrans1D4">
+    <dgm:scene3d>
+      <a:camera prst="orthographicFront"/>
+      <a:lightRig rig="threePt" dir="t"/>
+    </dgm:scene3d>
+    <dgm:sp3d/>
+    <dgm:txPr/>
+    <dgm:style>
+      <a:lnRef idx="2">
+        <a:scrgbClr r="0" g="0" b="0"/>
+      </a:lnRef>
+      <a:fillRef idx="0">
+        <a:scrgbClr r="0" g="0" b="0"/>
+      </a:fillRef>
+      <a:effectRef idx="0">
+        <a:scrgbClr r="0" g="0" b="0"/>
+      </a:effectRef>
+      <a:fontRef idx="minor"/>
+    </dgm:style>
+  </dgm:styleLbl>
+  <dgm:styleLbl name="fgAcc1">
+    <dgm:scene3d>
+      <a:camera prst="orthographicFront"/>
+      <a:lightRig rig="threePt" dir="t"/>
+    </dgm:scene3d>
+    <dgm:sp3d/>
+    <dgm:txPr/>
+    <dgm:style>
+      <a:lnRef idx="2">
+        <a:scrgbClr r="0" g="0" b="0"/>
+      </a:lnRef>
+      <a:fillRef idx="1">
+        <a:scrgbClr r="0" g="0" b="0"/>
+      </a:fillRef>
+      <a:effectRef idx="0">
+        <a:scrgbClr r="0" g="0" b="0"/>
+      </a:effectRef>
+      <a:fontRef idx="minor"/>
+    </dgm:style>
+  </dgm:styleLbl>
+  <dgm:styleLbl name="conFgAcc1">
+    <dgm:scene3d>
+      <a:camera prst="orthographicFront"/>
+      <a:lightRig rig="threePt" dir="t"/>
+    </dgm:scene3d>
+    <dgm:sp3d/>
+    <dgm:txPr/>
+    <dgm:style>
+      <a:lnRef idx="2">
+        <a:scrgbClr r="0" g="0" b="0"/>
+      </a:lnRef>
+      <a:fillRef idx="1">
+        <a:scrgbClr r="0" g="0" b="0"/>
+      </a:fillRef>
+      <a:effectRef idx="0">
+        <a:scrgbClr r="0" g="0" b="0"/>
+      </a:effectRef>
+      <a:fontRef idx="minor"/>
+    </dgm:style>
+  </dgm:styleLbl>
+  <dgm:styleLbl name="alignAcc1">
+    <dgm:scene3d>
+      <a:camera prst="orthographicFront"/>
+      <a:lightRig rig="threePt" dir="t"/>
+    </dgm:scene3d>
+    <dgm:sp3d/>
+    <dgm:txPr/>
+    <dgm:style>
+      <a:lnRef idx="2">
+        <a:scrgbClr r="0" g="0" b="0"/>
+      </a:lnRef>
+      <a:fillRef idx="1">
+        <a:scrgbClr r="0" g="0" b="0"/>
+      </a:fillRef>
+      <a:effectRef idx="0">
+        <a:scrgbClr r="0" g="0" b="0"/>
+      </a:effectRef>
+      <a:fontRef idx="minor"/>
+    </dgm:style>
+  </dgm:styleLbl>
+  <dgm:styleLbl name="trAlignAcc1">
+    <dgm:scene3d>
+      <a:camera prst="orthographicFront"/>
+      <a:lightRig rig="threePt" dir="t"/>
+    </dgm:scene3d>
+    <dgm:sp3d/>
+    <dgm:txPr/>
+    <dgm:style>
+      <a:lnRef idx="1">
+        <a:scrgbClr r="0" g="0" b="0"/>
+      </a:lnRef>
+      <a:fillRef idx="1">
+        <a:scrgbClr r="0" g="0" b="0"/>
+      </a:fillRef>
+      <a:effectRef idx="0">
+        <a:scrgbClr r="0" g="0" b="0"/>
+      </a:effectRef>
+      <a:fontRef idx="minor"/>
+    </dgm:style>
+  </dgm:styleLbl>
+  <dgm:styleLbl name="bgAcc1">
+    <dgm:scene3d>
+      <a:camera prst="orthographicFront"/>
+      <a:lightRig rig="threePt" dir="t"/>
+    </dgm:scene3d>
+    <dgm:sp3d/>
+    <dgm:txPr/>
+    <dgm:style>
+      <a:lnRef idx="2">
+        <a:scrgbClr r="0" g="0" b="0"/>
+      </a:lnRef>
+      <a:fillRef idx="1">
+        <a:scrgbClr r="0" g="0" b="0"/>
+      </a:fillRef>
+      <a:effectRef idx="0">
+        <a:scrgbClr r="0" g="0" b="0"/>
+      </a:effectRef>
+      <a:fontRef idx="minor"/>
+    </dgm:style>
+  </dgm:styleLbl>
+  <dgm:styleLbl name="solidFgAcc1">
+    <dgm:scene3d>
+      <a:camera prst="orthographicFront"/>
+      <a:lightRig rig="threePt" dir="t"/>
+    </dgm:scene3d>
+    <dgm:sp3d/>
+    <dgm:txPr/>
+    <dgm:style>
+      <a:lnRef idx="2">
+        <a:scrgbClr r="0" g="0" b="0"/>
+      </a:lnRef>
+      <a:fillRef idx="1">
+        <a:scrgbClr r="0" g="0" b="0"/>
+      </a:fillRef>
+      <a:effectRef idx="0">
+        <a:scrgbClr r="0" g="0" b="0"/>
+      </a:effectRef>
+      <a:fontRef idx="minor"/>
+    </dgm:style>
+  </dgm:styleLbl>
+  <dgm:styleLbl name="solidAlignAcc1">
+    <dgm:scene3d>
+      <a:camera prst="orthographicFront"/>
+      <a:lightRig rig="threePt" dir="t"/>
+    </dgm:scene3d>
+    <dgm:sp3d/>
+    <dgm:txPr/>
+    <dgm:style>
+      <a:lnRef idx="2">
+        <a:scrgbClr r="0" g="0" b="0"/>
+      </a:lnRef>
+      <a:fillRef idx="1">
+        <a:scrgbClr r="0" g="0" b="0"/>
+      </a:fillRef>
+      <a:effectRef idx="0">
+        <a:scrgbClr r="0" g="0" b="0"/>
+      </a:effectRef>
+      <a:fontRef idx="minor"/>
+    </dgm:style>
+  </dgm:styleLbl>
+  <dgm:styleLbl name="solidBgAcc1">
+    <dgm:scene3d>
+      <a:camera prst="orthographicFront"/>
+      <a:lightRig rig="threePt" dir="t"/>
+    </dgm:scene3d>
+    <dgm:sp3d/>
+    <dgm:txPr/>
+    <dgm:style>
+      <a:lnRef idx="2">
+        <a:scrgbClr r="0" g="0" b="0"/>
+      </a:lnRef>
+      <a:fillRef idx="1">
+        <a:scrgbClr r="0" g="0" b="0"/>
+      </a:fillRef>
+      <a:effectRef idx="0">
+        <a:scrgbClr r="0" g="0" b="0"/>
+      </a:effectRef>
+      <a:fontRef idx="minor"/>
+    </dgm:style>
+  </dgm:styleLbl>
+  <dgm:styleLbl name="fgAccFollowNode1">
+    <dgm:scene3d>
+      <a:camera prst="orthographicFront"/>
+      <a:lightRig rig="threePt" dir="t"/>
+    </dgm:scene3d>
+    <dgm:sp3d/>
+    <dgm:txPr/>
+    <dgm:style>
+      <a:lnRef idx="2">
+        <a:scrgbClr r="0" g="0" b="0"/>
+      </a:lnRef>
+      <a:fillRef idx="1">
+        <a:scrgbClr r="0" g="0" b="0"/>
+      </a:fillRef>
+      <a:effectRef idx="0">
+        <a:scrgbClr r="0" g="0" b="0"/>
+      </a:effectRef>
+      <a:fontRef idx="minor"/>
+    </dgm:style>
+  </dgm:styleLbl>
+  <dgm:styleLbl name="alignAccFollowNode1">
+    <dgm:scene3d>
+      <a:camera prst="orthographicFront"/>
+      <a:lightRig rig="threePt" dir="t"/>
+    </dgm:scene3d>
+    <dgm:sp3d/>
+    <dgm:txPr/>
+    <dgm:style>
+      <a:lnRef idx="2">
+        <a:scrgbClr r="0" g="0" b="0"/>
+      </a:lnRef>
+      <a:fillRef idx="1">
+        <a:scrgbClr r="0" g="0" b="0"/>
+      </a:fillRef>
+      <a:effectRef idx="0">
+        <a:scrgbClr r="0" g="0" b="0"/>
+      </a:effectRef>
+      <a:fontRef idx="minor"/>
+    </dgm:style>
+  </dgm:styleLbl>
+  <dgm:styleLbl name="bgAccFollowNode1">
+    <dgm:scene3d>
+      <a:camera prst="orthographicFront"/>
+      <a:lightRig rig="threePt" dir="t"/>
+    </dgm:scene3d>
+    <dgm:sp3d/>
+    <dgm:txPr/>
+    <dgm:style>
+      <a:lnRef idx="2">
+        <a:scrgbClr r="0" g="0" b="0"/>
+      </a:lnRef>
+      <a:fillRef idx="1">
+        <a:scrgbClr r="0" g="0" b="0"/>
+      </a:fillRef>
+      <a:effectRef idx="0">
+        <a:scrgbClr r="0" g="0" b="0"/>
+      </a:effectRef>
+      <a:fontRef idx="minor"/>
+    </dgm:style>
+  </dgm:styleLbl>
+  <dgm:styleLbl name="fgAcc0">
+    <dgm:scene3d>
+      <a:camera prst="orthographicFront"/>
+      <a:lightRig rig="threePt" dir="t"/>
+    </dgm:scene3d>
+    <dgm:sp3d/>
+    <dgm:txPr/>
+    <dgm:style>
+      <a:lnRef idx="2">
+        <a:scrgbClr r="0" g="0" b="0"/>
+      </a:lnRef>
+      <a:fillRef idx="1">
+        <a:scrgbClr r="0" g="0" b="0"/>
+      </a:fillRef>
+      <a:effectRef idx="0">
+        <a:scrgbClr r="0" g="0" b="0"/>
+      </a:effectRef>
+      <a:fontRef idx="minor"/>
+    </dgm:style>
+  </dgm:styleLbl>
+  <dgm:styleLbl name="fgAcc2">
+    <dgm:scene3d>
+      <a:camera prst="orthographicFront"/>
+      <a:lightRig rig="threePt" dir="t"/>
+    </dgm:scene3d>
+    <dgm:sp3d/>
+    <dgm:txPr/>
+    <dgm:style>
+      <a:lnRef idx="2">
+        <a:scrgbClr r="0" g="0" b="0"/>
+      </a:lnRef>
+      <a:fillRef idx="1">
+        <a:scrgbClr r="0" g="0" b="0"/>
+      </a:fillRef>
+      <a:effectRef idx="0">
+        <a:scrgbClr r="0" g="0" b="0"/>
+      </a:effectRef>
+      <a:fontRef idx="minor"/>
+    </dgm:style>
+  </dgm:styleLbl>
+  <dgm:styleLbl name="fgAcc3">
+    <dgm:scene3d>
+      <a:camera prst="orthographicFront"/>
+      <a:lightRig rig="threePt" dir="t"/>
+    </dgm:scene3d>
+    <dgm:sp3d/>
+    <dgm:txPr/>
+    <dgm:style>
+      <a:lnRef idx="2">
+        <a:scrgbClr r="0" g="0" b="0"/>
+      </a:lnRef>
+      <a:fillRef idx="1">
+        <a:scrgbClr r="0" g="0" b="0"/>
+      </a:fillRef>
+      <a:effectRef idx="0">
+        <a:scrgbClr r="0" g="0" b="0"/>
+      </a:effectRef>
+      <a:fontRef idx="minor"/>
+    </dgm:style>
+  </dgm:styleLbl>
+  <dgm:styleLbl name="fgAcc4">
+    <dgm:scene3d>
+      <a:camera prst="orthographicFront"/>
+      <a:lightRig rig="threePt" dir="t"/>
+    </dgm:scene3d>
+    <dgm:sp3d/>
+    <dgm:txPr/>
+    <dgm:style>
+      <a:lnRef idx="2">
+        <a:scrgbClr r="0" g="0" b="0"/>
+      </a:lnRef>
+      <a:fillRef idx="1">
+        <a:scrgbClr r="0" g="0" b="0"/>
+      </a:fillRef>
+      <a:effectRef idx="0">
+        <a:scrgbClr r="0" g="0" b="0"/>
+      </a:effectRef>
+      <a:fontRef idx="minor"/>
+    </dgm:style>
+  </dgm:styleLbl>
+  <dgm:styleLbl name="bgShp">
+    <dgm:scene3d>
+      <a:camera prst="orthographicFront"/>
+      <a:lightRig rig="threePt" dir="t"/>
+    </dgm:scene3d>
+    <dgm:sp3d/>
+    <dgm:txPr/>
+    <dgm:style>
+      <a:lnRef idx="0">
+        <a:scrgbClr r="0" g="0" b="0"/>
+      </a:lnRef>
+      <a:fillRef idx="1">
+        <a:scrgbClr r="0" g="0" b="0"/>
+      </a:fillRef>
+      <a:effectRef idx="0">
+        <a:scrgbClr r="0" g="0" b="0"/>
+      </a:effectRef>
+      <a:fontRef idx="minor"/>
+    </dgm:style>
+  </dgm:styleLbl>
+  <dgm:styleLbl name="dkBgShp">
+    <dgm:scene3d>
+      <a:camera prst="orthographicFront"/>
+      <a:lightRig rig="threePt" dir="t"/>
+    </dgm:scene3d>
+    <dgm:sp3d/>
+    <dgm:txPr/>
+    <dgm:style>
+      <a:lnRef idx="0">
+        <a:scrgbClr r="0" g="0" b="0"/>
+      </a:lnRef>
+      <a:fillRef idx="1">
+        <a:scrgbClr r="0" g="0" b="0"/>
+      </a:fillRef>
+      <a:effectRef idx="0">
+        <a:scrgbClr r="0" g="0" b="0"/>
+      </a:effectRef>
+      <a:fontRef idx="minor"/>
+    </dgm:style>
+  </dgm:styleLbl>
+  <dgm:styleLbl name="trBgShp">
+    <dgm:scene3d>
+      <a:camera prst="orthographicFront"/>
+      <a:lightRig rig="threePt" dir="t"/>
+    </dgm:scene3d>
+    <dgm:sp3d/>
+    <dgm:txPr/>
+    <dgm:style>
+      <a:lnRef idx="0">
+        <a:scrgbClr r="0" g="0" b="0"/>
+      </a:lnRef>
+      <a:fillRef idx="1">
+        <a:scrgbClr r="0" g="0" b="0"/>
+      </a:fillRef>
+      <a:effectRef idx="0">
+        <a:scrgbClr r="0" g="0" b="0"/>
+      </a:effectRef>
+      <a:fontRef idx="minor"/>
+    </dgm:style>
+  </dgm:styleLbl>
+  <dgm:styleLbl name="fgShp">
+    <dgm:scene3d>
+      <a:camera prst="orthographicFront"/>
+      <a:lightRig rig="threePt" dir="t"/>
+    </dgm:scene3d>
+    <dgm:sp3d/>
+    <dgm:txPr/>
+    <dgm:style>
+      <a:lnRef idx="2">
+        <a:scrgbClr r="0" g="0" b="0"/>
+      </a:lnRef>
+      <a:fillRef idx="1">
+        <a:scrgbClr r="0" g="0" b="0"/>
+      </a:fillRef>
+      <a:effectRef idx="0">
+        <a:scrgbClr r="0" g="0" b="0"/>
+      </a:effectRef>
+      <a:fontRef idx="minor"/>
+    </dgm:style>
+  </dgm:styleLbl>
+  <dgm:styleLbl name="revTx">
+    <dgm:scene3d>
+      <a:camera prst="orthographicFront"/>
+      <a:lightRig rig="threePt" dir="t"/>
+    </dgm:scene3d>
+    <dgm:sp3d/>
+    <dgm:txPr/>
+    <dgm:style>
+      <a:lnRef idx="0">
+        <a:scrgbClr r="0" g="0" b="0"/>
+      </a:lnRef>
+      <a:fillRef idx="0">
+        <a:scrgbClr r="0" g="0" b="0"/>
+      </a:fillRef>
+      <a:effectRef idx="0">
+        <a:scrgbClr r="0" g="0" b="0"/>
+      </a:effectRef>
+      <a:fontRef idx="minor"/>
+    </dgm:style>
+  </dgm:styleLbl>
+</dgm:styleDef>
 </file>
 
 <file path=ppt/slideLayouts/slideLayout1.xml><?xml version="1.0" encoding="utf-8"?>
@@ -3185,7 +6705,688 @@
 </p:sld>
 </file>
 
-<file path=ppt/slides/slide2.xml><?xml version="1.0" encoding="utf-8"?>
+<file path=ppt/slides/slide10.xml><?xml version="1.0" encoding="utf-8"?>
+<p:sld xmlns:a="http://schemas.openxmlformats.org/drawingml/2006/main" xmlns:r="http://schemas.openxmlformats.org/officeDocument/2006/relationships" xmlns:p="http://schemas.openxmlformats.org/presentationml/2006/main">
+  <p:cSld>
+    <p:spTree>
+      <p:nvGrpSpPr>
+        <p:cNvPr id="1" name=""/>
+        <p:cNvGrpSpPr/>
+        <p:nvPr/>
+      </p:nvGrpSpPr>
+      <p:grpSpPr>
+        <a:xfrm>
+          <a:off x="0" y="0"/>
+          <a:ext cx="0" cy="0"/>
+          <a:chOff x="0" y="0"/>
+          <a:chExt cx="0" cy="0"/>
+        </a:xfrm>
+      </p:grpSpPr>
+      <p:sp>
+        <p:nvSpPr>
+          <p:cNvPr id="15" name="직사각형 14"/>
+          <p:cNvSpPr/>
+          <p:nvPr/>
+        </p:nvSpPr>
+        <p:spPr>
+          <a:xfrm>
+            <a:off x="-1" y="9235"/>
+            <a:ext cx="11092873" cy="6858000"/>
+          </a:xfrm>
+          <a:prstGeom prst="rect">
+            <a:avLst/>
+          </a:prstGeom>
+          <a:solidFill>
+            <a:srgbClr val="BFBFBF"/>
+          </a:solidFill>
+          <a:ln>
+            <a:noFill/>
+          </a:ln>
+        </p:spPr>
+        <p:style>
+          <a:lnRef idx="2">
+            <a:schemeClr val="accent1">
+              <a:shade val="50000"/>
+            </a:schemeClr>
+          </a:lnRef>
+          <a:fillRef idx="1">
+            <a:schemeClr val="accent1"/>
+          </a:fillRef>
+          <a:effectRef idx="0">
+            <a:schemeClr val="accent1"/>
+          </a:effectRef>
+          <a:fontRef idx="minor">
+            <a:schemeClr val="lt1"/>
+          </a:fontRef>
+        </p:style>
+        <p:txBody>
+          <a:bodyPr rtlCol="0" anchor="ctr"/>
+          <a:lstStyle/>
+          <a:p>
+            <a:pPr algn="ctr"/>
+            <a:endParaRPr lang="ko-KR" altLang="en-US" dirty="0"/>
+          </a:p>
+        </p:txBody>
+      </p:sp>
+      <p:sp>
+        <p:nvSpPr>
+          <p:cNvPr id="3" name="TextBox 2"/>
+          <p:cNvSpPr txBox="1"/>
+          <p:nvPr/>
+        </p:nvSpPr>
+        <p:spPr>
+          <a:xfrm>
+            <a:off x="-1" y="0"/>
+            <a:ext cx="8774545" cy="1938992"/>
+          </a:xfrm>
+          <a:prstGeom prst="rect">
+            <a:avLst/>
+          </a:prstGeom>
+          <a:noFill/>
+        </p:spPr>
+        <p:txBody>
+          <a:bodyPr wrap="square" rtlCol="0">
+            <a:spAutoFit/>
+          </a:bodyPr>
+          <a:lstStyle/>
+          <a:p>
+            <a:r>
+              <a:rPr lang="ko-KR" altLang="en-US" sz="6000" dirty="0" smtClean="0">
+                <a:solidFill>
+                  <a:schemeClr val="bg1"/>
+                </a:solidFill>
+                <a:latin typeface="Adobe 고딕 Std B" panose="020B0800000000000000" pitchFamily="34" charset="-127"/>
+                <a:ea typeface="Adobe 고딕 Std B" panose="020B0800000000000000" pitchFamily="34" charset="-127"/>
+              </a:rPr>
+              <a:t>디바이스 반영 </a:t>
+            </a:r>
+            <a:r>
+              <a:rPr lang="en-US" altLang="ko-KR" sz="6000" dirty="0" smtClean="0">
+                <a:solidFill>
+                  <a:schemeClr val="bg1"/>
+                </a:solidFill>
+                <a:latin typeface="Adobe 고딕 Std B" panose="020B0800000000000000" pitchFamily="34" charset="-127"/>
+                <a:ea typeface="Adobe 고딕 Std B" panose="020B0800000000000000" pitchFamily="34" charset="-127"/>
+              </a:rPr>
+              <a:t>(</a:t>
+            </a:r>
+            <a:r>
+              <a:rPr lang="ko-KR" altLang="en-US" sz="6000" dirty="0" smtClean="0">
+                <a:solidFill>
+                  <a:schemeClr val="bg1"/>
+                </a:solidFill>
+                <a:latin typeface="Adobe 고딕 Std B" panose="020B0800000000000000" pitchFamily="34" charset="-127"/>
+                <a:ea typeface="Adobe 고딕 Std B" panose="020B0800000000000000" pitchFamily="34" charset="-127"/>
+              </a:rPr>
+              <a:t>태블릿</a:t>
+            </a:r>
+            <a:r>
+              <a:rPr lang="en-US" altLang="ko-KR" sz="6000" dirty="0" smtClean="0">
+                <a:solidFill>
+                  <a:schemeClr val="bg1"/>
+                </a:solidFill>
+                <a:latin typeface="Adobe 고딕 Std B" panose="020B0800000000000000" pitchFamily="34" charset="-127"/>
+                <a:ea typeface="Adobe 고딕 Std B" panose="020B0800000000000000" pitchFamily="34" charset="-127"/>
+              </a:rPr>
+              <a:t>)</a:t>
+            </a:r>
+            <a:endParaRPr lang="ko-KR" altLang="en-US" sz="6000" dirty="0">
+              <a:solidFill>
+                <a:schemeClr val="bg1"/>
+              </a:solidFill>
+              <a:latin typeface="Adobe 고딕 Std B" panose="020B0800000000000000" pitchFamily="34" charset="-127"/>
+              <a:ea typeface="Adobe 고딕 Std B" panose="020B0800000000000000" pitchFamily="34" charset="-127"/>
+            </a:endParaRPr>
+          </a:p>
+          <a:p>
+            <a:endParaRPr lang="ko-KR" altLang="en-US" sz="6000" dirty="0">
+              <a:solidFill>
+                <a:schemeClr val="bg1"/>
+              </a:solidFill>
+              <a:latin typeface="Adobe 고딕 Std B" panose="020B0800000000000000" pitchFamily="34" charset="-127"/>
+              <a:ea typeface="Adobe 고딕 Std B" panose="020B0800000000000000" pitchFamily="34" charset="-127"/>
+            </a:endParaRPr>
+          </a:p>
+        </p:txBody>
+      </p:sp>
+      <p:sp>
+        <p:nvSpPr>
+          <p:cNvPr id="2" name="직사각형 1"/>
+          <p:cNvSpPr/>
+          <p:nvPr/>
+        </p:nvSpPr>
+        <p:spPr>
+          <a:xfrm>
+            <a:off x="2954436" y="1809000"/>
+            <a:ext cx="5184000" cy="3240000"/>
+          </a:xfrm>
+          <a:prstGeom prst="rect">
+            <a:avLst/>
+          </a:prstGeom>
+          <a:solidFill>
+            <a:schemeClr val="bg1">
+              <a:alpha val="50000"/>
+            </a:schemeClr>
+          </a:solidFill>
+          <a:ln>
+            <a:noFill/>
+          </a:ln>
+        </p:spPr>
+        <p:style>
+          <a:lnRef idx="2">
+            <a:schemeClr val="accent1">
+              <a:shade val="50000"/>
+            </a:schemeClr>
+          </a:lnRef>
+          <a:fillRef idx="1">
+            <a:schemeClr val="accent1"/>
+          </a:fillRef>
+          <a:effectRef idx="0">
+            <a:schemeClr val="accent1"/>
+          </a:effectRef>
+          <a:fontRef idx="minor">
+            <a:schemeClr val="lt1"/>
+          </a:fontRef>
+        </p:style>
+        <p:txBody>
+          <a:bodyPr rtlCol="0" anchor="ctr"/>
+          <a:lstStyle/>
+          <a:p>
+            <a:pPr algn="ctr"/>
+            <a:endParaRPr lang="ko-KR" altLang="en-US"/>
+          </a:p>
+        </p:txBody>
+      </p:sp>
+      <p:sp>
+        <p:nvSpPr>
+          <p:cNvPr id="5" name="TextBox 4"/>
+          <p:cNvSpPr txBox="1"/>
+          <p:nvPr/>
+        </p:nvSpPr>
+        <p:spPr>
+          <a:xfrm rot="16200000">
+            <a:off x="1939741" y="3406140"/>
+            <a:ext cx="1569660" cy="45719"/>
+          </a:xfrm>
+          <a:prstGeom prst="rect">
+            <a:avLst/>
+          </a:prstGeom>
+          <a:noFill/>
+        </p:spPr>
+        <p:txBody>
+          <a:bodyPr vert="eaVert" wrap="square" rtlCol="0">
+            <a:spAutoFit/>
+          </a:bodyPr>
+          <a:lstStyle/>
+          <a:p>
+            <a:r>
+              <a:rPr lang="en-US" altLang="ko-KR" dirty="0" smtClean="0">
+                <a:solidFill>
+                  <a:schemeClr val="bg1"/>
+                </a:solidFill>
+                <a:latin typeface="Adobe 고딕 Std B" panose="020B0800000000000000" pitchFamily="34" charset="-127"/>
+                <a:ea typeface="Adobe 고딕 Std B" panose="020B0800000000000000" pitchFamily="34" charset="-127"/>
+              </a:rPr>
+              <a:t>900px</a:t>
+            </a:r>
+            <a:endParaRPr lang="ko-KR" altLang="en-US" dirty="0">
+              <a:solidFill>
+                <a:schemeClr val="bg1"/>
+              </a:solidFill>
+              <a:latin typeface="Adobe 고딕 Std B" panose="020B0800000000000000" pitchFamily="34" charset="-127"/>
+              <a:ea typeface="Adobe 고딕 Std B" panose="020B0800000000000000" pitchFamily="34" charset="-127"/>
+            </a:endParaRPr>
+          </a:p>
+        </p:txBody>
+      </p:sp>
+      <p:sp>
+        <p:nvSpPr>
+          <p:cNvPr id="6" name="TextBox 5"/>
+          <p:cNvSpPr txBox="1"/>
+          <p:nvPr/>
+        </p:nvSpPr>
+        <p:spPr>
+          <a:xfrm>
+            <a:off x="5153891" y="1447577"/>
+            <a:ext cx="2474056" cy="369332"/>
+          </a:xfrm>
+          <a:prstGeom prst="rect">
+            <a:avLst/>
+          </a:prstGeom>
+          <a:noFill/>
+        </p:spPr>
+        <p:txBody>
+          <a:bodyPr wrap="square" rtlCol="0">
+            <a:spAutoFit/>
+          </a:bodyPr>
+          <a:lstStyle/>
+          <a:p>
+            <a:r>
+              <a:rPr lang="en-US" altLang="ko-KR" dirty="0" smtClean="0">
+                <a:solidFill>
+                  <a:schemeClr val="bg1"/>
+                </a:solidFill>
+                <a:latin typeface="Adobe 고딕 Std B" panose="020B0800000000000000" pitchFamily="34" charset="-127"/>
+                <a:ea typeface="Adobe 고딕 Std B" panose="020B0800000000000000" pitchFamily="34" charset="-127"/>
+              </a:rPr>
+              <a:t>1440px</a:t>
+            </a:r>
+            <a:endParaRPr lang="ko-KR" altLang="en-US" dirty="0">
+              <a:solidFill>
+                <a:schemeClr val="bg1"/>
+              </a:solidFill>
+              <a:latin typeface="Adobe 고딕 Std B" panose="020B0800000000000000" pitchFamily="34" charset="-127"/>
+              <a:ea typeface="Adobe 고딕 Std B" panose="020B0800000000000000" pitchFamily="34" charset="-127"/>
+            </a:endParaRPr>
+          </a:p>
+        </p:txBody>
+      </p:sp>
+      <p:sp>
+        <p:nvSpPr>
+          <p:cNvPr id="8" name="직사각형 7"/>
+          <p:cNvSpPr/>
+          <p:nvPr/>
+        </p:nvSpPr>
+        <p:spPr>
+          <a:xfrm>
+            <a:off x="2954436" y="1809000"/>
+            <a:ext cx="5184000" cy="288000"/>
+          </a:xfrm>
+          <a:prstGeom prst="rect">
+            <a:avLst/>
+          </a:prstGeom>
+          <a:solidFill>
+            <a:srgbClr val="FF0000">
+              <a:alpha val="50000"/>
+            </a:srgbClr>
+          </a:solidFill>
+          <a:ln>
+            <a:noFill/>
+          </a:ln>
+        </p:spPr>
+        <p:style>
+          <a:lnRef idx="2">
+            <a:schemeClr val="accent1">
+              <a:shade val="50000"/>
+            </a:schemeClr>
+          </a:lnRef>
+          <a:fillRef idx="1">
+            <a:schemeClr val="accent1"/>
+          </a:fillRef>
+          <a:effectRef idx="0">
+            <a:schemeClr val="accent1"/>
+          </a:effectRef>
+          <a:fontRef idx="minor">
+            <a:schemeClr val="lt1"/>
+          </a:fontRef>
+        </p:style>
+        <p:txBody>
+          <a:bodyPr rtlCol="0" anchor="ctr"/>
+          <a:lstStyle/>
+          <a:p>
+            <a:pPr algn="ctr"/>
+            <a:r>
+              <a:rPr lang="ko-KR" altLang="en-US" sz="1500" dirty="0" smtClean="0">
+                <a:latin typeface="Adobe 고딕 Std B" panose="020B0800000000000000" pitchFamily="34" charset="-127"/>
+                <a:ea typeface="Adobe 고딕 Std B" panose="020B0800000000000000" pitchFamily="34" charset="-127"/>
+              </a:rPr>
+              <a:t>목차 영역</a:t>
+            </a:r>
+            <a:endParaRPr lang="ko-KR" altLang="en-US" sz="1500" dirty="0">
+              <a:latin typeface="Adobe 고딕 Std B" panose="020B0800000000000000" pitchFamily="34" charset="-127"/>
+              <a:ea typeface="Adobe 고딕 Std B" panose="020B0800000000000000" pitchFamily="34" charset="-127"/>
+            </a:endParaRPr>
+          </a:p>
+        </p:txBody>
+      </p:sp>
+      <p:sp>
+        <p:nvSpPr>
+          <p:cNvPr id="9" name="TextBox 8"/>
+          <p:cNvSpPr txBox="1"/>
+          <p:nvPr/>
+        </p:nvSpPr>
+        <p:spPr>
+          <a:xfrm rot="16200000">
+            <a:off x="7761186" y="1930140"/>
+            <a:ext cx="800219" cy="45719"/>
+          </a:xfrm>
+          <a:prstGeom prst="rect">
+            <a:avLst/>
+          </a:prstGeom>
+          <a:noFill/>
+        </p:spPr>
+        <p:txBody>
+          <a:bodyPr vert="eaVert" wrap="square" rtlCol="0">
+            <a:spAutoFit/>
+          </a:bodyPr>
+          <a:lstStyle/>
+          <a:p>
+            <a:r>
+              <a:rPr lang="en-US" altLang="ko-KR" sz="1000" dirty="0" smtClean="0">
+                <a:solidFill>
+                  <a:schemeClr val="bg1"/>
+                </a:solidFill>
+                <a:latin typeface="Adobe 고딕 Std B" panose="020B0800000000000000" pitchFamily="34" charset="-127"/>
+                <a:ea typeface="Adobe 고딕 Std B" panose="020B0800000000000000" pitchFamily="34" charset="-127"/>
+              </a:rPr>
+              <a:t>80px</a:t>
+            </a:r>
+            <a:endParaRPr lang="ko-KR" altLang="en-US" sz="1000" dirty="0">
+              <a:solidFill>
+                <a:schemeClr val="bg1"/>
+              </a:solidFill>
+              <a:latin typeface="Adobe 고딕 Std B" panose="020B0800000000000000" pitchFamily="34" charset="-127"/>
+              <a:ea typeface="Adobe 고딕 Std B" panose="020B0800000000000000" pitchFamily="34" charset="-127"/>
+            </a:endParaRPr>
+          </a:p>
+        </p:txBody>
+      </p:sp>
+      <p:sp>
+        <p:nvSpPr>
+          <p:cNvPr id="4" name="직사각형 3"/>
+          <p:cNvSpPr/>
+          <p:nvPr/>
+        </p:nvSpPr>
+        <p:spPr>
+          <a:xfrm>
+            <a:off x="3991236" y="2241000"/>
+            <a:ext cx="3110400" cy="2808000"/>
+          </a:xfrm>
+          <a:prstGeom prst="rect">
+            <a:avLst/>
+          </a:prstGeom>
+          <a:solidFill>
+            <a:srgbClr val="FFC000">
+              <a:alpha val="50000"/>
+            </a:srgbClr>
+          </a:solidFill>
+          <a:ln>
+            <a:noFill/>
+          </a:ln>
+        </p:spPr>
+        <p:style>
+          <a:lnRef idx="2">
+            <a:schemeClr val="accent1">
+              <a:shade val="50000"/>
+            </a:schemeClr>
+          </a:lnRef>
+          <a:fillRef idx="1">
+            <a:schemeClr val="accent1"/>
+          </a:fillRef>
+          <a:effectRef idx="0">
+            <a:schemeClr val="accent1"/>
+          </a:effectRef>
+          <a:fontRef idx="minor">
+            <a:schemeClr val="lt1"/>
+          </a:fontRef>
+        </p:style>
+        <p:txBody>
+          <a:bodyPr rtlCol="0" anchor="ctr"/>
+          <a:lstStyle/>
+          <a:p>
+            <a:pPr algn="ctr"/>
+            <a:r>
+              <a:rPr lang="en-US" altLang="ko-KR" dirty="0" smtClean="0">
+                <a:latin typeface="Adobe 고딕 Std B" panose="020B0800000000000000" pitchFamily="34" charset="-127"/>
+                <a:ea typeface="Adobe 고딕 Std B" panose="020B0800000000000000" pitchFamily="34" charset="-127"/>
+              </a:rPr>
+              <a:t>Contents</a:t>
+            </a:r>
+          </a:p>
+          <a:p>
+            <a:pPr algn="ctr"/>
+            <a:r>
+              <a:rPr lang="en-US" altLang="ko-KR" dirty="0" smtClean="0">
+                <a:latin typeface="Adobe 고딕 Std B" panose="020B0800000000000000" pitchFamily="34" charset="-127"/>
+                <a:ea typeface="Adobe 고딕 Std B" panose="020B0800000000000000" pitchFamily="34" charset="-127"/>
+              </a:rPr>
+              <a:t>Box</a:t>
+            </a:r>
+            <a:endParaRPr lang="ko-KR" altLang="en-US" dirty="0">
+              <a:latin typeface="Adobe 고딕 Std B" panose="020B0800000000000000" pitchFamily="34" charset="-127"/>
+              <a:ea typeface="Adobe 고딕 Std B" panose="020B0800000000000000" pitchFamily="34" charset="-127"/>
+            </a:endParaRPr>
+          </a:p>
+        </p:txBody>
+      </p:sp>
+      <p:sp>
+        <p:nvSpPr>
+          <p:cNvPr id="10" name="TextBox 9"/>
+          <p:cNvSpPr txBox="1"/>
+          <p:nvPr/>
+        </p:nvSpPr>
+        <p:spPr>
+          <a:xfrm>
+            <a:off x="5228264" y="5053944"/>
+            <a:ext cx="2474056" cy="246221"/>
+          </a:xfrm>
+          <a:prstGeom prst="rect">
+            <a:avLst/>
+          </a:prstGeom>
+          <a:noFill/>
+        </p:spPr>
+        <p:txBody>
+          <a:bodyPr wrap="square" rtlCol="0">
+            <a:spAutoFit/>
+          </a:bodyPr>
+          <a:lstStyle/>
+          <a:p>
+            <a:r>
+              <a:rPr lang="en-US" altLang="ko-KR" sz="1000" dirty="0" smtClean="0">
+                <a:solidFill>
+                  <a:schemeClr val="bg1"/>
+                </a:solidFill>
+                <a:latin typeface="Adobe 고딕 Std B" panose="020B0800000000000000" pitchFamily="34" charset="-127"/>
+                <a:ea typeface="Adobe 고딕 Std B" panose="020B0800000000000000" pitchFamily="34" charset="-127"/>
+              </a:rPr>
+              <a:t>864px</a:t>
+            </a:r>
+            <a:endParaRPr lang="ko-KR" altLang="en-US" sz="1000" dirty="0">
+              <a:solidFill>
+                <a:schemeClr val="bg1"/>
+              </a:solidFill>
+              <a:latin typeface="Adobe 고딕 Std B" panose="020B0800000000000000" pitchFamily="34" charset="-127"/>
+              <a:ea typeface="Adobe 고딕 Std B" panose="020B0800000000000000" pitchFamily="34" charset="-127"/>
+            </a:endParaRPr>
+          </a:p>
+        </p:txBody>
+      </p:sp>
+      <p:sp>
+        <p:nvSpPr>
+          <p:cNvPr id="12" name="TextBox 11"/>
+          <p:cNvSpPr txBox="1"/>
+          <p:nvPr/>
+        </p:nvSpPr>
+        <p:spPr>
+          <a:xfrm rot="16200000">
+            <a:off x="6578445" y="3622140"/>
+            <a:ext cx="1107996" cy="45719"/>
+          </a:xfrm>
+          <a:prstGeom prst="rect">
+            <a:avLst/>
+          </a:prstGeom>
+          <a:noFill/>
+        </p:spPr>
+        <p:txBody>
+          <a:bodyPr vert="eaVert" wrap="square" rtlCol="0">
+            <a:spAutoFit/>
+          </a:bodyPr>
+          <a:lstStyle/>
+          <a:p>
+            <a:r>
+              <a:rPr lang="en-US" altLang="ko-KR" sz="1000" dirty="0" smtClean="0">
+                <a:solidFill>
+                  <a:schemeClr val="bg1"/>
+                </a:solidFill>
+                <a:latin typeface="Adobe 고딕 Std B" panose="020B0800000000000000" pitchFamily="34" charset="-127"/>
+                <a:ea typeface="Adobe 고딕 Std B" panose="020B0800000000000000" pitchFamily="34" charset="-127"/>
+              </a:rPr>
+              <a:t>780px</a:t>
+            </a:r>
+            <a:r>
+              <a:rPr lang="en-US" altLang="ko-KR" sz="1000" dirty="0" smtClean="0">
+                <a:solidFill>
+                  <a:schemeClr val="bg1"/>
+                </a:solidFill>
+                <a:latin typeface="Adobe 고딕 Std B" panose="020B0800000000000000" pitchFamily="34" charset="-127"/>
+                <a:ea typeface="Adobe 고딕 Std B" panose="020B0800000000000000" pitchFamily="34" charset="-127"/>
+              </a:rPr>
+              <a:t>	</a:t>
+            </a:r>
+            <a:endParaRPr lang="ko-KR" altLang="en-US" sz="1000" dirty="0">
+              <a:solidFill>
+                <a:schemeClr val="bg1"/>
+              </a:solidFill>
+              <a:latin typeface="Adobe 고딕 Std B" panose="020B0800000000000000" pitchFamily="34" charset="-127"/>
+              <a:ea typeface="Adobe 고딕 Std B" panose="020B0800000000000000" pitchFamily="34" charset="-127"/>
+            </a:endParaRPr>
+          </a:p>
+        </p:txBody>
+      </p:sp>
+      <p:sp>
+        <p:nvSpPr>
+          <p:cNvPr id="13" name="TextBox 12"/>
+          <p:cNvSpPr txBox="1"/>
+          <p:nvPr/>
+        </p:nvSpPr>
+        <p:spPr>
+          <a:xfrm>
+            <a:off x="3235749" y="5043201"/>
+            <a:ext cx="2474056" cy="246221"/>
+          </a:xfrm>
+          <a:prstGeom prst="rect">
+            <a:avLst/>
+          </a:prstGeom>
+          <a:noFill/>
+        </p:spPr>
+        <p:txBody>
+          <a:bodyPr wrap="square" rtlCol="0">
+            <a:spAutoFit/>
+          </a:bodyPr>
+          <a:lstStyle/>
+          <a:p>
+            <a:r>
+              <a:rPr lang="en-US" altLang="ko-KR" sz="1000" dirty="0" smtClean="0">
+                <a:solidFill>
+                  <a:schemeClr val="bg1"/>
+                </a:solidFill>
+                <a:latin typeface="Adobe 고딕 Std B" panose="020B0800000000000000" pitchFamily="34" charset="-127"/>
+                <a:ea typeface="Adobe 고딕 Std B" panose="020B0800000000000000" pitchFamily="34" charset="-127"/>
+              </a:rPr>
+              <a:t>288</a:t>
+            </a:r>
+            <a:r>
+              <a:rPr lang="en-US" altLang="ko-KR" sz="1000" dirty="0" smtClean="0">
+                <a:solidFill>
+                  <a:schemeClr val="bg1"/>
+                </a:solidFill>
+                <a:latin typeface="Adobe 고딕 Std B" panose="020B0800000000000000" pitchFamily="34" charset="-127"/>
+                <a:ea typeface="Adobe 고딕 Std B" panose="020B0800000000000000" pitchFamily="34" charset="-127"/>
+              </a:rPr>
+              <a:t>px</a:t>
+            </a:r>
+            <a:endParaRPr lang="ko-KR" altLang="en-US" sz="1000" dirty="0">
+              <a:solidFill>
+                <a:schemeClr val="bg1"/>
+              </a:solidFill>
+              <a:latin typeface="Adobe 고딕 Std B" panose="020B0800000000000000" pitchFamily="34" charset="-127"/>
+              <a:ea typeface="Adobe 고딕 Std B" panose="020B0800000000000000" pitchFamily="34" charset="-127"/>
+            </a:endParaRPr>
+          </a:p>
+        </p:txBody>
+      </p:sp>
+      <p:cxnSp>
+        <p:nvCxnSpPr>
+          <p:cNvPr id="14" name="직선 화살표 연결선 13"/>
+          <p:cNvCxnSpPr/>
+          <p:nvPr/>
+        </p:nvCxnSpPr>
+        <p:spPr>
+          <a:xfrm>
+            <a:off x="8571194" y="2168508"/>
+            <a:ext cx="0" cy="2606083"/>
+          </a:xfrm>
+          <a:prstGeom prst="straightConnector1">
+            <a:avLst/>
+          </a:prstGeom>
+          <a:ln w="127000">
+            <a:solidFill>
+              <a:schemeClr val="bg1"/>
+            </a:solidFill>
+            <a:tailEnd type="triangle"/>
+          </a:ln>
+        </p:spPr>
+        <p:style>
+          <a:lnRef idx="1">
+            <a:schemeClr val="accent1"/>
+          </a:lnRef>
+          <a:fillRef idx="0">
+            <a:schemeClr val="accent1"/>
+          </a:fillRef>
+          <a:effectRef idx="0">
+            <a:schemeClr val="accent1"/>
+          </a:effectRef>
+          <a:fontRef idx="minor">
+            <a:schemeClr val="tx1"/>
+          </a:fontRef>
+        </p:style>
+      </p:cxnSp>
+      <p:sp>
+        <p:nvSpPr>
+          <p:cNvPr id="16" name="TextBox 15"/>
+          <p:cNvSpPr txBox="1"/>
+          <p:nvPr/>
+        </p:nvSpPr>
+        <p:spPr>
+          <a:xfrm>
+            <a:off x="8713571" y="2539985"/>
+            <a:ext cx="461665" cy="1863127"/>
+          </a:xfrm>
+          <a:prstGeom prst="rect">
+            <a:avLst/>
+          </a:prstGeom>
+          <a:noFill/>
+        </p:spPr>
+        <p:txBody>
+          <a:bodyPr vert="eaVert" wrap="square" rtlCol="0">
+            <a:spAutoFit/>
+          </a:bodyPr>
+          <a:lstStyle/>
+          <a:p>
+            <a:r>
+              <a:rPr lang="ko-KR" altLang="en-US" smtClean="0">
+                <a:solidFill>
+                  <a:schemeClr val="bg1"/>
+                </a:solidFill>
+                <a:latin typeface="Adobe 고딕 Std B" panose="020B0800000000000000" pitchFamily="34" charset="-127"/>
+                <a:ea typeface="Adobe 고딕 Std B" panose="020B0800000000000000" pitchFamily="34" charset="-127"/>
+              </a:rPr>
+              <a:t>스크롤 되도록</a:t>
+            </a:r>
+            <a:endParaRPr lang="ko-KR" altLang="en-US" dirty="0">
+              <a:solidFill>
+                <a:schemeClr val="bg1"/>
+              </a:solidFill>
+              <a:latin typeface="Adobe 고딕 Std B" panose="020B0800000000000000" pitchFamily="34" charset="-127"/>
+              <a:ea typeface="Adobe 고딕 Std B" panose="020B0800000000000000" pitchFamily="34" charset="-127"/>
+            </a:endParaRPr>
+          </a:p>
+        </p:txBody>
+      </p:sp>
+    </p:spTree>
+    <p:extLst>
+      <p:ext uri="{BB962C8B-B14F-4D97-AF65-F5344CB8AC3E}">
+        <p14:creationId xmlns:p14="http://schemas.microsoft.com/office/powerpoint/2010/main" val="2838679855"/>
+      </p:ext>
+    </p:extLst>
+  </p:cSld>
+  <p:clrMapOvr>
+    <a:masterClrMapping/>
+  </p:clrMapOvr>
+</p:sld>
+</file>
+
+<file path=ppt/slides/slide11.xml><?xml version="1.0" encoding="utf-8"?>
 <p:sld xmlns:a="http://schemas.openxmlformats.org/drawingml/2006/main" xmlns:r="http://schemas.openxmlformats.org/officeDocument/2006/relationships" xmlns:p="http://schemas.openxmlformats.org/presentationml/2006/main">
   <p:cSld>
     <p:spTree>
@@ -3256,8 +7457,8 @@
         </p:nvSpPr>
         <p:spPr>
           <a:xfrm>
-            <a:off x="0" y="0"/>
-            <a:ext cx="6163408" cy="1015663"/>
+            <a:off x="-1" y="0"/>
+            <a:ext cx="8515928" cy="1015663"/>
           </a:xfrm>
           <a:prstGeom prst="rect">
             <a:avLst/>
@@ -3278,7 +7479,47 @@
                 <a:latin typeface="Adobe 고딕 Std B" panose="020B0800000000000000" pitchFamily="34" charset="-127"/>
                 <a:ea typeface="Adobe 고딕 Std B" panose="020B0800000000000000" pitchFamily="34" charset="-127"/>
               </a:rPr>
-              <a:t>키워드</a:t>
+              <a:t>디바이스 </a:t>
+            </a:r>
+            <a:r>
+              <a:rPr lang="ko-KR" altLang="en-US" sz="6000" smtClean="0">
+                <a:solidFill>
+                  <a:schemeClr val="bg1"/>
+                </a:solidFill>
+                <a:latin typeface="Adobe 고딕 Std B" panose="020B0800000000000000" pitchFamily="34" charset="-127"/>
+                <a:ea typeface="Adobe 고딕 Std B" panose="020B0800000000000000" pitchFamily="34" charset="-127"/>
+              </a:rPr>
+              <a:t>반영 </a:t>
+            </a:r>
+            <a:r>
+              <a:rPr lang="en-US" altLang="ko-KR" sz="6000" dirty="0" smtClean="0">
+                <a:solidFill>
+                  <a:schemeClr val="bg1"/>
+                </a:solidFill>
+                <a:latin typeface="Adobe 고딕 Std B" panose="020B0800000000000000" pitchFamily="34" charset="-127"/>
+                <a:ea typeface="Adobe 고딕 Std B" panose="020B0800000000000000" pitchFamily="34" charset="-127"/>
+              </a:rPr>
+              <a:t>(</a:t>
+            </a:r>
+            <a:r>
+              <a:rPr lang="ko-KR" altLang="en-US" sz="6000" dirty="0" smtClean="0">
+                <a:solidFill>
+                  <a:schemeClr val="bg1"/>
+                </a:solidFill>
+                <a:latin typeface="Adobe 고딕 Std B" panose="020B0800000000000000" pitchFamily="34" charset="-127"/>
+                <a:ea typeface="Adobe 고딕 Std B" panose="020B0800000000000000" pitchFamily="34" charset="-127"/>
+              </a:rPr>
+              <a:t>핸드폰</a:t>
+            </a:r>
+            <a:r>
+              <a:rPr lang="en-US" altLang="ko-KR" sz="6000" dirty="0" smtClean="0">
+                <a:solidFill>
+                  <a:schemeClr val="bg1"/>
+                </a:solidFill>
+                <a:latin typeface="Adobe 고딕 Std B" panose="020B0800000000000000" pitchFamily="34" charset="-127"/>
+                <a:ea typeface="Adobe 고딕 Std B" panose="020B0800000000000000" pitchFamily="34" charset="-127"/>
+              </a:rPr>
+              <a:t>)</a:t>
             </a:r>
             <a:endParaRPr lang="ko-KR" altLang="en-US" sz="6000" dirty="0">
               <a:solidFill>
@@ -3290,10 +7531,430 @@
           </a:p>
         </p:txBody>
       </p:sp>
+      <p:sp>
+        <p:nvSpPr>
+          <p:cNvPr id="2" name="직사각형 1"/>
+          <p:cNvSpPr/>
+          <p:nvPr/>
+        </p:nvSpPr>
+        <p:spPr>
+          <a:xfrm>
+            <a:off x="4250436" y="1269000"/>
+            <a:ext cx="2592000" cy="4320000"/>
+          </a:xfrm>
+          <a:prstGeom prst="rect">
+            <a:avLst/>
+          </a:prstGeom>
+          <a:solidFill>
+            <a:schemeClr val="bg1">
+              <a:alpha val="50000"/>
+            </a:schemeClr>
+          </a:solidFill>
+          <a:ln>
+            <a:noFill/>
+          </a:ln>
+        </p:spPr>
+        <p:style>
+          <a:lnRef idx="2">
+            <a:schemeClr val="accent1">
+              <a:shade val="50000"/>
+            </a:schemeClr>
+          </a:lnRef>
+          <a:fillRef idx="1">
+            <a:schemeClr val="accent1"/>
+          </a:fillRef>
+          <a:effectRef idx="0">
+            <a:schemeClr val="accent1"/>
+          </a:effectRef>
+          <a:fontRef idx="minor">
+            <a:schemeClr val="lt1"/>
+          </a:fontRef>
+        </p:style>
+        <p:txBody>
+          <a:bodyPr rtlCol="0" anchor="ctr"/>
+          <a:lstStyle/>
+          <a:p>
+            <a:pPr algn="ctr"/>
+            <a:endParaRPr lang="ko-KR" altLang="en-US"/>
+          </a:p>
+        </p:txBody>
+      </p:sp>
+      <p:sp>
+        <p:nvSpPr>
+          <p:cNvPr id="5" name="TextBox 4"/>
+          <p:cNvSpPr txBox="1"/>
+          <p:nvPr/>
+        </p:nvSpPr>
+        <p:spPr>
+          <a:xfrm>
+            <a:off x="5153891" y="905820"/>
+            <a:ext cx="2474056" cy="369332"/>
+          </a:xfrm>
+          <a:prstGeom prst="rect">
+            <a:avLst/>
+          </a:prstGeom>
+          <a:noFill/>
+        </p:spPr>
+        <p:txBody>
+          <a:bodyPr wrap="square" rtlCol="0">
+            <a:spAutoFit/>
+          </a:bodyPr>
+          <a:lstStyle/>
+          <a:p>
+            <a:r>
+              <a:rPr lang="en-US" altLang="ko-KR" dirty="0" smtClean="0">
+                <a:solidFill>
+                  <a:schemeClr val="bg1"/>
+                </a:solidFill>
+                <a:latin typeface="Adobe 고딕 Std B" panose="020B0800000000000000" pitchFamily="34" charset="-127"/>
+                <a:ea typeface="Adobe 고딕 Std B" panose="020B0800000000000000" pitchFamily="34" charset="-127"/>
+              </a:rPr>
+              <a:t>480px</a:t>
+            </a:r>
+            <a:endParaRPr lang="ko-KR" altLang="en-US" dirty="0">
+              <a:solidFill>
+                <a:schemeClr val="bg1"/>
+              </a:solidFill>
+              <a:latin typeface="Adobe 고딕 Std B" panose="020B0800000000000000" pitchFamily="34" charset="-127"/>
+              <a:ea typeface="Adobe 고딕 Std B" panose="020B0800000000000000" pitchFamily="34" charset="-127"/>
+            </a:endParaRPr>
+          </a:p>
+        </p:txBody>
+      </p:sp>
+      <p:sp>
+        <p:nvSpPr>
+          <p:cNvPr id="7" name="TextBox 6"/>
+          <p:cNvSpPr txBox="1"/>
+          <p:nvPr/>
+        </p:nvSpPr>
+        <p:spPr>
+          <a:xfrm rot="16200000">
+            <a:off x="3251305" y="3406140"/>
+            <a:ext cx="1569660" cy="45719"/>
+          </a:xfrm>
+          <a:prstGeom prst="rect">
+            <a:avLst/>
+          </a:prstGeom>
+          <a:noFill/>
+        </p:spPr>
+        <p:txBody>
+          <a:bodyPr vert="eaVert" wrap="square" rtlCol="0">
+            <a:spAutoFit/>
+          </a:bodyPr>
+          <a:lstStyle/>
+          <a:p>
+            <a:r>
+              <a:rPr lang="en-US" altLang="ko-KR" dirty="0" smtClean="0">
+                <a:solidFill>
+                  <a:schemeClr val="bg1"/>
+                </a:solidFill>
+                <a:latin typeface="Adobe 고딕 Std B" panose="020B0800000000000000" pitchFamily="34" charset="-127"/>
+                <a:ea typeface="Adobe 고딕 Std B" panose="020B0800000000000000" pitchFamily="34" charset="-127"/>
+              </a:rPr>
+              <a:t>800px</a:t>
+            </a:r>
+            <a:endParaRPr lang="ko-KR" altLang="en-US" dirty="0">
+              <a:solidFill>
+                <a:schemeClr val="bg1"/>
+              </a:solidFill>
+              <a:latin typeface="Adobe 고딕 Std B" panose="020B0800000000000000" pitchFamily="34" charset="-127"/>
+              <a:ea typeface="Adobe 고딕 Std B" panose="020B0800000000000000" pitchFamily="34" charset="-127"/>
+            </a:endParaRPr>
+          </a:p>
+        </p:txBody>
+      </p:sp>
+      <p:sp>
+        <p:nvSpPr>
+          <p:cNvPr id="8" name="직사각형 7"/>
+          <p:cNvSpPr/>
+          <p:nvPr/>
+        </p:nvSpPr>
+        <p:spPr>
+          <a:xfrm>
+            <a:off x="4250436" y="1269000"/>
+            <a:ext cx="2592000" cy="432000"/>
+          </a:xfrm>
+          <a:prstGeom prst="rect">
+            <a:avLst/>
+          </a:prstGeom>
+          <a:solidFill>
+            <a:srgbClr val="FF0000">
+              <a:alpha val="50000"/>
+            </a:srgbClr>
+          </a:solidFill>
+          <a:ln>
+            <a:noFill/>
+          </a:ln>
+        </p:spPr>
+        <p:style>
+          <a:lnRef idx="2">
+            <a:schemeClr val="accent1">
+              <a:shade val="50000"/>
+            </a:schemeClr>
+          </a:lnRef>
+          <a:fillRef idx="1">
+            <a:schemeClr val="accent1"/>
+          </a:fillRef>
+          <a:effectRef idx="0">
+            <a:schemeClr val="accent1"/>
+          </a:effectRef>
+          <a:fontRef idx="minor">
+            <a:schemeClr val="lt1"/>
+          </a:fontRef>
+        </p:style>
+        <p:txBody>
+          <a:bodyPr rtlCol="0" anchor="ctr"/>
+          <a:lstStyle/>
+          <a:p>
+            <a:pPr algn="ctr"/>
+            <a:r>
+              <a:rPr lang="ko-KR" altLang="en-US" sz="1500" dirty="0" smtClean="0">
+                <a:latin typeface="Adobe 고딕 Std B" panose="020B0800000000000000" pitchFamily="34" charset="-127"/>
+                <a:ea typeface="Adobe 고딕 Std B" panose="020B0800000000000000" pitchFamily="34" charset="-127"/>
+              </a:rPr>
+              <a:t>목차 영역</a:t>
+            </a:r>
+            <a:endParaRPr lang="ko-KR" altLang="en-US" sz="1500" dirty="0">
+              <a:latin typeface="Adobe 고딕 Std B" panose="020B0800000000000000" pitchFamily="34" charset="-127"/>
+              <a:ea typeface="Adobe 고딕 Std B" panose="020B0800000000000000" pitchFamily="34" charset="-127"/>
+            </a:endParaRPr>
+          </a:p>
+        </p:txBody>
+      </p:sp>
+      <p:sp>
+        <p:nvSpPr>
+          <p:cNvPr id="9" name="TextBox 8"/>
+          <p:cNvSpPr txBox="1"/>
+          <p:nvPr/>
+        </p:nvSpPr>
+        <p:spPr>
+          <a:xfrm rot="16200000">
+            <a:off x="6465186" y="1465217"/>
+            <a:ext cx="800219" cy="45719"/>
+          </a:xfrm>
+          <a:prstGeom prst="rect">
+            <a:avLst/>
+          </a:prstGeom>
+          <a:noFill/>
+        </p:spPr>
+        <p:txBody>
+          <a:bodyPr vert="eaVert" wrap="square" rtlCol="0">
+            <a:spAutoFit/>
+          </a:bodyPr>
+          <a:lstStyle/>
+          <a:p>
+            <a:r>
+              <a:rPr lang="en-US" altLang="ko-KR" sz="1000" dirty="0" smtClean="0">
+                <a:solidFill>
+                  <a:schemeClr val="bg1"/>
+                </a:solidFill>
+                <a:latin typeface="Adobe 고딕 Std B" panose="020B0800000000000000" pitchFamily="34" charset="-127"/>
+                <a:ea typeface="Adobe 고딕 Std B" panose="020B0800000000000000" pitchFamily="34" charset="-127"/>
+              </a:rPr>
+              <a:t>80px</a:t>
+            </a:r>
+            <a:endParaRPr lang="ko-KR" altLang="en-US" sz="1000" dirty="0">
+              <a:solidFill>
+                <a:schemeClr val="bg1"/>
+              </a:solidFill>
+              <a:latin typeface="Adobe 고딕 Std B" panose="020B0800000000000000" pitchFamily="34" charset="-127"/>
+              <a:ea typeface="Adobe 고딕 Std B" panose="020B0800000000000000" pitchFamily="34" charset="-127"/>
+            </a:endParaRPr>
+          </a:p>
+        </p:txBody>
+      </p:sp>
+      <p:sp>
+        <p:nvSpPr>
+          <p:cNvPr id="10" name="직사각형 9"/>
+          <p:cNvSpPr/>
+          <p:nvPr/>
+        </p:nvSpPr>
+        <p:spPr>
+          <a:xfrm>
+            <a:off x="4250436" y="1971000"/>
+            <a:ext cx="2592000" cy="3618000"/>
+          </a:xfrm>
+          <a:prstGeom prst="rect">
+            <a:avLst/>
+          </a:prstGeom>
+          <a:solidFill>
+            <a:srgbClr val="FFC000">
+              <a:alpha val="50000"/>
+            </a:srgbClr>
+          </a:solidFill>
+          <a:ln>
+            <a:noFill/>
+          </a:ln>
+        </p:spPr>
+        <p:style>
+          <a:lnRef idx="2">
+            <a:schemeClr val="accent1">
+              <a:shade val="50000"/>
+            </a:schemeClr>
+          </a:lnRef>
+          <a:fillRef idx="1">
+            <a:schemeClr val="accent1"/>
+          </a:fillRef>
+          <a:effectRef idx="0">
+            <a:schemeClr val="accent1"/>
+          </a:effectRef>
+          <a:fontRef idx="minor">
+            <a:schemeClr val="lt1"/>
+          </a:fontRef>
+        </p:style>
+        <p:txBody>
+          <a:bodyPr rtlCol="0" anchor="ctr"/>
+          <a:lstStyle/>
+          <a:p>
+            <a:pPr algn="ctr"/>
+            <a:r>
+              <a:rPr lang="en-US" altLang="ko-KR" dirty="0" smtClean="0">
+                <a:latin typeface="Adobe 고딕 Std B" panose="020B0800000000000000" pitchFamily="34" charset="-127"/>
+                <a:ea typeface="Adobe 고딕 Std B" panose="020B0800000000000000" pitchFamily="34" charset="-127"/>
+              </a:rPr>
+              <a:t>Contents</a:t>
+            </a:r>
+          </a:p>
+          <a:p>
+            <a:pPr algn="ctr"/>
+            <a:r>
+              <a:rPr lang="en-US" altLang="ko-KR" dirty="0" smtClean="0">
+                <a:latin typeface="Adobe 고딕 Std B" panose="020B0800000000000000" pitchFamily="34" charset="-127"/>
+                <a:ea typeface="Adobe 고딕 Std B" panose="020B0800000000000000" pitchFamily="34" charset="-127"/>
+              </a:rPr>
+              <a:t>Box</a:t>
+            </a:r>
+            <a:endParaRPr lang="ko-KR" altLang="en-US" dirty="0">
+              <a:latin typeface="Adobe 고딕 Std B" panose="020B0800000000000000" pitchFamily="34" charset="-127"/>
+              <a:ea typeface="Adobe 고딕 Std B" panose="020B0800000000000000" pitchFamily="34" charset="-127"/>
+            </a:endParaRPr>
+          </a:p>
+        </p:txBody>
+      </p:sp>
+      <p:sp>
+        <p:nvSpPr>
+          <p:cNvPr id="12" name="TextBox 11"/>
+          <p:cNvSpPr txBox="1"/>
+          <p:nvPr/>
+        </p:nvSpPr>
+        <p:spPr>
+          <a:xfrm rot="16200000">
+            <a:off x="6388242" y="3466643"/>
+            <a:ext cx="954107" cy="45719"/>
+          </a:xfrm>
+          <a:prstGeom prst="rect">
+            <a:avLst/>
+          </a:prstGeom>
+          <a:noFill/>
+        </p:spPr>
+        <p:txBody>
+          <a:bodyPr vert="eaVert" wrap="square" rtlCol="0">
+            <a:spAutoFit/>
+          </a:bodyPr>
+          <a:lstStyle/>
+          <a:p>
+            <a:r>
+              <a:rPr lang="en-US" altLang="ko-KR" sz="1000" dirty="0" smtClean="0">
+                <a:solidFill>
+                  <a:schemeClr val="bg1"/>
+                </a:solidFill>
+                <a:latin typeface="Adobe 고딕 Std B" panose="020B0800000000000000" pitchFamily="34" charset="-127"/>
+                <a:ea typeface="Adobe 고딕 Std B" panose="020B0800000000000000" pitchFamily="34" charset="-127"/>
+              </a:rPr>
+              <a:t>670px</a:t>
+            </a:r>
+            <a:endParaRPr lang="ko-KR" altLang="en-US" sz="1000" dirty="0">
+              <a:solidFill>
+                <a:schemeClr val="bg1"/>
+              </a:solidFill>
+              <a:latin typeface="Adobe 고딕 Std B" panose="020B0800000000000000" pitchFamily="34" charset="-127"/>
+              <a:ea typeface="Adobe 고딕 Std B" panose="020B0800000000000000" pitchFamily="34" charset="-127"/>
+            </a:endParaRPr>
+          </a:p>
+        </p:txBody>
+      </p:sp>
+      <p:cxnSp>
+        <p:nvCxnSpPr>
+          <p:cNvPr id="11" name="직선 화살표 연결선 10"/>
+          <p:cNvCxnSpPr/>
+          <p:nvPr/>
+        </p:nvCxnSpPr>
+        <p:spPr>
+          <a:xfrm>
+            <a:off x="7429993" y="2440785"/>
+            <a:ext cx="0" cy="2606083"/>
+          </a:xfrm>
+          <a:prstGeom prst="straightConnector1">
+            <a:avLst/>
+          </a:prstGeom>
+          <a:ln w="127000">
+            <a:solidFill>
+              <a:schemeClr val="bg1"/>
+            </a:solidFill>
+            <a:tailEnd type="triangle"/>
+          </a:ln>
+        </p:spPr>
+        <p:style>
+          <a:lnRef idx="1">
+            <a:schemeClr val="accent1"/>
+          </a:lnRef>
+          <a:fillRef idx="0">
+            <a:schemeClr val="accent1"/>
+          </a:fillRef>
+          <a:effectRef idx="0">
+            <a:schemeClr val="accent1"/>
+          </a:effectRef>
+          <a:fontRef idx="minor">
+            <a:schemeClr val="tx1"/>
+          </a:fontRef>
+        </p:style>
+      </p:cxnSp>
+      <p:sp>
+        <p:nvSpPr>
+          <p:cNvPr id="13" name="TextBox 12"/>
+          <p:cNvSpPr txBox="1"/>
+          <p:nvPr/>
+        </p:nvSpPr>
+        <p:spPr>
+          <a:xfrm>
+            <a:off x="7572370" y="2812262"/>
+            <a:ext cx="461665" cy="1863127"/>
+          </a:xfrm>
+          <a:prstGeom prst="rect">
+            <a:avLst/>
+          </a:prstGeom>
+          <a:noFill/>
+        </p:spPr>
+        <p:txBody>
+          <a:bodyPr vert="eaVert" wrap="square" rtlCol="0">
+            <a:spAutoFit/>
+          </a:bodyPr>
+          <a:lstStyle/>
+          <a:p>
+            <a:r>
+              <a:rPr lang="ko-KR" altLang="en-US" smtClean="0">
+                <a:solidFill>
+                  <a:schemeClr val="bg1"/>
+                </a:solidFill>
+                <a:latin typeface="Adobe 고딕 Std B" panose="020B0800000000000000" pitchFamily="34" charset="-127"/>
+                <a:ea typeface="Adobe 고딕 Std B" panose="020B0800000000000000" pitchFamily="34" charset="-127"/>
+              </a:rPr>
+              <a:t>스크롤 되도록</a:t>
+            </a:r>
+            <a:endParaRPr lang="ko-KR" altLang="en-US" dirty="0">
+              <a:solidFill>
+                <a:schemeClr val="bg1"/>
+              </a:solidFill>
+              <a:latin typeface="Adobe 고딕 Std B" panose="020B0800000000000000" pitchFamily="34" charset="-127"/>
+              <a:ea typeface="Adobe 고딕 Std B" panose="020B0800000000000000" pitchFamily="34" charset="-127"/>
+            </a:endParaRPr>
+          </a:p>
+        </p:txBody>
+      </p:sp>
     </p:spTree>
     <p:extLst>
       <p:ext uri="{BB962C8B-B14F-4D97-AF65-F5344CB8AC3E}">
-        <p14:creationId xmlns:p14="http://schemas.microsoft.com/office/powerpoint/2010/main" val="2802207314"/>
+        <p14:creationId xmlns:p14="http://schemas.microsoft.com/office/powerpoint/2010/main" val="82658203"/>
       </p:ext>
     </p:extLst>
   </p:cSld>
@@ -3303,7 +7964,7 @@
 </p:sld>
 </file>
 
-<file path=ppt/slides/slide3.xml><?xml version="1.0" encoding="utf-8"?>
+<file path=ppt/slides/slide2.xml><?xml version="1.0" encoding="utf-8"?>
 <p:sld xmlns:a="http://schemas.openxmlformats.org/drawingml/2006/main" xmlns:r="http://schemas.openxmlformats.org/officeDocument/2006/relationships" xmlns:p="http://schemas.openxmlformats.org/presentationml/2006/main">
   <p:cSld>
     <p:spTree>
@@ -3396,6 +8057,337 @@
                 <a:latin typeface="Adobe 고딕 Std B" panose="020B0800000000000000" pitchFamily="34" charset="-127"/>
                 <a:ea typeface="Adobe 고딕 Std B" panose="020B0800000000000000" pitchFamily="34" charset="-127"/>
               </a:rPr>
+              <a:t>키워드</a:t>
+            </a:r>
+            <a:endParaRPr lang="ko-KR" altLang="en-US" sz="6000" dirty="0">
+              <a:solidFill>
+                <a:schemeClr val="bg1"/>
+              </a:solidFill>
+              <a:latin typeface="Adobe 고딕 Std B" panose="020B0800000000000000" pitchFamily="34" charset="-127"/>
+              <a:ea typeface="Adobe 고딕 Std B" panose="020B0800000000000000" pitchFamily="34" charset="-127"/>
+            </a:endParaRPr>
+          </a:p>
+        </p:txBody>
+      </p:sp>
+      <p:sp>
+        <p:nvSpPr>
+          <p:cNvPr id="2" name="TextBox 1"/>
+          <p:cNvSpPr txBox="1"/>
+          <p:nvPr/>
+        </p:nvSpPr>
+        <p:spPr>
+          <a:xfrm>
+            <a:off x="1968102" y="1631097"/>
+            <a:ext cx="4195306" cy="923330"/>
+          </a:xfrm>
+          <a:prstGeom prst="rect">
+            <a:avLst/>
+          </a:prstGeom>
+          <a:noFill/>
+        </p:spPr>
+        <p:txBody>
+          <a:bodyPr wrap="square" rtlCol="0">
+            <a:spAutoFit/>
+          </a:bodyPr>
+          <a:lstStyle/>
+          <a:p>
+            <a:r>
+              <a:rPr lang="en-US" altLang="ko-KR" sz="5400" b="1" dirty="0" smtClean="0">
+                <a:solidFill>
+                  <a:schemeClr val="bg1"/>
+                </a:solidFill>
+                <a:latin typeface="Adobe 고딕 Std B" panose="020B0800000000000000" pitchFamily="34" charset="-127"/>
+                <a:ea typeface="Adobe 고딕 Std B" panose="020B0800000000000000" pitchFamily="34" charset="-127"/>
+              </a:rPr>
+              <a:t>Normal</a:t>
+            </a:r>
+            <a:endParaRPr lang="ko-KR" altLang="en-US" sz="5400" b="1" dirty="0">
+              <a:solidFill>
+                <a:schemeClr val="bg1"/>
+              </a:solidFill>
+              <a:latin typeface="Adobe 고딕 Std B" panose="020B0800000000000000" pitchFamily="34" charset="-127"/>
+              <a:ea typeface="Adobe 고딕 Std B" panose="020B0800000000000000" pitchFamily="34" charset="-127"/>
+            </a:endParaRPr>
+          </a:p>
+        </p:txBody>
+      </p:sp>
+      <p:sp>
+        <p:nvSpPr>
+          <p:cNvPr id="5" name="TextBox 4"/>
+          <p:cNvSpPr txBox="1"/>
+          <p:nvPr/>
+        </p:nvSpPr>
+        <p:spPr>
+          <a:xfrm>
+            <a:off x="5986052" y="1631097"/>
+            <a:ext cx="4195306" cy="923330"/>
+          </a:xfrm>
+          <a:prstGeom prst="rect">
+            <a:avLst/>
+          </a:prstGeom>
+          <a:noFill/>
+        </p:spPr>
+        <p:txBody>
+          <a:bodyPr wrap="square" rtlCol="0">
+            <a:spAutoFit/>
+          </a:bodyPr>
+          <a:lstStyle/>
+          <a:p>
+            <a:r>
+              <a:rPr lang="en-US" altLang="ko-KR" sz="5400" b="1" dirty="0" smtClean="0">
+                <a:solidFill>
+                  <a:schemeClr val="bg1"/>
+                </a:solidFill>
+                <a:latin typeface="Adobe 고딕 Std B" panose="020B0800000000000000" pitchFamily="34" charset="-127"/>
+                <a:ea typeface="Adobe 고딕 Std B" panose="020B0800000000000000" pitchFamily="34" charset="-127"/>
+              </a:rPr>
+              <a:t>Generator</a:t>
+            </a:r>
+            <a:endParaRPr lang="ko-KR" altLang="en-US" sz="5400" b="1" dirty="0">
+              <a:solidFill>
+                <a:schemeClr val="bg1"/>
+              </a:solidFill>
+              <a:latin typeface="Adobe 고딕 Std B" panose="020B0800000000000000" pitchFamily="34" charset="-127"/>
+              <a:ea typeface="Adobe 고딕 Std B" panose="020B0800000000000000" pitchFamily="34" charset="-127"/>
+            </a:endParaRPr>
+          </a:p>
+        </p:txBody>
+      </p:sp>
+      <p:sp>
+        <p:nvSpPr>
+          <p:cNvPr id="6" name="TextBox 5"/>
+          <p:cNvSpPr txBox="1"/>
+          <p:nvPr/>
+        </p:nvSpPr>
+        <p:spPr>
+          <a:xfrm>
+            <a:off x="2967181" y="3169861"/>
+            <a:ext cx="5158510" cy="1569660"/>
+          </a:xfrm>
+          <a:prstGeom prst="rect">
+            <a:avLst/>
+          </a:prstGeom>
+          <a:noFill/>
+        </p:spPr>
+        <p:txBody>
+          <a:bodyPr wrap="square" rtlCol="0">
+            <a:spAutoFit/>
+          </a:bodyPr>
+          <a:lstStyle/>
+          <a:p>
+            <a:pPr algn="ctr"/>
+            <a:r>
+              <a:rPr lang="en-US" altLang="ko-KR" sz="3200" b="1" dirty="0" smtClean="0">
+                <a:solidFill>
+                  <a:schemeClr val="bg1"/>
+                </a:solidFill>
+                <a:latin typeface="Adobe 고딕 Std B" panose="020B0800000000000000" pitchFamily="34" charset="-127"/>
+                <a:ea typeface="Adobe 고딕 Std B" panose="020B0800000000000000" pitchFamily="34" charset="-127"/>
+              </a:rPr>
+              <a:t>“</a:t>
+            </a:r>
+            <a:r>
+              <a:rPr lang="ko-KR" altLang="en-US" sz="3200" b="1" dirty="0" smtClean="0">
+                <a:solidFill>
+                  <a:schemeClr val="bg1"/>
+                </a:solidFill>
+                <a:latin typeface="Adobe 고딕 Std B" panose="020B0800000000000000" pitchFamily="34" charset="-127"/>
+                <a:ea typeface="Adobe 고딕 Std B" panose="020B0800000000000000" pitchFamily="34" charset="-127"/>
+              </a:rPr>
+              <a:t>평범하지만 생산적인</a:t>
+            </a:r>
+            <a:r>
+              <a:rPr lang="en-US" altLang="ko-KR" sz="3200" b="1" dirty="0" smtClean="0">
+                <a:solidFill>
+                  <a:schemeClr val="bg1"/>
+                </a:solidFill>
+                <a:latin typeface="Adobe 고딕 Std B" panose="020B0800000000000000" pitchFamily="34" charset="-127"/>
+                <a:ea typeface="Adobe 고딕 Std B" panose="020B0800000000000000" pitchFamily="34" charset="-127"/>
+              </a:rPr>
+              <a:t>”</a:t>
+            </a:r>
+          </a:p>
+          <a:p>
+            <a:pPr algn="ctr"/>
+            <a:r>
+              <a:rPr lang="en-US" altLang="ko-KR" sz="3200" b="1" dirty="0" smtClean="0">
+                <a:solidFill>
+                  <a:schemeClr val="bg1"/>
+                </a:solidFill>
+                <a:latin typeface="Adobe 고딕 Std B" panose="020B0800000000000000" pitchFamily="34" charset="-127"/>
+                <a:ea typeface="Adobe 고딕 Std B" panose="020B0800000000000000" pitchFamily="34" charset="-127"/>
+              </a:rPr>
+              <a:t>“</a:t>
+            </a:r>
+            <a:r>
+              <a:rPr lang="ko-KR" altLang="en-US" sz="3200" b="1" dirty="0" smtClean="0">
+                <a:solidFill>
+                  <a:schemeClr val="bg1"/>
+                </a:solidFill>
+                <a:latin typeface="Adobe 고딕 Std B" panose="020B0800000000000000" pitchFamily="34" charset="-127"/>
+                <a:ea typeface="Adobe 고딕 Std B" panose="020B0800000000000000" pitchFamily="34" charset="-127"/>
+              </a:rPr>
+              <a:t>평범한 생산성</a:t>
+            </a:r>
+            <a:r>
+              <a:rPr lang="en-US" altLang="ko-KR" sz="3200" b="1" dirty="0" smtClean="0">
+                <a:solidFill>
+                  <a:schemeClr val="bg1"/>
+                </a:solidFill>
+                <a:latin typeface="Adobe 고딕 Std B" panose="020B0800000000000000" pitchFamily="34" charset="-127"/>
+                <a:ea typeface="Adobe 고딕 Std B" panose="020B0800000000000000" pitchFamily="34" charset="-127"/>
+              </a:rPr>
+              <a:t>”</a:t>
+            </a:r>
+          </a:p>
+          <a:p>
+            <a:pPr algn="ctr"/>
+            <a:r>
+              <a:rPr lang="en-US" altLang="ko-KR" sz="3200" b="1" dirty="0" smtClean="0">
+                <a:solidFill>
+                  <a:schemeClr val="bg1"/>
+                </a:solidFill>
+                <a:latin typeface="Adobe 고딕 Std B" panose="020B0800000000000000" pitchFamily="34" charset="-127"/>
+                <a:ea typeface="Adobe 고딕 Std B" panose="020B0800000000000000" pitchFamily="34" charset="-127"/>
+              </a:rPr>
+              <a:t>“</a:t>
+            </a:r>
+            <a:r>
+              <a:rPr lang="ko-KR" altLang="en-US" sz="3200" b="1" dirty="0" smtClean="0">
+                <a:solidFill>
+                  <a:schemeClr val="bg1"/>
+                </a:solidFill>
+                <a:latin typeface="Adobe 고딕 Std B" panose="020B0800000000000000" pitchFamily="34" charset="-127"/>
+                <a:ea typeface="Adobe 고딕 Std B" panose="020B0800000000000000" pitchFamily="34" charset="-127"/>
+              </a:rPr>
+              <a:t>평범한 완성</a:t>
+            </a:r>
+            <a:r>
+              <a:rPr lang="en-US" altLang="ko-KR" sz="3200" b="1" dirty="0" smtClean="0">
+                <a:solidFill>
+                  <a:schemeClr val="bg1"/>
+                </a:solidFill>
+                <a:latin typeface="Adobe 고딕 Std B" panose="020B0800000000000000" pitchFamily="34" charset="-127"/>
+                <a:ea typeface="Adobe 고딕 Std B" panose="020B0800000000000000" pitchFamily="34" charset="-127"/>
+              </a:rPr>
+              <a:t>”</a:t>
+            </a:r>
+            <a:endParaRPr lang="ko-KR" altLang="en-US" sz="3200" b="1" dirty="0">
+              <a:solidFill>
+                <a:schemeClr val="bg1"/>
+              </a:solidFill>
+              <a:latin typeface="Adobe 고딕 Std B" panose="020B0800000000000000" pitchFamily="34" charset="-127"/>
+              <a:ea typeface="Adobe 고딕 Std B" panose="020B0800000000000000" pitchFamily="34" charset="-127"/>
+            </a:endParaRPr>
+          </a:p>
+        </p:txBody>
+      </p:sp>
+    </p:spTree>
+    <p:extLst>
+      <p:ext uri="{BB962C8B-B14F-4D97-AF65-F5344CB8AC3E}">
+        <p14:creationId xmlns:p14="http://schemas.microsoft.com/office/powerpoint/2010/main" val="2802207314"/>
+      </p:ext>
+    </p:extLst>
+  </p:cSld>
+  <p:clrMapOvr>
+    <a:masterClrMapping/>
+  </p:clrMapOvr>
+</p:sld>
+</file>
+
+<file path=ppt/slides/slide3.xml><?xml version="1.0" encoding="utf-8"?>
+<p:sld xmlns:a="http://schemas.openxmlformats.org/drawingml/2006/main" xmlns:r="http://schemas.openxmlformats.org/officeDocument/2006/relationships" xmlns:p="http://schemas.openxmlformats.org/presentationml/2006/main">
+  <p:cSld>
+    <p:spTree>
+      <p:nvGrpSpPr>
+        <p:cNvPr id="1" name=""/>
+        <p:cNvGrpSpPr/>
+        <p:nvPr/>
+      </p:nvGrpSpPr>
+      <p:grpSpPr>
+        <a:xfrm>
+          <a:off x="0" y="0"/>
+          <a:ext cx="0" cy="0"/>
+          <a:chOff x="0" y="0"/>
+          <a:chExt cx="0" cy="0"/>
+        </a:xfrm>
+      </p:grpSpPr>
+      <p:sp>
+        <p:nvSpPr>
+          <p:cNvPr id="15" name="직사각형 14"/>
+          <p:cNvSpPr/>
+          <p:nvPr/>
+        </p:nvSpPr>
+        <p:spPr>
+          <a:xfrm>
+            <a:off x="0" y="0"/>
+            <a:ext cx="11092873" cy="6858000"/>
+          </a:xfrm>
+          <a:prstGeom prst="rect">
+            <a:avLst/>
+          </a:prstGeom>
+          <a:solidFill>
+            <a:srgbClr val="BFBFBF"/>
+          </a:solidFill>
+          <a:ln>
+            <a:noFill/>
+          </a:ln>
+        </p:spPr>
+        <p:style>
+          <a:lnRef idx="2">
+            <a:schemeClr val="accent1">
+              <a:shade val="50000"/>
+            </a:schemeClr>
+          </a:lnRef>
+          <a:fillRef idx="1">
+            <a:schemeClr val="accent1"/>
+          </a:fillRef>
+          <a:effectRef idx="0">
+            <a:schemeClr val="accent1"/>
+          </a:effectRef>
+          <a:fontRef idx="minor">
+            <a:schemeClr val="lt1"/>
+          </a:fontRef>
+        </p:style>
+        <p:txBody>
+          <a:bodyPr rtlCol="0" anchor="ctr"/>
+          <a:lstStyle/>
+          <a:p>
+            <a:pPr algn="ctr"/>
+            <a:endParaRPr lang="ko-KR" altLang="en-US" dirty="0"/>
+          </a:p>
+        </p:txBody>
+      </p:sp>
+      <p:sp>
+        <p:nvSpPr>
+          <p:cNvPr id="3" name="TextBox 2"/>
+          <p:cNvSpPr txBox="1"/>
+          <p:nvPr/>
+        </p:nvSpPr>
+        <p:spPr>
+          <a:xfrm>
+            <a:off x="0" y="0"/>
+            <a:ext cx="6163408" cy="1015663"/>
+          </a:xfrm>
+          <a:prstGeom prst="rect">
+            <a:avLst/>
+          </a:prstGeom>
+          <a:noFill/>
+        </p:spPr>
+        <p:txBody>
+          <a:bodyPr wrap="square" rtlCol="0">
+            <a:spAutoFit/>
+          </a:bodyPr>
+          <a:lstStyle/>
+          <a:p>
+            <a:r>
+              <a:rPr lang="ko-KR" altLang="en-US" sz="6000" dirty="0" smtClean="0">
+                <a:solidFill>
+                  <a:schemeClr val="bg1"/>
+                </a:solidFill>
+                <a:latin typeface="Adobe 고딕 Std B" panose="020B0800000000000000" pitchFamily="34" charset="-127"/>
+                <a:ea typeface="Adobe 고딕 Std B" panose="020B0800000000000000" pitchFamily="34" charset="-127"/>
+              </a:rPr>
               <a:t>사용 글꼴</a:t>
             </a:r>
             <a:endParaRPr lang="ko-KR" altLang="en-US" sz="6000" dirty="0">
@@ -3459,6 +8451,8 @@
                 <a:solidFill>
                   <a:schemeClr val="bg1"/>
                 </a:solidFill>
+                <a:latin typeface="Adobe 고딕 Std B" panose="020B0800000000000000" pitchFamily="34" charset="-127"/>
+                <a:ea typeface="Adobe 고딕 Std B" panose="020B0800000000000000" pitchFamily="34" charset="-127"/>
               </a:rPr>
               <a:t>한글</a:t>
             </a:r>
@@ -3466,6 +8460,8 @@
               <a:solidFill>
                 <a:schemeClr val="bg1"/>
               </a:solidFill>
+              <a:latin typeface="Adobe 고딕 Std B" panose="020B0800000000000000" pitchFamily="34" charset="-127"/>
+              <a:ea typeface="Adobe 고딕 Std B" panose="020B0800000000000000" pitchFamily="34" charset="-127"/>
             </a:endParaRPr>
           </a:p>
         </p:txBody>
@@ -3521,6 +8517,8 @@
                 <a:solidFill>
                   <a:schemeClr val="bg1"/>
                 </a:solidFill>
+                <a:latin typeface="Adobe 고딕 Std B" panose="020B0800000000000000" pitchFamily="34" charset="-127"/>
+                <a:ea typeface="Adobe 고딕 Std B" panose="020B0800000000000000" pitchFamily="34" charset="-127"/>
               </a:rPr>
               <a:t>영문</a:t>
             </a:r>
@@ -3528,6 +8526,8 @@
               <a:solidFill>
                 <a:schemeClr val="bg1"/>
               </a:solidFill>
+              <a:latin typeface="Adobe 고딕 Std B" panose="020B0800000000000000" pitchFamily="34" charset="-127"/>
+              <a:ea typeface="Adobe 고딕 Std B" panose="020B0800000000000000" pitchFamily="34" charset="-127"/>
             </a:endParaRPr>
           </a:p>
         </p:txBody>
@@ -3779,6 +8779,8 @@
                 <a:solidFill>
                   <a:schemeClr val="bg1"/>
                 </a:solidFill>
+                <a:latin typeface="Adobe 고딕 Std B" panose="020B0800000000000000" pitchFamily="34" charset="-127"/>
+                <a:ea typeface="Adobe 고딕 Std B" panose="020B0800000000000000" pitchFamily="34" charset="-127"/>
               </a:rPr>
               <a:t>#808080</a:t>
             </a:r>
@@ -3786,6 +8788,8 @@
               <a:solidFill>
                 <a:schemeClr val="bg1"/>
               </a:solidFill>
+              <a:latin typeface="Adobe 고딕 Std B" panose="020B0800000000000000" pitchFamily="34" charset="-127"/>
+              <a:ea typeface="Adobe 고딕 Std B" panose="020B0800000000000000" pitchFamily="34" charset="-127"/>
             </a:endParaRPr>
           </a:p>
         </p:txBody>
@@ -3817,6 +8821,8 @@
                 <a:solidFill>
                   <a:schemeClr val="bg1"/>
                 </a:solidFill>
+                <a:latin typeface="Adobe 고딕 Std B" panose="020B0800000000000000" pitchFamily="34" charset="-127"/>
+                <a:ea typeface="Adobe 고딕 Std B" panose="020B0800000000000000" pitchFamily="34" charset="-127"/>
               </a:rPr>
               <a:t>#A6A6A6</a:t>
             </a:r>
@@ -3824,6 +8830,8 @@
               <a:solidFill>
                 <a:schemeClr val="bg1"/>
               </a:solidFill>
+              <a:latin typeface="Adobe 고딕 Std B" panose="020B0800000000000000" pitchFamily="34" charset="-127"/>
+              <a:ea typeface="Adobe 고딕 Std B" panose="020B0800000000000000" pitchFamily="34" charset="-127"/>
             </a:endParaRPr>
           </a:p>
         </p:txBody>
@@ -3855,6 +8863,8 @@
                 <a:solidFill>
                   <a:schemeClr val="bg1"/>
                 </a:solidFill>
+                <a:latin typeface="Adobe 고딕 Std B" panose="020B0800000000000000" pitchFamily="34" charset="-127"/>
+                <a:ea typeface="Adobe 고딕 Std B" panose="020B0800000000000000" pitchFamily="34" charset="-127"/>
               </a:rPr>
               <a:t>#BFBFBF</a:t>
             </a:r>
@@ -3862,6 +8872,8 @@
               <a:solidFill>
                 <a:schemeClr val="bg1"/>
               </a:solidFill>
+              <a:latin typeface="Adobe 고딕 Std B" panose="020B0800000000000000" pitchFamily="34" charset="-127"/>
+              <a:ea typeface="Adobe 고딕 Std B" panose="020B0800000000000000" pitchFamily="34" charset="-127"/>
             </a:endParaRPr>
           </a:p>
         </p:txBody>
@@ -3936,6 +8948,8 @@
                 <a:solidFill>
                   <a:schemeClr val="bg1"/>
                 </a:solidFill>
+                <a:latin typeface="Adobe 고딕 Std B" panose="020B0800000000000000" pitchFamily="34" charset="-127"/>
+                <a:ea typeface="Adobe 고딕 Std B" panose="020B0800000000000000" pitchFamily="34" charset="-127"/>
               </a:rPr>
               <a:t>평범하고</a:t>
             </a:r>
@@ -3944,6 +8958,8 @@
                 <a:solidFill>
                   <a:schemeClr val="bg1"/>
                 </a:solidFill>
+                <a:latin typeface="Adobe 고딕 Std B" panose="020B0800000000000000" pitchFamily="34" charset="-127"/>
+                <a:ea typeface="Adobe 고딕 Std B" panose="020B0800000000000000" pitchFamily="34" charset="-127"/>
               </a:rPr>
               <a:t>,</a:t>
             </a:r>
@@ -3955,6 +8971,8 @@
                 <a:solidFill>
                   <a:schemeClr val="bg1"/>
                 </a:solidFill>
+                <a:latin typeface="Adobe 고딕 Std B" panose="020B0800000000000000" pitchFamily="34" charset="-127"/>
+                <a:ea typeface="Adobe 고딕 Std B" panose="020B0800000000000000" pitchFamily="34" charset="-127"/>
               </a:rPr>
               <a:t> 튀지 않으며</a:t>
             </a:r>
@@ -3963,6 +8981,8 @@
                 <a:solidFill>
                   <a:schemeClr val="bg1"/>
                 </a:solidFill>
+                <a:latin typeface="Adobe 고딕 Std B" panose="020B0800000000000000" pitchFamily="34" charset="-127"/>
+                <a:ea typeface="Adobe 고딕 Std B" panose="020B0800000000000000" pitchFamily="34" charset="-127"/>
               </a:rPr>
               <a:t>,</a:t>
             </a:r>
@@ -3974,6 +8994,8 @@
                 <a:solidFill>
                   <a:schemeClr val="bg1"/>
                 </a:solidFill>
+                <a:latin typeface="Adobe 고딕 Std B" panose="020B0800000000000000" pitchFamily="34" charset="-127"/>
+                <a:ea typeface="Adobe 고딕 Std B" panose="020B0800000000000000" pitchFamily="34" charset="-127"/>
               </a:rPr>
               <a:t>믿음감을</a:t>
             </a:r>
@@ -3982,6 +9004,8 @@
                 <a:solidFill>
                   <a:schemeClr val="bg1"/>
                 </a:solidFill>
+                <a:latin typeface="Adobe 고딕 Std B" panose="020B0800000000000000" pitchFamily="34" charset="-127"/>
+                <a:ea typeface="Adobe 고딕 Std B" panose="020B0800000000000000" pitchFamily="34" charset="-127"/>
               </a:rPr>
               <a:t> 주는</a:t>
             </a:r>
@@ -3990,6 +9014,8 @@
                 <a:solidFill>
                   <a:schemeClr val="bg1"/>
                 </a:solidFill>
+                <a:latin typeface="Adobe 고딕 Std B" panose="020B0800000000000000" pitchFamily="34" charset="-127"/>
+                <a:ea typeface="Adobe 고딕 Std B" panose="020B0800000000000000" pitchFamily="34" charset="-127"/>
               </a:rPr>
               <a:t>,</a:t>
             </a:r>
@@ -4001,6 +9027,8 @@
                 <a:solidFill>
                   <a:schemeClr val="bg1"/>
                 </a:solidFill>
+                <a:latin typeface="Adobe 고딕 Std B" panose="020B0800000000000000" pitchFamily="34" charset="-127"/>
+                <a:ea typeface="Adobe 고딕 Std B" panose="020B0800000000000000" pitchFamily="34" charset="-127"/>
               </a:rPr>
               <a:t> 정적인 색</a:t>
             </a:r>
@@ -4008,6 +9036,8 @@
               <a:solidFill>
                 <a:schemeClr val="bg1"/>
               </a:solidFill>
+              <a:latin typeface="Adobe 고딕 Std B" panose="020B0800000000000000" pitchFamily="34" charset="-127"/>
+              <a:ea typeface="Adobe 고딕 Std B" panose="020B0800000000000000" pitchFamily="34" charset="-127"/>
             </a:endParaRPr>
           </a:p>
         </p:txBody>
@@ -4097,7 +9127,7 @@
         <p:spPr>
           <a:xfrm>
             <a:off x="0" y="0"/>
-            <a:ext cx="6163408" cy="1015663"/>
+            <a:ext cx="10295792" cy="1015663"/>
           </a:xfrm>
           <a:prstGeom prst="rect">
             <a:avLst/>
@@ -4111,14 +9141,24 @@
           <a:lstStyle/>
           <a:p>
             <a:r>
-              <a:rPr lang="ko-KR" altLang="en-US" sz="6000" dirty="0" smtClean="0">
-                <a:solidFill>
-                  <a:schemeClr val="bg1"/>
-                </a:solidFill>
-                <a:latin typeface="Adobe 고딕 Std B" panose="020B0800000000000000" pitchFamily="34" charset="-127"/>
-                <a:ea typeface="Adobe 고딕 Std B" panose="020B0800000000000000" pitchFamily="34" charset="-127"/>
-              </a:rPr>
-              <a:t>컨셉 이미지</a:t>
+              <a:rPr lang="ko-KR" altLang="en-US" sz="6000" smtClean="0">
+                <a:solidFill>
+                  <a:schemeClr val="bg1"/>
+                </a:solidFill>
+                <a:latin typeface="Adobe 고딕 Std B" panose="020B0800000000000000" pitchFamily="34" charset="-127"/>
+                <a:ea typeface="Adobe 고딕 Std B" panose="020B0800000000000000" pitchFamily="34" charset="-127"/>
+              </a:rPr>
+              <a:t>인포메이션 </a:t>
+            </a:r>
+            <a:r>
+              <a:rPr lang="ko-KR" altLang="en-US" sz="6000" dirty="0" err="1" smtClean="0">
+                <a:solidFill>
+                  <a:schemeClr val="bg1"/>
+                </a:solidFill>
+                <a:latin typeface="Adobe 고딕 Std B" panose="020B0800000000000000" pitchFamily="34" charset="-127"/>
+                <a:ea typeface="Adobe 고딕 Std B" panose="020B0800000000000000" pitchFamily="34" charset="-127"/>
+              </a:rPr>
+              <a:t>아키텍쳐</a:t>
             </a:r>
             <a:endParaRPr lang="ko-KR" altLang="en-US" sz="6000" dirty="0">
               <a:solidFill>
@@ -4130,134 +9170,32 @@
           </a:p>
         </p:txBody>
       </p:sp>
-      <p:pic>
-        <p:nvPicPr>
-          <p:cNvPr id="2" name="그림 1"/>
-          <p:cNvPicPr>
-            <a:picLocks noChangeAspect="1"/>
-          </p:cNvPicPr>
-          <p:nvPr/>
-        </p:nvPicPr>
-        <p:blipFill>
-          <a:blip r:embed="rId2">
-            <a:extLst>
-              <a:ext uri="{28A0092B-C50C-407E-A947-70E740481C1C}">
-                <a14:useLocalDpi xmlns:a14="http://schemas.microsoft.com/office/drawing/2010/main" val="0"/>
-              </a:ext>
-            </a:extLst>
-          </a:blip>
-          <a:stretch>
-            <a:fillRect/>
-          </a:stretch>
-        </p:blipFill>
-        <p:spPr>
-          <a:xfrm>
-            <a:off x="559745" y="1421941"/>
-            <a:ext cx="5043918" cy="2235659"/>
-          </a:xfrm>
-          <a:prstGeom prst="rect">
-            <a:avLst/>
-          </a:prstGeom>
-        </p:spPr>
-      </p:pic>
-      <p:sp>
-        <p:nvSpPr>
-          <p:cNvPr id="4" name="TextBox 3"/>
-          <p:cNvSpPr txBox="1"/>
-          <p:nvPr/>
-        </p:nvSpPr>
-        <p:spPr>
-          <a:xfrm>
-            <a:off x="5996325" y="1421941"/>
-            <a:ext cx="4703885" cy="1477328"/>
-          </a:xfrm>
-          <a:prstGeom prst="rect">
-            <a:avLst/>
-          </a:prstGeom>
-          <a:noFill/>
-        </p:spPr>
-        <p:txBody>
-          <a:bodyPr wrap="square" rtlCol="0">
-            <a:spAutoFit/>
-          </a:bodyPr>
-          <a:lstStyle/>
-          <a:p>
-            <a:r>
-              <a:rPr lang="en-US" altLang="ko-KR" dirty="0">
-                <a:hlinkClick r:id="rId3"/>
-              </a:rPr>
-              <a:t>https://preview.themeforest.net/item/markone-onepage-resume-html-template/full_screen_preview/19822405?_ga=2.95863259.612461164.1566780289-1184936057.1566377612</a:t>
-            </a:r>
-            <a:endParaRPr lang="ko-KR" altLang="en-US" dirty="0"/>
-          </a:p>
-        </p:txBody>
-      </p:sp>
-      <p:pic>
-        <p:nvPicPr>
-          <p:cNvPr id="6" name="그림 5"/>
-          <p:cNvPicPr>
-            <a:picLocks noChangeAspect="1"/>
-          </p:cNvPicPr>
-          <p:nvPr/>
-        </p:nvPicPr>
-        <p:blipFill>
-          <a:blip r:embed="rId4" cstate="print">
-            <a:extLst>
-              <a:ext uri="{28A0092B-C50C-407E-A947-70E740481C1C}">
-                <a14:useLocalDpi xmlns:a14="http://schemas.microsoft.com/office/drawing/2010/main" val="0"/>
-              </a:ext>
-            </a:extLst>
-          </a:blip>
-          <a:stretch>
-            <a:fillRect/>
-          </a:stretch>
-        </p:blipFill>
-        <p:spPr>
-          <a:xfrm>
-            <a:off x="5996325" y="3870410"/>
-            <a:ext cx="4267279" cy="2694357"/>
-          </a:xfrm>
-          <a:prstGeom prst="rect">
-            <a:avLst/>
-          </a:prstGeom>
-        </p:spPr>
-      </p:pic>
-      <p:sp>
-        <p:nvSpPr>
-          <p:cNvPr id="11" name="TextBox 10"/>
-          <p:cNvSpPr txBox="1"/>
-          <p:nvPr/>
-        </p:nvSpPr>
-        <p:spPr>
-          <a:xfrm>
-            <a:off x="559745" y="3870410"/>
-            <a:ext cx="3845201" cy="923330"/>
-          </a:xfrm>
-          <a:prstGeom prst="rect">
-            <a:avLst/>
-          </a:prstGeom>
-          <a:noFill/>
-        </p:spPr>
-        <p:txBody>
-          <a:bodyPr wrap="square" rtlCol="0">
-            <a:spAutoFit/>
-          </a:bodyPr>
-          <a:lstStyle/>
-          <a:p>
-            <a:r>
-              <a:rPr lang="en-US" altLang="ko-KR">
-                <a:hlinkClick r:id="rId5"/>
-              </a:rPr>
-              <a:t>https://pennyblacktemplates.com/demo/ws/feather/dark-demo/resume-center-content.html</a:t>
-            </a:r>
-            <a:endParaRPr lang="ko-KR" altLang="en-US" dirty="0"/>
-          </a:p>
-        </p:txBody>
-      </p:sp>
+      <p:graphicFrame>
+        <p:nvGraphicFramePr>
+          <p:cNvPr id="5" name="다이어그램 4"/>
+          <p:cNvGraphicFramePr/>
+          <p:nvPr>
+            <p:extLst>
+              <p:ext uri="{D42A27DB-BD31-4B8C-83A1-F6EECF244321}">
+                <p14:modId xmlns:p14="http://schemas.microsoft.com/office/powerpoint/2010/main" val="1699805161"/>
+              </p:ext>
+            </p:extLst>
+          </p:nvPr>
+        </p:nvGraphicFramePr>
+        <p:xfrm>
+          <a:off x="1477818" y="2221346"/>
+          <a:ext cx="8460509" cy="5301673"/>
+        </p:xfrm>
+        <a:graphic>
+          <a:graphicData uri="http://schemas.openxmlformats.org/drawingml/2006/diagram">
+            <dgm:relIds xmlns:dgm="http://schemas.openxmlformats.org/drawingml/2006/diagram" xmlns:r="http://schemas.openxmlformats.org/officeDocument/2006/relationships" r:dm="rId2" r:lo="rId3" r:qs="rId4" r:cs="rId5"/>
+          </a:graphicData>
+        </a:graphic>
+      </p:graphicFrame>
     </p:spTree>
     <p:extLst>
       <p:ext uri="{BB962C8B-B14F-4D97-AF65-F5344CB8AC3E}">
-        <p14:creationId xmlns:p14="http://schemas.microsoft.com/office/powerpoint/2010/main" val="3636787021"/>
+        <p14:creationId xmlns:p14="http://schemas.microsoft.com/office/powerpoint/2010/main" val="632022799"/>
       </p:ext>
     </p:extLst>
   </p:cSld>
@@ -4338,6 +9276,1832 @@
         </p:nvSpPr>
         <p:spPr>
           <a:xfrm>
+            <a:off x="0" y="0"/>
+            <a:ext cx="10295792" cy="1015663"/>
+          </a:xfrm>
+          <a:prstGeom prst="rect">
+            <a:avLst/>
+          </a:prstGeom>
+          <a:noFill/>
+        </p:spPr>
+        <p:txBody>
+          <a:bodyPr wrap="square" rtlCol="0">
+            <a:spAutoFit/>
+          </a:bodyPr>
+          <a:lstStyle/>
+          <a:p>
+            <a:r>
+              <a:rPr lang="en-US" altLang="ko-KR" sz="6000" dirty="0" smtClean="0">
+                <a:solidFill>
+                  <a:schemeClr val="bg1"/>
+                </a:solidFill>
+                <a:latin typeface="Adobe 고딕 Std B" panose="020B0800000000000000" pitchFamily="34" charset="-127"/>
+                <a:ea typeface="Adobe 고딕 Std B" panose="020B0800000000000000" pitchFamily="34" charset="-127"/>
+              </a:rPr>
+              <a:t>Contents </a:t>
+            </a:r>
+            <a:r>
+              <a:rPr lang="ko-KR" altLang="en-US" sz="6000" dirty="0" smtClean="0">
+                <a:solidFill>
+                  <a:schemeClr val="bg1"/>
+                </a:solidFill>
+                <a:latin typeface="Adobe 고딕 Std B" panose="020B0800000000000000" pitchFamily="34" charset="-127"/>
+                <a:ea typeface="Adobe 고딕 Std B" panose="020B0800000000000000" pitchFamily="34" charset="-127"/>
+              </a:rPr>
+              <a:t>구성</a:t>
+            </a:r>
+            <a:endParaRPr lang="ko-KR" altLang="en-US" sz="6000" dirty="0">
+              <a:solidFill>
+                <a:schemeClr val="bg1"/>
+              </a:solidFill>
+              <a:latin typeface="Adobe 고딕 Std B" panose="020B0800000000000000" pitchFamily="34" charset="-127"/>
+              <a:ea typeface="Adobe 고딕 Std B" panose="020B0800000000000000" pitchFamily="34" charset="-127"/>
+            </a:endParaRPr>
+          </a:p>
+        </p:txBody>
+      </p:sp>
+      <p:sp>
+        <p:nvSpPr>
+          <p:cNvPr id="11" name="직사각형 10"/>
+          <p:cNvSpPr/>
+          <p:nvPr/>
+        </p:nvSpPr>
+        <p:spPr>
+          <a:xfrm>
+            <a:off x="2090436" y="2172172"/>
+            <a:ext cx="6912000" cy="3888000"/>
+          </a:xfrm>
+          <a:prstGeom prst="rect">
+            <a:avLst/>
+          </a:prstGeom>
+          <a:solidFill>
+            <a:srgbClr val="BFBFBF"/>
+          </a:solidFill>
+          <a:ln w="22225">
+            <a:solidFill>
+              <a:schemeClr val="bg1"/>
+            </a:solidFill>
+          </a:ln>
+        </p:spPr>
+        <p:style>
+          <a:lnRef idx="2">
+            <a:schemeClr val="accent1">
+              <a:shade val="50000"/>
+            </a:schemeClr>
+          </a:lnRef>
+          <a:fillRef idx="1">
+            <a:schemeClr val="accent1"/>
+          </a:fillRef>
+          <a:effectRef idx="0">
+            <a:schemeClr val="accent1"/>
+          </a:effectRef>
+          <a:fontRef idx="minor">
+            <a:schemeClr val="lt1"/>
+          </a:fontRef>
+        </p:style>
+        <p:txBody>
+          <a:bodyPr rtlCol="0" anchor="ctr"/>
+          <a:lstStyle/>
+          <a:p>
+            <a:pPr algn="ctr"/>
+            <a:endParaRPr lang="ko-KR" altLang="en-US" dirty="0">
+              <a:solidFill>
+                <a:schemeClr val="bg1"/>
+              </a:solidFill>
+            </a:endParaRPr>
+          </a:p>
+        </p:txBody>
+      </p:sp>
+      <p:sp>
+        <p:nvSpPr>
+          <p:cNvPr id="12" name="직사각형 11"/>
+          <p:cNvSpPr/>
+          <p:nvPr/>
+        </p:nvSpPr>
+        <p:spPr>
+          <a:xfrm>
+            <a:off x="2090436" y="2172172"/>
+            <a:ext cx="6912000" cy="288000"/>
+          </a:xfrm>
+          <a:prstGeom prst="rect">
+            <a:avLst/>
+          </a:prstGeom>
+          <a:solidFill>
+            <a:srgbClr val="808080"/>
+          </a:solidFill>
+          <a:ln>
+            <a:noFill/>
+          </a:ln>
+        </p:spPr>
+        <p:style>
+          <a:lnRef idx="2">
+            <a:schemeClr val="accent1">
+              <a:shade val="50000"/>
+            </a:schemeClr>
+          </a:lnRef>
+          <a:fillRef idx="1">
+            <a:schemeClr val="accent1"/>
+          </a:fillRef>
+          <a:effectRef idx="0">
+            <a:schemeClr val="accent1"/>
+          </a:effectRef>
+          <a:fontRef idx="minor">
+            <a:schemeClr val="lt1"/>
+          </a:fontRef>
+        </p:style>
+        <p:txBody>
+          <a:bodyPr rtlCol="0" anchor="ctr"/>
+          <a:lstStyle/>
+          <a:p>
+            <a:pPr algn="ctr"/>
+            <a:r>
+              <a:rPr lang="ko-KR" altLang="en-US" sz="1500" dirty="0" smtClean="0">
+                <a:solidFill>
+                  <a:schemeClr val="bg1"/>
+                </a:solidFill>
+                <a:latin typeface="Adobe 고딕 Std B" panose="020B0800000000000000" pitchFamily="34" charset="-127"/>
+                <a:ea typeface="Adobe 고딕 Std B" panose="020B0800000000000000" pitchFamily="34" charset="-127"/>
+              </a:rPr>
+              <a:t>프로필   </a:t>
+            </a:r>
+            <a:r>
+              <a:rPr lang="en-US" altLang="ko-KR" sz="1500" dirty="0" smtClean="0">
+                <a:solidFill>
+                  <a:schemeClr val="bg1"/>
+                </a:solidFill>
+                <a:latin typeface="Adobe 고딕 Std B" panose="020B0800000000000000" pitchFamily="34" charset="-127"/>
+                <a:ea typeface="Adobe 고딕 Std B" panose="020B0800000000000000" pitchFamily="34" charset="-127"/>
+              </a:rPr>
+              <a:t>/   </a:t>
+            </a:r>
+            <a:r>
+              <a:rPr lang="ko-KR" altLang="en-US" sz="1500" dirty="0" smtClean="0">
+                <a:solidFill>
+                  <a:schemeClr val="bg1"/>
+                </a:solidFill>
+                <a:latin typeface="Adobe 고딕 Std B" panose="020B0800000000000000" pitchFamily="34" charset="-127"/>
+                <a:ea typeface="Adobe 고딕 Std B" panose="020B0800000000000000" pitchFamily="34" charset="-127"/>
+              </a:rPr>
+              <a:t>직업흥미검사   </a:t>
+            </a:r>
+            <a:r>
+              <a:rPr lang="en-US" altLang="ko-KR" sz="1500" dirty="0" smtClean="0">
+                <a:solidFill>
+                  <a:schemeClr val="bg1"/>
+                </a:solidFill>
+                <a:latin typeface="Adobe 고딕 Std B" panose="020B0800000000000000" pitchFamily="34" charset="-127"/>
+                <a:ea typeface="Adobe 고딕 Std B" panose="020B0800000000000000" pitchFamily="34" charset="-127"/>
+              </a:rPr>
+              <a:t>/   </a:t>
+            </a:r>
+            <a:r>
+              <a:rPr lang="ko-KR" altLang="en-US" sz="1500" dirty="0" smtClean="0">
+                <a:solidFill>
+                  <a:schemeClr val="bg1"/>
+                </a:solidFill>
+                <a:latin typeface="Adobe 고딕 Std B" panose="020B0800000000000000" pitchFamily="34" charset="-127"/>
+                <a:ea typeface="Adobe 고딕 Std B" panose="020B0800000000000000" pitchFamily="34" charset="-127"/>
+              </a:rPr>
+              <a:t>숙련 프로그램   </a:t>
+            </a:r>
+            <a:r>
+              <a:rPr lang="en-US" altLang="ko-KR" sz="1500" dirty="0" smtClean="0">
+                <a:solidFill>
+                  <a:schemeClr val="bg1"/>
+                </a:solidFill>
+                <a:latin typeface="Adobe 고딕 Std B" panose="020B0800000000000000" pitchFamily="34" charset="-127"/>
+                <a:ea typeface="Adobe 고딕 Std B" panose="020B0800000000000000" pitchFamily="34" charset="-127"/>
+              </a:rPr>
+              <a:t>/   </a:t>
+            </a:r>
+            <a:r>
+              <a:rPr lang="ko-KR" altLang="en-US" sz="1500" dirty="0" smtClean="0">
+                <a:solidFill>
+                  <a:schemeClr val="bg1"/>
+                </a:solidFill>
+                <a:latin typeface="Adobe 고딕 Std B" panose="020B0800000000000000" pitchFamily="34" charset="-127"/>
+                <a:ea typeface="Adobe 고딕 Std B" panose="020B0800000000000000" pitchFamily="34" charset="-127"/>
+              </a:rPr>
+              <a:t>관심사와 목표   </a:t>
+            </a:r>
+            <a:r>
+              <a:rPr lang="en-US" altLang="ko-KR" sz="1500" dirty="0" smtClean="0">
+                <a:solidFill>
+                  <a:schemeClr val="bg1"/>
+                </a:solidFill>
+                <a:latin typeface="Adobe 고딕 Std B" panose="020B0800000000000000" pitchFamily="34" charset="-127"/>
+                <a:ea typeface="Adobe 고딕 Std B" panose="020B0800000000000000" pitchFamily="34" charset="-127"/>
+              </a:rPr>
+              <a:t>/   </a:t>
+            </a:r>
+            <a:r>
+              <a:rPr lang="ko-KR" altLang="en-US" sz="1500" dirty="0" smtClean="0">
+                <a:solidFill>
+                  <a:schemeClr val="bg1"/>
+                </a:solidFill>
+                <a:latin typeface="Adobe 고딕 Std B" panose="020B0800000000000000" pitchFamily="34" charset="-127"/>
+                <a:ea typeface="Adobe 고딕 Std B" panose="020B0800000000000000" pitchFamily="34" charset="-127"/>
+              </a:rPr>
+              <a:t>연락처</a:t>
+            </a:r>
+            <a:r>
+              <a:rPr lang="en-US" altLang="ko-KR" sz="1500" dirty="0" smtClean="0">
+                <a:solidFill>
+                  <a:schemeClr val="bg1"/>
+                </a:solidFill>
+                <a:latin typeface="Adobe 고딕 Std B" panose="020B0800000000000000" pitchFamily="34" charset="-127"/>
+                <a:ea typeface="Adobe 고딕 Std B" panose="020B0800000000000000" pitchFamily="34" charset="-127"/>
+              </a:rPr>
+              <a:t>  </a:t>
+            </a:r>
+            <a:endParaRPr lang="ko-KR" altLang="en-US" sz="1500" dirty="0">
+              <a:solidFill>
+                <a:schemeClr val="bg1"/>
+              </a:solidFill>
+              <a:latin typeface="Adobe 고딕 Std B" panose="020B0800000000000000" pitchFamily="34" charset="-127"/>
+              <a:ea typeface="Adobe 고딕 Std B" panose="020B0800000000000000" pitchFamily="34" charset="-127"/>
+            </a:endParaRPr>
+          </a:p>
+        </p:txBody>
+      </p:sp>
+      <p:sp>
+        <p:nvSpPr>
+          <p:cNvPr id="10" name="직사각형 9"/>
+          <p:cNvSpPr/>
+          <p:nvPr/>
+        </p:nvSpPr>
+        <p:spPr>
+          <a:xfrm>
+            <a:off x="3548436" y="2640172"/>
+            <a:ext cx="3996000" cy="3243392"/>
+          </a:xfrm>
+          <a:prstGeom prst="rect">
+            <a:avLst/>
+          </a:prstGeom>
+          <a:solidFill>
+            <a:srgbClr val="808080"/>
+          </a:solidFill>
+          <a:ln>
+            <a:noFill/>
+          </a:ln>
+        </p:spPr>
+        <p:style>
+          <a:lnRef idx="2">
+            <a:schemeClr val="accent1">
+              <a:shade val="50000"/>
+            </a:schemeClr>
+          </a:lnRef>
+          <a:fillRef idx="1">
+            <a:schemeClr val="accent1"/>
+          </a:fillRef>
+          <a:effectRef idx="0">
+            <a:schemeClr val="accent1"/>
+          </a:effectRef>
+          <a:fontRef idx="minor">
+            <a:schemeClr val="lt1"/>
+          </a:fontRef>
+        </p:style>
+        <p:txBody>
+          <a:bodyPr rtlCol="0" anchor="ctr"/>
+          <a:lstStyle/>
+          <a:p>
+            <a:pPr algn="ctr"/>
+            <a:endParaRPr lang="ko-KR" altLang="en-US"/>
+          </a:p>
+        </p:txBody>
+      </p:sp>
+      <p:sp>
+        <p:nvSpPr>
+          <p:cNvPr id="14" name="직사각형 13"/>
+          <p:cNvSpPr/>
+          <p:nvPr/>
+        </p:nvSpPr>
+        <p:spPr>
+          <a:xfrm>
+            <a:off x="3548436" y="2640171"/>
+            <a:ext cx="1651637" cy="1968773"/>
+          </a:xfrm>
+          <a:prstGeom prst="rect">
+            <a:avLst/>
+          </a:prstGeom>
+          <a:solidFill>
+            <a:srgbClr val="BFBFBF"/>
+          </a:solidFill>
+          <a:ln>
+            <a:solidFill>
+              <a:schemeClr val="bg1"/>
+            </a:solidFill>
+          </a:ln>
+        </p:spPr>
+        <p:style>
+          <a:lnRef idx="2">
+            <a:schemeClr val="accent1">
+              <a:shade val="50000"/>
+            </a:schemeClr>
+          </a:lnRef>
+          <a:fillRef idx="1">
+            <a:schemeClr val="accent1"/>
+          </a:fillRef>
+          <a:effectRef idx="0">
+            <a:schemeClr val="accent1"/>
+          </a:effectRef>
+          <a:fontRef idx="minor">
+            <a:schemeClr val="lt1"/>
+          </a:fontRef>
+        </p:style>
+        <p:txBody>
+          <a:bodyPr rtlCol="0" anchor="ctr"/>
+          <a:lstStyle/>
+          <a:p>
+            <a:pPr algn="ctr"/>
+            <a:endParaRPr lang="ko-KR" altLang="en-US"/>
+          </a:p>
+        </p:txBody>
+      </p:sp>
+      <p:cxnSp>
+        <p:nvCxnSpPr>
+          <p:cNvPr id="18" name="직선 연결선 17"/>
+          <p:cNvCxnSpPr/>
+          <p:nvPr/>
+        </p:nvCxnSpPr>
+        <p:spPr>
+          <a:xfrm>
+            <a:off x="3548435" y="2632294"/>
+            <a:ext cx="1651637" cy="1968773"/>
+          </a:xfrm>
+          <a:prstGeom prst="line">
+            <a:avLst/>
+          </a:prstGeom>
+          <a:ln>
+            <a:solidFill>
+              <a:schemeClr val="bg1"/>
+            </a:solidFill>
+          </a:ln>
+        </p:spPr>
+        <p:style>
+          <a:lnRef idx="1">
+            <a:schemeClr val="accent1"/>
+          </a:lnRef>
+          <a:fillRef idx="0">
+            <a:schemeClr val="accent1"/>
+          </a:fillRef>
+          <a:effectRef idx="0">
+            <a:schemeClr val="accent1"/>
+          </a:effectRef>
+          <a:fontRef idx="minor">
+            <a:schemeClr val="tx1"/>
+          </a:fontRef>
+        </p:style>
+      </p:cxnSp>
+      <p:cxnSp>
+        <p:nvCxnSpPr>
+          <p:cNvPr id="20" name="직선 연결선 19"/>
+          <p:cNvCxnSpPr/>
+          <p:nvPr/>
+        </p:nvCxnSpPr>
+        <p:spPr>
+          <a:xfrm flipH="1">
+            <a:off x="3548435" y="2640171"/>
+            <a:ext cx="1651637" cy="1960896"/>
+          </a:xfrm>
+          <a:prstGeom prst="line">
+            <a:avLst/>
+          </a:prstGeom>
+          <a:ln>
+            <a:solidFill>
+              <a:schemeClr val="bg1"/>
+            </a:solidFill>
+          </a:ln>
+        </p:spPr>
+        <p:style>
+          <a:lnRef idx="1">
+            <a:schemeClr val="accent1"/>
+          </a:lnRef>
+          <a:fillRef idx="0">
+            <a:schemeClr val="accent1"/>
+          </a:fillRef>
+          <a:effectRef idx="0">
+            <a:schemeClr val="accent1"/>
+          </a:effectRef>
+          <a:fontRef idx="minor">
+            <a:schemeClr val="tx1"/>
+          </a:fontRef>
+        </p:style>
+      </p:cxnSp>
+      <p:sp>
+        <p:nvSpPr>
+          <p:cNvPr id="21" name="TextBox 20"/>
+          <p:cNvSpPr txBox="1"/>
+          <p:nvPr/>
+        </p:nvSpPr>
+        <p:spPr>
+          <a:xfrm>
+            <a:off x="5200072" y="2692853"/>
+            <a:ext cx="2170545" cy="584775"/>
+          </a:xfrm>
+          <a:prstGeom prst="rect">
+            <a:avLst/>
+          </a:prstGeom>
+          <a:noFill/>
+        </p:spPr>
+        <p:txBody>
+          <a:bodyPr wrap="square" rtlCol="0">
+            <a:spAutoFit/>
+          </a:bodyPr>
+          <a:lstStyle/>
+          <a:p>
+            <a:r>
+              <a:rPr lang="ko-KR" altLang="en-US" sz="3200" dirty="0" smtClean="0">
+                <a:solidFill>
+                  <a:schemeClr val="bg1"/>
+                </a:solidFill>
+                <a:latin typeface="Adobe 고딕 Std B" panose="020B0800000000000000" pitchFamily="34" charset="-127"/>
+                <a:ea typeface="Adobe 고딕 Std B" panose="020B0800000000000000" pitchFamily="34" charset="-127"/>
+              </a:rPr>
+              <a:t>김태우</a:t>
+            </a:r>
+            <a:endParaRPr lang="ko-KR" altLang="en-US" sz="3200" dirty="0">
+              <a:solidFill>
+                <a:schemeClr val="bg1"/>
+              </a:solidFill>
+              <a:latin typeface="Adobe 고딕 Std B" panose="020B0800000000000000" pitchFamily="34" charset="-127"/>
+              <a:ea typeface="Adobe 고딕 Std B" panose="020B0800000000000000" pitchFamily="34" charset="-127"/>
+            </a:endParaRPr>
+          </a:p>
+        </p:txBody>
+      </p:sp>
+      <p:sp>
+        <p:nvSpPr>
+          <p:cNvPr id="22" name="TextBox 21"/>
+          <p:cNvSpPr txBox="1"/>
+          <p:nvPr/>
+        </p:nvSpPr>
+        <p:spPr>
+          <a:xfrm>
+            <a:off x="5286980" y="3285505"/>
+            <a:ext cx="2257456" cy="1323439"/>
+          </a:xfrm>
+          <a:prstGeom prst="rect">
+            <a:avLst/>
+          </a:prstGeom>
+          <a:noFill/>
+        </p:spPr>
+        <p:txBody>
+          <a:bodyPr wrap="square" rtlCol="0">
+            <a:spAutoFit/>
+          </a:bodyPr>
+          <a:lstStyle/>
+          <a:p>
+            <a:r>
+              <a:rPr lang="en-US" altLang="ko-KR" sz="1000" dirty="0" smtClean="0">
+                <a:solidFill>
+                  <a:schemeClr val="bg1"/>
+                </a:solidFill>
+                <a:latin typeface="Adobe 고딕 Std B" panose="020B0800000000000000" pitchFamily="34" charset="-127"/>
+                <a:ea typeface="Adobe 고딕 Std B" panose="020B0800000000000000" pitchFamily="34" charset="-127"/>
+              </a:rPr>
+              <a:t>  Lorem </a:t>
+            </a:r>
+            <a:r>
+              <a:rPr lang="en-US" altLang="ko-KR" sz="1000" dirty="0">
+                <a:solidFill>
+                  <a:schemeClr val="bg1"/>
+                </a:solidFill>
+                <a:latin typeface="Adobe 고딕 Std B" panose="020B0800000000000000" pitchFamily="34" charset="-127"/>
+                <a:ea typeface="Adobe 고딕 Std B" panose="020B0800000000000000" pitchFamily="34" charset="-127"/>
+              </a:rPr>
+              <a:t>ipsum dolor sit </a:t>
+            </a:r>
+            <a:r>
+              <a:rPr lang="en-US" altLang="ko-KR" sz="1000" dirty="0" err="1">
+                <a:solidFill>
+                  <a:schemeClr val="bg1"/>
+                </a:solidFill>
+                <a:latin typeface="Adobe 고딕 Std B" panose="020B0800000000000000" pitchFamily="34" charset="-127"/>
+                <a:ea typeface="Adobe 고딕 Std B" panose="020B0800000000000000" pitchFamily="34" charset="-127"/>
+              </a:rPr>
+              <a:t>amet</a:t>
+            </a:r>
+            <a:r>
+              <a:rPr lang="en-US" altLang="ko-KR" sz="1000" dirty="0">
+                <a:solidFill>
+                  <a:schemeClr val="bg1"/>
+                </a:solidFill>
+                <a:latin typeface="Adobe 고딕 Std B" panose="020B0800000000000000" pitchFamily="34" charset="-127"/>
+                <a:ea typeface="Adobe 고딕 Std B" panose="020B0800000000000000" pitchFamily="34" charset="-127"/>
+              </a:rPr>
+              <a:t>, </a:t>
+            </a:r>
+            <a:r>
+              <a:rPr lang="en-US" altLang="ko-KR" sz="1000" dirty="0" err="1">
+                <a:solidFill>
+                  <a:schemeClr val="bg1"/>
+                </a:solidFill>
+                <a:latin typeface="Adobe 고딕 Std B" panose="020B0800000000000000" pitchFamily="34" charset="-127"/>
+                <a:ea typeface="Adobe 고딕 Std B" panose="020B0800000000000000" pitchFamily="34" charset="-127"/>
+              </a:rPr>
+              <a:t>consectetur</a:t>
+            </a:r>
+            <a:r>
+              <a:rPr lang="en-US" altLang="ko-KR" sz="1000" dirty="0">
+                <a:solidFill>
+                  <a:schemeClr val="bg1"/>
+                </a:solidFill>
+                <a:latin typeface="Adobe 고딕 Std B" panose="020B0800000000000000" pitchFamily="34" charset="-127"/>
+                <a:ea typeface="Adobe 고딕 Std B" panose="020B0800000000000000" pitchFamily="34" charset="-127"/>
+              </a:rPr>
+              <a:t> </a:t>
+            </a:r>
+            <a:r>
+              <a:rPr lang="en-US" altLang="ko-KR" sz="1000" dirty="0" err="1">
+                <a:solidFill>
+                  <a:schemeClr val="bg1"/>
+                </a:solidFill>
+                <a:latin typeface="Adobe 고딕 Std B" panose="020B0800000000000000" pitchFamily="34" charset="-127"/>
+                <a:ea typeface="Adobe 고딕 Std B" panose="020B0800000000000000" pitchFamily="34" charset="-127"/>
+              </a:rPr>
+              <a:t>adipiscing</a:t>
+            </a:r>
+            <a:r>
+              <a:rPr lang="en-US" altLang="ko-KR" sz="1000" dirty="0">
+                <a:solidFill>
+                  <a:schemeClr val="bg1"/>
+                </a:solidFill>
+                <a:latin typeface="Adobe 고딕 Std B" panose="020B0800000000000000" pitchFamily="34" charset="-127"/>
+                <a:ea typeface="Adobe 고딕 Std B" panose="020B0800000000000000" pitchFamily="34" charset="-127"/>
+              </a:rPr>
+              <a:t> </a:t>
+            </a:r>
+            <a:r>
+              <a:rPr lang="en-US" altLang="ko-KR" sz="1000" dirty="0" err="1">
+                <a:solidFill>
+                  <a:schemeClr val="bg1"/>
+                </a:solidFill>
+                <a:latin typeface="Adobe 고딕 Std B" panose="020B0800000000000000" pitchFamily="34" charset="-127"/>
+                <a:ea typeface="Adobe 고딕 Std B" panose="020B0800000000000000" pitchFamily="34" charset="-127"/>
+              </a:rPr>
+              <a:t>elit</a:t>
+            </a:r>
+            <a:r>
+              <a:rPr lang="en-US" altLang="ko-KR" sz="1000" dirty="0">
+                <a:solidFill>
+                  <a:schemeClr val="bg1"/>
+                </a:solidFill>
+                <a:latin typeface="Adobe 고딕 Std B" panose="020B0800000000000000" pitchFamily="34" charset="-127"/>
+                <a:ea typeface="Adobe 고딕 Std B" panose="020B0800000000000000" pitchFamily="34" charset="-127"/>
+              </a:rPr>
+              <a:t>, </a:t>
+            </a:r>
+            <a:r>
+              <a:rPr lang="en-US" altLang="ko-KR" sz="1000" dirty="0" err="1">
+                <a:solidFill>
+                  <a:schemeClr val="bg1"/>
+                </a:solidFill>
+                <a:latin typeface="Adobe 고딕 Std B" panose="020B0800000000000000" pitchFamily="34" charset="-127"/>
+                <a:ea typeface="Adobe 고딕 Std B" panose="020B0800000000000000" pitchFamily="34" charset="-127"/>
+              </a:rPr>
+              <a:t>sed</a:t>
+            </a:r>
+            <a:r>
+              <a:rPr lang="en-US" altLang="ko-KR" sz="1000" dirty="0">
+                <a:solidFill>
+                  <a:schemeClr val="bg1"/>
+                </a:solidFill>
+                <a:latin typeface="Adobe 고딕 Std B" panose="020B0800000000000000" pitchFamily="34" charset="-127"/>
+                <a:ea typeface="Adobe 고딕 Std B" panose="020B0800000000000000" pitchFamily="34" charset="-127"/>
+              </a:rPr>
+              <a:t> do </a:t>
+            </a:r>
+            <a:r>
+              <a:rPr lang="en-US" altLang="ko-KR" sz="1000" dirty="0" err="1">
+                <a:solidFill>
+                  <a:schemeClr val="bg1"/>
+                </a:solidFill>
+                <a:latin typeface="Adobe 고딕 Std B" panose="020B0800000000000000" pitchFamily="34" charset="-127"/>
+                <a:ea typeface="Adobe 고딕 Std B" panose="020B0800000000000000" pitchFamily="34" charset="-127"/>
+              </a:rPr>
+              <a:t>eiusmod</a:t>
+            </a:r>
+            <a:r>
+              <a:rPr lang="en-US" altLang="ko-KR" sz="1000" dirty="0">
+                <a:solidFill>
+                  <a:schemeClr val="bg1"/>
+                </a:solidFill>
+                <a:latin typeface="Adobe 고딕 Std B" panose="020B0800000000000000" pitchFamily="34" charset="-127"/>
+                <a:ea typeface="Adobe 고딕 Std B" panose="020B0800000000000000" pitchFamily="34" charset="-127"/>
+              </a:rPr>
+              <a:t> </a:t>
+            </a:r>
+            <a:r>
+              <a:rPr lang="en-US" altLang="ko-KR" sz="1000" dirty="0" err="1">
+                <a:solidFill>
+                  <a:schemeClr val="bg1"/>
+                </a:solidFill>
+                <a:latin typeface="Adobe 고딕 Std B" panose="020B0800000000000000" pitchFamily="34" charset="-127"/>
+                <a:ea typeface="Adobe 고딕 Std B" panose="020B0800000000000000" pitchFamily="34" charset="-127"/>
+              </a:rPr>
+              <a:t>tempor</a:t>
+            </a:r>
+            <a:r>
+              <a:rPr lang="en-US" altLang="ko-KR" sz="1000" dirty="0">
+                <a:solidFill>
+                  <a:schemeClr val="bg1"/>
+                </a:solidFill>
+                <a:latin typeface="Adobe 고딕 Std B" panose="020B0800000000000000" pitchFamily="34" charset="-127"/>
+                <a:ea typeface="Adobe 고딕 Std B" panose="020B0800000000000000" pitchFamily="34" charset="-127"/>
+              </a:rPr>
+              <a:t> </a:t>
+            </a:r>
+            <a:r>
+              <a:rPr lang="en-US" altLang="ko-KR" sz="1000" dirty="0" err="1">
+                <a:solidFill>
+                  <a:schemeClr val="bg1"/>
+                </a:solidFill>
+                <a:latin typeface="Adobe 고딕 Std B" panose="020B0800000000000000" pitchFamily="34" charset="-127"/>
+                <a:ea typeface="Adobe 고딕 Std B" panose="020B0800000000000000" pitchFamily="34" charset="-127"/>
+              </a:rPr>
+              <a:t>incididunt</a:t>
+            </a:r>
+            <a:r>
+              <a:rPr lang="en-US" altLang="ko-KR" sz="1000" dirty="0">
+                <a:solidFill>
+                  <a:schemeClr val="bg1"/>
+                </a:solidFill>
+                <a:latin typeface="Adobe 고딕 Std B" panose="020B0800000000000000" pitchFamily="34" charset="-127"/>
+                <a:ea typeface="Adobe 고딕 Std B" panose="020B0800000000000000" pitchFamily="34" charset="-127"/>
+              </a:rPr>
+              <a:t> </a:t>
+            </a:r>
+            <a:r>
+              <a:rPr lang="en-US" altLang="ko-KR" sz="1000" dirty="0" err="1">
+                <a:solidFill>
+                  <a:schemeClr val="bg1"/>
+                </a:solidFill>
+                <a:latin typeface="Adobe 고딕 Std B" panose="020B0800000000000000" pitchFamily="34" charset="-127"/>
+                <a:ea typeface="Adobe 고딕 Std B" panose="020B0800000000000000" pitchFamily="34" charset="-127"/>
+              </a:rPr>
+              <a:t>ut</a:t>
+            </a:r>
+            <a:r>
+              <a:rPr lang="en-US" altLang="ko-KR" sz="1000" dirty="0">
+                <a:solidFill>
+                  <a:schemeClr val="bg1"/>
+                </a:solidFill>
+                <a:latin typeface="Adobe 고딕 Std B" panose="020B0800000000000000" pitchFamily="34" charset="-127"/>
+                <a:ea typeface="Adobe 고딕 Std B" panose="020B0800000000000000" pitchFamily="34" charset="-127"/>
+              </a:rPr>
+              <a:t> </a:t>
+            </a:r>
+            <a:r>
+              <a:rPr lang="en-US" altLang="ko-KR" sz="1000" dirty="0" err="1">
+                <a:solidFill>
+                  <a:schemeClr val="bg1"/>
+                </a:solidFill>
+                <a:latin typeface="Adobe 고딕 Std B" panose="020B0800000000000000" pitchFamily="34" charset="-127"/>
+                <a:ea typeface="Adobe 고딕 Std B" panose="020B0800000000000000" pitchFamily="34" charset="-127"/>
+              </a:rPr>
+              <a:t>labore</a:t>
+            </a:r>
+            <a:r>
+              <a:rPr lang="en-US" altLang="ko-KR" sz="1000" dirty="0">
+                <a:solidFill>
+                  <a:schemeClr val="bg1"/>
+                </a:solidFill>
+                <a:latin typeface="Adobe 고딕 Std B" panose="020B0800000000000000" pitchFamily="34" charset="-127"/>
+                <a:ea typeface="Adobe 고딕 Std B" panose="020B0800000000000000" pitchFamily="34" charset="-127"/>
+              </a:rPr>
+              <a:t> et </a:t>
+            </a:r>
+            <a:r>
+              <a:rPr lang="en-US" altLang="ko-KR" sz="1000" dirty="0" err="1">
+                <a:solidFill>
+                  <a:schemeClr val="bg1"/>
+                </a:solidFill>
+                <a:latin typeface="Adobe 고딕 Std B" panose="020B0800000000000000" pitchFamily="34" charset="-127"/>
+                <a:ea typeface="Adobe 고딕 Std B" panose="020B0800000000000000" pitchFamily="34" charset="-127"/>
+              </a:rPr>
+              <a:t>dolore</a:t>
+            </a:r>
+            <a:r>
+              <a:rPr lang="en-US" altLang="ko-KR" sz="1000" dirty="0">
+                <a:solidFill>
+                  <a:schemeClr val="bg1"/>
+                </a:solidFill>
+                <a:latin typeface="Adobe 고딕 Std B" panose="020B0800000000000000" pitchFamily="34" charset="-127"/>
+                <a:ea typeface="Adobe 고딕 Std B" panose="020B0800000000000000" pitchFamily="34" charset="-127"/>
+              </a:rPr>
+              <a:t> magna </a:t>
+            </a:r>
+            <a:r>
+              <a:rPr lang="en-US" altLang="ko-KR" sz="1000" dirty="0" err="1">
+                <a:solidFill>
+                  <a:schemeClr val="bg1"/>
+                </a:solidFill>
+                <a:latin typeface="Adobe 고딕 Std B" panose="020B0800000000000000" pitchFamily="34" charset="-127"/>
+                <a:ea typeface="Adobe 고딕 Std B" panose="020B0800000000000000" pitchFamily="34" charset="-127"/>
+              </a:rPr>
+              <a:t>aliqua</a:t>
+            </a:r>
+            <a:r>
+              <a:rPr lang="en-US" altLang="ko-KR" sz="1000" dirty="0">
+                <a:solidFill>
+                  <a:schemeClr val="bg1"/>
+                </a:solidFill>
+                <a:latin typeface="Adobe 고딕 Std B" panose="020B0800000000000000" pitchFamily="34" charset="-127"/>
+                <a:ea typeface="Adobe 고딕 Std B" panose="020B0800000000000000" pitchFamily="34" charset="-127"/>
+              </a:rPr>
+              <a:t>. </a:t>
+            </a:r>
+            <a:r>
+              <a:rPr lang="en-US" altLang="ko-KR" sz="1000" dirty="0" err="1">
+                <a:solidFill>
+                  <a:schemeClr val="bg1"/>
+                </a:solidFill>
+                <a:latin typeface="Adobe 고딕 Std B" panose="020B0800000000000000" pitchFamily="34" charset="-127"/>
+                <a:ea typeface="Adobe 고딕 Std B" panose="020B0800000000000000" pitchFamily="34" charset="-127"/>
+              </a:rPr>
+              <a:t>Ut</a:t>
+            </a:r>
+            <a:r>
+              <a:rPr lang="en-US" altLang="ko-KR" sz="1000" dirty="0">
+                <a:solidFill>
+                  <a:schemeClr val="bg1"/>
+                </a:solidFill>
+                <a:latin typeface="Adobe 고딕 Std B" panose="020B0800000000000000" pitchFamily="34" charset="-127"/>
+                <a:ea typeface="Adobe 고딕 Std B" panose="020B0800000000000000" pitchFamily="34" charset="-127"/>
+              </a:rPr>
+              <a:t> </a:t>
+            </a:r>
+            <a:r>
+              <a:rPr lang="en-US" altLang="ko-KR" sz="1000" dirty="0" err="1">
+                <a:solidFill>
+                  <a:schemeClr val="bg1"/>
+                </a:solidFill>
+                <a:latin typeface="Adobe 고딕 Std B" panose="020B0800000000000000" pitchFamily="34" charset="-127"/>
+                <a:ea typeface="Adobe 고딕 Std B" panose="020B0800000000000000" pitchFamily="34" charset="-127"/>
+              </a:rPr>
+              <a:t>enim</a:t>
+            </a:r>
+            <a:r>
+              <a:rPr lang="en-US" altLang="ko-KR" sz="1000" dirty="0">
+                <a:solidFill>
+                  <a:schemeClr val="bg1"/>
+                </a:solidFill>
+                <a:latin typeface="Adobe 고딕 Std B" panose="020B0800000000000000" pitchFamily="34" charset="-127"/>
+                <a:ea typeface="Adobe 고딕 Std B" panose="020B0800000000000000" pitchFamily="34" charset="-127"/>
+              </a:rPr>
+              <a:t> ad minim </a:t>
+            </a:r>
+            <a:r>
+              <a:rPr lang="en-US" altLang="ko-KR" sz="1000" dirty="0" err="1">
+                <a:solidFill>
+                  <a:schemeClr val="bg1"/>
+                </a:solidFill>
+                <a:latin typeface="Adobe 고딕 Std B" panose="020B0800000000000000" pitchFamily="34" charset="-127"/>
+                <a:ea typeface="Adobe 고딕 Std B" panose="020B0800000000000000" pitchFamily="34" charset="-127"/>
+              </a:rPr>
+              <a:t>veniam</a:t>
+            </a:r>
+            <a:r>
+              <a:rPr lang="en-US" altLang="ko-KR" sz="1000" dirty="0">
+                <a:solidFill>
+                  <a:schemeClr val="bg1"/>
+                </a:solidFill>
+                <a:latin typeface="Adobe 고딕 Std B" panose="020B0800000000000000" pitchFamily="34" charset="-127"/>
+                <a:ea typeface="Adobe 고딕 Std B" panose="020B0800000000000000" pitchFamily="34" charset="-127"/>
+              </a:rPr>
+              <a:t>, </a:t>
+            </a:r>
+            <a:r>
+              <a:rPr lang="en-US" altLang="ko-KR" sz="1000" dirty="0" err="1">
+                <a:solidFill>
+                  <a:schemeClr val="bg1"/>
+                </a:solidFill>
+                <a:latin typeface="Adobe 고딕 Std B" panose="020B0800000000000000" pitchFamily="34" charset="-127"/>
+                <a:ea typeface="Adobe 고딕 Std B" panose="020B0800000000000000" pitchFamily="34" charset="-127"/>
+              </a:rPr>
+              <a:t>quis</a:t>
+            </a:r>
+            <a:r>
+              <a:rPr lang="en-US" altLang="ko-KR" sz="1000" dirty="0">
+                <a:solidFill>
+                  <a:schemeClr val="bg1"/>
+                </a:solidFill>
+                <a:latin typeface="Adobe 고딕 Std B" panose="020B0800000000000000" pitchFamily="34" charset="-127"/>
+                <a:ea typeface="Adobe 고딕 Std B" panose="020B0800000000000000" pitchFamily="34" charset="-127"/>
+              </a:rPr>
+              <a:t> </a:t>
+            </a:r>
+            <a:r>
+              <a:rPr lang="en-US" altLang="ko-KR" sz="1000" dirty="0" err="1">
+                <a:solidFill>
+                  <a:schemeClr val="bg1"/>
+                </a:solidFill>
+                <a:latin typeface="Adobe 고딕 Std B" panose="020B0800000000000000" pitchFamily="34" charset="-127"/>
+                <a:ea typeface="Adobe 고딕 Std B" panose="020B0800000000000000" pitchFamily="34" charset="-127"/>
+              </a:rPr>
+              <a:t>nostrud</a:t>
+            </a:r>
+            <a:r>
+              <a:rPr lang="en-US" altLang="ko-KR" sz="1000" dirty="0">
+                <a:solidFill>
+                  <a:schemeClr val="bg1"/>
+                </a:solidFill>
+                <a:latin typeface="Adobe 고딕 Std B" panose="020B0800000000000000" pitchFamily="34" charset="-127"/>
+                <a:ea typeface="Adobe 고딕 Std B" panose="020B0800000000000000" pitchFamily="34" charset="-127"/>
+              </a:rPr>
+              <a:t> exercitation </a:t>
+            </a:r>
+            <a:r>
+              <a:rPr lang="en-US" altLang="ko-KR" sz="1000" dirty="0" err="1">
+                <a:solidFill>
+                  <a:schemeClr val="bg1"/>
+                </a:solidFill>
+                <a:latin typeface="Adobe 고딕 Std B" panose="020B0800000000000000" pitchFamily="34" charset="-127"/>
+                <a:ea typeface="Adobe 고딕 Std B" panose="020B0800000000000000" pitchFamily="34" charset="-127"/>
+              </a:rPr>
+              <a:t>ullamco</a:t>
+            </a:r>
+            <a:r>
+              <a:rPr lang="en-US" altLang="ko-KR" sz="1000" dirty="0">
+                <a:solidFill>
+                  <a:schemeClr val="bg1"/>
+                </a:solidFill>
+                <a:latin typeface="Adobe 고딕 Std B" panose="020B0800000000000000" pitchFamily="34" charset="-127"/>
+                <a:ea typeface="Adobe 고딕 Std B" panose="020B0800000000000000" pitchFamily="34" charset="-127"/>
+              </a:rPr>
+              <a:t> </a:t>
+            </a:r>
+            <a:r>
+              <a:rPr lang="en-US" altLang="ko-KR" sz="1000" dirty="0" err="1">
+                <a:solidFill>
+                  <a:schemeClr val="bg1"/>
+                </a:solidFill>
+                <a:latin typeface="Adobe 고딕 Std B" panose="020B0800000000000000" pitchFamily="34" charset="-127"/>
+                <a:ea typeface="Adobe 고딕 Std B" panose="020B0800000000000000" pitchFamily="34" charset="-127"/>
+              </a:rPr>
+              <a:t>laboris</a:t>
+            </a:r>
+            <a:r>
+              <a:rPr lang="en-US" altLang="ko-KR" sz="1000" dirty="0">
+                <a:solidFill>
+                  <a:schemeClr val="bg1"/>
+                </a:solidFill>
+                <a:latin typeface="Adobe 고딕 Std B" panose="020B0800000000000000" pitchFamily="34" charset="-127"/>
+                <a:ea typeface="Adobe 고딕 Std B" panose="020B0800000000000000" pitchFamily="34" charset="-127"/>
+              </a:rPr>
+              <a:t> nisi </a:t>
+            </a:r>
+            <a:r>
+              <a:rPr lang="en-US" altLang="ko-KR" sz="1000" dirty="0" err="1">
+                <a:solidFill>
+                  <a:schemeClr val="bg1"/>
+                </a:solidFill>
+                <a:latin typeface="Adobe 고딕 Std B" panose="020B0800000000000000" pitchFamily="34" charset="-127"/>
+                <a:ea typeface="Adobe 고딕 Std B" panose="020B0800000000000000" pitchFamily="34" charset="-127"/>
+              </a:rPr>
+              <a:t>ut</a:t>
+            </a:r>
+            <a:r>
+              <a:rPr lang="en-US" altLang="ko-KR" sz="1000" dirty="0">
+                <a:solidFill>
+                  <a:schemeClr val="bg1"/>
+                </a:solidFill>
+                <a:latin typeface="Adobe 고딕 Std B" panose="020B0800000000000000" pitchFamily="34" charset="-127"/>
+                <a:ea typeface="Adobe 고딕 Std B" panose="020B0800000000000000" pitchFamily="34" charset="-127"/>
+              </a:rPr>
+              <a:t> </a:t>
+            </a:r>
+            <a:r>
+              <a:rPr lang="en-US" altLang="ko-KR" sz="1000" dirty="0" err="1">
+                <a:solidFill>
+                  <a:schemeClr val="bg1"/>
+                </a:solidFill>
+                <a:latin typeface="Adobe 고딕 Std B" panose="020B0800000000000000" pitchFamily="34" charset="-127"/>
+                <a:ea typeface="Adobe 고딕 Std B" panose="020B0800000000000000" pitchFamily="34" charset="-127"/>
+              </a:rPr>
+              <a:t>aliquip</a:t>
+            </a:r>
+            <a:r>
+              <a:rPr lang="en-US" altLang="ko-KR" sz="1000" dirty="0">
+                <a:solidFill>
+                  <a:schemeClr val="bg1"/>
+                </a:solidFill>
+                <a:latin typeface="Adobe 고딕 Std B" panose="020B0800000000000000" pitchFamily="34" charset="-127"/>
+                <a:ea typeface="Adobe 고딕 Std B" panose="020B0800000000000000" pitchFamily="34" charset="-127"/>
+              </a:rPr>
+              <a:t> ex </a:t>
+            </a:r>
+            <a:r>
+              <a:rPr lang="en-US" altLang="ko-KR" sz="1000" dirty="0" err="1">
+                <a:solidFill>
+                  <a:schemeClr val="bg1"/>
+                </a:solidFill>
+                <a:latin typeface="Adobe 고딕 Std B" panose="020B0800000000000000" pitchFamily="34" charset="-127"/>
+                <a:ea typeface="Adobe 고딕 Std B" panose="020B0800000000000000" pitchFamily="34" charset="-127"/>
+              </a:rPr>
+              <a:t>ea</a:t>
+            </a:r>
+            <a:r>
+              <a:rPr lang="en-US" altLang="ko-KR" sz="1000" dirty="0">
+                <a:solidFill>
+                  <a:schemeClr val="bg1"/>
+                </a:solidFill>
+                <a:latin typeface="Adobe 고딕 Std B" panose="020B0800000000000000" pitchFamily="34" charset="-127"/>
+                <a:ea typeface="Adobe 고딕 Std B" panose="020B0800000000000000" pitchFamily="34" charset="-127"/>
+              </a:rPr>
+              <a:t> </a:t>
+            </a:r>
+            <a:r>
+              <a:rPr lang="en-US" altLang="ko-KR" sz="1000" dirty="0" err="1">
+                <a:solidFill>
+                  <a:schemeClr val="bg1"/>
+                </a:solidFill>
+                <a:latin typeface="Adobe 고딕 Std B" panose="020B0800000000000000" pitchFamily="34" charset="-127"/>
+                <a:ea typeface="Adobe 고딕 Std B" panose="020B0800000000000000" pitchFamily="34" charset="-127"/>
+              </a:rPr>
+              <a:t>commodo</a:t>
+            </a:r>
+            <a:r>
+              <a:rPr lang="en-US" altLang="ko-KR" sz="1000" dirty="0">
+                <a:solidFill>
+                  <a:schemeClr val="bg1"/>
+                </a:solidFill>
+                <a:latin typeface="Adobe 고딕 Std B" panose="020B0800000000000000" pitchFamily="34" charset="-127"/>
+                <a:ea typeface="Adobe 고딕 Std B" panose="020B0800000000000000" pitchFamily="34" charset="-127"/>
+              </a:rPr>
+              <a:t> </a:t>
+            </a:r>
+            <a:r>
+              <a:rPr lang="en-US" altLang="ko-KR" sz="1000" dirty="0" err="1">
+                <a:solidFill>
+                  <a:schemeClr val="bg1"/>
+                </a:solidFill>
+                <a:latin typeface="Adobe 고딕 Std B" panose="020B0800000000000000" pitchFamily="34" charset="-127"/>
+                <a:ea typeface="Adobe 고딕 Std B" panose="020B0800000000000000" pitchFamily="34" charset="-127"/>
+              </a:rPr>
+              <a:t>consequat</a:t>
+            </a:r>
+            <a:r>
+              <a:rPr lang="en-US" altLang="ko-KR" sz="1000" dirty="0" smtClean="0">
+                <a:solidFill>
+                  <a:schemeClr val="bg1"/>
+                </a:solidFill>
+                <a:latin typeface="Adobe 고딕 Std B" panose="020B0800000000000000" pitchFamily="34" charset="-127"/>
+                <a:ea typeface="Adobe 고딕 Std B" panose="020B0800000000000000" pitchFamily="34" charset="-127"/>
+              </a:rPr>
+              <a:t>.</a:t>
+            </a:r>
+            <a:endParaRPr lang="ko-KR" altLang="en-US" sz="1000" dirty="0">
+              <a:solidFill>
+                <a:schemeClr val="bg1"/>
+              </a:solidFill>
+              <a:latin typeface="Adobe 고딕 Std B" panose="020B0800000000000000" pitchFamily="34" charset="-127"/>
+              <a:ea typeface="Adobe 고딕 Std B" panose="020B0800000000000000" pitchFamily="34" charset="-127"/>
+            </a:endParaRPr>
+          </a:p>
+        </p:txBody>
+      </p:sp>
+      <p:cxnSp>
+        <p:nvCxnSpPr>
+          <p:cNvPr id="25" name="직선 연결선 24"/>
+          <p:cNvCxnSpPr/>
+          <p:nvPr/>
+        </p:nvCxnSpPr>
+        <p:spPr>
+          <a:xfrm>
+            <a:off x="3768436" y="4788944"/>
+            <a:ext cx="3556000" cy="9236"/>
+          </a:xfrm>
+          <a:prstGeom prst="line">
+            <a:avLst/>
+          </a:prstGeom>
+          <a:ln w="38100">
+            <a:solidFill>
+              <a:schemeClr val="bg1"/>
+            </a:solidFill>
+          </a:ln>
+        </p:spPr>
+        <p:style>
+          <a:lnRef idx="1">
+            <a:schemeClr val="accent1"/>
+          </a:lnRef>
+          <a:fillRef idx="0">
+            <a:schemeClr val="accent1"/>
+          </a:fillRef>
+          <a:effectRef idx="0">
+            <a:schemeClr val="accent1"/>
+          </a:effectRef>
+          <a:fontRef idx="minor">
+            <a:schemeClr val="tx1"/>
+          </a:fontRef>
+        </p:style>
+      </p:cxnSp>
+      <p:sp>
+        <p:nvSpPr>
+          <p:cNvPr id="26" name="TextBox 25"/>
+          <p:cNvSpPr txBox="1"/>
+          <p:nvPr/>
+        </p:nvSpPr>
+        <p:spPr>
+          <a:xfrm rot="16200000">
+            <a:off x="3271345" y="5112106"/>
+            <a:ext cx="800219" cy="193964"/>
+          </a:xfrm>
+          <a:prstGeom prst="rect">
+            <a:avLst/>
+          </a:prstGeom>
+          <a:noFill/>
+        </p:spPr>
+        <p:txBody>
+          <a:bodyPr vert="eaVert" wrap="square" rtlCol="0">
+            <a:spAutoFit/>
+          </a:bodyPr>
+          <a:lstStyle/>
+          <a:p>
+            <a:r>
+              <a:rPr lang="en-US" altLang="ko-KR" sz="1000" dirty="0" smtClean="0">
+                <a:solidFill>
+                  <a:schemeClr val="bg1"/>
+                </a:solidFill>
+              </a:rPr>
+              <a:t>2015</a:t>
+            </a:r>
+            <a:endParaRPr lang="ko-KR" altLang="en-US" sz="1000" dirty="0">
+              <a:solidFill>
+                <a:schemeClr val="bg1"/>
+              </a:solidFill>
+            </a:endParaRPr>
+          </a:p>
+        </p:txBody>
+      </p:sp>
+      <p:sp>
+        <p:nvSpPr>
+          <p:cNvPr id="28" name="TextBox 27"/>
+          <p:cNvSpPr txBox="1"/>
+          <p:nvPr/>
+        </p:nvSpPr>
+        <p:spPr>
+          <a:xfrm rot="16200000">
+            <a:off x="5049345" y="5119984"/>
+            <a:ext cx="800219" cy="193964"/>
+          </a:xfrm>
+          <a:prstGeom prst="rect">
+            <a:avLst/>
+          </a:prstGeom>
+          <a:noFill/>
+        </p:spPr>
+        <p:txBody>
+          <a:bodyPr vert="eaVert" wrap="square" rtlCol="0">
+            <a:spAutoFit/>
+          </a:bodyPr>
+          <a:lstStyle/>
+          <a:p>
+            <a:r>
+              <a:rPr lang="en-US" altLang="ko-KR" sz="1000" dirty="0" smtClean="0">
+                <a:solidFill>
+                  <a:schemeClr val="bg1"/>
+                </a:solidFill>
+              </a:rPr>
+              <a:t>2019</a:t>
+            </a:r>
+            <a:endParaRPr lang="ko-KR" altLang="en-US" sz="1000" dirty="0">
+              <a:solidFill>
+                <a:schemeClr val="bg1"/>
+              </a:solidFill>
+            </a:endParaRPr>
+          </a:p>
+        </p:txBody>
+      </p:sp>
+      <p:sp>
+        <p:nvSpPr>
+          <p:cNvPr id="29" name="TextBox 28"/>
+          <p:cNvSpPr txBox="1"/>
+          <p:nvPr/>
+        </p:nvSpPr>
+        <p:spPr>
+          <a:xfrm rot="16200000">
+            <a:off x="6827345" y="5118789"/>
+            <a:ext cx="800219" cy="193964"/>
+          </a:xfrm>
+          <a:prstGeom prst="rect">
+            <a:avLst/>
+          </a:prstGeom>
+          <a:noFill/>
+        </p:spPr>
+        <p:txBody>
+          <a:bodyPr vert="eaVert" wrap="square" rtlCol="0">
+            <a:spAutoFit/>
+          </a:bodyPr>
+          <a:lstStyle/>
+          <a:p>
+            <a:r>
+              <a:rPr lang="en-US" altLang="ko-KR" sz="1000" dirty="0" smtClean="0">
+                <a:solidFill>
+                  <a:schemeClr val="bg1"/>
+                </a:solidFill>
+              </a:rPr>
+              <a:t>2020</a:t>
+            </a:r>
+            <a:endParaRPr lang="ko-KR" altLang="en-US" sz="1000" dirty="0">
+              <a:solidFill>
+                <a:schemeClr val="bg1"/>
+              </a:solidFill>
+            </a:endParaRPr>
+          </a:p>
+        </p:txBody>
+      </p:sp>
+    </p:spTree>
+    <p:extLst>
+      <p:ext uri="{BB962C8B-B14F-4D97-AF65-F5344CB8AC3E}">
+        <p14:creationId xmlns:p14="http://schemas.microsoft.com/office/powerpoint/2010/main" val="4079989526"/>
+      </p:ext>
+    </p:extLst>
+  </p:cSld>
+  <p:clrMapOvr>
+    <a:masterClrMapping/>
+  </p:clrMapOvr>
+</p:sld>
+</file>
+
+<file path=ppt/slides/slide7.xml><?xml version="1.0" encoding="utf-8"?>
+<p:sld xmlns:a="http://schemas.openxmlformats.org/drawingml/2006/main" xmlns:r="http://schemas.openxmlformats.org/officeDocument/2006/relationships" xmlns:p="http://schemas.openxmlformats.org/presentationml/2006/main">
+  <p:cSld>
+    <p:spTree>
+      <p:nvGrpSpPr>
+        <p:cNvPr id="1" name=""/>
+        <p:cNvGrpSpPr/>
+        <p:nvPr/>
+      </p:nvGrpSpPr>
+      <p:grpSpPr>
+        <a:xfrm>
+          <a:off x="0" y="0"/>
+          <a:ext cx="0" cy="0"/>
+          <a:chOff x="0" y="0"/>
+          <a:chExt cx="0" cy="0"/>
+        </a:xfrm>
+      </p:grpSpPr>
+      <p:sp>
+        <p:nvSpPr>
+          <p:cNvPr id="15" name="직사각형 14"/>
+          <p:cNvSpPr/>
+          <p:nvPr/>
+        </p:nvSpPr>
+        <p:spPr>
+          <a:xfrm>
+            <a:off x="0" y="0"/>
+            <a:ext cx="11092873" cy="6858000"/>
+          </a:xfrm>
+          <a:prstGeom prst="rect">
+            <a:avLst/>
+          </a:prstGeom>
+          <a:solidFill>
+            <a:srgbClr val="BFBFBF"/>
+          </a:solidFill>
+          <a:ln>
+            <a:noFill/>
+          </a:ln>
+        </p:spPr>
+        <p:style>
+          <a:lnRef idx="2">
+            <a:schemeClr val="accent1">
+              <a:shade val="50000"/>
+            </a:schemeClr>
+          </a:lnRef>
+          <a:fillRef idx="1">
+            <a:schemeClr val="accent1"/>
+          </a:fillRef>
+          <a:effectRef idx="0">
+            <a:schemeClr val="accent1"/>
+          </a:effectRef>
+          <a:fontRef idx="minor">
+            <a:schemeClr val="lt1"/>
+          </a:fontRef>
+        </p:style>
+        <p:txBody>
+          <a:bodyPr rtlCol="0" anchor="ctr"/>
+          <a:lstStyle/>
+          <a:p>
+            <a:pPr algn="ctr"/>
+            <a:endParaRPr lang="ko-KR" altLang="en-US" dirty="0"/>
+          </a:p>
+        </p:txBody>
+      </p:sp>
+      <p:sp>
+        <p:nvSpPr>
+          <p:cNvPr id="3" name="TextBox 2"/>
+          <p:cNvSpPr txBox="1"/>
+          <p:nvPr/>
+        </p:nvSpPr>
+        <p:spPr>
+          <a:xfrm>
+            <a:off x="0" y="0"/>
+            <a:ext cx="10295792" cy="1015663"/>
+          </a:xfrm>
+          <a:prstGeom prst="rect">
+            <a:avLst/>
+          </a:prstGeom>
+          <a:noFill/>
+        </p:spPr>
+        <p:txBody>
+          <a:bodyPr wrap="square" rtlCol="0">
+            <a:spAutoFit/>
+          </a:bodyPr>
+          <a:lstStyle/>
+          <a:p>
+            <a:r>
+              <a:rPr lang="en-US" altLang="ko-KR" sz="6000" dirty="0" smtClean="0">
+                <a:solidFill>
+                  <a:schemeClr val="bg1"/>
+                </a:solidFill>
+                <a:latin typeface="Adobe 고딕 Std B" panose="020B0800000000000000" pitchFamily="34" charset="-127"/>
+                <a:ea typeface="Adobe 고딕 Std B" panose="020B0800000000000000" pitchFamily="34" charset="-127"/>
+              </a:rPr>
+              <a:t>Contents </a:t>
+            </a:r>
+            <a:r>
+              <a:rPr lang="ko-KR" altLang="en-US" sz="6000" dirty="0" smtClean="0">
+                <a:solidFill>
+                  <a:schemeClr val="bg1"/>
+                </a:solidFill>
+                <a:latin typeface="Adobe 고딕 Std B" panose="020B0800000000000000" pitchFamily="34" charset="-127"/>
+                <a:ea typeface="Adobe 고딕 Std B" panose="020B0800000000000000" pitchFamily="34" charset="-127"/>
+              </a:rPr>
+              <a:t>구성</a:t>
+            </a:r>
+            <a:endParaRPr lang="ko-KR" altLang="en-US" sz="6000" dirty="0">
+              <a:solidFill>
+                <a:schemeClr val="bg1"/>
+              </a:solidFill>
+              <a:latin typeface="Adobe 고딕 Std B" panose="020B0800000000000000" pitchFamily="34" charset="-127"/>
+              <a:ea typeface="Adobe 고딕 Std B" panose="020B0800000000000000" pitchFamily="34" charset="-127"/>
+            </a:endParaRPr>
+          </a:p>
+        </p:txBody>
+      </p:sp>
+      <p:sp>
+        <p:nvSpPr>
+          <p:cNvPr id="6" name="직사각형 5"/>
+          <p:cNvSpPr/>
+          <p:nvPr/>
+        </p:nvSpPr>
+        <p:spPr>
+          <a:xfrm>
+            <a:off x="3548436" y="1143881"/>
+            <a:ext cx="3996000" cy="1322228"/>
+          </a:xfrm>
+          <a:prstGeom prst="rect">
+            <a:avLst/>
+          </a:prstGeom>
+          <a:solidFill>
+            <a:srgbClr val="A6A6A6"/>
+          </a:solidFill>
+          <a:ln>
+            <a:solidFill>
+              <a:schemeClr val="bg1"/>
+            </a:solidFill>
+          </a:ln>
+        </p:spPr>
+        <p:style>
+          <a:lnRef idx="2">
+            <a:schemeClr val="accent1">
+              <a:shade val="50000"/>
+            </a:schemeClr>
+          </a:lnRef>
+          <a:fillRef idx="1">
+            <a:schemeClr val="accent1"/>
+          </a:fillRef>
+          <a:effectRef idx="0">
+            <a:schemeClr val="accent1"/>
+          </a:effectRef>
+          <a:fontRef idx="minor">
+            <a:schemeClr val="lt1"/>
+          </a:fontRef>
+        </p:style>
+        <p:txBody>
+          <a:bodyPr rtlCol="0" anchor="ctr"/>
+          <a:lstStyle/>
+          <a:p>
+            <a:pPr algn="ctr"/>
+            <a:r>
+              <a:rPr lang="ko-KR" altLang="en-US" dirty="0" smtClean="0">
+                <a:latin typeface="Adobe 고딕 Std B" panose="020B0800000000000000" pitchFamily="34" charset="-127"/>
+                <a:ea typeface="Adobe 고딕 Std B" panose="020B0800000000000000" pitchFamily="34" charset="-127"/>
+              </a:rPr>
+              <a:t>내용 </a:t>
+            </a:r>
+            <a:r>
+              <a:rPr lang="en-US" altLang="ko-KR" dirty="0" smtClean="0">
+                <a:latin typeface="Adobe 고딕 Std B" panose="020B0800000000000000" pitchFamily="34" charset="-127"/>
+                <a:ea typeface="Adobe 고딕 Std B" panose="020B0800000000000000" pitchFamily="34" charset="-127"/>
+              </a:rPr>
+              <a:t>1</a:t>
+            </a:r>
+            <a:endParaRPr lang="ko-KR" altLang="en-US" dirty="0">
+              <a:latin typeface="Adobe 고딕 Std B" panose="020B0800000000000000" pitchFamily="34" charset="-127"/>
+              <a:ea typeface="Adobe 고딕 Std B" panose="020B0800000000000000" pitchFamily="34" charset="-127"/>
+            </a:endParaRPr>
+          </a:p>
+        </p:txBody>
+      </p:sp>
+      <p:sp>
+        <p:nvSpPr>
+          <p:cNvPr id="9" name="직사각형 8"/>
+          <p:cNvSpPr/>
+          <p:nvPr/>
+        </p:nvSpPr>
+        <p:spPr>
+          <a:xfrm>
+            <a:off x="3548436" y="5247470"/>
+            <a:ext cx="3996000" cy="1322228"/>
+          </a:xfrm>
+          <a:prstGeom prst="rect">
+            <a:avLst/>
+          </a:prstGeom>
+          <a:solidFill>
+            <a:srgbClr val="A6A6A6"/>
+          </a:solidFill>
+          <a:ln>
+            <a:solidFill>
+              <a:schemeClr val="bg1"/>
+            </a:solidFill>
+          </a:ln>
+        </p:spPr>
+        <p:style>
+          <a:lnRef idx="2">
+            <a:schemeClr val="accent1">
+              <a:shade val="50000"/>
+            </a:schemeClr>
+          </a:lnRef>
+          <a:fillRef idx="1">
+            <a:schemeClr val="accent1"/>
+          </a:fillRef>
+          <a:effectRef idx="0">
+            <a:schemeClr val="accent1"/>
+          </a:effectRef>
+          <a:fontRef idx="minor">
+            <a:schemeClr val="lt1"/>
+          </a:fontRef>
+        </p:style>
+        <p:txBody>
+          <a:bodyPr rtlCol="0" anchor="ctr"/>
+          <a:lstStyle/>
+          <a:p>
+            <a:pPr algn="ctr"/>
+            <a:r>
+              <a:rPr lang="ko-KR" altLang="en-US" dirty="0" smtClean="0">
+                <a:latin typeface="Adobe 고딕 Std B" panose="020B0800000000000000" pitchFamily="34" charset="-127"/>
+                <a:ea typeface="Adobe 고딕 Std B" panose="020B0800000000000000" pitchFamily="34" charset="-127"/>
+              </a:rPr>
+              <a:t>내용 </a:t>
+            </a:r>
+            <a:r>
+              <a:rPr lang="en-US" altLang="ko-KR" dirty="0" smtClean="0">
+                <a:latin typeface="Adobe 고딕 Std B" panose="020B0800000000000000" pitchFamily="34" charset="-127"/>
+                <a:ea typeface="Adobe 고딕 Std B" panose="020B0800000000000000" pitchFamily="34" charset="-127"/>
+              </a:rPr>
+              <a:t>3</a:t>
+            </a:r>
+            <a:endParaRPr lang="ko-KR" altLang="en-US" dirty="0">
+              <a:latin typeface="Adobe 고딕 Std B" panose="020B0800000000000000" pitchFamily="34" charset="-127"/>
+              <a:ea typeface="Adobe 고딕 Std B" panose="020B0800000000000000" pitchFamily="34" charset="-127"/>
+            </a:endParaRPr>
+          </a:p>
+        </p:txBody>
+      </p:sp>
+      <p:sp>
+        <p:nvSpPr>
+          <p:cNvPr id="4" name="직사각형 3"/>
+          <p:cNvSpPr/>
+          <p:nvPr/>
+        </p:nvSpPr>
+        <p:spPr>
+          <a:xfrm>
+            <a:off x="3548436" y="2511744"/>
+            <a:ext cx="3996000" cy="2690091"/>
+          </a:xfrm>
+          <a:prstGeom prst="rect">
+            <a:avLst/>
+          </a:prstGeom>
+          <a:solidFill>
+            <a:srgbClr val="A6A6A6"/>
+          </a:solidFill>
+          <a:ln>
+            <a:solidFill>
+              <a:schemeClr val="bg1"/>
+            </a:solidFill>
+          </a:ln>
+        </p:spPr>
+        <p:style>
+          <a:lnRef idx="2">
+            <a:schemeClr val="accent1">
+              <a:shade val="50000"/>
+            </a:schemeClr>
+          </a:lnRef>
+          <a:fillRef idx="1">
+            <a:schemeClr val="accent1"/>
+          </a:fillRef>
+          <a:effectRef idx="0">
+            <a:schemeClr val="accent1"/>
+          </a:effectRef>
+          <a:fontRef idx="minor">
+            <a:schemeClr val="lt1"/>
+          </a:fontRef>
+        </p:style>
+        <p:txBody>
+          <a:bodyPr rtlCol="0" anchor="ctr"/>
+          <a:lstStyle/>
+          <a:p>
+            <a:pPr algn="ctr"/>
+            <a:r>
+              <a:rPr lang="ko-KR" altLang="en-US" dirty="0" smtClean="0">
+                <a:latin typeface="Adobe 고딕 Std B" panose="020B0800000000000000" pitchFamily="34" charset="-127"/>
+                <a:ea typeface="Adobe 고딕 Std B" panose="020B0800000000000000" pitchFamily="34" charset="-127"/>
+              </a:rPr>
+              <a:t>내용 </a:t>
+            </a:r>
+            <a:r>
+              <a:rPr lang="en-US" altLang="ko-KR" dirty="0" smtClean="0">
+                <a:latin typeface="Adobe 고딕 Std B" panose="020B0800000000000000" pitchFamily="34" charset="-127"/>
+                <a:ea typeface="Adobe 고딕 Std B" panose="020B0800000000000000" pitchFamily="34" charset="-127"/>
+              </a:rPr>
+              <a:t>2</a:t>
+            </a:r>
+            <a:endParaRPr lang="ko-KR" altLang="en-US" dirty="0">
+              <a:latin typeface="Adobe 고딕 Std B" panose="020B0800000000000000" pitchFamily="34" charset="-127"/>
+              <a:ea typeface="Adobe 고딕 Std B" panose="020B0800000000000000" pitchFamily="34" charset="-127"/>
+            </a:endParaRPr>
+          </a:p>
+        </p:txBody>
+      </p:sp>
+    </p:spTree>
+    <p:extLst>
+      <p:ext uri="{BB962C8B-B14F-4D97-AF65-F5344CB8AC3E}">
+        <p14:creationId xmlns:p14="http://schemas.microsoft.com/office/powerpoint/2010/main" val="2200675696"/>
+      </p:ext>
+    </p:extLst>
+  </p:cSld>
+  <p:clrMapOvr>
+    <a:masterClrMapping/>
+  </p:clrMapOvr>
+</p:sld>
+</file>
+
+<file path=ppt/slides/slide8.xml><?xml version="1.0" encoding="utf-8"?>
+<p:sld xmlns:a="http://schemas.openxmlformats.org/drawingml/2006/main" xmlns:r="http://schemas.openxmlformats.org/officeDocument/2006/relationships" xmlns:p="http://schemas.openxmlformats.org/presentationml/2006/main">
+  <p:cSld>
+    <p:spTree>
+      <p:nvGrpSpPr>
+        <p:cNvPr id="1" name=""/>
+        <p:cNvGrpSpPr/>
+        <p:nvPr/>
+      </p:nvGrpSpPr>
+      <p:grpSpPr>
+        <a:xfrm>
+          <a:off x="0" y="0"/>
+          <a:ext cx="0" cy="0"/>
+          <a:chOff x="0" y="0"/>
+          <a:chExt cx="0" cy="0"/>
+        </a:xfrm>
+      </p:grpSpPr>
+      <p:sp>
+        <p:nvSpPr>
+          <p:cNvPr id="15" name="직사각형 14"/>
+          <p:cNvSpPr/>
+          <p:nvPr/>
+        </p:nvSpPr>
+        <p:spPr>
+          <a:xfrm>
+            <a:off x="0" y="9235"/>
+            <a:ext cx="11092873" cy="6858000"/>
+          </a:xfrm>
+          <a:prstGeom prst="rect">
+            <a:avLst/>
+          </a:prstGeom>
+          <a:solidFill>
+            <a:srgbClr val="BFBFBF"/>
+          </a:solidFill>
+          <a:ln>
+            <a:noFill/>
+          </a:ln>
+        </p:spPr>
+        <p:style>
+          <a:lnRef idx="2">
+            <a:schemeClr val="accent1">
+              <a:shade val="50000"/>
+            </a:schemeClr>
+          </a:lnRef>
+          <a:fillRef idx="1">
+            <a:schemeClr val="accent1"/>
+          </a:fillRef>
+          <a:effectRef idx="0">
+            <a:schemeClr val="accent1"/>
+          </a:effectRef>
+          <a:fontRef idx="minor">
+            <a:schemeClr val="lt1"/>
+          </a:fontRef>
+        </p:style>
+        <p:txBody>
+          <a:bodyPr rtlCol="0" anchor="ctr"/>
+          <a:lstStyle/>
+          <a:p>
+            <a:pPr algn="ctr"/>
+            <a:endParaRPr lang="ko-KR" altLang="en-US" dirty="0"/>
+          </a:p>
+        </p:txBody>
+      </p:sp>
+      <p:sp>
+        <p:nvSpPr>
+          <p:cNvPr id="3" name="TextBox 2"/>
+          <p:cNvSpPr txBox="1"/>
+          <p:nvPr/>
+        </p:nvSpPr>
+        <p:spPr>
+          <a:xfrm>
+            <a:off x="0" y="0"/>
+            <a:ext cx="6163408" cy="1015663"/>
+          </a:xfrm>
+          <a:prstGeom prst="rect">
+            <a:avLst/>
+          </a:prstGeom>
+          <a:noFill/>
+        </p:spPr>
+        <p:txBody>
+          <a:bodyPr wrap="square" rtlCol="0">
+            <a:spAutoFit/>
+          </a:bodyPr>
+          <a:lstStyle/>
+          <a:p>
+            <a:r>
+              <a:rPr lang="ko-KR" altLang="en-US" sz="6000" dirty="0" smtClean="0">
+                <a:solidFill>
+                  <a:schemeClr val="bg1"/>
+                </a:solidFill>
+                <a:latin typeface="Adobe 고딕 Std B" panose="020B0800000000000000" pitchFamily="34" charset="-127"/>
+                <a:ea typeface="Adobe 고딕 Std B" panose="020B0800000000000000" pitchFamily="34" charset="-127"/>
+              </a:rPr>
+              <a:t>컨셉 이미지</a:t>
+            </a:r>
+            <a:endParaRPr lang="ko-KR" altLang="en-US" sz="6000" dirty="0">
+              <a:solidFill>
+                <a:schemeClr val="bg1"/>
+              </a:solidFill>
+              <a:latin typeface="Adobe 고딕 Std B" panose="020B0800000000000000" pitchFamily="34" charset="-127"/>
+              <a:ea typeface="Adobe 고딕 Std B" panose="020B0800000000000000" pitchFamily="34" charset="-127"/>
+            </a:endParaRPr>
+          </a:p>
+        </p:txBody>
+      </p:sp>
+      <p:pic>
+        <p:nvPicPr>
+          <p:cNvPr id="2" name="그림 1"/>
+          <p:cNvPicPr>
+            <a:picLocks noChangeAspect="1"/>
+          </p:cNvPicPr>
+          <p:nvPr/>
+        </p:nvPicPr>
+        <p:blipFill>
+          <a:blip r:embed="rId2">
+            <a:extLst>
+              <a:ext uri="{28A0092B-C50C-407E-A947-70E740481C1C}">
+                <a14:useLocalDpi xmlns:a14="http://schemas.microsoft.com/office/drawing/2010/main" val="0"/>
+              </a:ext>
+            </a:extLst>
+          </a:blip>
+          <a:stretch>
+            <a:fillRect/>
+          </a:stretch>
+        </p:blipFill>
+        <p:spPr>
+          <a:xfrm>
+            <a:off x="559745" y="1421941"/>
+            <a:ext cx="5043918" cy="2235659"/>
+          </a:xfrm>
+          <a:prstGeom prst="rect">
+            <a:avLst/>
+          </a:prstGeom>
+        </p:spPr>
+      </p:pic>
+      <p:sp>
+        <p:nvSpPr>
+          <p:cNvPr id="4" name="TextBox 3"/>
+          <p:cNvSpPr txBox="1"/>
+          <p:nvPr/>
+        </p:nvSpPr>
+        <p:spPr>
+          <a:xfrm>
+            <a:off x="5996325" y="1421941"/>
+            <a:ext cx="4267279" cy="1477328"/>
+          </a:xfrm>
+          <a:prstGeom prst="rect">
+            <a:avLst/>
+          </a:prstGeom>
+          <a:noFill/>
+        </p:spPr>
+        <p:txBody>
+          <a:bodyPr wrap="square" rtlCol="0">
+            <a:spAutoFit/>
+          </a:bodyPr>
+          <a:lstStyle/>
+          <a:p>
+            <a:r>
+              <a:rPr lang="en-US" altLang="ko-KR" dirty="0">
+                <a:hlinkClick r:id="rId3"/>
+              </a:rPr>
+              <a:t>https://preview.themeforest.net/item/markone-onepage-resume-html-template/full_screen_preview/19822405?_ga=2.95863259.612461164.1566780289-1184936057.1566377612</a:t>
+            </a:r>
+            <a:endParaRPr lang="ko-KR" altLang="en-US" dirty="0"/>
+          </a:p>
+        </p:txBody>
+      </p:sp>
+      <p:pic>
+        <p:nvPicPr>
+          <p:cNvPr id="6" name="그림 5"/>
+          <p:cNvPicPr>
+            <a:picLocks noChangeAspect="1"/>
+          </p:cNvPicPr>
+          <p:nvPr/>
+        </p:nvPicPr>
+        <p:blipFill>
+          <a:blip r:embed="rId4" cstate="print">
+            <a:extLst>
+              <a:ext uri="{28A0092B-C50C-407E-A947-70E740481C1C}">
+                <a14:useLocalDpi xmlns:a14="http://schemas.microsoft.com/office/drawing/2010/main" val="0"/>
+              </a:ext>
+            </a:extLst>
+          </a:blip>
+          <a:stretch>
+            <a:fillRect/>
+          </a:stretch>
+        </p:blipFill>
+        <p:spPr>
+          <a:xfrm>
+            <a:off x="5996325" y="3870410"/>
+            <a:ext cx="4267279" cy="2694357"/>
+          </a:xfrm>
+          <a:prstGeom prst="rect">
+            <a:avLst/>
+          </a:prstGeom>
+        </p:spPr>
+      </p:pic>
+      <p:sp>
+        <p:nvSpPr>
+          <p:cNvPr id="11" name="TextBox 10"/>
+          <p:cNvSpPr txBox="1"/>
+          <p:nvPr/>
+        </p:nvSpPr>
+        <p:spPr>
+          <a:xfrm>
+            <a:off x="559745" y="3870410"/>
+            <a:ext cx="5043918" cy="646331"/>
+          </a:xfrm>
+          <a:prstGeom prst="rect">
+            <a:avLst/>
+          </a:prstGeom>
+          <a:noFill/>
+        </p:spPr>
+        <p:txBody>
+          <a:bodyPr wrap="square" rtlCol="0">
+            <a:spAutoFit/>
+          </a:bodyPr>
+          <a:lstStyle/>
+          <a:p>
+            <a:r>
+              <a:rPr lang="en-US" altLang="ko-KR">
+                <a:hlinkClick r:id="rId5"/>
+              </a:rPr>
+              <a:t>https://pennyblacktemplates.com/demo/ws/feather/dark-demo/resume-center-content.html</a:t>
+            </a:r>
+            <a:endParaRPr lang="ko-KR" altLang="en-US" dirty="0"/>
+          </a:p>
+        </p:txBody>
+      </p:sp>
+      <p:sp>
+        <p:nvSpPr>
+          <p:cNvPr id="5" name="TextBox 4"/>
+          <p:cNvSpPr txBox="1"/>
+          <p:nvPr/>
+        </p:nvSpPr>
+        <p:spPr>
+          <a:xfrm>
+            <a:off x="559745" y="5293413"/>
+            <a:ext cx="5114136" cy="523220"/>
+          </a:xfrm>
+          <a:prstGeom prst="rect">
+            <a:avLst/>
+          </a:prstGeom>
+          <a:noFill/>
+        </p:spPr>
+        <p:txBody>
+          <a:bodyPr wrap="square" rtlCol="0">
+            <a:spAutoFit/>
+          </a:bodyPr>
+          <a:lstStyle/>
+          <a:p>
+            <a:r>
+              <a:rPr lang="ko-KR" altLang="en-US" sz="2800" dirty="0" smtClean="0">
+                <a:solidFill>
+                  <a:schemeClr val="bg1"/>
+                </a:solidFill>
+                <a:latin typeface="Adobe 고딕 Std B" panose="020B0800000000000000" pitchFamily="34" charset="-127"/>
+                <a:ea typeface="Adobe 고딕 Std B" panose="020B0800000000000000" pitchFamily="34" charset="-127"/>
+              </a:rPr>
+              <a:t>이렇게 깔끔한 느낌으로</a:t>
+            </a:r>
+            <a:endParaRPr lang="ko-KR" altLang="en-US" sz="2800" dirty="0">
+              <a:solidFill>
+                <a:schemeClr val="bg1"/>
+              </a:solidFill>
+              <a:latin typeface="Adobe 고딕 Std B" panose="020B0800000000000000" pitchFamily="34" charset="-127"/>
+              <a:ea typeface="Adobe 고딕 Std B" panose="020B0800000000000000" pitchFamily="34" charset="-127"/>
+            </a:endParaRPr>
+          </a:p>
+        </p:txBody>
+      </p:sp>
+    </p:spTree>
+    <p:extLst>
+      <p:ext uri="{BB962C8B-B14F-4D97-AF65-F5344CB8AC3E}">
+        <p14:creationId xmlns:p14="http://schemas.microsoft.com/office/powerpoint/2010/main" val="3636787021"/>
+      </p:ext>
+    </p:extLst>
+  </p:cSld>
+  <p:clrMapOvr>
+    <a:masterClrMapping/>
+  </p:clrMapOvr>
+</p:sld>
+</file>
+
+<file path=ppt/slides/slide9.xml><?xml version="1.0" encoding="utf-8"?>
+<p:sld xmlns:a="http://schemas.openxmlformats.org/drawingml/2006/main" xmlns:r="http://schemas.openxmlformats.org/officeDocument/2006/relationships" xmlns:p="http://schemas.openxmlformats.org/presentationml/2006/main">
+  <p:cSld>
+    <p:spTree>
+      <p:nvGrpSpPr>
+        <p:cNvPr id="1" name=""/>
+        <p:cNvGrpSpPr/>
+        <p:nvPr/>
+      </p:nvGrpSpPr>
+      <p:grpSpPr>
+        <a:xfrm>
+          <a:off x="0" y="0"/>
+          <a:ext cx="0" cy="0"/>
+          <a:chOff x="0" y="0"/>
+          <a:chExt cx="0" cy="0"/>
+        </a:xfrm>
+      </p:grpSpPr>
+      <p:sp>
+        <p:nvSpPr>
+          <p:cNvPr id="15" name="직사각형 14"/>
+          <p:cNvSpPr/>
+          <p:nvPr/>
+        </p:nvSpPr>
+        <p:spPr>
+          <a:xfrm>
+            <a:off x="0" y="0"/>
+            <a:ext cx="11092873" cy="6858000"/>
+          </a:xfrm>
+          <a:prstGeom prst="rect">
+            <a:avLst/>
+          </a:prstGeom>
+          <a:solidFill>
+            <a:srgbClr val="BFBFBF"/>
+          </a:solidFill>
+          <a:ln>
+            <a:noFill/>
+          </a:ln>
+        </p:spPr>
+        <p:style>
+          <a:lnRef idx="2">
+            <a:schemeClr val="accent1">
+              <a:shade val="50000"/>
+            </a:schemeClr>
+          </a:lnRef>
+          <a:fillRef idx="1">
+            <a:schemeClr val="accent1"/>
+          </a:fillRef>
+          <a:effectRef idx="0">
+            <a:schemeClr val="accent1"/>
+          </a:effectRef>
+          <a:fontRef idx="minor">
+            <a:schemeClr val="lt1"/>
+          </a:fontRef>
+        </p:style>
+        <p:txBody>
+          <a:bodyPr rtlCol="0" anchor="ctr"/>
+          <a:lstStyle/>
+          <a:p>
+            <a:pPr algn="ctr"/>
+            <a:endParaRPr lang="ko-KR" altLang="en-US" dirty="0"/>
+          </a:p>
+        </p:txBody>
+      </p:sp>
+      <p:sp>
+        <p:nvSpPr>
+          <p:cNvPr id="3" name="TextBox 2"/>
+          <p:cNvSpPr txBox="1"/>
+          <p:nvPr/>
+        </p:nvSpPr>
+        <p:spPr>
+          <a:xfrm>
             <a:off x="-1" y="0"/>
             <a:ext cx="10840915" cy="1015663"/>
           </a:xfrm>
@@ -4360,17 +11124,7 @@
                 <a:latin typeface="Adobe 고딕 Std B" panose="020B0800000000000000" pitchFamily="34" charset="-127"/>
                 <a:ea typeface="Adobe 고딕 Std B" panose="020B0800000000000000" pitchFamily="34" charset="-127"/>
               </a:rPr>
-              <a:t>디바이스 </a:t>
-            </a:r>
-            <a:r>
-              <a:rPr lang="ko-KR" altLang="en-US" sz="6000" dirty="0" smtClean="0">
-                <a:solidFill>
-                  <a:schemeClr val="bg1"/>
-                </a:solidFill>
-                <a:latin typeface="Adobe 고딕 Std B" panose="020B0800000000000000" pitchFamily="34" charset="-127"/>
-                <a:ea typeface="Adobe 고딕 Std B" panose="020B0800000000000000" pitchFamily="34" charset="-127"/>
-              </a:rPr>
-              <a:t>반영 </a:t>
+              <a:t>디바이스 반영 </a:t>
             </a:r>
             <a:r>
               <a:rPr lang="en-US" altLang="ko-KR" sz="6000" dirty="0" smtClean="0">
@@ -4491,6 +11245,8 @@
                 <a:solidFill>
                   <a:schemeClr val="bg1"/>
                 </a:solidFill>
+                <a:latin typeface="Adobe 고딕 Std B" panose="020B0800000000000000" pitchFamily="34" charset="-127"/>
+                <a:ea typeface="Adobe 고딕 Std B" panose="020B0800000000000000" pitchFamily="34" charset="-127"/>
               </a:rPr>
               <a:t>1080px</a:t>
             </a:r>
@@ -4498,6 +11254,8 @@
               <a:solidFill>
                 <a:schemeClr val="bg1"/>
               </a:solidFill>
+              <a:latin typeface="Adobe 고딕 Std B" panose="020B0800000000000000" pitchFamily="34" charset="-127"/>
+              <a:ea typeface="Adobe 고딕 Std B" panose="020B0800000000000000" pitchFamily="34" charset="-127"/>
             </a:endParaRPr>
           </a:p>
         </p:txBody>
@@ -4529,6 +11287,8 @@
                 <a:solidFill>
                   <a:schemeClr val="bg1"/>
                 </a:solidFill>
+                <a:latin typeface="Adobe 고딕 Std B" panose="020B0800000000000000" pitchFamily="34" charset="-127"/>
+                <a:ea typeface="Adobe 고딕 Std B" panose="020B0800000000000000" pitchFamily="34" charset="-127"/>
               </a:rPr>
               <a:t>1920px</a:t>
             </a:r>
@@ -4536,6 +11296,8 @@
               <a:solidFill>
                 <a:schemeClr val="bg1"/>
               </a:solidFill>
+              <a:latin typeface="Adobe 고딕 Std B" panose="020B0800000000000000" pitchFamily="34" charset="-127"/>
+              <a:ea typeface="Adobe 고딕 Std B" panose="020B0800000000000000" pitchFamily="34" charset="-127"/>
             </a:endParaRPr>
           </a:p>
         </p:txBody>
@@ -4585,10 +11347,16 @@
           <a:p>
             <a:pPr algn="ctr"/>
             <a:r>
-              <a:rPr lang="ko-KR" altLang="en-US" sz="1500" dirty="0" smtClean="0"/>
+              <a:rPr lang="ko-KR" altLang="en-US" sz="1500" dirty="0" smtClean="0">
+                <a:latin typeface="Adobe 고딕 Std B" panose="020B0800000000000000" pitchFamily="34" charset="-127"/>
+                <a:ea typeface="Adobe 고딕 Std B" panose="020B0800000000000000" pitchFamily="34" charset="-127"/>
+              </a:rPr>
               <a:t>목차 영역</a:t>
             </a:r>
-            <a:endParaRPr lang="ko-KR" altLang="en-US" sz="1500" dirty="0"/>
+            <a:endParaRPr lang="ko-KR" altLang="en-US" sz="1500" dirty="0">
+              <a:latin typeface="Adobe 고딕 Std B" panose="020B0800000000000000" pitchFamily="34" charset="-127"/>
+              <a:ea typeface="Adobe 고딕 Std B" panose="020B0800000000000000" pitchFamily="34" charset="-127"/>
+            </a:endParaRPr>
           </a:p>
         </p:txBody>
       </p:sp>
@@ -4619,6 +11387,8 @@
                 <a:solidFill>
                   <a:schemeClr val="bg1"/>
                 </a:solidFill>
+                <a:latin typeface="Adobe 고딕 Std B" panose="020B0800000000000000" pitchFamily="34" charset="-127"/>
+                <a:ea typeface="Adobe 고딕 Std B" panose="020B0800000000000000" pitchFamily="34" charset="-127"/>
               </a:rPr>
               <a:t>950px	</a:t>
             </a:r>
@@ -4626,6 +11396,8 @@
               <a:solidFill>
                 <a:schemeClr val="bg1"/>
               </a:solidFill>
+              <a:latin typeface="Adobe 고딕 Std B" panose="020B0800000000000000" pitchFamily="34" charset="-127"/>
+              <a:ea typeface="Adobe 고딕 Std B" panose="020B0800000000000000" pitchFamily="34" charset="-127"/>
             </a:endParaRPr>
           </a:p>
         </p:txBody>
@@ -4675,17 +11447,26 @@
           <a:p>
             <a:pPr algn="ctr"/>
             <a:r>
-              <a:rPr lang="en-US" altLang="ko-KR" sz="1500" dirty="0" smtClean="0"/>
+              <a:rPr lang="en-US" altLang="ko-KR" sz="1500" dirty="0" smtClean="0">
+                <a:latin typeface="Adobe 고딕 Std B" panose="020B0800000000000000" pitchFamily="34" charset="-127"/>
+                <a:ea typeface="Adobe 고딕 Std B" panose="020B0800000000000000" pitchFamily="34" charset="-127"/>
+              </a:rPr>
               <a:t>Contents</a:t>
             </a:r>
           </a:p>
           <a:p>
             <a:pPr algn="ctr"/>
             <a:r>
-              <a:rPr lang="en-US" altLang="ko-KR" sz="1500" dirty="0" smtClean="0"/>
+              <a:rPr lang="en-US" altLang="ko-KR" sz="1500" dirty="0" smtClean="0">
+                <a:latin typeface="Adobe 고딕 Std B" panose="020B0800000000000000" pitchFamily="34" charset="-127"/>
+                <a:ea typeface="Adobe 고딕 Std B" panose="020B0800000000000000" pitchFamily="34" charset="-127"/>
+              </a:rPr>
               <a:t>Box</a:t>
             </a:r>
-            <a:endParaRPr lang="ko-KR" altLang="en-US" sz="1500" dirty="0"/>
+            <a:endParaRPr lang="ko-KR" altLang="en-US" sz="1500" dirty="0">
+              <a:latin typeface="Adobe 고딕 Std B" panose="020B0800000000000000" pitchFamily="34" charset="-127"/>
+              <a:ea typeface="Adobe 고딕 Std B" panose="020B0800000000000000" pitchFamily="34" charset="-127"/>
+            </a:endParaRPr>
           </a:p>
         </p:txBody>
       </p:sp>
@@ -4716,6 +11497,8 @@
                 <a:solidFill>
                   <a:schemeClr val="bg1"/>
                 </a:solidFill>
+                <a:latin typeface="Adobe 고딕 Std B" panose="020B0800000000000000" pitchFamily="34" charset="-127"/>
+                <a:ea typeface="Adobe 고딕 Std B" panose="020B0800000000000000" pitchFamily="34" charset="-127"/>
               </a:rPr>
               <a:t>80px</a:t>
             </a:r>
@@ -4723,6 +11506,8 @@
               <a:solidFill>
                 <a:schemeClr val="bg1"/>
               </a:solidFill>
+              <a:latin typeface="Adobe 고딕 Std B" panose="020B0800000000000000" pitchFamily="34" charset="-127"/>
+              <a:ea typeface="Adobe 고딕 Std B" panose="020B0800000000000000" pitchFamily="34" charset="-127"/>
             </a:endParaRPr>
           </a:p>
         </p:txBody>
@@ -4735,7 +11520,7 @@
         </p:nvSpPr>
         <p:spPr>
           <a:xfrm>
-            <a:off x="5346257" y="6060172"/>
+            <a:off x="4358264" y="6063725"/>
             <a:ext cx="2474056" cy="246221"/>
           </a:xfrm>
           <a:prstGeom prst="rect">
@@ -4749,11 +11534,14 @@
           </a:bodyPr>
           <a:lstStyle/>
           <a:p>
+            <a:pPr algn="ctr"/>
             <a:r>
               <a:rPr lang="en-US" altLang="ko-KR" sz="1000" dirty="0" smtClean="0">
                 <a:solidFill>
                   <a:schemeClr val="bg1"/>
                 </a:solidFill>
+                <a:latin typeface="Adobe 고딕 Std B" panose="020B0800000000000000" pitchFamily="34" charset="-127"/>
+                <a:ea typeface="Adobe 고딕 Std B" panose="020B0800000000000000" pitchFamily="34" charset="-127"/>
               </a:rPr>
               <a:t>1110px</a:t>
             </a:r>
@@ -4761,96 +11549,100 @@
               <a:solidFill>
                 <a:schemeClr val="bg1"/>
               </a:solidFill>
+              <a:latin typeface="Adobe 고딕 Std B" panose="020B0800000000000000" pitchFamily="34" charset="-127"/>
+              <a:ea typeface="Adobe 고딕 Std B" panose="020B0800000000000000" pitchFamily="34" charset="-127"/>
             </a:endParaRPr>
           </a:p>
         </p:txBody>
       </p:sp>
-    </p:spTree>
-    <p:extLst>
-      <p:ext uri="{BB962C8B-B14F-4D97-AF65-F5344CB8AC3E}">
-        <p14:creationId xmlns:p14="http://schemas.microsoft.com/office/powerpoint/2010/main" val="1640305789"/>
-      </p:ext>
-    </p:extLst>
-  </p:cSld>
-  <p:clrMapOvr>
-    <a:masterClrMapping/>
-  </p:clrMapOvr>
-</p:sld>
-</file>
-
-<file path=ppt/slides/slide7.xml><?xml version="1.0" encoding="utf-8"?>
-<p:sld xmlns:a="http://schemas.openxmlformats.org/drawingml/2006/main" xmlns:r="http://schemas.openxmlformats.org/officeDocument/2006/relationships" xmlns:p="http://schemas.openxmlformats.org/presentationml/2006/main">
-  <p:cSld>
-    <p:spTree>
-      <p:nvGrpSpPr>
-        <p:cNvPr id="1" name=""/>
-        <p:cNvGrpSpPr/>
-        <p:nvPr/>
-      </p:nvGrpSpPr>
-      <p:grpSpPr>
-        <a:xfrm>
-          <a:off x="0" y="0"/>
-          <a:ext cx="0" cy="0"/>
-          <a:chOff x="0" y="0"/>
-          <a:chExt cx="0" cy="0"/>
-        </a:xfrm>
-      </p:grpSpPr>
-      <p:sp>
-        <p:nvSpPr>
-          <p:cNvPr id="15" name="직사각형 14"/>
-          <p:cNvSpPr/>
+      <p:sp>
+        <p:nvSpPr>
+          <p:cNvPr id="12" name="TextBox 11"/>
+          <p:cNvSpPr txBox="1"/>
           <p:nvPr/>
         </p:nvSpPr>
         <p:spPr>
           <a:xfrm>
-            <a:off x="0" y="-48836"/>
-            <a:ext cx="11092873" cy="6858000"/>
+            <a:off x="2571768" y="6054785"/>
+            <a:ext cx="2474056" cy="246221"/>
           </a:xfrm>
           <a:prstGeom prst="rect">
             <a:avLst/>
           </a:prstGeom>
-          <a:solidFill>
-            <a:srgbClr val="BFBFBF"/>
-          </a:solidFill>
-          <a:ln>
-            <a:noFill/>
+          <a:noFill/>
+        </p:spPr>
+        <p:txBody>
+          <a:bodyPr wrap="square" rtlCol="0">
+            <a:spAutoFit/>
+          </a:bodyPr>
+          <a:lstStyle/>
+          <a:p>
+            <a:r>
+              <a:rPr lang="en-US" altLang="ko-KR" sz="1000" dirty="0" smtClean="0">
+                <a:solidFill>
+                  <a:schemeClr val="bg1"/>
+                </a:solidFill>
+                <a:latin typeface="Adobe 고딕 Std B" panose="020B0800000000000000" pitchFamily="34" charset="-127"/>
+                <a:ea typeface="Adobe 고딕 Std B" panose="020B0800000000000000" pitchFamily="34" charset="-127"/>
+              </a:rPr>
+              <a:t>405px</a:t>
+            </a:r>
+            <a:endParaRPr lang="ko-KR" altLang="en-US" sz="1000" dirty="0">
+              <a:solidFill>
+                <a:schemeClr val="bg1"/>
+              </a:solidFill>
+              <a:latin typeface="Adobe 고딕 Std B" panose="020B0800000000000000" pitchFamily="34" charset="-127"/>
+              <a:ea typeface="Adobe 고딕 Std B" panose="020B0800000000000000" pitchFamily="34" charset="-127"/>
+            </a:endParaRPr>
+          </a:p>
+        </p:txBody>
+      </p:sp>
+      <p:cxnSp>
+        <p:nvCxnSpPr>
+          <p:cNvPr id="10" name="직선 화살표 연결선 9"/>
+          <p:cNvCxnSpPr/>
+          <p:nvPr/>
+        </p:nvCxnSpPr>
+        <p:spPr>
+          <a:xfrm>
+            <a:off x="9836727" y="2640172"/>
+            <a:ext cx="0" cy="2606083"/>
+          </a:xfrm>
+          <a:prstGeom prst="straightConnector1">
+            <a:avLst/>
+          </a:prstGeom>
+          <a:ln w="127000">
+            <a:solidFill>
+              <a:schemeClr val="bg1"/>
+            </a:solidFill>
+            <a:tailEnd type="triangle"/>
           </a:ln>
         </p:spPr>
         <p:style>
-          <a:lnRef idx="2">
-            <a:schemeClr val="accent1">
-              <a:shade val="50000"/>
-            </a:schemeClr>
+          <a:lnRef idx="1">
+            <a:schemeClr val="accent1"/>
           </a:lnRef>
-          <a:fillRef idx="1">
+          <a:fillRef idx="0">
             <a:schemeClr val="accent1"/>
           </a:fillRef>
           <a:effectRef idx="0">
             <a:schemeClr val="accent1"/>
           </a:effectRef>
           <a:fontRef idx="minor">
-            <a:schemeClr val="lt1"/>
+            <a:schemeClr val="tx1"/>
           </a:fontRef>
         </p:style>
-        <p:txBody>
-          <a:bodyPr rtlCol="0" anchor="ctr"/>
-          <a:lstStyle/>
-          <a:p>
-            <a:pPr algn="ctr"/>
-            <a:endParaRPr lang="ko-KR" altLang="en-US" dirty="0"/>
-          </a:p>
-        </p:txBody>
-      </p:sp>
-      <p:sp>
-        <p:nvSpPr>
-          <p:cNvPr id="3" name="TextBox 2"/>
+      </p:cxnSp>
+      <p:sp>
+        <p:nvSpPr>
+          <p:cNvPr id="14" name="TextBox 13"/>
           <p:cNvSpPr txBox="1"/>
           <p:nvPr/>
         </p:nvSpPr>
         <p:spPr>
           <a:xfrm>
-            <a:off x="-1" y="0"/>
-            <a:ext cx="8774545" cy="1938992"/>
+            <a:off x="9979104" y="3011649"/>
+            <a:ext cx="461665" cy="1863127"/>
           </a:xfrm>
           <a:prstGeom prst="rect">
             <a:avLst/>
@@ -4858,62 +11650,22 @@
           <a:noFill/>
         </p:spPr>
         <p:txBody>
-          <a:bodyPr wrap="square" rtlCol="0">
+          <a:bodyPr vert="eaVert" wrap="square" rtlCol="0">
             <a:spAutoFit/>
           </a:bodyPr>
           <a:lstStyle/>
           <a:p>
             <a:r>
-              <a:rPr lang="ko-KR" altLang="en-US" sz="6000" dirty="0" smtClean="0">
-                <a:solidFill>
-                  <a:schemeClr val="bg1"/>
-                </a:solidFill>
-                <a:latin typeface="Adobe 고딕 Std B" panose="020B0800000000000000" pitchFamily="34" charset="-127"/>
-                <a:ea typeface="Adobe 고딕 Std B" panose="020B0800000000000000" pitchFamily="34" charset="-127"/>
-              </a:rPr>
-              <a:t>디바이스 </a:t>
-            </a:r>
-            <a:r>
-              <a:rPr lang="ko-KR" altLang="en-US" sz="6000" dirty="0" smtClean="0">
-                <a:solidFill>
-                  <a:schemeClr val="bg1"/>
-                </a:solidFill>
-                <a:latin typeface="Adobe 고딕 Std B" panose="020B0800000000000000" pitchFamily="34" charset="-127"/>
-                <a:ea typeface="Adobe 고딕 Std B" panose="020B0800000000000000" pitchFamily="34" charset="-127"/>
-              </a:rPr>
-              <a:t>반영 </a:t>
-            </a:r>
-            <a:r>
-              <a:rPr lang="en-US" altLang="ko-KR" sz="6000" dirty="0" smtClean="0">
-                <a:solidFill>
-                  <a:schemeClr val="bg1"/>
-                </a:solidFill>
-                <a:latin typeface="Adobe 고딕 Std B" panose="020B0800000000000000" pitchFamily="34" charset="-127"/>
-                <a:ea typeface="Adobe 고딕 Std B" panose="020B0800000000000000" pitchFamily="34" charset="-127"/>
-              </a:rPr>
-              <a:t>(</a:t>
-            </a:r>
-            <a:r>
-              <a:rPr lang="ko-KR" altLang="en-US" sz="6000" dirty="0" smtClean="0">
-                <a:solidFill>
-                  <a:schemeClr val="bg1"/>
-                </a:solidFill>
-                <a:latin typeface="Adobe 고딕 Std B" panose="020B0800000000000000" pitchFamily="34" charset="-127"/>
-                <a:ea typeface="Adobe 고딕 Std B" panose="020B0800000000000000" pitchFamily="34" charset="-127"/>
-              </a:rPr>
-              <a:t>태블릿</a:t>
-            </a:r>
-            <a:r>
-              <a:rPr lang="en-US" altLang="ko-KR" sz="6000" dirty="0" smtClean="0">
-                <a:solidFill>
-                  <a:schemeClr val="bg1"/>
-                </a:solidFill>
-                <a:latin typeface="Adobe 고딕 Std B" panose="020B0800000000000000" pitchFamily="34" charset="-127"/>
-                <a:ea typeface="Adobe 고딕 Std B" panose="020B0800000000000000" pitchFamily="34" charset="-127"/>
-              </a:rPr>
-              <a:t>)</a:t>
-            </a:r>
-            <a:endParaRPr lang="ko-KR" altLang="en-US" sz="6000" dirty="0">
+              <a:rPr lang="ko-KR" altLang="en-US" smtClean="0">
+                <a:solidFill>
+                  <a:schemeClr val="bg1"/>
+                </a:solidFill>
+                <a:latin typeface="Adobe 고딕 Std B" panose="020B0800000000000000" pitchFamily="34" charset="-127"/>
+                <a:ea typeface="Adobe 고딕 Std B" panose="020B0800000000000000" pitchFamily="34" charset="-127"/>
+              </a:rPr>
+              <a:t>스크롤 되도록</a:t>
+            </a:r>
+            <a:endParaRPr lang="ko-KR" altLang="en-US" dirty="0">
               <a:solidFill>
                 <a:schemeClr val="bg1"/>
               </a:solidFill>
@@ -4921,821 +11673,12 @@
               <a:ea typeface="Adobe 고딕 Std B" panose="020B0800000000000000" pitchFamily="34" charset="-127"/>
             </a:endParaRPr>
           </a:p>
-          <a:p>
-            <a:endParaRPr lang="ko-KR" altLang="en-US" sz="6000" dirty="0">
-              <a:solidFill>
-                <a:schemeClr val="bg1"/>
-              </a:solidFill>
-              <a:latin typeface="Adobe 고딕 Std B" panose="020B0800000000000000" pitchFamily="34" charset="-127"/>
-              <a:ea typeface="Adobe 고딕 Std B" panose="020B0800000000000000" pitchFamily="34" charset="-127"/>
-            </a:endParaRPr>
-          </a:p>
-        </p:txBody>
-      </p:sp>
-      <p:sp>
-        <p:nvSpPr>
-          <p:cNvPr id="2" name="직사각형 1"/>
-          <p:cNvSpPr/>
-          <p:nvPr/>
-        </p:nvSpPr>
-        <p:spPr>
-          <a:xfrm>
-            <a:off x="2954436" y="1809000"/>
-            <a:ext cx="5184000" cy="3240000"/>
-          </a:xfrm>
-          <a:prstGeom prst="rect">
-            <a:avLst/>
-          </a:prstGeom>
-          <a:solidFill>
-            <a:schemeClr val="bg1">
-              <a:alpha val="50000"/>
-            </a:schemeClr>
-          </a:solidFill>
-          <a:ln>
-            <a:noFill/>
-          </a:ln>
-        </p:spPr>
-        <p:style>
-          <a:lnRef idx="2">
-            <a:schemeClr val="accent1">
-              <a:shade val="50000"/>
-            </a:schemeClr>
-          </a:lnRef>
-          <a:fillRef idx="1">
-            <a:schemeClr val="accent1"/>
-          </a:fillRef>
-          <a:effectRef idx="0">
-            <a:schemeClr val="accent1"/>
-          </a:effectRef>
-          <a:fontRef idx="minor">
-            <a:schemeClr val="lt1"/>
-          </a:fontRef>
-        </p:style>
-        <p:txBody>
-          <a:bodyPr rtlCol="0" anchor="ctr"/>
-          <a:lstStyle/>
-          <a:p>
-            <a:pPr algn="ctr"/>
-            <a:endParaRPr lang="ko-KR" altLang="en-US"/>
-          </a:p>
-        </p:txBody>
-      </p:sp>
-      <p:sp>
-        <p:nvSpPr>
-          <p:cNvPr id="5" name="TextBox 4"/>
-          <p:cNvSpPr txBox="1"/>
-          <p:nvPr/>
-        </p:nvSpPr>
-        <p:spPr>
-          <a:xfrm rot="16200000">
-            <a:off x="1939741" y="3406140"/>
-            <a:ext cx="1569660" cy="45719"/>
-          </a:xfrm>
-          <a:prstGeom prst="rect">
-            <a:avLst/>
-          </a:prstGeom>
-          <a:noFill/>
-        </p:spPr>
-        <p:txBody>
-          <a:bodyPr vert="eaVert" wrap="square" rtlCol="0">
-            <a:spAutoFit/>
-          </a:bodyPr>
-          <a:lstStyle/>
-          <a:p>
-            <a:r>
-              <a:rPr lang="en-US" altLang="ko-KR" dirty="0" smtClean="0">
-                <a:solidFill>
-                  <a:schemeClr val="bg1"/>
-                </a:solidFill>
-              </a:rPr>
-              <a:t>900px</a:t>
-            </a:r>
-            <a:endParaRPr lang="ko-KR" altLang="en-US" dirty="0">
-              <a:solidFill>
-                <a:schemeClr val="bg1"/>
-              </a:solidFill>
-            </a:endParaRPr>
-          </a:p>
-        </p:txBody>
-      </p:sp>
-      <p:sp>
-        <p:nvSpPr>
-          <p:cNvPr id="6" name="TextBox 5"/>
-          <p:cNvSpPr txBox="1"/>
-          <p:nvPr/>
-        </p:nvSpPr>
-        <p:spPr>
-          <a:xfrm>
-            <a:off x="5153891" y="1447577"/>
-            <a:ext cx="2474056" cy="369332"/>
-          </a:xfrm>
-          <a:prstGeom prst="rect">
-            <a:avLst/>
-          </a:prstGeom>
-          <a:noFill/>
-        </p:spPr>
-        <p:txBody>
-          <a:bodyPr wrap="square" rtlCol="0">
-            <a:spAutoFit/>
-          </a:bodyPr>
-          <a:lstStyle/>
-          <a:p>
-            <a:r>
-              <a:rPr lang="en-US" altLang="ko-KR" dirty="0" smtClean="0">
-                <a:solidFill>
-                  <a:schemeClr val="bg1"/>
-                </a:solidFill>
-              </a:rPr>
-              <a:t>1440px</a:t>
-            </a:r>
-            <a:endParaRPr lang="ko-KR" altLang="en-US" dirty="0">
-              <a:solidFill>
-                <a:schemeClr val="bg1"/>
-              </a:solidFill>
-            </a:endParaRPr>
-          </a:p>
-        </p:txBody>
-      </p:sp>
-      <p:sp>
-        <p:nvSpPr>
-          <p:cNvPr id="8" name="직사각형 7"/>
-          <p:cNvSpPr/>
-          <p:nvPr/>
-        </p:nvSpPr>
-        <p:spPr>
-          <a:xfrm>
-            <a:off x="2954436" y="1809000"/>
-            <a:ext cx="5184000" cy="288000"/>
-          </a:xfrm>
-          <a:prstGeom prst="rect">
-            <a:avLst/>
-          </a:prstGeom>
-          <a:solidFill>
-            <a:srgbClr val="FF0000">
-              <a:alpha val="50000"/>
-            </a:srgbClr>
-          </a:solidFill>
-          <a:ln>
-            <a:noFill/>
-          </a:ln>
-        </p:spPr>
-        <p:style>
-          <a:lnRef idx="2">
-            <a:schemeClr val="accent1">
-              <a:shade val="50000"/>
-            </a:schemeClr>
-          </a:lnRef>
-          <a:fillRef idx="1">
-            <a:schemeClr val="accent1"/>
-          </a:fillRef>
-          <a:effectRef idx="0">
-            <a:schemeClr val="accent1"/>
-          </a:effectRef>
-          <a:fontRef idx="minor">
-            <a:schemeClr val="lt1"/>
-          </a:fontRef>
-        </p:style>
-        <p:txBody>
-          <a:bodyPr rtlCol="0" anchor="ctr"/>
-          <a:lstStyle/>
-          <a:p>
-            <a:pPr algn="ctr"/>
-            <a:r>
-              <a:rPr lang="ko-KR" altLang="en-US" sz="1500" dirty="0" smtClean="0"/>
-              <a:t>목차 영역</a:t>
-            </a:r>
-            <a:endParaRPr lang="ko-KR" altLang="en-US" sz="1500" dirty="0"/>
-          </a:p>
-        </p:txBody>
-      </p:sp>
-      <p:sp>
-        <p:nvSpPr>
-          <p:cNvPr id="9" name="TextBox 8"/>
-          <p:cNvSpPr txBox="1"/>
-          <p:nvPr/>
-        </p:nvSpPr>
-        <p:spPr>
-          <a:xfrm rot="16200000">
-            <a:off x="7761186" y="1930140"/>
-            <a:ext cx="800219" cy="45719"/>
-          </a:xfrm>
-          <a:prstGeom prst="rect">
-            <a:avLst/>
-          </a:prstGeom>
-          <a:noFill/>
-        </p:spPr>
-        <p:txBody>
-          <a:bodyPr vert="eaVert" wrap="square" rtlCol="0">
-            <a:spAutoFit/>
-          </a:bodyPr>
-          <a:lstStyle/>
-          <a:p>
-            <a:r>
-              <a:rPr lang="en-US" altLang="ko-KR" sz="1000" dirty="0" smtClean="0">
-                <a:solidFill>
-                  <a:schemeClr val="bg1"/>
-                </a:solidFill>
-              </a:rPr>
-              <a:t>80px</a:t>
-            </a:r>
-            <a:endParaRPr lang="ko-KR" altLang="en-US" sz="1000" dirty="0">
-              <a:solidFill>
-                <a:schemeClr val="bg1"/>
-              </a:solidFill>
-            </a:endParaRPr>
-          </a:p>
         </p:txBody>
       </p:sp>
     </p:spTree>
     <p:extLst>
       <p:ext uri="{BB962C8B-B14F-4D97-AF65-F5344CB8AC3E}">
-        <p14:creationId xmlns:p14="http://schemas.microsoft.com/office/powerpoint/2010/main" val="2838679855"/>
-      </p:ext>
-    </p:extLst>
-  </p:cSld>
-  <p:clrMapOvr>
-    <a:masterClrMapping/>
-  </p:clrMapOvr>
-</p:sld>
-</file>
-
-<file path=ppt/slides/slide8.xml><?xml version="1.0" encoding="utf-8"?>
-<p:sld xmlns:a="http://schemas.openxmlformats.org/drawingml/2006/main" xmlns:r="http://schemas.openxmlformats.org/officeDocument/2006/relationships" xmlns:p="http://schemas.openxmlformats.org/presentationml/2006/main">
-  <p:cSld>
-    <p:spTree>
-      <p:nvGrpSpPr>
-        <p:cNvPr id="1" name=""/>
-        <p:cNvGrpSpPr/>
-        <p:nvPr/>
-      </p:nvGrpSpPr>
-      <p:grpSpPr>
-        <a:xfrm>
-          <a:off x="0" y="0"/>
-          <a:ext cx="0" cy="0"/>
-          <a:chOff x="0" y="0"/>
-          <a:chExt cx="0" cy="0"/>
-        </a:xfrm>
-      </p:grpSpPr>
-      <p:sp>
-        <p:nvSpPr>
-          <p:cNvPr id="15" name="직사각형 14"/>
-          <p:cNvSpPr/>
-          <p:nvPr/>
-        </p:nvSpPr>
-        <p:spPr>
-          <a:xfrm>
-            <a:off x="0" y="0"/>
-            <a:ext cx="11092873" cy="6858000"/>
-          </a:xfrm>
-          <a:prstGeom prst="rect">
-            <a:avLst/>
-          </a:prstGeom>
-          <a:solidFill>
-            <a:srgbClr val="BFBFBF"/>
-          </a:solidFill>
-          <a:ln>
-            <a:noFill/>
-          </a:ln>
-        </p:spPr>
-        <p:style>
-          <a:lnRef idx="2">
-            <a:schemeClr val="accent1">
-              <a:shade val="50000"/>
-            </a:schemeClr>
-          </a:lnRef>
-          <a:fillRef idx="1">
-            <a:schemeClr val="accent1"/>
-          </a:fillRef>
-          <a:effectRef idx="0">
-            <a:schemeClr val="accent1"/>
-          </a:effectRef>
-          <a:fontRef idx="minor">
-            <a:schemeClr val="lt1"/>
-          </a:fontRef>
-        </p:style>
-        <p:txBody>
-          <a:bodyPr rtlCol="0" anchor="ctr"/>
-          <a:lstStyle/>
-          <a:p>
-            <a:pPr algn="ctr"/>
-            <a:endParaRPr lang="ko-KR" altLang="en-US" dirty="0"/>
-          </a:p>
-        </p:txBody>
-      </p:sp>
-      <p:sp>
-        <p:nvSpPr>
-          <p:cNvPr id="3" name="TextBox 2"/>
-          <p:cNvSpPr txBox="1"/>
-          <p:nvPr/>
-        </p:nvSpPr>
-        <p:spPr>
-          <a:xfrm>
-            <a:off x="-1" y="0"/>
-            <a:ext cx="8515928" cy="1015663"/>
-          </a:xfrm>
-          <a:prstGeom prst="rect">
-            <a:avLst/>
-          </a:prstGeom>
-          <a:noFill/>
-        </p:spPr>
-        <p:txBody>
-          <a:bodyPr wrap="square" rtlCol="0">
-            <a:spAutoFit/>
-          </a:bodyPr>
-          <a:lstStyle/>
-          <a:p>
-            <a:r>
-              <a:rPr lang="ko-KR" altLang="en-US" sz="6000" dirty="0" smtClean="0">
-                <a:solidFill>
-                  <a:schemeClr val="bg1"/>
-                </a:solidFill>
-                <a:latin typeface="Adobe 고딕 Std B" panose="020B0800000000000000" pitchFamily="34" charset="-127"/>
-                <a:ea typeface="Adobe 고딕 Std B" panose="020B0800000000000000" pitchFamily="34" charset="-127"/>
-              </a:rPr>
-              <a:t>디바이스 </a:t>
-            </a:r>
-            <a:r>
-              <a:rPr lang="ko-KR" altLang="en-US" sz="6000" smtClean="0">
-                <a:solidFill>
-                  <a:schemeClr val="bg1"/>
-                </a:solidFill>
-                <a:latin typeface="Adobe 고딕 Std B" panose="020B0800000000000000" pitchFamily="34" charset="-127"/>
-                <a:ea typeface="Adobe 고딕 Std B" panose="020B0800000000000000" pitchFamily="34" charset="-127"/>
-              </a:rPr>
-              <a:t>반영 </a:t>
-            </a:r>
-            <a:r>
-              <a:rPr lang="en-US" altLang="ko-KR" sz="6000" dirty="0" smtClean="0">
-                <a:solidFill>
-                  <a:schemeClr val="bg1"/>
-                </a:solidFill>
-                <a:latin typeface="Adobe 고딕 Std B" panose="020B0800000000000000" pitchFamily="34" charset="-127"/>
-                <a:ea typeface="Adobe 고딕 Std B" panose="020B0800000000000000" pitchFamily="34" charset="-127"/>
-              </a:rPr>
-              <a:t>(</a:t>
-            </a:r>
-            <a:r>
-              <a:rPr lang="ko-KR" altLang="en-US" sz="6000" dirty="0" smtClean="0">
-                <a:solidFill>
-                  <a:schemeClr val="bg1"/>
-                </a:solidFill>
-                <a:latin typeface="Adobe 고딕 Std B" panose="020B0800000000000000" pitchFamily="34" charset="-127"/>
-                <a:ea typeface="Adobe 고딕 Std B" panose="020B0800000000000000" pitchFamily="34" charset="-127"/>
-              </a:rPr>
-              <a:t>핸드폰</a:t>
-            </a:r>
-            <a:r>
-              <a:rPr lang="en-US" altLang="ko-KR" sz="6000" dirty="0" smtClean="0">
-                <a:solidFill>
-                  <a:schemeClr val="bg1"/>
-                </a:solidFill>
-                <a:latin typeface="Adobe 고딕 Std B" panose="020B0800000000000000" pitchFamily="34" charset="-127"/>
-                <a:ea typeface="Adobe 고딕 Std B" panose="020B0800000000000000" pitchFamily="34" charset="-127"/>
-              </a:rPr>
-              <a:t>)</a:t>
-            </a:r>
-            <a:endParaRPr lang="ko-KR" altLang="en-US" sz="6000" dirty="0">
-              <a:solidFill>
-                <a:schemeClr val="bg1"/>
-              </a:solidFill>
-              <a:latin typeface="Adobe 고딕 Std B" panose="020B0800000000000000" pitchFamily="34" charset="-127"/>
-              <a:ea typeface="Adobe 고딕 Std B" panose="020B0800000000000000" pitchFamily="34" charset="-127"/>
-            </a:endParaRPr>
-          </a:p>
-        </p:txBody>
-      </p:sp>
-      <p:sp>
-        <p:nvSpPr>
-          <p:cNvPr id="2" name="직사각형 1"/>
-          <p:cNvSpPr/>
-          <p:nvPr/>
-        </p:nvSpPr>
-        <p:spPr>
-          <a:xfrm>
-            <a:off x="4250436" y="1269000"/>
-            <a:ext cx="2592000" cy="4320000"/>
-          </a:xfrm>
-          <a:prstGeom prst="rect">
-            <a:avLst/>
-          </a:prstGeom>
-          <a:solidFill>
-            <a:schemeClr val="bg1">
-              <a:alpha val="50000"/>
-            </a:schemeClr>
-          </a:solidFill>
-          <a:ln>
-            <a:noFill/>
-          </a:ln>
-        </p:spPr>
-        <p:style>
-          <a:lnRef idx="2">
-            <a:schemeClr val="accent1">
-              <a:shade val="50000"/>
-            </a:schemeClr>
-          </a:lnRef>
-          <a:fillRef idx="1">
-            <a:schemeClr val="accent1"/>
-          </a:fillRef>
-          <a:effectRef idx="0">
-            <a:schemeClr val="accent1"/>
-          </a:effectRef>
-          <a:fontRef idx="minor">
-            <a:schemeClr val="lt1"/>
-          </a:fontRef>
-        </p:style>
-        <p:txBody>
-          <a:bodyPr rtlCol="0" anchor="ctr"/>
-          <a:lstStyle/>
-          <a:p>
-            <a:pPr algn="ctr"/>
-            <a:endParaRPr lang="ko-KR" altLang="en-US"/>
-          </a:p>
-        </p:txBody>
-      </p:sp>
-      <p:sp>
-        <p:nvSpPr>
-          <p:cNvPr id="5" name="TextBox 4"/>
-          <p:cNvSpPr txBox="1"/>
-          <p:nvPr/>
-        </p:nvSpPr>
-        <p:spPr>
-          <a:xfrm>
-            <a:off x="5153891" y="905820"/>
-            <a:ext cx="2474056" cy="369332"/>
-          </a:xfrm>
-          <a:prstGeom prst="rect">
-            <a:avLst/>
-          </a:prstGeom>
-          <a:noFill/>
-        </p:spPr>
-        <p:txBody>
-          <a:bodyPr wrap="square" rtlCol="0">
-            <a:spAutoFit/>
-          </a:bodyPr>
-          <a:lstStyle/>
-          <a:p>
-            <a:r>
-              <a:rPr lang="en-US" altLang="ko-KR" dirty="0" smtClean="0">
-                <a:solidFill>
-                  <a:schemeClr val="bg1"/>
-                </a:solidFill>
-              </a:rPr>
-              <a:t>480px</a:t>
-            </a:r>
-            <a:endParaRPr lang="ko-KR" altLang="en-US" dirty="0">
-              <a:solidFill>
-                <a:schemeClr val="bg1"/>
-              </a:solidFill>
-            </a:endParaRPr>
-          </a:p>
-        </p:txBody>
-      </p:sp>
-      <p:sp>
-        <p:nvSpPr>
-          <p:cNvPr id="7" name="TextBox 6"/>
-          <p:cNvSpPr txBox="1"/>
-          <p:nvPr/>
-        </p:nvSpPr>
-        <p:spPr>
-          <a:xfrm rot="16200000">
-            <a:off x="3251305" y="3406140"/>
-            <a:ext cx="1569660" cy="45719"/>
-          </a:xfrm>
-          <a:prstGeom prst="rect">
-            <a:avLst/>
-          </a:prstGeom>
-          <a:noFill/>
-        </p:spPr>
-        <p:txBody>
-          <a:bodyPr vert="eaVert" wrap="square" rtlCol="0">
-            <a:spAutoFit/>
-          </a:bodyPr>
-          <a:lstStyle/>
-          <a:p>
-            <a:r>
-              <a:rPr lang="en-US" altLang="ko-KR" dirty="0" smtClean="0">
-                <a:solidFill>
-                  <a:schemeClr val="bg1"/>
-                </a:solidFill>
-              </a:rPr>
-              <a:t>800px</a:t>
-            </a:r>
-            <a:endParaRPr lang="ko-KR" altLang="en-US" dirty="0">
-              <a:solidFill>
-                <a:schemeClr val="bg1"/>
-              </a:solidFill>
-            </a:endParaRPr>
-          </a:p>
-        </p:txBody>
-      </p:sp>
-      <p:sp>
-        <p:nvSpPr>
-          <p:cNvPr id="8" name="직사각형 7"/>
-          <p:cNvSpPr/>
-          <p:nvPr/>
-        </p:nvSpPr>
-        <p:spPr>
-          <a:xfrm>
-            <a:off x="4250436" y="1269000"/>
-            <a:ext cx="2592000" cy="432000"/>
-          </a:xfrm>
-          <a:prstGeom prst="rect">
-            <a:avLst/>
-          </a:prstGeom>
-          <a:solidFill>
-            <a:srgbClr val="FF0000">
-              <a:alpha val="50000"/>
-            </a:srgbClr>
-          </a:solidFill>
-          <a:ln>
-            <a:noFill/>
-          </a:ln>
-        </p:spPr>
-        <p:style>
-          <a:lnRef idx="2">
-            <a:schemeClr val="accent1">
-              <a:shade val="50000"/>
-            </a:schemeClr>
-          </a:lnRef>
-          <a:fillRef idx="1">
-            <a:schemeClr val="accent1"/>
-          </a:fillRef>
-          <a:effectRef idx="0">
-            <a:schemeClr val="accent1"/>
-          </a:effectRef>
-          <a:fontRef idx="minor">
-            <a:schemeClr val="lt1"/>
-          </a:fontRef>
-        </p:style>
-        <p:txBody>
-          <a:bodyPr rtlCol="0" anchor="ctr"/>
-          <a:lstStyle/>
-          <a:p>
-            <a:pPr algn="ctr"/>
-            <a:r>
-              <a:rPr lang="ko-KR" altLang="en-US" sz="1500" dirty="0" smtClean="0"/>
-              <a:t>목차 영역</a:t>
-            </a:r>
-            <a:endParaRPr lang="ko-KR" altLang="en-US" sz="1500" dirty="0"/>
-          </a:p>
-        </p:txBody>
-      </p:sp>
-      <p:sp>
-        <p:nvSpPr>
-          <p:cNvPr id="9" name="TextBox 8"/>
-          <p:cNvSpPr txBox="1"/>
-          <p:nvPr/>
-        </p:nvSpPr>
-        <p:spPr>
-          <a:xfrm rot="16200000">
-            <a:off x="6465186" y="1465217"/>
-            <a:ext cx="800219" cy="45719"/>
-          </a:xfrm>
-          <a:prstGeom prst="rect">
-            <a:avLst/>
-          </a:prstGeom>
-          <a:noFill/>
-        </p:spPr>
-        <p:txBody>
-          <a:bodyPr vert="eaVert" wrap="square" rtlCol="0">
-            <a:spAutoFit/>
-          </a:bodyPr>
-          <a:lstStyle/>
-          <a:p>
-            <a:r>
-              <a:rPr lang="en-US" altLang="ko-KR" sz="1000" dirty="0" smtClean="0">
-                <a:solidFill>
-                  <a:schemeClr val="bg1"/>
-                </a:solidFill>
-              </a:rPr>
-              <a:t>80px</a:t>
-            </a:r>
-            <a:endParaRPr lang="ko-KR" altLang="en-US" sz="1000" dirty="0">
-              <a:solidFill>
-                <a:schemeClr val="bg1"/>
-              </a:solidFill>
-            </a:endParaRPr>
-          </a:p>
-        </p:txBody>
-      </p:sp>
-      <p:sp>
-        <p:nvSpPr>
-          <p:cNvPr id="10" name="직사각형 9"/>
-          <p:cNvSpPr/>
-          <p:nvPr/>
-        </p:nvSpPr>
-        <p:spPr>
-          <a:xfrm>
-            <a:off x="4250436" y="1971000"/>
-            <a:ext cx="2592000" cy="3618000"/>
-          </a:xfrm>
-          <a:prstGeom prst="rect">
-            <a:avLst/>
-          </a:prstGeom>
-          <a:solidFill>
-            <a:srgbClr val="FFC000">
-              <a:alpha val="50000"/>
-            </a:srgbClr>
-          </a:solidFill>
-          <a:ln>
-            <a:noFill/>
-          </a:ln>
-        </p:spPr>
-        <p:style>
-          <a:lnRef idx="2">
-            <a:schemeClr val="accent1">
-              <a:shade val="50000"/>
-            </a:schemeClr>
-          </a:lnRef>
-          <a:fillRef idx="1">
-            <a:schemeClr val="accent1"/>
-          </a:fillRef>
-          <a:effectRef idx="0">
-            <a:schemeClr val="accent1"/>
-          </a:effectRef>
-          <a:fontRef idx="minor">
-            <a:schemeClr val="lt1"/>
-          </a:fontRef>
-        </p:style>
-        <p:txBody>
-          <a:bodyPr rtlCol="0" anchor="ctr"/>
-          <a:lstStyle/>
-          <a:p>
-            <a:pPr algn="ctr"/>
-            <a:endParaRPr lang="ko-KR" altLang="en-US"/>
-          </a:p>
-        </p:txBody>
-      </p:sp>
-      <p:sp>
-        <p:nvSpPr>
-          <p:cNvPr id="12" name="TextBox 11"/>
-          <p:cNvSpPr txBox="1"/>
-          <p:nvPr/>
-        </p:nvSpPr>
-        <p:spPr>
-          <a:xfrm rot="16200000">
-            <a:off x="6388242" y="3466643"/>
-            <a:ext cx="954107" cy="45719"/>
-          </a:xfrm>
-          <a:prstGeom prst="rect">
-            <a:avLst/>
-          </a:prstGeom>
-          <a:noFill/>
-        </p:spPr>
-        <p:txBody>
-          <a:bodyPr vert="eaVert" wrap="square" rtlCol="0">
-            <a:spAutoFit/>
-          </a:bodyPr>
-          <a:lstStyle/>
-          <a:p>
-            <a:r>
-              <a:rPr lang="en-US" altLang="ko-KR" sz="1000" dirty="0" smtClean="0">
-                <a:solidFill>
-                  <a:schemeClr val="bg1"/>
-                </a:solidFill>
-              </a:rPr>
-              <a:t>670px</a:t>
-            </a:r>
-            <a:endParaRPr lang="ko-KR" altLang="en-US" sz="1000" dirty="0">
-              <a:solidFill>
-                <a:schemeClr val="bg1"/>
-              </a:solidFill>
-            </a:endParaRPr>
-          </a:p>
-        </p:txBody>
-      </p:sp>
-    </p:spTree>
-    <p:extLst>
-      <p:ext uri="{BB962C8B-B14F-4D97-AF65-F5344CB8AC3E}">
-        <p14:creationId xmlns:p14="http://schemas.microsoft.com/office/powerpoint/2010/main" val="82658203"/>
-      </p:ext>
-    </p:extLst>
-  </p:cSld>
-  <p:clrMapOvr>
-    <a:masterClrMapping/>
-  </p:clrMapOvr>
-</p:sld>
-</file>
-
-<file path=ppt/slides/slide9.xml><?xml version="1.0" encoding="utf-8"?>
-<p:sld xmlns:a="http://schemas.openxmlformats.org/drawingml/2006/main" xmlns:r="http://schemas.openxmlformats.org/officeDocument/2006/relationships" xmlns:p="http://schemas.openxmlformats.org/presentationml/2006/main">
-  <p:cSld>
-    <p:spTree>
-      <p:nvGrpSpPr>
-        <p:cNvPr id="1" name=""/>
-        <p:cNvGrpSpPr/>
-        <p:nvPr/>
-      </p:nvGrpSpPr>
-      <p:grpSpPr>
-        <a:xfrm>
-          <a:off x="0" y="0"/>
-          <a:ext cx="0" cy="0"/>
-          <a:chOff x="0" y="0"/>
-          <a:chExt cx="0" cy="0"/>
-        </a:xfrm>
-      </p:grpSpPr>
-      <p:sp>
-        <p:nvSpPr>
-          <p:cNvPr id="15" name="직사각형 14"/>
-          <p:cNvSpPr/>
-          <p:nvPr/>
-        </p:nvSpPr>
-        <p:spPr>
-          <a:xfrm>
-            <a:off x="0" y="0"/>
-            <a:ext cx="11092873" cy="6858000"/>
-          </a:xfrm>
-          <a:prstGeom prst="rect">
-            <a:avLst/>
-          </a:prstGeom>
-          <a:solidFill>
-            <a:srgbClr val="BFBFBF"/>
-          </a:solidFill>
-          <a:ln>
-            <a:noFill/>
-          </a:ln>
-        </p:spPr>
-        <p:style>
-          <a:lnRef idx="2">
-            <a:schemeClr val="accent1">
-              <a:shade val="50000"/>
-            </a:schemeClr>
-          </a:lnRef>
-          <a:fillRef idx="1">
-            <a:schemeClr val="accent1"/>
-          </a:fillRef>
-          <a:effectRef idx="0">
-            <a:schemeClr val="accent1"/>
-          </a:effectRef>
-          <a:fontRef idx="minor">
-            <a:schemeClr val="lt1"/>
-          </a:fontRef>
-        </p:style>
-        <p:txBody>
-          <a:bodyPr rtlCol="0" anchor="ctr"/>
-          <a:lstStyle/>
-          <a:p>
-            <a:pPr algn="ctr"/>
-            <a:endParaRPr lang="ko-KR" altLang="en-US" dirty="0"/>
-          </a:p>
-        </p:txBody>
-      </p:sp>
-      <p:sp>
-        <p:nvSpPr>
-          <p:cNvPr id="3" name="TextBox 2"/>
-          <p:cNvSpPr txBox="1"/>
-          <p:nvPr/>
-        </p:nvSpPr>
-        <p:spPr>
-          <a:xfrm>
-            <a:off x="0" y="0"/>
-            <a:ext cx="10295792" cy="1015663"/>
-          </a:xfrm>
-          <a:prstGeom prst="rect">
-            <a:avLst/>
-          </a:prstGeom>
-          <a:noFill/>
-        </p:spPr>
-        <p:txBody>
-          <a:bodyPr wrap="square" rtlCol="0">
-            <a:spAutoFit/>
-          </a:bodyPr>
-          <a:lstStyle/>
-          <a:p>
-            <a:r>
-              <a:rPr lang="ko-KR" altLang="en-US" sz="6000" smtClean="0">
-                <a:solidFill>
-                  <a:schemeClr val="bg1"/>
-                </a:solidFill>
-                <a:latin typeface="Adobe 고딕 Std B" panose="020B0800000000000000" pitchFamily="34" charset="-127"/>
-                <a:ea typeface="Adobe 고딕 Std B" panose="020B0800000000000000" pitchFamily="34" charset="-127"/>
-              </a:rPr>
-              <a:t>인포메이션 </a:t>
-            </a:r>
-            <a:r>
-              <a:rPr lang="ko-KR" altLang="en-US" sz="6000" dirty="0" err="1" smtClean="0">
-                <a:solidFill>
-                  <a:schemeClr val="bg1"/>
-                </a:solidFill>
-                <a:latin typeface="Adobe 고딕 Std B" panose="020B0800000000000000" pitchFamily="34" charset="-127"/>
-                <a:ea typeface="Adobe 고딕 Std B" panose="020B0800000000000000" pitchFamily="34" charset="-127"/>
-              </a:rPr>
-              <a:t>아키텍쳐</a:t>
-            </a:r>
-            <a:endParaRPr lang="ko-KR" altLang="en-US" sz="6000" dirty="0">
-              <a:solidFill>
-                <a:schemeClr val="bg1"/>
-              </a:solidFill>
-              <a:latin typeface="Adobe 고딕 Std B" panose="020B0800000000000000" pitchFamily="34" charset="-127"/>
-              <a:ea typeface="Adobe 고딕 Std B" panose="020B0800000000000000" pitchFamily="34" charset="-127"/>
-            </a:endParaRPr>
-          </a:p>
-        </p:txBody>
-      </p:sp>
-    </p:spTree>
-    <p:extLst>
-      <p:ext uri="{BB962C8B-B14F-4D97-AF65-F5344CB8AC3E}">
-        <p14:creationId xmlns:p14="http://schemas.microsoft.com/office/powerpoint/2010/main" val="632022799"/>
+        <p14:creationId xmlns:p14="http://schemas.microsoft.com/office/powerpoint/2010/main" val="1640305789"/>
       </p:ext>
     </p:extLst>
   </p:cSld>

--- a/자기소개서.pptx
+++ b/자기소개서.pptx
@@ -1316,6 +1316,14 @@
         </dgm:presLayoutVars>
       </dgm:prSet>
       <dgm:spPr/>
+      <dgm:t>
+        <a:bodyPr/>
+        <a:lstStyle/>
+        <a:p>
+          <a:pPr latinLnBrk="1"/>
+          <a:endParaRPr lang="ko-KR" altLang="en-US"/>
+        </a:p>
+      </dgm:t>
     </dgm:pt>
     <dgm:pt modelId="{2358C9B9-FC9B-4A1B-9D15-414E3ACB4020}" type="pres">
       <dgm:prSet presAssocID="{419F5111-53A7-4F4F-90FB-9D7AFE018000}" presName="root" presStyleCnt="0"/>
@@ -1328,10 +1336,26 @@
     <dgm:pt modelId="{99AA22A2-F58A-4F0D-A03E-99E3DFB80371}" type="pres">
       <dgm:prSet presAssocID="{419F5111-53A7-4F4F-90FB-9D7AFE018000}" presName="rootText" presStyleLbl="node1" presStyleIdx="0" presStyleCnt="1" custScaleX="75646" custScaleY="14356" custLinFactNeighborY="-98"/>
       <dgm:spPr/>
+      <dgm:t>
+        <a:bodyPr/>
+        <a:lstStyle/>
+        <a:p>
+          <a:pPr latinLnBrk="1"/>
+          <a:endParaRPr lang="ko-KR" altLang="en-US"/>
+        </a:p>
+      </dgm:t>
     </dgm:pt>
     <dgm:pt modelId="{94978AFA-458B-4F98-980A-58D7BF4DE37A}" type="pres">
       <dgm:prSet presAssocID="{419F5111-53A7-4F4F-90FB-9D7AFE018000}" presName="rootConnector" presStyleLbl="node1" presStyleIdx="0" presStyleCnt="1"/>
       <dgm:spPr/>
+      <dgm:t>
+        <a:bodyPr/>
+        <a:lstStyle/>
+        <a:p>
+          <a:pPr latinLnBrk="1"/>
+          <a:endParaRPr lang="ko-KR" altLang="en-US"/>
+        </a:p>
+      </dgm:t>
     </dgm:pt>
     <dgm:pt modelId="{A1EC2C13-2BDB-474C-BB32-74949BB6555B}" type="pres">
       <dgm:prSet presAssocID="{419F5111-53A7-4F4F-90FB-9D7AFE018000}" presName="childShape" presStyleCnt="0"/>
@@ -1340,6 +1364,14 @@
     <dgm:pt modelId="{62DB9B4F-968D-4DA8-B60D-2131CA0825FF}" type="pres">
       <dgm:prSet presAssocID="{7919CD74-AA35-4464-8383-05B437189663}" presName="Name13" presStyleLbl="parChTrans1D2" presStyleIdx="0" presStyleCnt="5"/>
       <dgm:spPr/>
+      <dgm:t>
+        <a:bodyPr/>
+        <a:lstStyle/>
+        <a:p>
+          <a:pPr latinLnBrk="1"/>
+          <a:endParaRPr lang="ko-KR" altLang="en-US"/>
+        </a:p>
+      </dgm:t>
     </dgm:pt>
     <dgm:pt modelId="{09C6C7EF-E55B-436D-9062-ABDB75A54695}" type="pres">
       <dgm:prSet presAssocID="{BB5ACD21-BB43-4C87-BE93-05CA5B909B6C}" presName="childText" presStyleLbl="bgAcc1" presStyleIdx="0" presStyleCnt="5" custScaleX="94557" custScaleY="14356" custLinFactNeighborY="-17966">
@@ -1348,10 +1380,26 @@
         </dgm:presLayoutVars>
       </dgm:prSet>
       <dgm:spPr/>
+      <dgm:t>
+        <a:bodyPr/>
+        <a:lstStyle/>
+        <a:p>
+          <a:pPr latinLnBrk="1"/>
+          <a:endParaRPr lang="ko-KR" altLang="en-US"/>
+        </a:p>
+      </dgm:t>
     </dgm:pt>
     <dgm:pt modelId="{6BD597CF-65BC-4D49-8771-AD56988B8B24}" type="pres">
       <dgm:prSet presAssocID="{35B28531-0886-47A5-A966-5450E0C1F69E}" presName="Name13" presStyleLbl="parChTrans1D2" presStyleIdx="1" presStyleCnt="5"/>
       <dgm:spPr/>
+      <dgm:t>
+        <a:bodyPr/>
+        <a:lstStyle/>
+        <a:p>
+          <a:pPr latinLnBrk="1"/>
+          <a:endParaRPr lang="ko-KR" altLang="en-US"/>
+        </a:p>
+      </dgm:t>
     </dgm:pt>
     <dgm:pt modelId="{ED214FF9-5796-4C55-A22A-BB1116D4272F}" type="pres">
       <dgm:prSet presAssocID="{EE8EBA11-BA2C-4C60-974F-4FA0F85F1F04}" presName="childText" presStyleLbl="bgAcc1" presStyleIdx="1" presStyleCnt="5" custScaleX="94557" custScaleY="14356" custLinFactNeighborY="-35787">
@@ -1360,10 +1408,26 @@
         </dgm:presLayoutVars>
       </dgm:prSet>
       <dgm:spPr/>
+      <dgm:t>
+        <a:bodyPr/>
+        <a:lstStyle/>
+        <a:p>
+          <a:pPr latinLnBrk="1"/>
+          <a:endParaRPr lang="ko-KR" altLang="en-US"/>
+        </a:p>
+      </dgm:t>
     </dgm:pt>
     <dgm:pt modelId="{8C86A79B-5652-417F-84AD-03A58B5133B7}" type="pres">
       <dgm:prSet presAssocID="{7CBFECA8-13F3-438B-8004-DFDCFBB66E3D}" presName="Name13" presStyleLbl="parChTrans1D2" presStyleIdx="2" presStyleCnt="5"/>
       <dgm:spPr/>
+      <dgm:t>
+        <a:bodyPr/>
+        <a:lstStyle/>
+        <a:p>
+          <a:pPr latinLnBrk="1"/>
+          <a:endParaRPr lang="ko-KR" altLang="en-US"/>
+        </a:p>
+      </dgm:t>
     </dgm:pt>
     <dgm:pt modelId="{188F2149-7EA2-460C-BF34-8707EBFDCFEA}" type="pres">
       <dgm:prSet presAssocID="{AA95C3E3-A79D-4FE8-8672-C639FF14ACA1}" presName="childText" presStyleLbl="bgAcc1" presStyleIdx="2" presStyleCnt="5" custScaleX="94557" custScaleY="14356" custLinFactNeighborY="-53609">
@@ -1372,10 +1436,26 @@
         </dgm:presLayoutVars>
       </dgm:prSet>
       <dgm:spPr/>
+      <dgm:t>
+        <a:bodyPr/>
+        <a:lstStyle/>
+        <a:p>
+          <a:pPr latinLnBrk="1"/>
+          <a:endParaRPr lang="ko-KR" altLang="en-US"/>
+        </a:p>
+      </dgm:t>
     </dgm:pt>
     <dgm:pt modelId="{5A9E1885-2213-4394-A076-F29F3557CB90}" type="pres">
       <dgm:prSet presAssocID="{0278735F-DC2E-4FF8-9453-CBE2D5E1B597}" presName="Name13" presStyleLbl="parChTrans1D2" presStyleIdx="3" presStyleCnt="5"/>
       <dgm:spPr/>
+      <dgm:t>
+        <a:bodyPr/>
+        <a:lstStyle/>
+        <a:p>
+          <a:pPr latinLnBrk="1"/>
+          <a:endParaRPr lang="ko-KR" altLang="en-US"/>
+        </a:p>
+      </dgm:t>
     </dgm:pt>
     <dgm:pt modelId="{1D489068-E3E5-4E88-9E2B-85DC620EFCDA}" type="pres">
       <dgm:prSet presAssocID="{D7CFB158-8B0B-41C3-A3C0-76D54DA941CC}" presName="childText" presStyleLbl="bgAcc1" presStyleIdx="3" presStyleCnt="5" custScaleX="94557" custScaleY="14356" custLinFactNeighborX="-14" custLinFactNeighborY="-71430">
@@ -1396,6 +1476,14 @@
     <dgm:pt modelId="{E6186C21-2F08-4E52-B8E0-66FE37A3B2BC}" type="pres">
       <dgm:prSet presAssocID="{6F003E76-F705-408D-AA1D-5EEBDB63F3DD}" presName="Name13" presStyleLbl="parChTrans1D2" presStyleIdx="4" presStyleCnt="5"/>
       <dgm:spPr/>
+      <dgm:t>
+        <a:bodyPr/>
+        <a:lstStyle/>
+        <a:p>
+          <a:pPr latinLnBrk="1"/>
+          <a:endParaRPr lang="ko-KR" altLang="en-US"/>
+        </a:p>
+      </dgm:t>
     </dgm:pt>
     <dgm:pt modelId="{AD4DB8CA-F1CB-4103-90C1-44178205B47C}" type="pres">
       <dgm:prSet presAssocID="{8F43AAF3-9466-47DD-A244-4CEF84D7AB04}" presName="childText" presStyleLbl="bgAcc1" presStyleIdx="4" presStyleCnt="5" custScaleX="94557" custScaleY="14356" custLinFactNeighborY="-89251">
@@ -1416,23 +1504,23 @@
   </dgm:ptLst>
   <dgm:cxnLst>
     <dgm:cxn modelId="{DB24B09C-295B-41C9-A775-58DB6A785686}" type="presOf" srcId="{419F5111-53A7-4F4F-90FB-9D7AFE018000}" destId="{99AA22A2-F58A-4F0D-A03E-99E3DFB80371}" srcOrd="0" destOrd="0" presId="urn:microsoft.com/office/officeart/2005/8/layout/hierarchy3"/>
-    <dgm:cxn modelId="{DC603895-DA97-4D69-B095-62FEF6006A0B}" type="presOf" srcId="{419F5111-53A7-4F4F-90FB-9D7AFE018000}" destId="{94978AFA-458B-4F98-980A-58D7BF4DE37A}" srcOrd="1" destOrd="0" presId="urn:microsoft.com/office/officeart/2005/8/layout/hierarchy3"/>
-    <dgm:cxn modelId="{8AF91986-EB17-4C9A-B125-4E38D287E426}" type="presOf" srcId="{BB5ACD21-BB43-4C87-BE93-05CA5B909B6C}" destId="{09C6C7EF-E55B-436D-9062-ABDB75A54695}" srcOrd="0" destOrd="0" presId="urn:microsoft.com/office/officeart/2005/8/layout/hierarchy3"/>
-    <dgm:cxn modelId="{07B78823-B810-4F10-A12F-FB932069D7A0}" type="presOf" srcId="{8F43AAF3-9466-47DD-A244-4CEF84D7AB04}" destId="{AD4DB8CA-F1CB-4103-90C1-44178205B47C}" srcOrd="0" destOrd="0" presId="urn:microsoft.com/office/officeart/2005/8/layout/hierarchy3"/>
-    <dgm:cxn modelId="{7A798191-2898-43C8-9B9A-B61A64108457}" type="presOf" srcId="{D7CFB158-8B0B-41C3-A3C0-76D54DA941CC}" destId="{1D489068-E3E5-4E88-9E2B-85DC620EFCDA}" srcOrd="0" destOrd="0" presId="urn:microsoft.com/office/officeart/2005/8/layout/hierarchy3"/>
-    <dgm:cxn modelId="{568540B8-CA93-41B4-9370-7DCAAC065B26}" type="presOf" srcId="{EE8EBA11-BA2C-4C60-974F-4FA0F85F1F04}" destId="{ED214FF9-5796-4C55-A22A-BB1116D4272F}" srcOrd="0" destOrd="0" presId="urn:microsoft.com/office/officeart/2005/8/layout/hierarchy3"/>
-    <dgm:cxn modelId="{FFC74D81-5A5F-4CC4-A0ED-24A77C5CC9A0}" type="presOf" srcId="{AA95C3E3-A79D-4FE8-8672-C639FF14ACA1}" destId="{188F2149-7EA2-460C-BF34-8707EBFDCFEA}" srcOrd="0" destOrd="0" presId="urn:microsoft.com/office/officeart/2005/8/layout/hierarchy3"/>
-    <dgm:cxn modelId="{4837BC7A-4CED-41D2-B832-76E574952EED}" srcId="{419F5111-53A7-4F4F-90FB-9D7AFE018000}" destId="{D7CFB158-8B0B-41C3-A3C0-76D54DA941CC}" srcOrd="3" destOrd="0" parTransId="{0278735F-DC2E-4FF8-9453-CBE2D5E1B597}" sibTransId="{DCC25604-E3A1-4F3E-AB48-1CF043826F9D}"/>
-    <dgm:cxn modelId="{DC88B79A-7535-4C33-8842-1E47B34FCC58}" type="presOf" srcId="{7CBFECA8-13F3-438B-8004-DFDCFBB66E3D}" destId="{8C86A79B-5652-417F-84AD-03A58B5133B7}" srcOrd="0" destOrd="0" presId="urn:microsoft.com/office/officeart/2005/8/layout/hierarchy3"/>
-    <dgm:cxn modelId="{59EF9C30-6447-4D22-8D57-ECAC57F039A0}" type="presOf" srcId="{D63AD34C-7083-4282-82F3-9F675BEFE090}" destId="{602F73FA-36BF-4CCB-9511-9B22F18D96CD}" srcOrd="0" destOrd="0" presId="urn:microsoft.com/office/officeart/2005/8/layout/hierarchy3"/>
     <dgm:cxn modelId="{6D7309AF-F82C-473E-99CB-7485E966686C}" srcId="{D63AD34C-7083-4282-82F3-9F675BEFE090}" destId="{419F5111-53A7-4F4F-90FB-9D7AFE018000}" srcOrd="0" destOrd="0" parTransId="{C5D2AE45-EFAE-4F75-A8A7-218FB629B661}" sibTransId="{C1515820-D674-4227-A22F-761CB86DEF72}"/>
     <dgm:cxn modelId="{3D57B6FA-BCFC-4A16-9801-E21BE321B86C}" type="presOf" srcId="{6F003E76-F705-408D-AA1D-5EEBDB63F3DD}" destId="{E6186C21-2F08-4E52-B8E0-66FE37A3B2BC}" srcOrd="0" destOrd="0" presId="urn:microsoft.com/office/officeart/2005/8/layout/hierarchy3"/>
+    <dgm:cxn modelId="{D960D91F-E0F8-44B8-9D6F-9A05AAC5AD3D}" type="presOf" srcId="{0278735F-DC2E-4FF8-9453-CBE2D5E1B597}" destId="{5A9E1885-2213-4394-A076-F29F3557CB90}" srcOrd="0" destOrd="0" presId="urn:microsoft.com/office/officeart/2005/8/layout/hierarchy3"/>
+    <dgm:cxn modelId="{07B78823-B810-4F10-A12F-FB932069D7A0}" type="presOf" srcId="{8F43AAF3-9466-47DD-A244-4CEF84D7AB04}" destId="{AD4DB8CA-F1CB-4103-90C1-44178205B47C}" srcOrd="0" destOrd="0" presId="urn:microsoft.com/office/officeart/2005/8/layout/hierarchy3"/>
     <dgm:cxn modelId="{3C8F4567-4DCB-47F9-9652-7FDC08288C32}" srcId="{419F5111-53A7-4F4F-90FB-9D7AFE018000}" destId="{8F43AAF3-9466-47DD-A244-4CEF84D7AB04}" srcOrd="4" destOrd="0" parTransId="{6F003E76-F705-408D-AA1D-5EEBDB63F3DD}" sibTransId="{D2BCFD01-1EA6-485B-AC86-3C37309120F8}"/>
+    <dgm:cxn modelId="{8AF91986-EB17-4C9A-B125-4E38D287E426}" type="presOf" srcId="{BB5ACD21-BB43-4C87-BE93-05CA5B909B6C}" destId="{09C6C7EF-E55B-436D-9062-ABDB75A54695}" srcOrd="0" destOrd="0" presId="urn:microsoft.com/office/officeart/2005/8/layout/hierarchy3"/>
+    <dgm:cxn modelId="{FFC74D81-5A5F-4CC4-A0ED-24A77C5CC9A0}" type="presOf" srcId="{AA95C3E3-A79D-4FE8-8672-C639FF14ACA1}" destId="{188F2149-7EA2-460C-BF34-8707EBFDCFEA}" srcOrd="0" destOrd="0" presId="urn:microsoft.com/office/officeart/2005/8/layout/hierarchy3"/>
+    <dgm:cxn modelId="{59EF9C30-6447-4D22-8D57-ECAC57F039A0}" type="presOf" srcId="{D63AD34C-7083-4282-82F3-9F675BEFE090}" destId="{602F73FA-36BF-4CCB-9511-9B22F18D96CD}" srcOrd="0" destOrd="0" presId="urn:microsoft.com/office/officeart/2005/8/layout/hierarchy3"/>
+    <dgm:cxn modelId="{394700C6-B112-415E-874C-DBCD9B9EFDAA}" srcId="{419F5111-53A7-4F4F-90FB-9D7AFE018000}" destId="{EE8EBA11-BA2C-4C60-974F-4FA0F85F1F04}" srcOrd="1" destOrd="0" parTransId="{35B28531-0886-47A5-A966-5450E0C1F69E}" sibTransId="{4321714C-866F-4CB5-B39E-DDE80F29CEEB}"/>
+    <dgm:cxn modelId="{568540B8-CA93-41B4-9370-7DCAAC065B26}" type="presOf" srcId="{EE8EBA11-BA2C-4C60-974F-4FA0F85F1F04}" destId="{ED214FF9-5796-4C55-A22A-BB1116D4272F}" srcOrd="0" destOrd="0" presId="urn:microsoft.com/office/officeart/2005/8/layout/hierarchy3"/>
+    <dgm:cxn modelId="{6F595A0D-9CE8-4234-987B-3C7491483B91}" srcId="{419F5111-53A7-4F4F-90FB-9D7AFE018000}" destId="{BB5ACD21-BB43-4C87-BE93-05CA5B909B6C}" srcOrd="0" destOrd="0" parTransId="{7919CD74-AA35-4464-8383-05B437189663}" sibTransId="{A29364ED-47AD-4CDB-96E9-05709035B62B}"/>
+    <dgm:cxn modelId="{DC88B79A-7535-4C33-8842-1E47B34FCC58}" type="presOf" srcId="{7CBFECA8-13F3-438B-8004-DFDCFBB66E3D}" destId="{8C86A79B-5652-417F-84AD-03A58B5133B7}" srcOrd="0" destOrd="0" presId="urn:microsoft.com/office/officeart/2005/8/layout/hierarchy3"/>
+    <dgm:cxn modelId="{4837BC7A-4CED-41D2-B832-76E574952EED}" srcId="{419F5111-53A7-4F4F-90FB-9D7AFE018000}" destId="{D7CFB158-8B0B-41C3-A3C0-76D54DA941CC}" srcOrd="3" destOrd="0" parTransId="{0278735F-DC2E-4FF8-9453-CBE2D5E1B597}" sibTransId="{DCC25604-E3A1-4F3E-AB48-1CF043826F9D}"/>
     <dgm:cxn modelId="{12480A29-2D94-4582-85AC-C45D19BE6147}" type="presOf" srcId="{35B28531-0886-47A5-A966-5450E0C1F69E}" destId="{6BD597CF-65BC-4D49-8771-AD56988B8B24}" srcOrd="0" destOrd="0" presId="urn:microsoft.com/office/officeart/2005/8/layout/hierarchy3"/>
+    <dgm:cxn modelId="{DC603895-DA97-4D69-B095-62FEF6006A0B}" type="presOf" srcId="{419F5111-53A7-4F4F-90FB-9D7AFE018000}" destId="{94978AFA-458B-4F98-980A-58D7BF4DE37A}" srcOrd="1" destOrd="0" presId="urn:microsoft.com/office/officeart/2005/8/layout/hierarchy3"/>
+    <dgm:cxn modelId="{7A798191-2898-43C8-9B9A-B61A64108457}" type="presOf" srcId="{D7CFB158-8B0B-41C3-A3C0-76D54DA941CC}" destId="{1D489068-E3E5-4E88-9E2B-85DC620EFCDA}" srcOrd="0" destOrd="0" presId="urn:microsoft.com/office/officeart/2005/8/layout/hierarchy3"/>
     <dgm:cxn modelId="{B5A28D86-F941-4582-9065-196D61176C73}" type="presOf" srcId="{7919CD74-AA35-4464-8383-05B437189663}" destId="{62DB9B4F-968D-4DA8-B60D-2131CA0825FF}" srcOrd="0" destOrd="0" presId="urn:microsoft.com/office/officeart/2005/8/layout/hierarchy3"/>
-    <dgm:cxn modelId="{D960D91F-E0F8-44B8-9D6F-9A05AAC5AD3D}" type="presOf" srcId="{0278735F-DC2E-4FF8-9453-CBE2D5E1B597}" destId="{5A9E1885-2213-4394-A076-F29F3557CB90}" srcOrd="0" destOrd="0" presId="urn:microsoft.com/office/officeart/2005/8/layout/hierarchy3"/>
-    <dgm:cxn modelId="{6F595A0D-9CE8-4234-987B-3C7491483B91}" srcId="{419F5111-53A7-4F4F-90FB-9D7AFE018000}" destId="{BB5ACD21-BB43-4C87-BE93-05CA5B909B6C}" srcOrd="0" destOrd="0" parTransId="{7919CD74-AA35-4464-8383-05B437189663}" sibTransId="{A29364ED-47AD-4CDB-96E9-05709035B62B}"/>
-    <dgm:cxn modelId="{394700C6-B112-415E-874C-DBCD9B9EFDAA}" srcId="{419F5111-53A7-4F4F-90FB-9D7AFE018000}" destId="{EE8EBA11-BA2C-4C60-974F-4FA0F85F1F04}" srcOrd="1" destOrd="0" parTransId="{35B28531-0886-47A5-A966-5450E0C1F69E}" sibTransId="{4321714C-866F-4CB5-B39E-DDE80F29CEEB}"/>
     <dgm:cxn modelId="{C2D3A0D1-B1BB-447D-9F5F-AEC5A39D37D2}" srcId="{419F5111-53A7-4F4F-90FB-9D7AFE018000}" destId="{AA95C3E3-A79D-4FE8-8672-C639FF14ACA1}" srcOrd="2" destOrd="0" parTransId="{7CBFECA8-13F3-438B-8004-DFDCFBB66E3D}" sibTransId="{2871781E-8369-4578-90D7-77E99464AF38}"/>
     <dgm:cxn modelId="{40A1ACA4-710C-4D49-8EB1-FB916A24C2FD}" type="presParOf" srcId="{602F73FA-36BF-4CCB-9511-9B22F18D96CD}" destId="{2358C9B9-FC9B-4A1B-9D15-414E3ACB4020}" srcOrd="0" destOrd="0" presId="urn:microsoft.com/office/officeart/2005/8/layout/hierarchy3"/>
     <dgm:cxn modelId="{C2606416-0B03-424F-B456-B92F07D0DF51}" type="presParOf" srcId="{2358C9B9-FC9B-4A1B-9D15-414E3ACB4020}" destId="{6A76D788-C769-4235-8CC6-AD6FE73F38FB}" srcOrd="0" destOrd="0" presId="urn:microsoft.com/office/officeart/2005/8/layout/hierarchy3"/>
@@ -3771,7 +3859,7 @@
           <a:p>
             <a:fld id="{264654F6-9A7C-43B7-BDFE-44552E03498C}" type="datetimeFigureOut">
               <a:rPr lang="ko-KR" altLang="en-US" smtClean="0"/>
-              <a:t>2019-08-26</a:t>
+              <a:t>2019-08-27</a:t>
             </a:fld>
             <a:endParaRPr lang="ko-KR" altLang="en-US"/>
           </a:p>
@@ -3941,7 +4029,7 @@
           <a:p>
             <a:fld id="{264654F6-9A7C-43B7-BDFE-44552E03498C}" type="datetimeFigureOut">
               <a:rPr lang="ko-KR" altLang="en-US" smtClean="0"/>
-              <a:t>2019-08-26</a:t>
+              <a:t>2019-08-27</a:t>
             </a:fld>
             <a:endParaRPr lang="ko-KR" altLang="en-US"/>
           </a:p>
@@ -4121,7 +4209,7 @@
           <a:p>
             <a:fld id="{264654F6-9A7C-43B7-BDFE-44552E03498C}" type="datetimeFigureOut">
               <a:rPr lang="ko-KR" altLang="en-US" smtClean="0"/>
-              <a:t>2019-08-26</a:t>
+              <a:t>2019-08-27</a:t>
             </a:fld>
             <a:endParaRPr lang="ko-KR" altLang="en-US"/>
           </a:p>
@@ -4291,7 +4379,7 @@
           <a:p>
             <a:fld id="{264654F6-9A7C-43B7-BDFE-44552E03498C}" type="datetimeFigureOut">
               <a:rPr lang="ko-KR" altLang="en-US" smtClean="0"/>
-              <a:t>2019-08-26</a:t>
+              <a:t>2019-08-27</a:t>
             </a:fld>
             <a:endParaRPr lang="ko-KR" altLang="en-US"/>
           </a:p>
@@ -4537,7 +4625,7 @@
           <a:p>
             <a:fld id="{264654F6-9A7C-43B7-BDFE-44552E03498C}" type="datetimeFigureOut">
               <a:rPr lang="ko-KR" altLang="en-US" smtClean="0"/>
-              <a:t>2019-08-26</a:t>
+              <a:t>2019-08-27</a:t>
             </a:fld>
             <a:endParaRPr lang="ko-KR" altLang="en-US"/>
           </a:p>
@@ -4769,7 +4857,7 @@
           <a:p>
             <a:fld id="{264654F6-9A7C-43B7-BDFE-44552E03498C}" type="datetimeFigureOut">
               <a:rPr lang="ko-KR" altLang="en-US" smtClean="0"/>
-              <a:t>2019-08-26</a:t>
+              <a:t>2019-08-27</a:t>
             </a:fld>
             <a:endParaRPr lang="ko-KR" altLang="en-US"/>
           </a:p>
@@ -5136,7 +5224,7 @@
           <a:p>
             <a:fld id="{264654F6-9A7C-43B7-BDFE-44552E03498C}" type="datetimeFigureOut">
               <a:rPr lang="ko-KR" altLang="en-US" smtClean="0"/>
-              <a:t>2019-08-26</a:t>
+              <a:t>2019-08-27</a:t>
             </a:fld>
             <a:endParaRPr lang="ko-KR" altLang="en-US"/>
           </a:p>
@@ -5254,7 +5342,7 @@
           <a:p>
             <a:fld id="{264654F6-9A7C-43B7-BDFE-44552E03498C}" type="datetimeFigureOut">
               <a:rPr lang="ko-KR" altLang="en-US" smtClean="0"/>
-              <a:t>2019-08-26</a:t>
+              <a:t>2019-08-27</a:t>
             </a:fld>
             <a:endParaRPr lang="ko-KR" altLang="en-US"/>
           </a:p>
@@ -5349,7 +5437,7 @@
           <a:p>
             <a:fld id="{264654F6-9A7C-43B7-BDFE-44552E03498C}" type="datetimeFigureOut">
               <a:rPr lang="ko-KR" altLang="en-US" smtClean="0"/>
-              <a:t>2019-08-26</a:t>
+              <a:t>2019-08-27</a:t>
             </a:fld>
             <a:endParaRPr lang="ko-KR" altLang="en-US"/>
           </a:p>
@@ -5626,7 +5714,7 @@
           <a:p>
             <a:fld id="{264654F6-9A7C-43B7-BDFE-44552E03498C}" type="datetimeFigureOut">
               <a:rPr lang="ko-KR" altLang="en-US" smtClean="0"/>
-              <a:t>2019-08-26</a:t>
+              <a:t>2019-08-27</a:t>
             </a:fld>
             <a:endParaRPr lang="ko-KR" altLang="en-US"/>
           </a:p>
@@ -5879,7 +5967,7 @@
           <a:p>
             <a:fld id="{264654F6-9A7C-43B7-BDFE-44552E03498C}" type="datetimeFigureOut">
               <a:rPr lang="ko-KR" altLang="en-US" smtClean="0"/>
-              <a:t>2019-08-26</a:t>
+              <a:t>2019-08-27</a:t>
             </a:fld>
             <a:endParaRPr lang="ko-KR" altLang="en-US"/>
           </a:p>
@@ -6092,7 +6180,7 @@
           <a:p>
             <a:fld id="{264654F6-9A7C-43B7-BDFE-44552E03498C}" type="datetimeFigureOut">
               <a:rPr lang="ko-KR" altLang="en-US" smtClean="0"/>
-              <a:t>2019-08-26</a:t>
+              <a:t>2019-08-27</a:t>
             </a:fld>
             <a:endParaRPr lang="ko-KR" altLang="en-US"/>
           </a:p>
@@ -7221,17 +7309,7 @@
                 <a:latin typeface="Adobe 고딕 Std B" panose="020B0800000000000000" pitchFamily="34" charset="-127"/>
                 <a:ea typeface="Adobe 고딕 Std B" panose="020B0800000000000000" pitchFamily="34" charset="-127"/>
               </a:rPr>
-              <a:t>780px</a:t>
-            </a:r>
-            <a:r>
-              <a:rPr lang="en-US" altLang="ko-KR" sz="1000" dirty="0" smtClean="0">
-                <a:solidFill>
-                  <a:schemeClr val="bg1"/>
-                </a:solidFill>
-                <a:latin typeface="Adobe 고딕 Std B" panose="020B0800000000000000" pitchFamily="34" charset="-127"/>
-                <a:ea typeface="Adobe 고딕 Std B" panose="020B0800000000000000" pitchFamily="34" charset="-127"/>
-              </a:rPr>
-              <a:t>	</a:t>
+              <a:t>780px	</a:t>
             </a:r>
             <a:endParaRPr lang="ko-KR" altLang="en-US" sz="1000" dirty="0">
               <a:solidFill>
@@ -7273,17 +7351,7 @@
                 <a:latin typeface="Adobe 고딕 Std B" panose="020B0800000000000000" pitchFamily="34" charset="-127"/>
                 <a:ea typeface="Adobe 고딕 Std B" panose="020B0800000000000000" pitchFamily="34" charset="-127"/>
               </a:rPr>
-              <a:t>288</a:t>
-            </a:r>
-            <a:r>
-              <a:rPr lang="en-US" altLang="ko-KR" sz="1000" dirty="0" smtClean="0">
-                <a:solidFill>
-                  <a:schemeClr val="bg1"/>
-                </a:solidFill>
-                <a:latin typeface="Adobe 고딕 Std B" panose="020B0800000000000000" pitchFamily="34" charset="-127"/>
-                <a:ea typeface="Adobe 고딕 Std B" panose="020B0800000000000000" pitchFamily="34" charset="-127"/>
-              </a:rPr>
-              <a:t>px</a:t>
+              <a:t>288px</a:t>
             </a:r>
             <a:endParaRPr lang="ko-KR" altLang="en-US" sz="1000" dirty="0">
               <a:solidFill>
@@ -9739,7 +9807,7 @@
         <p:spPr>
           <a:xfrm>
             <a:off x="5286980" y="3285505"/>
-            <a:ext cx="2257456" cy="1323439"/>
+            <a:ext cx="2257456" cy="400110"/>
           </a:xfrm>
           <a:prstGeom prst="rect">
             <a:avLst/>
@@ -9752,56 +9820,6 @@
           </a:bodyPr>
           <a:lstStyle/>
           <a:p>
-            <a:r>
-              <a:rPr lang="en-US" altLang="ko-KR" sz="1000" dirty="0" smtClean="0">
-                <a:solidFill>
-                  <a:schemeClr val="bg1"/>
-                </a:solidFill>
-                <a:latin typeface="Adobe 고딕 Std B" panose="020B0800000000000000" pitchFamily="34" charset="-127"/>
-                <a:ea typeface="Adobe 고딕 Std B" panose="020B0800000000000000" pitchFamily="34" charset="-127"/>
-              </a:rPr>
-              <a:t>  Lorem </a:t>
-            </a:r>
-            <a:r>
-              <a:rPr lang="en-US" altLang="ko-KR" sz="1000" dirty="0">
-                <a:solidFill>
-                  <a:schemeClr val="bg1"/>
-                </a:solidFill>
-                <a:latin typeface="Adobe 고딕 Std B" panose="020B0800000000000000" pitchFamily="34" charset="-127"/>
-                <a:ea typeface="Adobe 고딕 Std B" panose="020B0800000000000000" pitchFamily="34" charset="-127"/>
-              </a:rPr>
-              <a:t>ipsum dolor sit </a:t>
-            </a:r>
-            <a:r>
-              <a:rPr lang="en-US" altLang="ko-KR" sz="1000" dirty="0" err="1">
-                <a:solidFill>
-                  <a:schemeClr val="bg1"/>
-                </a:solidFill>
-                <a:latin typeface="Adobe 고딕 Std B" panose="020B0800000000000000" pitchFamily="34" charset="-127"/>
-                <a:ea typeface="Adobe 고딕 Std B" panose="020B0800000000000000" pitchFamily="34" charset="-127"/>
-              </a:rPr>
-              <a:t>amet</a:t>
-            </a:r>
-            <a:r>
-              <a:rPr lang="en-US" altLang="ko-KR" sz="1000" dirty="0">
-                <a:solidFill>
-                  <a:schemeClr val="bg1"/>
-                </a:solidFill>
-                <a:latin typeface="Adobe 고딕 Std B" panose="020B0800000000000000" pitchFamily="34" charset="-127"/>
-                <a:ea typeface="Adobe 고딕 Std B" panose="020B0800000000000000" pitchFamily="34" charset="-127"/>
-              </a:rPr>
-              <a:t>, </a:t>
-            </a:r>
-            <a:r>
-              <a:rPr lang="en-US" altLang="ko-KR" sz="1000" dirty="0" err="1">
-                <a:solidFill>
-                  <a:schemeClr val="bg1"/>
-                </a:solidFill>
-                <a:latin typeface="Adobe 고딕 Std B" panose="020B0800000000000000" pitchFamily="34" charset="-127"/>
-                <a:ea typeface="Adobe 고딕 Std B" panose="020B0800000000000000" pitchFamily="34" charset="-127"/>
-              </a:rPr>
-              <a:t>consectetur</a:t>
-            </a:r>
             <a:r>
               <a:rPr lang="en-US" altLang="ko-KR" sz="1000" dirty="0">
                 <a:solidFill>
@@ -9813,14 +9831,44 @@
               <a:t> </a:t>
             </a:r>
             <a:r>
-              <a:rPr lang="en-US" altLang="ko-KR" sz="1000" dirty="0" err="1">
+              <a:rPr lang="en-US" altLang="ko-KR" sz="1000" dirty="0" smtClean="0">
                 <a:solidFill>
                   <a:schemeClr val="bg1"/>
                 </a:solidFill>
                 <a:latin typeface="Adobe 고딕 Std B" panose="020B0800000000000000" pitchFamily="34" charset="-127"/>
                 <a:ea typeface="Adobe 고딕 Std B" panose="020B0800000000000000" pitchFamily="34" charset="-127"/>
               </a:rPr>
-              <a:t>adipiscing</a:t>
+              <a:t> 1996</a:t>
+            </a:r>
+            <a:r>
+              <a:rPr lang="ko-KR" altLang="en-US" sz="1000" dirty="0" smtClean="0">
+                <a:solidFill>
+                  <a:schemeClr val="bg1"/>
+                </a:solidFill>
+                <a:latin typeface="Adobe 고딕 Std B" panose="020B0800000000000000" pitchFamily="34" charset="-127"/>
+                <a:ea typeface="Adobe 고딕 Std B" panose="020B0800000000000000" pitchFamily="34" charset="-127"/>
+              </a:rPr>
+              <a:t>년 서울에서 출생</a:t>
+            </a:r>
+            <a:r>
+              <a:rPr lang="en-US" altLang="ko-KR" sz="1000" dirty="0" smtClean="0">
+                <a:solidFill>
+                  <a:schemeClr val="bg1"/>
+                </a:solidFill>
+                <a:latin typeface="Adobe 고딕 Std B" panose="020B0800000000000000" pitchFamily="34" charset="-127"/>
+                <a:ea typeface="Adobe 고딕 Std B" panose="020B0800000000000000" pitchFamily="34" charset="-127"/>
+              </a:rPr>
+              <a:t>. </a:t>
+            </a:r>
+            <a:r>
+              <a:rPr lang="ko-KR" altLang="en-US" sz="1000" dirty="0" smtClean="0">
+                <a:solidFill>
+                  <a:schemeClr val="bg1"/>
+                </a:solidFill>
+                <a:latin typeface="Adobe 고딕 Std B" panose="020B0800000000000000" pitchFamily="34" charset="-127"/>
+                <a:ea typeface="Adobe 고딕 Std B" panose="020B0800000000000000" pitchFamily="34" charset="-127"/>
+              </a:rPr>
+              <a:t>수능 언어</a:t>
             </a:r>
             <a:r>
               <a:rPr lang="en-US" altLang="ko-KR" sz="1000" dirty="0">
@@ -9833,416 +9881,6 @@
               <a:t> </a:t>
             </a:r>
             <a:r>
-              <a:rPr lang="en-US" altLang="ko-KR" sz="1000" dirty="0" err="1">
-                <a:solidFill>
-                  <a:schemeClr val="bg1"/>
-                </a:solidFill>
-                <a:latin typeface="Adobe 고딕 Std B" panose="020B0800000000000000" pitchFamily="34" charset="-127"/>
-                <a:ea typeface="Adobe 고딕 Std B" panose="020B0800000000000000" pitchFamily="34" charset="-127"/>
-              </a:rPr>
-              <a:t>elit</a:t>
-            </a:r>
-            <a:r>
-              <a:rPr lang="en-US" altLang="ko-KR" sz="1000" dirty="0">
-                <a:solidFill>
-                  <a:schemeClr val="bg1"/>
-                </a:solidFill>
-                <a:latin typeface="Adobe 고딕 Std B" panose="020B0800000000000000" pitchFamily="34" charset="-127"/>
-                <a:ea typeface="Adobe 고딕 Std B" panose="020B0800000000000000" pitchFamily="34" charset="-127"/>
-              </a:rPr>
-              <a:t>, </a:t>
-            </a:r>
-            <a:r>
-              <a:rPr lang="en-US" altLang="ko-KR" sz="1000" dirty="0" err="1">
-                <a:solidFill>
-                  <a:schemeClr val="bg1"/>
-                </a:solidFill>
-                <a:latin typeface="Adobe 고딕 Std B" panose="020B0800000000000000" pitchFamily="34" charset="-127"/>
-                <a:ea typeface="Adobe 고딕 Std B" panose="020B0800000000000000" pitchFamily="34" charset="-127"/>
-              </a:rPr>
-              <a:t>sed</a:t>
-            </a:r>
-            <a:r>
-              <a:rPr lang="en-US" altLang="ko-KR" sz="1000" dirty="0">
-                <a:solidFill>
-                  <a:schemeClr val="bg1"/>
-                </a:solidFill>
-                <a:latin typeface="Adobe 고딕 Std B" panose="020B0800000000000000" pitchFamily="34" charset="-127"/>
-                <a:ea typeface="Adobe 고딕 Std B" panose="020B0800000000000000" pitchFamily="34" charset="-127"/>
-              </a:rPr>
-              <a:t> do </a:t>
-            </a:r>
-            <a:r>
-              <a:rPr lang="en-US" altLang="ko-KR" sz="1000" dirty="0" err="1">
-                <a:solidFill>
-                  <a:schemeClr val="bg1"/>
-                </a:solidFill>
-                <a:latin typeface="Adobe 고딕 Std B" panose="020B0800000000000000" pitchFamily="34" charset="-127"/>
-                <a:ea typeface="Adobe 고딕 Std B" panose="020B0800000000000000" pitchFamily="34" charset="-127"/>
-              </a:rPr>
-              <a:t>eiusmod</a:t>
-            </a:r>
-            <a:r>
-              <a:rPr lang="en-US" altLang="ko-KR" sz="1000" dirty="0">
-                <a:solidFill>
-                  <a:schemeClr val="bg1"/>
-                </a:solidFill>
-                <a:latin typeface="Adobe 고딕 Std B" panose="020B0800000000000000" pitchFamily="34" charset="-127"/>
-                <a:ea typeface="Adobe 고딕 Std B" panose="020B0800000000000000" pitchFamily="34" charset="-127"/>
-              </a:rPr>
-              <a:t> </a:t>
-            </a:r>
-            <a:r>
-              <a:rPr lang="en-US" altLang="ko-KR" sz="1000" dirty="0" err="1">
-                <a:solidFill>
-                  <a:schemeClr val="bg1"/>
-                </a:solidFill>
-                <a:latin typeface="Adobe 고딕 Std B" panose="020B0800000000000000" pitchFamily="34" charset="-127"/>
-                <a:ea typeface="Adobe 고딕 Std B" panose="020B0800000000000000" pitchFamily="34" charset="-127"/>
-              </a:rPr>
-              <a:t>tempor</a:t>
-            </a:r>
-            <a:r>
-              <a:rPr lang="en-US" altLang="ko-KR" sz="1000" dirty="0">
-                <a:solidFill>
-                  <a:schemeClr val="bg1"/>
-                </a:solidFill>
-                <a:latin typeface="Adobe 고딕 Std B" panose="020B0800000000000000" pitchFamily="34" charset="-127"/>
-                <a:ea typeface="Adobe 고딕 Std B" panose="020B0800000000000000" pitchFamily="34" charset="-127"/>
-              </a:rPr>
-              <a:t> </a:t>
-            </a:r>
-            <a:r>
-              <a:rPr lang="en-US" altLang="ko-KR" sz="1000" dirty="0" err="1">
-                <a:solidFill>
-                  <a:schemeClr val="bg1"/>
-                </a:solidFill>
-                <a:latin typeface="Adobe 고딕 Std B" panose="020B0800000000000000" pitchFamily="34" charset="-127"/>
-                <a:ea typeface="Adobe 고딕 Std B" panose="020B0800000000000000" pitchFamily="34" charset="-127"/>
-              </a:rPr>
-              <a:t>incididunt</a:t>
-            </a:r>
-            <a:r>
-              <a:rPr lang="en-US" altLang="ko-KR" sz="1000" dirty="0">
-                <a:solidFill>
-                  <a:schemeClr val="bg1"/>
-                </a:solidFill>
-                <a:latin typeface="Adobe 고딕 Std B" panose="020B0800000000000000" pitchFamily="34" charset="-127"/>
-                <a:ea typeface="Adobe 고딕 Std B" panose="020B0800000000000000" pitchFamily="34" charset="-127"/>
-              </a:rPr>
-              <a:t> </a:t>
-            </a:r>
-            <a:r>
-              <a:rPr lang="en-US" altLang="ko-KR" sz="1000" dirty="0" err="1">
-                <a:solidFill>
-                  <a:schemeClr val="bg1"/>
-                </a:solidFill>
-                <a:latin typeface="Adobe 고딕 Std B" panose="020B0800000000000000" pitchFamily="34" charset="-127"/>
-                <a:ea typeface="Adobe 고딕 Std B" panose="020B0800000000000000" pitchFamily="34" charset="-127"/>
-              </a:rPr>
-              <a:t>ut</a:t>
-            </a:r>
-            <a:r>
-              <a:rPr lang="en-US" altLang="ko-KR" sz="1000" dirty="0">
-                <a:solidFill>
-                  <a:schemeClr val="bg1"/>
-                </a:solidFill>
-                <a:latin typeface="Adobe 고딕 Std B" panose="020B0800000000000000" pitchFamily="34" charset="-127"/>
-                <a:ea typeface="Adobe 고딕 Std B" panose="020B0800000000000000" pitchFamily="34" charset="-127"/>
-              </a:rPr>
-              <a:t> </a:t>
-            </a:r>
-            <a:r>
-              <a:rPr lang="en-US" altLang="ko-KR" sz="1000" dirty="0" err="1">
-                <a:solidFill>
-                  <a:schemeClr val="bg1"/>
-                </a:solidFill>
-                <a:latin typeface="Adobe 고딕 Std B" panose="020B0800000000000000" pitchFamily="34" charset="-127"/>
-                <a:ea typeface="Adobe 고딕 Std B" panose="020B0800000000000000" pitchFamily="34" charset="-127"/>
-              </a:rPr>
-              <a:t>labore</a:t>
-            </a:r>
-            <a:r>
-              <a:rPr lang="en-US" altLang="ko-KR" sz="1000" dirty="0">
-                <a:solidFill>
-                  <a:schemeClr val="bg1"/>
-                </a:solidFill>
-                <a:latin typeface="Adobe 고딕 Std B" panose="020B0800000000000000" pitchFamily="34" charset="-127"/>
-                <a:ea typeface="Adobe 고딕 Std B" panose="020B0800000000000000" pitchFamily="34" charset="-127"/>
-              </a:rPr>
-              <a:t> et </a:t>
-            </a:r>
-            <a:r>
-              <a:rPr lang="en-US" altLang="ko-KR" sz="1000" dirty="0" err="1">
-                <a:solidFill>
-                  <a:schemeClr val="bg1"/>
-                </a:solidFill>
-                <a:latin typeface="Adobe 고딕 Std B" panose="020B0800000000000000" pitchFamily="34" charset="-127"/>
-                <a:ea typeface="Adobe 고딕 Std B" panose="020B0800000000000000" pitchFamily="34" charset="-127"/>
-              </a:rPr>
-              <a:t>dolore</a:t>
-            </a:r>
-            <a:r>
-              <a:rPr lang="en-US" altLang="ko-KR" sz="1000" dirty="0">
-                <a:solidFill>
-                  <a:schemeClr val="bg1"/>
-                </a:solidFill>
-                <a:latin typeface="Adobe 고딕 Std B" panose="020B0800000000000000" pitchFamily="34" charset="-127"/>
-                <a:ea typeface="Adobe 고딕 Std B" panose="020B0800000000000000" pitchFamily="34" charset="-127"/>
-              </a:rPr>
-              <a:t> magna </a:t>
-            </a:r>
-            <a:r>
-              <a:rPr lang="en-US" altLang="ko-KR" sz="1000" dirty="0" err="1">
-                <a:solidFill>
-                  <a:schemeClr val="bg1"/>
-                </a:solidFill>
-                <a:latin typeface="Adobe 고딕 Std B" panose="020B0800000000000000" pitchFamily="34" charset="-127"/>
-                <a:ea typeface="Adobe 고딕 Std B" panose="020B0800000000000000" pitchFamily="34" charset="-127"/>
-              </a:rPr>
-              <a:t>aliqua</a:t>
-            </a:r>
-            <a:r>
-              <a:rPr lang="en-US" altLang="ko-KR" sz="1000" dirty="0">
-                <a:solidFill>
-                  <a:schemeClr val="bg1"/>
-                </a:solidFill>
-                <a:latin typeface="Adobe 고딕 Std B" panose="020B0800000000000000" pitchFamily="34" charset="-127"/>
-                <a:ea typeface="Adobe 고딕 Std B" panose="020B0800000000000000" pitchFamily="34" charset="-127"/>
-              </a:rPr>
-              <a:t>. </a:t>
-            </a:r>
-            <a:r>
-              <a:rPr lang="en-US" altLang="ko-KR" sz="1000" dirty="0" err="1">
-                <a:solidFill>
-                  <a:schemeClr val="bg1"/>
-                </a:solidFill>
-                <a:latin typeface="Adobe 고딕 Std B" panose="020B0800000000000000" pitchFamily="34" charset="-127"/>
-                <a:ea typeface="Adobe 고딕 Std B" panose="020B0800000000000000" pitchFamily="34" charset="-127"/>
-              </a:rPr>
-              <a:t>Ut</a:t>
-            </a:r>
-            <a:r>
-              <a:rPr lang="en-US" altLang="ko-KR" sz="1000" dirty="0">
-                <a:solidFill>
-                  <a:schemeClr val="bg1"/>
-                </a:solidFill>
-                <a:latin typeface="Adobe 고딕 Std B" panose="020B0800000000000000" pitchFamily="34" charset="-127"/>
-                <a:ea typeface="Adobe 고딕 Std B" panose="020B0800000000000000" pitchFamily="34" charset="-127"/>
-              </a:rPr>
-              <a:t> </a:t>
-            </a:r>
-            <a:r>
-              <a:rPr lang="en-US" altLang="ko-KR" sz="1000" dirty="0" err="1">
-                <a:solidFill>
-                  <a:schemeClr val="bg1"/>
-                </a:solidFill>
-                <a:latin typeface="Adobe 고딕 Std B" panose="020B0800000000000000" pitchFamily="34" charset="-127"/>
-                <a:ea typeface="Adobe 고딕 Std B" panose="020B0800000000000000" pitchFamily="34" charset="-127"/>
-              </a:rPr>
-              <a:t>enim</a:t>
-            </a:r>
-            <a:r>
-              <a:rPr lang="en-US" altLang="ko-KR" sz="1000" dirty="0">
-                <a:solidFill>
-                  <a:schemeClr val="bg1"/>
-                </a:solidFill>
-                <a:latin typeface="Adobe 고딕 Std B" panose="020B0800000000000000" pitchFamily="34" charset="-127"/>
-                <a:ea typeface="Adobe 고딕 Std B" panose="020B0800000000000000" pitchFamily="34" charset="-127"/>
-              </a:rPr>
-              <a:t> ad minim </a:t>
-            </a:r>
-            <a:r>
-              <a:rPr lang="en-US" altLang="ko-KR" sz="1000" dirty="0" err="1">
-                <a:solidFill>
-                  <a:schemeClr val="bg1"/>
-                </a:solidFill>
-                <a:latin typeface="Adobe 고딕 Std B" panose="020B0800000000000000" pitchFamily="34" charset="-127"/>
-                <a:ea typeface="Adobe 고딕 Std B" panose="020B0800000000000000" pitchFamily="34" charset="-127"/>
-              </a:rPr>
-              <a:t>veniam</a:t>
-            </a:r>
-            <a:r>
-              <a:rPr lang="en-US" altLang="ko-KR" sz="1000" dirty="0">
-                <a:solidFill>
-                  <a:schemeClr val="bg1"/>
-                </a:solidFill>
-                <a:latin typeface="Adobe 고딕 Std B" panose="020B0800000000000000" pitchFamily="34" charset="-127"/>
-                <a:ea typeface="Adobe 고딕 Std B" panose="020B0800000000000000" pitchFamily="34" charset="-127"/>
-              </a:rPr>
-              <a:t>, </a:t>
-            </a:r>
-            <a:r>
-              <a:rPr lang="en-US" altLang="ko-KR" sz="1000" dirty="0" err="1">
-                <a:solidFill>
-                  <a:schemeClr val="bg1"/>
-                </a:solidFill>
-                <a:latin typeface="Adobe 고딕 Std B" panose="020B0800000000000000" pitchFamily="34" charset="-127"/>
-                <a:ea typeface="Adobe 고딕 Std B" panose="020B0800000000000000" pitchFamily="34" charset="-127"/>
-              </a:rPr>
-              <a:t>quis</a:t>
-            </a:r>
-            <a:r>
-              <a:rPr lang="en-US" altLang="ko-KR" sz="1000" dirty="0">
-                <a:solidFill>
-                  <a:schemeClr val="bg1"/>
-                </a:solidFill>
-                <a:latin typeface="Adobe 고딕 Std B" panose="020B0800000000000000" pitchFamily="34" charset="-127"/>
-                <a:ea typeface="Adobe 고딕 Std B" panose="020B0800000000000000" pitchFamily="34" charset="-127"/>
-              </a:rPr>
-              <a:t> </a:t>
-            </a:r>
-            <a:r>
-              <a:rPr lang="en-US" altLang="ko-KR" sz="1000" dirty="0" err="1">
-                <a:solidFill>
-                  <a:schemeClr val="bg1"/>
-                </a:solidFill>
-                <a:latin typeface="Adobe 고딕 Std B" panose="020B0800000000000000" pitchFamily="34" charset="-127"/>
-                <a:ea typeface="Adobe 고딕 Std B" panose="020B0800000000000000" pitchFamily="34" charset="-127"/>
-              </a:rPr>
-              <a:t>nostrud</a:t>
-            </a:r>
-            <a:r>
-              <a:rPr lang="en-US" altLang="ko-KR" sz="1000" dirty="0">
-                <a:solidFill>
-                  <a:schemeClr val="bg1"/>
-                </a:solidFill>
-                <a:latin typeface="Adobe 고딕 Std B" panose="020B0800000000000000" pitchFamily="34" charset="-127"/>
-                <a:ea typeface="Adobe 고딕 Std B" panose="020B0800000000000000" pitchFamily="34" charset="-127"/>
-              </a:rPr>
-              <a:t> exercitation </a:t>
-            </a:r>
-            <a:r>
-              <a:rPr lang="en-US" altLang="ko-KR" sz="1000" dirty="0" err="1">
-                <a:solidFill>
-                  <a:schemeClr val="bg1"/>
-                </a:solidFill>
-                <a:latin typeface="Adobe 고딕 Std B" panose="020B0800000000000000" pitchFamily="34" charset="-127"/>
-                <a:ea typeface="Adobe 고딕 Std B" panose="020B0800000000000000" pitchFamily="34" charset="-127"/>
-              </a:rPr>
-              <a:t>ullamco</a:t>
-            </a:r>
-            <a:r>
-              <a:rPr lang="en-US" altLang="ko-KR" sz="1000" dirty="0">
-                <a:solidFill>
-                  <a:schemeClr val="bg1"/>
-                </a:solidFill>
-                <a:latin typeface="Adobe 고딕 Std B" panose="020B0800000000000000" pitchFamily="34" charset="-127"/>
-                <a:ea typeface="Adobe 고딕 Std B" panose="020B0800000000000000" pitchFamily="34" charset="-127"/>
-              </a:rPr>
-              <a:t> </a:t>
-            </a:r>
-            <a:r>
-              <a:rPr lang="en-US" altLang="ko-KR" sz="1000" dirty="0" err="1">
-                <a:solidFill>
-                  <a:schemeClr val="bg1"/>
-                </a:solidFill>
-                <a:latin typeface="Adobe 고딕 Std B" panose="020B0800000000000000" pitchFamily="34" charset="-127"/>
-                <a:ea typeface="Adobe 고딕 Std B" panose="020B0800000000000000" pitchFamily="34" charset="-127"/>
-              </a:rPr>
-              <a:t>laboris</a:t>
-            </a:r>
-            <a:r>
-              <a:rPr lang="en-US" altLang="ko-KR" sz="1000" dirty="0">
-                <a:solidFill>
-                  <a:schemeClr val="bg1"/>
-                </a:solidFill>
-                <a:latin typeface="Adobe 고딕 Std B" panose="020B0800000000000000" pitchFamily="34" charset="-127"/>
-                <a:ea typeface="Adobe 고딕 Std B" panose="020B0800000000000000" pitchFamily="34" charset="-127"/>
-              </a:rPr>
-              <a:t> nisi </a:t>
-            </a:r>
-            <a:r>
-              <a:rPr lang="en-US" altLang="ko-KR" sz="1000" dirty="0" err="1">
-                <a:solidFill>
-                  <a:schemeClr val="bg1"/>
-                </a:solidFill>
-                <a:latin typeface="Adobe 고딕 Std B" panose="020B0800000000000000" pitchFamily="34" charset="-127"/>
-                <a:ea typeface="Adobe 고딕 Std B" panose="020B0800000000000000" pitchFamily="34" charset="-127"/>
-              </a:rPr>
-              <a:t>ut</a:t>
-            </a:r>
-            <a:r>
-              <a:rPr lang="en-US" altLang="ko-KR" sz="1000" dirty="0">
-                <a:solidFill>
-                  <a:schemeClr val="bg1"/>
-                </a:solidFill>
-                <a:latin typeface="Adobe 고딕 Std B" panose="020B0800000000000000" pitchFamily="34" charset="-127"/>
-                <a:ea typeface="Adobe 고딕 Std B" panose="020B0800000000000000" pitchFamily="34" charset="-127"/>
-              </a:rPr>
-              <a:t> </a:t>
-            </a:r>
-            <a:r>
-              <a:rPr lang="en-US" altLang="ko-KR" sz="1000" dirty="0" err="1">
-                <a:solidFill>
-                  <a:schemeClr val="bg1"/>
-                </a:solidFill>
-                <a:latin typeface="Adobe 고딕 Std B" panose="020B0800000000000000" pitchFamily="34" charset="-127"/>
-                <a:ea typeface="Adobe 고딕 Std B" panose="020B0800000000000000" pitchFamily="34" charset="-127"/>
-              </a:rPr>
-              <a:t>aliquip</a:t>
-            </a:r>
-            <a:r>
-              <a:rPr lang="en-US" altLang="ko-KR" sz="1000" dirty="0">
-                <a:solidFill>
-                  <a:schemeClr val="bg1"/>
-                </a:solidFill>
-                <a:latin typeface="Adobe 고딕 Std B" panose="020B0800000000000000" pitchFamily="34" charset="-127"/>
-                <a:ea typeface="Adobe 고딕 Std B" panose="020B0800000000000000" pitchFamily="34" charset="-127"/>
-              </a:rPr>
-              <a:t> ex </a:t>
-            </a:r>
-            <a:r>
-              <a:rPr lang="en-US" altLang="ko-KR" sz="1000" dirty="0" err="1">
-                <a:solidFill>
-                  <a:schemeClr val="bg1"/>
-                </a:solidFill>
-                <a:latin typeface="Adobe 고딕 Std B" panose="020B0800000000000000" pitchFamily="34" charset="-127"/>
-                <a:ea typeface="Adobe 고딕 Std B" panose="020B0800000000000000" pitchFamily="34" charset="-127"/>
-              </a:rPr>
-              <a:t>ea</a:t>
-            </a:r>
-            <a:r>
-              <a:rPr lang="en-US" altLang="ko-KR" sz="1000" dirty="0">
-                <a:solidFill>
-                  <a:schemeClr val="bg1"/>
-                </a:solidFill>
-                <a:latin typeface="Adobe 고딕 Std B" panose="020B0800000000000000" pitchFamily="34" charset="-127"/>
-                <a:ea typeface="Adobe 고딕 Std B" panose="020B0800000000000000" pitchFamily="34" charset="-127"/>
-              </a:rPr>
-              <a:t> </a:t>
-            </a:r>
-            <a:r>
-              <a:rPr lang="en-US" altLang="ko-KR" sz="1000" dirty="0" err="1">
-                <a:solidFill>
-                  <a:schemeClr val="bg1"/>
-                </a:solidFill>
-                <a:latin typeface="Adobe 고딕 Std B" panose="020B0800000000000000" pitchFamily="34" charset="-127"/>
-                <a:ea typeface="Adobe 고딕 Std B" panose="020B0800000000000000" pitchFamily="34" charset="-127"/>
-              </a:rPr>
-              <a:t>commodo</a:t>
-            </a:r>
-            <a:r>
-              <a:rPr lang="en-US" altLang="ko-KR" sz="1000" dirty="0">
-                <a:solidFill>
-                  <a:schemeClr val="bg1"/>
-                </a:solidFill>
-                <a:latin typeface="Adobe 고딕 Std B" panose="020B0800000000000000" pitchFamily="34" charset="-127"/>
-                <a:ea typeface="Adobe 고딕 Std B" panose="020B0800000000000000" pitchFamily="34" charset="-127"/>
-              </a:rPr>
-              <a:t> </a:t>
-            </a:r>
-            <a:r>
-              <a:rPr lang="en-US" altLang="ko-KR" sz="1000" dirty="0" err="1">
-                <a:solidFill>
-                  <a:schemeClr val="bg1"/>
-                </a:solidFill>
-                <a:latin typeface="Adobe 고딕 Std B" panose="020B0800000000000000" pitchFamily="34" charset="-127"/>
-                <a:ea typeface="Adobe 고딕 Std B" panose="020B0800000000000000" pitchFamily="34" charset="-127"/>
-              </a:rPr>
-              <a:t>consequat</a:t>
-            </a:r>
-            <a:r>
               <a:rPr lang="en-US" altLang="ko-KR" sz="1000" dirty="0" smtClean="0">
                 <a:solidFill>
                   <a:schemeClr val="bg1"/>
@@ -10250,7 +9888,17 @@
                 <a:latin typeface="Adobe 고딕 Std B" panose="020B0800000000000000" pitchFamily="34" charset="-127"/>
                 <a:ea typeface="Adobe 고딕 Std B" panose="020B0800000000000000" pitchFamily="34" charset="-127"/>
               </a:rPr>
-              <a:t>.</a:t>
+              <a:t>2</a:t>
+            </a:r>
+            <a:r>
+              <a:rPr lang="ko-KR" altLang="en-US" sz="1000" smtClean="0">
+                <a:solidFill>
+                  <a:schemeClr val="bg1"/>
+                </a:solidFill>
+                <a:latin typeface="Adobe 고딕 Std B" panose="020B0800000000000000" pitchFamily="34" charset="-127"/>
+                <a:ea typeface="Adobe 고딕 Std B" panose="020B0800000000000000" pitchFamily="34" charset="-127"/>
+              </a:rPr>
+              <a:t>등급으로 고등학교를 졸업하고 </a:t>
             </a:r>
             <a:endParaRPr lang="ko-KR" altLang="en-US" sz="1000" dirty="0">
               <a:solidFill>

--- a/자기소개서.pptx
+++ b/자기소개서.pptx
@@ -11,11 +11,15 @@
     <p:sldId id="257" r:id="rId5"/>
     <p:sldId id="266" r:id="rId6"/>
     <p:sldId id="270" r:id="rId7"/>
-    <p:sldId id="271" r:id="rId8"/>
-    <p:sldId id="264" r:id="rId9"/>
-    <p:sldId id="265" r:id="rId10"/>
-    <p:sldId id="269" r:id="rId11"/>
-    <p:sldId id="268" r:id="rId12"/>
+    <p:sldId id="272" r:id="rId8"/>
+    <p:sldId id="273" r:id="rId9"/>
+    <p:sldId id="274" r:id="rId10"/>
+    <p:sldId id="275" r:id="rId11"/>
+    <p:sldId id="271" r:id="rId12"/>
+    <p:sldId id="264" r:id="rId13"/>
+    <p:sldId id="265" r:id="rId14"/>
+    <p:sldId id="269" r:id="rId15"/>
+    <p:sldId id="268" r:id="rId16"/>
   </p:sldIdLst>
   <p:sldSz cx="12192000" cy="6858000"/>
   <p:notesSz cx="6858000" cy="9144000"/>
@@ -888,7 +892,7 @@
       <dgm:prSet phldrT="[텍스트]"/>
       <dgm:spPr>
         <a:solidFill>
-          <a:srgbClr val="808080"/>
+          <a:srgbClr val="000000"/>
         </a:solidFill>
       </dgm:spPr>
       <dgm:t>
@@ -944,7 +948,7 @@
       <dgm:prSet phldrT="[텍스트]"/>
       <dgm:spPr>
         <a:solidFill>
-          <a:srgbClr val="A6A6A6"/>
+          <a:srgbClr val="404040"/>
         </a:solidFill>
         <a:ln>
           <a:solidFill>
@@ -1045,7 +1049,7 @@
       <dgm:prSet phldrT="[텍스트]"/>
       <dgm:spPr>
         <a:solidFill>
-          <a:srgbClr val="A6A6A6"/>
+          <a:srgbClr val="404040"/>
         </a:solidFill>
         <a:ln>
           <a:solidFill>
@@ -1126,7 +1130,7 @@
       <dgm:prSet phldrT="[텍스트]"/>
       <dgm:spPr>
         <a:solidFill>
-          <a:srgbClr val="A6A6A6"/>
+          <a:srgbClr val="404040"/>
         </a:solidFill>
         <a:ln>
           <a:solidFill>
@@ -1187,7 +1191,7 @@
       <dgm:prSet phldrT="[텍스트]"/>
       <dgm:spPr>
         <a:solidFill>
-          <a:srgbClr val="A6A6A6"/>
+          <a:srgbClr val="404040"/>
         </a:solidFill>
         <a:ln>
           <a:solidFill>
@@ -1248,7 +1252,7 @@
       <dgm:prSet phldrT="[텍스트]"/>
       <dgm:spPr>
         <a:solidFill>
-          <a:srgbClr val="A6A6A6"/>
+          <a:srgbClr val="404040"/>
         </a:solidFill>
         <a:ln>
           <a:solidFill>
@@ -1572,7 +1576,7 @@
           </a:avLst>
         </a:prstGeom>
         <a:solidFill>
-          <a:srgbClr val="808080"/>
+          <a:srgbClr val="000000"/>
         </a:solidFill>
         <a:ln w="12700" cap="flat" cmpd="sng" algn="ctr">
           <a:solidFill>
@@ -1718,7 +1722,7 @@
           </a:avLst>
         </a:prstGeom>
         <a:solidFill>
-          <a:srgbClr val="A6A6A6"/>
+          <a:srgbClr val="404040"/>
         </a:solidFill>
         <a:ln w="12700" cap="flat" cmpd="sng" algn="ctr">
           <a:solidFill>
@@ -1897,7 +1901,7 @@
           </a:avLst>
         </a:prstGeom>
         <a:solidFill>
-          <a:srgbClr val="A6A6A6"/>
+          <a:srgbClr val="404040"/>
         </a:solidFill>
         <a:ln w="12700" cap="flat" cmpd="sng" algn="ctr">
           <a:solidFill>
@@ -2036,7 +2040,7 @@
           </a:avLst>
         </a:prstGeom>
         <a:solidFill>
-          <a:srgbClr val="A6A6A6"/>
+          <a:srgbClr val="404040"/>
         </a:solidFill>
         <a:ln w="12700" cap="flat" cmpd="sng" algn="ctr">
           <a:solidFill>
@@ -2175,7 +2179,7 @@
           </a:avLst>
         </a:prstGeom>
         <a:solidFill>
-          <a:srgbClr val="A6A6A6"/>
+          <a:srgbClr val="404040"/>
         </a:solidFill>
         <a:ln w="12700" cap="flat" cmpd="sng" algn="ctr">
           <a:solidFill>
@@ -2334,7 +2338,7 @@
           </a:avLst>
         </a:prstGeom>
         <a:solidFill>
-          <a:srgbClr val="A6A6A6"/>
+          <a:srgbClr val="404040"/>
         </a:solidFill>
         <a:ln w="12700" cap="flat" cmpd="sng" algn="ctr">
           <a:solidFill>
@@ -6600,7 +6604,7 @@
             <a:avLst/>
           </a:prstGeom>
           <a:solidFill>
-            <a:srgbClr val="BFBFBF"/>
+            <a:srgbClr val="404040"/>
           </a:solidFill>
           <a:ln>
             <a:noFill/>
@@ -6818,14 +6822,14 @@
         </p:nvSpPr>
         <p:spPr>
           <a:xfrm>
-            <a:off x="-1" y="9235"/>
+            <a:off x="0" y="0"/>
             <a:ext cx="11092873" cy="6858000"/>
           </a:xfrm>
           <a:prstGeom prst="rect">
             <a:avLst/>
           </a:prstGeom>
           <a:solidFill>
-            <a:srgbClr val="BFBFBF"/>
+            <a:srgbClr val="404040"/>
           </a:solidFill>
           <a:ln>
             <a:noFill/>
@@ -6864,8 +6868,8 @@
         </p:nvSpPr>
         <p:spPr>
           <a:xfrm>
-            <a:off x="-1" y="0"/>
-            <a:ext cx="8774545" cy="1938992"/>
+            <a:off x="0" y="0"/>
+            <a:ext cx="10295792" cy="1015663"/>
           </a:xfrm>
           <a:prstGeom prst="rect">
             <a:avLst/>
@@ -6879,6 +6883,16 @@
           <a:lstStyle/>
           <a:p>
             <a:r>
+              <a:rPr lang="en-US" altLang="ko-KR" sz="6000" dirty="0" smtClean="0">
+                <a:solidFill>
+                  <a:schemeClr val="bg1"/>
+                </a:solidFill>
+                <a:latin typeface="Adobe 고딕 Std B" panose="020B0800000000000000" pitchFamily="34" charset="-127"/>
+                <a:ea typeface="Adobe 고딕 Std B" panose="020B0800000000000000" pitchFamily="34" charset="-127"/>
+              </a:rPr>
+              <a:t>Contents </a:t>
+            </a:r>
+            <a:r>
               <a:rPr lang="ko-KR" altLang="en-US" sz="6000" dirty="0" smtClean="0">
                 <a:solidFill>
                   <a:schemeClr val="bg1"/>
@@ -6886,7 +6900,7 @@
                 <a:latin typeface="Adobe 고딕 Std B" panose="020B0800000000000000" pitchFamily="34" charset="-127"/>
                 <a:ea typeface="Adobe 고딕 Std B" panose="020B0800000000000000" pitchFamily="34" charset="-127"/>
               </a:rPr>
-              <a:t>디바이스 반영 </a:t>
+              <a:t>구성 </a:t>
             </a:r>
             <a:r>
               <a:rPr lang="en-US" altLang="ko-KR" sz="6000" dirty="0" smtClean="0">
@@ -6906,7 +6920,7 @@
                 <a:latin typeface="Adobe 고딕 Std B" panose="020B0800000000000000" pitchFamily="34" charset="-127"/>
                 <a:ea typeface="Adobe 고딕 Std B" panose="020B0800000000000000" pitchFamily="34" charset="-127"/>
               </a:rPr>
-              <a:t>태블릿</a:t>
+              <a:t>연락처</a:t>
             </a:r>
             <a:r>
               <a:rPr lang="en-US" altLang="ko-KR" sz="6000" dirty="0" smtClean="0">
@@ -6926,38 +6940,29 @@
               <a:ea typeface="Adobe 고딕 Std B" panose="020B0800000000000000" pitchFamily="34" charset="-127"/>
             </a:endParaRPr>
           </a:p>
-          <a:p>
-            <a:endParaRPr lang="ko-KR" altLang="en-US" sz="6000" dirty="0">
-              <a:solidFill>
-                <a:schemeClr val="bg1"/>
-              </a:solidFill>
-              <a:latin typeface="Adobe 고딕 Std B" panose="020B0800000000000000" pitchFamily="34" charset="-127"/>
-              <a:ea typeface="Adobe 고딕 Std B" panose="020B0800000000000000" pitchFamily="34" charset="-127"/>
-            </a:endParaRPr>
-          </a:p>
-        </p:txBody>
-      </p:sp>
-      <p:sp>
-        <p:nvSpPr>
-          <p:cNvPr id="2" name="직사각형 1"/>
+        </p:txBody>
+      </p:sp>
+      <p:sp>
+        <p:nvSpPr>
+          <p:cNvPr id="11" name="직사각형 10"/>
           <p:cNvSpPr/>
           <p:nvPr/>
         </p:nvSpPr>
         <p:spPr>
           <a:xfrm>
-            <a:off x="2954436" y="1809000"/>
-            <a:ext cx="5184000" cy="3240000"/>
+            <a:off x="2090436" y="2172172"/>
+            <a:ext cx="6912000" cy="3888000"/>
           </a:xfrm>
           <a:prstGeom prst="rect">
             <a:avLst/>
           </a:prstGeom>
           <a:solidFill>
-            <a:schemeClr val="bg1">
-              <a:alpha val="50000"/>
-            </a:schemeClr>
+            <a:srgbClr val="404040"/>
           </a:solidFill>
-          <a:ln>
-            <a:noFill/>
+          <a:ln w="22225">
+            <a:solidFill>
+              <a:schemeClr val="bg1"/>
+            </a:solidFill>
           </a:ln>
         </p:spPr>
         <p:style>
@@ -6981,20 +6986,340 @@
           <a:lstStyle/>
           <a:p>
             <a:pPr algn="ctr"/>
+            <a:endParaRPr lang="ko-KR" altLang="en-US" dirty="0">
+              <a:solidFill>
+                <a:schemeClr val="bg1"/>
+              </a:solidFill>
+            </a:endParaRPr>
+          </a:p>
+        </p:txBody>
+      </p:sp>
+      <p:sp>
+        <p:nvSpPr>
+          <p:cNvPr id="12" name="직사각형 11"/>
+          <p:cNvSpPr/>
+          <p:nvPr/>
+        </p:nvSpPr>
+        <p:spPr>
+          <a:xfrm>
+            <a:off x="2090436" y="2172172"/>
+            <a:ext cx="6912000" cy="288000"/>
+          </a:xfrm>
+          <a:prstGeom prst="rect">
+            <a:avLst/>
+          </a:prstGeom>
+          <a:solidFill>
+            <a:srgbClr val="000000"/>
+          </a:solidFill>
+          <a:ln>
+            <a:noFill/>
+          </a:ln>
+        </p:spPr>
+        <p:style>
+          <a:lnRef idx="2">
+            <a:schemeClr val="accent1">
+              <a:shade val="50000"/>
+            </a:schemeClr>
+          </a:lnRef>
+          <a:fillRef idx="1">
+            <a:schemeClr val="accent1"/>
+          </a:fillRef>
+          <a:effectRef idx="0">
+            <a:schemeClr val="accent1"/>
+          </a:effectRef>
+          <a:fontRef idx="minor">
+            <a:schemeClr val="lt1"/>
+          </a:fontRef>
+        </p:style>
+        <p:txBody>
+          <a:bodyPr rtlCol="0" anchor="ctr"/>
+          <a:lstStyle/>
+          <a:p>
+            <a:pPr algn="ctr"/>
+            <a:r>
+              <a:rPr lang="ko-KR" altLang="en-US" sz="1500" dirty="0" smtClean="0">
+                <a:solidFill>
+                  <a:schemeClr val="bg1"/>
+                </a:solidFill>
+                <a:latin typeface="Adobe 고딕 Std B" panose="020B0800000000000000" pitchFamily="34" charset="-127"/>
+                <a:ea typeface="Adobe 고딕 Std B" panose="020B0800000000000000" pitchFamily="34" charset="-127"/>
+              </a:rPr>
+              <a:t>프로필   </a:t>
+            </a:r>
+            <a:r>
+              <a:rPr lang="en-US" altLang="ko-KR" sz="1500" dirty="0" smtClean="0">
+                <a:solidFill>
+                  <a:schemeClr val="bg1"/>
+                </a:solidFill>
+                <a:latin typeface="Adobe 고딕 Std B" panose="020B0800000000000000" pitchFamily="34" charset="-127"/>
+                <a:ea typeface="Adobe 고딕 Std B" panose="020B0800000000000000" pitchFamily="34" charset="-127"/>
+              </a:rPr>
+              <a:t>/   </a:t>
+            </a:r>
+            <a:r>
+              <a:rPr lang="ko-KR" altLang="en-US" sz="1500" dirty="0" smtClean="0">
+                <a:solidFill>
+                  <a:schemeClr val="bg1"/>
+                </a:solidFill>
+                <a:latin typeface="Adobe 고딕 Std B" panose="020B0800000000000000" pitchFamily="34" charset="-127"/>
+                <a:ea typeface="Adobe 고딕 Std B" panose="020B0800000000000000" pitchFamily="34" charset="-127"/>
+              </a:rPr>
+              <a:t>직업흥미검사   </a:t>
+            </a:r>
+            <a:r>
+              <a:rPr lang="en-US" altLang="ko-KR" sz="1500" dirty="0" smtClean="0">
+                <a:solidFill>
+                  <a:schemeClr val="bg1"/>
+                </a:solidFill>
+                <a:latin typeface="Adobe 고딕 Std B" panose="020B0800000000000000" pitchFamily="34" charset="-127"/>
+                <a:ea typeface="Adobe 고딕 Std B" panose="020B0800000000000000" pitchFamily="34" charset="-127"/>
+              </a:rPr>
+              <a:t>/   </a:t>
+            </a:r>
+            <a:r>
+              <a:rPr lang="ko-KR" altLang="en-US" sz="1500" dirty="0" smtClean="0">
+                <a:solidFill>
+                  <a:schemeClr val="bg1"/>
+                </a:solidFill>
+                <a:latin typeface="Adobe 고딕 Std B" panose="020B0800000000000000" pitchFamily="34" charset="-127"/>
+                <a:ea typeface="Adobe 고딕 Std B" panose="020B0800000000000000" pitchFamily="34" charset="-127"/>
+              </a:rPr>
+              <a:t>숙련 프로그램   </a:t>
+            </a:r>
+            <a:r>
+              <a:rPr lang="en-US" altLang="ko-KR" sz="1500" dirty="0" smtClean="0">
+                <a:solidFill>
+                  <a:schemeClr val="bg1"/>
+                </a:solidFill>
+                <a:latin typeface="Adobe 고딕 Std B" panose="020B0800000000000000" pitchFamily="34" charset="-127"/>
+                <a:ea typeface="Adobe 고딕 Std B" panose="020B0800000000000000" pitchFamily="34" charset="-127"/>
+              </a:rPr>
+              <a:t>/   </a:t>
+            </a:r>
+            <a:r>
+              <a:rPr lang="ko-KR" altLang="en-US" sz="1500" dirty="0" smtClean="0">
+                <a:solidFill>
+                  <a:schemeClr val="bg1"/>
+                </a:solidFill>
+                <a:latin typeface="Adobe 고딕 Std B" panose="020B0800000000000000" pitchFamily="34" charset="-127"/>
+                <a:ea typeface="Adobe 고딕 Std B" panose="020B0800000000000000" pitchFamily="34" charset="-127"/>
+              </a:rPr>
+              <a:t>관심사와 목표   </a:t>
+            </a:r>
+            <a:r>
+              <a:rPr lang="en-US" altLang="ko-KR" sz="1500" dirty="0" smtClean="0">
+                <a:solidFill>
+                  <a:schemeClr val="bg1"/>
+                </a:solidFill>
+                <a:latin typeface="Adobe 고딕 Std B" panose="020B0800000000000000" pitchFamily="34" charset="-127"/>
+                <a:ea typeface="Adobe 고딕 Std B" panose="020B0800000000000000" pitchFamily="34" charset="-127"/>
+              </a:rPr>
+              <a:t>/   </a:t>
+            </a:r>
+            <a:r>
+              <a:rPr lang="ko-KR" altLang="en-US" sz="1500" dirty="0" smtClean="0">
+                <a:solidFill>
+                  <a:schemeClr val="bg1"/>
+                </a:solidFill>
+                <a:latin typeface="Adobe 고딕 Std B" panose="020B0800000000000000" pitchFamily="34" charset="-127"/>
+                <a:ea typeface="Adobe 고딕 Std B" panose="020B0800000000000000" pitchFamily="34" charset="-127"/>
+              </a:rPr>
+              <a:t>연락처</a:t>
+            </a:r>
+            <a:r>
+              <a:rPr lang="en-US" altLang="ko-KR" sz="1500" dirty="0" smtClean="0">
+                <a:solidFill>
+                  <a:schemeClr val="bg1"/>
+                </a:solidFill>
+                <a:latin typeface="Adobe 고딕 Std B" panose="020B0800000000000000" pitchFamily="34" charset="-127"/>
+                <a:ea typeface="Adobe 고딕 Std B" panose="020B0800000000000000" pitchFamily="34" charset="-127"/>
+              </a:rPr>
+              <a:t>  </a:t>
+            </a:r>
+            <a:endParaRPr lang="ko-KR" altLang="en-US" sz="1500" dirty="0">
+              <a:solidFill>
+                <a:schemeClr val="bg1"/>
+              </a:solidFill>
+              <a:latin typeface="Adobe 고딕 Std B" panose="020B0800000000000000" pitchFamily="34" charset="-127"/>
+              <a:ea typeface="Adobe 고딕 Std B" panose="020B0800000000000000" pitchFamily="34" charset="-127"/>
+            </a:endParaRPr>
+          </a:p>
+        </p:txBody>
+      </p:sp>
+      <p:sp>
+        <p:nvSpPr>
+          <p:cNvPr id="10" name="직사각형 9"/>
+          <p:cNvSpPr/>
+          <p:nvPr/>
+        </p:nvSpPr>
+        <p:spPr>
+          <a:xfrm>
+            <a:off x="3548436" y="2640172"/>
+            <a:ext cx="3996000" cy="3243392"/>
+          </a:xfrm>
+          <a:prstGeom prst="rect">
+            <a:avLst/>
+          </a:prstGeom>
+          <a:solidFill>
+            <a:srgbClr val="404040"/>
+          </a:solidFill>
+          <a:ln>
+            <a:noFill/>
+          </a:ln>
+        </p:spPr>
+        <p:style>
+          <a:lnRef idx="2">
+            <a:schemeClr val="accent1">
+              <a:shade val="50000"/>
+            </a:schemeClr>
+          </a:lnRef>
+          <a:fillRef idx="1">
+            <a:schemeClr val="accent1"/>
+          </a:fillRef>
+          <a:effectRef idx="0">
+            <a:schemeClr val="accent1"/>
+          </a:effectRef>
+          <a:fontRef idx="minor">
+            <a:schemeClr val="lt1"/>
+          </a:fontRef>
+        </p:style>
+        <p:txBody>
+          <a:bodyPr rtlCol="0" anchor="ctr"/>
+          <a:lstStyle/>
+          <a:p>
+            <a:pPr algn="ctr"/>
             <a:endParaRPr lang="ko-KR" altLang="en-US"/>
           </a:p>
         </p:txBody>
       </p:sp>
       <p:sp>
         <p:nvSpPr>
-          <p:cNvPr id="5" name="TextBox 4"/>
+          <p:cNvPr id="19" name="직사각형 18"/>
+          <p:cNvSpPr/>
+          <p:nvPr/>
+        </p:nvSpPr>
+        <p:spPr>
+          <a:xfrm>
+            <a:off x="4936872" y="3180172"/>
+            <a:ext cx="1080000" cy="1080000"/>
+          </a:xfrm>
+          <a:prstGeom prst="rect">
+            <a:avLst/>
+          </a:prstGeom>
+          <a:solidFill>
+            <a:srgbClr val="404040"/>
+          </a:solidFill>
+          <a:ln>
+            <a:solidFill>
+              <a:schemeClr val="bg1"/>
+            </a:solidFill>
+          </a:ln>
+        </p:spPr>
+        <p:style>
+          <a:lnRef idx="2">
+            <a:schemeClr val="accent1">
+              <a:shade val="50000"/>
+            </a:schemeClr>
+          </a:lnRef>
+          <a:fillRef idx="1">
+            <a:schemeClr val="accent1"/>
+          </a:fillRef>
+          <a:effectRef idx="0">
+            <a:schemeClr val="accent1"/>
+          </a:effectRef>
+          <a:fontRef idx="minor">
+            <a:schemeClr val="lt1"/>
+          </a:fontRef>
+        </p:style>
+        <p:txBody>
+          <a:bodyPr rtlCol="0" anchor="ctr"/>
+          <a:lstStyle/>
+          <a:p>
+            <a:pPr algn="ctr"/>
+            <a:endParaRPr lang="ko-KR" altLang="en-US"/>
+          </a:p>
+        </p:txBody>
+      </p:sp>
+      <p:cxnSp>
+        <p:nvCxnSpPr>
+          <p:cNvPr id="24" name="직선 연결선 23"/>
+          <p:cNvCxnSpPr/>
+          <p:nvPr/>
+        </p:nvCxnSpPr>
+        <p:spPr>
+          <a:xfrm>
+            <a:off x="4936872" y="3180172"/>
+            <a:ext cx="1080000" cy="1080000"/>
+          </a:xfrm>
+          <a:prstGeom prst="line">
+            <a:avLst/>
+          </a:prstGeom>
+          <a:ln>
+            <a:solidFill>
+              <a:schemeClr val="bg1"/>
+            </a:solidFill>
+          </a:ln>
+        </p:spPr>
+        <p:style>
+          <a:lnRef idx="1">
+            <a:schemeClr val="accent1"/>
+          </a:lnRef>
+          <a:fillRef idx="0">
+            <a:schemeClr val="accent1"/>
+          </a:fillRef>
+          <a:effectRef idx="0">
+            <a:schemeClr val="accent1"/>
+          </a:effectRef>
+          <a:fontRef idx="minor">
+            <a:schemeClr val="tx1"/>
+          </a:fontRef>
+        </p:style>
+      </p:cxnSp>
+      <p:cxnSp>
+        <p:nvCxnSpPr>
+          <p:cNvPr id="27" name="직선 연결선 26"/>
+          <p:cNvCxnSpPr/>
+          <p:nvPr/>
+        </p:nvCxnSpPr>
+        <p:spPr>
+          <a:xfrm flipH="1">
+            <a:off x="4936872" y="3180172"/>
+            <a:ext cx="1080000" cy="1080000"/>
+          </a:xfrm>
+          <a:prstGeom prst="line">
+            <a:avLst/>
+          </a:prstGeom>
+          <a:ln>
+            <a:solidFill>
+              <a:schemeClr val="bg1"/>
+            </a:solidFill>
+          </a:ln>
+        </p:spPr>
+        <p:style>
+          <a:lnRef idx="1">
+            <a:schemeClr val="accent1"/>
+          </a:lnRef>
+          <a:fillRef idx="0">
+            <a:schemeClr val="accent1"/>
+          </a:fillRef>
+          <a:effectRef idx="0">
+            <a:schemeClr val="accent1"/>
+          </a:effectRef>
+          <a:fontRef idx="minor">
+            <a:schemeClr val="tx1"/>
+          </a:fontRef>
+        </p:style>
+      </p:cxnSp>
+      <p:sp>
+        <p:nvSpPr>
+          <p:cNvPr id="32" name="TextBox 31"/>
           <p:cNvSpPr txBox="1"/>
           <p:nvPr/>
         </p:nvSpPr>
         <p:spPr>
-          <a:xfrm rot="16200000">
-            <a:off x="1939741" y="3406140"/>
-            <a:ext cx="1569660" cy="45719"/>
+          <a:xfrm>
+            <a:off x="4936872" y="4386185"/>
+            <a:ext cx="1080000" cy="369332"/>
           </a:xfrm>
           <a:prstGeom prst="rect">
             <a:avLst/>
@@ -7002,20 +7327,21 @@
           <a:noFill/>
         </p:spPr>
         <p:txBody>
-          <a:bodyPr vert="eaVert" wrap="square" rtlCol="0">
+          <a:bodyPr wrap="square" rtlCol="0">
             <a:spAutoFit/>
           </a:bodyPr>
           <a:lstStyle/>
           <a:p>
-            <a:r>
-              <a:rPr lang="en-US" altLang="ko-KR" dirty="0" smtClean="0">
-                <a:solidFill>
-                  <a:schemeClr val="bg1"/>
-                </a:solidFill>
-                <a:latin typeface="Adobe 고딕 Std B" panose="020B0800000000000000" pitchFamily="34" charset="-127"/>
-                <a:ea typeface="Adobe 고딕 Std B" panose="020B0800000000000000" pitchFamily="34" charset="-127"/>
-              </a:rPr>
-              <a:t>900px</a:t>
+            <a:pPr algn="ctr"/>
+            <a:r>
+              <a:rPr lang="ko-KR" altLang="en-US" dirty="0" smtClean="0">
+                <a:solidFill>
+                  <a:schemeClr val="bg1"/>
+                </a:solidFill>
+                <a:latin typeface="Adobe 고딕 Std B" panose="020B0800000000000000" pitchFamily="34" charset="-127"/>
+                <a:ea typeface="Adobe 고딕 Std B" panose="020B0800000000000000" pitchFamily="34" charset="-127"/>
+              </a:rPr>
+              <a:t>이메일</a:t>
             </a:r>
             <a:endParaRPr lang="ko-KR" altLang="en-US" dirty="0">
               <a:solidFill>
@@ -7029,14 +7355,14 @@
       </p:sp>
       <p:sp>
         <p:nvSpPr>
-          <p:cNvPr id="6" name="TextBox 5"/>
+          <p:cNvPr id="34" name="TextBox 33"/>
           <p:cNvSpPr txBox="1"/>
           <p:nvPr/>
         </p:nvSpPr>
         <p:spPr>
           <a:xfrm>
-            <a:off x="5153891" y="1447577"/>
-            <a:ext cx="2474056" cy="369332"/>
+            <a:off x="4303854" y="4755516"/>
+            <a:ext cx="2346035" cy="246221"/>
           </a:xfrm>
           <a:prstGeom prst="rect">
             <a:avLst/>
@@ -7049,17 +7375,18 @@
           </a:bodyPr>
           <a:lstStyle/>
           <a:p>
-            <a:r>
-              <a:rPr lang="en-US" altLang="ko-KR" dirty="0" smtClean="0">
-                <a:solidFill>
-                  <a:schemeClr val="bg1"/>
-                </a:solidFill>
-                <a:latin typeface="Adobe 고딕 Std B" panose="020B0800000000000000" pitchFamily="34" charset="-127"/>
-                <a:ea typeface="Adobe 고딕 Std B" panose="020B0800000000000000" pitchFamily="34" charset="-127"/>
-              </a:rPr>
-              <a:t>1440px</a:t>
-            </a:r>
-            <a:endParaRPr lang="ko-KR" altLang="en-US" dirty="0">
+            <a:pPr algn="ctr"/>
+            <a:r>
+              <a:rPr lang="en-US" altLang="ko-KR" sz="1000" dirty="0" smtClean="0">
+                <a:solidFill>
+                  <a:schemeClr val="bg1"/>
+                </a:solidFill>
+                <a:latin typeface="Adobe 고딕 Std B" panose="020B0800000000000000" pitchFamily="34" charset="-127"/>
+                <a:ea typeface="Adobe 고딕 Std B" panose="020B0800000000000000" pitchFamily="34" charset="-127"/>
+              </a:rPr>
+              <a:t>forquestion825@gmail.com</a:t>
+            </a:r>
+            <a:endParaRPr lang="ko-KR" altLang="en-US" sz="1000" dirty="0">
               <a:solidFill>
                 <a:schemeClr val="bg1"/>
               </a:solidFill>
@@ -7071,22 +7398,20 @@
       </p:sp>
       <p:sp>
         <p:nvSpPr>
-          <p:cNvPr id="8" name="직사각형 7"/>
+          <p:cNvPr id="37" name="타원형 설명선 36"/>
           <p:cNvSpPr/>
           <p:nvPr/>
         </p:nvSpPr>
         <p:spPr>
           <a:xfrm>
-            <a:off x="2954436" y="1809000"/>
-            <a:ext cx="5184000" cy="288000"/>
-          </a:xfrm>
-          <a:prstGeom prst="rect">
+            <a:off x="6327200" y="2003953"/>
+            <a:ext cx="3020291" cy="1086219"/>
+          </a:xfrm>
+          <a:prstGeom prst="wedgeEllipseCallout">
             <a:avLst/>
           </a:prstGeom>
           <a:solidFill>
-            <a:srgbClr val="FF0000">
-              <a:alpha val="50000"/>
-            </a:srgbClr>
+            <a:schemeClr val="bg1"/>
           </a:solidFill>
           <a:ln>
             <a:noFill/>
@@ -7114,54 +7439,18 @@
           <a:p>
             <a:pPr algn="ctr"/>
             <a:r>
-              <a:rPr lang="ko-KR" altLang="en-US" sz="1500" dirty="0" smtClean="0">
-                <a:latin typeface="Adobe 고딕 Std B" panose="020B0800000000000000" pitchFamily="34" charset="-127"/>
-                <a:ea typeface="Adobe 고딕 Std B" panose="020B0800000000000000" pitchFamily="34" charset="-127"/>
-              </a:rPr>
-              <a:t>목차 영역</a:t>
-            </a:r>
-            <a:endParaRPr lang="ko-KR" altLang="en-US" sz="1500" dirty="0">
-              <a:latin typeface="Adobe 고딕 Std B" panose="020B0800000000000000" pitchFamily="34" charset="-127"/>
-              <a:ea typeface="Adobe 고딕 Std B" panose="020B0800000000000000" pitchFamily="34" charset="-127"/>
-            </a:endParaRPr>
-          </a:p>
-        </p:txBody>
-      </p:sp>
-      <p:sp>
-        <p:nvSpPr>
-          <p:cNvPr id="9" name="TextBox 8"/>
-          <p:cNvSpPr txBox="1"/>
-          <p:nvPr/>
-        </p:nvSpPr>
-        <p:spPr>
-          <a:xfrm rot="16200000">
-            <a:off x="7761186" y="1930140"/>
-            <a:ext cx="800219" cy="45719"/>
-          </a:xfrm>
-          <a:prstGeom prst="rect">
-            <a:avLst/>
-          </a:prstGeom>
-          <a:noFill/>
-        </p:spPr>
-        <p:txBody>
-          <a:bodyPr vert="eaVert" wrap="square" rtlCol="0">
-            <a:spAutoFit/>
-          </a:bodyPr>
-          <a:lstStyle/>
-          <a:p>
-            <a:r>
-              <a:rPr lang="en-US" altLang="ko-KR" sz="1000" dirty="0" smtClean="0">
-                <a:solidFill>
-                  <a:schemeClr val="bg1"/>
-                </a:solidFill>
-                <a:latin typeface="Adobe 고딕 Std B" panose="020B0800000000000000" pitchFamily="34" charset="-127"/>
-                <a:ea typeface="Adobe 고딕 Std B" panose="020B0800000000000000" pitchFamily="34" charset="-127"/>
-              </a:rPr>
-              <a:t>80px</a:t>
-            </a:r>
-            <a:endParaRPr lang="ko-KR" altLang="en-US" sz="1000" dirty="0">
+              <a:rPr lang="ko-KR" altLang="en-US" sz="1050" dirty="0" smtClean="0">
+                <a:solidFill>
+                  <a:schemeClr val="tx1"/>
+                </a:solidFill>
+                <a:latin typeface="Adobe 고딕 Std B" panose="020B0800000000000000" pitchFamily="34" charset="-127"/>
+                <a:ea typeface="Adobe 고딕 Std B" panose="020B0800000000000000" pitchFamily="34" charset="-127"/>
+              </a:rPr>
+              <a:t>아이콘</a:t>
+            </a:r>
+            <a:endParaRPr lang="en-US" altLang="ko-KR" sz="1050" dirty="0" smtClean="0">
               <a:solidFill>
-                <a:schemeClr val="bg1"/>
+                <a:schemeClr val="tx1"/>
               </a:solidFill>
               <a:latin typeface="Adobe 고딕 Std B" panose="020B0800000000000000" pitchFamily="34" charset="-127"/>
               <a:ea typeface="Adobe 고딕 Std B" panose="020B0800000000000000" pitchFamily="34" charset="-127"/>
@@ -7169,282 +7458,10 @@
           </a:p>
         </p:txBody>
       </p:sp>
-      <p:sp>
-        <p:nvSpPr>
-          <p:cNvPr id="4" name="직사각형 3"/>
-          <p:cNvSpPr/>
-          <p:nvPr/>
-        </p:nvSpPr>
-        <p:spPr>
-          <a:xfrm>
-            <a:off x="3991236" y="2241000"/>
-            <a:ext cx="3110400" cy="2808000"/>
-          </a:xfrm>
-          <a:prstGeom prst="rect">
-            <a:avLst/>
-          </a:prstGeom>
-          <a:solidFill>
-            <a:srgbClr val="FFC000">
-              <a:alpha val="50000"/>
-            </a:srgbClr>
-          </a:solidFill>
-          <a:ln>
-            <a:noFill/>
-          </a:ln>
-        </p:spPr>
-        <p:style>
-          <a:lnRef idx="2">
-            <a:schemeClr val="accent1">
-              <a:shade val="50000"/>
-            </a:schemeClr>
-          </a:lnRef>
-          <a:fillRef idx="1">
-            <a:schemeClr val="accent1"/>
-          </a:fillRef>
-          <a:effectRef idx="0">
-            <a:schemeClr val="accent1"/>
-          </a:effectRef>
-          <a:fontRef idx="minor">
-            <a:schemeClr val="lt1"/>
-          </a:fontRef>
-        </p:style>
-        <p:txBody>
-          <a:bodyPr rtlCol="0" anchor="ctr"/>
-          <a:lstStyle/>
-          <a:p>
-            <a:pPr algn="ctr"/>
-            <a:r>
-              <a:rPr lang="en-US" altLang="ko-KR" dirty="0" smtClean="0">
-                <a:latin typeface="Adobe 고딕 Std B" panose="020B0800000000000000" pitchFamily="34" charset="-127"/>
-                <a:ea typeface="Adobe 고딕 Std B" panose="020B0800000000000000" pitchFamily="34" charset="-127"/>
-              </a:rPr>
-              <a:t>Contents</a:t>
-            </a:r>
-          </a:p>
-          <a:p>
-            <a:pPr algn="ctr"/>
-            <a:r>
-              <a:rPr lang="en-US" altLang="ko-KR" dirty="0" smtClean="0">
-                <a:latin typeface="Adobe 고딕 Std B" panose="020B0800000000000000" pitchFamily="34" charset="-127"/>
-                <a:ea typeface="Adobe 고딕 Std B" panose="020B0800000000000000" pitchFamily="34" charset="-127"/>
-              </a:rPr>
-              <a:t>Box</a:t>
-            </a:r>
-            <a:endParaRPr lang="ko-KR" altLang="en-US" dirty="0">
-              <a:latin typeface="Adobe 고딕 Std B" panose="020B0800000000000000" pitchFamily="34" charset="-127"/>
-              <a:ea typeface="Adobe 고딕 Std B" panose="020B0800000000000000" pitchFamily="34" charset="-127"/>
-            </a:endParaRPr>
-          </a:p>
-        </p:txBody>
-      </p:sp>
-      <p:sp>
-        <p:nvSpPr>
-          <p:cNvPr id="10" name="TextBox 9"/>
-          <p:cNvSpPr txBox="1"/>
-          <p:nvPr/>
-        </p:nvSpPr>
-        <p:spPr>
-          <a:xfrm>
-            <a:off x="5228264" y="5053944"/>
-            <a:ext cx="2474056" cy="246221"/>
-          </a:xfrm>
-          <a:prstGeom prst="rect">
-            <a:avLst/>
-          </a:prstGeom>
-          <a:noFill/>
-        </p:spPr>
-        <p:txBody>
-          <a:bodyPr wrap="square" rtlCol="0">
-            <a:spAutoFit/>
-          </a:bodyPr>
-          <a:lstStyle/>
-          <a:p>
-            <a:r>
-              <a:rPr lang="en-US" altLang="ko-KR" sz="1000" dirty="0" smtClean="0">
-                <a:solidFill>
-                  <a:schemeClr val="bg1"/>
-                </a:solidFill>
-                <a:latin typeface="Adobe 고딕 Std B" panose="020B0800000000000000" pitchFamily="34" charset="-127"/>
-                <a:ea typeface="Adobe 고딕 Std B" panose="020B0800000000000000" pitchFamily="34" charset="-127"/>
-              </a:rPr>
-              <a:t>864px</a:t>
-            </a:r>
-            <a:endParaRPr lang="ko-KR" altLang="en-US" sz="1000" dirty="0">
-              <a:solidFill>
-                <a:schemeClr val="bg1"/>
-              </a:solidFill>
-              <a:latin typeface="Adobe 고딕 Std B" panose="020B0800000000000000" pitchFamily="34" charset="-127"/>
-              <a:ea typeface="Adobe 고딕 Std B" panose="020B0800000000000000" pitchFamily="34" charset="-127"/>
-            </a:endParaRPr>
-          </a:p>
-        </p:txBody>
-      </p:sp>
-      <p:sp>
-        <p:nvSpPr>
-          <p:cNvPr id="12" name="TextBox 11"/>
-          <p:cNvSpPr txBox="1"/>
-          <p:nvPr/>
-        </p:nvSpPr>
-        <p:spPr>
-          <a:xfrm rot="16200000">
-            <a:off x="6578445" y="3622140"/>
-            <a:ext cx="1107996" cy="45719"/>
-          </a:xfrm>
-          <a:prstGeom prst="rect">
-            <a:avLst/>
-          </a:prstGeom>
-          <a:noFill/>
-        </p:spPr>
-        <p:txBody>
-          <a:bodyPr vert="eaVert" wrap="square" rtlCol="0">
-            <a:spAutoFit/>
-          </a:bodyPr>
-          <a:lstStyle/>
-          <a:p>
-            <a:r>
-              <a:rPr lang="en-US" altLang="ko-KR" sz="1000" dirty="0" smtClean="0">
-                <a:solidFill>
-                  <a:schemeClr val="bg1"/>
-                </a:solidFill>
-                <a:latin typeface="Adobe 고딕 Std B" panose="020B0800000000000000" pitchFamily="34" charset="-127"/>
-                <a:ea typeface="Adobe 고딕 Std B" panose="020B0800000000000000" pitchFamily="34" charset="-127"/>
-              </a:rPr>
-              <a:t>780px	</a:t>
-            </a:r>
-            <a:endParaRPr lang="ko-KR" altLang="en-US" sz="1000" dirty="0">
-              <a:solidFill>
-                <a:schemeClr val="bg1"/>
-              </a:solidFill>
-              <a:latin typeface="Adobe 고딕 Std B" panose="020B0800000000000000" pitchFamily="34" charset="-127"/>
-              <a:ea typeface="Adobe 고딕 Std B" panose="020B0800000000000000" pitchFamily="34" charset="-127"/>
-            </a:endParaRPr>
-          </a:p>
-        </p:txBody>
-      </p:sp>
-      <p:sp>
-        <p:nvSpPr>
-          <p:cNvPr id="13" name="TextBox 12"/>
-          <p:cNvSpPr txBox="1"/>
-          <p:nvPr/>
-        </p:nvSpPr>
-        <p:spPr>
-          <a:xfrm>
-            <a:off x="3235749" y="5043201"/>
-            <a:ext cx="2474056" cy="246221"/>
-          </a:xfrm>
-          <a:prstGeom prst="rect">
-            <a:avLst/>
-          </a:prstGeom>
-          <a:noFill/>
-        </p:spPr>
-        <p:txBody>
-          <a:bodyPr wrap="square" rtlCol="0">
-            <a:spAutoFit/>
-          </a:bodyPr>
-          <a:lstStyle/>
-          <a:p>
-            <a:r>
-              <a:rPr lang="en-US" altLang="ko-KR" sz="1000" dirty="0" smtClean="0">
-                <a:solidFill>
-                  <a:schemeClr val="bg1"/>
-                </a:solidFill>
-                <a:latin typeface="Adobe 고딕 Std B" panose="020B0800000000000000" pitchFamily="34" charset="-127"/>
-                <a:ea typeface="Adobe 고딕 Std B" panose="020B0800000000000000" pitchFamily="34" charset="-127"/>
-              </a:rPr>
-              <a:t>288px</a:t>
-            </a:r>
-            <a:endParaRPr lang="ko-KR" altLang="en-US" sz="1000" dirty="0">
-              <a:solidFill>
-                <a:schemeClr val="bg1"/>
-              </a:solidFill>
-              <a:latin typeface="Adobe 고딕 Std B" panose="020B0800000000000000" pitchFamily="34" charset="-127"/>
-              <a:ea typeface="Adobe 고딕 Std B" panose="020B0800000000000000" pitchFamily="34" charset="-127"/>
-            </a:endParaRPr>
-          </a:p>
-        </p:txBody>
-      </p:sp>
-      <p:cxnSp>
-        <p:nvCxnSpPr>
-          <p:cNvPr id="14" name="직선 화살표 연결선 13"/>
-          <p:cNvCxnSpPr/>
-          <p:nvPr/>
-        </p:nvCxnSpPr>
-        <p:spPr>
-          <a:xfrm>
-            <a:off x="8571194" y="2168508"/>
-            <a:ext cx="0" cy="2606083"/>
-          </a:xfrm>
-          <a:prstGeom prst="straightConnector1">
-            <a:avLst/>
-          </a:prstGeom>
-          <a:ln w="127000">
-            <a:solidFill>
-              <a:schemeClr val="bg1"/>
-            </a:solidFill>
-            <a:tailEnd type="triangle"/>
-          </a:ln>
-        </p:spPr>
-        <p:style>
-          <a:lnRef idx="1">
-            <a:schemeClr val="accent1"/>
-          </a:lnRef>
-          <a:fillRef idx="0">
-            <a:schemeClr val="accent1"/>
-          </a:fillRef>
-          <a:effectRef idx="0">
-            <a:schemeClr val="accent1"/>
-          </a:effectRef>
-          <a:fontRef idx="minor">
-            <a:schemeClr val="tx1"/>
-          </a:fontRef>
-        </p:style>
-      </p:cxnSp>
-      <p:sp>
-        <p:nvSpPr>
-          <p:cNvPr id="16" name="TextBox 15"/>
-          <p:cNvSpPr txBox="1"/>
-          <p:nvPr/>
-        </p:nvSpPr>
-        <p:spPr>
-          <a:xfrm>
-            <a:off x="8713571" y="2539985"/>
-            <a:ext cx="461665" cy="1863127"/>
-          </a:xfrm>
-          <a:prstGeom prst="rect">
-            <a:avLst/>
-          </a:prstGeom>
-          <a:noFill/>
-        </p:spPr>
-        <p:txBody>
-          <a:bodyPr vert="eaVert" wrap="square" rtlCol="0">
-            <a:spAutoFit/>
-          </a:bodyPr>
-          <a:lstStyle/>
-          <a:p>
-            <a:r>
-              <a:rPr lang="ko-KR" altLang="en-US" smtClean="0">
-                <a:solidFill>
-                  <a:schemeClr val="bg1"/>
-                </a:solidFill>
-                <a:latin typeface="Adobe 고딕 Std B" panose="020B0800000000000000" pitchFamily="34" charset="-127"/>
-                <a:ea typeface="Adobe 고딕 Std B" panose="020B0800000000000000" pitchFamily="34" charset="-127"/>
-              </a:rPr>
-              <a:t>스크롤 되도록</a:t>
-            </a:r>
-            <a:endParaRPr lang="ko-KR" altLang="en-US" dirty="0">
-              <a:solidFill>
-                <a:schemeClr val="bg1"/>
-              </a:solidFill>
-              <a:latin typeface="Adobe 고딕 Std B" panose="020B0800000000000000" pitchFamily="34" charset="-127"/>
-              <a:ea typeface="Adobe 고딕 Std B" panose="020B0800000000000000" pitchFamily="34" charset="-127"/>
-            </a:endParaRPr>
-          </a:p>
-        </p:txBody>
-      </p:sp>
     </p:spTree>
     <p:extLst>
       <p:ext uri="{BB962C8B-B14F-4D97-AF65-F5344CB8AC3E}">
-        <p14:creationId xmlns:p14="http://schemas.microsoft.com/office/powerpoint/2010/main" val="2838679855"/>
+        <p14:creationId xmlns:p14="http://schemas.microsoft.com/office/powerpoint/2010/main" val="1115144360"/>
       </p:ext>
     </p:extLst>
   </p:cSld>
@@ -7486,7 +7503,2034 @@
             <a:avLst/>
           </a:prstGeom>
           <a:solidFill>
-            <a:srgbClr val="BFBFBF"/>
+            <a:srgbClr val="404040"/>
+          </a:solidFill>
+          <a:ln>
+            <a:noFill/>
+          </a:ln>
+        </p:spPr>
+        <p:style>
+          <a:lnRef idx="2">
+            <a:schemeClr val="accent1">
+              <a:shade val="50000"/>
+            </a:schemeClr>
+          </a:lnRef>
+          <a:fillRef idx="1">
+            <a:schemeClr val="accent1"/>
+          </a:fillRef>
+          <a:effectRef idx="0">
+            <a:schemeClr val="accent1"/>
+          </a:effectRef>
+          <a:fontRef idx="minor">
+            <a:schemeClr val="lt1"/>
+          </a:fontRef>
+        </p:style>
+        <p:txBody>
+          <a:bodyPr rtlCol="0" anchor="ctr"/>
+          <a:lstStyle/>
+          <a:p>
+            <a:pPr algn="ctr"/>
+            <a:endParaRPr lang="ko-KR" altLang="en-US" dirty="0"/>
+          </a:p>
+        </p:txBody>
+      </p:sp>
+      <p:sp>
+        <p:nvSpPr>
+          <p:cNvPr id="3" name="TextBox 2"/>
+          <p:cNvSpPr txBox="1"/>
+          <p:nvPr/>
+        </p:nvSpPr>
+        <p:spPr>
+          <a:xfrm>
+            <a:off x="0" y="0"/>
+            <a:ext cx="10295792" cy="1015663"/>
+          </a:xfrm>
+          <a:prstGeom prst="rect">
+            <a:avLst/>
+          </a:prstGeom>
+          <a:noFill/>
+        </p:spPr>
+        <p:txBody>
+          <a:bodyPr wrap="square" rtlCol="0">
+            <a:spAutoFit/>
+          </a:bodyPr>
+          <a:lstStyle/>
+          <a:p>
+            <a:r>
+              <a:rPr lang="en-US" altLang="ko-KR" sz="6000" dirty="0" smtClean="0">
+                <a:solidFill>
+                  <a:schemeClr val="bg1"/>
+                </a:solidFill>
+                <a:latin typeface="Adobe 고딕 Std B" panose="020B0800000000000000" pitchFamily="34" charset="-127"/>
+                <a:ea typeface="Adobe 고딕 Std B" panose="020B0800000000000000" pitchFamily="34" charset="-127"/>
+              </a:rPr>
+              <a:t>Contents </a:t>
+            </a:r>
+            <a:r>
+              <a:rPr lang="ko-KR" altLang="en-US" sz="6000" dirty="0" smtClean="0">
+                <a:solidFill>
+                  <a:schemeClr val="bg1"/>
+                </a:solidFill>
+                <a:latin typeface="Adobe 고딕 Std B" panose="020B0800000000000000" pitchFamily="34" charset="-127"/>
+                <a:ea typeface="Adobe 고딕 Std B" panose="020B0800000000000000" pitchFamily="34" charset="-127"/>
+              </a:rPr>
+              <a:t>구성</a:t>
+            </a:r>
+            <a:endParaRPr lang="ko-KR" altLang="en-US" sz="6000" dirty="0">
+              <a:solidFill>
+                <a:schemeClr val="bg1"/>
+              </a:solidFill>
+              <a:latin typeface="Adobe 고딕 Std B" panose="020B0800000000000000" pitchFamily="34" charset="-127"/>
+              <a:ea typeface="Adobe 고딕 Std B" panose="020B0800000000000000" pitchFamily="34" charset="-127"/>
+            </a:endParaRPr>
+          </a:p>
+        </p:txBody>
+      </p:sp>
+      <p:sp>
+        <p:nvSpPr>
+          <p:cNvPr id="6" name="직사각형 5"/>
+          <p:cNvSpPr/>
+          <p:nvPr/>
+        </p:nvSpPr>
+        <p:spPr>
+          <a:xfrm>
+            <a:off x="3548436" y="1143881"/>
+            <a:ext cx="3996000" cy="1322228"/>
+          </a:xfrm>
+          <a:prstGeom prst="rect">
+            <a:avLst/>
+          </a:prstGeom>
+          <a:solidFill>
+            <a:srgbClr val="404040"/>
+          </a:solidFill>
+          <a:ln>
+            <a:solidFill>
+              <a:schemeClr val="bg1"/>
+            </a:solidFill>
+          </a:ln>
+        </p:spPr>
+        <p:style>
+          <a:lnRef idx="2">
+            <a:schemeClr val="accent1">
+              <a:shade val="50000"/>
+            </a:schemeClr>
+          </a:lnRef>
+          <a:fillRef idx="1">
+            <a:schemeClr val="accent1"/>
+          </a:fillRef>
+          <a:effectRef idx="0">
+            <a:schemeClr val="accent1"/>
+          </a:effectRef>
+          <a:fontRef idx="minor">
+            <a:schemeClr val="lt1"/>
+          </a:fontRef>
+        </p:style>
+        <p:txBody>
+          <a:bodyPr rtlCol="0" anchor="ctr"/>
+          <a:lstStyle/>
+          <a:p>
+            <a:pPr algn="ctr"/>
+            <a:r>
+              <a:rPr lang="ko-KR" altLang="en-US" dirty="0" smtClean="0">
+                <a:latin typeface="Adobe 고딕 Std B" panose="020B0800000000000000" pitchFamily="34" charset="-127"/>
+                <a:ea typeface="Adobe 고딕 Std B" panose="020B0800000000000000" pitchFamily="34" charset="-127"/>
+              </a:rPr>
+              <a:t>내용 </a:t>
+            </a:r>
+            <a:r>
+              <a:rPr lang="en-US" altLang="ko-KR" dirty="0" smtClean="0">
+                <a:latin typeface="Adobe 고딕 Std B" panose="020B0800000000000000" pitchFamily="34" charset="-127"/>
+                <a:ea typeface="Adobe 고딕 Std B" panose="020B0800000000000000" pitchFamily="34" charset="-127"/>
+              </a:rPr>
+              <a:t>1</a:t>
+            </a:r>
+            <a:endParaRPr lang="ko-KR" altLang="en-US" dirty="0">
+              <a:latin typeface="Adobe 고딕 Std B" panose="020B0800000000000000" pitchFamily="34" charset="-127"/>
+              <a:ea typeface="Adobe 고딕 Std B" panose="020B0800000000000000" pitchFamily="34" charset="-127"/>
+            </a:endParaRPr>
+          </a:p>
+        </p:txBody>
+      </p:sp>
+      <p:sp>
+        <p:nvSpPr>
+          <p:cNvPr id="9" name="직사각형 8"/>
+          <p:cNvSpPr/>
+          <p:nvPr/>
+        </p:nvSpPr>
+        <p:spPr>
+          <a:xfrm>
+            <a:off x="3548436" y="5247470"/>
+            <a:ext cx="3996000" cy="1322228"/>
+          </a:xfrm>
+          <a:prstGeom prst="rect">
+            <a:avLst/>
+          </a:prstGeom>
+          <a:solidFill>
+            <a:srgbClr val="404040"/>
+          </a:solidFill>
+          <a:ln>
+            <a:solidFill>
+              <a:schemeClr val="bg1"/>
+            </a:solidFill>
+          </a:ln>
+        </p:spPr>
+        <p:style>
+          <a:lnRef idx="2">
+            <a:schemeClr val="accent1">
+              <a:shade val="50000"/>
+            </a:schemeClr>
+          </a:lnRef>
+          <a:fillRef idx="1">
+            <a:schemeClr val="accent1"/>
+          </a:fillRef>
+          <a:effectRef idx="0">
+            <a:schemeClr val="accent1"/>
+          </a:effectRef>
+          <a:fontRef idx="minor">
+            <a:schemeClr val="lt1"/>
+          </a:fontRef>
+        </p:style>
+        <p:txBody>
+          <a:bodyPr rtlCol="0" anchor="ctr"/>
+          <a:lstStyle/>
+          <a:p>
+            <a:pPr algn="ctr"/>
+            <a:r>
+              <a:rPr lang="ko-KR" altLang="en-US" dirty="0" smtClean="0">
+                <a:latin typeface="Adobe 고딕 Std B" panose="020B0800000000000000" pitchFamily="34" charset="-127"/>
+                <a:ea typeface="Adobe 고딕 Std B" panose="020B0800000000000000" pitchFamily="34" charset="-127"/>
+              </a:rPr>
+              <a:t>내용 </a:t>
+            </a:r>
+            <a:r>
+              <a:rPr lang="en-US" altLang="ko-KR" dirty="0" smtClean="0">
+                <a:latin typeface="Adobe 고딕 Std B" panose="020B0800000000000000" pitchFamily="34" charset="-127"/>
+                <a:ea typeface="Adobe 고딕 Std B" panose="020B0800000000000000" pitchFamily="34" charset="-127"/>
+              </a:rPr>
+              <a:t>3</a:t>
+            </a:r>
+            <a:endParaRPr lang="ko-KR" altLang="en-US" dirty="0">
+              <a:latin typeface="Adobe 고딕 Std B" panose="020B0800000000000000" pitchFamily="34" charset="-127"/>
+              <a:ea typeface="Adobe 고딕 Std B" panose="020B0800000000000000" pitchFamily="34" charset="-127"/>
+            </a:endParaRPr>
+          </a:p>
+        </p:txBody>
+      </p:sp>
+      <p:sp>
+        <p:nvSpPr>
+          <p:cNvPr id="4" name="직사각형 3"/>
+          <p:cNvSpPr/>
+          <p:nvPr/>
+        </p:nvSpPr>
+        <p:spPr>
+          <a:xfrm>
+            <a:off x="3548436" y="2511744"/>
+            <a:ext cx="3996000" cy="2690091"/>
+          </a:xfrm>
+          <a:prstGeom prst="rect">
+            <a:avLst/>
+          </a:prstGeom>
+          <a:solidFill>
+            <a:srgbClr val="404040"/>
+          </a:solidFill>
+          <a:ln>
+            <a:solidFill>
+              <a:schemeClr val="bg1"/>
+            </a:solidFill>
+          </a:ln>
+        </p:spPr>
+        <p:style>
+          <a:lnRef idx="2">
+            <a:schemeClr val="accent1">
+              <a:shade val="50000"/>
+            </a:schemeClr>
+          </a:lnRef>
+          <a:fillRef idx="1">
+            <a:schemeClr val="accent1"/>
+          </a:fillRef>
+          <a:effectRef idx="0">
+            <a:schemeClr val="accent1"/>
+          </a:effectRef>
+          <a:fontRef idx="minor">
+            <a:schemeClr val="lt1"/>
+          </a:fontRef>
+        </p:style>
+        <p:txBody>
+          <a:bodyPr rtlCol="0" anchor="ctr"/>
+          <a:lstStyle/>
+          <a:p>
+            <a:pPr algn="ctr"/>
+            <a:r>
+              <a:rPr lang="ko-KR" altLang="en-US" dirty="0" smtClean="0">
+                <a:latin typeface="Adobe 고딕 Std B" panose="020B0800000000000000" pitchFamily="34" charset="-127"/>
+                <a:ea typeface="Adobe 고딕 Std B" panose="020B0800000000000000" pitchFamily="34" charset="-127"/>
+              </a:rPr>
+              <a:t>내용 </a:t>
+            </a:r>
+            <a:r>
+              <a:rPr lang="en-US" altLang="ko-KR" dirty="0" smtClean="0">
+                <a:latin typeface="Adobe 고딕 Std B" panose="020B0800000000000000" pitchFamily="34" charset="-127"/>
+                <a:ea typeface="Adobe 고딕 Std B" panose="020B0800000000000000" pitchFamily="34" charset="-127"/>
+              </a:rPr>
+              <a:t>2</a:t>
+            </a:r>
+            <a:endParaRPr lang="ko-KR" altLang="en-US" dirty="0">
+              <a:latin typeface="Adobe 고딕 Std B" panose="020B0800000000000000" pitchFamily="34" charset="-127"/>
+              <a:ea typeface="Adobe 고딕 Std B" panose="020B0800000000000000" pitchFamily="34" charset="-127"/>
+            </a:endParaRPr>
+          </a:p>
+        </p:txBody>
+      </p:sp>
+      <p:sp>
+        <p:nvSpPr>
+          <p:cNvPr id="7" name="타원형 설명선 6"/>
+          <p:cNvSpPr/>
+          <p:nvPr/>
+        </p:nvSpPr>
+        <p:spPr>
+          <a:xfrm>
+            <a:off x="6110830" y="1680332"/>
+            <a:ext cx="3020291" cy="1086219"/>
+          </a:xfrm>
+          <a:prstGeom prst="wedgeEllipseCallout">
+            <a:avLst/>
+          </a:prstGeom>
+          <a:solidFill>
+            <a:schemeClr val="bg1"/>
+          </a:solidFill>
+          <a:ln>
+            <a:noFill/>
+          </a:ln>
+        </p:spPr>
+        <p:style>
+          <a:lnRef idx="2">
+            <a:schemeClr val="accent1">
+              <a:shade val="50000"/>
+            </a:schemeClr>
+          </a:lnRef>
+          <a:fillRef idx="1">
+            <a:schemeClr val="accent1"/>
+          </a:fillRef>
+          <a:effectRef idx="0">
+            <a:schemeClr val="accent1"/>
+          </a:effectRef>
+          <a:fontRef idx="minor">
+            <a:schemeClr val="lt1"/>
+          </a:fontRef>
+        </p:style>
+        <p:txBody>
+          <a:bodyPr rtlCol="0" anchor="ctr"/>
+          <a:lstStyle/>
+          <a:p>
+            <a:pPr algn="ctr"/>
+            <a:r>
+              <a:rPr lang="ko-KR" altLang="en-US" sz="900" dirty="0" smtClean="0">
+                <a:solidFill>
+                  <a:schemeClr val="tx1"/>
+                </a:solidFill>
+                <a:latin typeface="Adobe 고딕 Std B" panose="020B0800000000000000" pitchFamily="34" charset="-127"/>
+                <a:ea typeface="Adobe 고딕 Std B" panose="020B0800000000000000" pitchFamily="34" charset="-127"/>
+              </a:rPr>
+              <a:t>원래 투명도 </a:t>
+            </a:r>
+            <a:r>
+              <a:rPr lang="en-US" altLang="ko-KR" sz="900" dirty="0" smtClean="0">
+                <a:solidFill>
+                  <a:schemeClr val="tx1"/>
+                </a:solidFill>
+                <a:latin typeface="Adobe 고딕 Std B" panose="020B0800000000000000" pitchFamily="34" charset="-127"/>
+                <a:ea typeface="Adobe 고딕 Std B" panose="020B0800000000000000" pitchFamily="34" charset="-127"/>
+              </a:rPr>
+              <a:t>100%</a:t>
+            </a:r>
+            <a:r>
+              <a:rPr lang="ko-KR" altLang="en-US" sz="900" dirty="0" smtClean="0">
+                <a:solidFill>
+                  <a:schemeClr val="tx1"/>
+                </a:solidFill>
+                <a:latin typeface="Adobe 고딕 Std B" panose="020B0800000000000000" pitchFamily="34" charset="-127"/>
+                <a:ea typeface="Adobe 고딕 Std B" panose="020B0800000000000000" pitchFamily="34" charset="-127"/>
+              </a:rPr>
+              <a:t>였다가</a:t>
+            </a:r>
+            <a:endParaRPr lang="en-US" altLang="ko-KR" sz="900" dirty="0" smtClean="0">
+              <a:solidFill>
+                <a:schemeClr val="tx1"/>
+              </a:solidFill>
+              <a:latin typeface="Adobe 고딕 Std B" panose="020B0800000000000000" pitchFamily="34" charset="-127"/>
+              <a:ea typeface="Adobe 고딕 Std B" panose="020B0800000000000000" pitchFamily="34" charset="-127"/>
+            </a:endParaRPr>
+          </a:p>
+          <a:p>
+            <a:pPr algn="ctr"/>
+            <a:r>
+              <a:rPr lang="ko-KR" altLang="en-US" sz="900" dirty="0" smtClean="0">
+                <a:solidFill>
+                  <a:schemeClr val="tx1"/>
+                </a:solidFill>
+                <a:latin typeface="Adobe 고딕 Std B" panose="020B0800000000000000" pitchFamily="34" charset="-127"/>
+                <a:ea typeface="Adobe 고딕 Std B" panose="020B0800000000000000" pitchFamily="34" charset="-127"/>
+              </a:rPr>
+              <a:t>화면 중앙에 가면서 점점 선명해지게</a:t>
+            </a:r>
+            <a:endParaRPr lang="en-US" altLang="ko-KR" sz="900" dirty="0" smtClean="0">
+              <a:solidFill>
+                <a:schemeClr val="tx1"/>
+              </a:solidFill>
+              <a:latin typeface="Adobe 고딕 Std B" panose="020B0800000000000000" pitchFamily="34" charset="-127"/>
+              <a:ea typeface="Adobe 고딕 Std B" panose="020B0800000000000000" pitchFamily="34" charset="-127"/>
+            </a:endParaRPr>
+          </a:p>
+        </p:txBody>
+      </p:sp>
+    </p:spTree>
+    <p:extLst>
+      <p:ext uri="{BB962C8B-B14F-4D97-AF65-F5344CB8AC3E}">
+        <p14:creationId xmlns:p14="http://schemas.microsoft.com/office/powerpoint/2010/main" val="2200675696"/>
+      </p:ext>
+    </p:extLst>
+  </p:cSld>
+  <p:clrMapOvr>
+    <a:masterClrMapping/>
+  </p:clrMapOvr>
+</p:sld>
+</file>
+
+<file path=ppt/slides/slide12.xml><?xml version="1.0" encoding="utf-8"?>
+<p:sld xmlns:a="http://schemas.openxmlformats.org/drawingml/2006/main" xmlns:r="http://schemas.openxmlformats.org/officeDocument/2006/relationships" xmlns:p="http://schemas.openxmlformats.org/presentationml/2006/main">
+  <p:cSld>
+    <p:spTree>
+      <p:nvGrpSpPr>
+        <p:cNvPr id="1" name=""/>
+        <p:cNvGrpSpPr/>
+        <p:nvPr/>
+      </p:nvGrpSpPr>
+      <p:grpSpPr>
+        <a:xfrm>
+          <a:off x="0" y="0"/>
+          <a:ext cx="0" cy="0"/>
+          <a:chOff x="0" y="0"/>
+          <a:chExt cx="0" cy="0"/>
+        </a:xfrm>
+      </p:grpSpPr>
+      <p:sp>
+        <p:nvSpPr>
+          <p:cNvPr id="15" name="직사각형 14"/>
+          <p:cNvSpPr/>
+          <p:nvPr/>
+        </p:nvSpPr>
+        <p:spPr>
+          <a:xfrm>
+            <a:off x="0" y="9235"/>
+            <a:ext cx="11092873" cy="6858000"/>
+          </a:xfrm>
+          <a:prstGeom prst="rect">
+            <a:avLst/>
+          </a:prstGeom>
+          <a:solidFill>
+            <a:srgbClr val="404040"/>
+          </a:solidFill>
+          <a:ln>
+            <a:noFill/>
+          </a:ln>
+        </p:spPr>
+        <p:style>
+          <a:lnRef idx="2">
+            <a:schemeClr val="accent1">
+              <a:shade val="50000"/>
+            </a:schemeClr>
+          </a:lnRef>
+          <a:fillRef idx="1">
+            <a:schemeClr val="accent1"/>
+          </a:fillRef>
+          <a:effectRef idx="0">
+            <a:schemeClr val="accent1"/>
+          </a:effectRef>
+          <a:fontRef idx="minor">
+            <a:schemeClr val="lt1"/>
+          </a:fontRef>
+        </p:style>
+        <p:txBody>
+          <a:bodyPr rtlCol="0" anchor="ctr"/>
+          <a:lstStyle/>
+          <a:p>
+            <a:pPr algn="ctr"/>
+            <a:endParaRPr lang="ko-KR" altLang="en-US" dirty="0"/>
+          </a:p>
+        </p:txBody>
+      </p:sp>
+      <p:sp>
+        <p:nvSpPr>
+          <p:cNvPr id="3" name="TextBox 2"/>
+          <p:cNvSpPr txBox="1"/>
+          <p:nvPr/>
+        </p:nvSpPr>
+        <p:spPr>
+          <a:xfrm>
+            <a:off x="0" y="0"/>
+            <a:ext cx="6163408" cy="1015663"/>
+          </a:xfrm>
+          <a:prstGeom prst="rect">
+            <a:avLst/>
+          </a:prstGeom>
+          <a:noFill/>
+        </p:spPr>
+        <p:txBody>
+          <a:bodyPr wrap="square" rtlCol="0">
+            <a:spAutoFit/>
+          </a:bodyPr>
+          <a:lstStyle/>
+          <a:p>
+            <a:r>
+              <a:rPr lang="ko-KR" altLang="en-US" sz="6000" dirty="0" smtClean="0">
+                <a:solidFill>
+                  <a:schemeClr val="bg1"/>
+                </a:solidFill>
+                <a:latin typeface="Adobe 고딕 Std B" panose="020B0800000000000000" pitchFamily="34" charset="-127"/>
+                <a:ea typeface="Adobe 고딕 Std B" panose="020B0800000000000000" pitchFamily="34" charset="-127"/>
+              </a:rPr>
+              <a:t>컨셉 이미지</a:t>
+            </a:r>
+            <a:endParaRPr lang="ko-KR" altLang="en-US" sz="6000" dirty="0">
+              <a:solidFill>
+                <a:schemeClr val="bg1"/>
+              </a:solidFill>
+              <a:latin typeface="Adobe 고딕 Std B" panose="020B0800000000000000" pitchFamily="34" charset="-127"/>
+              <a:ea typeface="Adobe 고딕 Std B" panose="020B0800000000000000" pitchFamily="34" charset="-127"/>
+            </a:endParaRPr>
+          </a:p>
+        </p:txBody>
+      </p:sp>
+      <p:pic>
+        <p:nvPicPr>
+          <p:cNvPr id="2" name="그림 1"/>
+          <p:cNvPicPr>
+            <a:picLocks noChangeAspect="1"/>
+          </p:cNvPicPr>
+          <p:nvPr/>
+        </p:nvPicPr>
+        <p:blipFill>
+          <a:blip r:embed="rId2">
+            <a:extLst>
+              <a:ext uri="{28A0092B-C50C-407E-A947-70E740481C1C}">
+                <a14:useLocalDpi xmlns:a14="http://schemas.microsoft.com/office/drawing/2010/main" val="0"/>
+              </a:ext>
+            </a:extLst>
+          </a:blip>
+          <a:stretch>
+            <a:fillRect/>
+          </a:stretch>
+        </p:blipFill>
+        <p:spPr>
+          <a:xfrm>
+            <a:off x="559745" y="1421941"/>
+            <a:ext cx="5043918" cy="2235659"/>
+          </a:xfrm>
+          <a:prstGeom prst="rect">
+            <a:avLst/>
+          </a:prstGeom>
+        </p:spPr>
+      </p:pic>
+      <p:sp>
+        <p:nvSpPr>
+          <p:cNvPr id="4" name="TextBox 3"/>
+          <p:cNvSpPr txBox="1"/>
+          <p:nvPr/>
+        </p:nvSpPr>
+        <p:spPr>
+          <a:xfrm>
+            <a:off x="5996325" y="1421941"/>
+            <a:ext cx="4267279" cy="1477328"/>
+          </a:xfrm>
+          <a:prstGeom prst="rect">
+            <a:avLst/>
+          </a:prstGeom>
+          <a:noFill/>
+        </p:spPr>
+        <p:txBody>
+          <a:bodyPr wrap="square" rtlCol="0">
+            <a:spAutoFit/>
+          </a:bodyPr>
+          <a:lstStyle/>
+          <a:p>
+            <a:r>
+              <a:rPr lang="en-US" altLang="ko-KR" dirty="0">
+                <a:hlinkClick r:id="rId3"/>
+              </a:rPr>
+              <a:t>https://preview.themeforest.net/item/markone-onepage-resume-html-template/full_screen_preview/19822405?_ga=2.95863259.612461164.1566780289-1184936057.1566377612</a:t>
+            </a:r>
+            <a:endParaRPr lang="ko-KR" altLang="en-US" dirty="0"/>
+          </a:p>
+        </p:txBody>
+      </p:sp>
+      <p:pic>
+        <p:nvPicPr>
+          <p:cNvPr id="6" name="그림 5"/>
+          <p:cNvPicPr>
+            <a:picLocks noChangeAspect="1"/>
+          </p:cNvPicPr>
+          <p:nvPr/>
+        </p:nvPicPr>
+        <p:blipFill>
+          <a:blip r:embed="rId4" cstate="print">
+            <a:extLst>
+              <a:ext uri="{28A0092B-C50C-407E-A947-70E740481C1C}">
+                <a14:useLocalDpi xmlns:a14="http://schemas.microsoft.com/office/drawing/2010/main" val="0"/>
+              </a:ext>
+            </a:extLst>
+          </a:blip>
+          <a:stretch>
+            <a:fillRect/>
+          </a:stretch>
+        </p:blipFill>
+        <p:spPr>
+          <a:xfrm>
+            <a:off x="5996325" y="3870410"/>
+            <a:ext cx="4267279" cy="2694357"/>
+          </a:xfrm>
+          <a:prstGeom prst="rect">
+            <a:avLst/>
+          </a:prstGeom>
+        </p:spPr>
+      </p:pic>
+      <p:sp>
+        <p:nvSpPr>
+          <p:cNvPr id="11" name="TextBox 10"/>
+          <p:cNvSpPr txBox="1"/>
+          <p:nvPr/>
+        </p:nvSpPr>
+        <p:spPr>
+          <a:xfrm>
+            <a:off x="559745" y="3870410"/>
+            <a:ext cx="5043918" cy="646331"/>
+          </a:xfrm>
+          <a:prstGeom prst="rect">
+            <a:avLst/>
+          </a:prstGeom>
+          <a:noFill/>
+        </p:spPr>
+        <p:txBody>
+          <a:bodyPr wrap="square" rtlCol="0">
+            <a:spAutoFit/>
+          </a:bodyPr>
+          <a:lstStyle/>
+          <a:p>
+            <a:r>
+              <a:rPr lang="en-US" altLang="ko-KR" dirty="0">
+                <a:hlinkClick r:id="rId5"/>
+              </a:rPr>
+              <a:t>https://pennyblacktemplates.com/demo/ws/feather/dark-demo/resume-center-content.html</a:t>
+            </a:r>
+            <a:endParaRPr lang="ko-KR" altLang="en-US" dirty="0"/>
+          </a:p>
+        </p:txBody>
+      </p:sp>
+      <p:sp>
+        <p:nvSpPr>
+          <p:cNvPr id="5" name="TextBox 4"/>
+          <p:cNvSpPr txBox="1"/>
+          <p:nvPr/>
+        </p:nvSpPr>
+        <p:spPr>
+          <a:xfrm>
+            <a:off x="559745" y="5293413"/>
+            <a:ext cx="5114136" cy="523220"/>
+          </a:xfrm>
+          <a:prstGeom prst="rect">
+            <a:avLst/>
+          </a:prstGeom>
+          <a:noFill/>
+        </p:spPr>
+        <p:txBody>
+          <a:bodyPr wrap="square" rtlCol="0">
+            <a:spAutoFit/>
+          </a:bodyPr>
+          <a:lstStyle/>
+          <a:p>
+            <a:r>
+              <a:rPr lang="ko-KR" altLang="en-US" sz="2800" dirty="0" smtClean="0">
+                <a:solidFill>
+                  <a:schemeClr val="bg1"/>
+                </a:solidFill>
+                <a:latin typeface="Adobe 고딕 Std B" panose="020B0800000000000000" pitchFamily="34" charset="-127"/>
+                <a:ea typeface="Adobe 고딕 Std B" panose="020B0800000000000000" pitchFamily="34" charset="-127"/>
+              </a:rPr>
+              <a:t>이렇게 깔끔한 느낌으로</a:t>
+            </a:r>
+            <a:endParaRPr lang="ko-KR" altLang="en-US" sz="2800" dirty="0">
+              <a:solidFill>
+                <a:schemeClr val="bg1"/>
+              </a:solidFill>
+              <a:latin typeface="Adobe 고딕 Std B" panose="020B0800000000000000" pitchFamily="34" charset="-127"/>
+              <a:ea typeface="Adobe 고딕 Std B" panose="020B0800000000000000" pitchFamily="34" charset="-127"/>
+            </a:endParaRPr>
+          </a:p>
+        </p:txBody>
+      </p:sp>
+    </p:spTree>
+    <p:extLst>
+      <p:ext uri="{BB962C8B-B14F-4D97-AF65-F5344CB8AC3E}">
+        <p14:creationId xmlns:p14="http://schemas.microsoft.com/office/powerpoint/2010/main" val="3636787021"/>
+      </p:ext>
+    </p:extLst>
+  </p:cSld>
+  <p:clrMapOvr>
+    <a:masterClrMapping/>
+  </p:clrMapOvr>
+</p:sld>
+</file>
+
+<file path=ppt/slides/slide13.xml><?xml version="1.0" encoding="utf-8"?>
+<p:sld xmlns:a="http://schemas.openxmlformats.org/drawingml/2006/main" xmlns:r="http://schemas.openxmlformats.org/officeDocument/2006/relationships" xmlns:p="http://schemas.openxmlformats.org/presentationml/2006/main">
+  <p:cSld>
+    <p:spTree>
+      <p:nvGrpSpPr>
+        <p:cNvPr id="1" name=""/>
+        <p:cNvGrpSpPr/>
+        <p:nvPr/>
+      </p:nvGrpSpPr>
+      <p:grpSpPr>
+        <a:xfrm>
+          <a:off x="0" y="0"/>
+          <a:ext cx="0" cy="0"/>
+          <a:chOff x="0" y="0"/>
+          <a:chExt cx="0" cy="0"/>
+        </a:xfrm>
+      </p:grpSpPr>
+      <p:sp>
+        <p:nvSpPr>
+          <p:cNvPr id="15" name="직사각형 14"/>
+          <p:cNvSpPr/>
+          <p:nvPr/>
+        </p:nvSpPr>
+        <p:spPr>
+          <a:xfrm>
+            <a:off x="0" y="0"/>
+            <a:ext cx="11092873" cy="6858000"/>
+          </a:xfrm>
+          <a:prstGeom prst="rect">
+            <a:avLst/>
+          </a:prstGeom>
+          <a:solidFill>
+            <a:srgbClr val="404040"/>
+          </a:solidFill>
+          <a:ln>
+            <a:noFill/>
+          </a:ln>
+        </p:spPr>
+        <p:style>
+          <a:lnRef idx="2">
+            <a:schemeClr val="accent1">
+              <a:shade val="50000"/>
+            </a:schemeClr>
+          </a:lnRef>
+          <a:fillRef idx="1">
+            <a:schemeClr val="accent1"/>
+          </a:fillRef>
+          <a:effectRef idx="0">
+            <a:schemeClr val="accent1"/>
+          </a:effectRef>
+          <a:fontRef idx="minor">
+            <a:schemeClr val="lt1"/>
+          </a:fontRef>
+        </p:style>
+        <p:txBody>
+          <a:bodyPr rtlCol="0" anchor="ctr"/>
+          <a:lstStyle/>
+          <a:p>
+            <a:pPr algn="ctr"/>
+            <a:endParaRPr lang="ko-KR" altLang="en-US" dirty="0"/>
+          </a:p>
+        </p:txBody>
+      </p:sp>
+      <p:sp>
+        <p:nvSpPr>
+          <p:cNvPr id="3" name="TextBox 2"/>
+          <p:cNvSpPr txBox="1"/>
+          <p:nvPr/>
+        </p:nvSpPr>
+        <p:spPr>
+          <a:xfrm>
+            <a:off x="-1" y="0"/>
+            <a:ext cx="10840915" cy="1015663"/>
+          </a:xfrm>
+          <a:prstGeom prst="rect">
+            <a:avLst/>
+          </a:prstGeom>
+          <a:noFill/>
+        </p:spPr>
+        <p:txBody>
+          <a:bodyPr wrap="square" rtlCol="0">
+            <a:spAutoFit/>
+          </a:bodyPr>
+          <a:lstStyle/>
+          <a:p>
+            <a:r>
+              <a:rPr lang="ko-KR" altLang="en-US" sz="6000" dirty="0" smtClean="0">
+                <a:solidFill>
+                  <a:schemeClr val="bg1"/>
+                </a:solidFill>
+                <a:latin typeface="Adobe 고딕 Std B" panose="020B0800000000000000" pitchFamily="34" charset="-127"/>
+                <a:ea typeface="Adobe 고딕 Std B" panose="020B0800000000000000" pitchFamily="34" charset="-127"/>
+              </a:rPr>
+              <a:t>디바이스 반영 </a:t>
+            </a:r>
+            <a:r>
+              <a:rPr lang="en-US" altLang="ko-KR" sz="6000" dirty="0" smtClean="0">
+                <a:solidFill>
+                  <a:schemeClr val="bg1"/>
+                </a:solidFill>
+                <a:latin typeface="Adobe 고딕 Std B" panose="020B0800000000000000" pitchFamily="34" charset="-127"/>
+                <a:ea typeface="Adobe 고딕 Std B" panose="020B0800000000000000" pitchFamily="34" charset="-127"/>
+              </a:rPr>
+              <a:t>(</a:t>
+            </a:r>
+            <a:r>
+              <a:rPr lang="ko-KR" altLang="en-US" sz="6000" dirty="0" err="1" smtClean="0">
+                <a:solidFill>
+                  <a:schemeClr val="bg1"/>
+                </a:solidFill>
+                <a:latin typeface="Adobe 고딕 Std B" panose="020B0800000000000000" pitchFamily="34" charset="-127"/>
+                <a:ea typeface="Adobe 고딕 Std B" panose="020B0800000000000000" pitchFamily="34" charset="-127"/>
+              </a:rPr>
+              <a:t>데스크탑</a:t>
+            </a:r>
+            <a:r>
+              <a:rPr lang="en-US" altLang="ko-KR" sz="6000" dirty="0" smtClean="0">
+                <a:solidFill>
+                  <a:schemeClr val="bg1"/>
+                </a:solidFill>
+                <a:latin typeface="Adobe 고딕 Std B" panose="020B0800000000000000" pitchFamily="34" charset="-127"/>
+                <a:ea typeface="Adobe 고딕 Std B" panose="020B0800000000000000" pitchFamily="34" charset="-127"/>
+              </a:rPr>
+              <a:t>)</a:t>
+            </a:r>
+            <a:endParaRPr lang="ko-KR" altLang="en-US" sz="6000" dirty="0">
+              <a:solidFill>
+                <a:schemeClr val="bg1"/>
+              </a:solidFill>
+              <a:latin typeface="Adobe 고딕 Std B" panose="020B0800000000000000" pitchFamily="34" charset="-127"/>
+              <a:ea typeface="Adobe 고딕 Std B" panose="020B0800000000000000" pitchFamily="34" charset="-127"/>
+            </a:endParaRPr>
+          </a:p>
+        </p:txBody>
+      </p:sp>
+      <p:sp>
+        <p:nvSpPr>
+          <p:cNvPr id="2" name="직사각형 1"/>
+          <p:cNvSpPr/>
+          <p:nvPr/>
+        </p:nvSpPr>
+        <p:spPr>
+          <a:xfrm>
+            <a:off x="2090436" y="2172172"/>
+            <a:ext cx="6912000" cy="3888000"/>
+          </a:xfrm>
+          <a:prstGeom prst="rect">
+            <a:avLst/>
+          </a:prstGeom>
+          <a:solidFill>
+            <a:schemeClr val="bg1">
+              <a:alpha val="50000"/>
+            </a:schemeClr>
+          </a:solidFill>
+          <a:ln>
+            <a:noFill/>
+          </a:ln>
+        </p:spPr>
+        <p:style>
+          <a:lnRef idx="2">
+            <a:schemeClr val="accent1">
+              <a:shade val="50000"/>
+            </a:schemeClr>
+          </a:lnRef>
+          <a:fillRef idx="1">
+            <a:schemeClr val="accent1"/>
+          </a:fillRef>
+          <a:effectRef idx="0">
+            <a:schemeClr val="accent1"/>
+          </a:effectRef>
+          <a:fontRef idx="minor">
+            <a:schemeClr val="lt1"/>
+          </a:fontRef>
+        </p:style>
+        <p:txBody>
+          <a:bodyPr rtlCol="0" anchor="ctr"/>
+          <a:lstStyle/>
+          <a:p>
+            <a:pPr algn="ctr"/>
+            <a:endParaRPr lang="ko-KR" altLang="en-US" dirty="0">
+              <a:solidFill>
+                <a:schemeClr val="bg1"/>
+              </a:solidFill>
+            </a:endParaRPr>
+          </a:p>
+        </p:txBody>
+      </p:sp>
+      <p:sp>
+        <p:nvSpPr>
+          <p:cNvPr id="4" name="TextBox 3"/>
+          <p:cNvSpPr txBox="1"/>
+          <p:nvPr/>
+        </p:nvSpPr>
+        <p:spPr>
+          <a:xfrm rot="16200000">
+            <a:off x="868369" y="4093312"/>
+            <a:ext cx="1846659" cy="45719"/>
+          </a:xfrm>
+          <a:prstGeom prst="rect">
+            <a:avLst/>
+          </a:prstGeom>
+          <a:noFill/>
+        </p:spPr>
+        <p:txBody>
+          <a:bodyPr vert="eaVert" wrap="square" rtlCol="0">
+            <a:spAutoFit/>
+          </a:bodyPr>
+          <a:lstStyle/>
+          <a:p>
+            <a:r>
+              <a:rPr lang="en-US" altLang="ko-KR" dirty="0" smtClean="0">
+                <a:solidFill>
+                  <a:schemeClr val="bg1"/>
+                </a:solidFill>
+                <a:latin typeface="Adobe 고딕 Std B" panose="020B0800000000000000" pitchFamily="34" charset="-127"/>
+                <a:ea typeface="Adobe 고딕 Std B" panose="020B0800000000000000" pitchFamily="34" charset="-127"/>
+              </a:rPr>
+              <a:t>1080px</a:t>
+            </a:r>
+            <a:endParaRPr lang="ko-KR" altLang="en-US" dirty="0">
+              <a:solidFill>
+                <a:schemeClr val="bg1"/>
+              </a:solidFill>
+              <a:latin typeface="Adobe 고딕 Std B" panose="020B0800000000000000" pitchFamily="34" charset="-127"/>
+              <a:ea typeface="Adobe 고딕 Std B" panose="020B0800000000000000" pitchFamily="34" charset="-127"/>
+            </a:endParaRPr>
+          </a:p>
+        </p:txBody>
+      </p:sp>
+      <p:sp>
+        <p:nvSpPr>
+          <p:cNvPr id="6" name="TextBox 5"/>
+          <p:cNvSpPr txBox="1"/>
+          <p:nvPr/>
+        </p:nvSpPr>
+        <p:spPr>
+          <a:xfrm>
+            <a:off x="5107709" y="1802840"/>
+            <a:ext cx="2474056" cy="369332"/>
+          </a:xfrm>
+          <a:prstGeom prst="rect">
+            <a:avLst/>
+          </a:prstGeom>
+          <a:noFill/>
+        </p:spPr>
+        <p:txBody>
+          <a:bodyPr wrap="square" rtlCol="0">
+            <a:spAutoFit/>
+          </a:bodyPr>
+          <a:lstStyle/>
+          <a:p>
+            <a:r>
+              <a:rPr lang="en-US" altLang="ko-KR" dirty="0" smtClean="0">
+                <a:solidFill>
+                  <a:schemeClr val="bg1"/>
+                </a:solidFill>
+                <a:latin typeface="Adobe 고딕 Std B" panose="020B0800000000000000" pitchFamily="34" charset="-127"/>
+                <a:ea typeface="Adobe 고딕 Std B" panose="020B0800000000000000" pitchFamily="34" charset="-127"/>
+              </a:rPr>
+              <a:t>1920px</a:t>
+            </a:r>
+            <a:endParaRPr lang="ko-KR" altLang="en-US" dirty="0">
+              <a:solidFill>
+                <a:schemeClr val="bg1"/>
+              </a:solidFill>
+              <a:latin typeface="Adobe 고딕 Std B" panose="020B0800000000000000" pitchFamily="34" charset="-127"/>
+              <a:ea typeface="Adobe 고딕 Std B" panose="020B0800000000000000" pitchFamily="34" charset="-127"/>
+            </a:endParaRPr>
+          </a:p>
+        </p:txBody>
+      </p:sp>
+      <p:sp>
+        <p:nvSpPr>
+          <p:cNvPr id="7" name="직사각형 6"/>
+          <p:cNvSpPr/>
+          <p:nvPr/>
+        </p:nvSpPr>
+        <p:spPr>
+          <a:xfrm>
+            <a:off x="2090436" y="2172172"/>
+            <a:ext cx="6912000" cy="288000"/>
+          </a:xfrm>
+          <a:prstGeom prst="rect">
+            <a:avLst/>
+          </a:prstGeom>
+          <a:solidFill>
+            <a:srgbClr val="FF0000">
+              <a:alpha val="50000"/>
+            </a:srgbClr>
+          </a:solidFill>
+          <a:ln>
+            <a:noFill/>
+          </a:ln>
+        </p:spPr>
+        <p:style>
+          <a:lnRef idx="2">
+            <a:schemeClr val="accent1">
+              <a:shade val="50000"/>
+            </a:schemeClr>
+          </a:lnRef>
+          <a:fillRef idx="1">
+            <a:schemeClr val="accent1"/>
+          </a:fillRef>
+          <a:effectRef idx="0">
+            <a:schemeClr val="accent1"/>
+          </a:effectRef>
+          <a:fontRef idx="minor">
+            <a:schemeClr val="lt1"/>
+          </a:fontRef>
+        </p:style>
+        <p:txBody>
+          <a:bodyPr rtlCol="0" anchor="ctr"/>
+          <a:lstStyle/>
+          <a:p>
+            <a:pPr algn="ctr"/>
+            <a:r>
+              <a:rPr lang="ko-KR" altLang="en-US" sz="1500" dirty="0" smtClean="0">
+                <a:latin typeface="Adobe 고딕 Std B" panose="020B0800000000000000" pitchFamily="34" charset="-127"/>
+                <a:ea typeface="Adobe 고딕 Std B" panose="020B0800000000000000" pitchFamily="34" charset="-127"/>
+              </a:rPr>
+              <a:t>목차 영역</a:t>
+            </a:r>
+            <a:endParaRPr lang="ko-KR" altLang="en-US" sz="1500" dirty="0">
+              <a:latin typeface="Adobe 고딕 Std B" panose="020B0800000000000000" pitchFamily="34" charset="-127"/>
+              <a:ea typeface="Adobe 고딕 Std B" panose="020B0800000000000000" pitchFamily="34" charset="-127"/>
+            </a:endParaRPr>
+          </a:p>
+        </p:txBody>
+      </p:sp>
+      <p:sp>
+        <p:nvSpPr>
+          <p:cNvPr id="9" name="TextBox 8"/>
+          <p:cNvSpPr txBox="1"/>
+          <p:nvPr/>
+        </p:nvSpPr>
+        <p:spPr>
+          <a:xfrm rot="16200000">
+            <a:off x="7050627" y="4093311"/>
+            <a:ext cx="1107996" cy="45719"/>
+          </a:xfrm>
+          <a:prstGeom prst="rect">
+            <a:avLst/>
+          </a:prstGeom>
+          <a:noFill/>
+        </p:spPr>
+        <p:txBody>
+          <a:bodyPr vert="eaVert" wrap="square" rtlCol="0">
+            <a:spAutoFit/>
+          </a:bodyPr>
+          <a:lstStyle/>
+          <a:p>
+            <a:r>
+              <a:rPr lang="en-US" altLang="ko-KR" sz="1000" dirty="0" smtClean="0">
+                <a:solidFill>
+                  <a:schemeClr val="bg1"/>
+                </a:solidFill>
+                <a:latin typeface="Adobe 고딕 Std B" panose="020B0800000000000000" pitchFamily="34" charset="-127"/>
+                <a:ea typeface="Adobe 고딕 Std B" panose="020B0800000000000000" pitchFamily="34" charset="-127"/>
+              </a:rPr>
+              <a:t>950px	</a:t>
+            </a:r>
+            <a:endParaRPr lang="ko-KR" altLang="en-US" sz="1000" dirty="0">
+              <a:solidFill>
+                <a:schemeClr val="bg1"/>
+              </a:solidFill>
+              <a:latin typeface="Adobe 고딕 Std B" panose="020B0800000000000000" pitchFamily="34" charset="-127"/>
+              <a:ea typeface="Adobe 고딕 Std B" panose="020B0800000000000000" pitchFamily="34" charset="-127"/>
+            </a:endParaRPr>
+          </a:p>
+        </p:txBody>
+      </p:sp>
+      <p:sp>
+        <p:nvSpPr>
+          <p:cNvPr id="8" name="직사각형 7"/>
+          <p:cNvSpPr/>
+          <p:nvPr/>
+        </p:nvSpPr>
+        <p:spPr>
+          <a:xfrm>
+            <a:off x="3548436" y="2640172"/>
+            <a:ext cx="3996000" cy="3420000"/>
+          </a:xfrm>
+          <a:prstGeom prst="rect">
+            <a:avLst/>
+          </a:prstGeom>
+          <a:solidFill>
+            <a:srgbClr val="FFC000">
+              <a:alpha val="50000"/>
+            </a:srgbClr>
+          </a:solidFill>
+          <a:ln>
+            <a:noFill/>
+          </a:ln>
+        </p:spPr>
+        <p:style>
+          <a:lnRef idx="2">
+            <a:schemeClr val="accent1">
+              <a:shade val="50000"/>
+            </a:schemeClr>
+          </a:lnRef>
+          <a:fillRef idx="1">
+            <a:schemeClr val="accent1"/>
+          </a:fillRef>
+          <a:effectRef idx="0">
+            <a:schemeClr val="accent1"/>
+          </a:effectRef>
+          <a:fontRef idx="minor">
+            <a:schemeClr val="lt1"/>
+          </a:fontRef>
+        </p:style>
+        <p:txBody>
+          <a:bodyPr rtlCol="0" anchor="ctr"/>
+          <a:lstStyle/>
+          <a:p>
+            <a:pPr algn="ctr"/>
+            <a:r>
+              <a:rPr lang="en-US" altLang="ko-KR" sz="1500" dirty="0" smtClean="0">
+                <a:latin typeface="Adobe 고딕 Std B" panose="020B0800000000000000" pitchFamily="34" charset="-127"/>
+                <a:ea typeface="Adobe 고딕 Std B" panose="020B0800000000000000" pitchFamily="34" charset="-127"/>
+              </a:rPr>
+              <a:t>Contents</a:t>
+            </a:r>
+          </a:p>
+          <a:p>
+            <a:pPr algn="ctr"/>
+            <a:r>
+              <a:rPr lang="en-US" altLang="ko-KR" sz="1500" dirty="0" smtClean="0">
+                <a:latin typeface="Adobe 고딕 Std B" panose="020B0800000000000000" pitchFamily="34" charset="-127"/>
+                <a:ea typeface="Adobe 고딕 Std B" panose="020B0800000000000000" pitchFamily="34" charset="-127"/>
+              </a:rPr>
+              <a:t>Box</a:t>
+            </a:r>
+            <a:endParaRPr lang="ko-KR" altLang="en-US" sz="1500" dirty="0">
+              <a:latin typeface="Adobe 고딕 Std B" panose="020B0800000000000000" pitchFamily="34" charset="-127"/>
+              <a:ea typeface="Adobe 고딕 Std B" panose="020B0800000000000000" pitchFamily="34" charset="-127"/>
+            </a:endParaRPr>
+          </a:p>
+        </p:txBody>
+      </p:sp>
+      <p:sp>
+        <p:nvSpPr>
+          <p:cNvPr id="11" name="TextBox 10"/>
+          <p:cNvSpPr txBox="1"/>
+          <p:nvPr/>
+        </p:nvSpPr>
+        <p:spPr>
+          <a:xfrm rot="16200000">
+            <a:off x="8625186" y="2293312"/>
+            <a:ext cx="800219" cy="45719"/>
+          </a:xfrm>
+          <a:prstGeom prst="rect">
+            <a:avLst/>
+          </a:prstGeom>
+          <a:noFill/>
+        </p:spPr>
+        <p:txBody>
+          <a:bodyPr vert="eaVert" wrap="square" rtlCol="0">
+            <a:spAutoFit/>
+          </a:bodyPr>
+          <a:lstStyle/>
+          <a:p>
+            <a:r>
+              <a:rPr lang="en-US" altLang="ko-KR" sz="1000" dirty="0" smtClean="0">
+                <a:solidFill>
+                  <a:schemeClr val="bg1"/>
+                </a:solidFill>
+                <a:latin typeface="Adobe 고딕 Std B" panose="020B0800000000000000" pitchFamily="34" charset="-127"/>
+                <a:ea typeface="Adobe 고딕 Std B" panose="020B0800000000000000" pitchFamily="34" charset="-127"/>
+              </a:rPr>
+              <a:t>80px</a:t>
+            </a:r>
+            <a:endParaRPr lang="ko-KR" altLang="en-US" sz="1000" dirty="0">
+              <a:solidFill>
+                <a:schemeClr val="bg1"/>
+              </a:solidFill>
+              <a:latin typeface="Adobe 고딕 Std B" panose="020B0800000000000000" pitchFamily="34" charset="-127"/>
+              <a:ea typeface="Adobe 고딕 Std B" panose="020B0800000000000000" pitchFamily="34" charset="-127"/>
+            </a:endParaRPr>
+          </a:p>
+        </p:txBody>
+      </p:sp>
+      <p:sp>
+        <p:nvSpPr>
+          <p:cNvPr id="16" name="TextBox 15"/>
+          <p:cNvSpPr txBox="1"/>
+          <p:nvPr/>
+        </p:nvSpPr>
+        <p:spPr>
+          <a:xfrm>
+            <a:off x="4358264" y="6063725"/>
+            <a:ext cx="2474056" cy="246221"/>
+          </a:xfrm>
+          <a:prstGeom prst="rect">
+            <a:avLst/>
+          </a:prstGeom>
+          <a:noFill/>
+        </p:spPr>
+        <p:txBody>
+          <a:bodyPr wrap="square" rtlCol="0">
+            <a:spAutoFit/>
+          </a:bodyPr>
+          <a:lstStyle/>
+          <a:p>
+            <a:pPr algn="ctr"/>
+            <a:r>
+              <a:rPr lang="en-US" altLang="ko-KR" sz="1000" dirty="0" smtClean="0">
+                <a:solidFill>
+                  <a:schemeClr val="bg1"/>
+                </a:solidFill>
+                <a:latin typeface="Adobe 고딕 Std B" panose="020B0800000000000000" pitchFamily="34" charset="-127"/>
+                <a:ea typeface="Adobe 고딕 Std B" panose="020B0800000000000000" pitchFamily="34" charset="-127"/>
+              </a:rPr>
+              <a:t>1110px</a:t>
+            </a:r>
+            <a:endParaRPr lang="ko-KR" altLang="en-US" sz="1000" dirty="0">
+              <a:solidFill>
+                <a:schemeClr val="bg1"/>
+              </a:solidFill>
+              <a:latin typeface="Adobe 고딕 Std B" panose="020B0800000000000000" pitchFamily="34" charset="-127"/>
+              <a:ea typeface="Adobe 고딕 Std B" panose="020B0800000000000000" pitchFamily="34" charset="-127"/>
+            </a:endParaRPr>
+          </a:p>
+        </p:txBody>
+      </p:sp>
+      <p:sp>
+        <p:nvSpPr>
+          <p:cNvPr id="12" name="TextBox 11"/>
+          <p:cNvSpPr txBox="1"/>
+          <p:nvPr/>
+        </p:nvSpPr>
+        <p:spPr>
+          <a:xfrm>
+            <a:off x="2571768" y="6054785"/>
+            <a:ext cx="2474056" cy="246221"/>
+          </a:xfrm>
+          <a:prstGeom prst="rect">
+            <a:avLst/>
+          </a:prstGeom>
+          <a:noFill/>
+        </p:spPr>
+        <p:txBody>
+          <a:bodyPr wrap="square" rtlCol="0">
+            <a:spAutoFit/>
+          </a:bodyPr>
+          <a:lstStyle/>
+          <a:p>
+            <a:r>
+              <a:rPr lang="en-US" altLang="ko-KR" sz="1000" dirty="0" smtClean="0">
+                <a:solidFill>
+                  <a:schemeClr val="bg1"/>
+                </a:solidFill>
+                <a:latin typeface="Adobe 고딕 Std B" panose="020B0800000000000000" pitchFamily="34" charset="-127"/>
+                <a:ea typeface="Adobe 고딕 Std B" panose="020B0800000000000000" pitchFamily="34" charset="-127"/>
+              </a:rPr>
+              <a:t>405px</a:t>
+            </a:r>
+            <a:endParaRPr lang="ko-KR" altLang="en-US" sz="1000" dirty="0">
+              <a:solidFill>
+                <a:schemeClr val="bg1"/>
+              </a:solidFill>
+              <a:latin typeface="Adobe 고딕 Std B" panose="020B0800000000000000" pitchFamily="34" charset="-127"/>
+              <a:ea typeface="Adobe 고딕 Std B" panose="020B0800000000000000" pitchFamily="34" charset="-127"/>
+            </a:endParaRPr>
+          </a:p>
+        </p:txBody>
+      </p:sp>
+      <p:cxnSp>
+        <p:nvCxnSpPr>
+          <p:cNvPr id="10" name="직선 화살표 연결선 9"/>
+          <p:cNvCxnSpPr/>
+          <p:nvPr/>
+        </p:nvCxnSpPr>
+        <p:spPr>
+          <a:xfrm>
+            <a:off x="9836727" y="2640172"/>
+            <a:ext cx="0" cy="2606083"/>
+          </a:xfrm>
+          <a:prstGeom prst="straightConnector1">
+            <a:avLst/>
+          </a:prstGeom>
+          <a:ln w="127000">
+            <a:solidFill>
+              <a:schemeClr val="bg1"/>
+            </a:solidFill>
+            <a:tailEnd type="triangle"/>
+          </a:ln>
+        </p:spPr>
+        <p:style>
+          <a:lnRef idx="1">
+            <a:schemeClr val="accent1"/>
+          </a:lnRef>
+          <a:fillRef idx="0">
+            <a:schemeClr val="accent1"/>
+          </a:fillRef>
+          <a:effectRef idx="0">
+            <a:schemeClr val="accent1"/>
+          </a:effectRef>
+          <a:fontRef idx="minor">
+            <a:schemeClr val="tx1"/>
+          </a:fontRef>
+        </p:style>
+      </p:cxnSp>
+      <p:sp>
+        <p:nvSpPr>
+          <p:cNvPr id="14" name="TextBox 13"/>
+          <p:cNvSpPr txBox="1"/>
+          <p:nvPr/>
+        </p:nvSpPr>
+        <p:spPr>
+          <a:xfrm>
+            <a:off x="9979104" y="3011649"/>
+            <a:ext cx="461665" cy="1863127"/>
+          </a:xfrm>
+          <a:prstGeom prst="rect">
+            <a:avLst/>
+          </a:prstGeom>
+          <a:noFill/>
+        </p:spPr>
+        <p:txBody>
+          <a:bodyPr vert="eaVert" wrap="square" rtlCol="0">
+            <a:spAutoFit/>
+          </a:bodyPr>
+          <a:lstStyle/>
+          <a:p>
+            <a:r>
+              <a:rPr lang="ko-KR" altLang="en-US" smtClean="0">
+                <a:solidFill>
+                  <a:schemeClr val="bg1"/>
+                </a:solidFill>
+                <a:latin typeface="Adobe 고딕 Std B" panose="020B0800000000000000" pitchFamily="34" charset="-127"/>
+                <a:ea typeface="Adobe 고딕 Std B" panose="020B0800000000000000" pitchFamily="34" charset="-127"/>
+              </a:rPr>
+              <a:t>스크롤 되도록</a:t>
+            </a:r>
+            <a:endParaRPr lang="ko-KR" altLang="en-US" dirty="0">
+              <a:solidFill>
+                <a:schemeClr val="bg1"/>
+              </a:solidFill>
+              <a:latin typeface="Adobe 고딕 Std B" panose="020B0800000000000000" pitchFamily="34" charset="-127"/>
+              <a:ea typeface="Adobe 고딕 Std B" panose="020B0800000000000000" pitchFamily="34" charset="-127"/>
+            </a:endParaRPr>
+          </a:p>
+        </p:txBody>
+      </p:sp>
+    </p:spTree>
+    <p:extLst>
+      <p:ext uri="{BB962C8B-B14F-4D97-AF65-F5344CB8AC3E}">
+        <p14:creationId xmlns:p14="http://schemas.microsoft.com/office/powerpoint/2010/main" val="1640305789"/>
+      </p:ext>
+    </p:extLst>
+  </p:cSld>
+  <p:clrMapOvr>
+    <a:masterClrMapping/>
+  </p:clrMapOvr>
+</p:sld>
+</file>
+
+<file path=ppt/slides/slide14.xml><?xml version="1.0" encoding="utf-8"?>
+<p:sld xmlns:a="http://schemas.openxmlformats.org/drawingml/2006/main" xmlns:r="http://schemas.openxmlformats.org/officeDocument/2006/relationships" xmlns:p="http://schemas.openxmlformats.org/presentationml/2006/main">
+  <p:cSld>
+    <p:spTree>
+      <p:nvGrpSpPr>
+        <p:cNvPr id="1" name=""/>
+        <p:cNvGrpSpPr/>
+        <p:nvPr/>
+      </p:nvGrpSpPr>
+      <p:grpSpPr>
+        <a:xfrm>
+          <a:off x="0" y="0"/>
+          <a:ext cx="0" cy="0"/>
+          <a:chOff x="0" y="0"/>
+          <a:chExt cx="0" cy="0"/>
+        </a:xfrm>
+      </p:grpSpPr>
+      <p:sp>
+        <p:nvSpPr>
+          <p:cNvPr id="15" name="직사각형 14"/>
+          <p:cNvSpPr/>
+          <p:nvPr/>
+        </p:nvSpPr>
+        <p:spPr>
+          <a:xfrm>
+            <a:off x="-1" y="9235"/>
+            <a:ext cx="11092873" cy="6858000"/>
+          </a:xfrm>
+          <a:prstGeom prst="rect">
+            <a:avLst/>
+          </a:prstGeom>
+          <a:solidFill>
+            <a:srgbClr val="404040"/>
+          </a:solidFill>
+          <a:ln>
+            <a:noFill/>
+          </a:ln>
+        </p:spPr>
+        <p:style>
+          <a:lnRef idx="2">
+            <a:schemeClr val="accent1">
+              <a:shade val="50000"/>
+            </a:schemeClr>
+          </a:lnRef>
+          <a:fillRef idx="1">
+            <a:schemeClr val="accent1"/>
+          </a:fillRef>
+          <a:effectRef idx="0">
+            <a:schemeClr val="accent1"/>
+          </a:effectRef>
+          <a:fontRef idx="minor">
+            <a:schemeClr val="lt1"/>
+          </a:fontRef>
+        </p:style>
+        <p:txBody>
+          <a:bodyPr rtlCol="0" anchor="ctr"/>
+          <a:lstStyle/>
+          <a:p>
+            <a:pPr algn="ctr"/>
+            <a:endParaRPr lang="ko-KR" altLang="en-US" dirty="0"/>
+          </a:p>
+        </p:txBody>
+      </p:sp>
+      <p:sp>
+        <p:nvSpPr>
+          <p:cNvPr id="3" name="TextBox 2"/>
+          <p:cNvSpPr txBox="1"/>
+          <p:nvPr/>
+        </p:nvSpPr>
+        <p:spPr>
+          <a:xfrm>
+            <a:off x="-1" y="0"/>
+            <a:ext cx="8774545" cy="1938992"/>
+          </a:xfrm>
+          <a:prstGeom prst="rect">
+            <a:avLst/>
+          </a:prstGeom>
+          <a:noFill/>
+        </p:spPr>
+        <p:txBody>
+          <a:bodyPr wrap="square" rtlCol="0">
+            <a:spAutoFit/>
+          </a:bodyPr>
+          <a:lstStyle/>
+          <a:p>
+            <a:r>
+              <a:rPr lang="ko-KR" altLang="en-US" sz="6000" dirty="0" smtClean="0">
+                <a:solidFill>
+                  <a:schemeClr val="bg1"/>
+                </a:solidFill>
+                <a:latin typeface="Adobe 고딕 Std B" panose="020B0800000000000000" pitchFamily="34" charset="-127"/>
+                <a:ea typeface="Adobe 고딕 Std B" panose="020B0800000000000000" pitchFamily="34" charset="-127"/>
+              </a:rPr>
+              <a:t>디바이스 반영 </a:t>
+            </a:r>
+            <a:r>
+              <a:rPr lang="en-US" altLang="ko-KR" sz="6000" dirty="0" smtClean="0">
+                <a:solidFill>
+                  <a:schemeClr val="bg1"/>
+                </a:solidFill>
+                <a:latin typeface="Adobe 고딕 Std B" panose="020B0800000000000000" pitchFamily="34" charset="-127"/>
+                <a:ea typeface="Adobe 고딕 Std B" panose="020B0800000000000000" pitchFamily="34" charset="-127"/>
+              </a:rPr>
+              <a:t>(</a:t>
+            </a:r>
+            <a:r>
+              <a:rPr lang="ko-KR" altLang="en-US" sz="6000" dirty="0" smtClean="0">
+                <a:solidFill>
+                  <a:schemeClr val="bg1"/>
+                </a:solidFill>
+                <a:latin typeface="Adobe 고딕 Std B" panose="020B0800000000000000" pitchFamily="34" charset="-127"/>
+                <a:ea typeface="Adobe 고딕 Std B" panose="020B0800000000000000" pitchFamily="34" charset="-127"/>
+              </a:rPr>
+              <a:t>태블릿</a:t>
+            </a:r>
+            <a:r>
+              <a:rPr lang="en-US" altLang="ko-KR" sz="6000" dirty="0" smtClean="0">
+                <a:solidFill>
+                  <a:schemeClr val="bg1"/>
+                </a:solidFill>
+                <a:latin typeface="Adobe 고딕 Std B" panose="020B0800000000000000" pitchFamily="34" charset="-127"/>
+                <a:ea typeface="Adobe 고딕 Std B" panose="020B0800000000000000" pitchFamily="34" charset="-127"/>
+              </a:rPr>
+              <a:t>)</a:t>
+            </a:r>
+            <a:endParaRPr lang="ko-KR" altLang="en-US" sz="6000" dirty="0">
+              <a:solidFill>
+                <a:schemeClr val="bg1"/>
+              </a:solidFill>
+              <a:latin typeface="Adobe 고딕 Std B" panose="020B0800000000000000" pitchFamily="34" charset="-127"/>
+              <a:ea typeface="Adobe 고딕 Std B" panose="020B0800000000000000" pitchFamily="34" charset="-127"/>
+            </a:endParaRPr>
+          </a:p>
+          <a:p>
+            <a:endParaRPr lang="ko-KR" altLang="en-US" sz="6000" dirty="0">
+              <a:solidFill>
+                <a:schemeClr val="bg1"/>
+              </a:solidFill>
+              <a:latin typeface="Adobe 고딕 Std B" panose="020B0800000000000000" pitchFamily="34" charset="-127"/>
+              <a:ea typeface="Adobe 고딕 Std B" panose="020B0800000000000000" pitchFamily="34" charset="-127"/>
+            </a:endParaRPr>
+          </a:p>
+        </p:txBody>
+      </p:sp>
+      <p:sp>
+        <p:nvSpPr>
+          <p:cNvPr id="2" name="직사각형 1"/>
+          <p:cNvSpPr/>
+          <p:nvPr/>
+        </p:nvSpPr>
+        <p:spPr>
+          <a:xfrm>
+            <a:off x="2954436" y="1809000"/>
+            <a:ext cx="5184000" cy="3240000"/>
+          </a:xfrm>
+          <a:prstGeom prst="rect">
+            <a:avLst/>
+          </a:prstGeom>
+          <a:solidFill>
+            <a:schemeClr val="bg1">
+              <a:alpha val="50000"/>
+            </a:schemeClr>
+          </a:solidFill>
+          <a:ln>
+            <a:noFill/>
+          </a:ln>
+        </p:spPr>
+        <p:style>
+          <a:lnRef idx="2">
+            <a:schemeClr val="accent1">
+              <a:shade val="50000"/>
+            </a:schemeClr>
+          </a:lnRef>
+          <a:fillRef idx="1">
+            <a:schemeClr val="accent1"/>
+          </a:fillRef>
+          <a:effectRef idx="0">
+            <a:schemeClr val="accent1"/>
+          </a:effectRef>
+          <a:fontRef idx="minor">
+            <a:schemeClr val="lt1"/>
+          </a:fontRef>
+        </p:style>
+        <p:txBody>
+          <a:bodyPr rtlCol="0" anchor="ctr"/>
+          <a:lstStyle/>
+          <a:p>
+            <a:pPr algn="ctr"/>
+            <a:endParaRPr lang="ko-KR" altLang="en-US"/>
+          </a:p>
+        </p:txBody>
+      </p:sp>
+      <p:sp>
+        <p:nvSpPr>
+          <p:cNvPr id="5" name="TextBox 4"/>
+          <p:cNvSpPr txBox="1"/>
+          <p:nvPr/>
+        </p:nvSpPr>
+        <p:spPr>
+          <a:xfrm rot="16200000">
+            <a:off x="1939741" y="3406140"/>
+            <a:ext cx="1569660" cy="45719"/>
+          </a:xfrm>
+          <a:prstGeom prst="rect">
+            <a:avLst/>
+          </a:prstGeom>
+          <a:noFill/>
+        </p:spPr>
+        <p:txBody>
+          <a:bodyPr vert="eaVert" wrap="square" rtlCol="0">
+            <a:spAutoFit/>
+          </a:bodyPr>
+          <a:lstStyle/>
+          <a:p>
+            <a:r>
+              <a:rPr lang="en-US" altLang="ko-KR" dirty="0" smtClean="0">
+                <a:solidFill>
+                  <a:schemeClr val="bg1"/>
+                </a:solidFill>
+                <a:latin typeface="Adobe 고딕 Std B" panose="020B0800000000000000" pitchFamily="34" charset="-127"/>
+                <a:ea typeface="Adobe 고딕 Std B" panose="020B0800000000000000" pitchFamily="34" charset="-127"/>
+              </a:rPr>
+              <a:t>900px</a:t>
+            </a:r>
+            <a:endParaRPr lang="ko-KR" altLang="en-US" dirty="0">
+              <a:solidFill>
+                <a:schemeClr val="bg1"/>
+              </a:solidFill>
+              <a:latin typeface="Adobe 고딕 Std B" panose="020B0800000000000000" pitchFamily="34" charset="-127"/>
+              <a:ea typeface="Adobe 고딕 Std B" panose="020B0800000000000000" pitchFamily="34" charset="-127"/>
+            </a:endParaRPr>
+          </a:p>
+        </p:txBody>
+      </p:sp>
+      <p:sp>
+        <p:nvSpPr>
+          <p:cNvPr id="6" name="TextBox 5"/>
+          <p:cNvSpPr txBox="1"/>
+          <p:nvPr/>
+        </p:nvSpPr>
+        <p:spPr>
+          <a:xfrm>
+            <a:off x="5153891" y="1447577"/>
+            <a:ext cx="2474056" cy="369332"/>
+          </a:xfrm>
+          <a:prstGeom prst="rect">
+            <a:avLst/>
+          </a:prstGeom>
+          <a:noFill/>
+        </p:spPr>
+        <p:txBody>
+          <a:bodyPr wrap="square" rtlCol="0">
+            <a:spAutoFit/>
+          </a:bodyPr>
+          <a:lstStyle/>
+          <a:p>
+            <a:r>
+              <a:rPr lang="en-US" altLang="ko-KR" dirty="0" smtClean="0">
+                <a:solidFill>
+                  <a:schemeClr val="bg1"/>
+                </a:solidFill>
+                <a:latin typeface="Adobe 고딕 Std B" panose="020B0800000000000000" pitchFamily="34" charset="-127"/>
+                <a:ea typeface="Adobe 고딕 Std B" panose="020B0800000000000000" pitchFamily="34" charset="-127"/>
+              </a:rPr>
+              <a:t>1440px</a:t>
+            </a:r>
+            <a:endParaRPr lang="ko-KR" altLang="en-US" dirty="0">
+              <a:solidFill>
+                <a:schemeClr val="bg1"/>
+              </a:solidFill>
+              <a:latin typeface="Adobe 고딕 Std B" panose="020B0800000000000000" pitchFamily="34" charset="-127"/>
+              <a:ea typeface="Adobe 고딕 Std B" panose="020B0800000000000000" pitchFamily="34" charset="-127"/>
+            </a:endParaRPr>
+          </a:p>
+        </p:txBody>
+      </p:sp>
+      <p:sp>
+        <p:nvSpPr>
+          <p:cNvPr id="8" name="직사각형 7"/>
+          <p:cNvSpPr/>
+          <p:nvPr/>
+        </p:nvSpPr>
+        <p:spPr>
+          <a:xfrm>
+            <a:off x="2954436" y="1809000"/>
+            <a:ext cx="5184000" cy="288000"/>
+          </a:xfrm>
+          <a:prstGeom prst="rect">
+            <a:avLst/>
+          </a:prstGeom>
+          <a:solidFill>
+            <a:srgbClr val="FF0000">
+              <a:alpha val="50000"/>
+            </a:srgbClr>
+          </a:solidFill>
+          <a:ln>
+            <a:noFill/>
+          </a:ln>
+        </p:spPr>
+        <p:style>
+          <a:lnRef idx="2">
+            <a:schemeClr val="accent1">
+              <a:shade val="50000"/>
+            </a:schemeClr>
+          </a:lnRef>
+          <a:fillRef idx="1">
+            <a:schemeClr val="accent1"/>
+          </a:fillRef>
+          <a:effectRef idx="0">
+            <a:schemeClr val="accent1"/>
+          </a:effectRef>
+          <a:fontRef idx="minor">
+            <a:schemeClr val="lt1"/>
+          </a:fontRef>
+        </p:style>
+        <p:txBody>
+          <a:bodyPr rtlCol="0" anchor="ctr"/>
+          <a:lstStyle/>
+          <a:p>
+            <a:pPr algn="ctr"/>
+            <a:r>
+              <a:rPr lang="ko-KR" altLang="en-US" sz="1500" dirty="0" smtClean="0">
+                <a:latin typeface="Adobe 고딕 Std B" panose="020B0800000000000000" pitchFamily="34" charset="-127"/>
+                <a:ea typeface="Adobe 고딕 Std B" panose="020B0800000000000000" pitchFamily="34" charset="-127"/>
+              </a:rPr>
+              <a:t>목차 영역</a:t>
+            </a:r>
+            <a:endParaRPr lang="ko-KR" altLang="en-US" sz="1500" dirty="0">
+              <a:latin typeface="Adobe 고딕 Std B" panose="020B0800000000000000" pitchFamily="34" charset="-127"/>
+              <a:ea typeface="Adobe 고딕 Std B" panose="020B0800000000000000" pitchFamily="34" charset="-127"/>
+            </a:endParaRPr>
+          </a:p>
+        </p:txBody>
+      </p:sp>
+      <p:sp>
+        <p:nvSpPr>
+          <p:cNvPr id="9" name="TextBox 8"/>
+          <p:cNvSpPr txBox="1"/>
+          <p:nvPr/>
+        </p:nvSpPr>
+        <p:spPr>
+          <a:xfrm rot="16200000">
+            <a:off x="7761186" y="1930140"/>
+            <a:ext cx="800219" cy="45719"/>
+          </a:xfrm>
+          <a:prstGeom prst="rect">
+            <a:avLst/>
+          </a:prstGeom>
+          <a:noFill/>
+        </p:spPr>
+        <p:txBody>
+          <a:bodyPr vert="eaVert" wrap="square" rtlCol="0">
+            <a:spAutoFit/>
+          </a:bodyPr>
+          <a:lstStyle/>
+          <a:p>
+            <a:r>
+              <a:rPr lang="en-US" altLang="ko-KR" sz="1000" dirty="0" smtClean="0">
+                <a:solidFill>
+                  <a:schemeClr val="bg1"/>
+                </a:solidFill>
+                <a:latin typeface="Adobe 고딕 Std B" panose="020B0800000000000000" pitchFamily="34" charset="-127"/>
+                <a:ea typeface="Adobe 고딕 Std B" panose="020B0800000000000000" pitchFamily="34" charset="-127"/>
+              </a:rPr>
+              <a:t>80px</a:t>
+            </a:r>
+            <a:endParaRPr lang="ko-KR" altLang="en-US" sz="1000" dirty="0">
+              <a:solidFill>
+                <a:schemeClr val="bg1"/>
+              </a:solidFill>
+              <a:latin typeface="Adobe 고딕 Std B" panose="020B0800000000000000" pitchFamily="34" charset="-127"/>
+              <a:ea typeface="Adobe 고딕 Std B" panose="020B0800000000000000" pitchFamily="34" charset="-127"/>
+            </a:endParaRPr>
+          </a:p>
+        </p:txBody>
+      </p:sp>
+      <p:sp>
+        <p:nvSpPr>
+          <p:cNvPr id="4" name="직사각형 3"/>
+          <p:cNvSpPr/>
+          <p:nvPr/>
+        </p:nvSpPr>
+        <p:spPr>
+          <a:xfrm>
+            <a:off x="3991236" y="2241000"/>
+            <a:ext cx="3110400" cy="2808000"/>
+          </a:xfrm>
+          <a:prstGeom prst="rect">
+            <a:avLst/>
+          </a:prstGeom>
+          <a:solidFill>
+            <a:srgbClr val="FFC000">
+              <a:alpha val="50000"/>
+            </a:srgbClr>
+          </a:solidFill>
+          <a:ln>
+            <a:noFill/>
+          </a:ln>
+        </p:spPr>
+        <p:style>
+          <a:lnRef idx="2">
+            <a:schemeClr val="accent1">
+              <a:shade val="50000"/>
+            </a:schemeClr>
+          </a:lnRef>
+          <a:fillRef idx="1">
+            <a:schemeClr val="accent1"/>
+          </a:fillRef>
+          <a:effectRef idx="0">
+            <a:schemeClr val="accent1"/>
+          </a:effectRef>
+          <a:fontRef idx="minor">
+            <a:schemeClr val="lt1"/>
+          </a:fontRef>
+        </p:style>
+        <p:txBody>
+          <a:bodyPr rtlCol="0" anchor="ctr"/>
+          <a:lstStyle/>
+          <a:p>
+            <a:pPr algn="ctr"/>
+            <a:r>
+              <a:rPr lang="en-US" altLang="ko-KR" dirty="0" smtClean="0">
+                <a:latin typeface="Adobe 고딕 Std B" panose="020B0800000000000000" pitchFamily="34" charset="-127"/>
+                <a:ea typeface="Adobe 고딕 Std B" panose="020B0800000000000000" pitchFamily="34" charset="-127"/>
+              </a:rPr>
+              <a:t>Contents</a:t>
+            </a:r>
+          </a:p>
+          <a:p>
+            <a:pPr algn="ctr"/>
+            <a:r>
+              <a:rPr lang="en-US" altLang="ko-KR" dirty="0" smtClean="0">
+                <a:latin typeface="Adobe 고딕 Std B" panose="020B0800000000000000" pitchFamily="34" charset="-127"/>
+                <a:ea typeface="Adobe 고딕 Std B" panose="020B0800000000000000" pitchFamily="34" charset="-127"/>
+              </a:rPr>
+              <a:t>Box</a:t>
+            </a:r>
+            <a:endParaRPr lang="ko-KR" altLang="en-US" dirty="0">
+              <a:latin typeface="Adobe 고딕 Std B" panose="020B0800000000000000" pitchFamily="34" charset="-127"/>
+              <a:ea typeface="Adobe 고딕 Std B" panose="020B0800000000000000" pitchFamily="34" charset="-127"/>
+            </a:endParaRPr>
+          </a:p>
+        </p:txBody>
+      </p:sp>
+      <p:sp>
+        <p:nvSpPr>
+          <p:cNvPr id="10" name="TextBox 9"/>
+          <p:cNvSpPr txBox="1"/>
+          <p:nvPr/>
+        </p:nvSpPr>
+        <p:spPr>
+          <a:xfrm>
+            <a:off x="5228264" y="5053944"/>
+            <a:ext cx="2474056" cy="246221"/>
+          </a:xfrm>
+          <a:prstGeom prst="rect">
+            <a:avLst/>
+          </a:prstGeom>
+          <a:noFill/>
+        </p:spPr>
+        <p:txBody>
+          <a:bodyPr wrap="square" rtlCol="0">
+            <a:spAutoFit/>
+          </a:bodyPr>
+          <a:lstStyle/>
+          <a:p>
+            <a:r>
+              <a:rPr lang="en-US" altLang="ko-KR" sz="1000" dirty="0" smtClean="0">
+                <a:solidFill>
+                  <a:schemeClr val="bg1"/>
+                </a:solidFill>
+                <a:latin typeface="Adobe 고딕 Std B" panose="020B0800000000000000" pitchFamily="34" charset="-127"/>
+                <a:ea typeface="Adobe 고딕 Std B" panose="020B0800000000000000" pitchFamily="34" charset="-127"/>
+              </a:rPr>
+              <a:t>864px</a:t>
+            </a:r>
+            <a:endParaRPr lang="ko-KR" altLang="en-US" sz="1000" dirty="0">
+              <a:solidFill>
+                <a:schemeClr val="bg1"/>
+              </a:solidFill>
+              <a:latin typeface="Adobe 고딕 Std B" panose="020B0800000000000000" pitchFamily="34" charset="-127"/>
+              <a:ea typeface="Adobe 고딕 Std B" panose="020B0800000000000000" pitchFamily="34" charset="-127"/>
+            </a:endParaRPr>
+          </a:p>
+        </p:txBody>
+      </p:sp>
+      <p:sp>
+        <p:nvSpPr>
+          <p:cNvPr id="12" name="TextBox 11"/>
+          <p:cNvSpPr txBox="1"/>
+          <p:nvPr/>
+        </p:nvSpPr>
+        <p:spPr>
+          <a:xfrm rot="16200000">
+            <a:off x="6578445" y="3622140"/>
+            <a:ext cx="1107996" cy="45719"/>
+          </a:xfrm>
+          <a:prstGeom prst="rect">
+            <a:avLst/>
+          </a:prstGeom>
+          <a:noFill/>
+        </p:spPr>
+        <p:txBody>
+          <a:bodyPr vert="eaVert" wrap="square" rtlCol="0">
+            <a:spAutoFit/>
+          </a:bodyPr>
+          <a:lstStyle/>
+          <a:p>
+            <a:r>
+              <a:rPr lang="en-US" altLang="ko-KR" sz="1000" dirty="0" smtClean="0">
+                <a:solidFill>
+                  <a:schemeClr val="bg1"/>
+                </a:solidFill>
+                <a:latin typeface="Adobe 고딕 Std B" panose="020B0800000000000000" pitchFamily="34" charset="-127"/>
+                <a:ea typeface="Adobe 고딕 Std B" panose="020B0800000000000000" pitchFamily="34" charset="-127"/>
+              </a:rPr>
+              <a:t>780px	</a:t>
+            </a:r>
+            <a:endParaRPr lang="ko-KR" altLang="en-US" sz="1000" dirty="0">
+              <a:solidFill>
+                <a:schemeClr val="bg1"/>
+              </a:solidFill>
+              <a:latin typeface="Adobe 고딕 Std B" panose="020B0800000000000000" pitchFamily="34" charset="-127"/>
+              <a:ea typeface="Adobe 고딕 Std B" panose="020B0800000000000000" pitchFamily="34" charset="-127"/>
+            </a:endParaRPr>
+          </a:p>
+        </p:txBody>
+      </p:sp>
+      <p:sp>
+        <p:nvSpPr>
+          <p:cNvPr id="13" name="TextBox 12"/>
+          <p:cNvSpPr txBox="1"/>
+          <p:nvPr/>
+        </p:nvSpPr>
+        <p:spPr>
+          <a:xfrm>
+            <a:off x="3235749" y="5043201"/>
+            <a:ext cx="2474056" cy="246221"/>
+          </a:xfrm>
+          <a:prstGeom prst="rect">
+            <a:avLst/>
+          </a:prstGeom>
+          <a:noFill/>
+        </p:spPr>
+        <p:txBody>
+          <a:bodyPr wrap="square" rtlCol="0">
+            <a:spAutoFit/>
+          </a:bodyPr>
+          <a:lstStyle/>
+          <a:p>
+            <a:r>
+              <a:rPr lang="en-US" altLang="ko-KR" sz="1000" dirty="0" smtClean="0">
+                <a:solidFill>
+                  <a:schemeClr val="bg1"/>
+                </a:solidFill>
+                <a:latin typeface="Adobe 고딕 Std B" panose="020B0800000000000000" pitchFamily="34" charset="-127"/>
+                <a:ea typeface="Adobe 고딕 Std B" panose="020B0800000000000000" pitchFamily="34" charset="-127"/>
+              </a:rPr>
+              <a:t>288px</a:t>
+            </a:r>
+            <a:endParaRPr lang="ko-KR" altLang="en-US" sz="1000" dirty="0">
+              <a:solidFill>
+                <a:schemeClr val="bg1"/>
+              </a:solidFill>
+              <a:latin typeface="Adobe 고딕 Std B" panose="020B0800000000000000" pitchFamily="34" charset="-127"/>
+              <a:ea typeface="Adobe 고딕 Std B" panose="020B0800000000000000" pitchFamily="34" charset="-127"/>
+            </a:endParaRPr>
+          </a:p>
+        </p:txBody>
+      </p:sp>
+      <p:cxnSp>
+        <p:nvCxnSpPr>
+          <p:cNvPr id="14" name="직선 화살표 연결선 13"/>
+          <p:cNvCxnSpPr/>
+          <p:nvPr/>
+        </p:nvCxnSpPr>
+        <p:spPr>
+          <a:xfrm>
+            <a:off x="8571194" y="2168508"/>
+            <a:ext cx="0" cy="2606083"/>
+          </a:xfrm>
+          <a:prstGeom prst="straightConnector1">
+            <a:avLst/>
+          </a:prstGeom>
+          <a:ln w="127000">
+            <a:solidFill>
+              <a:schemeClr val="bg1"/>
+            </a:solidFill>
+            <a:tailEnd type="triangle"/>
+          </a:ln>
+        </p:spPr>
+        <p:style>
+          <a:lnRef idx="1">
+            <a:schemeClr val="accent1"/>
+          </a:lnRef>
+          <a:fillRef idx="0">
+            <a:schemeClr val="accent1"/>
+          </a:fillRef>
+          <a:effectRef idx="0">
+            <a:schemeClr val="accent1"/>
+          </a:effectRef>
+          <a:fontRef idx="minor">
+            <a:schemeClr val="tx1"/>
+          </a:fontRef>
+        </p:style>
+      </p:cxnSp>
+      <p:sp>
+        <p:nvSpPr>
+          <p:cNvPr id="16" name="TextBox 15"/>
+          <p:cNvSpPr txBox="1"/>
+          <p:nvPr/>
+        </p:nvSpPr>
+        <p:spPr>
+          <a:xfrm>
+            <a:off x="8713571" y="2539985"/>
+            <a:ext cx="461665" cy="1863127"/>
+          </a:xfrm>
+          <a:prstGeom prst="rect">
+            <a:avLst/>
+          </a:prstGeom>
+          <a:noFill/>
+        </p:spPr>
+        <p:txBody>
+          <a:bodyPr vert="eaVert" wrap="square" rtlCol="0">
+            <a:spAutoFit/>
+          </a:bodyPr>
+          <a:lstStyle/>
+          <a:p>
+            <a:r>
+              <a:rPr lang="ko-KR" altLang="en-US" smtClean="0">
+                <a:solidFill>
+                  <a:schemeClr val="bg1"/>
+                </a:solidFill>
+                <a:latin typeface="Adobe 고딕 Std B" panose="020B0800000000000000" pitchFamily="34" charset="-127"/>
+                <a:ea typeface="Adobe 고딕 Std B" panose="020B0800000000000000" pitchFamily="34" charset="-127"/>
+              </a:rPr>
+              <a:t>스크롤 되도록</a:t>
+            </a:r>
+            <a:endParaRPr lang="ko-KR" altLang="en-US" dirty="0">
+              <a:solidFill>
+                <a:schemeClr val="bg1"/>
+              </a:solidFill>
+              <a:latin typeface="Adobe 고딕 Std B" panose="020B0800000000000000" pitchFamily="34" charset="-127"/>
+              <a:ea typeface="Adobe 고딕 Std B" panose="020B0800000000000000" pitchFamily="34" charset="-127"/>
+            </a:endParaRPr>
+          </a:p>
+        </p:txBody>
+      </p:sp>
+    </p:spTree>
+    <p:extLst>
+      <p:ext uri="{BB962C8B-B14F-4D97-AF65-F5344CB8AC3E}">
+        <p14:creationId xmlns:p14="http://schemas.microsoft.com/office/powerpoint/2010/main" val="2838679855"/>
+      </p:ext>
+    </p:extLst>
+  </p:cSld>
+  <p:clrMapOvr>
+    <a:masterClrMapping/>
+  </p:clrMapOvr>
+</p:sld>
+</file>
+
+<file path=ppt/slides/slide15.xml><?xml version="1.0" encoding="utf-8"?>
+<p:sld xmlns:a="http://schemas.openxmlformats.org/drawingml/2006/main" xmlns:r="http://schemas.openxmlformats.org/officeDocument/2006/relationships" xmlns:p="http://schemas.openxmlformats.org/presentationml/2006/main">
+  <p:cSld>
+    <p:spTree>
+      <p:nvGrpSpPr>
+        <p:cNvPr id="1" name=""/>
+        <p:cNvGrpSpPr/>
+        <p:nvPr/>
+      </p:nvGrpSpPr>
+      <p:grpSpPr>
+        <a:xfrm>
+          <a:off x="0" y="0"/>
+          <a:ext cx="0" cy="0"/>
+          <a:chOff x="0" y="0"/>
+          <a:chExt cx="0" cy="0"/>
+        </a:xfrm>
+      </p:grpSpPr>
+      <p:sp>
+        <p:nvSpPr>
+          <p:cNvPr id="15" name="직사각형 14"/>
+          <p:cNvSpPr/>
+          <p:nvPr/>
+        </p:nvSpPr>
+        <p:spPr>
+          <a:xfrm>
+            <a:off x="0" y="0"/>
+            <a:ext cx="11092873" cy="6858000"/>
+          </a:xfrm>
+          <a:prstGeom prst="rect">
+            <a:avLst/>
+          </a:prstGeom>
+          <a:solidFill>
+            <a:srgbClr val="404040"/>
           </a:solidFill>
           <a:ln>
             <a:noFill/>
@@ -8064,7 +10108,7 @@
             <a:avLst/>
           </a:prstGeom>
           <a:solidFill>
-            <a:srgbClr val="BFBFBF"/>
+            <a:srgbClr val="404040"/>
           </a:solidFill>
           <a:ln>
             <a:noFill/>
@@ -8395,7 +10439,7 @@
             <a:avLst/>
           </a:prstGeom>
           <a:solidFill>
-            <a:srgbClr val="BFBFBF"/>
+            <a:srgbClr val="404040"/>
           </a:solidFill>
           <a:ln>
             <a:noFill/>
@@ -8645,7 +10689,7 @@
             <a:avLst/>
           </a:prstGeom>
           <a:solidFill>
-            <a:srgbClr val="BFBFBF"/>
+            <a:srgbClr val="404040"/>
           </a:solidFill>
           <a:ln>
             <a:noFill/>
@@ -8691,7 +10735,7 @@
             <a:avLst/>
           </a:prstGeom>
           <a:solidFill>
-            <a:srgbClr val="808080"/>
+            <a:srgbClr val="000000"/>
           </a:solidFill>
           <a:ln>
             <a:solidFill>
@@ -8739,7 +10783,7 @@
             <a:avLst/>
           </a:prstGeom>
           <a:solidFill>
-            <a:srgbClr val="BFBFBF"/>
+            <a:schemeClr val="bg1"/>
           </a:solidFill>
           <a:ln>
             <a:solidFill>
@@ -8787,7 +10831,7 @@
             <a:avLst/>
           </a:prstGeom>
           <a:solidFill>
-            <a:srgbClr val="A6A6A6"/>
+            <a:srgbClr val="404040"/>
           </a:solidFill>
           <a:ln>
             <a:solidFill>
@@ -8850,7 +10894,7 @@
                 <a:latin typeface="Adobe 고딕 Std B" panose="020B0800000000000000" pitchFamily="34" charset="-127"/>
                 <a:ea typeface="Adobe 고딕 Std B" panose="020B0800000000000000" pitchFamily="34" charset="-127"/>
               </a:rPr>
-              <a:t>#808080</a:t>
+              <a:t>#000000</a:t>
             </a:r>
             <a:endParaRPr lang="ko-KR" altLang="en-US" dirty="0">
               <a:solidFill>
@@ -8892,7 +10936,17 @@
                 <a:latin typeface="Adobe 고딕 Std B" panose="020B0800000000000000" pitchFamily="34" charset="-127"/>
                 <a:ea typeface="Adobe 고딕 Std B" panose="020B0800000000000000" pitchFamily="34" charset="-127"/>
               </a:rPr>
-              <a:t>#A6A6A6</a:t>
+              <a:t>#</a:t>
+            </a:r>
+            <a:r>
+              <a:rPr lang="en-US" altLang="ko-KR" dirty="0" smtClean="0">
+                <a:solidFill>
+                  <a:schemeClr val="bg1"/>
+                </a:solidFill>
+                <a:latin typeface="Adobe 고딕 Std B" panose="020B0800000000000000" pitchFamily="34" charset="-127"/>
+                <a:ea typeface="Adobe 고딕 Std B" panose="020B0800000000000000" pitchFamily="34" charset="-127"/>
+              </a:rPr>
+              <a:t>404040</a:t>
             </a:r>
             <a:endParaRPr lang="ko-KR" altLang="en-US" dirty="0">
               <a:solidFill>
@@ -8928,18 +10982,12 @@
           <a:p>
             <a:r>
               <a:rPr lang="en-US" altLang="ko-KR" dirty="0" smtClean="0">
-                <a:solidFill>
-                  <a:schemeClr val="bg1"/>
-                </a:solidFill>
                 <a:latin typeface="Adobe 고딕 Std B" panose="020B0800000000000000" pitchFamily="34" charset="-127"/>
                 <a:ea typeface="Adobe 고딕 Std B" panose="020B0800000000000000" pitchFamily="34" charset="-127"/>
               </a:rPr>
               <a:t>#BFBFBF</a:t>
             </a:r>
             <a:endParaRPr lang="ko-KR" altLang="en-US" dirty="0">
-              <a:solidFill>
-                <a:schemeClr val="bg1"/>
-              </a:solidFill>
               <a:latin typeface="Adobe 고딕 Std B" panose="020B0800000000000000" pitchFamily="34" charset="-127"/>
               <a:ea typeface="Adobe 고딕 Std B" panose="020B0800000000000000" pitchFamily="34" charset="-127"/>
             </a:endParaRPr>
@@ -9155,7 +11203,7 @@
             <a:avLst/>
           </a:prstGeom>
           <a:solidFill>
-            <a:srgbClr val="BFBFBF"/>
+            <a:srgbClr val="404040"/>
           </a:solidFill>
           <a:ln>
             <a:noFill/>
@@ -9245,7 +11293,7 @@
           <p:nvPr>
             <p:extLst>
               <p:ext uri="{D42A27DB-BD31-4B8C-83A1-F6EECF244321}">
-                <p14:modId xmlns:p14="http://schemas.microsoft.com/office/powerpoint/2010/main" val="1699805161"/>
+                <p14:modId xmlns:p14="http://schemas.microsoft.com/office/powerpoint/2010/main" val="1561269085"/>
               </p:ext>
             </p:extLst>
           </p:nvPr>
@@ -9305,7 +11353,7 @@
             <a:avLst/>
           </a:prstGeom>
           <a:solidFill>
-            <a:srgbClr val="BFBFBF"/>
+            <a:srgbClr val="404040"/>
           </a:solidFill>
           <a:ln>
             <a:noFill/>
@@ -9376,7 +11424,37 @@
                 <a:latin typeface="Adobe 고딕 Std B" panose="020B0800000000000000" pitchFamily="34" charset="-127"/>
                 <a:ea typeface="Adobe 고딕 Std B" panose="020B0800000000000000" pitchFamily="34" charset="-127"/>
               </a:rPr>
-              <a:t>구성</a:t>
+              <a:t>구성 </a:t>
+            </a:r>
+            <a:r>
+              <a:rPr lang="en-US" altLang="ko-KR" sz="6000" dirty="0" smtClean="0">
+                <a:solidFill>
+                  <a:schemeClr val="bg1"/>
+                </a:solidFill>
+                <a:latin typeface="Adobe 고딕 Std B" panose="020B0800000000000000" pitchFamily="34" charset="-127"/>
+                <a:ea typeface="Adobe 고딕 Std B" panose="020B0800000000000000" pitchFamily="34" charset="-127"/>
+              </a:rPr>
+              <a:t>(</a:t>
+            </a:r>
+            <a:r>
+              <a:rPr lang="ko-KR" altLang="en-US" sz="6000" dirty="0" smtClean="0">
+                <a:solidFill>
+                  <a:schemeClr val="bg1"/>
+                </a:solidFill>
+                <a:latin typeface="Adobe 고딕 Std B" panose="020B0800000000000000" pitchFamily="34" charset="-127"/>
+                <a:ea typeface="Adobe 고딕 Std B" panose="020B0800000000000000" pitchFamily="34" charset="-127"/>
+              </a:rPr>
+              <a:t>프로필</a:t>
+            </a:r>
+            <a:r>
+              <a:rPr lang="en-US" altLang="ko-KR" sz="6000" dirty="0" smtClean="0">
+                <a:solidFill>
+                  <a:schemeClr val="bg1"/>
+                </a:solidFill>
+                <a:latin typeface="Adobe 고딕 Std B" panose="020B0800000000000000" pitchFamily="34" charset="-127"/>
+                <a:ea typeface="Adobe 고딕 Std B" panose="020B0800000000000000" pitchFamily="34" charset="-127"/>
+              </a:rPr>
+              <a:t>)</a:t>
             </a:r>
             <a:endParaRPr lang="ko-KR" altLang="en-US" sz="6000" dirty="0">
               <a:solidFill>
@@ -9403,7 +11481,7 @@
             <a:avLst/>
           </a:prstGeom>
           <a:solidFill>
-            <a:srgbClr val="BFBFBF"/>
+            <a:srgbClr val="404040"/>
           </a:solidFill>
           <a:ln w="22225">
             <a:solidFill>
@@ -9455,7 +11533,7 @@
             <a:avLst/>
           </a:prstGeom>
           <a:solidFill>
-            <a:srgbClr val="808080"/>
+            <a:srgbClr val="000000"/>
           </a:solidFill>
           <a:ln>
             <a:noFill/>
@@ -9601,13 +11679,13 @@
         <p:spPr>
           <a:xfrm>
             <a:off x="3548436" y="2640172"/>
-            <a:ext cx="3996000" cy="3243392"/>
+            <a:ext cx="3996000" cy="3317283"/>
           </a:xfrm>
           <a:prstGeom prst="rect">
             <a:avLst/>
           </a:prstGeom>
           <a:solidFill>
-            <a:srgbClr val="808080"/>
+            <a:srgbClr val="404040"/>
           </a:solidFill>
           <a:ln>
             <a:noFill/>
@@ -9653,7 +11731,7 @@
             <a:avLst/>
           </a:prstGeom>
           <a:solidFill>
-            <a:srgbClr val="BFBFBF"/>
+            <a:srgbClr val="404040"/>
           </a:solidFill>
           <a:ln>
             <a:solidFill>
@@ -9807,7 +11885,7 @@
         <p:spPr>
           <a:xfrm>
             <a:off x="5286980" y="3285505"/>
-            <a:ext cx="2257456" cy="400110"/>
+            <a:ext cx="2257456" cy="1477328"/>
           </a:xfrm>
           <a:prstGeom prst="rect">
             <a:avLst/>
@@ -9858,6 +11936,56 @@
                 <a:latin typeface="Adobe 고딕 Std B" panose="020B0800000000000000" pitchFamily="34" charset="-127"/>
                 <a:ea typeface="Adobe 고딕 Std B" panose="020B0800000000000000" pitchFamily="34" charset="-127"/>
               </a:rPr>
+              <a:t>. 2015</a:t>
+            </a:r>
+            <a:r>
+              <a:rPr lang="ko-KR" altLang="en-US" sz="1000" dirty="0" smtClean="0">
+                <a:solidFill>
+                  <a:schemeClr val="bg1"/>
+                </a:solidFill>
+                <a:latin typeface="Adobe 고딕 Std B" panose="020B0800000000000000" pitchFamily="34" charset="-127"/>
+                <a:ea typeface="Adobe 고딕 Std B" panose="020B0800000000000000" pitchFamily="34" charset="-127"/>
+              </a:rPr>
+              <a:t>년에 수능 언어</a:t>
+            </a:r>
+            <a:r>
+              <a:rPr lang="en-US" altLang="ko-KR" sz="1000" dirty="0">
+                <a:solidFill>
+                  <a:schemeClr val="bg1"/>
+                </a:solidFill>
+                <a:latin typeface="Adobe 고딕 Std B" panose="020B0800000000000000" pitchFamily="34" charset="-127"/>
+                <a:ea typeface="Adobe 고딕 Std B" panose="020B0800000000000000" pitchFamily="34" charset="-127"/>
+              </a:rPr>
+              <a:t> </a:t>
+            </a:r>
+            <a:r>
+              <a:rPr lang="en-US" altLang="ko-KR" sz="1000" dirty="0" smtClean="0">
+                <a:solidFill>
+                  <a:schemeClr val="bg1"/>
+                </a:solidFill>
+                <a:latin typeface="Adobe 고딕 Std B" panose="020B0800000000000000" pitchFamily="34" charset="-127"/>
+                <a:ea typeface="Adobe 고딕 Std B" panose="020B0800000000000000" pitchFamily="34" charset="-127"/>
+              </a:rPr>
+              <a:t>2</a:t>
+            </a:r>
+            <a:r>
+              <a:rPr lang="ko-KR" altLang="en-US" sz="1000" dirty="0" smtClean="0">
+                <a:solidFill>
+                  <a:schemeClr val="bg1"/>
+                </a:solidFill>
+                <a:latin typeface="Adobe 고딕 Std B" panose="020B0800000000000000" pitchFamily="34" charset="-127"/>
+                <a:ea typeface="Adobe 고딕 Std B" panose="020B0800000000000000" pitchFamily="34" charset="-127"/>
+              </a:rPr>
+              <a:t>등급으로 고등학교를 졸업하고 대진대학교 역사문화콘텐츠학부에 입학하였다</a:t>
+            </a:r>
+            <a:r>
+              <a:rPr lang="en-US" altLang="ko-KR" sz="1000" dirty="0" smtClean="0">
+                <a:solidFill>
+                  <a:schemeClr val="bg1"/>
+                </a:solidFill>
+                <a:latin typeface="Adobe 고딕 Std B" panose="020B0800000000000000" pitchFamily="34" charset="-127"/>
+                <a:ea typeface="Adobe 고딕 Std B" panose="020B0800000000000000" pitchFamily="34" charset="-127"/>
+              </a:rPr>
               <a:t>. </a:t>
             </a:r>
             <a:r>
@@ -9868,8 +11996,20 @@
                 <a:latin typeface="Adobe 고딕 Std B" panose="020B0800000000000000" pitchFamily="34" charset="-127"/>
                 <a:ea typeface="Adobe 고딕 Std B" panose="020B0800000000000000" pitchFamily="34" charset="-127"/>
               </a:rPr>
-              <a:t>수능 언어</a:t>
-            </a:r>
+              <a:t>평소 역사에 관심이 많았기에 역사문화콘텐츠학부의 여러 학과 중 사학과를 선택하였다</a:t>
+            </a:r>
+            <a:r>
+              <a:rPr lang="en-US" altLang="ko-KR" sz="1000" dirty="0" smtClean="0">
+                <a:solidFill>
+                  <a:schemeClr val="bg1"/>
+                </a:solidFill>
+                <a:latin typeface="Adobe 고딕 Std B" panose="020B0800000000000000" pitchFamily="34" charset="-127"/>
+                <a:ea typeface="Adobe 고딕 Std B" panose="020B0800000000000000" pitchFamily="34" charset="-127"/>
+              </a:rPr>
+              <a:t>.</a:t>
+            </a:r>
+          </a:p>
+          <a:p>
             <a:r>
               <a:rPr lang="en-US" altLang="ko-KR" sz="1000" dirty="0">
                 <a:solidFill>
@@ -9888,17 +12028,67 @@
                 <a:latin typeface="Adobe 고딕 Std B" panose="020B0800000000000000" pitchFamily="34" charset="-127"/>
                 <a:ea typeface="Adobe 고딕 Std B" panose="020B0800000000000000" pitchFamily="34" charset="-127"/>
               </a:rPr>
-              <a:t>2</a:t>
-            </a:r>
-            <a:r>
-              <a:rPr lang="ko-KR" altLang="en-US" sz="1000" smtClean="0">
-                <a:solidFill>
-                  <a:schemeClr val="bg1"/>
-                </a:solidFill>
-                <a:latin typeface="Adobe 고딕 Std B" panose="020B0800000000000000" pitchFamily="34" charset="-127"/>
-                <a:ea typeface="Adobe 고딕 Std B" panose="020B0800000000000000" pitchFamily="34" charset="-127"/>
-              </a:rPr>
-              <a:t>등급으로 고등학교를 졸업하고 </a:t>
+              <a:t> 2019</a:t>
+            </a:r>
+            <a:r>
+              <a:rPr lang="ko-KR" altLang="en-US" sz="1000" dirty="0" smtClean="0">
+                <a:solidFill>
+                  <a:schemeClr val="bg1"/>
+                </a:solidFill>
+                <a:latin typeface="Adobe 고딕 Std B" panose="020B0800000000000000" pitchFamily="34" charset="-127"/>
+                <a:ea typeface="Adobe 고딕 Std B" panose="020B0800000000000000" pitchFamily="34" charset="-127"/>
+              </a:rPr>
+              <a:t>년 </a:t>
+            </a:r>
+            <a:r>
+              <a:rPr lang="en-US" altLang="ko-KR" sz="1000" dirty="0" smtClean="0">
+                <a:solidFill>
+                  <a:schemeClr val="bg1"/>
+                </a:solidFill>
+                <a:latin typeface="Adobe 고딕 Std B" panose="020B0800000000000000" pitchFamily="34" charset="-127"/>
+                <a:ea typeface="Adobe 고딕 Std B" panose="020B0800000000000000" pitchFamily="34" charset="-127"/>
+              </a:rPr>
+              <a:t>UI/UX</a:t>
+            </a:r>
+            <a:r>
+              <a:rPr lang="ko-KR" altLang="en-US" sz="1000" dirty="0" smtClean="0">
+                <a:solidFill>
+                  <a:schemeClr val="bg1"/>
+                </a:solidFill>
+                <a:latin typeface="Adobe 고딕 Std B" panose="020B0800000000000000" pitchFamily="34" charset="-127"/>
+                <a:ea typeface="Adobe 고딕 Std B" panose="020B0800000000000000" pitchFamily="34" charset="-127"/>
+              </a:rPr>
+              <a:t>를 활용한 모바일 콘텐츠 전문과 양성과정을 수료하고 </a:t>
+            </a:r>
+            <a:r>
+              <a:rPr lang="en-US" altLang="ko-KR" sz="1000" dirty="0" smtClean="0">
+                <a:solidFill>
+                  <a:schemeClr val="bg1"/>
+                </a:solidFill>
+                <a:latin typeface="Adobe 고딕 Std B" panose="020B0800000000000000" pitchFamily="34" charset="-127"/>
+                <a:ea typeface="Adobe 고딕 Std B" panose="020B0800000000000000" pitchFamily="34" charset="-127"/>
+              </a:rPr>
+              <a:t>2020</a:t>
+            </a:r>
+            <a:r>
+              <a:rPr lang="ko-KR" altLang="en-US" sz="1000" dirty="0" smtClean="0">
+                <a:solidFill>
+                  <a:schemeClr val="bg1"/>
+                </a:solidFill>
+                <a:latin typeface="Adobe 고딕 Std B" panose="020B0800000000000000" pitchFamily="34" charset="-127"/>
+                <a:ea typeface="Adobe 고딕 Std B" panose="020B0800000000000000" pitchFamily="34" charset="-127"/>
+              </a:rPr>
+              <a:t>년 졸업하였다</a:t>
+            </a:r>
+            <a:r>
+              <a:rPr lang="en-US" altLang="ko-KR" sz="1000" dirty="0" smtClean="0">
+                <a:solidFill>
+                  <a:schemeClr val="bg1"/>
+                </a:solidFill>
+                <a:latin typeface="Adobe 고딕 Std B" panose="020B0800000000000000" pitchFamily="34" charset="-127"/>
+                <a:ea typeface="Adobe 고딕 Std B" panose="020B0800000000000000" pitchFamily="34" charset="-127"/>
+              </a:rPr>
+              <a:t>.</a:t>
             </a:r>
             <a:endParaRPr lang="ko-KR" altLang="en-US" sz="1000" dirty="0">
               <a:solidFill>
@@ -10052,6 +12242,59 @@
               <a:t>2020</a:t>
             </a:r>
             <a:endParaRPr lang="ko-KR" altLang="en-US" sz="1000" dirty="0">
+              <a:solidFill>
+                <a:schemeClr val="bg1"/>
+              </a:solidFill>
+            </a:endParaRPr>
+          </a:p>
+        </p:txBody>
+      </p:sp>
+      <p:sp>
+        <p:nvSpPr>
+          <p:cNvPr id="16" name="TextBox 15"/>
+          <p:cNvSpPr txBox="1"/>
+          <p:nvPr/>
+        </p:nvSpPr>
+        <p:spPr>
+          <a:xfrm rot="16200000">
+            <a:off x="3312017" y="5250529"/>
+            <a:ext cx="1046440" cy="193964"/>
+          </a:xfrm>
+          <a:prstGeom prst="rect">
+            <a:avLst/>
+          </a:prstGeom>
+          <a:noFill/>
+        </p:spPr>
+        <p:txBody>
+          <a:bodyPr vert="eaVert" wrap="square" rtlCol="0">
+            <a:spAutoFit/>
+          </a:bodyPr>
+          <a:lstStyle/>
+          <a:p>
+            <a:r>
+              <a:rPr lang="ko-KR" altLang="en-US" sz="800" dirty="0" smtClean="0">
+                <a:solidFill>
+                  <a:schemeClr val="bg1"/>
+                </a:solidFill>
+              </a:rPr>
+              <a:t>대진대학교  </a:t>
+            </a:r>
+            <a:endParaRPr lang="en-US" altLang="ko-KR" sz="800" dirty="0" smtClean="0">
+              <a:solidFill>
+                <a:schemeClr val="bg1"/>
+              </a:solidFill>
+            </a:endParaRPr>
+          </a:p>
+          <a:p>
+            <a:r>
+              <a:rPr lang="ko-KR" altLang="en-US" sz="800" dirty="0" smtClean="0">
+                <a:solidFill>
+                  <a:schemeClr val="bg1"/>
+                </a:solidFill>
+              </a:rPr>
+              <a:t>입학 </a:t>
+            </a:r>
+            <a:endParaRPr lang="ko-KR" altLang="en-US" sz="800" dirty="0">
               <a:solidFill>
                 <a:schemeClr val="bg1"/>
               </a:solidFill>
@@ -10104,7 +12347,7 @@
             <a:avLst/>
           </a:prstGeom>
           <a:solidFill>
-            <a:srgbClr val="BFBFBF"/>
+            <a:srgbClr val="404040"/>
           </a:solidFill>
           <a:ln>
             <a:noFill/>
@@ -10175,7 +12418,37 @@
                 <a:latin typeface="Adobe 고딕 Std B" panose="020B0800000000000000" pitchFamily="34" charset="-127"/>
                 <a:ea typeface="Adobe 고딕 Std B" panose="020B0800000000000000" pitchFamily="34" charset="-127"/>
               </a:rPr>
-              <a:t>구성</a:t>
+              <a:t>구성 </a:t>
+            </a:r>
+            <a:r>
+              <a:rPr lang="en-US" altLang="ko-KR" sz="6000" dirty="0" smtClean="0">
+                <a:solidFill>
+                  <a:schemeClr val="bg1"/>
+                </a:solidFill>
+                <a:latin typeface="Adobe 고딕 Std B" panose="020B0800000000000000" pitchFamily="34" charset="-127"/>
+                <a:ea typeface="Adobe 고딕 Std B" panose="020B0800000000000000" pitchFamily="34" charset="-127"/>
+              </a:rPr>
+              <a:t>(</a:t>
+            </a:r>
+            <a:r>
+              <a:rPr lang="ko-KR" altLang="en-US" sz="6000" dirty="0" smtClean="0">
+                <a:solidFill>
+                  <a:schemeClr val="bg1"/>
+                </a:solidFill>
+                <a:latin typeface="Adobe 고딕 Std B" panose="020B0800000000000000" pitchFamily="34" charset="-127"/>
+                <a:ea typeface="Adobe 고딕 Std B" panose="020B0800000000000000" pitchFamily="34" charset="-127"/>
+              </a:rPr>
+              <a:t>직업흥미검사</a:t>
+            </a:r>
+            <a:r>
+              <a:rPr lang="en-US" altLang="ko-KR" sz="6000" dirty="0" smtClean="0">
+                <a:solidFill>
+                  <a:schemeClr val="bg1"/>
+                </a:solidFill>
+                <a:latin typeface="Adobe 고딕 Std B" panose="020B0800000000000000" pitchFamily="34" charset="-127"/>
+                <a:ea typeface="Adobe 고딕 Std B" panose="020B0800000000000000" pitchFamily="34" charset="-127"/>
+              </a:rPr>
+              <a:t>)</a:t>
             </a:r>
             <a:endParaRPr lang="ko-KR" altLang="en-US" sz="6000" dirty="0">
               <a:solidFill>
@@ -10189,22 +12462,22 @@
       </p:sp>
       <p:sp>
         <p:nvSpPr>
-          <p:cNvPr id="6" name="직사각형 5"/>
+          <p:cNvPr id="11" name="직사각형 10"/>
           <p:cNvSpPr/>
           <p:nvPr/>
         </p:nvSpPr>
         <p:spPr>
           <a:xfrm>
-            <a:off x="3548436" y="1143881"/>
-            <a:ext cx="3996000" cy="1322228"/>
+            <a:off x="2090436" y="2172172"/>
+            <a:ext cx="6912000" cy="3888000"/>
           </a:xfrm>
           <a:prstGeom prst="rect">
             <a:avLst/>
           </a:prstGeom>
           <a:solidFill>
-            <a:srgbClr val="A6A6A6"/>
+            <a:srgbClr val="404040"/>
           </a:solidFill>
-          <a:ln>
+          <a:ln w="22225">
             <a:solidFill>
               <a:schemeClr val="bg1"/>
             </a:solidFill>
@@ -10231,48 +12504,33 @@
           <a:lstStyle/>
           <a:p>
             <a:pPr algn="ctr"/>
-            <a:r>
-              <a:rPr lang="ko-KR" altLang="en-US" dirty="0" smtClean="0">
-                <a:latin typeface="Adobe 고딕 Std B" panose="020B0800000000000000" pitchFamily="34" charset="-127"/>
-                <a:ea typeface="Adobe 고딕 Std B" panose="020B0800000000000000" pitchFamily="34" charset="-127"/>
-              </a:rPr>
-              <a:t>내용 </a:t>
-            </a:r>
-            <a:r>
-              <a:rPr lang="en-US" altLang="ko-KR" dirty="0" smtClean="0">
-                <a:latin typeface="Adobe 고딕 Std B" panose="020B0800000000000000" pitchFamily="34" charset="-127"/>
-                <a:ea typeface="Adobe 고딕 Std B" panose="020B0800000000000000" pitchFamily="34" charset="-127"/>
-              </a:rPr>
-              <a:t>1</a:t>
-            </a:r>
             <a:endParaRPr lang="ko-KR" altLang="en-US" dirty="0">
-              <a:latin typeface="Adobe 고딕 Std B" panose="020B0800000000000000" pitchFamily="34" charset="-127"/>
-              <a:ea typeface="Adobe 고딕 Std B" panose="020B0800000000000000" pitchFamily="34" charset="-127"/>
+              <a:solidFill>
+                <a:schemeClr val="bg1"/>
+              </a:solidFill>
             </a:endParaRPr>
           </a:p>
         </p:txBody>
       </p:sp>
       <p:sp>
         <p:nvSpPr>
-          <p:cNvPr id="9" name="직사각형 8"/>
+          <p:cNvPr id="12" name="직사각형 11"/>
           <p:cNvSpPr/>
           <p:nvPr/>
         </p:nvSpPr>
         <p:spPr>
           <a:xfrm>
-            <a:off x="3548436" y="5247470"/>
-            <a:ext cx="3996000" cy="1322228"/>
+            <a:off x="2090436" y="2172172"/>
+            <a:ext cx="6912000" cy="288000"/>
           </a:xfrm>
           <a:prstGeom prst="rect">
             <a:avLst/>
           </a:prstGeom>
           <a:solidFill>
-            <a:srgbClr val="A6A6A6"/>
+            <a:schemeClr val="tx1"/>
           </a:solidFill>
           <a:ln>
-            <a:solidFill>
-              <a:schemeClr val="bg1"/>
-            </a:solidFill>
+            <a:noFill/>
           </a:ln>
         </p:spPr>
         <p:style>
@@ -10297,20 +12555,109 @@
           <a:p>
             <a:pPr algn="ctr"/>
             <a:r>
-              <a:rPr lang="ko-KR" altLang="en-US" dirty="0" smtClean="0">
-                <a:latin typeface="Adobe 고딕 Std B" panose="020B0800000000000000" pitchFamily="34" charset="-127"/>
-                <a:ea typeface="Adobe 고딕 Std B" panose="020B0800000000000000" pitchFamily="34" charset="-127"/>
-              </a:rPr>
-              <a:t>내용 </a:t>
-            </a:r>
-            <a:r>
-              <a:rPr lang="en-US" altLang="ko-KR" dirty="0" smtClean="0">
-                <a:latin typeface="Adobe 고딕 Std B" panose="020B0800000000000000" pitchFamily="34" charset="-127"/>
-                <a:ea typeface="Adobe 고딕 Std B" panose="020B0800000000000000" pitchFamily="34" charset="-127"/>
-              </a:rPr>
-              <a:t>3</a:t>
-            </a:r>
-            <a:endParaRPr lang="ko-KR" altLang="en-US" dirty="0">
+              <a:rPr lang="ko-KR" altLang="en-US" sz="1500" dirty="0" smtClean="0">
+                <a:solidFill>
+                  <a:schemeClr val="bg1"/>
+                </a:solidFill>
+                <a:latin typeface="Adobe 고딕 Std B" panose="020B0800000000000000" pitchFamily="34" charset="-127"/>
+                <a:ea typeface="Adobe 고딕 Std B" panose="020B0800000000000000" pitchFamily="34" charset="-127"/>
+              </a:rPr>
+              <a:t>프로필   </a:t>
+            </a:r>
+            <a:r>
+              <a:rPr lang="en-US" altLang="ko-KR" sz="1500" dirty="0" smtClean="0">
+                <a:solidFill>
+                  <a:schemeClr val="bg1"/>
+                </a:solidFill>
+                <a:latin typeface="Adobe 고딕 Std B" panose="020B0800000000000000" pitchFamily="34" charset="-127"/>
+                <a:ea typeface="Adobe 고딕 Std B" panose="020B0800000000000000" pitchFamily="34" charset="-127"/>
+              </a:rPr>
+              <a:t>/   </a:t>
+            </a:r>
+            <a:r>
+              <a:rPr lang="ko-KR" altLang="en-US" sz="1500" dirty="0" smtClean="0">
+                <a:solidFill>
+                  <a:schemeClr val="bg1"/>
+                </a:solidFill>
+                <a:latin typeface="Adobe 고딕 Std B" panose="020B0800000000000000" pitchFamily="34" charset="-127"/>
+                <a:ea typeface="Adobe 고딕 Std B" panose="020B0800000000000000" pitchFamily="34" charset="-127"/>
+              </a:rPr>
+              <a:t>직업흥미검사   </a:t>
+            </a:r>
+            <a:r>
+              <a:rPr lang="en-US" altLang="ko-KR" sz="1500" dirty="0" smtClean="0">
+                <a:solidFill>
+                  <a:schemeClr val="bg1"/>
+                </a:solidFill>
+                <a:latin typeface="Adobe 고딕 Std B" panose="020B0800000000000000" pitchFamily="34" charset="-127"/>
+                <a:ea typeface="Adobe 고딕 Std B" panose="020B0800000000000000" pitchFamily="34" charset="-127"/>
+              </a:rPr>
+              <a:t>/   </a:t>
+            </a:r>
+            <a:r>
+              <a:rPr lang="ko-KR" altLang="en-US" sz="1500" dirty="0" smtClean="0">
+                <a:solidFill>
+                  <a:schemeClr val="bg1"/>
+                </a:solidFill>
+                <a:latin typeface="Adobe 고딕 Std B" panose="020B0800000000000000" pitchFamily="34" charset="-127"/>
+                <a:ea typeface="Adobe 고딕 Std B" panose="020B0800000000000000" pitchFamily="34" charset="-127"/>
+              </a:rPr>
+              <a:t>숙련 프로그램   </a:t>
+            </a:r>
+            <a:r>
+              <a:rPr lang="en-US" altLang="ko-KR" sz="1500" dirty="0" smtClean="0">
+                <a:solidFill>
+                  <a:schemeClr val="bg1"/>
+                </a:solidFill>
+                <a:latin typeface="Adobe 고딕 Std B" panose="020B0800000000000000" pitchFamily="34" charset="-127"/>
+                <a:ea typeface="Adobe 고딕 Std B" panose="020B0800000000000000" pitchFamily="34" charset="-127"/>
+              </a:rPr>
+              <a:t>/   </a:t>
+            </a:r>
+            <a:r>
+              <a:rPr lang="ko-KR" altLang="en-US" sz="1500" dirty="0" smtClean="0">
+                <a:solidFill>
+                  <a:schemeClr val="bg1"/>
+                </a:solidFill>
+                <a:latin typeface="Adobe 고딕 Std B" panose="020B0800000000000000" pitchFamily="34" charset="-127"/>
+                <a:ea typeface="Adobe 고딕 Std B" panose="020B0800000000000000" pitchFamily="34" charset="-127"/>
+              </a:rPr>
+              <a:t>관심사와 목표   </a:t>
+            </a:r>
+            <a:r>
+              <a:rPr lang="en-US" altLang="ko-KR" sz="1500" dirty="0" smtClean="0">
+                <a:solidFill>
+                  <a:schemeClr val="bg1"/>
+                </a:solidFill>
+                <a:latin typeface="Adobe 고딕 Std B" panose="020B0800000000000000" pitchFamily="34" charset="-127"/>
+                <a:ea typeface="Adobe 고딕 Std B" panose="020B0800000000000000" pitchFamily="34" charset="-127"/>
+              </a:rPr>
+              <a:t>/   </a:t>
+            </a:r>
+            <a:r>
+              <a:rPr lang="ko-KR" altLang="en-US" sz="1500" dirty="0" smtClean="0">
+                <a:solidFill>
+                  <a:schemeClr val="bg1"/>
+                </a:solidFill>
+                <a:latin typeface="Adobe 고딕 Std B" panose="020B0800000000000000" pitchFamily="34" charset="-127"/>
+                <a:ea typeface="Adobe 고딕 Std B" panose="020B0800000000000000" pitchFamily="34" charset="-127"/>
+              </a:rPr>
+              <a:t>연락처</a:t>
+            </a:r>
+            <a:r>
+              <a:rPr lang="en-US" altLang="ko-KR" sz="1500" dirty="0" smtClean="0">
+                <a:solidFill>
+                  <a:schemeClr val="bg1"/>
+                </a:solidFill>
+                <a:latin typeface="Adobe 고딕 Std B" panose="020B0800000000000000" pitchFamily="34" charset="-127"/>
+                <a:ea typeface="Adobe 고딕 Std B" panose="020B0800000000000000" pitchFamily="34" charset="-127"/>
+              </a:rPr>
+              <a:t>  </a:t>
+            </a:r>
+            <a:endParaRPr lang="ko-KR" altLang="en-US" sz="1500" dirty="0">
+              <a:solidFill>
+                <a:schemeClr val="bg1"/>
+              </a:solidFill>
               <a:latin typeface="Adobe 고딕 Std B" panose="020B0800000000000000" pitchFamily="34" charset="-127"/>
               <a:ea typeface="Adobe 고딕 Std B" panose="020B0800000000000000" pitchFamily="34" charset="-127"/>
             </a:endParaRPr>
@@ -10319,25 +12666,23 @@
       </p:sp>
       <p:sp>
         <p:nvSpPr>
-          <p:cNvPr id="4" name="직사각형 3"/>
+          <p:cNvPr id="10" name="직사각형 9"/>
           <p:cNvSpPr/>
           <p:nvPr/>
         </p:nvSpPr>
         <p:spPr>
           <a:xfrm>
-            <a:off x="3548436" y="2511744"/>
-            <a:ext cx="3996000" cy="2690091"/>
+            <a:off x="3548436" y="2640172"/>
+            <a:ext cx="3996000" cy="3354228"/>
           </a:xfrm>
           <a:prstGeom prst="rect">
             <a:avLst/>
           </a:prstGeom>
           <a:solidFill>
-            <a:srgbClr val="A6A6A6"/>
+            <a:srgbClr val="404040"/>
           </a:solidFill>
           <a:ln>
-            <a:solidFill>
-              <a:schemeClr val="bg1"/>
-            </a:solidFill>
+            <a:noFill/>
           </a:ln>
         </p:spPr>
         <p:style>
@@ -10361,31 +12706,502 @@
           <a:lstStyle/>
           <a:p>
             <a:pPr algn="ctr"/>
-            <a:r>
-              <a:rPr lang="ko-KR" altLang="en-US" dirty="0" smtClean="0">
-                <a:latin typeface="Adobe 고딕 Std B" panose="020B0800000000000000" pitchFamily="34" charset="-127"/>
-                <a:ea typeface="Adobe 고딕 Std B" panose="020B0800000000000000" pitchFamily="34" charset="-127"/>
-              </a:rPr>
-              <a:t>내용 </a:t>
-            </a:r>
-            <a:r>
-              <a:rPr lang="en-US" altLang="ko-KR" dirty="0" smtClean="0">
-                <a:latin typeface="Adobe 고딕 Std B" panose="020B0800000000000000" pitchFamily="34" charset="-127"/>
-                <a:ea typeface="Adobe 고딕 Std B" panose="020B0800000000000000" pitchFamily="34" charset="-127"/>
-              </a:rPr>
-              <a:t>2</a:t>
-            </a:r>
-            <a:endParaRPr lang="ko-KR" altLang="en-US" dirty="0">
+            <a:endParaRPr lang="ko-KR" altLang="en-US"/>
+          </a:p>
+        </p:txBody>
+      </p:sp>
+      <p:sp>
+        <p:nvSpPr>
+          <p:cNvPr id="14" name="직사각형 13"/>
+          <p:cNvSpPr/>
+          <p:nvPr/>
+        </p:nvSpPr>
+        <p:spPr>
+          <a:xfrm>
+            <a:off x="3548437" y="2640171"/>
+            <a:ext cx="2021090" cy="2019600"/>
+          </a:xfrm>
+          <a:prstGeom prst="rect">
+            <a:avLst/>
+          </a:prstGeom>
+          <a:solidFill>
+            <a:srgbClr val="404040"/>
+          </a:solidFill>
+          <a:ln>
+            <a:solidFill>
+              <a:schemeClr val="bg1"/>
+            </a:solidFill>
+          </a:ln>
+        </p:spPr>
+        <p:style>
+          <a:lnRef idx="2">
+            <a:schemeClr val="accent1">
+              <a:shade val="50000"/>
+            </a:schemeClr>
+          </a:lnRef>
+          <a:fillRef idx="1">
+            <a:schemeClr val="accent1"/>
+          </a:fillRef>
+          <a:effectRef idx="0">
+            <a:schemeClr val="accent1"/>
+          </a:effectRef>
+          <a:fontRef idx="minor">
+            <a:schemeClr val="lt1"/>
+          </a:fontRef>
+        </p:style>
+        <p:txBody>
+          <a:bodyPr rtlCol="0" anchor="ctr"/>
+          <a:lstStyle/>
+          <a:p>
+            <a:pPr algn="ctr"/>
+            <a:endParaRPr lang="ko-KR" altLang="en-US"/>
+          </a:p>
+        </p:txBody>
+      </p:sp>
+      <p:cxnSp>
+        <p:nvCxnSpPr>
+          <p:cNvPr id="18" name="직선 연결선 17"/>
+          <p:cNvCxnSpPr/>
+          <p:nvPr/>
+        </p:nvCxnSpPr>
+        <p:spPr>
+          <a:xfrm>
+            <a:off x="3548435" y="2632294"/>
+            <a:ext cx="2021092" cy="2027477"/>
+          </a:xfrm>
+          <a:prstGeom prst="line">
+            <a:avLst/>
+          </a:prstGeom>
+          <a:ln>
+            <a:solidFill>
+              <a:schemeClr val="bg1"/>
+            </a:solidFill>
+          </a:ln>
+        </p:spPr>
+        <p:style>
+          <a:lnRef idx="1">
+            <a:schemeClr val="accent1"/>
+          </a:lnRef>
+          <a:fillRef idx="0">
+            <a:schemeClr val="accent1"/>
+          </a:fillRef>
+          <a:effectRef idx="0">
+            <a:schemeClr val="accent1"/>
+          </a:effectRef>
+          <a:fontRef idx="minor">
+            <a:schemeClr val="tx1"/>
+          </a:fontRef>
+        </p:style>
+      </p:cxnSp>
+      <p:cxnSp>
+        <p:nvCxnSpPr>
+          <p:cNvPr id="20" name="직선 연결선 19"/>
+          <p:cNvCxnSpPr/>
+          <p:nvPr/>
+        </p:nvCxnSpPr>
+        <p:spPr>
+          <a:xfrm flipH="1">
+            <a:off x="3548435" y="2632294"/>
+            <a:ext cx="2021093" cy="2027477"/>
+          </a:xfrm>
+          <a:prstGeom prst="line">
+            <a:avLst/>
+          </a:prstGeom>
+          <a:ln>
+            <a:solidFill>
+              <a:schemeClr val="bg1"/>
+            </a:solidFill>
+          </a:ln>
+        </p:spPr>
+        <p:style>
+          <a:lnRef idx="1">
+            <a:schemeClr val="accent1"/>
+          </a:lnRef>
+          <a:fillRef idx="0">
+            <a:schemeClr val="accent1"/>
+          </a:fillRef>
+          <a:effectRef idx="0">
+            <a:schemeClr val="accent1"/>
+          </a:effectRef>
+          <a:fontRef idx="minor">
+            <a:schemeClr val="tx1"/>
+          </a:fontRef>
+        </p:style>
+      </p:cxnSp>
+      <p:cxnSp>
+        <p:nvCxnSpPr>
+          <p:cNvPr id="23" name="직선 연결선 22"/>
+          <p:cNvCxnSpPr/>
+          <p:nvPr/>
+        </p:nvCxnSpPr>
+        <p:spPr>
+          <a:xfrm>
+            <a:off x="3538362" y="4659771"/>
+            <a:ext cx="4016148" cy="0"/>
+          </a:xfrm>
+          <a:prstGeom prst="line">
+            <a:avLst/>
+          </a:prstGeom>
+          <a:ln w="31750">
+            <a:solidFill>
+              <a:schemeClr val="bg1"/>
+            </a:solidFill>
+          </a:ln>
+        </p:spPr>
+        <p:style>
+          <a:lnRef idx="1">
+            <a:schemeClr val="accent1"/>
+          </a:lnRef>
+          <a:fillRef idx="0">
+            <a:schemeClr val="accent1"/>
+          </a:fillRef>
+          <a:effectRef idx="0">
+            <a:schemeClr val="accent1"/>
+          </a:effectRef>
+          <a:fontRef idx="minor">
+            <a:schemeClr val="tx1"/>
+          </a:fontRef>
+        </p:style>
+      </p:cxnSp>
+      <p:sp>
+        <p:nvSpPr>
+          <p:cNvPr id="24" name="TextBox 23"/>
+          <p:cNvSpPr txBox="1"/>
+          <p:nvPr/>
+        </p:nvSpPr>
+        <p:spPr>
+          <a:xfrm>
+            <a:off x="5569527" y="2640171"/>
+            <a:ext cx="1974909" cy="2123658"/>
+          </a:xfrm>
+          <a:prstGeom prst="rect">
+            <a:avLst/>
+          </a:prstGeom>
+          <a:noFill/>
+        </p:spPr>
+        <p:txBody>
+          <a:bodyPr wrap="square" rtlCol="0">
+            <a:spAutoFit/>
+          </a:bodyPr>
+          <a:lstStyle/>
+          <a:p>
+            <a:r>
+              <a:rPr lang="ko-KR" altLang="en-US" sz="1200" dirty="0" smtClean="0">
+                <a:solidFill>
+                  <a:schemeClr val="bg1"/>
+                </a:solidFill>
+                <a:latin typeface="Adobe 고딕 Std B" panose="020B0800000000000000" pitchFamily="34" charset="-127"/>
+                <a:ea typeface="Adobe 고딕 Std B" panose="020B0800000000000000" pitchFamily="34" charset="-127"/>
+              </a:rPr>
+              <a:t>활동적이며 실용적인 일을 좋아하는</a:t>
+            </a:r>
+            <a:endParaRPr lang="en-US" altLang="ko-KR" sz="1200" dirty="0">
+              <a:solidFill>
+                <a:schemeClr val="bg1"/>
+              </a:solidFill>
               <a:latin typeface="Adobe 고딕 Std B" panose="020B0800000000000000" pitchFamily="34" charset="-127"/>
               <a:ea typeface="Adobe 고딕 Std B" panose="020B0800000000000000" pitchFamily="34" charset="-127"/>
             </a:endParaRPr>
           </a:p>
+          <a:p>
+            <a:r>
+              <a:rPr lang="ko-KR" altLang="en-US" sz="2800" dirty="0" err="1" smtClean="0">
+                <a:solidFill>
+                  <a:schemeClr val="bg1"/>
+                </a:solidFill>
+                <a:latin typeface="Adobe 고딕 Std B" panose="020B0800000000000000" pitchFamily="34" charset="-127"/>
+                <a:ea typeface="Adobe 고딕 Std B" panose="020B0800000000000000" pitchFamily="34" charset="-127"/>
+              </a:rPr>
+              <a:t>활동형</a:t>
+            </a:r>
+            <a:endParaRPr lang="en-US" altLang="ko-KR" sz="2800" dirty="0" smtClean="0">
+              <a:solidFill>
+                <a:schemeClr val="bg1"/>
+              </a:solidFill>
+              <a:latin typeface="Adobe 고딕 Std B" panose="020B0800000000000000" pitchFamily="34" charset="-127"/>
+              <a:ea typeface="Adobe 고딕 Std B" panose="020B0800000000000000" pitchFamily="34" charset="-127"/>
+            </a:endParaRPr>
+          </a:p>
+          <a:p>
+            <a:endParaRPr lang="en-US" altLang="ko-KR" sz="2400" dirty="0" smtClean="0">
+              <a:solidFill>
+                <a:schemeClr val="bg1"/>
+              </a:solidFill>
+              <a:latin typeface="Adobe 고딕 Std B" panose="020B0800000000000000" pitchFamily="34" charset="-127"/>
+              <a:ea typeface="Adobe 고딕 Std B" panose="020B0800000000000000" pitchFamily="34" charset="-127"/>
+            </a:endParaRPr>
+          </a:p>
+          <a:p>
+            <a:r>
+              <a:rPr lang="ko-KR" altLang="en-US" sz="1200" dirty="0" smtClean="0">
+                <a:solidFill>
+                  <a:schemeClr val="bg1"/>
+                </a:solidFill>
+                <a:latin typeface="Adobe 고딕 Std B" panose="020B0800000000000000" pitchFamily="34" charset="-127"/>
+                <a:ea typeface="Adobe 고딕 Std B" panose="020B0800000000000000" pitchFamily="34" charset="-127"/>
+              </a:rPr>
+              <a:t>조직적이고 안정적인 일을 좋아하는</a:t>
+            </a:r>
+            <a:endParaRPr lang="en-US" altLang="ko-KR" sz="1200" dirty="0" smtClean="0">
+              <a:solidFill>
+                <a:schemeClr val="bg1"/>
+              </a:solidFill>
+              <a:latin typeface="Adobe 고딕 Std B" panose="020B0800000000000000" pitchFamily="34" charset="-127"/>
+              <a:ea typeface="Adobe 고딕 Std B" panose="020B0800000000000000" pitchFamily="34" charset="-127"/>
+            </a:endParaRPr>
+          </a:p>
+          <a:p>
+            <a:r>
+              <a:rPr lang="ko-KR" altLang="en-US" sz="2800" dirty="0" err="1" smtClean="0">
+                <a:solidFill>
+                  <a:schemeClr val="bg1"/>
+                </a:solidFill>
+                <a:latin typeface="Adobe 고딕 Std B" panose="020B0800000000000000" pitchFamily="34" charset="-127"/>
+                <a:ea typeface="Adobe 고딕 Std B" panose="020B0800000000000000" pitchFamily="34" charset="-127"/>
+              </a:rPr>
+              <a:t>관습형</a:t>
+            </a:r>
+            <a:endParaRPr lang="ko-KR" altLang="en-US" sz="2800" dirty="0">
+              <a:solidFill>
+                <a:schemeClr val="bg1"/>
+              </a:solidFill>
+              <a:latin typeface="Adobe 고딕 Std B" panose="020B0800000000000000" pitchFamily="34" charset="-127"/>
+              <a:ea typeface="Adobe 고딕 Std B" panose="020B0800000000000000" pitchFamily="34" charset="-127"/>
+            </a:endParaRPr>
+          </a:p>
+        </p:txBody>
+      </p:sp>
+      <p:sp>
+        <p:nvSpPr>
+          <p:cNvPr id="30" name="TextBox 29"/>
+          <p:cNvSpPr txBox="1"/>
+          <p:nvPr/>
+        </p:nvSpPr>
+        <p:spPr>
+          <a:xfrm>
+            <a:off x="3538361" y="4965724"/>
+            <a:ext cx="4006075" cy="892552"/>
+          </a:xfrm>
+          <a:prstGeom prst="rect">
+            <a:avLst/>
+          </a:prstGeom>
+          <a:noFill/>
+        </p:spPr>
+        <p:txBody>
+          <a:bodyPr wrap="square" rtlCol="0">
+            <a:spAutoFit/>
+          </a:bodyPr>
+          <a:lstStyle/>
+          <a:p>
+            <a:pPr marL="285750" indent="-285750">
+              <a:buFontTx/>
+              <a:buChar char="-"/>
+            </a:pPr>
+            <a:r>
+              <a:rPr lang="ko-KR" altLang="en-US" sz="1300" dirty="0" smtClean="0">
+                <a:solidFill>
+                  <a:schemeClr val="bg1"/>
+                </a:solidFill>
+                <a:latin typeface="Adobe 고딕 Std B" panose="020B0800000000000000" pitchFamily="34" charset="-127"/>
+                <a:ea typeface="Adobe 고딕 Std B" panose="020B0800000000000000" pitchFamily="34" charset="-127"/>
+              </a:rPr>
+              <a:t>실제적이며 규칙적인 행동양식이 있는 일을 선호</a:t>
+            </a:r>
+            <a:endParaRPr lang="en-US" altLang="ko-KR" sz="1300" dirty="0" smtClean="0">
+              <a:solidFill>
+                <a:schemeClr val="bg1"/>
+              </a:solidFill>
+              <a:latin typeface="Adobe 고딕 Std B" panose="020B0800000000000000" pitchFamily="34" charset="-127"/>
+              <a:ea typeface="Adobe 고딕 Std B" panose="020B0800000000000000" pitchFamily="34" charset="-127"/>
+            </a:endParaRPr>
+          </a:p>
+          <a:p>
+            <a:pPr marL="285750" indent="-285750">
+              <a:buFontTx/>
+              <a:buChar char="-"/>
+            </a:pPr>
+            <a:r>
+              <a:rPr lang="ko-KR" altLang="en-US" sz="1300" dirty="0" smtClean="0">
+                <a:solidFill>
+                  <a:schemeClr val="bg1"/>
+                </a:solidFill>
+                <a:latin typeface="Adobe 고딕 Std B" panose="020B0800000000000000" pitchFamily="34" charset="-127"/>
+                <a:ea typeface="Adobe 고딕 Std B" panose="020B0800000000000000" pitchFamily="34" charset="-127"/>
+              </a:rPr>
+              <a:t>규칙과 시스템이 잡혀있는 일을 선호</a:t>
+            </a:r>
+            <a:endParaRPr lang="en-US" altLang="ko-KR" sz="1300" dirty="0" smtClean="0">
+              <a:solidFill>
+                <a:schemeClr val="bg1"/>
+              </a:solidFill>
+              <a:latin typeface="Adobe 고딕 Std B" panose="020B0800000000000000" pitchFamily="34" charset="-127"/>
+              <a:ea typeface="Adobe 고딕 Std B" panose="020B0800000000000000" pitchFamily="34" charset="-127"/>
+            </a:endParaRPr>
+          </a:p>
+          <a:p>
+            <a:pPr marL="285750" indent="-285750">
+              <a:buFontTx/>
+              <a:buChar char="-"/>
+            </a:pPr>
+            <a:r>
+              <a:rPr lang="ko-KR" altLang="en-US" sz="1300" dirty="0" smtClean="0">
+                <a:solidFill>
+                  <a:schemeClr val="bg1"/>
+                </a:solidFill>
+                <a:latin typeface="Adobe 고딕 Std B" panose="020B0800000000000000" pitchFamily="34" charset="-127"/>
+                <a:ea typeface="Adobe 고딕 Std B" panose="020B0800000000000000" pitchFamily="34" charset="-127"/>
+              </a:rPr>
+              <a:t>사회적 영향력</a:t>
+            </a:r>
+            <a:r>
+              <a:rPr lang="en-US" altLang="ko-KR" sz="1300" dirty="0" smtClean="0">
+                <a:solidFill>
+                  <a:schemeClr val="bg1"/>
+                </a:solidFill>
+                <a:latin typeface="Adobe 고딕 Std B" panose="020B0800000000000000" pitchFamily="34" charset="-127"/>
+                <a:ea typeface="Adobe 고딕 Std B" panose="020B0800000000000000" pitchFamily="34" charset="-127"/>
+              </a:rPr>
+              <a:t>, </a:t>
+            </a:r>
+            <a:r>
+              <a:rPr lang="ko-KR" altLang="en-US" sz="1300" dirty="0" smtClean="0">
+                <a:solidFill>
+                  <a:schemeClr val="bg1"/>
+                </a:solidFill>
+                <a:latin typeface="Adobe 고딕 Std B" panose="020B0800000000000000" pitchFamily="34" charset="-127"/>
+                <a:ea typeface="Adobe 고딕 Std B" panose="020B0800000000000000" pitchFamily="34" charset="-127"/>
+              </a:rPr>
+              <a:t>학문</a:t>
+            </a:r>
+            <a:r>
+              <a:rPr lang="en-US" altLang="ko-KR" sz="1300" dirty="0" smtClean="0">
+                <a:solidFill>
+                  <a:schemeClr val="bg1"/>
+                </a:solidFill>
+                <a:latin typeface="Adobe 고딕 Std B" panose="020B0800000000000000" pitchFamily="34" charset="-127"/>
+                <a:ea typeface="Adobe 고딕 Std B" panose="020B0800000000000000" pitchFamily="34" charset="-127"/>
+              </a:rPr>
+              <a:t>, </a:t>
+            </a:r>
+            <a:r>
+              <a:rPr lang="ko-KR" altLang="en-US" sz="1300" dirty="0" smtClean="0">
+                <a:solidFill>
+                  <a:schemeClr val="bg1"/>
+                </a:solidFill>
+                <a:latin typeface="Adobe 고딕 Std B" panose="020B0800000000000000" pitchFamily="34" charset="-127"/>
+                <a:ea typeface="Adobe 고딕 Std B" panose="020B0800000000000000" pitchFamily="34" charset="-127"/>
+              </a:rPr>
+              <a:t>창의적인 일에 </a:t>
+            </a:r>
+            <a:r>
+              <a:rPr lang="ko-KR" altLang="en-US" sz="1300" dirty="0" err="1" smtClean="0">
+                <a:solidFill>
+                  <a:schemeClr val="bg1"/>
+                </a:solidFill>
+                <a:latin typeface="Adobe 고딕 Std B" panose="020B0800000000000000" pitchFamily="34" charset="-127"/>
+                <a:ea typeface="Adobe 고딕 Std B" panose="020B0800000000000000" pitchFamily="34" charset="-127"/>
+              </a:rPr>
+              <a:t>서툼</a:t>
+            </a:r>
+            <a:endParaRPr lang="en-US" altLang="ko-KR" sz="1300" dirty="0">
+              <a:solidFill>
+                <a:schemeClr val="bg1"/>
+              </a:solidFill>
+              <a:latin typeface="Adobe 고딕 Std B" panose="020B0800000000000000" pitchFamily="34" charset="-127"/>
+              <a:ea typeface="Adobe 고딕 Std B" panose="020B0800000000000000" pitchFamily="34" charset="-127"/>
+            </a:endParaRPr>
+          </a:p>
+          <a:p>
+            <a:pPr marL="285750" indent="-285750">
+              <a:buFontTx/>
+              <a:buChar char="-"/>
+            </a:pPr>
+            <a:r>
+              <a:rPr lang="ko-KR" altLang="en-US" sz="1300" dirty="0" smtClean="0">
+                <a:solidFill>
+                  <a:schemeClr val="bg1"/>
+                </a:solidFill>
+                <a:latin typeface="Adobe 고딕 Std B" panose="020B0800000000000000" pitchFamily="34" charset="-127"/>
+                <a:ea typeface="Adobe 고딕 Std B" panose="020B0800000000000000" pitchFamily="34" charset="-127"/>
+              </a:rPr>
+              <a:t>불확실하고 애매하며 자주 변화하는 일을 기피</a:t>
+            </a:r>
+            <a:endParaRPr lang="en-US" altLang="ko-KR" sz="1300" dirty="0" smtClean="0">
+              <a:solidFill>
+                <a:schemeClr val="bg1"/>
+              </a:solidFill>
+              <a:latin typeface="Adobe 고딕 Std B" panose="020B0800000000000000" pitchFamily="34" charset="-127"/>
+              <a:ea typeface="Adobe 고딕 Std B" panose="020B0800000000000000" pitchFamily="34" charset="-127"/>
+            </a:endParaRPr>
+          </a:p>
+        </p:txBody>
+      </p:sp>
+      <p:sp>
+        <p:nvSpPr>
+          <p:cNvPr id="31" name="타원형 설명선 30"/>
+          <p:cNvSpPr/>
+          <p:nvPr/>
+        </p:nvSpPr>
+        <p:spPr>
+          <a:xfrm>
+            <a:off x="3743000" y="1791109"/>
+            <a:ext cx="3020291" cy="1086219"/>
+          </a:xfrm>
+          <a:prstGeom prst="wedgeEllipseCallout">
+            <a:avLst/>
+          </a:prstGeom>
+          <a:solidFill>
+            <a:schemeClr val="bg1"/>
+          </a:solidFill>
+          <a:ln>
+            <a:noFill/>
+          </a:ln>
+        </p:spPr>
+        <p:style>
+          <a:lnRef idx="2">
+            <a:schemeClr val="accent1">
+              <a:shade val="50000"/>
+            </a:schemeClr>
+          </a:lnRef>
+          <a:fillRef idx="1">
+            <a:schemeClr val="accent1"/>
+          </a:fillRef>
+          <a:effectRef idx="0">
+            <a:schemeClr val="accent1"/>
+          </a:effectRef>
+          <a:fontRef idx="minor">
+            <a:schemeClr val="lt1"/>
+          </a:fontRef>
+        </p:style>
+        <p:txBody>
+          <a:bodyPr rtlCol="0" anchor="ctr"/>
+          <a:lstStyle/>
+          <a:p>
+            <a:pPr algn="ctr"/>
+            <a:r>
+              <a:rPr lang="ko-KR" altLang="en-US" sz="1300" dirty="0" smtClean="0">
+                <a:solidFill>
+                  <a:schemeClr val="tx1"/>
+                </a:solidFill>
+                <a:latin typeface="Adobe 고딕 Std B" panose="020B0800000000000000" pitchFamily="34" charset="-127"/>
+                <a:ea typeface="Adobe 고딕 Std B" panose="020B0800000000000000" pitchFamily="34" charset="-127"/>
+              </a:rPr>
+              <a:t>직업흥미검사 그래프</a:t>
+            </a:r>
+            <a:endParaRPr lang="ko-KR" altLang="en-US" sz="1300" dirty="0">
+              <a:solidFill>
+                <a:schemeClr val="tx1"/>
+              </a:solidFill>
+              <a:latin typeface="Adobe 고딕 Std B" panose="020B0800000000000000" pitchFamily="34" charset="-127"/>
+              <a:ea typeface="Adobe 고딕 Std B" panose="020B0800000000000000" pitchFamily="34" charset="-127"/>
+            </a:endParaRPr>
+          </a:p>
         </p:txBody>
       </p:sp>
     </p:spTree>
     <p:extLst>
       <p:ext uri="{BB962C8B-B14F-4D97-AF65-F5344CB8AC3E}">
-        <p14:creationId xmlns:p14="http://schemas.microsoft.com/office/powerpoint/2010/main" val="2200675696"/>
+        <p14:creationId xmlns:p14="http://schemas.microsoft.com/office/powerpoint/2010/main" val="2483853850"/>
       </p:ext>
     </p:extLst>
   </p:cSld>
@@ -10420,14 +13236,14 @@
         </p:nvSpPr>
         <p:spPr>
           <a:xfrm>
-            <a:off x="0" y="9235"/>
+            <a:off x="0" y="0"/>
             <a:ext cx="11092873" cy="6858000"/>
           </a:xfrm>
           <a:prstGeom prst="rect">
             <a:avLst/>
           </a:prstGeom>
           <a:solidFill>
-            <a:srgbClr val="BFBFBF"/>
+            <a:srgbClr val="404040"/>
           </a:solidFill>
           <a:ln>
             <a:noFill/>
@@ -10467,7 +13283,7 @@
         <p:spPr>
           <a:xfrm>
             <a:off x="0" y="0"/>
-            <a:ext cx="6163408" cy="1015663"/>
+            <a:ext cx="10295792" cy="1015663"/>
           </a:xfrm>
           <a:prstGeom prst="rect">
             <a:avLst/>
@@ -10481,6 +13297,16 @@
           <a:lstStyle/>
           <a:p>
             <a:r>
+              <a:rPr lang="en-US" altLang="ko-KR" sz="6000" dirty="0" smtClean="0">
+                <a:solidFill>
+                  <a:schemeClr val="bg1"/>
+                </a:solidFill>
+                <a:latin typeface="Adobe 고딕 Std B" panose="020B0800000000000000" pitchFamily="34" charset="-127"/>
+                <a:ea typeface="Adobe 고딕 Std B" panose="020B0800000000000000" pitchFamily="34" charset="-127"/>
+              </a:rPr>
+              <a:t>Contents </a:t>
+            </a:r>
+            <a:r>
               <a:rPr lang="ko-KR" altLang="en-US" sz="6000" dirty="0" smtClean="0">
                 <a:solidFill>
                   <a:schemeClr val="bg1"/>
@@ -10488,7 +13314,37 @@
                 <a:latin typeface="Adobe 고딕 Std B" panose="020B0800000000000000" pitchFamily="34" charset="-127"/>
                 <a:ea typeface="Adobe 고딕 Std B" panose="020B0800000000000000" pitchFamily="34" charset="-127"/>
               </a:rPr>
-              <a:t>컨셉 이미지</a:t>
+              <a:t>구성 </a:t>
+            </a:r>
+            <a:r>
+              <a:rPr lang="en-US" altLang="ko-KR" sz="6000" dirty="0" smtClean="0">
+                <a:solidFill>
+                  <a:schemeClr val="bg1"/>
+                </a:solidFill>
+                <a:latin typeface="Adobe 고딕 Std B" panose="020B0800000000000000" pitchFamily="34" charset="-127"/>
+                <a:ea typeface="Adobe 고딕 Std B" panose="020B0800000000000000" pitchFamily="34" charset="-127"/>
+              </a:rPr>
+              <a:t>(</a:t>
+            </a:r>
+            <a:r>
+              <a:rPr lang="ko-KR" altLang="en-US" sz="6000" dirty="0" smtClean="0">
+                <a:solidFill>
+                  <a:schemeClr val="bg1"/>
+                </a:solidFill>
+                <a:latin typeface="Adobe 고딕 Std B" panose="020B0800000000000000" pitchFamily="34" charset="-127"/>
+                <a:ea typeface="Adobe 고딕 Std B" panose="020B0800000000000000" pitchFamily="34" charset="-127"/>
+              </a:rPr>
+              <a:t>숙련프로그램</a:t>
+            </a:r>
+            <a:r>
+              <a:rPr lang="en-US" altLang="ko-KR" sz="6000" dirty="0" smtClean="0">
+                <a:solidFill>
+                  <a:schemeClr val="bg1"/>
+                </a:solidFill>
+                <a:latin typeface="Adobe 고딕 Std B" panose="020B0800000000000000" pitchFamily="34" charset="-127"/>
+                <a:ea typeface="Adobe 고딕 Std B" panose="020B0800000000000000" pitchFamily="34" charset="-127"/>
+              </a:rPr>
+              <a:t>)</a:t>
             </a:r>
             <a:endParaRPr lang="ko-KR" altLang="en-US" sz="6000" dirty="0">
               <a:solidFill>
@@ -10500,163 +13356,201 @@
           </a:p>
         </p:txBody>
       </p:sp>
-      <p:pic>
-        <p:nvPicPr>
-          <p:cNvPr id="2" name="그림 1"/>
-          <p:cNvPicPr>
-            <a:picLocks noChangeAspect="1"/>
-          </p:cNvPicPr>
-          <p:nvPr/>
-        </p:nvPicPr>
-        <p:blipFill>
-          <a:blip r:embed="rId2">
-            <a:extLst>
-              <a:ext uri="{28A0092B-C50C-407E-A947-70E740481C1C}">
-                <a14:useLocalDpi xmlns:a14="http://schemas.microsoft.com/office/drawing/2010/main" val="0"/>
-              </a:ext>
-            </a:extLst>
-          </a:blip>
-          <a:stretch>
-            <a:fillRect/>
-          </a:stretch>
-        </p:blipFill>
+      <p:sp>
+        <p:nvSpPr>
+          <p:cNvPr id="11" name="직사각형 10"/>
+          <p:cNvSpPr/>
+          <p:nvPr/>
+        </p:nvSpPr>
         <p:spPr>
           <a:xfrm>
-            <a:off x="559745" y="1421941"/>
-            <a:ext cx="5043918" cy="2235659"/>
+            <a:off x="2090436" y="2172172"/>
+            <a:ext cx="6912000" cy="3888000"/>
           </a:xfrm>
           <a:prstGeom prst="rect">
             <a:avLst/>
           </a:prstGeom>
-        </p:spPr>
-      </p:pic>
-      <p:sp>
-        <p:nvSpPr>
-          <p:cNvPr id="4" name="TextBox 3"/>
-          <p:cNvSpPr txBox="1"/>
+          <a:solidFill>
+            <a:srgbClr val="404040"/>
+          </a:solidFill>
+          <a:ln w="22225">
+            <a:solidFill>
+              <a:schemeClr val="bg1"/>
+            </a:solidFill>
+          </a:ln>
+        </p:spPr>
+        <p:style>
+          <a:lnRef idx="2">
+            <a:schemeClr val="accent1">
+              <a:shade val="50000"/>
+            </a:schemeClr>
+          </a:lnRef>
+          <a:fillRef idx="1">
+            <a:schemeClr val="accent1"/>
+          </a:fillRef>
+          <a:effectRef idx="0">
+            <a:schemeClr val="accent1"/>
+          </a:effectRef>
+          <a:fontRef idx="minor">
+            <a:schemeClr val="lt1"/>
+          </a:fontRef>
+        </p:style>
+        <p:txBody>
+          <a:bodyPr rtlCol="0" anchor="ctr"/>
+          <a:lstStyle/>
+          <a:p>
+            <a:pPr algn="ctr"/>
+            <a:endParaRPr lang="ko-KR" altLang="en-US" dirty="0">
+              <a:solidFill>
+                <a:schemeClr val="bg1"/>
+              </a:solidFill>
+            </a:endParaRPr>
+          </a:p>
+        </p:txBody>
+      </p:sp>
+      <p:sp>
+        <p:nvSpPr>
+          <p:cNvPr id="12" name="직사각형 11"/>
+          <p:cNvSpPr/>
           <p:nvPr/>
         </p:nvSpPr>
         <p:spPr>
           <a:xfrm>
-            <a:off x="5996325" y="1421941"/>
-            <a:ext cx="4267279" cy="1477328"/>
+            <a:off x="2090436" y="2172172"/>
+            <a:ext cx="6912000" cy="288000"/>
           </a:xfrm>
           <a:prstGeom prst="rect">
             <a:avLst/>
           </a:prstGeom>
-          <a:noFill/>
-        </p:spPr>
-        <p:txBody>
-          <a:bodyPr wrap="square" rtlCol="0">
-            <a:spAutoFit/>
-          </a:bodyPr>
-          <a:lstStyle/>
-          <a:p>
-            <a:r>
-              <a:rPr lang="en-US" altLang="ko-KR" dirty="0">
-                <a:hlinkClick r:id="rId3"/>
-              </a:rPr>
-              <a:t>https://preview.themeforest.net/item/markone-onepage-resume-html-template/full_screen_preview/19822405?_ga=2.95863259.612461164.1566780289-1184936057.1566377612</a:t>
-            </a:r>
-            <a:endParaRPr lang="ko-KR" altLang="en-US" dirty="0"/>
-          </a:p>
-        </p:txBody>
-      </p:sp>
-      <p:pic>
-        <p:nvPicPr>
-          <p:cNvPr id="6" name="그림 5"/>
-          <p:cNvPicPr>
-            <a:picLocks noChangeAspect="1"/>
-          </p:cNvPicPr>
-          <p:nvPr/>
-        </p:nvPicPr>
-        <p:blipFill>
-          <a:blip r:embed="rId4" cstate="print">
-            <a:extLst>
-              <a:ext uri="{28A0092B-C50C-407E-A947-70E740481C1C}">
-                <a14:useLocalDpi xmlns:a14="http://schemas.microsoft.com/office/drawing/2010/main" val="0"/>
-              </a:ext>
-            </a:extLst>
-          </a:blip>
-          <a:stretch>
-            <a:fillRect/>
-          </a:stretch>
-        </p:blipFill>
-        <p:spPr>
-          <a:xfrm>
-            <a:off x="5996325" y="3870410"/>
-            <a:ext cx="4267279" cy="2694357"/>
-          </a:xfrm>
-          <a:prstGeom prst="rect">
-            <a:avLst/>
-          </a:prstGeom>
-        </p:spPr>
-      </p:pic>
-      <p:sp>
-        <p:nvSpPr>
-          <p:cNvPr id="11" name="TextBox 10"/>
-          <p:cNvSpPr txBox="1"/>
-          <p:nvPr/>
-        </p:nvSpPr>
-        <p:spPr>
-          <a:xfrm>
-            <a:off x="559745" y="3870410"/>
-            <a:ext cx="5043918" cy="646331"/>
-          </a:xfrm>
-          <a:prstGeom prst="rect">
-            <a:avLst/>
-          </a:prstGeom>
-          <a:noFill/>
-        </p:spPr>
-        <p:txBody>
-          <a:bodyPr wrap="square" rtlCol="0">
-            <a:spAutoFit/>
-          </a:bodyPr>
-          <a:lstStyle/>
-          <a:p>
-            <a:r>
-              <a:rPr lang="en-US" altLang="ko-KR">
-                <a:hlinkClick r:id="rId5"/>
-              </a:rPr>
-              <a:t>https://pennyblacktemplates.com/demo/ws/feather/dark-demo/resume-center-content.html</a:t>
-            </a:r>
-            <a:endParaRPr lang="ko-KR" altLang="en-US" dirty="0"/>
-          </a:p>
-        </p:txBody>
-      </p:sp>
-      <p:sp>
-        <p:nvSpPr>
-          <p:cNvPr id="5" name="TextBox 4"/>
-          <p:cNvSpPr txBox="1"/>
-          <p:nvPr/>
-        </p:nvSpPr>
-        <p:spPr>
-          <a:xfrm>
-            <a:off x="559745" y="5293413"/>
-            <a:ext cx="5114136" cy="523220"/>
-          </a:xfrm>
-          <a:prstGeom prst="rect">
-            <a:avLst/>
-          </a:prstGeom>
-          <a:noFill/>
-        </p:spPr>
-        <p:txBody>
-          <a:bodyPr wrap="square" rtlCol="0">
-            <a:spAutoFit/>
-          </a:bodyPr>
-          <a:lstStyle/>
-          <a:p>
-            <a:r>
-              <a:rPr lang="ko-KR" altLang="en-US" sz="2800" dirty="0" smtClean="0">
-                <a:solidFill>
-                  <a:schemeClr val="bg1"/>
-                </a:solidFill>
-                <a:latin typeface="Adobe 고딕 Std B" panose="020B0800000000000000" pitchFamily="34" charset="-127"/>
-                <a:ea typeface="Adobe 고딕 Std B" panose="020B0800000000000000" pitchFamily="34" charset="-127"/>
-              </a:rPr>
-              <a:t>이렇게 깔끔한 느낌으로</a:t>
-            </a:r>
-            <a:endParaRPr lang="ko-KR" altLang="en-US" sz="2800" dirty="0">
+          <a:solidFill>
+            <a:srgbClr val="000000"/>
+          </a:solidFill>
+          <a:ln>
+            <a:noFill/>
+          </a:ln>
+        </p:spPr>
+        <p:style>
+          <a:lnRef idx="2">
+            <a:schemeClr val="accent1">
+              <a:shade val="50000"/>
+            </a:schemeClr>
+          </a:lnRef>
+          <a:fillRef idx="1">
+            <a:schemeClr val="accent1"/>
+          </a:fillRef>
+          <a:effectRef idx="0">
+            <a:schemeClr val="accent1"/>
+          </a:effectRef>
+          <a:fontRef idx="minor">
+            <a:schemeClr val="lt1"/>
+          </a:fontRef>
+        </p:style>
+        <p:txBody>
+          <a:bodyPr rtlCol="0" anchor="ctr"/>
+          <a:lstStyle/>
+          <a:p>
+            <a:pPr algn="ctr"/>
+            <a:r>
+              <a:rPr lang="ko-KR" altLang="en-US" sz="1500" dirty="0" smtClean="0">
+                <a:solidFill>
+                  <a:schemeClr val="bg1"/>
+                </a:solidFill>
+                <a:latin typeface="Adobe 고딕 Std B" panose="020B0800000000000000" pitchFamily="34" charset="-127"/>
+                <a:ea typeface="Adobe 고딕 Std B" panose="020B0800000000000000" pitchFamily="34" charset="-127"/>
+              </a:rPr>
+              <a:t>프로필   </a:t>
+            </a:r>
+            <a:r>
+              <a:rPr lang="en-US" altLang="ko-KR" sz="1500" dirty="0" smtClean="0">
+                <a:solidFill>
+                  <a:schemeClr val="bg1"/>
+                </a:solidFill>
+                <a:latin typeface="Adobe 고딕 Std B" panose="020B0800000000000000" pitchFamily="34" charset="-127"/>
+                <a:ea typeface="Adobe 고딕 Std B" panose="020B0800000000000000" pitchFamily="34" charset="-127"/>
+              </a:rPr>
+              <a:t>/   </a:t>
+            </a:r>
+            <a:r>
+              <a:rPr lang="ko-KR" altLang="en-US" sz="1500" dirty="0" smtClean="0">
+                <a:solidFill>
+                  <a:schemeClr val="bg1"/>
+                </a:solidFill>
+                <a:latin typeface="Adobe 고딕 Std B" panose="020B0800000000000000" pitchFamily="34" charset="-127"/>
+                <a:ea typeface="Adobe 고딕 Std B" panose="020B0800000000000000" pitchFamily="34" charset="-127"/>
+              </a:rPr>
+              <a:t>직업흥미검사   </a:t>
+            </a:r>
+            <a:r>
+              <a:rPr lang="en-US" altLang="ko-KR" sz="1500" dirty="0" smtClean="0">
+                <a:solidFill>
+                  <a:schemeClr val="bg1"/>
+                </a:solidFill>
+                <a:latin typeface="Adobe 고딕 Std B" panose="020B0800000000000000" pitchFamily="34" charset="-127"/>
+                <a:ea typeface="Adobe 고딕 Std B" panose="020B0800000000000000" pitchFamily="34" charset="-127"/>
+              </a:rPr>
+              <a:t>/   </a:t>
+            </a:r>
+            <a:r>
+              <a:rPr lang="ko-KR" altLang="en-US" sz="1500" dirty="0" smtClean="0">
+                <a:solidFill>
+                  <a:schemeClr val="bg1"/>
+                </a:solidFill>
+                <a:latin typeface="Adobe 고딕 Std B" panose="020B0800000000000000" pitchFamily="34" charset="-127"/>
+                <a:ea typeface="Adobe 고딕 Std B" panose="020B0800000000000000" pitchFamily="34" charset="-127"/>
+              </a:rPr>
+              <a:t>숙련 프로그램   </a:t>
+            </a:r>
+            <a:r>
+              <a:rPr lang="en-US" altLang="ko-KR" sz="1500" dirty="0" smtClean="0">
+                <a:solidFill>
+                  <a:schemeClr val="bg1"/>
+                </a:solidFill>
+                <a:latin typeface="Adobe 고딕 Std B" panose="020B0800000000000000" pitchFamily="34" charset="-127"/>
+                <a:ea typeface="Adobe 고딕 Std B" panose="020B0800000000000000" pitchFamily="34" charset="-127"/>
+              </a:rPr>
+              <a:t>/   </a:t>
+            </a:r>
+            <a:r>
+              <a:rPr lang="ko-KR" altLang="en-US" sz="1500" dirty="0" smtClean="0">
+                <a:solidFill>
+                  <a:schemeClr val="bg1"/>
+                </a:solidFill>
+                <a:latin typeface="Adobe 고딕 Std B" panose="020B0800000000000000" pitchFamily="34" charset="-127"/>
+                <a:ea typeface="Adobe 고딕 Std B" panose="020B0800000000000000" pitchFamily="34" charset="-127"/>
+              </a:rPr>
+              <a:t>관심사와 목표   </a:t>
+            </a:r>
+            <a:r>
+              <a:rPr lang="en-US" altLang="ko-KR" sz="1500" dirty="0" smtClean="0">
+                <a:solidFill>
+                  <a:schemeClr val="bg1"/>
+                </a:solidFill>
+                <a:latin typeface="Adobe 고딕 Std B" panose="020B0800000000000000" pitchFamily="34" charset="-127"/>
+                <a:ea typeface="Adobe 고딕 Std B" panose="020B0800000000000000" pitchFamily="34" charset="-127"/>
+              </a:rPr>
+              <a:t>/   </a:t>
+            </a:r>
+            <a:r>
+              <a:rPr lang="ko-KR" altLang="en-US" sz="1500" dirty="0" smtClean="0">
+                <a:solidFill>
+                  <a:schemeClr val="bg1"/>
+                </a:solidFill>
+                <a:latin typeface="Adobe 고딕 Std B" panose="020B0800000000000000" pitchFamily="34" charset="-127"/>
+                <a:ea typeface="Adobe 고딕 Std B" panose="020B0800000000000000" pitchFamily="34" charset="-127"/>
+              </a:rPr>
+              <a:t>연락처</a:t>
+            </a:r>
+            <a:r>
+              <a:rPr lang="en-US" altLang="ko-KR" sz="1500" dirty="0" smtClean="0">
+                <a:solidFill>
+                  <a:schemeClr val="bg1"/>
+                </a:solidFill>
+                <a:latin typeface="Adobe 고딕 Std B" panose="020B0800000000000000" pitchFamily="34" charset="-127"/>
+                <a:ea typeface="Adobe 고딕 Std B" panose="020B0800000000000000" pitchFamily="34" charset="-127"/>
+              </a:rPr>
+              <a:t>  </a:t>
+            </a:r>
+            <a:endParaRPr lang="ko-KR" altLang="en-US" sz="1500" dirty="0">
               <a:solidFill>
                 <a:schemeClr val="bg1"/>
               </a:solidFill>
@@ -10666,10 +13560,1183 @@
           </a:p>
         </p:txBody>
       </p:sp>
+      <p:sp>
+        <p:nvSpPr>
+          <p:cNvPr id="10" name="직사각형 9"/>
+          <p:cNvSpPr/>
+          <p:nvPr/>
+        </p:nvSpPr>
+        <p:spPr>
+          <a:xfrm>
+            <a:off x="3548436" y="2640172"/>
+            <a:ext cx="3996000" cy="3420000"/>
+          </a:xfrm>
+          <a:prstGeom prst="rect">
+            <a:avLst/>
+          </a:prstGeom>
+          <a:solidFill>
+            <a:srgbClr val="404040"/>
+          </a:solidFill>
+          <a:ln>
+            <a:noFill/>
+          </a:ln>
+        </p:spPr>
+        <p:style>
+          <a:lnRef idx="2">
+            <a:schemeClr val="accent1">
+              <a:shade val="50000"/>
+            </a:schemeClr>
+          </a:lnRef>
+          <a:fillRef idx="1">
+            <a:schemeClr val="accent1"/>
+          </a:fillRef>
+          <a:effectRef idx="0">
+            <a:schemeClr val="accent1"/>
+          </a:effectRef>
+          <a:fontRef idx="minor">
+            <a:schemeClr val="lt1"/>
+          </a:fontRef>
+        </p:style>
+        <p:txBody>
+          <a:bodyPr rtlCol="0" anchor="ctr"/>
+          <a:lstStyle/>
+          <a:p>
+            <a:pPr algn="ctr"/>
+            <a:endParaRPr lang="ko-KR" altLang="en-US"/>
+          </a:p>
+        </p:txBody>
+      </p:sp>
+      <p:sp>
+        <p:nvSpPr>
+          <p:cNvPr id="14" name="직사각형 13"/>
+          <p:cNvSpPr/>
+          <p:nvPr/>
+        </p:nvSpPr>
+        <p:spPr>
+          <a:xfrm>
+            <a:off x="3548436" y="3380416"/>
+            <a:ext cx="1332000" cy="1332000"/>
+          </a:xfrm>
+          <a:prstGeom prst="rect">
+            <a:avLst/>
+          </a:prstGeom>
+          <a:solidFill>
+            <a:srgbClr val="404040"/>
+          </a:solidFill>
+          <a:ln>
+            <a:solidFill>
+              <a:schemeClr val="bg1"/>
+            </a:solidFill>
+          </a:ln>
+        </p:spPr>
+        <p:style>
+          <a:lnRef idx="2">
+            <a:schemeClr val="accent1">
+              <a:shade val="50000"/>
+            </a:schemeClr>
+          </a:lnRef>
+          <a:fillRef idx="1">
+            <a:schemeClr val="accent1"/>
+          </a:fillRef>
+          <a:effectRef idx="0">
+            <a:schemeClr val="accent1"/>
+          </a:effectRef>
+          <a:fontRef idx="minor">
+            <a:schemeClr val="lt1"/>
+          </a:fontRef>
+        </p:style>
+        <p:txBody>
+          <a:bodyPr rtlCol="0" anchor="ctr"/>
+          <a:lstStyle/>
+          <a:p>
+            <a:pPr algn="ctr"/>
+            <a:endParaRPr lang="ko-KR" altLang="en-US"/>
+          </a:p>
+        </p:txBody>
+      </p:sp>
+      <p:cxnSp>
+        <p:nvCxnSpPr>
+          <p:cNvPr id="18" name="직선 연결선 17"/>
+          <p:cNvCxnSpPr/>
+          <p:nvPr/>
+        </p:nvCxnSpPr>
+        <p:spPr>
+          <a:xfrm>
+            <a:off x="3548435" y="3372539"/>
+            <a:ext cx="1332001" cy="1339877"/>
+          </a:xfrm>
+          <a:prstGeom prst="line">
+            <a:avLst/>
+          </a:prstGeom>
+          <a:ln>
+            <a:solidFill>
+              <a:schemeClr val="bg1"/>
+            </a:solidFill>
+          </a:ln>
+        </p:spPr>
+        <p:style>
+          <a:lnRef idx="1">
+            <a:schemeClr val="accent1"/>
+          </a:lnRef>
+          <a:fillRef idx="0">
+            <a:schemeClr val="accent1"/>
+          </a:fillRef>
+          <a:effectRef idx="0">
+            <a:schemeClr val="accent1"/>
+          </a:effectRef>
+          <a:fontRef idx="minor">
+            <a:schemeClr val="tx1"/>
+          </a:fontRef>
+        </p:style>
+      </p:cxnSp>
+      <p:cxnSp>
+        <p:nvCxnSpPr>
+          <p:cNvPr id="20" name="직선 연결선 19"/>
+          <p:cNvCxnSpPr/>
+          <p:nvPr/>
+        </p:nvCxnSpPr>
+        <p:spPr>
+          <a:xfrm flipH="1">
+            <a:off x="3548435" y="3372538"/>
+            <a:ext cx="1332002" cy="1347756"/>
+          </a:xfrm>
+          <a:prstGeom prst="line">
+            <a:avLst/>
+          </a:prstGeom>
+          <a:ln>
+            <a:solidFill>
+              <a:schemeClr val="bg1"/>
+            </a:solidFill>
+          </a:ln>
+        </p:spPr>
+        <p:style>
+          <a:lnRef idx="1">
+            <a:schemeClr val="accent1"/>
+          </a:lnRef>
+          <a:fillRef idx="0">
+            <a:schemeClr val="accent1"/>
+          </a:fillRef>
+          <a:effectRef idx="0">
+            <a:schemeClr val="accent1"/>
+          </a:effectRef>
+          <a:fontRef idx="minor">
+            <a:schemeClr val="tx1"/>
+          </a:fontRef>
+        </p:style>
+      </p:cxnSp>
+      <p:sp>
+        <p:nvSpPr>
+          <p:cNvPr id="19" name="직사각형 18"/>
+          <p:cNvSpPr/>
+          <p:nvPr/>
+        </p:nvSpPr>
+        <p:spPr>
+          <a:xfrm>
+            <a:off x="4880436" y="3380416"/>
+            <a:ext cx="1332000" cy="1332000"/>
+          </a:xfrm>
+          <a:prstGeom prst="rect">
+            <a:avLst/>
+          </a:prstGeom>
+          <a:solidFill>
+            <a:srgbClr val="404040"/>
+          </a:solidFill>
+          <a:ln>
+            <a:solidFill>
+              <a:schemeClr val="bg1"/>
+            </a:solidFill>
+          </a:ln>
+        </p:spPr>
+        <p:style>
+          <a:lnRef idx="2">
+            <a:schemeClr val="accent1">
+              <a:shade val="50000"/>
+            </a:schemeClr>
+          </a:lnRef>
+          <a:fillRef idx="1">
+            <a:schemeClr val="accent1"/>
+          </a:fillRef>
+          <a:effectRef idx="0">
+            <a:schemeClr val="accent1"/>
+          </a:effectRef>
+          <a:fontRef idx="minor">
+            <a:schemeClr val="lt1"/>
+          </a:fontRef>
+        </p:style>
+        <p:txBody>
+          <a:bodyPr rtlCol="0" anchor="ctr"/>
+          <a:lstStyle/>
+          <a:p>
+            <a:pPr algn="ctr"/>
+            <a:endParaRPr lang="ko-KR" altLang="en-US"/>
+          </a:p>
+        </p:txBody>
+      </p:sp>
+      <p:cxnSp>
+        <p:nvCxnSpPr>
+          <p:cNvPr id="23" name="직선 연결선 22"/>
+          <p:cNvCxnSpPr/>
+          <p:nvPr/>
+        </p:nvCxnSpPr>
+        <p:spPr>
+          <a:xfrm>
+            <a:off x="4880435" y="3372539"/>
+            <a:ext cx="1332001" cy="1339877"/>
+          </a:xfrm>
+          <a:prstGeom prst="line">
+            <a:avLst/>
+          </a:prstGeom>
+          <a:ln>
+            <a:solidFill>
+              <a:schemeClr val="bg1"/>
+            </a:solidFill>
+          </a:ln>
+        </p:spPr>
+        <p:style>
+          <a:lnRef idx="1">
+            <a:schemeClr val="accent1"/>
+          </a:lnRef>
+          <a:fillRef idx="0">
+            <a:schemeClr val="accent1"/>
+          </a:fillRef>
+          <a:effectRef idx="0">
+            <a:schemeClr val="accent1"/>
+          </a:effectRef>
+          <a:fontRef idx="minor">
+            <a:schemeClr val="tx1"/>
+          </a:fontRef>
+        </p:style>
+      </p:cxnSp>
+      <p:cxnSp>
+        <p:nvCxnSpPr>
+          <p:cNvPr id="24" name="직선 연결선 23"/>
+          <p:cNvCxnSpPr/>
+          <p:nvPr/>
+        </p:nvCxnSpPr>
+        <p:spPr>
+          <a:xfrm flipH="1">
+            <a:off x="4880435" y="3372538"/>
+            <a:ext cx="1332002" cy="1355634"/>
+          </a:xfrm>
+          <a:prstGeom prst="line">
+            <a:avLst/>
+          </a:prstGeom>
+          <a:ln>
+            <a:solidFill>
+              <a:schemeClr val="bg1"/>
+            </a:solidFill>
+          </a:ln>
+        </p:spPr>
+        <p:style>
+          <a:lnRef idx="1">
+            <a:schemeClr val="accent1"/>
+          </a:lnRef>
+          <a:fillRef idx="0">
+            <a:schemeClr val="accent1"/>
+          </a:fillRef>
+          <a:effectRef idx="0">
+            <a:schemeClr val="accent1"/>
+          </a:effectRef>
+          <a:fontRef idx="minor">
+            <a:schemeClr val="tx1"/>
+          </a:fontRef>
+        </p:style>
+      </p:cxnSp>
+      <p:sp>
+        <p:nvSpPr>
+          <p:cNvPr id="46" name="직사각형 45"/>
+          <p:cNvSpPr/>
+          <p:nvPr/>
+        </p:nvSpPr>
+        <p:spPr>
+          <a:xfrm>
+            <a:off x="6212435" y="3384356"/>
+            <a:ext cx="1332000" cy="1332000"/>
+          </a:xfrm>
+          <a:prstGeom prst="rect">
+            <a:avLst/>
+          </a:prstGeom>
+          <a:solidFill>
+            <a:srgbClr val="404040"/>
+          </a:solidFill>
+          <a:ln>
+            <a:solidFill>
+              <a:schemeClr val="bg1"/>
+            </a:solidFill>
+          </a:ln>
+        </p:spPr>
+        <p:style>
+          <a:lnRef idx="2">
+            <a:schemeClr val="accent1">
+              <a:shade val="50000"/>
+            </a:schemeClr>
+          </a:lnRef>
+          <a:fillRef idx="1">
+            <a:schemeClr val="accent1"/>
+          </a:fillRef>
+          <a:effectRef idx="0">
+            <a:schemeClr val="accent1"/>
+          </a:effectRef>
+          <a:fontRef idx="minor">
+            <a:schemeClr val="lt1"/>
+          </a:fontRef>
+        </p:style>
+        <p:txBody>
+          <a:bodyPr rtlCol="0" anchor="ctr"/>
+          <a:lstStyle/>
+          <a:p>
+            <a:pPr algn="ctr"/>
+            <a:endParaRPr lang="ko-KR" altLang="en-US"/>
+          </a:p>
+        </p:txBody>
+      </p:sp>
+      <p:cxnSp>
+        <p:nvCxnSpPr>
+          <p:cNvPr id="47" name="직선 연결선 46"/>
+          <p:cNvCxnSpPr/>
+          <p:nvPr/>
+        </p:nvCxnSpPr>
+        <p:spPr>
+          <a:xfrm>
+            <a:off x="6212434" y="3376479"/>
+            <a:ext cx="1332001" cy="1339877"/>
+          </a:xfrm>
+          <a:prstGeom prst="line">
+            <a:avLst/>
+          </a:prstGeom>
+          <a:ln>
+            <a:solidFill>
+              <a:schemeClr val="bg1"/>
+            </a:solidFill>
+          </a:ln>
+        </p:spPr>
+        <p:style>
+          <a:lnRef idx="1">
+            <a:schemeClr val="accent1"/>
+          </a:lnRef>
+          <a:fillRef idx="0">
+            <a:schemeClr val="accent1"/>
+          </a:fillRef>
+          <a:effectRef idx="0">
+            <a:schemeClr val="accent1"/>
+          </a:effectRef>
+          <a:fontRef idx="minor">
+            <a:schemeClr val="tx1"/>
+          </a:fontRef>
+        </p:style>
+      </p:cxnSp>
+      <p:cxnSp>
+        <p:nvCxnSpPr>
+          <p:cNvPr id="48" name="직선 연결선 47"/>
+          <p:cNvCxnSpPr/>
+          <p:nvPr/>
+        </p:nvCxnSpPr>
+        <p:spPr>
+          <a:xfrm flipH="1">
+            <a:off x="6212434" y="3376478"/>
+            <a:ext cx="1332002" cy="1355634"/>
+          </a:xfrm>
+          <a:prstGeom prst="line">
+            <a:avLst/>
+          </a:prstGeom>
+          <a:ln>
+            <a:solidFill>
+              <a:schemeClr val="bg1"/>
+            </a:solidFill>
+          </a:ln>
+        </p:spPr>
+        <p:style>
+          <a:lnRef idx="1">
+            <a:schemeClr val="accent1"/>
+          </a:lnRef>
+          <a:fillRef idx="0">
+            <a:schemeClr val="accent1"/>
+          </a:fillRef>
+          <a:effectRef idx="0">
+            <a:schemeClr val="accent1"/>
+          </a:effectRef>
+          <a:fontRef idx="minor">
+            <a:schemeClr val="tx1"/>
+          </a:fontRef>
+        </p:style>
+      </p:cxnSp>
+      <p:sp>
+        <p:nvSpPr>
+          <p:cNvPr id="49" name="직사각형 48"/>
+          <p:cNvSpPr/>
+          <p:nvPr/>
+        </p:nvSpPr>
+        <p:spPr>
+          <a:xfrm>
+            <a:off x="3548433" y="4712416"/>
+            <a:ext cx="1332000" cy="1332000"/>
+          </a:xfrm>
+          <a:prstGeom prst="rect">
+            <a:avLst/>
+          </a:prstGeom>
+          <a:solidFill>
+            <a:srgbClr val="404040"/>
+          </a:solidFill>
+          <a:ln>
+            <a:solidFill>
+              <a:schemeClr val="bg1"/>
+            </a:solidFill>
+          </a:ln>
+        </p:spPr>
+        <p:style>
+          <a:lnRef idx="2">
+            <a:schemeClr val="accent1">
+              <a:shade val="50000"/>
+            </a:schemeClr>
+          </a:lnRef>
+          <a:fillRef idx="1">
+            <a:schemeClr val="accent1"/>
+          </a:fillRef>
+          <a:effectRef idx="0">
+            <a:schemeClr val="accent1"/>
+          </a:effectRef>
+          <a:fontRef idx="minor">
+            <a:schemeClr val="lt1"/>
+          </a:fontRef>
+        </p:style>
+        <p:txBody>
+          <a:bodyPr rtlCol="0" anchor="ctr"/>
+          <a:lstStyle/>
+          <a:p>
+            <a:pPr algn="ctr"/>
+            <a:endParaRPr lang="ko-KR" altLang="en-US"/>
+          </a:p>
+        </p:txBody>
+      </p:sp>
+      <p:cxnSp>
+        <p:nvCxnSpPr>
+          <p:cNvPr id="50" name="직선 연결선 49"/>
+          <p:cNvCxnSpPr/>
+          <p:nvPr/>
+        </p:nvCxnSpPr>
+        <p:spPr>
+          <a:xfrm>
+            <a:off x="3548432" y="4704539"/>
+            <a:ext cx="1332001" cy="1339877"/>
+          </a:xfrm>
+          <a:prstGeom prst="line">
+            <a:avLst/>
+          </a:prstGeom>
+          <a:ln>
+            <a:solidFill>
+              <a:schemeClr val="bg1"/>
+            </a:solidFill>
+          </a:ln>
+        </p:spPr>
+        <p:style>
+          <a:lnRef idx="1">
+            <a:schemeClr val="accent1"/>
+          </a:lnRef>
+          <a:fillRef idx="0">
+            <a:schemeClr val="accent1"/>
+          </a:fillRef>
+          <a:effectRef idx="0">
+            <a:schemeClr val="accent1"/>
+          </a:effectRef>
+          <a:fontRef idx="minor">
+            <a:schemeClr val="tx1"/>
+          </a:fontRef>
+        </p:style>
+      </p:cxnSp>
+      <p:cxnSp>
+        <p:nvCxnSpPr>
+          <p:cNvPr id="51" name="직선 연결선 50"/>
+          <p:cNvCxnSpPr/>
+          <p:nvPr/>
+        </p:nvCxnSpPr>
+        <p:spPr>
+          <a:xfrm flipH="1">
+            <a:off x="3548432" y="4704538"/>
+            <a:ext cx="1332002" cy="1355634"/>
+          </a:xfrm>
+          <a:prstGeom prst="line">
+            <a:avLst/>
+          </a:prstGeom>
+          <a:ln>
+            <a:solidFill>
+              <a:schemeClr val="bg1"/>
+            </a:solidFill>
+          </a:ln>
+        </p:spPr>
+        <p:style>
+          <a:lnRef idx="1">
+            <a:schemeClr val="accent1"/>
+          </a:lnRef>
+          <a:fillRef idx="0">
+            <a:schemeClr val="accent1"/>
+          </a:fillRef>
+          <a:effectRef idx="0">
+            <a:schemeClr val="accent1"/>
+          </a:effectRef>
+          <a:fontRef idx="minor">
+            <a:schemeClr val="tx1"/>
+          </a:fontRef>
+        </p:style>
+      </p:cxnSp>
+      <p:sp>
+        <p:nvSpPr>
+          <p:cNvPr id="55" name="직사각형 54"/>
+          <p:cNvSpPr/>
+          <p:nvPr/>
+        </p:nvSpPr>
+        <p:spPr>
+          <a:xfrm>
+            <a:off x="4880430" y="4708477"/>
+            <a:ext cx="1332000" cy="1332000"/>
+          </a:xfrm>
+          <a:prstGeom prst="rect">
+            <a:avLst/>
+          </a:prstGeom>
+          <a:solidFill>
+            <a:srgbClr val="404040"/>
+          </a:solidFill>
+          <a:ln>
+            <a:solidFill>
+              <a:schemeClr val="bg1"/>
+            </a:solidFill>
+          </a:ln>
+        </p:spPr>
+        <p:style>
+          <a:lnRef idx="2">
+            <a:schemeClr val="accent1">
+              <a:shade val="50000"/>
+            </a:schemeClr>
+          </a:lnRef>
+          <a:fillRef idx="1">
+            <a:schemeClr val="accent1"/>
+          </a:fillRef>
+          <a:effectRef idx="0">
+            <a:schemeClr val="accent1"/>
+          </a:effectRef>
+          <a:fontRef idx="minor">
+            <a:schemeClr val="lt1"/>
+          </a:fontRef>
+        </p:style>
+        <p:txBody>
+          <a:bodyPr rtlCol="0" anchor="ctr"/>
+          <a:lstStyle/>
+          <a:p>
+            <a:pPr algn="ctr"/>
+            <a:endParaRPr lang="ko-KR" altLang="en-US"/>
+          </a:p>
+        </p:txBody>
+      </p:sp>
+      <p:cxnSp>
+        <p:nvCxnSpPr>
+          <p:cNvPr id="56" name="직선 연결선 55"/>
+          <p:cNvCxnSpPr/>
+          <p:nvPr/>
+        </p:nvCxnSpPr>
+        <p:spPr>
+          <a:xfrm>
+            <a:off x="4880429" y="4700600"/>
+            <a:ext cx="1332001" cy="1339877"/>
+          </a:xfrm>
+          <a:prstGeom prst="line">
+            <a:avLst/>
+          </a:prstGeom>
+          <a:ln>
+            <a:solidFill>
+              <a:schemeClr val="bg1"/>
+            </a:solidFill>
+          </a:ln>
+        </p:spPr>
+        <p:style>
+          <a:lnRef idx="1">
+            <a:schemeClr val="accent1"/>
+          </a:lnRef>
+          <a:fillRef idx="0">
+            <a:schemeClr val="accent1"/>
+          </a:fillRef>
+          <a:effectRef idx="0">
+            <a:schemeClr val="accent1"/>
+          </a:effectRef>
+          <a:fontRef idx="minor">
+            <a:schemeClr val="tx1"/>
+          </a:fontRef>
+        </p:style>
+      </p:cxnSp>
+      <p:cxnSp>
+        <p:nvCxnSpPr>
+          <p:cNvPr id="57" name="직선 연결선 56"/>
+          <p:cNvCxnSpPr/>
+          <p:nvPr/>
+        </p:nvCxnSpPr>
+        <p:spPr>
+          <a:xfrm flipH="1">
+            <a:off x="4880429" y="4700599"/>
+            <a:ext cx="1332002" cy="1355634"/>
+          </a:xfrm>
+          <a:prstGeom prst="line">
+            <a:avLst/>
+          </a:prstGeom>
+          <a:ln>
+            <a:solidFill>
+              <a:schemeClr val="bg1"/>
+            </a:solidFill>
+          </a:ln>
+        </p:spPr>
+        <p:style>
+          <a:lnRef idx="1">
+            <a:schemeClr val="accent1"/>
+          </a:lnRef>
+          <a:fillRef idx="0">
+            <a:schemeClr val="accent1"/>
+          </a:fillRef>
+          <a:effectRef idx="0">
+            <a:schemeClr val="accent1"/>
+          </a:effectRef>
+          <a:fontRef idx="minor">
+            <a:schemeClr val="tx1"/>
+          </a:fontRef>
+        </p:style>
+      </p:cxnSp>
+      <p:sp>
+        <p:nvSpPr>
+          <p:cNvPr id="58" name="직사각형 57"/>
+          <p:cNvSpPr/>
+          <p:nvPr/>
+        </p:nvSpPr>
+        <p:spPr>
+          <a:xfrm>
+            <a:off x="6212435" y="4705705"/>
+            <a:ext cx="1332000" cy="1332000"/>
+          </a:xfrm>
+          <a:prstGeom prst="rect">
+            <a:avLst/>
+          </a:prstGeom>
+          <a:solidFill>
+            <a:srgbClr val="404040"/>
+          </a:solidFill>
+          <a:ln>
+            <a:solidFill>
+              <a:schemeClr val="bg1"/>
+            </a:solidFill>
+          </a:ln>
+        </p:spPr>
+        <p:style>
+          <a:lnRef idx="2">
+            <a:schemeClr val="accent1">
+              <a:shade val="50000"/>
+            </a:schemeClr>
+          </a:lnRef>
+          <a:fillRef idx="1">
+            <a:schemeClr val="accent1"/>
+          </a:fillRef>
+          <a:effectRef idx="0">
+            <a:schemeClr val="accent1"/>
+          </a:effectRef>
+          <a:fontRef idx="minor">
+            <a:schemeClr val="lt1"/>
+          </a:fontRef>
+        </p:style>
+        <p:txBody>
+          <a:bodyPr rtlCol="0" anchor="ctr"/>
+          <a:lstStyle/>
+          <a:p>
+            <a:pPr algn="ctr"/>
+            <a:endParaRPr lang="ko-KR" altLang="en-US"/>
+          </a:p>
+        </p:txBody>
+      </p:sp>
+      <p:cxnSp>
+        <p:nvCxnSpPr>
+          <p:cNvPr id="59" name="직선 연결선 58"/>
+          <p:cNvCxnSpPr/>
+          <p:nvPr/>
+        </p:nvCxnSpPr>
+        <p:spPr>
+          <a:xfrm>
+            <a:off x="6212434" y="4697828"/>
+            <a:ext cx="1332001" cy="1339877"/>
+          </a:xfrm>
+          <a:prstGeom prst="line">
+            <a:avLst/>
+          </a:prstGeom>
+          <a:ln>
+            <a:solidFill>
+              <a:schemeClr val="bg1"/>
+            </a:solidFill>
+          </a:ln>
+        </p:spPr>
+        <p:style>
+          <a:lnRef idx="1">
+            <a:schemeClr val="accent1"/>
+          </a:lnRef>
+          <a:fillRef idx="0">
+            <a:schemeClr val="accent1"/>
+          </a:fillRef>
+          <a:effectRef idx="0">
+            <a:schemeClr val="accent1"/>
+          </a:effectRef>
+          <a:fontRef idx="minor">
+            <a:schemeClr val="tx1"/>
+          </a:fontRef>
+        </p:style>
+      </p:cxnSp>
+      <p:cxnSp>
+        <p:nvCxnSpPr>
+          <p:cNvPr id="60" name="직선 연결선 59"/>
+          <p:cNvCxnSpPr/>
+          <p:nvPr/>
+        </p:nvCxnSpPr>
+        <p:spPr>
+          <a:xfrm flipH="1">
+            <a:off x="6212434" y="4697827"/>
+            <a:ext cx="1332002" cy="1355634"/>
+          </a:xfrm>
+          <a:prstGeom prst="line">
+            <a:avLst/>
+          </a:prstGeom>
+          <a:ln>
+            <a:solidFill>
+              <a:schemeClr val="bg1"/>
+            </a:solidFill>
+          </a:ln>
+        </p:spPr>
+        <p:style>
+          <a:lnRef idx="1">
+            <a:schemeClr val="accent1"/>
+          </a:lnRef>
+          <a:fillRef idx="0">
+            <a:schemeClr val="accent1"/>
+          </a:fillRef>
+          <a:effectRef idx="0">
+            <a:schemeClr val="accent1"/>
+          </a:effectRef>
+          <a:fontRef idx="minor">
+            <a:schemeClr val="tx1"/>
+          </a:fontRef>
+        </p:style>
+      </p:cxnSp>
+      <p:sp>
+        <p:nvSpPr>
+          <p:cNvPr id="76" name="TextBox 75"/>
+          <p:cNvSpPr txBox="1"/>
+          <p:nvPr/>
+        </p:nvSpPr>
+        <p:spPr>
+          <a:xfrm>
+            <a:off x="3548432" y="2713968"/>
+            <a:ext cx="3360368" cy="584775"/>
+          </a:xfrm>
+          <a:prstGeom prst="rect">
+            <a:avLst/>
+          </a:prstGeom>
+          <a:noFill/>
+        </p:spPr>
+        <p:txBody>
+          <a:bodyPr wrap="square" rtlCol="0">
+            <a:spAutoFit/>
+          </a:bodyPr>
+          <a:lstStyle/>
+          <a:p>
+            <a:r>
+              <a:rPr lang="ko-KR" altLang="en-US" sz="3200" dirty="0" smtClean="0">
+                <a:solidFill>
+                  <a:schemeClr val="bg1"/>
+                </a:solidFill>
+                <a:latin typeface="Adobe 고딕 Std B" panose="020B0800000000000000" pitchFamily="34" charset="-127"/>
+                <a:ea typeface="Adobe 고딕 Std B" panose="020B0800000000000000" pitchFamily="34" charset="-127"/>
+              </a:rPr>
+              <a:t>숙련 기술</a:t>
+            </a:r>
+            <a:endParaRPr lang="ko-KR" altLang="en-US" sz="3200" dirty="0">
+              <a:solidFill>
+                <a:schemeClr val="bg1"/>
+              </a:solidFill>
+              <a:latin typeface="Adobe 고딕 Std B" panose="020B0800000000000000" pitchFamily="34" charset="-127"/>
+              <a:ea typeface="Adobe 고딕 Std B" panose="020B0800000000000000" pitchFamily="34" charset="-127"/>
+            </a:endParaRPr>
+          </a:p>
+        </p:txBody>
+      </p:sp>
+      <p:sp>
+        <p:nvSpPr>
+          <p:cNvPr id="78" name="타원형 설명선 77"/>
+          <p:cNvSpPr/>
+          <p:nvPr/>
+        </p:nvSpPr>
+        <p:spPr>
+          <a:xfrm>
+            <a:off x="6212430" y="2316665"/>
+            <a:ext cx="3020291" cy="1086219"/>
+          </a:xfrm>
+          <a:prstGeom prst="wedgeEllipseCallout">
+            <a:avLst/>
+          </a:prstGeom>
+          <a:solidFill>
+            <a:schemeClr val="bg1"/>
+          </a:solidFill>
+          <a:ln>
+            <a:noFill/>
+          </a:ln>
+        </p:spPr>
+        <p:style>
+          <a:lnRef idx="2">
+            <a:schemeClr val="accent1">
+              <a:shade val="50000"/>
+            </a:schemeClr>
+          </a:lnRef>
+          <a:fillRef idx="1">
+            <a:schemeClr val="accent1"/>
+          </a:fillRef>
+          <a:effectRef idx="0">
+            <a:schemeClr val="accent1"/>
+          </a:effectRef>
+          <a:fontRef idx="minor">
+            <a:schemeClr val="lt1"/>
+          </a:fontRef>
+        </p:style>
+        <p:txBody>
+          <a:bodyPr rtlCol="0" anchor="ctr"/>
+          <a:lstStyle/>
+          <a:p>
+            <a:pPr algn="ctr"/>
+            <a:r>
+              <a:rPr lang="ko-KR" altLang="en-US" sz="1300" dirty="0" smtClean="0">
+                <a:solidFill>
+                  <a:schemeClr val="tx1"/>
+                </a:solidFill>
+                <a:latin typeface="Adobe 고딕 Std B" panose="020B0800000000000000" pitchFamily="34" charset="-127"/>
+                <a:ea typeface="Adobe 고딕 Std B" panose="020B0800000000000000" pitchFamily="34" charset="-127"/>
+              </a:rPr>
+              <a:t>한글</a:t>
+            </a:r>
+            <a:r>
+              <a:rPr lang="en-US" altLang="ko-KR" sz="1300" dirty="0" smtClean="0">
+                <a:solidFill>
+                  <a:schemeClr val="tx1"/>
+                </a:solidFill>
+                <a:latin typeface="Adobe 고딕 Std B" panose="020B0800000000000000" pitchFamily="34" charset="-127"/>
+                <a:ea typeface="Adobe 고딕 Std B" panose="020B0800000000000000" pitchFamily="34" charset="-127"/>
+              </a:rPr>
+              <a:t>, </a:t>
+            </a:r>
+            <a:r>
+              <a:rPr lang="ko-KR" altLang="en-US" sz="1300" dirty="0" smtClean="0">
+                <a:solidFill>
+                  <a:schemeClr val="tx1"/>
+                </a:solidFill>
+                <a:latin typeface="Adobe 고딕 Std B" panose="020B0800000000000000" pitchFamily="34" charset="-127"/>
+                <a:ea typeface="Adobe 고딕 Std B" panose="020B0800000000000000" pitchFamily="34" charset="-127"/>
+              </a:rPr>
+              <a:t>파워포인트</a:t>
+            </a:r>
+            <a:r>
+              <a:rPr lang="en-US" altLang="ko-KR" sz="1300" dirty="0" smtClean="0">
+                <a:solidFill>
+                  <a:schemeClr val="tx1"/>
+                </a:solidFill>
+                <a:latin typeface="Adobe 고딕 Std B" panose="020B0800000000000000" pitchFamily="34" charset="-127"/>
+                <a:ea typeface="Adobe 고딕 Std B" panose="020B0800000000000000" pitchFamily="34" charset="-127"/>
+              </a:rPr>
+              <a:t>, </a:t>
+            </a:r>
+            <a:r>
+              <a:rPr lang="ko-KR" altLang="en-US" sz="1300" dirty="0" smtClean="0">
+                <a:solidFill>
+                  <a:schemeClr val="tx1"/>
+                </a:solidFill>
+                <a:latin typeface="Adobe 고딕 Std B" panose="020B0800000000000000" pitchFamily="34" charset="-127"/>
+                <a:ea typeface="Adobe 고딕 Std B" panose="020B0800000000000000" pitchFamily="34" charset="-127"/>
+              </a:rPr>
+              <a:t>포토샵</a:t>
+            </a:r>
+            <a:r>
+              <a:rPr lang="en-US" altLang="ko-KR" sz="1300" dirty="0" smtClean="0">
+                <a:solidFill>
+                  <a:schemeClr val="tx1"/>
+                </a:solidFill>
+                <a:latin typeface="Adobe 고딕 Std B" panose="020B0800000000000000" pitchFamily="34" charset="-127"/>
+                <a:ea typeface="Adobe 고딕 Std B" panose="020B0800000000000000" pitchFamily="34" charset="-127"/>
+              </a:rPr>
+              <a:t>, </a:t>
+            </a:r>
+            <a:r>
+              <a:rPr lang="ko-KR" altLang="en-US" sz="1300" dirty="0" smtClean="0">
+                <a:solidFill>
+                  <a:schemeClr val="tx1"/>
+                </a:solidFill>
+                <a:latin typeface="Adobe 고딕 Std B" panose="020B0800000000000000" pitchFamily="34" charset="-127"/>
+                <a:ea typeface="Adobe 고딕 Std B" panose="020B0800000000000000" pitchFamily="34" charset="-127"/>
+              </a:rPr>
+              <a:t>일러스트레이터</a:t>
+            </a:r>
+            <a:r>
+              <a:rPr lang="en-US" altLang="ko-KR" sz="1300" dirty="0" smtClean="0">
+                <a:solidFill>
+                  <a:schemeClr val="tx1"/>
+                </a:solidFill>
+                <a:latin typeface="Adobe 고딕 Std B" panose="020B0800000000000000" pitchFamily="34" charset="-127"/>
+                <a:ea typeface="Adobe 고딕 Std B" panose="020B0800000000000000" pitchFamily="34" charset="-127"/>
+              </a:rPr>
+              <a:t>, html, </a:t>
+            </a:r>
+            <a:r>
+              <a:rPr lang="en-US" altLang="ko-KR" sz="1300" dirty="0" err="1" smtClean="0">
+                <a:solidFill>
+                  <a:schemeClr val="tx1"/>
+                </a:solidFill>
+                <a:latin typeface="Adobe 고딕 Std B" panose="020B0800000000000000" pitchFamily="34" charset="-127"/>
+                <a:ea typeface="Adobe 고딕 Std B" panose="020B0800000000000000" pitchFamily="34" charset="-127"/>
+              </a:rPr>
+              <a:t>css</a:t>
+            </a:r>
+            <a:r>
+              <a:rPr lang="en-US" altLang="ko-KR" sz="1300" dirty="0" smtClean="0">
+                <a:solidFill>
+                  <a:schemeClr val="tx1"/>
+                </a:solidFill>
+                <a:latin typeface="Adobe 고딕 Std B" panose="020B0800000000000000" pitchFamily="34" charset="-127"/>
+                <a:ea typeface="Adobe 고딕 Std B" panose="020B0800000000000000" pitchFamily="34" charset="-127"/>
+              </a:rPr>
+              <a:t>, </a:t>
+            </a:r>
+            <a:r>
+              <a:rPr lang="ko-KR" altLang="en-US" sz="1300" dirty="0" smtClean="0">
+                <a:solidFill>
+                  <a:schemeClr val="tx1"/>
+                </a:solidFill>
+                <a:latin typeface="Adobe 고딕 Std B" panose="020B0800000000000000" pitchFamily="34" charset="-127"/>
+                <a:ea typeface="Adobe 고딕 Std B" panose="020B0800000000000000" pitchFamily="34" charset="-127"/>
+              </a:rPr>
+              <a:t>자바스크립트 등</a:t>
+            </a:r>
+            <a:r>
+              <a:rPr lang="en-US" altLang="ko-KR" sz="1300" dirty="0" smtClean="0">
+                <a:solidFill>
+                  <a:schemeClr val="tx1"/>
+                </a:solidFill>
+                <a:latin typeface="Adobe 고딕 Std B" panose="020B0800000000000000" pitchFamily="34" charset="-127"/>
+                <a:ea typeface="Adobe 고딕 Std B" panose="020B0800000000000000" pitchFamily="34" charset="-127"/>
+              </a:rPr>
+              <a:t>…</a:t>
+            </a:r>
+          </a:p>
+          <a:p>
+            <a:pPr algn="ctr"/>
+            <a:r>
+              <a:rPr lang="ko-KR" altLang="en-US" sz="1300" dirty="0" smtClean="0">
+                <a:solidFill>
+                  <a:schemeClr val="tx1"/>
+                </a:solidFill>
+                <a:latin typeface="Adobe 고딕 Std B" panose="020B0800000000000000" pitchFamily="34" charset="-127"/>
+                <a:ea typeface="Adobe 고딕 Std B" panose="020B0800000000000000" pitchFamily="34" charset="-127"/>
+              </a:rPr>
+              <a:t>숙련도 </a:t>
+            </a:r>
+            <a:r>
+              <a:rPr lang="en-US" altLang="ko-KR" sz="1300" dirty="0" smtClean="0">
+                <a:solidFill>
+                  <a:schemeClr val="tx1"/>
+                </a:solidFill>
+                <a:latin typeface="Adobe 고딕 Std B" panose="020B0800000000000000" pitchFamily="34" charset="-127"/>
+                <a:ea typeface="Adobe 고딕 Std B" panose="020B0800000000000000" pitchFamily="34" charset="-127"/>
+              </a:rPr>
+              <a:t>%</a:t>
+            </a:r>
+            <a:r>
+              <a:rPr lang="ko-KR" altLang="en-US" sz="1300" dirty="0" smtClean="0">
+                <a:solidFill>
+                  <a:schemeClr val="tx1"/>
+                </a:solidFill>
+                <a:latin typeface="Adobe 고딕 Std B" panose="020B0800000000000000" pitchFamily="34" charset="-127"/>
+                <a:ea typeface="Adobe 고딕 Std B" panose="020B0800000000000000" pitchFamily="34" charset="-127"/>
+              </a:rPr>
+              <a:t>는 쓰지 않음</a:t>
+            </a:r>
+            <a:endParaRPr lang="ko-KR" altLang="en-US" sz="1300" dirty="0">
+              <a:solidFill>
+                <a:schemeClr val="tx1"/>
+              </a:solidFill>
+              <a:latin typeface="Adobe 고딕 Std B" panose="020B0800000000000000" pitchFamily="34" charset="-127"/>
+              <a:ea typeface="Adobe 고딕 Std B" panose="020B0800000000000000" pitchFamily="34" charset="-127"/>
+            </a:endParaRPr>
+          </a:p>
+        </p:txBody>
+      </p:sp>
+      <p:sp>
+        <p:nvSpPr>
+          <p:cNvPr id="79" name="타원형 설명선 78"/>
+          <p:cNvSpPr/>
+          <p:nvPr/>
+        </p:nvSpPr>
+        <p:spPr>
+          <a:xfrm>
+            <a:off x="6212430" y="4424133"/>
+            <a:ext cx="3020291" cy="1086219"/>
+          </a:xfrm>
+          <a:prstGeom prst="wedgeEllipseCallout">
+            <a:avLst/>
+          </a:prstGeom>
+          <a:solidFill>
+            <a:schemeClr val="bg1"/>
+          </a:solidFill>
+          <a:ln>
+            <a:noFill/>
+          </a:ln>
+        </p:spPr>
+        <p:style>
+          <a:lnRef idx="2">
+            <a:schemeClr val="accent1">
+              <a:shade val="50000"/>
+            </a:schemeClr>
+          </a:lnRef>
+          <a:fillRef idx="1">
+            <a:schemeClr val="accent1"/>
+          </a:fillRef>
+          <a:effectRef idx="0">
+            <a:schemeClr val="accent1"/>
+          </a:effectRef>
+          <a:fontRef idx="minor">
+            <a:schemeClr val="lt1"/>
+          </a:fontRef>
+        </p:style>
+        <p:txBody>
+          <a:bodyPr rtlCol="0" anchor="ctr"/>
+          <a:lstStyle/>
+          <a:p>
+            <a:pPr algn="ctr"/>
+            <a:r>
+              <a:rPr lang="ko-KR" altLang="en-US" sz="1050" dirty="0" smtClean="0">
+                <a:solidFill>
+                  <a:schemeClr val="tx1"/>
+                </a:solidFill>
+                <a:latin typeface="Adobe 고딕 Std B" panose="020B0800000000000000" pitchFamily="34" charset="-127"/>
+                <a:ea typeface="Adobe 고딕 Std B" panose="020B0800000000000000" pitchFamily="34" charset="-127"/>
+              </a:rPr>
+              <a:t>컴퓨터의 경우</a:t>
+            </a:r>
+            <a:endParaRPr lang="en-US" altLang="ko-KR" sz="1050" dirty="0" smtClean="0">
+              <a:solidFill>
+                <a:schemeClr val="tx1"/>
+              </a:solidFill>
+              <a:latin typeface="Adobe 고딕 Std B" panose="020B0800000000000000" pitchFamily="34" charset="-127"/>
+              <a:ea typeface="Adobe 고딕 Std B" panose="020B0800000000000000" pitchFamily="34" charset="-127"/>
+            </a:endParaRPr>
+          </a:p>
+          <a:p>
+            <a:pPr algn="ctr"/>
+            <a:r>
+              <a:rPr lang="ko-KR" altLang="en-US" sz="1050" dirty="0" smtClean="0">
+                <a:solidFill>
+                  <a:schemeClr val="tx1"/>
+                </a:solidFill>
+                <a:latin typeface="Adobe 고딕 Std B" panose="020B0800000000000000" pitchFamily="34" charset="-127"/>
+                <a:ea typeface="Adobe 고딕 Std B" panose="020B0800000000000000" pitchFamily="34" charset="-127"/>
+              </a:rPr>
+              <a:t>아이콘에 마우스를 올리면</a:t>
+            </a:r>
+            <a:endParaRPr lang="en-US" altLang="ko-KR" sz="1050" dirty="0" smtClean="0">
+              <a:solidFill>
+                <a:schemeClr val="tx1"/>
+              </a:solidFill>
+              <a:latin typeface="Adobe 고딕 Std B" panose="020B0800000000000000" pitchFamily="34" charset="-127"/>
+              <a:ea typeface="Adobe 고딕 Std B" panose="020B0800000000000000" pitchFamily="34" charset="-127"/>
+            </a:endParaRPr>
+          </a:p>
+          <a:p>
+            <a:pPr algn="ctr"/>
+            <a:r>
+              <a:rPr lang="ko-KR" altLang="en-US" sz="1050" dirty="0" smtClean="0">
+                <a:solidFill>
+                  <a:schemeClr val="tx1"/>
+                </a:solidFill>
+                <a:latin typeface="Adobe 고딕 Std B" panose="020B0800000000000000" pitchFamily="34" charset="-127"/>
+                <a:ea typeface="Adobe 고딕 Std B" panose="020B0800000000000000" pitchFamily="34" charset="-127"/>
+              </a:rPr>
+              <a:t>이름이 뜨도록</a:t>
+            </a:r>
+            <a:endParaRPr lang="en-US" altLang="ko-KR" sz="1050" dirty="0" smtClean="0">
+              <a:solidFill>
+                <a:schemeClr val="tx1"/>
+              </a:solidFill>
+              <a:latin typeface="Adobe 고딕 Std B" panose="020B0800000000000000" pitchFamily="34" charset="-127"/>
+              <a:ea typeface="Adobe 고딕 Std B" panose="020B0800000000000000" pitchFamily="34" charset="-127"/>
+            </a:endParaRPr>
+          </a:p>
+          <a:p>
+            <a:pPr algn="ctr"/>
+            <a:r>
+              <a:rPr lang="ko-KR" altLang="en-US" sz="1050" dirty="0" smtClean="0">
+                <a:solidFill>
+                  <a:schemeClr val="tx1"/>
+                </a:solidFill>
+                <a:latin typeface="Adobe 고딕 Std B" panose="020B0800000000000000" pitchFamily="34" charset="-127"/>
+                <a:ea typeface="Adobe 고딕 Std B" panose="020B0800000000000000" pitchFamily="34" charset="-127"/>
+              </a:rPr>
+              <a:t>태블릿</a:t>
+            </a:r>
+            <a:r>
+              <a:rPr lang="en-US" altLang="ko-KR" sz="1050" dirty="0" smtClean="0">
+                <a:solidFill>
+                  <a:schemeClr val="tx1"/>
+                </a:solidFill>
+                <a:latin typeface="Adobe 고딕 Std B" panose="020B0800000000000000" pitchFamily="34" charset="-127"/>
+                <a:ea typeface="Adobe 고딕 Std B" panose="020B0800000000000000" pitchFamily="34" charset="-127"/>
+              </a:rPr>
+              <a:t>/</a:t>
+            </a:r>
+            <a:r>
+              <a:rPr lang="ko-KR" altLang="en-US" sz="1050" dirty="0" smtClean="0">
+                <a:solidFill>
+                  <a:schemeClr val="tx1"/>
+                </a:solidFill>
+                <a:latin typeface="Adobe 고딕 Std B" panose="020B0800000000000000" pitchFamily="34" charset="-127"/>
+                <a:ea typeface="Adobe 고딕 Std B" panose="020B0800000000000000" pitchFamily="34" charset="-127"/>
+              </a:rPr>
+              <a:t>핸드폰의 경우</a:t>
+            </a:r>
+            <a:endParaRPr lang="en-US" altLang="ko-KR" sz="1300" dirty="0">
+              <a:solidFill>
+                <a:schemeClr val="tx1"/>
+              </a:solidFill>
+              <a:latin typeface="Adobe 고딕 Std B" panose="020B0800000000000000" pitchFamily="34" charset="-127"/>
+              <a:ea typeface="Adobe 고딕 Std B" panose="020B0800000000000000" pitchFamily="34" charset="-127"/>
+            </a:endParaRPr>
+          </a:p>
+          <a:p>
+            <a:pPr algn="ctr"/>
+            <a:r>
+              <a:rPr lang="ko-KR" altLang="en-US" sz="1050" dirty="0" err="1" smtClean="0">
+                <a:solidFill>
+                  <a:schemeClr val="tx1"/>
+                </a:solidFill>
+                <a:latin typeface="Adobe 고딕 Std B" panose="020B0800000000000000" pitchFamily="34" charset="-127"/>
+                <a:ea typeface="Adobe 고딕 Std B" panose="020B0800000000000000" pitchFamily="34" charset="-127"/>
+              </a:rPr>
+              <a:t>탭하면</a:t>
+            </a:r>
+            <a:r>
+              <a:rPr lang="ko-KR" altLang="en-US" sz="1050" dirty="0" smtClean="0">
+                <a:solidFill>
+                  <a:schemeClr val="tx1"/>
+                </a:solidFill>
+                <a:latin typeface="Adobe 고딕 Std B" panose="020B0800000000000000" pitchFamily="34" charset="-127"/>
+                <a:ea typeface="Adobe 고딕 Std B" panose="020B0800000000000000" pitchFamily="34" charset="-127"/>
+              </a:rPr>
+              <a:t> 이름이 뜨도록</a:t>
+            </a:r>
+            <a:endParaRPr lang="en-US" altLang="ko-KR" sz="1050" dirty="0" smtClean="0">
+              <a:solidFill>
+                <a:schemeClr val="tx1"/>
+              </a:solidFill>
+              <a:latin typeface="Adobe 고딕 Std B" panose="020B0800000000000000" pitchFamily="34" charset="-127"/>
+              <a:ea typeface="Adobe 고딕 Std B" panose="020B0800000000000000" pitchFamily="34" charset="-127"/>
+            </a:endParaRPr>
+          </a:p>
+        </p:txBody>
+      </p:sp>
     </p:spTree>
     <p:extLst>
       <p:ext uri="{BB962C8B-B14F-4D97-AF65-F5344CB8AC3E}">
-        <p14:creationId xmlns:p14="http://schemas.microsoft.com/office/powerpoint/2010/main" val="3636787021"/>
+        <p14:creationId xmlns:p14="http://schemas.microsoft.com/office/powerpoint/2010/main" val="2721853276"/>
       </p:ext>
     </p:extLst>
   </p:cSld>
@@ -10711,7 +14778,7 @@
             <a:avLst/>
           </a:prstGeom>
           <a:solidFill>
-            <a:srgbClr val="BFBFBF"/>
+            <a:srgbClr val="404040"/>
           </a:solidFill>
           <a:ln>
             <a:noFill/>
@@ -10750,8 +14817,8 @@
         </p:nvSpPr>
         <p:spPr>
           <a:xfrm>
-            <a:off x="-1" y="0"/>
-            <a:ext cx="10840915" cy="1015663"/>
+            <a:off x="0" y="0"/>
+            <a:ext cx="10295792" cy="1015663"/>
           </a:xfrm>
           <a:prstGeom prst="rect">
             <a:avLst/>
@@ -10765,6 +14832,16 @@
           <a:lstStyle/>
           <a:p>
             <a:r>
+              <a:rPr lang="en-US" altLang="ko-KR" sz="6000" dirty="0" smtClean="0">
+                <a:solidFill>
+                  <a:schemeClr val="bg1"/>
+                </a:solidFill>
+                <a:latin typeface="Adobe 고딕 Std B" panose="020B0800000000000000" pitchFamily="34" charset="-127"/>
+                <a:ea typeface="Adobe 고딕 Std B" panose="020B0800000000000000" pitchFamily="34" charset="-127"/>
+              </a:rPr>
+              <a:t>Contents </a:t>
+            </a:r>
+            <a:r>
               <a:rPr lang="ko-KR" altLang="en-US" sz="6000" dirty="0" smtClean="0">
                 <a:solidFill>
                   <a:schemeClr val="bg1"/>
@@ -10772,7 +14849,7 @@
                 <a:latin typeface="Adobe 고딕 Std B" panose="020B0800000000000000" pitchFamily="34" charset="-127"/>
                 <a:ea typeface="Adobe 고딕 Std B" panose="020B0800000000000000" pitchFamily="34" charset="-127"/>
               </a:rPr>
-              <a:t>디바이스 반영 </a:t>
+              <a:t>구성 </a:t>
             </a:r>
             <a:r>
               <a:rPr lang="en-US" altLang="ko-KR" sz="6000" dirty="0" smtClean="0">
@@ -10785,14 +14862,14 @@
               <a:t>(</a:t>
             </a:r>
             <a:r>
-              <a:rPr lang="ko-KR" altLang="en-US" sz="6000" dirty="0" err="1" smtClean="0">
-                <a:solidFill>
-                  <a:schemeClr val="bg1"/>
-                </a:solidFill>
-                <a:latin typeface="Adobe 고딕 Std B" panose="020B0800000000000000" pitchFamily="34" charset="-127"/>
-                <a:ea typeface="Adobe 고딕 Std B" panose="020B0800000000000000" pitchFamily="34" charset="-127"/>
-              </a:rPr>
-              <a:t>데스크탑</a:t>
+              <a:rPr lang="ko-KR" altLang="en-US" sz="6000" dirty="0" smtClean="0">
+                <a:solidFill>
+                  <a:schemeClr val="bg1"/>
+                </a:solidFill>
+                <a:latin typeface="Adobe 고딕 Std B" panose="020B0800000000000000" pitchFamily="34" charset="-127"/>
+                <a:ea typeface="Adobe 고딕 Std B" panose="020B0800000000000000" pitchFamily="34" charset="-127"/>
+              </a:rPr>
+              <a:t>관심사와 목표</a:t>
             </a:r>
             <a:r>
               <a:rPr lang="en-US" altLang="ko-KR" sz="6000" dirty="0" smtClean="0">
@@ -10816,7 +14893,7 @@
       </p:sp>
       <p:sp>
         <p:nvSpPr>
-          <p:cNvPr id="2" name="직사각형 1"/>
+          <p:cNvPr id="11" name="직사각형 10"/>
           <p:cNvSpPr/>
           <p:nvPr/>
         </p:nvSpPr>
@@ -10829,12 +14906,12 @@
             <a:avLst/>
           </a:prstGeom>
           <a:solidFill>
-            <a:schemeClr val="bg1">
-              <a:alpha val="50000"/>
-            </a:schemeClr>
+            <a:srgbClr val="404040"/>
           </a:solidFill>
-          <a:ln>
-            <a:noFill/>
+          <a:ln w="22225">
+            <a:solidFill>
+              <a:schemeClr val="bg1"/>
+            </a:solidFill>
           </a:ln>
         </p:spPr>
         <p:style>
@@ -10868,91 +14945,7 @@
       </p:sp>
       <p:sp>
         <p:nvSpPr>
-          <p:cNvPr id="4" name="TextBox 3"/>
-          <p:cNvSpPr txBox="1"/>
-          <p:nvPr/>
-        </p:nvSpPr>
-        <p:spPr>
-          <a:xfrm rot="16200000">
-            <a:off x="868369" y="4093312"/>
-            <a:ext cx="1846659" cy="45719"/>
-          </a:xfrm>
-          <a:prstGeom prst="rect">
-            <a:avLst/>
-          </a:prstGeom>
-          <a:noFill/>
-        </p:spPr>
-        <p:txBody>
-          <a:bodyPr vert="eaVert" wrap="square" rtlCol="0">
-            <a:spAutoFit/>
-          </a:bodyPr>
-          <a:lstStyle/>
-          <a:p>
-            <a:r>
-              <a:rPr lang="en-US" altLang="ko-KR" dirty="0" smtClean="0">
-                <a:solidFill>
-                  <a:schemeClr val="bg1"/>
-                </a:solidFill>
-                <a:latin typeface="Adobe 고딕 Std B" panose="020B0800000000000000" pitchFamily="34" charset="-127"/>
-                <a:ea typeface="Adobe 고딕 Std B" panose="020B0800000000000000" pitchFamily="34" charset="-127"/>
-              </a:rPr>
-              <a:t>1080px</a:t>
-            </a:r>
-            <a:endParaRPr lang="ko-KR" altLang="en-US" dirty="0">
-              <a:solidFill>
-                <a:schemeClr val="bg1"/>
-              </a:solidFill>
-              <a:latin typeface="Adobe 고딕 Std B" panose="020B0800000000000000" pitchFamily="34" charset="-127"/>
-              <a:ea typeface="Adobe 고딕 Std B" panose="020B0800000000000000" pitchFamily="34" charset="-127"/>
-            </a:endParaRPr>
-          </a:p>
-        </p:txBody>
-      </p:sp>
-      <p:sp>
-        <p:nvSpPr>
-          <p:cNvPr id="6" name="TextBox 5"/>
-          <p:cNvSpPr txBox="1"/>
-          <p:nvPr/>
-        </p:nvSpPr>
-        <p:spPr>
-          <a:xfrm>
-            <a:off x="5107709" y="1802840"/>
-            <a:ext cx="2474056" cy="369332"/>
-          </a:xfrm>
-          <a:prstGeom prst="rect">
-            <a:avLst/>
-          </a:prstGeom>
-          <a:noFill/>
-        </p:spPr>
-        <p:txBody>
-          <a:bodyPr wrap="square" rtlCol="0">
-            <a:spAutoFit/>
-          </a:bodyPr>
-          <a:lstStyle/>
-          <a:p>
-            <a:r>
-              <a:rPr lang="en-US" altLang="ko-KR" dirty="0" smtClean="0">
-                <a:solidFill>
-                  <a:schemeClr val="bg1"/>
-                </a:solidFill>
-                <a:latin typeface="Adobe 고딕 Std B" panose="020B0800000000000000" pitchFamily="34" charset="-127"/>
-                <a:ea typeface="Adobe 고딕 Std B" panose="020B0800000000000000" pitchFamily="34" charset="-127"/>
-              </a:rPr>
-              <a:t>1920px</a:t>
-            </a:r>
-            <a:endParaRPr lang="ko-KR" altLang="en-US" dirty="0">
-              <a:solidFill>
-                <a:schemeClr val="bg1"/>
-              </a:solidFill>
-              <a:latin typeface="Adobe 고딕 Std B" panose="020B0800000000000000" pitchFamily="34" charset="-127"/>
-              <a:ea typeface="Adobe 고딕 Std B" panose="020B0800000000000000" pitchFamily="34" charset="-127"/>
-            </a:endParaRPr>
-          </a:p>
-        </p:txBody>
-      </p:sp>
-      <p:sp>
-        <p:nvSpPr>
-          <p:cNvPr id="7" name="직사각형 6"/>
+          <p:cNvPr id="12" name="직사각형 11"/>
           <p:cNvSpPr/>
           <p:nvPr/>
         </p:nvSpPr>
@@ -10965,9 +14958,7 @@
             <a:avLst/>
           </a:prstGeom>
           <a:solidFill>
-            <a:srgbClr val="FF0000">
-              <a:alpha val="50000"/>
-            </a:srgbClr>
+            <a:srgbClr val="000000"/>
           </a:solidFill>
           <a:ln>
             <a:noFill/>
@@ -10996,51 +14987,105 @@
             <a:pPr algn="ctr"/>
             <a:r>
               <a:rPr lang="ko-KR" altLang="en-US" sz="1500" dirty="0" smtClean="0">
-                <a:latin typeface="Adobe 고딕 Std B" panose="020B0800000000000000" pitchFamily="34" charset="-127"/>
-                <a:ea typeface="Adobe 고딕 Std B" panose="020B0800000000000000" pitchFamily="34" charset="-127"/>
-              </a:rPr>
-              <a:t>목차 영역</a:t>
+                <a:solidFill>
+                  <a:schemeClr val="bg1"/>
+                </a:solidFill>
+                <a:latin typeface="Adobe 고딕 Std B" panose="020B0800000000000000" pitchFamily="34" charset="-127"/>
+                <a:ea typeface="Adobe 고딕 Std B" panose="020B0800000000000000" pitchFamily="34" charset="-127"/>
+              </a:rPr>
+              <a:t>프로필   </a:t>
+            </a:r>
+            <a:r>
+              <a:rPr lang="en-US" altLang="ko-KR" sz="1500" dirty="0" smtClean="0">
+                <a:solidFill>
+                  <a:schemeClr val="bg1"/>
+                </a:solidFill>
+                <a:latin typeface="Adobe 고딕 Std B" panose="020B0800000000000000" pitchFamily="34" charset="-127"/>
+                <a:ea typeface="Adobe 고딕 Std B" panose="020B0800000000000000" pitchFamily="34" charset="-127"/>
+              </a:rPr>
+              <a:t>/   </a:t>
+            </a:r>
+            <a:r>
+              <a:rPr lang="ko-KR" altLang="en-US" sz="1500" dirty="0" smtClean="0">
+                <a:solidFill>
+                  <a:schemeClr val="bg1"/>
+                </a:solidFill>
+                <a:latin typeface="Adobe 고딕 Std B" panose="020B0800000000000000" pitchFamily="34" charset="-127"/>
+                <a:ea typeface="Adobe 고딕 Std B" panose="020B0800000000000000" pitchFamily="34" charset="-127"/>
+              </a:rPr>
+              <a:t>직업흥미검사   </a:t>
+            </a:r>
+            <a:r>
+              <a:rPr lang="en-US" altLang="ko-KR" sz="1500" dirty="0" smtClean="0">
+                <a:solidFill>
+                  <a:schemeClr val="bg1"/>
+                </a:solidFill>
+                <a:latin typeface="Adobe 고딕 Std B" panose="020B0800000000000000" pitchFamily="34" charset="-127"/>
+                <a:ea typeface="Adobe 고딕 Std B" panose="020B0800000000000000" pitchFamily="34" charset="-127"/>
+              </a:rPr>
+              <a:t>/   </a:t>
+            </a:r>
+            <a:r>
+              <a:rPr lang="ko-KR" altLang="en-US" sz="1500" dirty="0" smtClean="0">
+                <a:solidFill>
+                  <a:schemeClr val="bg1"/>
+                </a:solidFill>
+                <a:latin typeface="Adobe 고딕 Std B" panose="020B0800000000000000" pitchFamily="34" charset="-127"/>
+                <a:ea typeface="Adobe 고딕 Std B" panose="020B0800000000000000" pitchFamily="34" charset="-127"/>
+              </a:rPr>
+              <a:t>숙련 프로그램   </a:t>
+            </a:r>
+            <a:r>
+              <a:rPr lang="en-US" altLang="ko-KR" sz="1500" dirty="0" smtClean="0">
+                <a:solidFill>
+                  <a:schemeClr val="bg1"/>
+                </a:solidFill>
+                <a:latin typeface="Adobe 고딕 Std B" panose="020B0800000000000000" pitchFamily="34" charset="-127"/>
+                <a:ea typeface="Adobe 고딕 Std B" panose="020B0800000000000000" pitchFamily="34" charset="-127"/>
+              </a:rPr>
+              <a:t>/   </a:t>
+            </a:r>
+            <a:r>
+              <a:rPr lang="ko-KR" altLang="en-US" sz="1500" dirty="0" smtClean="0">
+                <a:solidFill>
+                  <a:schemeClr val="bg1"/>
+                </a:solidFill>
+                <a:latin typeface="Adobe 고딕 Std B" panose="020B0800000000000000" pitchFamily="34" charset="-127"/>
+                <a:ea typeface="Adobe 고딕 Std B" panose="020B0800000000000000" pitchFamily="34" charset="-127"/>
+              </a:rPr>
+              <a:t>관심사와 목표   </a:t>
+            </a:r>
+            <a:r>
+              <a:rPr lang="en-US" altLang="ko-KR" sz="1500" dirty="0" smtClean="0">
+                <a:solidFill>
+                  <a:schemeClr val="bg1"/>
+                </a:solidFill>
+                <a:latin typeface="Adobe 고딕 Std B" panose="020B0800000000000000" pitchFamily="34" charset="-127"/>
+                <a:ea typeface="Adobe 고딕 Std B" panose="020B0800000000000000" pitchFamily="34" charset="-127"/>
+              </a:rPr>
+              <a:t>/   </a:t>
+            </a:r>
+            <a:r>
+              <a:rPr lang="ko-KR" altLang="en-US" sz="1500" dirty="0" smtClean="0">
+                <a:solidFill>
+                  <a:schemeClr val="bg1"/>
+                </a:solidFill>
+                <a:latin typeface="Adobe 고딕 Std B" panose="020B0800000000000000" pitchFamily="34" charset="-127"/>
+                <a:ea typeface="Adobe 고딕 Std B" panose="020B0800000000000000" pitchFamily="34" charset="-127"/>
+              </a:rPr>
+              <a:t>연락처</a:t>
+            </a:r>
+            <a:r>
+              <a:rPr lang="en-US" altLang="ko-KR" sz="1500" dirty="0" smtClean="0">
+                <a:solidFill>
+                  <a:schemeClr val="bg1"/>
+                </a:solidFill>
+                <a:latin typeface="Adobe 고딕 Std B" panose="020B0800000000000000" pitchFamily="34" charset="-127"/>
+                <a:ea typeface="Adobe 고딕 Std B" panose="020B0800000000000000" pitchFamily="34" charset="-127"/>
+              </a:rPr>
+              <a:t>  </a:t>
             </a:r>
             <a:endParaRPr lang="ko-KR" altLang="en-US" sz="1500" dirty="0">
-              <a:latin typeface="Adobe 고딕 Std B" panose="020B0800000000000000" pitchFamily="34" charset="-127"/>
-              <a:ea typeface="Adobe 고딕 Std B" panose="020B0800000000000000" pitchFamily="34" charset="-127"/>
-            </a:endParaRPr>
-          </a:p>
-        </p:txBody>
-      </p:sp>
-      <p:sp>
-        <p:nvSpPr>
-          <p:cNvPr id="9" name="TextBox 8"/>
-          <p:cNvSpPr txBox="1"/>
-          <p:nvPr/>
-        </p:nvSpPr>
-        <p:spPr>
-          <a:xfrm rot="16200000">
-            <a:off x="7050627" y="4093311"/>
-            <a:ext cx="1107996" cy="45719"/>
-          </a:xfrm>
-          <a:prstGeom prst="rect">
-            <a:avLst/>
-          </a:prstGeom>
-          <a:noFill/>
-        </p:spPr>
-        <p:txBody>
-          <a:bodyPr vert="eaVert" wrap="square" rtlCol="0">
-            <a:spAutoFit/>
-          </a:bodyPr>
-          <a:lstStyle/>
-          <a:p>
-            <a:r>
-              <a:rPr lang="en-US" altLang="ko-KR" sz="1000" dirty="0" smtClean="0">
-                <a:solidFill>
-                  <a:schemeClr val="bg1"/>
-                </a:solidFill>
-                <a:latin typeface="Adobe 고딕 Std B" panose="020B0800000000000000" pitchFamily="34" charset="-127"/>
-                <a:ea typeface="Adobe 고딕 Std B" panose="020B0800000000000000" pitchFamily="34" charset="-127"/>
-              </a:rPr>
-              <a:t>950px	</a:t>
-            </a:r>
-            <a:endParaRPr lang="ko-KR" altLang="en-US" sz="1000" dirty="0">
               <a:solidFill>
                 <a:schemeClr val="bg1"/>
               </a:solidFill>
@@ -11052,7 +15097,7 @@
       </p:sp>
       <p:sp>
         <p:nvSpPr>
-          <p:cNvPr id="8" name="직사각형 7"/>
+          <p:cNvPr id="10" name="직사각형 9"/>
           <p:cNvSpPr/>
           <p:nvPr/>
         </p:nvSpPr>
@@ -11065,9 +15110,7 @@
             <a:avLst/>
           </a:prstGeom>
           <a:solidFill>
-            <a:srgbClr val="FFC000">
-              <a:alpha val="50000"/>
-            </a:srgbClr>
+            <a:srgbClr val="404040"/>
           </a:solidFill>
           <a:ln>
             <a:noFill/>
@@ -11094,40 +15137,20 @@
           <a:lstStyle/>
           <a:p>
             <a:pPr algn="ctr"/>
-            <a:r>
-              <a:rPr lang="en-US" altLang="ko-KR" sz="1500" dirty="0" smtClean="0">
-                <a:latin typeface="Adobe 고딕 Std B" panose="020B0800000000000000" pitchFamily="34" charset="-127"/>
-                <a:ea typeface="Adobe 고딕 Std B" panose="020B0800000000000000" pitchFamily="34" charset="-127"/>
-              </a:rPr>
-              <a:t>Contents</a:t>
-            </a:r>
-          </a:p>
-          <a:p>
-            <a:pPr algn="ctr"/>
-            <a:r>
-              <a:rPr lang="en-US" altLang="ko-KR" sz="1500" dirty="0" smtClean="0">
-                <a:latin typeface="Adobe 고딕 Std B" panose="020B0800000000000000" pitchFamily="34" charset="-127"/>
-                <a:ea typeface="Adobe 고딕 Std B" panose="020B0800000000000000" pitchFamily="34" charset="-127"/>
-              </a:rPr>
-              <a:t>Box</a:t>
-            </a:r>
-            <a:endParaRPr lang="ko-KR" altLang="en-US" sz="1500" dirty="0">
-              <a:latin typeface="Adobe 고딕 Std B" panose="020B0800000000000000" pitchFamily="34" charset="-127"/>
-              <a:ea typeface="Adobe 고딕 Std B" panose="020B0800000000000000" pitchFamily="34" charset="-127"/>
-            </a:endParaRPr>
-          </a:p>
-        </p:txBody>
-      </p:sp>
-      <p:sp>
-        <p:nvSpPr>
-          <p:cNvPr id="11" name="TextBox 10"/>
+            <a:endParaRPr lang="ko-KR" altLang="en-US"/>
+          </a:p>
+        </p:txBody>
+      </p:sp>
+      <p:sp>
+        <p:nvSpPr>
+          <p:cNvPr id="21" name="TextBox 20"/>
           <p:cNvSpPr txBox="1"/>
           <p:nvPr/>
         </p:nvSpPr>
         <p:spPr>
-          <a:xfrm rot="16200000">
-            <a:off x="8625186" y="2293312"/>
-            <a:ext cx="800219" cy="45719"/>
+          <a:xfrm>
+            <a:off x="3548436" y="2640172"/>
+            <a:ext cx="2170545" cy="338554"/>
           </a:xfrm>
           <a:prstGeom prst="rect">
             <a:avLst/>
@@ -11135,22 +15158,22 @@
           <a:noFill/>
         </p:spPr>
         <p:txBody>
-          <a:bodyPr vert="eaVert" wrap="square" rtlCol="0">
+          <a:bodyPr wrap="square" rtlCol="0">
             <a:spAutoFit/>
           </a:bodyPr>
           <a:lstStyle/>
           <a:p>
             <a:r>
-              <a:rPr lang="en-US" altLang="ko-KR" sz="1000" dirty="0" smtClean="0">
-                <a:solidFill>
-                  <a:schemeClr val="bg1"/>
-                </a:solidFill>
-                <a:latin typeface="Adobe 고딕 Std B" panose="020B0800000000000000" pitchFamily="34" charset="-127"/>
-                <a:ea typeface="Adobe 고딕 Std B" panose="020B0800000000000000" pitchFamily="34" charset="-127"/>
-              </a:rPr>
-              <a:t>80px</a:t>
-            </a:r>
-            <a:endParaRPr lang="ko-KR" altLang="en-US" sz="1000" dirty="0">
+              <a:rPr lang="ko-KR" altLang="en-US" sz="1600" dirty="0" smtClean="0">
+                <a:solidFill>
+                  <a:schemeClr val="bg1"/>
+                </a:solidFill>
+                <a:latin typeface="Adobe 고딕 Std B" panose="020B0800000000000000" pitchFamily="34" charset="-127"/>
+                <a:ea typeface="Adobe 고딕 Std B" panose="020B0800000000000000" pitchFamily="34" charset="-127"/>
+              </a:rPr>
+              <a:t>관심사</a:t>
+            </a:r>
+            <a:endParaRPr lang="ko-KR" altLang="en-US" sz="1600" dirty="0">
               <a:solidFill>
                 <a:schemeClr val="bg1"/>
               </a:solidFill>
@@ -11162,14 +15185,368 @@
       </p:sp>
       <p:sp>
         <p:nvSpPr>
-          <p:cNvPr id="16" name="TextBox 15"/>
+          <p:cNvPr id="17" name="직사각형 16"/>
+          <p:cNvSpPr/>
+          <p:nvPr/>
+        </p:nvSpPr>
+        <p:spPr>
+          <a:xfrm>
+            <a:off x="3548437" y="2986604"/>
+            <a:ext cx="1332000" cy="1332000"/>
+          </a:xfrm>
+          <a:prstGeom prst="rect">
+            <a:avLst/>
+          </a:prstGeom>
+          <a:solidFill>
+            <a:srgbClr val="404040"/>
+          </a:solidFill>
+          <a:ln>
+            <a:solidFill>
+              <a:schemeClr val="bg1"/>
+            </a:solidFill>
+          </a:ln>
+        </p:spPr>
+        <p:style>
+          <a:lnRef idx="2">
+            <a:schemeClr val="accent1">
+              <a:shade val="50000"/>
+            </a:schemeClr>
+          </a:lnRef>
+          <a:fillRef idx="1">
+            <a:schemeClr val="accent1"/>
+          </a:fillRef>
+          <a:effectRef idx="0">
+            <a:schemeClr val="accent1"/>
+          </a:effectRef>
+          <a:fontRef idx="minor">
+            <a:schemeClr val="lt1"/>
+          </a:fontRef>
+        </p:style>
+        <p:txBody>
+          <a:bodyPr rtlCol="0" anchor="ctr"/>
+          <a:lstStyle/>
+          <a:p>
+            <a:pPr algn="ctr"/>
+            <a:endParaRPr lang="ko-KR" altLang="en-US"/>
+          </a:p>
+        </p:txBody>
+      </p:sp>
+      <p:cxnSp>
+        <p:nvCxnSpPr>
+          <p:cNvPr id="19" name="직선 연결선 18"/>
+          <p:cNvCxnSpPr/>
+          <p:nvPr/>
+        </p:nvCxnSpPr>
+        <p:spPr>
+          <a:xfrm>
+            <a:off x="3548436" y="2978727"/>
+            <a:ext cx="1332001" cy="1339877"/>
+          </a:xfrm>
+          <a:prstGeom prst="line">
+            <a:avLst/>
+          </a:prstGeom>
+          <a:ln>
+            <a:solidFill>
+              <a:schemeClr val="bg1"/>
+            </a:solidFill>
+          </a:ln>
+        </p:spPr>
+        <p:style>
+          <a:lnRef idx="1">
+            <a:schemeClr val="accent1"/>
+          </a:lnRef>
+          <a:fillRef idx="0">
+            <a:schemeClr val="accent1"/>
+          </a:fillRef>
+          <a:effectRef idx="0">
+            <a:schemeClr val="accent1"/>
+          </a:effectRef>
+          <a:fontRef idx="minor">
+            <a:schemeClr val="tx1"/>
+          </a:fontRef>
+        </p:style>
+      </p:cxnSp>
+      <p:cxnSp>
+        <p:nvCxnSpPr>
+          <p:cNvPr id="23" name="직선 연결선 22"/>
+          <p:cNvCxnSpPr/>
+          <p:nvPr/>
+        </p:nvCxnSpPr>
+        <p:spPr>
+          <a:xfrm flipH="1">
+            <a:off x="3548436" y="2978726"/>
+            <a:ext cx="1332002" cy="1347756"/>
+          </a:xfrm>
+          <a:prstGeom prst="line">
+            <a:avLst/>
+          </a:prstGeom>
+          <a:ln>
+            <a:solidFill>
+              <a:schemeClr val="bg1"/>
+            </a:solidFill>
+          </a:ln>
+        </p:spPr>
+        <p:style>
+          <a:lnRef idx="1">
+            <a:schemeClr val="accent1"/>
+          </a:lnRef>
+          <a:fillRef idx="0">
+            <a:schemeClr val="accent1"/>
+          </a:fillRef>
+          <a:effectRef idx="0">
+            <a:schemeClr val="accent1"/>
+          </a:effectRef>
+          <a:fontRef idx="minor">
+            <a:schemeClr val="tx1"/>
+          </a:fontRef>
+        </p:style>
+      </p:cxnSp>
+      <p:sp>
+        <p:nvSpPr>
+          <p:cNvPr id="24" name="직사각형 23"/>
+          <p:cNvSpPr/>
+          <p:nvPr/>
+        </p:nvSpPr>
+        <p:spPr>
+          <a:xfrm>
+            <a:off x="4880436" y="2991866"/>
+            <a:ext cx="1332000" cy="1332000"/>
+          </a:xfrm>
+          <a:prstGeom prst="rect">
+            <a:avLst/>
+          </a:prstGeom>
+          <a:solidFill>
+            <a:srgbClr val="404040"/>
+          </a:solidFill>
+          <a:ln>
+            <a:solidFill>
+              <a:schemeClr val="bg1"/>
+            </a:solidFill>
+          </a:ln>
+        </p:spPr>
+        <p:style>
+          <a:lnRef idx="2">
+            <a:schemeClr val="accent1">
+              <a:shade val="50000"/>
+            </a:schemeClr>
+          </a:lnRef>
+          <a:fillRef idx="1">
+            <a:schemeClr val="accent1"/>
+          </a:fillRef>
+          <a:effectRef idx="0">
+            <a:schemeClr val="accent1"/>
+          </a:effectRef>
+          <a:fontRef idx="minor">
+            <a:schemeClr val="lt1"/>
+          </a:fontRef>
+        </p:style>
+        <p:txBody>
+          <a:bodyPr rtlCol="0" anchor="ctr"/>
+          <a:lstStyle/>
+          <a:p>
+            <a:pPr algn="ctr"/>
+            <a:endParaRPr lang="ko-KR" altLang="en-US"/>
+          </a:p>
+        </p:txBody>
+      </p:sp>
+      <p:cxnSp>
+        <p:nvCxnSpPr>
+          <p:cNvPr id="27" name="직선 연결선 26"/>
+          <p:cNvCxnSpPr/>
+          <p:nvPr/>
+        </p:nvCxnSpPr>
+        <p:spPr>
+          <a:xfrm>
+            <a:off x="4880435" y="2983989"/>
+            <a:ext cx="1332001" cy="1339877"/>
+          </a:xfrm>
+          <a:prstGeom prst="line">
+            <a:avLst/>
+          </a:prstGeom>
+          <a:ln>
+            <a:solidFill>
+              <a:schemeClr val="bg1"/>
+            </a:solidFill>
+          </a:ln>
+        </p:spPr>
+        <p:style>
+          <a:lnRef idx="1">
+            <a:schemeClr val="accent1"/>
+          </a:lnRef>
+          <a:fillRef idx="0">
+            <a:schemeClr val="accent1"/>
+          </a:fillRef>
+          <a:effectRef idx="0">
+            <a:schemeClr val="accent1"/>
+          </a:effectRef>
+          <a:fontRef idx="minor">
+            <a:schemeClr val="tx1"/>
+          </a:fontRef>
+        </p:style>
+      </p:cxnSp>
+      <p:cxnSp>
+        <p:nvCxnSpPr>
+          <p:cNvPr id="30" name="직선 연결선 29"/>
+          <p:cNvCxnSpPr/>
+          <p:nvPr/>
+        </p:nvCxnSpPr>
+        <p:spPr>
+          <a:xfrm flipH="1">
+            <a:off x="4880435" y="2983988"/>
+            <a:ext cx="1332002" cy="1347756"/>
+          </a:xfrm>
+          <a:prstGeom prst="line">
+            <a:avLst/>
+          </a:prstGeom>
+          <a:ln>
+            <a:solidFill>
+              <a:schemeClr val="bg1"/>
+            </a:solidFill>
+          </a:ln>
+        </p:spPr>
+        <p:style>
+          <a:lnRef idx="1">
+            <a:schemeClr val="accent1"/>
+          </a:lnRef>
+          <a:fillRef idx="0">
+            <a:schemeClr val="accent1"/>
+          </a:fillRef>
+          <a:effectRef idx="0">
+            <a:schemeClr val="accent1"/>
+          </a:effectRef>
+          <a:fontRef idx="minor">
+            <a:schemeClr val="tx1"/>
+          </a:fontRef>
+        </p:style>
+      </p:cxnSp>
+      <p:sp>
+        <p:nvSpPr>
+          <p:cNvPr id="40" name="직사각형 39"/>
+          <p:cNvSpPr/>
+          <p:nvPr/>
+        </p:nvSpPr>
+        <p:spPr>
+          <a:xfrm>
+            <a:off x="6212436" y="2994482"/>
+            <a:ext cx="1332000" cy="1332000"/>
+          </a:xfrm>
+          <a:prstGeom prst="rect">
+            <a:avLst/>
+          </a:prstGeom>
+          <a:solidFill>
+            <a:srgbClr val="404040"/>
+          </a:solidFill>
+          <a:ln>
+            <a:solidFill>
+              <a:schemeClr val="bg1"/>
+            </a:solidFill>
+          </a:ln>
+        </p:spPr>
+        <p:style>
+          <a:lnRef idx="2">
+            <a:schemeClr val="accent1">
+              <a:shade val="50000"/>
+            </a:schemeClr>
+          </a:lnRef>
+          <a:fillRef idx="1">
+            <a:schemeClr val="accent1"/>
+          </a:fillRef>
+          <a:effectRef idx="0">
+            <a:schemeClr val="accent1"/>
+          </a:effectRef>
+          <a:fontRef idx="minor">
+            <a:schemeClr val="lt1"/>
+          </a:fontRef>
+        </p:style>
+        <p:txBody>
+          <a:bodyPr rtlCol="0" anchor="ctr"/>
+          <a:lstStyle/>
+          <a:p>
+            <a:pPr algn="ctr"/>
+            <a:endParaRPr lang="ko-KR" altLang="en-US"/>
+          </a:p>
+        </p:txBody>
+      </p:sp>
+      <p:cxnSp>
+        <p:nvCxnSpPr>
+          <p:cNvPr id="41" name="직선 연결선 40"/>
+          <p:cNvCxnSpPr/>
+          <p:nvPr/>
+        </p:nvCxnSpPr>
+        <p:spPr>
+          <a:xfrm>
+            <a:off x="6212435" y="2986605"/>
+            <a:ext cx="1332001" cy="1339877"/>
+          </a:xfrm>
+          <a:prstGeom prst="line">
+            <a:avLst/>
+          </a:prstGeom>
+          <a:ln>
+            <a:solidFill>
+              <a:schemeClr val="bg1"/>
+            </a:solidFill>
+          </a:ln>
+        </p:spPr>
+        <p:style>
+          <a:lnRef idx="1">
+            <a:schemeClr val="accent1"/>
+          </a:lnRef>
+          <a:fillRef idx="0">
+            <a:schemeClr val="accent1"/>
+          </a:fillRef>
+          <a:effectRef idx="0">
+            <a:schemeClr val="accent1"/>
+          </a:effectRef>
+          <a:fontRef idx="minor">
+            <a:schemeClr val="tx1"/>
+          </a:fontRef>
+        </p:style>
+      </p:cxnSp>
+      <p:cxnSp>
+        <p:nvCxnSpPr>
+          <p:cNvPr id="42" name="직선 연결선 41"/>
+          <p:cNvCxnSpPr/>
+          <p:nvPr/>
+        </p:nvCxnSpPr>
+        <p:spPr>
+          <a:xfrm flipH="1">
+            <a:off x="6212435" y="2986604"/>
+            <a:ext cx="1332002" cy="1347756"/>
+          </a:xfrm>
+          <a:prstGeom prst="line">
+            <a:avLst/>
+          </a:prstGeom>
+          <a:ln>
+            <a:solidFill>
+              <a:schemeClr val="bg1"/>
+            </a:solidFill>
+          </a:ln>
+        </p:spPr>
+        <p:style>
+          <a:lnRef idx="1">
+            <a:schemeClr val="accent1"/>
+          </a:lnRef>
+          <a:fillRef idx="0">
+            <a:schemeClr val="accent1"/>
+          </a:fillRef>
+          <a:effectRef idx="0">
+            <a:schemeClr val="accent1"/>
+          </a:effectRef>
+          <a:fontRef idx="minor">
+            <a:schemeClr val="tx1"/>
+          </a:fontRef>
+        </p:style>
+      </p:cxnSp>
+      <p:sp>
+        <p:nvSpPr>
+          <p:cNvPr id="43" name="TextBox 42"/>
           <p:cNvSpPr txBox="1"/>
           <p:nvPr/>
         </p:nvSpPr>
         <p:spPr>
           <a:xfrm>
-            <a:off x="4358264" y="6063725"/>
-            <a:ext cx="2474056" cy="246221"/>
+            <a:off x="3548435" y="4334359"/>
+            <a:ext cx="2170545" cy="338554"/>
           </a:xfrm>
           <a:prstGeom prst="rect">
             <a:avLst/>
@@ -11182,18 +15559,17 @@
           </a:bodyPr>
           <a:lstStyle/>
           <a:p>
-            <a:pPr algn="ctr"/>
-            <a:r>
-              <a:rPr lang="en-US" altLang="ko-KR" sz="1000" dirty="0" smtClean="0">
-                <a:solidFill>
-                  <a:schemeClr val="bg1"/>
-                </a:solidFill>
-                <a:latin typeface="Adobe 고딕 Std B" panose="020B0800000000000000" pitchFamily="34" charset="-127"/>
-                <a:ea typeface="Adobe 고딕 Std B" panose="020B0800000000000000" pitchFamily="34" charset="-127"/>
-              </a:rPr>
-              <a:t>1110px</a:t>
-            </a:r>
-            <a:endParaRPr lang="ko-KR" altLang="en-US" sz="1000" dirty="0">
+            <a:r>
+              <a:rPr lang="ko-KR" altLang="en-US" sz="1600" dirty="0" smtClean="0">
+                <a:solidFill>
+                  <a:schemeClr val="bg1"/>
+                </a:solidFill>
+                <a:latin typeface="Adobe 고딕 Std B" panose="020B0800000000000000" pitchFamily="34" charset="-127"/>
+                <a:ea typeface="Adobe 고딕 Std B" panose="020B0800000000000000" pitchFamily="34" charset="-127"/>
+              </a:rPr>
+              <a:t>목표</a:t>
+            </a:r>
+            <a:endParaRPr lang="ko-KR" altLang="en-US" sz="1600" dirty="0">
               <a:solidFill>
                 <a:schemeClr val="bg1"/>
               </a:solidFill>
@@ -11205,65 +15581,70 @@
       </p:sp>
       <p:sp>
         <p:nvSpPr>
-          <p:cNvPr id="12" name="TextBox 11"/>
-          <p:cNvSpPr txBox="1"/>
+          <p:cNvPr id="44" name="직사각형 43"/>
+          <p:cNvSpPr/>
           <p:nvPr/>
         </p:nvSpPr>
         <p:spPr>
           <a:xfrm>
-            <a:off x="2571768" y="6054785"/>
-            <a:ext cx="2474056" cy="246221"/>
+            <a:off x="3548435" y="4680791"/>
+            <a:ext cx="1332000" cy="1332000"/>
           </a:xfrm>
           <a:prstGeom prst="rect">
             <a:avLst/>
           </a:prstGeom>
-          <a:noFill/>
-        </p:spPr>
-        <p:txBody>
-          <a:bodyPr wrap="square" rtlCol="0">
-            <a:spAutoFit/>
-          </a:bodyPr>
-          <a:lstStyle/>
-          <a:p>
-            <a:r>
-              <a:rPr lang="en-US" altLang="ko-KR" sz="1000" dirty="0" smtClean="0">
-                <a:solidFill>
-                  <a:schemeClr val="bg1"/>
-                </a:solidFill>
-                <a:latin typeface="Adobe 고딕 Std B" panose="020B0800000000000000" pitchFamily="34" charset="-127"/>
-                <a:ea typeface="Adobe 고딕 Std B" panose="020B0800000000000000" pitchFamily="34" charset="-127"/>
-              </a:rPr>
-              <a:t>405px</a:t>
-            </a:r>
-            <a:endParaRPr lang="ko-KR" altLang="en-US" sz="1000" dirty="0">
-              <a:solidFill>
-                <a:schemeClr val="bg1"/>
-              </a:solidFill>
-              <a:latin typeface="Adobe 고딕 Std B" panose="020B0800000000000000" pitchFamily="34" charset="-127"/>
-              <a:ea typeface="Adobe 고딕 Std B" panose="020B0800000000000000" pitchFamily="34" charset="-127"/>
-            </a:endParaRPr>
-          </a:p>
-        </p:txBody>
-      </p:sp>
-      <p:cxnSp>
-        <p:nvCxnSpPr>
-          <p:cNvPr id="10" name="직선 화살표 연결선 9"/>
-          <p:cNvCxnSpPr/>
-          <p:nvPr/>
-        </p:nvCxnSpPr>
-        <p:spPr>
-          <a:xfrm>
-            <a:off x="9836727" y="2640172"/>
-            <a:ext cx="0" cy="2606083"/>
-          </a:xfrm>
-          <a:prstGeom prst="straightConnector1">
-            <a:avLst/>
-          </a:prstGeom>
-          <a:ln w="127000">
+          <a:solidFill>
+            <a:srgbClr val="404040"/>
+          </a:solidFill>
+          <a:ln>
             <a:solidFill>
               <a:schemeClr val="bg1"/>
             </a:solidFill>
-            <a:tailEnd type="triangle"/>
+          </a:ln>
+        </p:spPr>
+        <p:style>
+          <a:lnRef idx="2">
+            <a:schemeClr val="accent1">
+              <a:shade val="50000"/>
+            </a:schemeClr>
+          </a:lnRef>
+          <a:fillRef idx="1">
+            <a:schemeClr val="accent1"/>
+          </a:fillRef>
+          <a:effectRef idx="0">
+            <a:schemeClr val="accent1"/>
+          </a:effectRef>
+          <a:fontRef idx="minor">
+            <a:schemeClr val="lt1"/>
+          </a:fontRef>
+        </p:style>
+        <p:txBody>
+          <a:bodyPr rtlCol="0" anchor="ctr"/>
+          <a:lstStyle/>
+          <a:p>
+            <a:pPr algn="ctr"/>
+            <a:endParaRPr lang="ko-KR" altLang="en-US"/>
+          </a:p>
+        </p:txBody>
+      </p:sp>
+      <p:cxnSp>
+        <p:nvCxnSpPr>
+          <p:cNvPr id="45" name="직선 연결선 44"/>
+          <p:cNvCxnSpPr/>
+          <p:nvPr/>
+        </p:nvCxnSpPr>
+        <p:spPr>
+          <a:xfrm>
+            <a:off x="3548434" y="4672914"/>
+            <a:ext cx="1332001" cy="1339877"/>
+          </a:xfrm>
+          <a:prstGeom prst="line">
+            <a:avLst/>
+          </a:prstGeom>
+          <a:ln>
+            <a:solidFill>
+              <a:schemeClr val="bg1"/>
+            </a:solidFill>
           </a:ln>
         </p:spPr>
         <p:style>
@@ -11281,52 +15662,453 @@
           </a:fontRef>
         </p:style>
       </p:cxnSp>
-      <p:sp>
-        <p:nvSpPr>
-          <p:cNvPr id="14" name="TextBox 13"/>
-          <p:cNvSpPr txBox="1"/>
+      <p:cxnSp>
+        <p:nvCxnSpPr>
+          <p:cNvPr id="46" name="직선 연결선 45"/>
+          <p:cNvCxnSpPr/>
+          <p:nvPr/>
+        </p:nvCxnSpPr>
+        <p:spPr>
+          <a:xfrm flipH="1">
+            <a:off x="3548434" y="4672913"/>
+            <a:ext cx="1332002" cy="1347756"/>
+          </a:xfrm>
+          <a:prstGeom prst="line">
+            <a:avLst/>
+          </a:prstGeom>
+          <a:ln>
+            <a:solidFill>
+              <a:schemeClr val="bg1"/>
+            </a:solidFill>
+          </a:ln>
+        </p:spPr>
+        <p:style>
+          <a:lnRef idx="1">
+            <a:schemeClr val="accent1"/>
+          </a:lnRef>
+          <a:fillRef idx="0">
+            <a:schemeClr val="accent1"/>
+          </a:fillRef>
+          <a:effectRef idx="0">
+            <a:schemeClr val="accent1"/>
+          </a:effectRef>
+          <a:fontRef idx="minor">
+            <a:schemeClr val="tx1"/>
+          </a:fontRef>
+        </p:style>
+      </p:cxnSp>
+      <p:sp>
+        <p:nvSpPr>
+          <p:cNvPr id="47" name="직사각형 46"/>
+          <p:cNvSpPr/>
           <p:nvPr/>
         </p:nvSpPr>
         <p:spPr>
           <a:xfrm>
-            <a:off x="9979104" y="3011649"/>
-            <a:ext cx="461665" cy="1863127"/>
+            <a:off x="4880434" y="4686053"/>
+            <a:ext cx="1332000" cy="1332000"/>
           </a:xfrm>
           <a:prstGeom prst="rect">
             <a:avLst/>
           </a:prstGeom>
-          <a:noFill/>
-        </p:spPr>
-        <p:txBody>
-          <a:bodyPr vert="eaVert" wrap="square" rtlCol="0">
-            <a:spAutoFit/>
-          </a:bodyPr>
-          <a:lstStyle/>
-          <a:p>
-            <a:r>
-              <a:rPr lang="ko-KR" altLang="en-US" smtClean="0">
-                <a:solidFill>
-                  <a:schemeClr val="bg1"/>
-                </a:solidFill>
-                <a:latin typeface="Adobe 고딕 Std B" panose="020B0800000000000000" pitchFamily="34" charset="-127"/>
-                <a:ea typeface="Adobe 고딕 Std B" panose="020B0800000000000000" pitchFamily="34" charset="-127"/>
-              </a:rPr>
-              <a:t>스크롤 되도록</a:t>
-            </a:r>
-            <a:endParaRPr lang="ko-KR" altLang="en-US" dirty="0">
+          <a:solidFill>
+            <a:srgbClr val="404040"/>
+          </a:solidFill>
+          <a:ln>
+            <a:solidFill>
+              <a:schemeClr val="bg1"/>
+            </a:solidFill>
+          </a:ln>
+        </p:spPr>
+        <p:style>
+          <a:lnRef idx="2">
+            <a:schemeClr val="accent1">
+              <a:shade val="50000"/>
+            </a:schemeClr>
+          </a:lnRef>
+          <a:fillRef idx="1">
+            <a:schemeClr val="accent1"/>
+          </a:fillRef>
+          <a:effectRef idx="0">
+            <a:schemeClr val="accent1"/>
+          </a:effectRef>
+          <a:fontRef idx="minor">
+            <a:schemeClr val="lt1"/>
+          </a:fontRef>
+        </p:style>
+        <p:txBody>
+          <a:bodyPr rtlCol="0" anchor="ctr"/>
+          <a:lstStyle/>
+          <a:p>
+            <a:pPr algn="ctr"/>
+            <a:endParaRPr lang="ko-KR" altLang="en-US"/>
+          </a:p>
+        </p:txBody>
+      </p:sp>
+      <p:cxnSp>
+        <p:nvCxnSpPr>
+          <p:cNvPr id="48" name="직선 연결선 47"/>
+          <p:cNvCxnSpPr/>
+          <p:nvPr/>
+        </p:nvCxnSpPr>
+        <p:spPr>
+          <a:xfrm>
+            <a:off x="4880433" y="4678176"/>
+            <a:ext cx="1332001" cy="1339877"/>
+          </a:xfrm>
+          <a:prstGeom prst="line">
+            <a:avLst/>
+          </a:prstGeom>
+          <a:ln>
+            <a:solidFill>
+              <a:schemeClr val="bg1"/>
+            </a:solidFill>
+          </a:ln>
+        </p:spPr>
+        <p:style>
+          <a:lnRef idx="1">
+            <a:schemeClr val="accent1"/>
+          </a:lnRef>
+          <a:fillRef idx="0">
+            <a:schemeClr val="accent1"/>
+          </a:fillRef>
+          <a:effectRef idx="0">
+            <a:schemeClr val="accent1"/>
+          </a:effectRef>
+          <a:fontRef idx="minor">
+            <a:schemeClr val="tx1"/>
+          </a:fontRef>
+        </p:style>
+      </p:cxnSp>
+      <p:cxnSp>
+        <p:nvCxnSpPr>
+          <p:cNvPr id="49" name="직선 연결선 48"/>
+          <p:cNvCxnSpPr/>
+          <p:nvPr/>
+        </p:nvCxnSpPr>
+        <p:spPr>
+          <a:xfrm flipH="1">
+            <a:off x="4880433" y="4678175"/>
+            <a:ext cx="1332002" cy="1347756"/>
+          </a:xfrm>
+          <a:prstGeom prst="line">
+            <a:avLst/>
+          </a:prstGeom>
+          <a:ln>
+            <a:solidFill>
+              <a:schemeClr val="bg1"/>
+            </a:solidFill>
+          </a:ln>
+        </p:spPr>
+        <p:style>
+          <a:lnRef idx="1">
+            <a:schemeClr val="accent1"/>
+          </a:lnRef>
+          <a:fillRef idx="0">
+            <a:schemeClr val="accent1"/>
+          </a:fillRef>
+          <a:effectRef idx="0">
+            <a:schemeClr val="accent1"/>
+          </a:effectRef>
+          <a:fontRef idx="minor">
+            <a:schemeClr val="tx1"/>
+          </a:fontRef>
+        </p:style>
+      </p:cxnSp>
+      <p:sp>
+        <p:nvSpPr>
+          <p:cNvPr id="50" name="직사각형 49"/>
+          <p:cNvSpPr/>
+          <p:nvPr/>
+        </p:nvSpPr>
+        <p:spPr>
+          <a:xfrm>
+            <a:off x="6212434" y="4688669"/>
+            <a:ext cx="1332000" cy="1332000"/>
+          </a:xfrm>
+          <a:prstGeom prst="rect">
+            <a:avLst/>
+          </a:prstGeom>
+          <a:solidFill>
+            <a:srgbClr val="404040"/>
+          </a:solidFill>
+          <a:ln>
+            <a:solidFill>
+              <a:schemeClr val="bg1"/>
+            </a:solidFill>
+          </a:ln>
+        </p:spPr>
+        <p:style>
+          <a:lnRef idx="2">
+            <a:schemeClr val="accent1">
+              <a:shade val="50000"/>
+            </a:schemeClr>
+          </a:lnRef>
+          <a:fillRef idx="1">
+            <a:schemeClr val="accent1"/>
+          </a:fillRef>
+          <a:effectRef idx="0">
+            <a:schemeClr val="accent1"/>
+          </a:effectRef>
+          <a:fontRef idx="minor">
+            <a:schemeClr val="lt1"/>
+          </a:fontRef>
+        </p:style>
+        <p:txBody>
+          <a:bodyPr rtlCol="0" anchor="ctr"/>
+          <a:lstStyle/>
+          <a:p>
+            <a:pPr algn="ctr"/>
+            <a:endParaRPr lang="ko-KR" altLang="en-US"/>
+          </a:p>
+        </p:txBody>
+      </p:sp>
+      <p:cxnSp>
+        <p:nvCxnSpPr>
+          <p:cNvPr id="51" name="직선 연결선 50"/>
+          <p:cNvCxnSpPr/>
+          <p:nvPr/>
+        </p:nvCxnSpPr>
+        <p:spPr>
+          <a:xfrm>
+            <a:off x="6212433" y="4680792"/>
+            <a:ext cx="1332001" cy="1339877"/>
+          </a:xfrm>
+          <a:prstGeom prst="line">
+            <a:avLst/>
+          </a:prstGeom>
+          <a:ln>
+            <a:solidFill>
+              <a:schemeClr val="bg1"/>
+            </a:solidFill>
+          </a:ln>
+        </p:spPr>
+        <p:style>
+          <a:lnRef idx="1">
+            <a:schemeClr val="accent1"/>
+          </a:lnRef>
+          <a:fillRef idx="0">
+            <a:schemeClr val="accent1"/>
+          </a:fillRef>
+          <a:effectRef idx="0">
+            <a:schemeClr val="accent1"/>
+          </a:effectRef>
+          <a:fontRef idx="minor">
+            <a:schemeClr val="tx1"/>
+          </a:fontRef>
+        </p:style>
+      </p:cxnSp>
+      <p:cxnSp>
+        <p:nvCxnSpPr>
+          <p:cNvPr id="52" name="직선 연결선 51"/>
+          <p:cNvCxnSpPr/>
+          <p:nvPr/>
+        </p:nvCxnSpPr>
+        <p:spPr>
+          <a:xfrm flipH="1">
+            <a:off x="6212433" y="4680791"/>
+            <a:ext cx="1332002" cy="1347756"/>
+          </a:xfrm>
+          <a:prstGeom prst="line">
+            <a:avLst/>
+          </a:prstGeom>
+          <a:ln>
+            <a:solidFill>
+              <a:schemeClr val="bg1"/>
+            </a:solidFill>
+          </a:ln>
+        </p:spPr>
+        <p:style>
+          <a:lnRef idx="1">
+            <a:schemeClr val="accent1"/>
+          </a:lnRef>
+          <a:fillRef idx="0">
+            <a:schemeClr val="accent1"/>
+          </a:fillRef>
+          <a:effectRef idx="0">
+            <a:schemeClr val="accent1"/>
+          </a:effectRef>
+          <a:fontRef idx="minor">
+            <a:schemeClr val="tx1"/>
+          </a:fontRef>
+        </p:style>
+      </p:cxnSp>
+      <p:sp>
+        <p:nvSpPr>
+          <p:cNvPr id="54" name="타원형 설명선 53"/>
+          <p:cNvSpPr/>
+          <p:nvPr/>
+        </p:nvSpPr>
+        <p:spPr>
+          <a:xfrm>
+            <a:off x="6281018" y="2447434"/>
+            <a:ext cx="3020291" cy="1086219"/>
+          </a:xfrm>
+          <a:prstGeom prst="wedgeEllipseCallout">
+            <a:avLst/>
+          </a:prstGeom>
+          <a:solidFill>
+            <a:schemeClr val="bg1"/>
+          </a:solidFill>
+          <a:ln>
+            <a:noFill/>
+          </a:ln>
+        </p:spPr>
+        <p:style>
+          <a:lnRef idx="2">
+            <a:schemeClr val="accent1">
+              <a:shade val="50000"/>
+            </a:schemeClr>
+          </a:lnRef>
+          <a:fillRef idx="1">
+            <a:schemeClr val="accent1"/>
+          </a:fillRef>
+          <a:effectRef idx="0">
+            <a:schemeClr val="accent1"/>
+          </a:effectRef>
+          <a:fontRef idx="minor">
+            <a:schemeClr val="lt1"/>
+          </a:fontRef>
+        </p:style>
+        <p:txBody>
+          <a:bodyPr rtlCol="0" anchor="ctr"/>
+          <a:lstStyle/>
+          <a:p>
+            <a:pPr algn="ctr"/>
+            <a:r>
+              <a:rPr lang="ko-KR" altLang="en-US" sz="1050" dirty="0" smtClean="0">
+                <a:solidFill>
+                  <a:schemeClr val="tx1"/>
+                </a:solidFill>
+                <a:latin typeface="Adobe 고딕 Std B" panose="020B0800000000000000" pitchFamily="34" charset="-127"/>
+                <a:ea typeface="Adobe 고딕 Std B" panose="020B0800000000000000" pitchFamily="34" charset="-127"/>
+              </a:rPr>
+              <a:t>컴퓨터의 경우</a:t>
+            </a:r>
+            <a:endParaRPr lang="en-US" altLang="ko-KR" sz="1050" dirty="0" smtClean="0">
               <a:solidFill>
-                <a:schemeClr val="bg1"/>
+                <a:schemeClr val="tx1"/>
               </a:solidFill>
               <a:latin typeface="Adobe 고딕 Std B" panose="020B0800000000000000" pitchFamily="34" charset="-127"/>
               <a:ea typeface="Adobe 고딕 Std B" panose="020B0800000000000000" pitchFamily="34" charset="-127"/>
             </a:endParaRPr>
           </a:p>
+          <a:p>
+            <a:pPr algn="ctr"/>
+            <a:r>
+              <a:rPr lang="ko-KR" altLang="en-US" sz="1050" dirty="0" smtClean="0">
+                <a:solidFill>
+                  <a:schemeClr val="tx1"/>
+                </a:solidFill>
+                <a:latin typeface="Adobe 고딕 Std B" panose="020B0800000000000000" pitchFamily="34" charset="-127"/>
+                <a:ea typeface="Adobe 고딕 Std B" panose="020B0800000000000000" pitchFamily="34" charset="-127"/>
+              </a:rPr>
+              <a:t>아이콘에 마우스를 올리면</a:t>
+            </a:r>
+            <a:endParaRPr lang="en-US" altLang="ko-KR" sz="1050" dirty="0" smtClean="0">
+              <a:solidFill>
+                <a:schemeClr val="tx1"/>
+              </a:solidFill>
+              <a:latin typeface="Adobe 고딕 Std B" panose="020B0800000000000000" pitchFamily="34" charset="-127"/>
+              <a:ea typeface="Adobe 고딕 Std B" panose="020B0800000000000000" pitchFamily="34" charset="-127"/>
+            </a:endParaRPr>
+          </a:p>
+          <a:p>
+            <a:pPr algn="ctr"/>
+            <a:r>
+              <a:rPr lang="ko-KR" altLang="en-US" sz="1050" dirty="0" smtClean="0">
+                <a:solidFill>
+                  <a:schemeClr val="tx1"/>
+                </a:solidFill>
+                <a:latin typeface="Adobe 고딕 Std B" panose="020B0800000000000000" pitchFamily="34" charset="-127"/>
+                <a:ea typeface="Adobe 고딕 Std B" panose="020B0800000000000000" pitchFamily="34" charset="-127"/>
+              </a:rPr>
+              <a:t>이름이 뜨도록</a:t>
+            </a:r>
+            <a:endParaRPr lang="en-US" altLang="ko-KR" sz="1050" dirty="0" smtClean="0">
+              <a:solidFill>
+                <a:schemeClr val="tx1"/>
+              </a:solidFill>
+              <a:latin typeface="Adobe 고딕 Std B" panose="020B0800000000000000" pitchFamily="34" charset="-127"/>
+              <a:ea typeface="Adobe 고딕 Std B" panose="020B0800000000000000" pitchFamily="34" charset="-127"/>
+            </a:endParaRPr>
+          </a:p>
+          <a:p>
+            <a:pPr algn="ctr"/>
+            <a:r>
+              <a:rPr lang="ko-KR" altLang="en-US" sz="1050" dirty="0" smtClean="0">
+                <a:solidFill>
+                  <a:schemeClr val="tx1"/>
+                </a:solidFill>
+                <a:latin typeface="Adobe 고딕 Std B" panose="020B0800000000000000" pitchFamily="34" charset="-127"/>
+                <a:ea typeface="Adobe 고딕 Std B" panose="020B0800000000000000" pitchFamily="34" charset="-127"/>
+              </a:rPr>
+              <a:t>태블릿</a:t>
+            </a:r>
+            <a:r>
+              <a:rPr lang="en-US" altLang="ko-KR" sz="1050" dirty="0" smtClean="0">
+                <a:solidFill>
+                  <a:schemeClr val="tx1"/>
+                </a:solidFill>
+                <a:latin typeface="Adobe 고딕 Std B" panose="020B0800000000000000" pitchFamily="34" charset="-127"/>
+                <a:ea typeface="Adobe 고딕 Std B" panose="020B0800000000000000" pitchFamily="34" charset="-127"/>
+              </a:rPr>
+              <a:t>/</a:t>
+            </a:r>
+            <a:r>
+              <a:rPr lang="ko-KR" altLang="en-US" sz="1050" dirty="0" smtClean="0">
+                <a:solidFill>
+                  <a:schemeClr val="tx1"/>
+                </a:solidFill>
+                <a:latin typeface="Adobe 고딕 Std B" panose="020B0800000000000000" pitchFamily="34" charset="-127"/>
+                <a:ea typeface="Adobe 고딕 Std B" panose="020B0800000000000000" pitchFamily="34" charset="-127"/>
+              </a:rPr>
+              <a:t>핸드폰의 경우</a:t>
+            </a:r>
+            <a:endParaRPr lang="en-US" altLang="ko-KR" sz="1300" dirty="0">
+              <a:solidFill>
+                <a:schemeClr val="tx1"/>
+              </a:solidFill>
+              <a:latin typeface="Adobe 고딕 Std B" panose="020B0800000000000000" pitchFamily="34" charset="-127"/>
+              <a:ea typeface="Adobe 고딕 Std B" panose="020B0800000000000000" pitchFamily="34" charset="-127"/>
+            </a:endParaRPr>
+          </a:p>
+          <a:p>
+            <a:pPr algn="ctr"/>
+            <a:r>
+              <a:rPr lang="ko-KR" altLang="en-US" sz="1050" dirty="0" err="1" smtClean="0">
+                <a:solidFill>
+                  <a:schemeClr val="tx1"/>
+                </a:solidFill>
+                <a:latin typeface="Adobe 고딕 Std B" panose="020B0800000000000000" pitchFamily="34" charset="-127"/>
+                <a:ea typeface="Adobe 고딕 Std B" panose="020B0800000000000000" pitchFamily="34" charset="-127"/>
+              </a:rPr>
+              <a:t>탭하면</a:t>
+            </a:r>
+            <a:r>
+              <a:rPr lang="ko-KR" altLang="en-US" sz="1050" dirty="0" smtClean="0">
+                <a:solidFill>
+                  <a:schemeClr val="tx1"/>
+                </a:solidFill>
+                <a:latin typeface="Adobe 고딕 Std B" panose="020B0800000000000000" pitchFamily="34" charset="-127"/>
+                <a:ea typeface="Adobe 고딕 Std B" panose="020B0800000000000000" pitchFamily="34" charset="-127"/>
+              </a:rPr>
+              <a:t> 이름이 뜨도록</a:t>
+            </a:r>
+            <a:endParaRPr lang="en-US" altLang="ko-KR" sz="1050" dirty="0" smtClean="0">
+              <a:solidFill>
+                <a:schemeClr val="tx1"/>
+              </a:solidFill>
+              <a:latin typeface="Adobe 고딕 Std B" panose="020B0800000000000000" pitchFamily="34" charset="-127"/>
+              <a:ea typeface="Adobe 고딕 Std B" panose="020B0800000000000000" pitchFamily="34" charset="-127"/>
+            </a:endParaRPr>
+          </a:p>
         </p:txBody>
       </p:sp>
     </p:spTree>
     <p:extLst>
       <p:ext uri="{BB962C8B-B14F-4D97-AF65-F5344CB8AC3E}">
-        <p14:creationId xmlns:p14="http://schemas.microsoft.com/office/powerpoint/2010/main" val="1640305789"/>
+        <p14:creationId xmlns:p14="http://schemas.microsoft.com/office/powerpoint/2010/main" val="348115904"/>
       </p:ext>
     </p:extLst>
   </p:cSld>
